--- a/TLRAlgorithm.pptx
+++ b/TLRAlgorithm.pptx
@@ -5,7 +5,7 @@
     <p:sldMasterId id="2147483648" r:id="rId1"/>
   </p:sldMasterIdLst>
   <p:notesMasterIdLst>
-    <p:notesMasterId r:id="rId13"/>
+    <p:notesMasterId r:id="rId15"/>
   </p:notesMasterIdLst>
   <p:sldIdLst>
     <p:sldId id="256" r:id="rId2"/>
@@ -18,7 +18,9 @@
     <p:sldId id="262" r:id="rId9"/>
     <p:sldId id="265" r:id="rId10"/>
     <p:sldId id="264" r:id="rId11"/>
-    <p:sldId id="266" r:id="rId12"/>
+    <p:sldId id="267" r:id="rId12"/>
+    <p:sldId id="266" r:id="rId13"/>
+    <p:sldId id="268" r:id="rId14"/>
   </p:sldIdLst>
   <p:sldSz cx="12192000" cy="6858000"/>
   <p:notesSz cx="6858000" cy="9144000"/>
@@ -4046,6 +4048,2907 @@
       </p:grpSpPr>
       <p:sp>
         <p:nvSpPr>
+          <p:cNvPr id="5" name="직사각형 4">
+            <a:extLst>
+              <a:ext uri="{FF2B5EF4-FFF2-40B4-BE49-F238E27FC236}">
+                <a16:creationId xmlns:a16="http://schemas.microsoft.com/office/drawing/2014/main" id="{B7AA1A58-C213-53FA-1C48-BB62DCB257F8}"/>
+              </a:ext>
+            </a:extLst>
+          </p:cNvPr>
+          <p:cNvSpPr/>
+          <p:nvPr/>
+        </p:nvSpPr>
+        <p:spPr>
+          <a:xfrm>
+            <a:off x="0" y="0"/>
+            <a:ext cx="12192000" cy="965200"/>
+          </a:xfrm>
+          <a:prstGeom prst="rect">
+            <a:avLst/>
+          </a:prstGeom>
+          <a:solidFill>
+            <a:srgbClr val="BDAA9F"/>
+          </a:solidFill>
+          <a:ln>
+            <a:noFill/>
+          </a:ln>
+        </p:spPr>
+        <p:style>
+          <a:lnRef idx="2">
+            <a:schemeClr val="accent1">
+              <a:shade val="50000"/>
+            </a:schemeClr>
+          </a:lnRef>
+          <a:fillRef idx="1">
+            <a:schemeClr val="accent1"/>
+          </a:fillRef>
+          <a:effectRef idx="0">
+            <a:schemeClr val="accent1"/>
+          </a:effectRef>
+          <a:fontRef idx="minor">
+            <a:schemeClr val="lt1"/>
+          </a:fontRef>
+        </p:style>
+        <p:txBody>
+          <a:bodyPr rtlCol="0" anchor="ctr"/>
+          <a:lstStyle/>
+          <a:p>
+            <a:pPr algn="ctr"/>
+            <a:endParaRPr lang="ko-KR" altLang="en-US">
+              <a:latin typeface="한컴 말랑말랑 Bold" panose="020F0803000000000000" pitchFamily="50" charset="-127"/>
+              <a:ea typeface="한컴 말랑말랑 Bold" panose="020F0803000000000000" pitchFamily="50" charset="-127"/>
+            </a:endParaRPr>
+          </a:p>
+        </p:txBody>
+      </p:sp>
+      <p:sp>
+        <p:nvSpPr>
+          <p:cNvPr id="2" name="TextBox 1">
+            <a:extLst>
+              <a:ext uri="{FF2B5EF4-FFF2-40B4-BE49-F238E27FC236}">
+                <a16:creationId xmlns:a16="http://schemas.microsoft.com/office/drawing/2014/main" id="{34B48FC4-8988-1088-D7B4-4AA2A44E1A68}"/>
+              </a:ext>
+            </a:extLst>
+          </p:cNvPr>
+          <p:cNvSpPr txBox="1"/>
+          <p:nvPr/>
+        </p:nvSpPr>
+        <p:spPr>
+          <a:xfrm>
+            <a:off x="0" y="39757"/>
+            <a:ext cx="12192000" cy="830997"/>
+          </a:xfrm>
+          <a:prstGeom prst="rect">
+            <a:avLst/>
+          </a:prstGeom>
+          <a:noFill/>
+        </p:spPr>
+        <p:txBody>
+          <a:bodyPr wrap="square">
+            <a:spAutoFit/>
+          </a:bodyPr>
+          <a:lstStyle/>
+          <a:p>
+            <a:pPr lvl="0" algn="ctr"/>
+            <a:r>
+              <a:rPr lang="ko-KR" altLang="en-US" sz="4800" b="1" dirty="0">
+                <a:solidFill>
+                  <a:schemeClr val="tx1">
+                    <a:lumMod val="95000"/>
+                    <a:lumOff val="5000"/>
+                  </a:schemeClr>
+                </a:solidFill>
+                <a:effectLst>
+                  <a:outerShdw blurRad="38100" dist="38100" dir="2700000" algn="tl">
+                    <a:srgbClr val="000000">
+                      <a:alpha val="43137"/>
+                    </a:srgbClr>
+                  </a:outerShdw>
+                </a:effectLst>
+                <a:latin typeface="한컴 말랑말랑 Bold" panose="020F0803000000000000" pitchFamily="50" charset="-127"/>
+                <a:ea typeface="한컴 말랑말랑 Bold" panose="020F0803000000000000" pitchFamily="50" charset="-127"/>
+                <a:cs typeface="KoPubWorld돋움체 Bold" panose="00000800000000000000" pitchFamily="2" charset="-127"/>
+              </a:rPr>
+              <a:t>대표 술 좌표 생성 기준</a:t>
+            </a:r>
+          </a:p>
+        </p:txBody>
+      </p:sp>
+      <p:sp>
+        <p:nvSpPr>
+          <p:cNvPr id="6" name="직사각형 5">
+            <a:extLst>
+              <a:ext uri="{FF2B5EF4-FFF2-40B4-BE49-F238E27FC236}">
+                <a16:creationId xmlns:a16="http://schemas.microsoft.com/office/drawing/2014/main" id="{4D67E19D-483F-9E0B-7E9D-5AAF16E59F05}"/>
+              </a:ext>
+            </a:extLst>
+          </p:cNvPr>
+          <p:cNvSpPr/>
+          <p:nvPr/>
+        </p:nvSpPr>
+        <p:spPr>
+          <a:xfrm>
+            <a:off x="6942110" y="2488651"/>
+            <a:ext cx="4655388" cy="2912192"/>
+          </a:xfrm>
+          <a:prstGeom prst="rect">
+            <a:avLst/>
+          </a:prstGeom>
+        </p:spPr>
+        <p:style>
+          <a:lnRef idx="2">
+            <a:schemeClr val="dk1"/>
+          </a:lnRef>
+          <a:fillRef idx="1">
+            <a:schemeClr val="lt1"/>
+          </a:fillRef>
+          <a:effectRef idx="0">
+            <a:schemeClr val="dk1"/>
+          </a:effectRef>
+          <a:fontRef idx="minor">
+            <a:schemeClr val="dk1"/>
+          </a:fontRef>
+        </p:style>
+        <p:txBody>
+          <a:bodyPr rtlCol="0" anchor="ctr"/>
+          <a:lstStyle>
+            <a:defPPr>
+              <a:defRPr lang="ko-KR"/>
+            </a:defPPr>
+            <a:lvl1pPr marL="0" algn="l" defTabSz="914400" rtl="0" eaLnBrk="1" latinLnBrk="1" hangingPunct="1">
+              <a:defRPr sz="1800" kern="1200">
+                <a:solidFill>
+                  <a:schemeClr val="dk1"/>
+                </a:solidFill>
+                <a:latin typeface="+mn-lt"/>
+                <a:ea typeface="+mn-ea"/>
+                <a:cs typeface="+mn-cs"/>
+              </a:defRPr>
+            </a:lvl1pPr>
+            <a:lvl2pPr marL="457200" algn="l" defTabSz="914400" rtl="0" eaLnBrk="1" latinLnBrk="1" hangingPunct="1">
+              <a:defRPr sz="1800" kern="1200">
+                <a:solidFill>
+                  <a:schemeClr val="dk1"/>
+                </a:solidFill>
+                <a:latin typeface="+mn-lt"/>
+                <a:ea typeface="+mn-ea"/>
+                <a:cs typeface="+mn-cs"/>
+              </a:defRPr>
+            </a:lvl2pPr>
+            <a:lvl3pPr marL="914400" algn="l" defTabSz="914400" rtl="0" eaLnBrk="1" latinLnBrk="1" hangingPunct="1">
+              <a:defRPr sz="1800" kern="1200">
+                <a:solidFill>
+                  <a:schemeClr val="dk1"/>
+                </a:solidFill>
+                <a:latin typeface="+mn-lt"/>
+                <a:ea typeface="+mn-ea"/>
+                <a:cs typeface="+mn-cs"/>
+              </a:defRPr>
+            </a:lvl3pPr>
+            <a:lvl4pPr marL="1371600" algn="l" defTabSz="914400" rtl="0" eaLnBrk="1" latinLnBrk="1" hangingPunct="1">
+              <a:defRPr sz="1800" kern="1200">
+                <a:solidFill>
+                  <a:schemeClr val="dk1"/>
+                </a:solidFill>
+                <a:latin typeface="+mn-lt"/>
+                <a:ea typeface="+mn-ea"/>
+                <a:cs typeface="+mn-cs"/>
+              </a:defRPr>
+            </a:lvl4pPr>
+            <a:lvl5pPr marL="1828800" algn="l" defTabSz="914400" rtl="0" eaLnBrk="1" latinLnBrk="1" hangingPunct="1">
+              <a:defRPr sz="1800" kern="1200">
+                <a:solidFill>
+                  <a:schemeClr val="dk1"/>
+                </a:solidFill>
+                <a:latin typeface="+mn-lt"/>
+                <a:ea typeface="+mn-ea"/>
+                <a:cs typeface="+mn-cs"/>
+              </a:defRPr>
+            </a:lvl5pPr>
+            <a:lvl6pPr marL="2286000" algn="l" defTabSz="914400" rtl="0" eaLnBrk="1" latinLnBrk="1" hangingPunct="1">
+              <a:defRPr sz="1800" kern="1200">
+                <a:solidFill>
+                  <a:schemeClr val="dk1"/>
+                </a:solidFill>
+                <a:latin typeface="+mn-lt"/>
+                <a:ea typeface="+mn-ea"/>
+                <a:cs typeface="+mn-cs"/>
+              </a:defRPr>
+            </a:lvl6pPr>
+            <a:lvl7pPr marL="2743200" algn="l" defTabSz="914400" rtl="0" eaLnBrk="1" latinLnBrk="1" hangingPunct="1">
+              <a:defRPr sz="1800" kern="1200">
+                <a:solidFill>
+                  <a:schemeClr val="dk1"/>
+                </a:solidFill>
+                <a:latin typeface="+mn-lt"/>
+                <a:ea typeface="+mn-ea"/>
+                <a:cs typeface="+mn-cs"/>
+              </a:defRPr>
+            </a:lvl7pPr>
+            <a:lvl8pPr marL="3200400" algn="l" defTabSz="914400" rtl="0" eaLnBrk="1" latinLnBrk="1" hangingPunct="1">
+              <a:defRPr sz="1800" kern="1200">
+                <a:solidFill>
+                  <a:schemeClr val="dk1"/>
+                </a:solidFill>
+                <a:latin typeface="+mn-lt"/>
+                <a:ea typeface="+mn-ea"/>
+                <a:cs typeface="+mn-cs"/>
+              </a:defRPr>
+            </a:lvl8pPr>
+            <a:lvl9pPr marL="3657600" algn="l" defTabSz="914400" rtl="0" eaLnBrk="1" latinLnBrk="1" hangingPunct="1">
+              <a:defRPr sz="1800" kern="1200">
+                <a:solidFill>
+                  <a:schemeClr val="dk1"/>
+                </a:solidFill>
+                <a:latin typeface="+mn-lt"/>
+                <a:ea typeface="+mn-ea"/>
+                <a:cs typeface="+mn-cs"/>
+              </a:defRPr>
+            </a:lvl9pPr>
+          </a:lstStyle>
+          <a:p>
+            <a:pPr algn="ctr"/>
+            <a:endParaRPr lang="ko-KR" altLang="en-US">
+              <a:latin typeface="한컴 말랑말랑 Bold" panose="020F0803000000000000" pitchFamily="50" charset="-127"/>
+              <a:ea typeface="한컴 말랑말랑 Bold" panose="020F0803000000000000" pitchFamily="50" charset="-127"/>
+            </a:endParaRPr>
+          </a:p>
+        </p:txBody>
+      </p:sp>
+      <p:grpSp>
+        <p:nvGrpSpPr>
+          <p:cNvPr id="13" name="그룹 12">
+            <a:extLst>
+              <a:ext uri="{FF2B5EF4-FFF2-40B4-BE49-F238E27FC236}">
+                <a16:creationId xmlns:a16="http://schemas.microsoft.com/office/drawing/2014/main" id="{16069D40-0946-14FD-B003-631CCD0C5A69}"/>
+              </a:ext>
+            </a:extLst>
+          </p:cNvPr>
+          <p:cNvGrpSpPr/>
+          <p:nvPr/>
+        </p:nvGrpSpPr>
+        <p:grpSpPr>
+          <a:xfrm>
+            <a:off x="557272" y="1984186"/>
+            <a:ext cx="2887579" cy="3487139"/>
+            <a:chOff x="361717" y="2043011"/>
+            <a:chExt cx="2887579" cy="3487139"/>
+          </a:xfrm>
+        </p:grpSpPr>
+        <p:sp>
+          <p:nvSpPr>
+            <p:cNvPr id="36" name="직사각형 35">
+              <a:extLst>
+                <a:ext uri="{FF2B5EF4-FFF2-40B4-BE49-F238E27FC236}">
+                  <a16:creationId xmlns:a16="http://schemas.microsoft.com/office/drawing/2014/main" id="{58D7284F-AF29-B664-D7AF-6F72BA98CA91}"/>
+                </a:ext>
+              </a:extLst>
+            </p:cNvPr>
+            <p:cNvSpPr/>
+            <p:nvPr/>
+          </p:nvSpPr>
+          <p:spPr>
+            <a:xfrm>
+              <a:off x="361717" y="2444714"/>
+              <a:ext cx="2887579" cy="3085436"/>
+            </a:xfrm>
+            <a:prstGeom prst="rect">
+              <a:avLst/>
+            </a:prstGeom>
+            <a:ln w="57150"/>
+          </p:spPr>
+          <p:style>
+            <a:lnRef idx="2">
+              <a:schemeClr val="dk1"/>
+            </a:lnRef>
+            <a:fillRef idx="1">
+              <a:schemeClr val="lt1"/>
+            </a:fillRef>
+            <a:effectRef idx="0">
+              <a:schemeClr val="dk1"/>
+            </a:effectRef>
+            <a:fontRef idx="minor">
+              <a:schemeClr val="dk1"/>
+            </a:fontRef>
+          </p:style>
+          <p:txBody>
+            <a:bodyPr rtlCol="0" anchor="ctr"/>
+            <a:lstStyle>
+              <a:defPPr>
+                <a:defRPr lang="ko-KR"/>
+              </a:defPPr>
+              <a:lvl1pPr marL="0" algn="l" defTabSz="914400" rtl="0" eaLnBrk="1" latinLnBrk="1" hangingPunct="1">
+                <a:defRPr sz="1800" kern="1200">
+                  <a:solidFill>
+                    <a:schemeClr val="dk1"/>
+                  </a:solidFill>
+                  <a:latin typeface="+mn-lt"/>
+                  <a:ea typeface="+mn-ea"/>
+                  <a:cs typeface="+mn-cs"/>
+                </a:defRPr>
+              </a:lvl1pPr>
+              <a:lvl2pPr marL="457200" algn="l" defTabSz="914400" rtl="0" eaLnBrk="1" latinLnBrk="1" hangingPunct="1">
+                <a:defRPr sz="1800" kern="1200">
+                  <a:solidFill>
+                    <a:schemeClr val="dk1"/>
+                  </a:solidFill>
+                  <a:latin typeface="+mn-lt"/>
+                  <a:ea typeface="+mn-ea"/>
+                  <a:cs typeface="+mn-cs"/>
+                </a:defRPr>
+              </a:lvl2pPr>
+              <a:lvl3pPr marL="914400" algn="l" defTabSz="914400" rtl="0" eaLnBrk="1" latinLnBrk="1" hangingPunct="1">
+                <a:defRPr sz="1800" kern="1200">
+                  <a:solidFill>
+                    <a:schemeClr val="dk1"/>
+                  </a:solidFill>
+                  <a:latin typeface="+mn-lt"/>
+                  <a:ea typeface="+mn-ea"/>
+                  <a:cs typeface="+mn-cs"/>
+                </a:defRPr>
+              </a:lvl3pPr>
+              <a:lvl4pPr marL="1371600" algn="l" defTabSz="914400" rtl="0" eaLnBrk="1" latinLnBrk="1" hangingPunct="1">
+                <a:defRPr sz="1800" kern="1200">
+                  <a:solidFill>
+                    <a:schemeClr val="dk1"/>
+                  </a:solidFill>
+                  <a:latin typeface="+mn-lt"/>
+                  <a:ea typeface="+mn-ea"/>
+                  <a:cs typeface="+mn-cs"/>
+                </a:defRPr>
+              </a:lvl4pPr>
+              <a:lvl5pPr marL="1828800" algn="l" defTabSz="914400" rtl="0" eaLnBrk="1" latinLnBrk="1" hangingPunct="1">
+                <a:defRPr sz="1800" kern="1200">
+                  <a:solidFill>
+                    <a:schemeClr val="dk1"/>
+                  </a:solidFill>
+                  <a:latin typeface="+mn-lt"/>
+                  <a:ea typeface="+mn-ea"/>
+                  <a:cs typeface="+mn-cs"/>
+                </a:defRPr>
+              </a:lvl5pPr>
+              <a:lvl6pPr marL="2286000" algn="l" defTabSz="914400" rtl="0" eaLnBrk="1" latinLnBrk="1" hangingPunct="1">
+                <a:defRPr sz="1800" kern="1200">
+                  <a:solidFill>
+                    <a:schemeClr val="dk1"/>
+                  </a:solidFill>
+                  <a:latin typeface="+mn-lt"/>
+                  <a:ea typeface="+mn-ea"/>
+                  <a:cs typeface="+mn-cs"/>
+                </a:defRPr>
+              </a:lvl6pPr>
+              <a:lvl7pPr marL="2743200" algn="l" defTabSz="914400" rtl="0" eaLnBrk="1" latinLnBrk="1" hangingPunct="1">
+                <a:defRPr sz="1800" kern="1200">
+                  <a:solidFill>
+                    <a:schemeClr val="dk1"/>
+                  </a:solidFill>
+                  <a:latin typeface="+mn-lt"/>
+                  <a:ea typeface="+mn-ea"/>
+                  <a:cs typeface="+mn-cs"/>
+                </a:defRPr>
+              </a:lvl7pPr>
+              <a:lvl8pPr marL="3200400" algn="l" defTabSz="914400" rtl="0" eaLnBrk="1" latinLnBrk="1" hangingPunct="1">
+                <a:defRPr sz="1800" kern="1200">
+                  <a:solidFill>
+                    <a:schemeClr val="dk1"/>
+                  </a:solidFill>
+                  <a:latin typeface="+mn-lt"/>
+                  <a:ea typeface="+mn-ea"/>
+                  <a:cs typeface="+mn-cs"/>
+                </a:defRPr>
+              </a:lvl8pPr>
+              <a:lvl9pPr marL="3657600" algn="l" defTabSz="914400" rtl="0" eaLnBrk="1" latinLnBrk="1" hangingPunct="1">
+                <a:defRPr sz="1800" kern="1200">
+                  <a:solidFill>
+                    <a:schemeClr val="dk1"/>
+                  </a:solidFill>
+                  <a:latin typeface="+mn-lt"/>
+                  <a:ea typeface="+mn-ea"/>
+                  <a:cs typeface="+mn-cs"/>
+                </a:defRPr>
+              </a:lvl9pPr>
+            </a:lstStyle>
+            <a:p>
+              <a:pPr algn="ctr"/>
+              <a:endParaRPr lang="ko-KR" altLang="en-US" dirty="0">
+                <a:latin typeface="한컴 말랑말랑 Bold" panose="020F0803000000000000" pitchFamily="50" charset="-127"/>
+                <a:ea typeface="한컴 말랑말랑 Bold" panose="020F0803000000000000" pitchFamily="50" charset="-127"/>
+              </a:endParaRPr>
+            </a:p>
+          </p:txBody>
+        </p:sp>
+        <p:grpSp>
+          <p:nvGrpSpPr>
+            <p:cNvPr id="37" name="그룹 36">
+              <a:extLst>
+                <a:ext uri="{FF2B5EF4-FFF2-40B4-BE49-F238E27FC236}">
+                  <a16:creationId xmlns:a16="http://schemas.microsoft.com/office/drawing/2014/main" id="{F73B5B9F-2527-F65B-2B1E-1AEE4DF1988E}"/>
+                </a:ext>
+              </a:extLst>
+            </p:cNvPr>
+            <p:cNvGrpSpPr/>
+            <p:nvPr/>
+          </p:nvGrpSpPr>
+          <p:grpSpPr>
+            <a:xfrm>
+              <a:off x="426003" y="2043011"/>
+              <a:ext cx="2756988" cy="3298152"/>
+              <a:chOff x="576121" y="1964730"/>
+              <a:chExt cx="3272590" cy="4019094"/>
+            </a:xfrm>
+          </p:grpSpPr>
+          <p:grpSp>
+            <p:nvGrpSpPr>
+              <p:cNvPr id="38" name="그룹 37">
+                <a:extLst>
+                  <a:ext uri="{FF2B5EF4-FFF2-40B4-BE49-F238E27FC236}">
+                    <a16:creationId xmlns:a16="http://schemas.microsoft.com/office/drawing/2014/main" id="{D2C1D2D6-30DA-29A5-0B40-ED55B4825DDD}"/>
+                  </a:ext>
+                </a:extLst>
+              </p:cNvPr>
+              <p:cNvGrpSpPr/>
+              <p:nvPr/>
+            </p:nvGrpSpPr>
+            <p:grpSpPr>
+              <a:xfrm>
+                <a:off x="999390" y="2438752"/>
+                <a:ext cx="2347812" cy="3545072"/>
+                <a:chOff x="486042" y="2182077"/>
+                <a:chExt cx="2347812" cy="3545072"/>
+              </a:xfrm>
+            </p:grpSpPr>
+            <p:grpSp>
+              <p:nvGrpSpPr>
+                <p:cNvPr id="40" name="그룹 39">
+                  <a:extLst>
+                    <a:ext uri="{FF2B5EF4-FFF2-40B4-BE49-F238E27FC236}">
+                      <a16:creationId xmlns:a16="http://schemas.microsoft.com/office/drawing/2014/main" id="{CC17245E-7D44-E8E9-73F5-F7E3FD1A16E5}"/>
+                    </a:ext>
+                  </a:extLst>
+                </p:cNvPr>
+                <p:cNvGrpSpPr/>
+                <p:nvPr/>
+              </p:nvGrpSpPr>
+              <p:grpSpPr>
+                <a:xfrm>
+                  <a:off x="1098065" y="2182077"/>
+                  <a:ext cx="1147829" cy="1736178"/>
+                  <a:chOff x="1134142" y="2066875"/>
+                  <a:chExt cx="1147829" cy="1736178"/>
+                </a:xfrm>
+              </p:grpSpPr>
+              <p:sp>
+                <p:nvSpPr>
+                  <p:cNvPr id="49" name="TextBox 4">
+                    <a:extLst>
+                      <a:ext uri="{FF2B5EF4-FFF2-40B4-BE49-F238E27FC236}">
+                        <a16:creationId xmlns:a16="http://schemas.microsoft.com/office/drawing/2014/main" id="{E15F9B14-F97B-2EE0-35C7-3C17921B458C}"/>
+                      </a:ext>
+                    </a:extLst>
+                  </p:cNvPr>
+                  <p:cNvSpPr txBox="1"/>
+                  <p:nvPr/>
+                </p:nvSpPr>
+                <p:spPr>
+                  <a:xfrm>
+                    <a:off x="1166227" y="3427999"/>
+                    <a:ext cx="999457" cy="375054"/>
+                  </a:xfrm>
+                  <a:prstGeom prst="rect">
+                    <a:avLst/>
+                  </a:prstGeom>
+                  <a:noFill/>
+                </p:spPr>
+                <p:txBody>
+                  <a:bodyPr wrap="square" rtlCol="0">
+                    <a:spAutoFit/>
+                  </a:bodyPr>
+                  <a:lstStyle>
+                    <a:defPPr>
+                      <a:defRPr lang="ko-KR"/>
+                    </a:defPPr>
+                    <a:lvl1pPr marL="0" algn="l" defTabSz="914400" rtl="0" eaLnBrk="1" latinLnBrk="1" hangingPunct="1">
+                      <a:defRPr sz="1800" kern="1200">
+                        <a:solidFill>
+                          <a:schemeClr val="tx1"/>
+                        </a:solidFill>
+                        <a:latin typeface="+mn-lt"/>
+                        <a:ea typeface="+mn-ea"/>
+                        <a:cs typeface="+mn-cs"/>
+                      </a:defRPr>
+                    </a:lvl1pPr>
+                    <a:lvl2pPr marL="457200" algn="l" defTabSz="914400" rtl="0" eaLnBrk="1" latinLnBrk="1" hangingPunct="1">
+                      <a:defRPr sz="1800" kern="1200">
+                        <a:solidFill>
+                          <a:schemeClr val="tx1"/>
+                        </a:solidFill>
+                        <a:latin typeface="+mn-lt"/>
+                        <a:ea typeface="+mn-ea"/>
+                        <a:cs typeface="+mn-cs"/>
+                      </a:defRPr>
+                    </a:lvl2pPr>
+                    <a:lvl3pPr marL="914400" algn="l" defTabSz="914400" rtl="0" eaLnBrk="1" latinLnBrk="1" hangingPunct="1">
+                      <a:defRPr sz="1800" kern="1200">
+                        <a:solidFill>
+                          <a:schemeClr val="tx1"/>
+                        </a:solidFill>
+                        <a:latin typeface="+mn-lt"/>
+                        <a:ea typeface="+mn-ea"/>
+                        <a:cs typeface="+mn-cs"/>
+                      </a:defRPr>
+                    </a:lvl3pPr>
+                    <a:lvl4pPr marL="1371600" algn="l" defTabSz="914400" rtl="0" eaLnBrk="1" latinLnBrk="1" hangingPunct="1">
+                      <a:defRPr sz="1800" kern="1200">
+                        <a:solidFill>
+                          <a:schemeClr val="tx1"/>
+                        </a:solidFill>
+                        <a:latin typeface="+mn-lt"/>
+                        <a:ea typeface="+mn-ea"/>
+                        <a:cs typeface="+mn-cs"/>
+                      </a:defRPr>
+                    </a:lvl4pPr>
+                    <a:lvl5pPr marL="1828800" algn="l" defTabSz="914400" rtl="0" eaLnBrk="1" latinLnBrk="1" hangingPunct="1">
+                      <a:defRPr sz="1800" kern="1200">
+                        <a:solidFill>
+                          <a:schemeClr val="tx1"/>
+                        </a:solidFill>
+                        <a:latin typeface="+mn-lt"/>
+                        <a:ea typeface="+mn-ea"/>
+                        <a:cs typeface="+mn-cs"/>
+                      </a:defRPr>
+                    </a:lvl5pPr>
+                    <a:lvl6pPr marL="2286000" algn="l" defTabSz="914400" rtl="0" eaLnBrk="1" latinLnBrk="1" hangingPunct="1">
+                      <a:defRPr sz="1800" kern="1200">
+                        <a:solidFill>
+                          <a:schemeClr val="tx1"/>
+                        </a:solidFill>
+                        <a:latin typeface="+mn-lt"/>
+                        <a:ea typeface="+mn-ea"/>
+                        <a:cs typeface="+mn-cs"/>
+                      </a:defRPr>
+                    </a:lvl6pPr>
+                    <a:lvl7pPr marL="2743200" algn="l" defTabSz="914400" rtl="0" eaLnBrk="1" latinLnBrk="1" hangingPunct="1">
+                      <a:defRPr sz="1800" kern="1200">
+                        <a:solidFill>
+                          <a:schemeClr val="tx1"/>
+                        </a:solidFill>
+                        <a:latin typeface="+mn-lt"/>
+                        <a:ea typeface="+mn-ea"/>
+                        <a:cs typeface="+mn-cs"/>
+                      </a:defRPr>
+                    </a:lvl7pPr>
+                    <a:lvl8pPr marL="3200400" algn="l" defTabSz="914400" rtl="0" eaLnBrk="1" latinLnBrk="1" hangingPunct="1">
+                      <a:defRPr sz="1800" kern="1200">
+                        <a:solidFill>
+                          <a:schemeClr val="tx1"/>
+                        </a:solidFill>
+                        <a:latin typeface="+mn-lt"/>
+                        <a:ea typeface="+mn-ea"/>
+                        <a:cs typeface="+mn-cs"/>
+                      </a:defRPr>
+                    </a:lvl8pPr>
+                    <a:lvl9pPr marL="3657600" algn="l" defTabSz="914400" rtl="0" eaLnBrk="1" latinLnBrk="1" hangingPunct="1">
+                      <a:defRPr sz="1800" kern="1200">
+                        <a:solidFill>
+                          <a:schemeClr val="tx1"/>
+                        </a:solidFill>
+                        <a:latin typeface="+mn-lt"/>
+                        <a:ea typeface="+mn-ea"/>
+                        <a:cs typeface="+mn-cs"/>
+                      </a:defRPr>
+                    </a:lvl9pPr>
+                  </a:lstStyle>
+                  <a:p>
+                    <a:r>
+                      <a:rPr lang="en-US" altLang="ko-KR" sz="1400" b="1" dirty="0">
+                        <a:effectLst>
+                          <a:outerShdw blurRad="38100" dist="38100" dir="2700000" algn="tl">
+                            <a:srgbClr val="000000">
+                              <a:alpha val="43137"/>
+                            </a:srgbClr>
+                          </a:outerShdw>
+                        </a:effectLst>
+                        <a:latin typeface="한컴 말랑말랑 Bold" panose="020F0803000000000000" pitchFamily="50" charset="-127"/>
+                        <a:ea typeface="한컴 말랑말랑 Bold" panose="020F0803000000000000" pitchFamily="50" charset="-127"/>
+                      </a:rPr>
+                      <a:t>[4,3,4,3]</a:t>
+                    </a:r>
+                    <a:endParaRPr lang="ko-KR" altLang="en-US" sz="1400" b="1" dirty="0">
+                      <a:effectLst>
+                        <a:outerShdw blurRad="38100" dist="38100" dir="2700000" algn="tl">
+                          <a:srgbClr val="000000">
+                            <a:alpha val="43137"/>
+                          </a:srgbClr>
+                        </a:outerShdw>
+                      </a:effectLst>
+                      <a:latin typeface="한컴 말랑말랑 Bold" panose="020F0803000000000000" pitchFamily="50" charset="-127"/>
+                      <a:ea typeface="한컴 말랑말랑 Bold" panose="020F0803000000000000" pitchFamily="50" charset="-127"/>
+                    </a:endParaRPr>
+                  </a:p>
+                </p:txBody>
+              </p:sp>
+              <p:sp>
+                <p:nvSpPr>
+                  <p:cNvPr id="51" name="TextBox 7">
+                    <a:extLst>
+                      <a:ext uri="{FF2B5EF4-FFF2-40B4-BE49-F238E27FC236}">
+                        <a16:creationId xmlns:a16="http://schemas.microsoft.com/office/drawing/2014/main" id="{BBA94E17-C5AF-62FA-EB6D-87B09311E8D1}"/>
+                      </a:ext>
+                    </a:extLst>
+                  </p:cNvPr>
+                  <p:cNvSpPr txBox="1"/>
+                  <p:nvPr/>
+                </p:nvSpPr>
+                <p:spPr>
+                  <a:xfrm>
+                    <a:off x="1134142" y="2066875"/>
+                    <a:ext cx="1147829" cy="375054"/>
+                  </a:xfrm>
+                  <a:prstGeom prst="rect">
+                    <a:avLst/>
+                  </a:prstGeom>
+                  <a:noFill/>
+                </p:spPr>
+                <p:txBody>
+                  <a:bodyPr wrap="square" rtlCol="0">
+                    <a:spAutoFit/>
+                  </a:bodyPr>
+                  <a:lstStyle>
+                    <a:defPPr>
+                      <a:defRPr lang="ko-KR"/>
+                    </a:defPPr>
+                    <a:lvl1pPr marL="0" algn="l" defTabSz="914400" rtl="0" eaLnBrk="1" latinLnBrk="1" hangingPunct="1">
+                      <a:defRPr sz="1800" kern="1200">
+                        <a:solidFill>
+                          <a:schemeClr val="tx1"/>
+                        </a:solidFill>
+                        <a:latin typeface="+mn-lt"/>
+                        <a:ea typeface="+mn-ea"/>
+                        <a:cs typeface="+mn-cs"/>
+                      </a:defRPr>
+                    </a:lvl1pPr>
+                    <a:lvl2pPr marL="457200" algn="l" defTabSz="914400" rtl="0" eaLnBrk="1" latinLnBrk="1" hangingPunct="1">
+                      <a:defRPr sz="1800" kern="1200">
+                        <a:solidFill>
+                          <a:schemeClr val="tx1"/>
+                        </a:solidFill>
+                        <a:latin typeface="+mn-lt"/>
+                        <a:ea typeface="+mn-ea"/>
+                        <a:cs typeface="+mn-cs"/>
+                      </a:defRPr>
+                    </a:lvl2pPr>
+                    <a:lvl3pPr marL="914400" algn="l" defTabSz="914400" rtl="0" eaLnBrk="1" latinLnBrk="1" hangingPunct="1">
+                      <a:defRPr sz="1800" kern="1200">
+                        <a:solidFill>
+                          <a:schemeClr val="tx1"/>
+                        </a:solidFill>
+                        <a:latin typeface="+mn-lt"/>
+                        <a:ea typeface="+mn-ea"/>
+                        <a:cs typeface="+mn-cs"/>
+                      </a:defRPr>
+                    </a:lvl3pPr>
+                    <a:lvl4pPr marL="1371600" algn="l" defTabSz="914400" rtl="0" eaLnBrk="1" latinLnBrk="1" hangingPunct="1">
+                      <a:defRPr sz="1800" kern="1200">
+                        <a:solidFill>
+                          <a:schemeClr val="tx1"/>
+                        </a:solidFill>
+                        <a:latin typeface="+mn-lt"/>
+                        <a:ea typeface="+mn-ea"/>
+                        <a:cs typeface="+mn-cs"/>
+                      </a:defRPr>
+                    </a:lvl4pPr>
+                    <a:lvl5pPr marL="1828800" algn="l" defTabSz="914400" rtl="0" eaLnBrk="1" latinLnBrk="1" hangingPunct="1">
+                      <a:defRPr sz="1800" kern="1200">
+                        <a:solidFill>
+                          <a:schemeClr val="tx1"/>
+                        </a:solidFill>
+                        <a:latin typeface="+mn-lt"/>
+                        <a:ea typeface="+mn-ea"/>
+                        <a:cs typeface="+mn-cs"/>
+                      </a:defRPr>
+                    </a:lvl5pPr>
+                    <a:lvl6pPr marL="2286000" algn="l" defTabSz="914400" rtl="0" eaLnBrk="1" latinLnBrk="1" hangingPunct="1">
+                      <a:defRPr sz="1800" kern="1200">
+                        <a:solidFill>
+                          <a:schemeClr val="tx1"/>
+                        </a:solidFill>
+                        <a:latin typeface="+mn-lt"/>
+                        <a:ea typeface="+mn-ea"/>
+                        <a:cs typeface="+mn-cs"/>
+                      </a:defRPr>
+                    </a:lvl6pPr>
+                    <a:lvl7pPr marL="2743200" algn="l" defTabSz="914400" rtl="0" eaLnBrk="1" latinLnBrk="1" hangingPunct="1">
+                      <a:defRPr sz="1800" kern="1200">
+                        <a:solidFill>
+                          <a:schemeClr val="tx1"/>
+                        </a:solidFill>
+                        <a:latin typeface="+mn-lt"/>
+                        <a:ea typeface="+mn-ea"/>
+                        <a:cs typeface="+mn-cs"/>
+                      </a:defRPr>
+                    </a:lvl7pPr>
+                    <a:lvl8pPr marL="3200400" algn="l" defTabSz="914400" rtl="0" eaLnBrk="1" latinLnBrk="1" hangingPunct="1">
+                      <a:defRPr sz="1800" kern="1200">
+                        <a:solidFill>
+                          <a:schemeClr val="tx1"/>
+                        </a:solidFill>
+                        <a:latin typeface="+mn-lt"/>
+                        <a:ea typeface="+mn-ea"/>
+                        <a:cs typeface="+mn-cs"/>
+                      </a:defRPr>
+                    </a:lvl8pPr>
+                    <a:lvl9pPr marL="3657600" algn="l" defTabSz="914400" rtl="0" eaLnBrk="1" latinLnBrk="1" hangingPunct="1">
+                      <a:defRPr sz="1800" kern="1200">
+                        <a:solidFill>
+                          <a:schemeClr val="tx1"/>
+                        </a:solidFill>
+                        <a:latin typeface="+mn-lt"/>
+                        <a:ea typeface="+mn-ea"/>
+                        <a:cs typeface="+mn-cs"/>
+                      </a:defRPr>
+                    </a:lvl9pPr>
+                  </a:lstStyle>
+                  <a:p>
+                    <a:r>
+                      <a:rPr lang="ko-KR" altLang="en-US" sz="1400" b="1" dirty="0">
+                        <a:effectLst>
+                          <a:outerShdw blurRad="38100" dist="38100" dir="2700000" algn="tl">
+                            <a:srgbClr val="000000">
+                              <a:alpha val="43137"/>
+                            </a:srgbClr>
+                          </a:outerShdw>
+                        </a:effectLst>
+                        <a:latin typeface="한컴 말랑말랑 Bold" panose="020F0803000000000000" pitchFamily="50" charset="-127"/>
+                        <a:ea typeface="한컴 말랑말랑 Bold" panose="020F0803000000000000" pitchFamily="50" charset="-127"/>
+                      </a:rPr>
+                      <a:t>과일맥주</a:t>
+                    </a:r>
+                  </a:p>
+                </p:txBody>
+              </p:sp>
+            </p:grpSp>
+            <p:grpSp>
+              <p:nvGrpSpPr>
+                <p:cNvPr id="41" name="그룹 40">
+                  <a:extLst>
+                    <a:ext uri="{FF2B5EF4-FFF2-40B4-BE49-F238E27FC236}">
+                      <a16:creationId xmlns:a16="http://schemas.microsoft.com/office/drawing/2014/main" id="{B6AC7381-4629-CDB4-06C3-6B1527D7FDCE}"/>
+                    </a:ext>
+                  </a:extLst>
+                </p:cNvPr>
+                <p:cNvGrpSpPr/>
+                <p:nvPr/>
+              </p:nvGrpSpPr>
+              <p:grpSpPr>
+                <a:xfrm>
+                  <a:off x="486042" y="3990971"/>
+                  <a:ext cx="1147829" cy="1736178"/>
+                  <a:chOff x="1053932" y="2018749"/>
+                  <a:chExt cx="1147829" cy="1736178"/>
+                </a:xfrm>
+              </p:grpSpPr>
+              <p:sp>
+                <p:nvSpPr>
+                  <p:cNvPr id="46" name="TextBox 10">
+                    <a:extLst>
+                      <a:ext uri="{FF2B5EF4-FFF2-40B4-BE49-F238E27FC236}">
+                        <a16:creationId xmlns:a16="http://schemas.microsoft.com/office/drawing/2014/main" id="{3C08F3D3-803B-B132-A2D9-ECF9E12F02BF}"/>
+                      </a:ext>
+                    </a:extLst>
+                  </p:cNvPr>
+                  <p:cNvSpPr txBox="1"/>
+                  <p:nvPr/>
+                </p:nvSpPr>
+                <p:spPr>
+                  <a:xfrm>
+                    <a:off x="1086017" y="3379873"/>
+                    <a:ext cx="999457" cy="375054"/>
+                  </a:xfrm>
+                  <a:prstGeom prst="rect">
+                    <a:avLst/>
+                  </a:prstGeom>
+                  <a:noFill/>
+                </p:spPr>
+                <p:txBody>
+                  <a:bodyPr wrap="square" rtlCol="0">
+                    <a:spAutoFit/>
+                  </a:bodyPr>
+                  <a:lstStyle>
+                    <a:defPPr>
+                      <a:defRPr lang="ko-KR"/>
+                    </a:defPPr>
+                    <a:lvl1pPr marL="0" algn="l" defTabSz="914400" rtl="0" eaLnBrk="1" latinLnBrk="1" hangingPunct="1">
+                      <a:defRPr sz="1800" kern="1200">
+                        <a:solidFill>
+                          <a:schemeClr val="tx1"/>
+                        </a:solidFill>
+                        <a:latin typeface="+mn-lt"/>
+                        <a:ea typeface="+mn-ea"/>
+                        <a:cs typeface="+mn-cs"/>
+                      </a:defRPr>
+                    </a:lvl1pPr>
+                    <a:lvl2pPr marL="457200" algn="l" defTabSz="914400" rtl="0" eaLnBrk="1" latinLnBrk="1" hangingPunct="1">
+                      <a:defRPr sz="1800" kern="1200">
+                        <a:solidFill>
+                          <a:schemeClr val="tx1"/>
+                        </a:solidFill>
+                        <a:latin typeface="+mn-lt"/>
+                        <a:ea typeface="+mn-ea"/>
+                        <a:cs typeface="+mn-cs"/>
+                      </a:defRPr>
+                    </a:lvl2pPr>
+                    <a:lvl3pPr marL="914400" algn="l" defTabSz="914400" rtl="0" eaLnBrk="1" latinLnBrk="1" hangingPunct="1">
+                      <a:defRPr sz="1800" kern="1200">
+                        <a:solidFill>
+                          <a:schemeClr val="tx1"/>
+                        </a:solidFill>
+                        <a:latin typeface="+mn-lt"/>
+                        <a:ea typeface="+mn-ea"/>
+                        <a:cs typeface="+mn-cs"/>
+                      </a:defRPr>
+                    </a:lvl3pPr>
+                    <a:lvl4pPr marL="1371600" algn="l" defTabSz="914400" rtl="0" eaLnBrk="1" latinLnBrk="1" hangingPunct="1">
+                      <a:defRPr sz="1800" kern="1200">
+                        <a:solidFill>
+                          <a:schemeClr val="tx1"/>
+                        </a:solidFill>
+                        <a:latin typeface="+mn-lt"/>
+                        <a:ea typeface="+mn-ea"/>
+                        <a:cs typeface="+mn-cs"/>
+                      </a:defRPr>
+                    </a:lvl4pPr>
+                    <a:lvl5pPr marL="1828800" algn="l" defTabSz="914400" rtl="0" eaLnBrk="1" latinLnBrk="1" hangingPunct="1">
+                      <a:defRPr sz="1800" kern="1200">
+                        <a:solidFill>
+                          <a:schemeClr val="tx1"/>
+                        </a:solidFill>
+                        <a:latin typeface="+mn-lt"/>
+                        <a:ea typeface="+mn-ea"/>
+                        <a:cs typeface="+mn-cs"/>
+                      </a:defRPr>
+                    </a:lvl5pPr>
+                    <a:lvl6pPr marL="2286000" algn="l" defTabSz="914400" rtl="0" eaLnBrk="1" latinLnBrk="1" hangingPunct="1">
+                      <a:defRPr sz="1800" kern="1200">
+                        <a:solidFill>
+                          <a:schemeClr val="tx1"/>
+                        </a:solidFill>
+                        <a:latin typeface="+mn-lt"/>
+                        <a:ea typeface="+mn-ea"/>
+                        <a:cs typeface="+mn-cs"/>
+                      </a:defRPr>
+                    </a:lvl6pPr>
+                    <a:lvl7pPr marL="2743200" algn="l" defTabSz="914400" rtl="0" eaLnBrk="1" latinLnBrk="1" hangingPunct="1">
+                      <a:defRPr sz="1800" kern="1200">
+                        <a:solidFill>
+                          <a:schemeClr val="tx1"/>
+                        </a:solidFill>
+                        <a:latin typeface="+mn-lt"/>
+                        <a:ea typeface="+mn-ea"/>
+                        <a:cs typeface="+mn-cs"/>
+                      </a:defRPr>
+                    </a:lvl7pPr>
+                    <a:lvl8pPr marL="3200400" algn="l" defTabSz="914400" rtl="0" eaLnBrk="1" latinLnBrk="1" hangingPunct="1">
+                      <a:defRPr sz="1800" kern="1200">
+                        <a:solidFill>
+                          <a:schemeClr val="tx1"/>
+                        </a:solidFill>
+                        <a:latin typeface="+mn-lt"/>
+                        <a:ea typeface="+mn-ea"/>
+                        <a:cs typeface="+mn-cs"/>
+                      </a:defRPr>
+                    </a:lvl8pPr>
+                    <a:lvl9pPr marL="3657600" algn="l" defTabSz="914400" rtl="0" eaLnBrk="1" latinLnBrk="1" hangingPunct="1">
+                      <a:defRPr sz="1800" kern="1200">
+                        <a:solidFill>
+                          <a:schemeClr val="tx1"/>
+                        </a:solidFill>
+                        <a:latin typeface="+mn-lt"/>
+                        <a:ea typeface="+mn-ea"/>
+                        <a:cs typeface="+mn-cs"/>
+                      </a:defRPr>
+                    </a:lvl9pPr>
+                  </a:lstStyle>
+                  <a:p>
+                    <a:r>
+                      <a:rPr lang="en-US" altLang="ko-KR" sz="1400" b="1" dirty="0">
+                        <a:effectLst>
+                          <a:outerShdw blurRad="38100" dist="38100" dir="2700000" algn="tl">
+                            <a:srgbClr val="000000">
+                              <a:alpha val="43137"/>
+                            </a:srgbClr>
+                          </a:outerShdw>
+                        </a:effectLst>
+                        <a:latin typeface="한컴 말랑말랑 Bold" panose="020F0803000000000000" pitchFamily="50" charset="-127"/>
+                        <a:ea typeface="한컴 말랑말랑 Bold" panose="020F0803000000000000" pitchFamily="50" charset="-127"/>
+                      </a:rPr>
+                      <a:t>[3,3,3,2]</a:t>
+                    </a:r>
+                    <a:endParaRPr lang="ko-KR" altLang="en-US" sz="1400" b="1" dirty="0">
+                      <a:effectLst>
+                        <a:outerShdw blurRad="38100" dist="38100" dir="2700000" algn="tl">
+                          <a:srgbClr val="000000">
+                            <a:alpha val="43137"/>
+                          </a:srgbClr>
+                        </a:outerShdw>
+                      </a:effectLst>
+                      <a:latin typeface="한컴 말랑말랑 Bold" panose="020F0803000000000000" pitchFamily="50" charset="-127"/>
+                      <a:ea typeface="한컴 말랑말랑 Bold" panose="020F0803000000000000" pitchFamily="50" charset="-127"/>
+                    </a:endParaRPr>
+                  </a:p>
+                </p:txBody>
+              </p:sp>
+              <p:sp>
+                <p:nvSpPr>
+                  <p:cNvPr id="48" name="TextBox 12">
+                    <a:extLst>
+                      <a:ext uri="{FF2B5EF4-FFF2-40B4-BE49-F238E27FC236}">
+                        <a16:creationId xmlns:a16="http://schemas.microsoft.com/office/drawing/2014/main" id="{E49F75B4-C720-6BA3-A998-EC22BC9AD19A}"/>
+                      </a:ext>
+                    </a:extLst>
+                  </p:cNvPr>
+                  <p:cNvSpPr txBox="1"/>
+                  <p:nvPr/>
+                </p:nvSpPr>
+                <p:spPr>
+                  <a:xfrm>
+                    <a:off x="1053932" y="2018749"/>
+                    <a:ext cx="1147829" cy="375054"/>
+                  </a:xfrm>
+                  <a:prstGeom prst="rect">
+                    <a:avLst/>
+                  </a:prstGeom>
+                  <a:noFill/>
+                </p:spPr>
+                <p:txBody>
+                  <a:bodyPr wrap="square" rtlCol="0">
+                    <a:spAutoFit/>
+                  </a:bodyPr>
+                  <a:lstStyle>
+                    <a:defPPr>
+                      <a:defRPr lang="ko-KR"/>
+                    </a:defPPr>
+                    <a:lvl1pPr marL="0" algn="l" defTabSz="914400" rtl="0" eaLnBrk="1" latinLnBrk="1" hangingPunct="1">
+                      <a:defRPr sz="1800" kern="1200">
+                        <a:solidFill>
+                          <a:schemeClr val="tx1"/>
+                        </a:solidFill>
+                        <a:latin typeface="+mn-lt"/>
+                        <a:ea typeface="+mn-ea"/>
+                        <a:cs typeface="+mn-cs"/>
+                      </a:defRPr>
+                    </a:lvl1pPr>
+                    <a:lvl2pPr marL="457200" algn="l" defTabSz="914400" rtl="0" eaLnBrk="1" latinLnBrk="1" hangingPunct="1">
+                      <a:defRPr sz="1800" kern="1200">
+                        <a:solidFill>
+                          <a:schemeClr val="tx1"/>
+                        </a:solidFill>
+                        <a:latin typeface="+mn-lt"/>
+                        <a:ea typeface="+mn-ea"/>
+                        <a:cs typeface="+mn-cs"/>
+                      </a:defRPr>
+                    </a:lvl2pPr>
+                    <a:lvl3pPr marL="914400" algn="l" defTabSz="914400" rtl="0" eaLnBrk="1" latinLnBrk="1" hangingPunct="1">
+                      <a:defRPr sz="1800" kern="1200">
+                        <a:solidFill>
+                          <a:schemeClr val="tx1"/>
+                        </a:solidFill>
+                        <a:latin typeface="+mn-lt"/>
+                        <a:ea typeface="+mn-ea"/>
+                        <a:cs typeface="+mn-cs"/>
+                      </a:defRPr>
+                    </a:lvl3pPr>
+                    <a:lvl4pPr marL="1371600" algn="l" defTabSz="914400" rtl="0" eaLnBrk="1" latinLnBrk="1" hangingPunct="1">
+                      <a:defRPr sz="1800" kern="1200">
+                        <a:solidFill>
+                          <a:schemeClr val="tx1"/>
+                        </a:solidFill>
+                        <a:latin typeface="+mn-lt"/>
+                        <a:ea typeface="+mn-ea"/>
+                        <a:cs typeface="+mn-cs"/>
+                      </a:defRPr>
+                    </a:lvl4pPr>
+                    <a:lvl5pPr marL="1828800" algn="l" defTabSz="914400" rtl="0" eaLnBrk="1" latinLnBrk="1" hangingPunct="1">
+                      <a:defRPr sz="1800" kern="1200">
+                        <a:solidFill>
+                          <a:schemeClr val="tx1"/>
+                        </a:solidFill>
+                        <a:latin typeface="+mn-lt"/>
+                        <a:ea typeface="+mn-ea"/>
+                        <a:cs typeface="+mn-cs"/>
+                      </a:defRPr>
+                    </a:lvl5pPr>
+                    <a:lvl6pPr marL="2286000" algn="l" defTabSz="914400" rtl="0" eaLnBrk="1" latinLnBrk="1" hangingPunct="1">
+                      <a:defRPr sz="1800" kern="1200">
+                        <a:solidFill>
+                          <a:schemeClr val="tx1"/>
+                        </a:solidFill>
+                        <a:latin typeface="+mn-lt"/>
+                        <a:ea typeface="+mn-ea"/>
+                        <a:cs typeface="+mn-cs"/>
+                      </a:defRPr>
+                    </a:lvl6pPr>
+                    <a:lvl7pPr marL="2743200" algn="l" defTabSz="914400" rtl="0" eaLnBrk="1" latinLnBrk="1" hangingPunct="1">
+                      <a:defRPr sz="1800" kern="1200">
+                        <a:solidFill>
+                          <a:schemeClr val="tx1"/>
+                        </a:solidFill>
+                        <a:latin typeface="+mn-lt"/>
+                        <a:ea typeface="+mn-ea"/>
+                        <a:cs typeface="+mn-cs"/>
+                      </a:defRPr>
+                    </a:lvl7pPr>
+                    <a:lvl8pPr marL="3200400" algn="l" defTabSz="914400" rtl="0" eaLnBrk="1" latinLnBrk="1" hangingPunct="1">
+                      <a:defRPr sz="1800" kern="1200">
+                        <a:solidFill>
+                          <a:schemeClr val="tx1"/>
+                        </a:solidFill>
+                        <a:latin typeface="+mn-lt"/>
+                        <a:ea typeface="+mn-ea"/>
+                        <a:cs typeface="+mn-cs"/>
+                      </a:defRPr>
+                    </a:lvl8pPr>
+                    <a:lvl9pPr marL="3657600" algn="l" defTabSz="914400" rtl="0" eaLnBrk="1" latinLnBrk="1" hangingPunct="1">
+                      <a:defRPr sz="1800" kern="1200">
+                        <a:solidFill>
+                          <a:schemeClr val="tx1"/>
+                        </a:solidFill>
+                        <a:latin typeface="+mn-lt"/>
+                        <a:ea typeface="+mn-ea"/>
+                        <a:cs typeface="+mn-cs"/>
+                      </a:defRPr>
+                    </a:lvl9pPr>
+                  </a:lstStyle>
+                  <a:p>
+                    <a:pPr algn="ctr"/>
+                    <a:r>
+                      <a:rPr lang="ko-KR" altLang="en-US" sz="1400" b="1" dirty="0">
+                        <a:effectLst>
+                          <a:outerShdw blurRad="38100" dist="38100" dir="2700000" algn="tl">
+                            <a:srgbClr val="000000">
+                              <a:alpha val="43137"/>
+                            </a:srgbClr>
+                          </a:outerShdw>
+                        </a:effectLst>
+                        <a:latin typeface="한컴 말랑말랑 Bold" panose="020F0803000000000000" pitchFamily="50" charset="-127"/>
+                        <a:ea typeface="한컴 말랑말랑 Bold" panose="020F0803000000000000" pitchFamily="50" charset="-127"/>
+                      </a:rPr>
+                      <a:t>밀맥주</a:t>
+                    </a:r>
+                  </a:p>
+                </p:txBody>
+              </p:sp>
+            </p:grpSp>
+            <p:grpSp>
+              <p:nvGrpSpPr>
+                <p:cNvPr id="42" name="그룹 41">
+                  <a:extLst>
+                    <a:ext uri="{FF2B5EF4-FFF2-40B4-BE49-F238E27FC236}">
+                      <a16:creationId xmlns:a16="http://schemas.microsoft.com/office/drawing/2014/main" id="{FC1FC104-49BC-1B78-B6F5-63F891E2E83D}"/>
+                    </a:ext>
+                  </a:extLst>
+                </p:cNvPr>
+                <p:cNvGrpSpPr/>
+                <p:nvPr/>
+              </p:nvGrpSpPr>
+              <p:grpSpPr>
+                <a:xfrm>
+                  <a:off x="1686025" y="3990971"/>
+                  <a:ext cx="1147829" cy="1736178"/>
+                  <a:chOff x="1053932" y="2018749"/>
+                  <a:chExt cx="1147829" cy="1736178"/>
+                </a:xfrm>
+              </p:grpSpPr>
+              <p:sp>
+                <p:nvSpPr>
+                  <p:cNvPr id="43" name="TextBox 14">
+                    <a:extLst>
+                      <a:ext uri="{FF2B5EF4-FFF2-40B4-BE49-F238E27FC236}">
+                        <a16:creationId xmlns:a16="http://schemas.microsoft.com/office/drawing/2014/main" id="{9715F68C-C2A9-40A2-2992-116A4A99D39E}"/>
+                      </a:ext>
+                    </a:extLst>
+                  </p:cNvPr>
+                  <p:cNvSpPr txBox="1"/>
+                  <p:nvPr/>
+                </p:nvSpPr>
+                <p:spPr>
+                  <a:xfrm>
+                    <a:off x="1086017" y="3379873"/>
+                    <a:ext cx="999457" cy="375054"/>
+                  </a:xfrm>
+                  <a:prstGeom prst="rect">
+                    <a:avLst/>
+                  </a:prstGeom>
+                  <a:noFill/>
+                </p:spPr>
+                <p:txBody>
+                  <a:bodyPr wrap="square" rtlCol="0">
+                    <a:spAutoFit/>
+                  </a:bodyPr>
+                  <a:lstStyle>
+                    <a:defPPr>
+                      <a:defRPr lang="ko-KR"/>
+                    </a:defPPr>
+                    <a:lvl1pPr marL="0" algn="l" defTabSz="914400" rtl="0" eaLnBrk="1" latinLnBrk="1" hangingPunct="1">
+                      <a:defRPr sz="1800" kern="1200">
+                        <a:solidFill>
+                          <a:schemeClr val="tx1"/>
+                        </a:solidFill>
+                        <a:latin typeface="+mn-lt"/>
+                        <a:ea typeface="+mn-ea"/>
+                        <a:cs typeface="+mn-cs"/>
+                      </a:defRPr>
+                    </a:lvl1pPr>
+                    <a:lvl2pPr marL="457200" algn="l" defTabSz="914400" rtl="0" eaLnBrk="1" latinLnBrk="1" hangingPunct="1">
+                      <a:defRPr sz="1800" kern="1200">
+                        <a:solidFill>
+                          <a:schemeClr val="tx1"/>
+                        </a:solidFill>
+                        <a:latin typeface="+mn-lt"/>
+                        <a:ea typeface="+mn-ea"/>
+                        <a:cs typeface="+mn-cs"/>
+                      </a:defRPr>
+                    </a:lvl2pPr>
+                    <a:lvl3pPr marL="914400" algn="l" defTabSz="914400" rtl="0" eaLnBrk="1" latinLnBrk="1" hangingPunct="1">
+                      <a:defRPr sz="1800" kern="1200">
+                        <a:solidFill>
+                          <a:schemeClr val="tx1"/>
+                        </a:solidFill>
+                        <a:latin typeface="+mn-lt"/>
+                        <a:ea typeface="+mn-ea"/>
+                        <a:cs typeface="+mn-cs"/>
+                      </a:defRPr>
+                    </a:lvl3pPr>
+                    <a:lvl4pPr marL="1371600" algn="l" defTabSz="914400" rtl="0" eaLnBrk="1" latinLnBrk="1" hangingPunct="1">
+                      <a:defRPr sz="1800" kern="1200">
+                        <a:solidFill>
+                          <a:schemeClr val="tx1"/>
+                        </a:solidFill>
+                        <a:latin typeface="+mn-lt"/>
+                        <a:ea typeface="+mn-ea"/>
+                        <a:cs typeface="+mn-cs"/>
+                      </a:defRPr>
+                    </a:lvl4pPr>
+                    <a:lvl5pPr marL="1828800" algn="l" defTabSz="914400" rtl="0" eaLnBrk="1" latinLnBrk="1" hangingPunct="1">
+                      <a:defRPr sz="1800" kern="1200">
+                        <a:solidFill>
+                          <a:schemeClr val="tx1"/>
+                        </a:solidFill>
+                        <a:latin typeface="+mn-lt"/>
+                        <a:ea typeface="+mn-ea"/>
+                        <a:cs typeface="+mn-cs"/>
+                      </a:defRPr>
+                    </a:lvl5pPr>
+                    <a:lvl6pPr marL="2286000" algn="l" defTabSz="914400" rtl="0" eaLnBrk="1" latinLnBrk="1" hangingPunct="1">
+                      <a:defRPr sz="1800" kern="1200">
+                        <a:solidFill>
+                          <a:schemeClr val="tx1"/>
+                        </a:solidFill>
+                        <a:latin typeface="+mn-lt"/>
+                        <a:ea typeface="+mn-ea"/>
+                        <a:cs typeface="+mn-cs"/>
+                      </a:defRPr>
+                    </a:lvl6pPr>
+                    <a:lvl7pPr marL="2743200" algn="l" defTabSz="914400" rtl="0" eaLnBrk="1" latinLnBrk="1" hangingPunct="1">
+                      <a:defRPr sz="1800" kern="1200">
+                        <a:solidFill>
+                          <a:schemeClr val="tx1"/>
+                        </a:solidFill>
+                        <a:latin typeface="+mn-lt"/>
+                        <a:ea typeface="+mn-ea"/>
+                        <a:cs typeface="+mn-cs"/>
+                      </a:defRPr>
+                    </a:lvl7pPr>
+                    <a:lvl8pPr marL="3200400" algn="l" defTabSz="914400" rtl="0" eaLnBrk="1" latinLnBrk="1" hangingPunct="1">
+                      <a:defRPr sz="1800" kern="1200">
+                        <a:solidFill>
+                          <a:schemeClr val="tx1"/>
+                        </a:solidFill>
+                        <a:latin typeface="+mn-lt"/>
+                        <a:ea typeface="+mn-ea"/>
+                        <a:cs typeface="+mn-cs"/>
+                      </a:defRPr>
+                    </a:lvl8pPr>
+                    <a:lvl9pPr marL="3657600" algn="l" defTabSz="914400" rtl="0" eaLnBrk="1" latinLnBrk="1" hangingPunct="1">
+                      <a:defRPr sz="1800" kern="1200">
+                        <a:solidFill>
+                          <a:schemeClr val="tx1"/>
+                        </a:solidFill>
+                        <a:latin typeface="+mn-lt"/>
+                        <a:ea typeface="+mn-ea"/>
+                        <a:cs typeface="+mn-cs"/>
+                      </a:defRPr>
+                    </a:lvl9pPr>
+                  </a:lstStyle>
+                  <a:p>
+                    <a:r>
+                      <a:rPr lang="en-US" altLang="ko-KR" sz="1400" b="1" dirty="0">
+                        <a:effectLst>
+                          <a:outerShdw blurRad="38100" dist="38100" dir="2700000" algn="tl">
+                            <a:srgbClr val="000000">
+                              <a:alpha val="43137"/>
+                            </a:srgbClr>
+                          </a:outerShdw>
+                        </a:effectLst>
+                        <a:latin typeface="한컴 말랑말랑 Bold" panose="020F0803000000000000" pitchFamily="50" charset="-127"/>
+                        <a:ea typeface="한컴 말랑말랑 Bold" panose="020F0803000000000000" pitchFamily="50" charset="-127"/>
+                      </a:rPr>
+                      <a:t>[3,2,3,4]</a:t>
+                    </a:r>
+                    <a:endParaRPr lang="ko-KR" altLang="en-US" sz="1400" b="1" dirty="0">
+                      <a:effectLst>
+                        <a:outerShdw blurRad="38100" dist="38100" dir="2700000" algn="tl">
+                          <a:srgbClr val="000000">
+                            <a:alpha val="43137"/>
+                          </a:srgbClr>
+                        </a:outerShdw>
+                      </a:effectLst>
+                      <a:latin typeface="한컴 말랑말랑 Bold" panose="020F0803000000000000" pitchFamily="50" charset="-127"/>
+                      <a:ea typeface="한컴 말랑말랑 Bold" panose="020F0803000000000000" pitchFamily="50" charset="-127"/>
+                    </a:endParaRPr>
+                  </a:p>
+                </p:txBody>
+              </p:sp>
+              <p:sp>
+                <p:nvSpPr>
+                  <p:cNvPr id="45" name="TextBox 16">
+                    <a:extLst>
+                      <a:ext uri="{FF2B5EF4-FFF2-40B4-BE49-F238E27FC236}">
+                        <a16:creationId xmlns:a16="http://schemas.microsoft.com/office/drawing/2014/main" id="{CF1DA965-9E8E-B5A6-EC2A-ED53D6EB9154}"/>
+                      </a:ext>
+                    </a:extLst>
+                  </p:cNvPr>
+                  <p:cNvSpPr txBox="1"/>
+                  <p:nvPr/>
+                </p:nvSpPr>
+                <p:spPr>
+                  <a:xfrm>
+                    <a:off x="1053932" y="2018749"/>
+                    <a:ext cx="1147829" cy="375054"/>
+                  </a:xfrm>
+                  <a:prstGeom prst="rect">
+                    <a:avLst/>
+                  </a:prstGeom>
+                  <a:noFill/>
+                </p:spPr>
+                <p:txBody>
+                  <a:bodyPr wrap="square" rtlCol="0">
+                    <a:spAutoFit/>
+                  </a:bodyPr>
+                  <a:lstStyle>
+                    <a:defPPr>
+                      <a:defRPr lang="ko-KR"/>
+                    </a:defPPr>
+                    <a:lvl1pPr marL="0" algn="l" defTabSz="914400" rtl="0" eaLnBrk="1" latinLnBrk="1" hangingPunct="1">
+                      <a:defRPr sz="1800" kern="1200">
+                        <a:solidFill>
+                          <a:schemeClr val="tx1"/>
+                        </a:solidFill>
+                        <a:latin typeface="+mn-lt"/>
+                        <a:ea typeface="+mn-ea"/>
+                        <a:cs typeface="+mn-cs"/>
+                      </a:defRPr>
+                    </a:lvl1pPr>
+                    <a:lvl2pPr marL="457200" algn="l" defTabSz="914400" rtl="0" eaLnBrk="1" latinLnBrk="1" hangingPunct="1">
+                      <a:defRPr sz="1800" kern="1200">
+                        <a:solidFill>
+                          <a:schemeClr val="tx1"/>
+                        </a:solidFill>
+                        <a:latin typeface="+mn-lt"/>
+                        <a:ea typeface="+mn-ea"/>
+                        <a:cs typeface="+mn-cs"/>
+                      </a:defRPr>
+                    </a:lvl2pPr>
+                    <a:lvl3pPr marL="914400" algn="l" defTabSz="914400" rtl="0" eaLnBrk="1" latinLnBrk="1" hangingPunct="1">
+                      <a:defRPr sz="1800" kern="1200">
+                        <a:solidFill>
+                          <a:schemeClr val="tx1"/>
+                        </a:solidFill>
+                        <a:latin typeface="+mn-lt"/>
+                        <a:ea typeface="+mn-ea"/>
+                        <a:cs typeface="+mn-cs"/>
+                      </a:defRPr>
+                    </a:lvl3pPr>
+                    <a:lvl4pPr marL="1371600" algn="l" defTabSz="914400" rtl="0" eaLnBrk="1" latinLnBrk="1" hangingPunct="1">
+                      <a:defRPr sz="1800" kern="1200">
+                        <a:solidFill>
+                          <a:schemeClr val="tx1"/>
+                        </a:solidFill>
+                        <a:latin typeface="+mn-lt"/>
+                        <a:ea typeface="+mn-ea"/>
+                        <a:cs typeface="+mn-cs"/>
+                      </a:defRPr>
+                    </a:lvl4pPr>
+                    <a:lvl5pPr marL="1828800" algn="l" defTabSz="914400" rtl="0" eaLnBrk="1" latinLnBrk="1" hangingPunct="1">
+                      <a:defRPr sz="1800" kern="1200">
+                        <a:solidFill>
+                          <a:schemeClr val="tx1"/>
+                        </a:solidFill>
+                        <a:latin typeface="+mn-lt"/>
+                        <a:ea typeface="+mn-ea"/>
+                        <a:cs typeface="+mn-cs"/>
+                      </a:defRPr>
+                    </a:lvl5pPr>
+                    <a:lvl6pPr marL="2286000" algn="l" defTabSz="914400" rtl="0" eaLnBrk="1" latinLnBrk="1" hangingPunct="1">
+                      <a:defRPr sz="1800" kern="1200">
+                        <a:solidFill>
+                          <a:schemeClr val="tx1"/>
+                        </a:solidFill>
+                        <a:latin typeface="+mn-lt"/>
+                        <a:ea typeface="+mn-ea"/>
+                        <a:cs typeface="+mn-cs"/>
+                      </a:defRPr>
+                    </a:lvl6pPr>
+                    <a:lvl7pPr marL="2743200" algn="l" defTabSz="914400" rtl="0" eaLnBrk="1" latinLnBrk="1" hangingPunct="1">
+                      <a:defRPr sz="1800" kern="1200">
+                        <a:solidFill>
+                          <a:schemeClr val="tx1"/>
+                        </a:solidFill>
+                        <a:latin typeface="+mn-lt"/>
+                        <a:ea typeface="+mn-ea"/>
+                        <a:cs typeface="+mn-cs"/>
+                      </a:defRPr>
+                    </a:lvl7pPr>
+                    <a:lvl8pPr marL="3200400" algn="l" defTabSz="914400" rtl="0" eaLnBrk="1" latinLnBrk="1" hangingPunct="1">
+                      <a:defRPr sz="1800" kern="1200">
+                        <a:solidFill>
+                          <a:schemeClr val="tx1"/>
+                        </a:solidFill>
+                        <a:latin typeface="+mn-lt"/>
+                        <a:ea typeface="+mn-ea"/>
+                        <a:cs typeface="+mn-cs"/>
+                      </a:defRPr>
+                    </a:lvl8pPr>
+                    <a:lvl9pPr marL="3657600" algn="l" defTabSz="914400" rtl="0" eaLnBrk="1" latinLnBrk="1" hangingPunct="1">
+                      <a:defRPr sz="1800" kern="1200">
+                        <a:solidFill>
+                          <a:schemeClr val="tx1"/>
+                        </a:solidFill>
+                        <a:latin typeface="+mn-lt"/>
+                        <a:ea typeface="+mn-ea"/>
+                        <a:cs typeface="+mn-cs"/>
+                      </a:defRPr>
+                    </a:lvl9pPr>
+                  </a:lstStyle>
+                  <a:p>
+                    <a:pPr algn="ctr"/>
+                    <a:r>
+                      <a:rPr lang="ko-KR" altLang="en-US" sz="1400" b="1" dirty="0">
+                        <a:effectLst>
+                          <a:outerShdw blurRad="38100" dist="38100" dir="2700000" algn="tl">
+                            <a:srgbClr val="000000">
+                              <a:alpha val="43137"/>
+                            </a:srgbClr>
+                          </a:outerShdw>
+                        </a:effectLst>
+                        <a:latin typeface="한컴 말랑말랑 Bold" panose="020F0803000000000000" pitchFamily="50" charset="-127"/>
+                        <a:ea typeface="한컴 말랑말랑 Bold" panose="020F0803000000000000" pitchFamily="50" charset="-127"/>
+                      </a:rPr>
+                      <a:t>흑맥주</a:t>
+                    </a:r>
+                  </a:p>
+                </p:txBody>
+              </p:sp>
+            </p:grpSp>
+          </p:grpSp>
+          <p:sp>
+            <p:nvSpPr>
+              <p:cNvPr id="39" name="TextBox 18">
+                <a:extLst>
+                  <a:ext uri="{FF2B5EF4-FFF2-40B4-BE49-F238E27FC236}">
+                    <a16:creationId xmlns:a16="http://schemas.microsoft.com/office/drawing/2014/main" id="{31A5F70C-9861-B8AD-2ED8-E6835AFA079F}"/>
+                  </a:ext>
+                </a:extLst>
+              </p:cNvPr>
+              <p:cNvSpPr txBox="1"/>
+              <p:nvPr/>
+            </p:nvSpPr>
+            <p:spPr>
+              <a:xfrm>
+                <a:off x="576121" y="1964730"/>
+                <a:ext cx="3272590" cy="450064"/>
+              </a:xfrm>
+              <a:prstGeom prst="rect">
+                <a:avLst/>
+              </a:prstGeom>
+              <a:noFill/>
+            </p:spPr>
+            <p:txBody>
+              <a:bodyPr wrap="square" rtlCol="0">
+                <a:spAutoFit/>
+              </a:bodyPr>
+              <a:lstStyle>
+                <a:defPPr>
+                  <a:defRPr lang="ko-KR"/>
+                </a:defPPr>
+                <a:lvl1pPr marL="0" algn="l" defTabSz="914400" rtl="0" eaLnBrk="1" latinLnBrk="1" hangingPunct="1">
+                  <a:defRPr sz="1800" kern="1200">
+                    <a:solidFill>
+                      <a:schemeClr val="tx1"/>
+                    </a:solidFill>
+                    <a:latin typeface="+mn-lt"/>
+                    <a:ea typeface="+mn-ea"/>
+                    <a:cs typeface="+mn-cs"/>
+                  </a:defRPr>
+                </a:lvl1pPr>
+                <a:lvl2pPr marL="457200" algn="l" defTabSz="914400" rtl="0" eaLnBrk="1" latinLnBrk="1" hangingPunct="1">
+                  <a:defRPr sz="1800" kern="1200">
+                    <a:solidFill>
+                      <a:schemeClr val="tx1"/>
+                    </a:solidFill>
+                    <a:latin typeface="+mn-lt"/>
+                    <a:ea typeface="+mn-ea"/>
+                    <a:cs typeface="+mn-cs"/>
+                  </a:defRPr>
+                </a:lvl2pPr>
+                <a:lvl3pPr marL="914400" algn="l" defTabSz="914400" rtl="0" eaLnBrk="1" latinLnBrk="1" hangingPunct="1">
+                  <a:defRPr sz="1800" kern="1200">
+                    <a:solidFill>
+                      <a:schemeClr val="tx1"/>
+                    </a:solidFill>
+                    <a:latin typeface="+mn-lt"/>
+                    <a:ea typeface="+mn-ea"/>
+                    <a:cs typeface="+mn-cs"/>
+                  </a:defRPr>
+                </a:lvl3pPr>
+                <a:lvl4pPr marL="1371600" algn="l" defTabSz="914400" rtl="0" eaLnBrk="1" latinLnBrk="1" hangingPunct="1">
+                  <a:defRPr sz="1800" kern="1200">
+                    <a:solidFill>
+                      <a:schemeClr val="tx1"/>
+                    </a:solidFill>
+                    <a:latin typeface="+mn-lt"/>
+                    <a:ea typeface="+mn-ea"/>
+                    <a:cs typeface="+mn-cs"/>
+                  </a:defRPr>
+                </a:lvl4pPr>
+                <a:lvl5pPr marL="1828800" algn="l" defTabSz="914400" rtl="0" eaLnBrk="1" latinLnBrk="1" hangingPunct="1">
+                  <a:defRPr sz="1800" kern="1200">
+                    <a:solidFill>
+                      <a:schemeClr val="tx1"/>
+                    </a:solidFill>
+                    <a:latin typeface="+mn-lt"/>
+                    <a:ea typeface="+mn-ea"/>
+                    <a:cs typeface="+mn-cs"/>
+                  </a:defRPr>
+                </a:lvl5pPr>
+                <a:lvl6pPr marL="2286000" algn="l" defTabSz="914400" rtl="0" eaLnBrk="1" latinLnBrk="1" hangingPunct="1">
+                  <a:defRPr sz="1800" kern="1200">
+                    <a:solidFill>
+                      <a:schemeClr val="tx1"/>
+                    </a:solidFill>
+                    <a:latin typeface="+mn-lt"/>
+                    <a:ea typeface="+mn-ea"/>
+                    <a:cs typeface="+mn-cs"/>
+                  </a:defRPr>
+                </a:lvl6pPr>
+                <a:lvl7pPr marL="2743200" algn="l" defTabSz="914400" rtl="0" eaLnBrk="1" latinLnBrk="1" hangingPunct="1">
+                  <a:defRPr sz="1800" kern="1200">
+                    <a:solidFill>
+                      <a:schemeClr val="tx1"/>
+                    </a:solidFill>
+                    <a:latin typeface="+mn-lt"/>
+                    <a:ea typeface="+mn-ea"/>
+                    <a:cs typeface="+mn-cs"/>
+                  </a:defRPr>
+                </a:lvl7pPr>
+                <a:lvl8pPr marL="3200400" algn="l" defTabSz="914400" rtl="0" eaLnBrk="1" latinLnBrk="1" hangingPunct="1">
+                  <a:defRPr sz="1800" kern="1200">
+                    <a:solidFill>
+                      <a:schemeClr val="tx1"/>
+                    </a:solidFill>
+                    <a:latin typeface="+mn-lt"/>
+                    <a:ea typeface="+mn-ea"/>
+                    <a:cs typeface="+mn-cs"/>
+                  </a:defRPr>
+                </a:lvl8pPr>
+                <a:lvl9pPr marL="3657600" algn="l" defTabSz="914400" rtl="0" eaLnBrk="1" latinLnBrk="1" hangingPunct="1">
+                  <a:defRPr sz="1800" kern="1200">
+                    <a:solidFill>
+                      <a:schemeClr val="tx1"/>
+                    </a:solidFill>
+                    <a:latin typeface="+mn-lt"/>
+                    <a:ea typeface="+mn-ea"/>
+                    <a:cs typeface="+mn-cs"/>
+                  </a:defRPr>
+                </a:lvl9pPr>
+              </a:lstStyle>
+              <a:p>
+                <a:pPr algn="ctr"/>
+                <a:r>
+                  <a:rPr lang="ko-KR" altLang="en-US" b="1" dirty="0">
+                    <a:effectLst>
+                      <a:outerShdw blurRad="38100" dist="38100" dir="2700000" algn="tl">
+                        <a:srgbClr val="000000">
+                          <a:alpha val="43137"/>
+                        </a:srgbClr>
+                      </a:outerShdw>
+                    </a:effectLst>
+                    <a:latin typeface="한컴 말랑말랑 Bold" panose="020F0803000000000000" pitchFamily="50" charset="-127"/>
+                    <a:ea typeface="한컴 말랑말랑 Bold" panose="020F0803000000000000" pitchFamily="50" charset="-127"/>
+                  </a:rPr>
+                  <a:t>사용자의 평소 선호술 </a:t>
+                </a:r>
+              </a:p>
+            </p:txBody>
+          </p:sp>
+        </p:grpSp>
+      </p:grpSp>
+      <p:sp>
+        <p:nvSpPr>
+          <p:cNvPr id="14" name="오른쪽 화살표 20">
+            <a:extLst>
+              <a:ext uri="{FF2B5EF4-FFF2-40B4-BE49-F238E27FC236}">
+                <a16:creationId xmlns:a16="http://schemas.microsoft.com/office/drawing/2014/main" id="{006C3B9D-799B-06F1-931E-610390C074CC}"/>
+              </a:ext>
+            </a:extLst>
+          </p:cNvPr>
+          <p:cNvSpPr/>
+          <p:nvPr/>
+        </p:nvSpPr>
+        <p:spPr>
+          <a:xfrm>
+            <a:off x="3704788" y="3643732"/>
+            <a:ext cx="657725" cy="243801"/>
+          </a:xfrm>
+          <a:prstGeom prst="rightArrow">
+            <a:avLst/>
+          </a:prstGeom>
+          <a:solidFill>
+            <a:schemeClr val="tx1"/>
+          </a:solidFill>
+          <a:ln>
+            <a:solidFill>
+              <a:schemeClr val="tx1"/>
+            </a:solidFill>
+          </a:ln>
+        </p:spPr>
+        <p:style>
+          <a:lnRef idx="2">
+            <a:schemeClr val="accent1">
+              <a:shade val="50000"/>
+            </a:schemeClr>
+          </a:lnRef>
+          <a:fillRef idx="1">
+            <a:schemeClr val="accent1"/>
+          </a:fillRef>
+          <a:effectRef idx="0">
+            <a:schemeClr val="accent1"/>
+          </a:effectRef>
+          <a:fontRef idx="minor">
+            <a:schemeClr val="lt1"/>
+          </a:fontRef>
+        </p:style>
+        <p:txBody>
+          <a:bodyPr rtlCol="0" anchor="ctr"/>
+          <a:lstStyle>
+            <a:defPPr>
+              <a:defRPr lang="ko-KR"/>
+            </a:defPPr>
+            <a:lvl1pPr marL="0" algn="l" defTabSz="914400" rtl="0" eaLnBrk="1" latinLnBrk="1" hangingPunct="1">
+              <a:defRPr sz="1800" kern="1200">
+                <a:solidFill>
+                  <a:schemeClr val="lt1"/>
+                </a:solidFill>
+                <a:latin typeface="+mn-lt"/>
+                <a:ea typeface="+mn-ea"/>
+                <a:cs typeface="+mn-cs"/>
+              </a:defRPr>
+            </a:lvl1pPr>
+            <a:lvl2pPr marL="457200" algn="l" defTabSz="914400" rtl="0" eaLnBrk="1" latinLnBrk="1" hangingPunct="1">
+              <a:defRPr sz="1800" kern="1200">
+                <a:solidFill>
+                  <a:schemeClr val="lt1"/>
+                </a:solidFill>
+                <a:latin typeface="+mn-lt"/>
+                <a:ea typeface="+mn-ea"/>
+                <a:cs typeface="+mn-cs"/>
+              </a:defRPr>
+            </a:lvl2pPr>
+            <a:lvl3pPr marL="914400" algn="l" defTabSz="914400" rtl="0" eaLnBrk="1" latinLnBrk="1" hangingPunct="1">
+              <a:defRPr sz="1800" kern="1200">
+                <a:solidFill>
+                  <a:schemeClr val="lt1"/>
+                </a:solidFill>
+                <a:latin typeface="+mn-lt"/>
+                <a:ea typeface="+mn-ea"/>
+                <a:cs typeface="+mn-cs"/>
+              </a:defRPr>
+            </a:lvl3pPr>
+            <a:lvl4pPr marL="1371600" algn="l" defTabSz="914400" rtl="0" eaLnBrk="1" latinLnBrk="1" hangingPunct="1">
+              <a:defRPr sz="1800" kern="1200">
+                <a:solidFill>
+                  <a:schemeClr val="lt1"/>
+                </a:solidFill>
+                <a:latin typeface="+mn-lt"/>
+                <a:ea typeface="+mn-ea"/>
+                <a:cs typeface="+mn-cs"/>
+              </a:defRPr>
+            </a:lvl4pPr>
+            <a:lvl5pPr marL="1828800" algn="l" defTabSz="914400" rtl="0" eaLnBrk="1" latinLnBrk="1" hangingPunct="1">
+              <a:defRPr sz="1800" kern="1200">
+                <a:solidFill>
+                  <a:schemeClr val="lt1"/>
+                </a:solidFill>
+                <a:latin typeface="+mn-lt"/>
+                <a:ea typeface="+mn-ea"/>
+                <a:cs typeface="+mn-cs"/>
+              </a:defRPr>
+            </a:lvl5pPr>
+            <a:lvl6pPr marL="2286000" algn="l" defTabSz="914400" rtl="0" eaLnBrk="1" latinLnBrk="1" hangingPunct="1">
+              <a:defRPr sz="1800" kern="1200">
+                <a:solidFill>
+                  <a:schemeClr val="lt1"/>
+                </a:solidFill>
+                <a:latin typeface="+mn-lt"/>
+                <a:ea typeface="+mn-ea"/>
+                <a:cs typeface="+mn-cs"/>
+              </a:defRPr>
+            </a:lvl6pPr>
+            <a:lvl7pPr marL="2743200" algn="l" defTabSz="914400" rtl="0" eaLnBrk="1" latinLnBrk="1" hangingPunct="1">
+              <a:defRPr sz="1800" kern="1200">
+                <a:solidFill>
+                  <a:schemeClr val="lt1"/>
+                </a:solidFill>
+                <a:latin typeface="+mn-lt"/>
+                <a:ea typeface="+mn-ea"/>
+                <a:cs typeface="+mn-cs"/>
+              </a:defRPr>
+            </a:lvl7pPr>
+            <a:lvl8pPr marL="3200400" algn="l" defTabSz="914400" rtl="0" eaLnBrk="1" latinLnBrk="1" hangingPunct="1">
+              <a:defRPr sz="1800" kern="1200">
+                <a:solidFill>
+                  <a:schemeClr val="lt1"/>
+                </a:solidFill>
+                <a:latin typeface="+mn-lt"/>
+                <a:ea typeface="+mn-ea"/>
+                <a:cs typeface="+mn-cs"/>
+              </a:defRPr>
+            </a:lvl8pPr>
+            <a:lvl9pPr marL="3657600" algn="l" defTabSz="914400" rtl="0" eaLnBrk="1" latinLnBrk="1" hangingPunct="1">
+              <a:defRPr sz="1800" kern="1200">
+                <a:solidFill>
+                  <a:schemeClr val="lt1"/>
+                </a:solidFill>
+                <a:latin typeface="+mn-lt"/>
+                <a:ea typeface="+mn-ea"/>
+                <a:cs typeface="+mn-cs"/>
+              </a:defRPr>
+            </a:lvl9pPr>
+          </a:lstStyle>
+          <a:p>
+            <a:pPr algn="ctr"/>
+            <a:endParaRPr lang="ko-KR" altLang="en-US" sz="1400">
+              <a:latin typeface="한컴 말랑말랑 Bold" panose="020F0803000000000000" pitchFamily="50" charset="-127"/>
+              <a:ea typeface="한컴 말랑말랑 Bold" panose="020F0803000000000000" pitchFamily="50" charset="-127"/>
+            </a:endParaRPr>
+          </a:p>
+        </p:txBody>
+      </p:sp>
+      <p:grpSp>
+        <p:nvGrpSpPr>
+          <p:cNvPr id="15" name="그룹 14">
+            <a:extLst>
+              <a:ext uri="{FF2B5EF4-FFF2-40B4-BE49-F238E27FC236}">
+                <a16:creationId xmlns:a16="http://schemas.microsoft.com/office/drawing/2014/main" id="{A73615DB-2A64-31D0-74CB-3129033F2128}"/>
+              </a:ext>
+            </a:extLst>
+          </p:cNvPr>
+          <p:cNvGrpSpPr/>
+          <p:nvPr/>
+        </p:nvGrpSpPr>
+        <p:grpSpPr>
+          <a:xfrm>
+            <a:off x="4490843" y="2745122"/>
+            <a:ext cx="1378047" cy="1974193"/>
+            <a:chOff x="6034017" y="2512646"/>
+            <a:chExt cx="1804575" cy="2613186"/>
+          </a:xfrm>
+        </p:grpSpPr>
+        <p:sp>
+          <p:nvSpPr>
+            <p:cNvPr id="34" name="TextBox 24">
+              <a:extLst>
+                <a:ext uri="{FF2B5EF4-FFF2-40B4-BE49-F238E27FC236}">
+                  <a16:creationId xmlns:a16="http://schemas.microsoft.com/office/drawing/2014/main" id="{8971A9E9-4257-7590-DC35-E47F3566590E}"/>
+                </a:ext>
+              </a:extLst>
+            </p:cNvPr>
+            <p:cNvSpPr txBox="1"/>
+            <p:nvPr/>
+          </p:nvSpPr>
+          <p:spPr>
+            <a:xfrm>
+              <a:off x="6442510" y="4718436"/>
+              <a:ext cx="999457" cy="407396"/>
+            </a:xfrm>
+            <a:prstGeom prst="rect">
+              <a:avLst/>
+            </a:prstGeom>
+            <a:noFill/>
+          </p:spPr>
+          <p:txBody>
+            <a:bodyPr wrap="square" rtlCol="0">
+              <a:spAutoFit/>
+            </a:bodyPr>
+            <a:lstStyle>
+              <a:defPPr>
+                <a:defRPr lang="ko-KR"/>
+              </a:defPPr>
+              <a:lvl1pPr marL="0" algn="l" defTabSz="914400" rtl="0" eaLnBrk="1" latinLnBrk="1" hangingPunct="1">
+                <a:defRPr sz="1800" kern="1200">
+                  <a:solidFill>
+                    <a:schemeClr val="tx1"/>
+                  </a:solidFill>
+                  <a:latin typeface="+mn-lt"/>
+                  <a:ea typeface="+mn-ea"/>
+                  <a:cs typeface="+mn-cs"/>
+                </a:defRPr>
+              </a:lvl1pPr>
+              <a:lvl2pPr marL="457200" algn="l" defTabSz="914400" rtl="0" eaLnBrk="1" latinLnBrk="1" hangingPunct="1">
+                <a:defRPr sz="1800" kern="1200">
+                  <a:solidFill>
+                    <a:schemeClr val="tx1"/>
+                  </a:solidFill>
+                  <a:latin typeface="+mn-lt"/>
+                  <a:ea typeface="+mn-ea"/>
+                  <a:cs typeface="+mn-cs"/>
+                </a:defRPr>
+              </a:lvl2pPr>
+              <a:lvl3pPr marL="914400" algn="l" defTabSz="914400" rtl="0" eaLnBrk="1" latinLnBrk="1" hangingPunct="1">
+                <a:defRPr sz="1800" kern="1200">
+                  <a:solidFill>
+                    <a:schemeClr val="tx1"/>
+                  </a:solidFill>
+                  <a:latin typeface="+mn-lt"/>
+                  <a:ea typeface="+mn-ea"/>
+                  <a:cs typeface="+mn-cs"/>
+                </a:defRPr>
+              </a:lvl3pPr>
+              <a:lvl4pPr marL="1371600" algn="l" defTabSz="914400" rtl="0" eaLnBrk="1" latinLnBrk="1" hangingPunct="1">
+                <a:defRPr sz="1800" kern="1200">
+                  <a:solidFill>
+                    <a:schemeClr val="tx1"/>
+                  </a:solidFill>
+                  <a:latin typeface="+mn-lt"/>
+                  <a:ea typeface="+mn-ea"/>
+                  <a:cs typeface="+mn-cs"/>
+                </a:defRPr>
+              </a:lvl4pPr>
+              <a:lvl5pPr marL="1828800" algn="l" defTabSz="914400" rtl="0" eaLnBrk="1" latinLnBrk="1" hangingPunct="1">
+                <a:defRPr sz="1800" kern="1200">
+                  <a:solidFill>
+                    <a:schemeClr val="tx1"/>
+                  </a:solidFill>
+                  <a:latin typeface="+mn-lt"/>
+                  <a:ea typeface="+mn-ea"/>
+                  <a:cs typeface="+mn-cs"/>
+                </a:defRPr>
+              </a:lvl5pPr>
+              <a:lvl6pPr marL="2286000" algn="l" defTabSz="914400" rtl="0" eaLnBrk="1" latinLnBrk="1" hangingPunct="1">
+                <a:defRPr sz="1800" kern="1200">
+                  <a:solidFill>
+                    <a:schemeClr val="tx1"/>
+                  </a:solidFill>
+                  <a:latin typeface="+mn-lt"/>
+                  <a:ea typeface="+mn-ea"/>
+                  <a:cs typeface="+mn-cs"/>
+                </a:defRPr>
+              </a:lvl6pPr>
+              <a:lvl7pPr marL="2743200" algn="l" defTabSz="914400" rtl="0" eaLnBrk="1" latinLnBrk="1" hangingPunct="1">
+                <a:defRPr sz="1800" kern="1200">
+                  <a:solidFill>
+                    <a:schemeClr val="tx1"/>
+                  </a:solidFill>
+                  <a:latin typeface="+mn-lt"/>
+                  <a:ea typeface="+mn-ea"/>
+                  <a:cs typeface="+mn-cs"/>
+                </a:defRPr>
+              </a:lvl7pPr>
+              <a:lvl8pPr marL="3200400" algn="l" defTabSz="914400" rtl="0" eaLnBrk="1" latinLnBrk="1" hangingPunct="1">
+                <a:defRPr sz="1800" kern="1200">
+                  <a:solidFill>
+                    <a:schemeClr val="tx1"/>
+                  </a:solidFill>
+                  <a:latin typeface="+mn-lt"/>
+                  <a:ea typeface="+mn-ea"/>
+                  <a:cs typeface="+mn-cs"/>
+                </a:defRPr>
+              </a:lvl8pPr>
+              <a:lvl9pPr marL="3657600" algn="l" defTabSz="914400" rtl="0" eaLnBrk="1" latinLnBrk="1" hangingPunct="1">
+                <a:defRPr sz="1800" kern="1200">
+                  <a:solidFill>
+                    <a:schemeClr val="tx1"/>
+                  </a:solidFill>
+                  <a:latin typeface="+mn-lt"/>
+                  <a:ea typeface="+mn-ea"/>
+                  <a:cs typeface="+mn-cs"/>
+                </a:defRPr>
+              </a:lvl9pPr>
+            </a:lstStyle>
+            <a:p>
+              <a:pPr algn="ctr"/>
+              <a:r>
+                <a:rPr lang="en-US" altLang="ko-KR" sz="1400" b="1" dirty="0">
+                  <a:effectLst>
+                    <a:outerShdw blurRad="38100" dist="38100" dir="2700000" algn="tl">
+                      <a:srgbClr val="000000">
+                        <a:alpha val="43137"/>
+                      </a:srgbClr>
+                    </a:outerShdw>
+                  </a:effectLst>
+                  <a:latin typeface="한컴 말랑말랑 Bold" panose="020F0803000000000000" pitchFamily="50" charset="-127"/>
+                  <a:ea typeface="한컴 말랑말랑 Bold" panose="020F0803000000000000" pitchFamily="50" charset="-127"/>
+                </a:rPr>
+                <a:t>[?,?,?,?]</a:t>
+              </a:r>
+              <a:endParaRPr lang="ko-KR" altLang="en-US" sz="1400" b="1" dirty="0">
+                <a:effectLst>
+                  <a:outerShdw blurRad="38100" dist="38100" dir="2700000" algn="tl">
+                    <a:srgbClr val="000000">
+                      <a:alpha val="43137"/>
+                    </a:srgbClr>
+                  </a:outerShdw>
+                </a:effectLst>
+                <a:latin typeface="한컴 말랑말랑 Bold" panose="020F0803000000000000" pitchFamily="50" charset="-127"/>
+                <a:ea typeface="한컴 말랑말랑 Bold" panose="020F0803000000000000" pitchFamily="50" charset="-127"/>
+              </a:endParaRPr>
+            </a:p>
+          </p:txBody>
+        </p:sp>
+        <p:sp>
+          <p:nvSpPr>
+            <p:cNvPr id="35" name="TextBox 25">
+              <a:extLst>
+                <a:ext uri="{FF2B5EF4-FFF2-40B4-BE49-F238E27FC236}">
+                  <a16:creationId xmlns:a16="http://schemas.microsoft.com/office/drawing/2014/main" id="{2218714F-93CF-FAD6-BAFA-994BDCECA074}"/>
+                </a:ext>
+              </a:extLst>
+            </p:cNvPr>
+            <p:cNvSpPr txBox="1"/>
+            <p:nvPr/>
+          </p:nvSpPr>
+          <p:spPr>
+            <a:xfrm>
+              <a:off x="6034017" y="2512646"/>
+              <a:ext cx="1804575" cy="407396"/>
+            </a:xfrm>
+            <a:prstGeom prst="rect">
+              <a:avLst/>
+            </a:prstGeom>
+            <a:noFill/>
+          </p:spPr>
+          <p:txBody>
+            <a:bodyPr wrap="square" rtlCol="0">
+              <a:spAutoFit/>
+            </a:bodyPr>
+            <a:lstStyle>
+              <a:defPPr>
+                <a:defRPr lang="ko-KR"/>
+              </a:defPPr>
+              <a:lvl1pPr marL="0" algn="l" defTabSz="914400" rtl="0" eaLnBrk="1" latinLnBrk="1" hangingPunct="1">
+                <a:defRPr sz="1800" kern="1200">
+                  <a:solidFill>
+                    <a:schemeClr val="tx1"/>
+                  </a:solidFill>
+                  <a:latin typeface="+mn-lt"/>
+                  <a:ea typeface="+mn-ea"/>
+                  <a:cs typeface="+mn-cs"/>
+                </a:defRPr>
+              </a:lvl1pPr>
+              <a:lvl2pPr marL="457200" algn="l" defTabSz="914400" rtl="0" eaLnBrk="1" latinLnBrk="1" hangingPunct="1">
+                <a:defRPr sz="1800" kern="1200">
+                  <a:solidFill>
+                    <a:schemeClr val="tx1"/>
+                  </a:solidFill>
+                  <a:latin typeface="+mn-lt"/>
+                  <a:ea typeface="+mn-ea"/>
+                  <a:cs typeface="+mn-cs"/>
+                </a:defRPr>
+              </a:lvl2pPr>
+              <a:lvl3pPr marL="914400" algn="l" defTabSz="914400" rtl="0" eaLnBrk="1" latinLnBrk="1" hangingPunct="1">
+                <a:defRPr sz="1800" kern="1200">
+                  <a:solidFill>
+                    <a:schemeClr val="tx1"/>
+                  </a:solidFill>
+                  <a:latin typeface="+mn-lt"/>
+                  <a:ea typeface="+mn-ea"/>
+                  <a:cs typeface="+mn-cs"/>
+                </a:defRPr>
+              </a:lvl3pPr>
+              <a:lvl4pPr marL="1371600" algn="l" defTabSz="914400" rtl="0" eaLnBrk="1" latinLnBrk="1" hangingPunct="1">
+                <a:defRPr sz="1800" kern="1200">
+                  <a:solidFill>
+                    <a:schemeClr val="tx1"/>
+                  </a:solidFill>
+                  <a:latin typeface="+mn-lt"/>
+                  <a:ea typeface="+mn-ea"/>
+                  <a:cs typeface="+mn-cs"/>
+                </a:defRPr>
+              </a:lvl4pPr>
+              <a:lvl5pPr marL="1828800" algn="l" defTabSz="914400" rtl="0" eaLnBrk="1" latinLnBrk="1" hangingPunct="1">
+                <a:defRPr sz="1800" kern="1200">
+                  <a:solidFill>
+                    <a:schemeClr val="tx1"/>
+                  </a:solidFill>
+                  <a:latin typeface="+mn-lt"/>
+                  <a:ea typeface="+mn-ea"/>
+                  <a:cs typeface="+mn-cs"/>
+                </a:defRPr>
+              </a:lvl5pPr>
+              <a:lvl6pPr marL="2286000" algn="l" defTabSz="914400" rtl="0" eaLnBrk="1" latinLnBrk="1" hangingPunct="1">
+                <a:defRPr sz="1800" kern="1200">
+                  <a:solidFill>
+                    <a:schemeClr val="tx1"/>
+                  </a:solidFill>
+                  <a:latin typeface="+mn-lt"/>
+                  <a:ea typeface="+mn-ea"/>
+                  <a:cs typeface="+mn-cs"/>
+                </a:defRPr>
+              </a:lvl6pPr>
+              <a:lvl7pPr marL="2743200" algn="l" defTabSz="914400" rtl="0" eaLnBrk="1" latinLnBrk="1" hangingPunct="1">
+                <a:defRPr sz="1800" kern="1200">
+                  <a:solidFill>
+                    <a:schemeClr val="tx1"/>
+                  </a:solidFill>
+                  <a:latin typeface="+mn-lt"/>
+                  <a:ea typeface="+mn-ea"/>
+                  <a:cs typeface="+mn-cs"/>
+                </a:defRPr>
+              </a:lvl7pPr>
+              <a:lvl8pPr marL="3200400" algn="l" defTabSz="914400" rtl="0" eaLnBrk="1" latinLnBrk="1" hangingPunct="1">
+                <a:defRPr sz="1800" kern="1200">
+                  <a:solidFill>
+                    <a:schemeClr val="tx1"/>
+                  </a:solidFill>
+                  <a:latin typeface="+mn-lt"/>
+                  <a:ea typeface="+mn-ea"/>
+                  <a:cs typeface="+mn-cs"/>
+                </a:defRPr>
+              </a:lvl8pPr>
+              <a:lvl9pPr marL="3657600" algn="l" defTabSz="914400" rtl="0" eaLnBrk="1" latinLnBrk="1" hangingPunct="1">
+                <a:defRPr sz="1800" kern="1200">
+                  <a:solidFill>
+                    <a:schemeClr val="tx1"/>
+                  </a:solidFill>
+                  <a:latin typeface="+mn-lt"/>
+                  <a:ea typeface="+mn-ea"/>
+                  <a:cs typeface="+mn-cs"/>
+                </a:defRPr>
+              </a:lvl9pPr>
+            </a:lstStyle>
+            <a:p>
+              <a:pPr algn="ctr"/>
+              <a:r>
+                <a:rPr lang="ko-KR" altLang="en-US" sz="1400" b="1" dirty="0">
+                  <a:effectLst>
+                    <a:outerShdw blurRad="38100" dist="38100" dir="2700000" algn="tl">
+                      <a:srgbClr val="000000">
+                        <a:alpha val="43137"/>
+                      </a:srgbClr>
+                    </a:outerShdw>
+                  </a:effectLst>
+                  <a:latin typeface="한컴 말랑말랑 Bold" panose="020F0803000000000000" pitchFamily="50" charset="-127"/>
+                  <a:ea typeface="한컴 말랑말랑 Bold" panose="020F0803000000000000" pitchFamily="50" charset="-127"/>
+                </a:rPr>
+                <a:t>가상의 술</a:t>
+              </a:r>
+            </a:p>
+          </p:txBody>
+        </p:sp>
+      </p:grpSp>
+      <p:sp>
+        <p:nvSpPr>
+          <p:cNvPr id="16" name="TextBox 29">
+            <a:extLst>
+              <a:ext uri="{FF2B5EF4-FFF2-40B4-BE49-F238E27FC236}">
+                <a16:creationId xmlns:a16="http://schemas.microsoft.com/office/drawing/2014/main" id="{C10713F3-BB9C-CECB-FEE3-A8129D9BB180}"/>
+              </a:ext>
+            </a:extLst>
+          </p:cNvPr>
+          <p:cNvSpPr txBox="1"/>
+          <p:nvPr/>
+        </p:nvSpPr>
+        <p:spPr>
+          <a:xfrm>
+            <a:off x="4083436" y="4895579"/>
+            <a:ext cx="2220089" cy="307777"/>
+          </a:xfrm>
+          <a:prstGeom prst="rect">
+            <a:avLst/>
+          </a:prstGeom>
+          <a:noFill/>
+        </p:spPr>
+        <p:txBody>
+          <a:bodyPr wrap="square" rtlCol="0">
+            <a:spAutoFit/>
+          </a:bodyPr>
+          <a:lstStyle>
+            <a:defPPr>
+              <a:defRPr lang="ko-KR"/>
+            </a:defPPr>
+            <a:lvl1pPr marL="0" algn="l" defTabSz="914400" rtl="0" eaLnBrk="1" latinLnBrk="1" hangingPunct="1">
+              <a:defRPr sz="1800" kern="1200">
+                <a:solidFill>
+                  <a:schemeClr val="tx1"/>
+                </a:solidFill>
+                <a:latin typeface="+mn-lt"/>
+                <a:ea typeface="+mn-ea"/>
+                <a:cs typeface="+mn-cs"/>
+              </a:defRPr>
+            </a:lvl1pPr>
+            <a:lvl2pPr marL="457200" algn="l" defTabSz="914400" rtl="0" eaLnBrk="1" latinLnBrk="1" hangingPunct="1">
+              <a:defRPr sz="1800" kern="1200">
+                <a:solidFill>
+                  <a:schemeClr val="tx1"/>
+                </a:solidFill>
+                <a:latin typeface="+mn-lt"/>
+                <a:ea typeface="+mn-ea"/>
+                <a:cs typeface="+mn-cs"/>
+              </a:defRPr>
+            </a:lvl2pPr>
+            <a:lvl3pPr marL="914400" algn="l" defTabSz="914400" rtl="0" eaLnBrk="1" latinLnBrk="1" hangingPunct="1">
+              <a:defRPr sz="1800" kern="1200">
+                <a:solidFill>
+                  <a:schemeClr val="tx1"/>
+                </a:solidFill>
+                <a:latin typeface="+mn-lt"/>
+                <a:ea typeface="+mn-ea"/>
+                <a:cs typeface="+mn-cs"/>
+              </a:defRPr>
+            </a:lvl3pPr>
+            <a:lvl4pPr marL="1371600" algn="l" defTabSz="914400" rtl="0" eaLnBrk="1" latinLnBrk="1" hangingPunct="1">
+              <a:defRPr sz="1800" kern="1200">
+                <a:solidFill>
+                  <a:schemeClr val="tx1"/>
+                </a:solidFill>
+                <a:latin typeface="+mn-lt"/>
+                <a:ea typeface="+mn-ea"/>
+                <a:cs typeface="+mn-cs"/>
+              </a:defRPr>
+            </a:lvl4pPr>
+            <a:lvl5pPr marL="1828800" algn="l" defTabSz="914400" rtl="0" eaLnBrk="1" latinLnBrk="1" hangingPunct="1">
+              <a:defRPr sz="1800" kern="1200">
+                <a:solidFill>
+                  <a:schemeClr val="tx1"/>
+                </a:solidFill>
+                <a:latin typeface="+mn-lt"/>
+                <a:ea typeface="+mn-ea"/>
+                <a:cs typeface="+mn-cs"/>
+              </a:defRPr>
+            </a:lvl5pPr>
+            <a:lvl6pPr marL="2286000" algn="l" defTabSz="914400" rtl="0" eaLnBrk="1" latinLnBrk="1" hangingPunct="1">
+              <a:defRPr sz="1800" kern="1200">
+                <a:solidFill>
+                  <a:schemeClr val="tx1"/>
+                </a:solidFill>
+                <a:latin typeface="+mn-lt"/>
+                <a:ea typeface="+mn-ea"/>
+                <a:cs typeface="+mn-cs"/>
+              </a:defRPr>
+            </a:lvl6pPr>
+            <a:lvl7pPr marL="2743200" algn="l" defTabSz="914400" rtl="0" eaLnBrk="1" latinLnBrk="1" hangingPunct="1">
+              <a:defRPr sz="1800" kern="1200">
+                <a:solidFill>
+                  <a:schemeClr val="tx1"/>
+                </a:solidFill>
+                <a:latin typeface="+mn-lt"/>
+                <a:ea typeface="+mn-ea"/>
+                <a:cs typeface="+mn-cs"/>
+              </a:defRPr>
+            </a:lvl7pPr>
+            <a:lvl8pPr marL="3200400" algn="l" defTabSz="914400" rtl="0" eaLnBrk="1" latinLnBrk="1" hangingPunct="1">
+              <a:defRPr sz="1800" kern="1200">
+                <a:solidFill>
+                  <a:schemeClr val="tx1"/>
+                </a:solidFill>
+                <a:latin typeface="+mn-lt"/>
+                <a:ea typeface="+mn-ea"/>
+                <a:cs typeface="+mn-cs"/>
+              </a:defRPr>
+            </a:lvl8pPr>
+            <a:lvl9pPr marL="3657600" algn="l" defTabSz="914400" rtl="0" eaLnBrk="1" latinLnBrk="1" hangingPunct="1">
+              <a:defRPr sz="1800" kern="1200">
+                <a:solidFill>
+                  <a:schemeClr val="tx1"/>
+                </a:solidFill>
+                <a:latin typeface="+mn-lt"/>
+                <a:ea typeface="+mn-ea"/>
+                <a:cs typeface="+mn-cs"/>
+              </a:defRPr>
+            </a:lvl9pPr>
+          </a:lstStyle>
+          <a:p>
+            <a:pPr algn="ctr"/>
+            <a:r>
+              <a:rPr lang="ko-KR" altLang="en-US" sz="1400" b="1" dirty="0">
+                <a:latin typeface="한컴 말랑말랑 Bold" panose="020F0803000000000000" pitchFamily="50" charset="-127"/>
+                <a:ea typeface="한컴 말랑말랑 Bold" panose="020F0803000000000000" pitchFamily="50" charset="-127"/>
+              </a:rPr>
+              <a:t>어떻게 대표하는 값을 채울까</a:t>
+            </a:r>
+            <a:r>
+              <a:rPr lang="en-US" altLang="ko-KR" sz="1400" b="1" dirty="0">
+                <a:latin typeface="한컴 말랑말랑 Bold" panose="020F0803000000000000" pitchFamily="50" charset="-127"/>
+                <a:ea typeface="한컴 말랑말랑 Bold" panose="020F0803000000000000" pitchFamily="50" charset="-127"/>
+              </a:rPr>
+              <a:t>?</a:t>
+            </a:r>
+            <a:endParaRPr lang="ko-KR" altLang="en-US" sz="1400" b="1" dirty="0">
+              <a:latin typeface="한컴 말랑말랑 Bold" panose="020F0803000000000000" pitchFamily="50" charset="-127"/>
+              <a:ea typeface="한컴 말랑말랑 Bold" panose="020F0803000000000000" pitchFamily="50" charset="-127"/>
+            </a:endParaRPr>
+          </a:p>
+        </p:txBody>
+      </p:sp>
+      <p:sp>
+        <p:nvSpPr>
+          <p:cNvPr id="30" name="TextBox 23">
+            <a:extLst>
+              <a:ext uri="{FF2B5EF4-FFF2-40B4-BE49-F238E27FC236}">
+                <a16:creationId xmlns:a16="http://schemas.microsoft.com/office/drawing/2014/main" id="{91826138-D7D1-7D2B-5F9A-B923024AC11B}"/>
+              </a:ext>
+            </a:extLst>
+          </p:cNvPr>
+          <p:cNvSpPr txBox="1"/>
+          <p:nvPr/>
+        </p:nvSpPr>
+        <p:spPr>
+          <a:xfrm>
+            <a:off x="6981145" y="2665009"/>
+            <a:ext cx="4475676" cy="2862322"/>
+          </a:xfrm>
+          <a:prstGeom prst="rect">
+            <a:avLst/>
+          </a:prstGeom>
+          <a:noFill/>
+        </p:spPr>
+        <p:txBody>
+          <a:bodyPr wrap="square" rtlCol="0">
+            <a:spAutoFit/>
+          </a:bodyPr>
+          <a:lstStyle>
+            <a:defPPr>
+              <a:defRPr lang="ko-KR"/>
+            </a:defPPr>
+            <a:lvl1pPr marL="0" algn="l" defTabSz="914400" rtl="0" eaLnBrk="1" latinLnBrk="1" hangingPunct="1">
+              <a:defRPr sz="1800" kern="1200">
+                <a:solidFill>
+                  <a:schemeClr val="tx1"/>
+                </a:solidFill>
+                <a:latin typeface="+mn-lt"/>
+                <a:ea typeface="+mn-ea"/>
+                <a:cs typeface="+mn-cs"/>
+              </a:defRPr>
+            </a:lvl1pPr>
+            <a:lvl2pPr marL="457200" algn="l" defTabSz="914400" rtl="0" eaLnBrk="1" latinLnBrk="1" hangingPunct="1">
+              <a:defRPr sz="1800" kern="1200">
+                <a:solidFill>
+                  <a:schemeClr val="tx1"/>
+                </a:solidFill>
+                <a:latin typeface="+mn-lt"/>
+                <a:ea typeface="+mn-ea"/>
+                <a:cs typeface="+mn-cs"/>
+              </a:defRPr>
+            </a:lvl2pPr>
+            <a:lvl3pPr marL="914400" algn="l" defTabSz="914400" rtl="0" eaLnBrk="1" latinLnBrk="1" hangingPunct="1">
+              <a:defRPr sz="1800" kern="1200">
+                <a:solidFill>
+                  <a:schemeClr val="tx1"/>
+                </a:solidFill>
+                <a:latin typeface="+mn-lt"/>
+                <a:ea typeface="+mn-ea"/>
+                <a:cs typeface="+mn-cs"/>
+              </a:defRPr>
+            </a:lvl3pPr>
+            <a:lvl4pPr marL="1371600" algn="l" defTabSz="914400" rtl="0" eaLnBrk="1" latinLnBrk="1" hangingPunct="1">
+              <a:defRPr sz="1800" kern="1200">
+                <a:solidFill>
+                  <a:schemeClr val="tx1"/>
+                </a:solidFill>
+                <a:latin typeface="+mn-lt"/>
+                <a:ea typeface="+mn-ea"/>
+                <a:cs typeface="+mn-cs"/>
+              </a:defRPr>
+            </a:lvl4pPr>
+            <a:lvl5pPr marL="1828800" algn="l" defTabSz="914400" rtl="0" eaLnBrk="1" latinLnBrk="1" hangingPunct="1">
+              <a:defRPr sz="1800" kern="1200">
+                <a:solidFill>
+                  <a:schemeClr val="tx1"/>
+                </a:solidFill>
+                <a:latin typeface="+mn-lt"/>
+                <a:ea typeface="+mn-ea"/>
+                <a:cs typeface="+mn-cs"/>
+              </a:defRPr>
+            </a:lvl5pPr>
+            <a:lvl6pPr marL="2286000" algn="l" defTabSz="914400" rtl="0" eaLnBrk="1" latinLnBrk="1" hangingPunct="1">
+              <a:defRPr sz="1800" kern="1200">
+                <a:solidFill>
+                  <a:schemeClr val="tx1"/>
+                </a:solidFill>
+                <a:latin typeface="+mn-lt"/>
+                <a:ea typeface="+mn-ea"/>
+                <a:cs typeface="+mn-cs"/>
+              </a:defRPr>
+            </a:lvl6pPr>
+            <a:lvl7pPr marL="2743200" algn="l" defTabSz="914400" rtl="0" eaLnBrk="1" latinLnBrk="1" hangingPunct="1">
+              <a:defRPr sz="1800" kern="1200">
+                <a:solidFill>
+                  <a:schemeClr val="tx1"/>
+                </a:solidFill>
+                <a:latin typeface="+mn-lt"/>
+                <a:ea typeface="+mn-ea"/>
+                <a:cs typeface="+mn-cs"/>
+              </a:defRPr>
+            </a:lvl7pPr>
+            <a:lvl8pPr marL="3200400" algn="l" defTabSz="914400" rtl="0" eaLnBrk="1" latinLnBrk="1" hangingPunct="1">
+              <a:defRPr sz="1800" kern="1200">
+                <a:solidFill>
+                  <a:schemeClr val="tx1"/>
+                </a:solidFill>
+                <a:latin typeface="+mn-lt"/>
+                <a:ea typeface="+mn-ea"/>
+                <a:cs typeface="+mn-cs"/>
+              </a:defRPr>
+            </a:lvl8pPr>
+            <a:lvl9pPr marL="3657600" algn="l" defTabSz="914400" rtl="0" eaLnBrk="1" latinLnBrk="1" hangingPunct="1">
+              <a:defRPr sz="1800" kern="1200">
+                <a:solidFill>
+                  <a:schemeClr val="tx1"/>
+                </a:solidFill>
+                <a:latin typeface="+mn-lt"/>
+                <a:ea typeface="+mn-ea"/>
+                <a:cs typeface="+mn-cs"/>
+              </a:defRPr>
+            </a:lvl9pPr>
+          </a:lstStyle>
+          <a:p>
+            <a:pPr algn="ctr"/>
+            <a:r>
+              <a:rPr lang="ko-KR" altLang="en-US" b="1" dirty="0">
+                <a:effectLst>
+                  <a:outerShdw blurRad="38100" dist="38100" dir="2700000" algn="tl">
+                    <a:srgbClr val="000000">
+                      <a:alpha val="43137"/>
+                    </a:srgbClr>
+                  </a:outerShdw>
+                </a:effectLst>
+                <a:latin typeface="한컴 말랑말랑 Bold" panose="020F0803000000000000" pitchFamily="50" charset="-127"/>
+                <a:ea typeface="한컴 말랑말랑 Bold" panose="020F0803000000000000" pitchFamily="50" charset="-127"/>
+              </a:rPr>
+              <a:t>실제 양조장의 실제 술 제작방식을 참고</a:t>
+            </a:r>
+            <a:endParaRPr lang="en-US" altLang="ko-KR" b="1" dirty="0">
+              <a:effectLst>
+                <a:outerShdw blurRad="38100" dist="38100" dir="2700000" algn="tl">
+                  <a:srgbClr val="000000">
+                    <a:alpha val="43137"/>
+                  </a:srgbClr>
+                </a:outerShdw>
+              </a:effectLst>
+              <a:latin typeface="한컴 말랑말랑 Bold" panose="020F0803000000000000" pitchFamily="50" charset="-127"/>
+              <a:ea typeface="한컴 말랑말랑 Bold" panose="020F0803000000000000" pitchFamily="50" charset="-127"/>
+            </a:endParaRPr>
+          </a:p>
+          <a:p>
+            <a:endParaRPr lang="en-US" altLang="ko-KR" dirty="0">
+              <a:effectLst>
+                <a:outerShdw blurRad="38100" dist="38100" dir="2700000" algn="tl">
+                  <a:srgbClr val="000000">
+                    <a:alpha val="43137"/>
+                  </a:srgbClr>
+                </a:outerShdw>
+              </a:effectLst>
+              <a:latin typeface="한컴 말랑말랑 Bold" panose="020F0803000000000000" pitchFamily="50" charset="-127"/>
+              <a:ea typeface="한컴 말랑말랑 Bold" panose="020F0803000000000000" pitchFamily="50" charset="-127"/>
+            </a:endParaRPr>
+          </a:p>
+          <a:p>
+            <a:endParaRPr lang="en-US" altLang="ko-KR" b="1" dirty="0">
+              <a:effectLst>
+                <a:outerShdw blurRad="38100" dist="38100" dir="2700000" algn="tl">
+                  <a:srgbClr val="000000">
+                    <a:alpha val="43137"/>
+                  </a:srgbClr>
+                </a:outerShdw>
+              </a:effectLst>
+              <a:latin typeface="한컴 말랑말랑 Bold" panose="020F0803000000000000" pitchFamily="50" charset="-127"/>
+              <a:ea typeface="한컴 말랑말랑 Bold" panose="020F0803000000000000" pitchFamily="50" charset="-127"/>
+            </a:endParaRPr>
+          </a:p>
+          <a:p>
+            <a:pPr marL="285750" indent="-285750">
+              <a:buFontTx/>
+              <a:buChar char="-"/>
+            </a:pPr>
+            <a:r>
+              <a:rPr lang="ko-KR" altLang="en-US" b="1" dirty="0">
+                <a:latin typeface="한컴 말랑말랑 Bold" panose="020F0803000000000000" pitchFamily="50" charset="-127"/>
+                <a:ea typeface="한컴 말랑말랑 Bold" panose="020F0803000000000000" pitchFamily="50" charset="-127"/>
+              </a:rPr>
+              <a:t>양조장에서는 술을 만들 때</a:t>
+            </a:r>
+            <a:r>
+              <a:rPr lang="en-US" altLang="ko-KR" b="1" dirty="0">
+                <a:latin typeface="한컴 말랑말랑 Bold" panose="020F0803000000000000" pitchFamily="50" charset="-127"/>
+                <a:ea typeface="한컴 말랑말랑 Bold" panose="020F0803000000000000" pitchFamily="50" charset="-127"/>
+              </a:rPr>
+              <a:t>, </a:t>
+            </a:r>
+            <a:r>
+              <a:rPr lang="ko-KR" altLang="en-US" b="1" dirty="0">
+                <a:latin typeface="한컴 말랑말랑 Bold" panose="020F0803000000000000" pitchFamily="50" charset="-127"/>
+                <a:ea typeface="한컴 말랑말랑 Bold" panose="020F0803000000000000" pitchFamily="50" charset="-127"/>
+              </a:rPr>
+              <a:t>원하는 특성의 평균값을 활용하여 최적의 조합을 찾는다</a:t>
+            </a:r>
+            <a:endParaRPr lang="en-US" altLang="ko-KR" b="1" dirty="0">
+              <a:latin typeface="한컴 말랑말랑 Bold" panose="020F0803000000000000" pitchFamily="50" charset="-127"/>
+              <a:ea typeface="한컴 말랑말랑 Bold" panose="020F0803000000000000" pitchFamily="50" charset="-127"/>
+            </a:endParaRPr>
+          </a:p>
+          <a:p>
+            <a:endParaRPr lang="en-US" altLang="ko-KR" b="1" dirty="0">
+              <a:latin typeface="한컴 말랑말랑 Bold" panose="020F0803000000000000" pitchFamily="50" charset="-127"/>
+              <a:ea typeface="한컴 말랑말랑 Bold" panose="020F0803000000000000" pitchFamily="50" charset="-127"/>
+            </a:endParaRPr>
+          </a:p>
+          <a:p>
+            <a:pPr marL="285750" indent="-285750">
+              <a:buFontTx/>
+              <a:buChar char="-"/>
+            </a:pPr>
+            <a:r>
+              <a:rPr lang="ko-KR" altLang="en-US" b="1" dirty="0">
+                <a:latin typeface="한컴 말랑말랑 Bold" panose="020F0803000000000000" pitchFamily="50" charset="-127"/>
+                <a:ea typeface="한컴 말랑말랑 Bold" panose="020F0803000000000000" pitchFamily="50" charset="-127"/>
+              </a:rPr>
+              <a:t>사용자가 선택한 </a:t>
+            </a:r>
+            <a:r>
+              <a:rPr lang="en-US" altLang="ko-KR" b="1" dirty="0">
+                <a:latin typeface="한컴 말랑말랑 Bold" panose="020F0803000000000000" pitchFamily="50" charset="-127"/>
+                <a:ea typeface="한컴 말랑말랑 Bold" panose="020F0803000000000000" pitchFamily="50" charset="-127"/>
+              </a:rPr>
+              <a:t>3</a:t>
+            </a:r>
+            <a:r>
+              <a:rPr lang="ko-KR" altLang="en-US" b="1" dirty="0">
+                <a:latin typeface="한컴 말랑말랑 Bold" panose="020F0803000000000000" pitchFamily="50" charset="-127"/>
+                <a:ea typeface="한컴 말랑말랑 Bold" panose="020F0803000000000000" pitchFamily="50" charset="-127"/>
+              </a:rPr>
+              <a:t>가지 술의 특성을 기반으로 가상의 술을 만들 때</a:t>
+            </a:r>
+            <a:r>
+              <a:rPr lang="en-US" altLang="ko-KR" b="1" dirty="0">
+                <a:latin typeface="한컴 말랑말랑 Bold" panose="020F0803000000000000" pitchFamily="50" charset="-127"/>
+                <a:ea typeface="한컴 말랑말랑 Bold" panose="020F0803000000000000" pitchFamily="50" charset="-127"/>
+              </a:rPr>
+              <a:t>, </a:t>
+            </a:r>
+            <a:r>
+              <a:rPr lang="ko-KR" altLang="en-US" b="1" dirty="0">
+                <a:latin typeface="한컴 말랑말랑 Bold" panose="020F0803000000000000" pitchFamily="50" charset="-127"/>
+                <a:ea typeface="한컴 말랑말랑 Bold" panose="020F0803000000000000" pitchFamily="50" charset="-127"/>
+              </a:rPr>
+              <a:t>각 술의 특성값을 평균하여 최적의 특성을 도출</a:t>
+            </a:r>
+            <a:endParaRPr lang="en-US" altLang="ko-KR" b="1" dirty="0">
+              <a:latin typeface="한컴 말랑말랑 Bold" panose="020F0803000000000000" pitchFamily="50" charset="-127"/>
+              <a:ea typeface="한컴 말랑말랑 Bold" panose="020F0803000000000000" pitchFamily="50" charset="-127"/>
+            </a:endParaRPr>
+          </a:p>
+          <a:p>
+            <a:pPr marL="342900" indent="-342900">
+              <a:buAutoNum type="arabicParenR"/>
+            </a:pPr>
+            <a:endParaRPr lang="en-US" altLang="ko-KR" b="1" dirty="0">
+              <a:effectLst>
+                <a:outerShdw blurRad="38100" dist="38100" dir="2700000" algn="tl">
+                  <a:srgbClr val="000000">
+                    <a:alpha val="43137"/>
+                  </a:srgbClr>
+                </a:outerShdw>
+              </a:effectLst>
+              <a:latin typeface="한컴 말랑말랑 Bold" panose="020F0803000000000000" pitchFamily="50" charset="-127"/>
+              <a:ea typeface="한컴 말랑말랑 Bold" panose="020F0803000000000000" pitchFamily="50" charset="-127"/>
+            </a:endParaRPr>
+          </a:p>
+        </p:txBody>
+      </p:sp>
+      <p:sp>
+        <p:nvSpPr>
+          <p:cNvPr id="31" name="TextBox 34">
+            <a:extLst>
+              <a:ext uri="{FF2B5EF4-FFF2-40B4-BE49-F238E27FC236}">
+                <a16:creationId xmlns:a16="http://schemas.microsoft.com/office/drawing/2014/main" id="{9E69B00E-465F-032F-B7AB-FFE1DCF49BE3}"/>
+              </a:ext>
+            </a:extLst>
+          </p:cNvPr>
+          <p:cNvSpPr txBox="1"/>
+          <p:nvPr/>
+        </p:nvSpPr>
+        <p:spPr>
+          <a:xfrm>
+            <a:off x="4139738" y="4656429"/>
+            <a:ext cx="2093602" cy="307777"/>
+          </a:xfrm>
+          <a:prstGeom prst="rect">
+            <a:avLst/>
+          </a:prstGeom>
+          <a:noFill/>
+        </p:spPr>
+        <p:txBody>
+          <a:bodyPr wrap="square" rtlCol="0">
+            <a:spAutoFit/>
+          </a:bodyPr>
+          <a:lstStyle>
+            <a:defPPr>
+              <a:defRPr lang="ko-KR"/>
+            </a:defPPr>
+            <a:lvl1pPr marL="0" algn="l" defTabSz="914400" rtl="0" eaLnBrk="1" latinLnBrk="1" hangingPunct="1">
+              <a:defRPr sz="1800" kern="1200">
+                <a:solidFill>
+                  <a:schemeClr val="tx1"/>
+                </a:solidFill>
+                <a:latin typeface="+mn-lt"/>
+                <a:ea typeface="+mn-ea"/>
+                <a:cs typeface="+mn-cs"/>
+              </a:defRPr>
+            </a:lvl1pPr>
+            <a:lvl2pPr marL="457200" algn="l" defTabSz="914400" rtl="0" eaLnBrk="1" latinLnBrk="1" hangingPunct="1">
+              <a:defRPr sz="1800" kern="1200">
+                <a:solidFill>
+                  <a:schemeClr val="tx1"/>
+                </a:solidFill>
+                <a:latin typeface="+mn-lt"/>
+                <a:ea typeface="+mn-ea"/>
+                <a:cs typeface="+mn-cs"/>
+              </a:defRPr>
+            </a:lvl2pPr>
+            <a:lvl3pPr marL="914400" algn="l" defTabSz="914400" rtl="0" eaLnBrk="1" latinLnBrk="1" hangingPunct="1">
+              <a:defRPr sz="1800" kern="1200">
+                <a:solidFill>
+                  <a:schemeClr val="tx1"/>
+                </a:solidFill>
+                <a:latin typeface="+mn-lt"/>
+                <a:ea typeface="+mn-ea"/>
+                <a:cs typeface="+mn-cs"/>
+              </a:defRPr>
+            </a:lvl3pPr>
+            <a:lvl4pPr marL="1371600" algn="l" defTabSz="914400" rtl="0" eaLnBrk="1" latinLnBrk="1" hangingPunct="1">
+              <a:defRPr sz="1800" kern="1200">
+                <a:solidFill>
+                  <a:schemeClr val="tx1"/>
+                </a:solidFill>
+                <a:latin typeface="+mn-lt"/>
+                <a:ea typeface="+mn-ea"/>
+                <a:cs typeface="+mn-cs"/>
+              </a:defRPr>
+            </a:lvl4pPr>
+            <a:lvl5pPr marL="1828800" algn="l" defTabSz="914400" rtl="0" eaLnBrk="1" latinLnBrk="1" hangingPunct="1">
+              <a:defRPr sz="1800" kern="1200">
+                <a:solidFill>
+                  <a:schemeClr val="tx1"/>
+                </a:solidFill>
+                <a:latin typeface="+mn-lt"/>
+                <a:ea typeface="+mn-ea"/>
+                <a:cs typeface="+mn-cs"/>
+              </a:defRPr>
+            </a:lvl5pPr>
+            <a:lvl6pPr marL="2286000" algn="l" defTabSz="914400" rtl="0" eaLnBrk="1" latinLnBrk="1" hangingPunct="1">
+              <a:defRPr sz="1800" kern="1200">
+                <a:solidFill>
+                  <a:schemeClr val="tx1"/>
+                </a:solidFill>
+                <a:latin typeface="+mn-lt"/>
+                <a:ea typeface="+mn-ea"/>
+                <a:cs typeface="+mn-cs"/>
+              </a:defRPr>
+            </a:lvl6pPr>
+            <a:lvl7pPr marL="2743200" algn="l" defTabSz="914400" rtl="0" eaLnBrk="1" latinLnBrk="1" hangingPunct="1">
+              <a:defRPr sz="1800" kern="1200">
+                <a:solidFill>
+                  <a:schemeClr val="tx1"/>
+                </a:solidFill>
+                <a:latin typeface="+mn-lt"/>
+                <a:ea typeface="+mn-ea"/>
+                <a:cs typeface="+mn-cs"/>
+              </a:defRPr>
+            </a:lvl7pPr>
+            <a:lvl8pPr marL="3200400" algn="l" defTabSz="914400" rtl="0" eaLnBrk="1" latinLnBrk="1" hangingPunct="1">
+              <a:defRPr sz="1800" kern="1200">
+                <a:solidFill>
+                  <a:schemeClr val="tx1"/>
+                </a:solidFill>
+                <a:latin typeface="+mn-lt"/>
+                <a:ea typeface="+mn-ea"/>
+                <a:cs typeface="+mn-cs"/>
+              </a:defRPr>
+            </a:lvl8pPr>
+            <a:lvl9pPr marL="3657600" algn="l" defTabSz="914400" rtl="0" eaLnBrk="1" latinLnBrk="1" hangingPunct="1">
+              <a:defRPr sz="1800" kern="1200">
+                <a:solidFill>
+                  <a:schemeClr val="tx1"/>
+                </a:solidFill>
+                <a:latin typeface="+mn-lt"/>
+                <a:ea typeface="+mn-ea"/>
+                <a:cs typeface="+mn-cs"/>
+              </a:defRPr>
+            </a:lvl9pPr>
+          </a:lstStyle>
+          <a:p>
+            <a:pPr algn="ctr"/>
+            <a:r>
+              <a:rPr lang="en-US" altLang="ko-KR" sz="1400" b="1" dirty="0">
+                <a:solidFill>
+                  <a:srgbClr val="FF0000"/>
+                </a:solidFill>
+                <a:latin typeface="한컴 말랑말랑 Bold" panose="020F0803000000000000" pitchFamily="50" charset="-127"/>
+                <a:ea typeface="한컴 말랑말랑 Bold" panose="020F0803000000000000" pitchFamily="50" charset="-127"/>
+              </a:rPr>
+              <a:t>Problem</a:t>
+            </a:r>
+          </a:p>
+        </p:txBody>
+      </p:sp>
+      <p:sp>
+        <p:nvSpPr>
+          <p:cNvPr id="32" name="TextBox 35">
+            <a:extLst>
+              <a:ext uri="{FF2B5EF4-FFF2-40B4-BE49-F238E27FC236}">
+                <a16:creationId xmlns:a16="http://schemas.microsoft.com/office/drawing/2014/main" id="{FA499372-4EB0-A752-6D27-2E8D2155AEC3}"/>
+              </a:ext>
+            </a:extLst>
+          </p:cNvPr>
+          <p:cNvSpPr txBox="1"/>
+          <p:nvPr/>
+        </p:nvSpPr>
+        <p:spPr>
+          <a:xfrm>
+            <a:off x="6942110" y="2026986"/>
+            <a:ext cx="4475676" cy="461665"/>
+          </a:xfrm>
+          <a:prstGeom prst="rect">
+            <a:avLst/>
+          </a:prstGeom>
+          <a:noFill/>
+        </p:spPr>
+        <p:txBody>
+          <a:bodyPr wrap="square" rtlCol="0">
+            <a:spAutoFit/>
+          </a:bodyPr>
+          <a:lstStyle>
+            <a:defPPr>
+              <a:defRPr lang="ko-KR"/>
+            </a:defPPr>
+            <a:lvl1pPr marL="0" algn="l" defTabSz="914400" rtl="0" eaLnBrk="1" latinLnBrk="1" hangingPunct="1">
+              <a:defRPr sz="1800" kern="1200">
+                <a:solidFill>
+                  <a:schemeClr val="tx1"/>
+                </a:solidFill>
+                <a:latin typeface="+mn-lt"/>
+                <a:ea typeface="+mn-ea"/>
+                <a:cs typeface="+mn-cs"/>
+              </a:defRPr>
+            </a:lvl1pPr>
+            <a:lvl2pPr marL="457200" algn="l" defTabSz="914400" rtl="0" eaLnBrk="1" latinLnBrk="1" hangingPunct="1">
+              <a:defRPr sz="1800" kern="1200">
+                <a:solidFill>
+                  <a:schemeClr val="tx1"/>
+                </a:solidFill>
+                <a:latin typeface="+mn-lt"/>
+                <a:ea typeface="+mn-ea"/>
+                <a:cs typeface="+mn-cs"/>
+              </a:defRPr>
+            </a:lvl2pPr>
+            <a:lvl3pPr marL="914400" algn="l" defTabSz="914400" rtl="0" eaLnBrk="1" latinLnBrk="1" hangingPunct="1">
+              <a:defRPr sz="1800" kern="1200">
+                <a:solidFill>
+                  <a:schemeClr val="tx1"/>
+                </a:solidFill>
+                <a:latin typeface="+mn-lt"/>
+                <a:ea typeface="+mn-ea"/>
+                <a:cs typeface="+mn-cs"/>
+              </a:defRPr>
+            </a:lvl3pPr>
+            <a:lvl4pPr marL="1371600" algn="l" defTabSz="914400" rtl="0" eaLnBrk="1" latinLnBrk="1" hangingPunct="1">
+              <a:defRPr sz="1800" kern="1200">
+                <a:solidFill>
+                  <a:schemeClr val="tx1"/>
+                </a:solidFill>
+                <a:latin typeface="+mn-lt"/>
+                <a:ea typeface="+mn-ea"/>
+                <a:cs typeface="+mn-cs"/>
+              </a:defRPr>
+            </a:lvl4pPr>
+            <a:lvl5pPr marL="1828800" algn="l" defTabSz="914400" rtl="0" eaLnBrk="1" latinLnBrk="1" hangingPunct="1">
+              <a:defRPr sz="1800" kern="1200">
+                <a:solidFill>
+                  <a:schemeClr val="tx1"/>
+                </a:solidFill>
+                <a:latin typeface="+mn-lt"/>
+                <a:ea typeface="+mn-ea"/>
+                <a:cs typeface="+mn-cs"/>
+              </a:defRPr>
+            </a:lvl5pPr>
+            <a:lvl6pPr marL="2286000" algn="l" defTabSz="914400" rtl="0" eaLnBrk="1" latinLnBrk="1" hangingPunct="1">
+              <a:defRPr sz="1800" kern="1200">
+                <a:solidFill>
+                  <a:schemeClr val="tx1"/>
+                </a:solidFill>
+                <a:latin typeface="+mn-lt"/>
+                <a:ea typeface="+mn-ea"/>
+                <a:cs typeface="+mn-cs"/>
+              </a:defRPr>
+            </a:lvl6pPr>
+            <a:lvl7pPr marL="2743200" algn="l" defTabSz="914400" rtl="0" eaLnBrk="1" latinLnBrk="1" hangingPunct="1">
+              <a:defRPr sz="1800" kern="1200">
+                <a:solidFill>
+                  <a:schemeClr val="tx1"/>
+                </a:solidFill>
+                <a:latin typeface="+mn-lt"/>
+                <a:ea typeface="+mn-ea"/>
+                <a:cs typeface="+mn-cs"/>
+              </a:defRPr>
+            </a:lvl7pPr>
+            <a:lvl8pPr marL="3200400" algn="l" defTabSz="914400" rtl="0" eaLnBrk="1" latinLnBrk="1" hangingPunct="1">
+              <a:defRPr sz="1800" kern="1200">
+                <a:solidFill>
+                  <a:schemeClr val="tx1"/>
+                </a:solidFill>
+                <a:latin typeface="+mn-lt"/>
+                <a:ea typeface="+mn-ea"/>
+                <a:cs typeface="+mn-cs"/>
+              </a:defRPr>
+            </a:lvl8pPr>
+            <a:lvl9pPr marL="3657600" algn="l" defTabSz="914400" rtl="0" eaLnBrk="1" latinLnBrk="1" hangingPunct="1">
+              <a:defRPr sz="1800" kern="1200">
+                <a:solidFill>
+                  <a:schemeClr val="tx1"/>
+                </a:solidFill>
+                <a:latin typeface="+mn-lt"/>
+                <a:ea typeface="+mn-ea"/>
+                <a:cs typeface="+mn-cs"/>
+              </a:defRPr>
+            </a:lvl9pPr>
+          </a:lstStyle>
+          <a:p>
+            <a:r>
+              <a:rPr lang="en-US" altLang="ko-KR" sz="2400" b="1" dirty="0">
+                <a:solidFill>
+                  <a:srgbClr val="FF0000"/>
+                </a:solidFill>
+                <a:effectLst>
+                  <a:outerShdw blurRad="38100" dist="38100" dir="2700000" algn="tl">
+                    <a:srgbClr val="000000">
+                      <a:alpha val="43137"/>
+                    </a:srgbClr>
+                  </a:outerShdw>
+                </a:effectLst>
+                <a:latin typeface="한컴 말랑말랑 Bold" panose="020F0803000000000000" pitchFamily="50" charset="-127"/>
+                <a:ea typeface="한컴 말랑말랑 Bold" panose="020F0803000000000000" pitchFamily="50" charset="-127"/>
+              </a:rPr>
+              <a:t>Solution</a:t>
+            </a:r>
+            <a:endParaRPr lang="ko-KR" altLang="en-US" sz="2400" dirty="0">
+              <a:solidFill>
+                <a:srgbClr val="FF0000"/>
+              </a:solidFill>
+              <a:effectLst>
+                <a:outerShdw blurRad="38100" dist="38100" dir="2700000" algn="tl">
+                  <a:srgbClr val="000000">
+                    <a:alpha val="43137"/>
+                  </a:srgbClr>
+                </a:outerShdw>
+              </a:effectLst>
+              <a:latin typeface="한컴 말랑말랑 Bold" panose="020F0803000000000000" pitchFamily="50" charset="-127"/>
+              <a:ea typeface="한컴 말랑말랑 Bold" panose="020F0803000000000000" pitchFamily="50" charset="-127"/>
+            </a:endParaRPr>
+          </a:p>
+        </p:txBody>
+      </p:sp>
+      <p:pic>
+        <p:nvPicPr>
+          <p:cNvPr id="1026" name="Picture 2" descr="Beer ">
+            <a:extLst>
+              <a:ext uri="{FF2B5EF4-FFF2-40B4-BE49-F238E27FC236}">
+                <a16:creationId xmlns:a16="http://schemas.microsoft.com/office/drawing/2014/main" id="{DB03A54B-1575-AEBC-3AC2-D0BB4520D566}"/>
+              </a:ext>
+            </a:extLst>
+          </p:cNvPr>
+          <p:cNvPicPr>
+            <a:picLocks noChangeAspect="1" noChangeArrowheads="1"/>
+          </p:cNvPicPr>
+          <p:nvPr/>
+        </p:nvPicPr>
+        <p:blipFill>
+          <a:blip r:embed="rId2">
+            <a:extLst>
+              <a:ext uri="{28A0092B-C50C-407E-A947-70E740481C1C}">
+                <a14:useLocalDpi xmlns:a14="http://schemas.microsoft.com/office/drawing/2010/main" val="0"/>
+              </a:ext>
+            </a:extLst>
+          </a:blip>
+          <a:srcRect/>
+          <a:stretch>
+            <a:fillRect/>
+          </a:stretch>
+        </p:blipFill>
+        <p:spPr bwMode="auto">
+          <a:xfrm>
+            <a:off x="1569942" y="2653707"/>
+            <a:ext cx="841990" cy="841990"/>
+          </a:xfrm>
+          <a:prstGeom prst="rect">
+            <a:avLst/>
+          </a:prstGeom>
+          <a:noFill/>
+          <a:extLst>
+            <a:ext uri="{909E8E84-426E-40DD-AFC4-6F175D3DCCD1}">
+              <a14:hiddenFill xmlns:a14="http://schemas.microsoft.com/office/drawing/2010/main">
+                <a:solidFill>
+                  <a:srgbClr val="FFFFFF"/>
+                </a:solidFill>
+              </a14:hiddenFill>
+            </a:ext>
+          </a:extLst>
+        </p:spPr>
+      </p:pic>
+      <p:pic>
+        <p:nvPicPr>
+          <p:cNvPr id="52" name="Picture 2" descr="Beer ">
+            <a:extLst>
+              <a:ext uri="{FF2B5EF4-FFF2-40B4-BE49-F238E27FC236}">
+                <a16:creationId xmlns:a16="http://schemas.microsoft.com/office/drawing/2014/main" id="{AC4076FA-7F2B-9E04-AF99-1DE1E991D64B}"/>
+              </a:ext>
+            </a:extLst>
+          </p:cNvPr>
+          <p:cNvPicPr>
+            <a:picLocks noChangeAspect="1" noChangeArrowheads="1"/>
+          </p:cNvPicPr>
+          <p:nvPr/>
+        </p:nvPicPr>
+        <p:blipFill>
+          <a:blip r:embed="rId2">
+            <a:extLst>
+              <a:ext uri="{28A0092B-C50C-407E-A947-70E740481C1C}">
+                <a14:useLocalDpi xmlns:a14="http://schemas.microsoft.com/office/drawing/2010/main" val="0"/>
+              </a:ext>
+            </a:extLst>
+          </a:blip>
+          <a:srcRect/>
+          <a:stretch>
+            <a:fillRect/>
+          </a:stretch>
+        </p:blipFill>
+        <p:spPr bwMode="auto">
+          <a:xfrm>
+            <a:off x="1077454" y="4167694"/>
+            <a:ext cx="841990" cy="841990"/>
+          </a:xfrm>
+          <a:prstGeom prst="rect">
+            <a:avLst/>
+          </a:prstGeom>
+          <a:noFill/>
+          <a:extLst>
+            <a:ext uri="{909E8E84-426E-40DD-AFC4-6F175D3DCCD1}">
+              <a14:hiddenFill xmlns:a14="http://schemas.microsoft.com/office/drawing/2010/main">
+                <a:solidFill>
+                  <a:srgbClr val="FFFFFF"/>
+                </a:solidFill>
+              </a14:hiddenFill>
+            </a:ext>
+          </a:extLst>
+        </p:spPr>
+      </p:pic>
+      <p:pic>
+        <p:nvPicPr>
+          <p:cNvPr id="53" name="Picture 2" descr="Beer ">
+            <a:extLst>
+              <a:ext uri="{FF2B5EF4-FFF2-40B4-BE49-F238E27FC236}">
+                <a16:creationId xmlns:a16="http://schemas.microsoft.com/office/drawing/2014/main" id="{369311A8-B9A0-FDA7-A8E7-3C721E2F582C}"/>
+              </a:ext>
+            </a:extLst>
+          </p:cNvPr>
+          <p:cNvPicPr>
+            <a:picLocks noChangeAspect="1" noChangeArrowheads="1"/>
+          </p:cNvPicPr>
+          <p:nvPr/>
+        </p:nvPicPr>
+        <p:blipFill>
+          <a:blip r:embed="rId2">
+            <a:extLst>
+              <a:ext uri="{28A0092B-C50C-407E-A947-70E740481C1C}">
+                <a14:useLocalDpi xmlns:a14="http://schemas.microsoft.com/office/drawing/2010/main" val="0"/>
+              </a:ext>
+            </a:extLst>
+          </a:blip>
+          <a:srcRect/>
+          <a:stretch>
+            <a:fillRect/>
+          </a:stretch>
+        </p:blipFill>
+        <p:spPr bwMode="auto">
+          <a:xfrm>
+            <a:off x="2088378" y="4167694"/>
+            <a:ext cx="841990" cy="841990"/>
+          </a:xfrm>
+          <a:prstGeom prst="rect">
+            <a:avLst/>
+          </a:prstGeom>
+          <a:noFill/>
+          <a:extLst>
+            <a:ext uri="{909E8E84-426E-40DD-AFC4-6F175D3DCCD1}">
+              <a14:hiddenFill xmlns:a14="http://schemas.microsoft.com/office/drawing/2010/main">
+                <a:solidFill>
+                  <a:srgbClr val="FFFFFF"/>
+                </a:solidFill>
+              </a14:hiddenFill>
+            </a:ext>
+          </a:extLst>
+        </p:spPr>
+      </p:pic>
+      <p:pic>
+        <p:nvPicPr>
+          <p:cNvPr id="55" name="그림 54">
+            <a:extLst>
+              <a:ext uri="{FF2B5EF4-FFF2-40B4-BE49-F238E27FC236}">
+                <a16:creationId xmlns:a16="http://schemas.microsoft.com/office/drawing/2014/main" id="{E6286592-181F-3E40-8990-4346B3BBE0C8}"/>
+              </a:ext>
+            </a:extLst>
+          </p:cNvPr>
+          <p:cNvPicPr>
+            <a:picLocks noChangeAspect="1"/>
+          </p:cNvPicPr>
+          <p:nvPr/>
+        </p:nvPicPr>
+        <p:blipFill>
+          <a:blip r:embed="rId3"/>
+          <a:stretch>
+            <a:fillRect/>
+          </a:stretch>
+        </p:blipFill>
+        <p:spPr>
+          <a:xfrm>
+            <a:off x="4641004" y="3115657"/>
+            <a:ext cx="1266921" cy="1266921"/>
+          </a:xfrm>
+          <a:prstGeom prst="rect">
+            <a:avLst/>
+          </a:prstGeom>
+        </p:spPr>
+      </p:pic>
+    </p:spTree>
+    <p:extLst>
+      <p:ext uri="{BB962C8B-B14F-4D97-AF65-F5344CB8AC3E}">
+        <p14:creationId xmlns:p14="http://schemas.microsoft.com/office/powerpoint/2010/main" val="330969295"/>
+      </p:ext>
+    </p:extLst>
+  </p:cSld>
+  <p:clrMapOvr>
+    <a:masterClrMapping/>
+  </p:clrMapOvr>
+</p:sld>
+</file>
+
+<file path=ppt/slides/slide12.xml><?xml version="1.0" encoding="utf-8"?>
+<p:sld xmlns:a="http://schemas.openxmlformats.org/drawingml/2006/main" xmlns:r="http://schemas.openxmlformats.org/officeDocument/2006/relationships" xmlns:p="http://schemas.openxmlformats.org/presentationml/2006/main">
+  <p:cSld>
+    <p:spTree>
+      <p:nvGrpSpPr>
+        <p:cNvPr id="1" name=""/>
+        <p:cNvGrpSpPr/>
+        <p:nvPr/>
+      </p:nvGrpSpPr>
+      <p:grpSpPr>
+        <a:xfrm>
+          <a:off x="0" y="0"/>
+          <a:ext cx="0" cy="0"/>
+          <a:chOff x="0" y="0"/>
+          <a:chExt cx="0" cy="0"/>
+        </a:xfrm>
+      </p:grpSpPr>
+      <p:sp>
+        <p:nvSpPr>
           <p:cNvPr id="11" name="직사각형 10">
             <a:extLst>
               <a:ext uri="{FF2B5EF4-FFF2-40B4-BE49-F238E27FC236}">
@@ -4147,17 +7050,17 @@
                 <a:ea typeface="한컴 말랑말랑 Bold" panose="020F0803000000000000" pitchFamily="50" charset="-127"/>
                 <a:cs typeface="KoPubWorld돋움체 Bold" panose="00000800000000000000" pitchFamily="2" charset="-127"/>
               </a:rPr>
-              <a:t>데이터 설명</a:t>
+              <a:t>대표 술 좌표 생성 알고리즘</a:t>
             </a:r>
           </a:p>
         </p:txBody>
       </p:sp>
       <p:sp>
         <p:nvSpPr>
-          <p:cNvPr id="6" name="TextBox 5">
+          <p:cNvPr id="4" name="Google Shape;98;p1">
             <a:extLst>
               <a:ext uri="{FF2B5EF4-FFF2-40B4-BE49-F238E27FC236}">
-                <a16:creationId xmlns:a16="http://schemas.microsoft.com/office/drawing/2014/main" id="{40741278-C276-C973-9A74-0C9F34E9BE53}"/>
+                <a16:creationId xmlns:a16="http://schemas.microsoft.com/office/drawing/2014/main" id="{0955E662-214C-728A-F571-A174B937AD77}"/>
               </a:ext>
             </a:extLst>
           </p:cNvPr>
@@ -4166,41 +7069,1086 @@
         </p:nvSpPr>
         <p:spPr>
           <a:xfrm>
-            <a:off x="0" y="6163502"/>
-            <a:ext cx="12192000" cy="400110"/>
+            <a:off x="332104" y="1082649"/>
+            <a:ext cx="8572972" cy="1569620"/>
           </a:xfrm>
           <a:prstGeom prst="rect">
             <a:avLst/>
           </a:prstGeom>
           <a:noFill/>
+          <a:ln>
+            <a:noFill/>
+          </a:ln>
         </p:spPr>
         <p:txBody>
-          <a:bodyPr wrap="square">
+          <a:bodyPr spcFirstLastPara="1" wrap="square" lIns="91425" tIns="45700" rIns="91425" bIns="45700" anchor="t" anchorCtr="0">
             <a:spAutoFit/>
           </a:bodyPr>
           <a:lstStyle/>
           <a:p>
+            <a:pPr lvl="0">
+              <a:lnSpc>
+                <a:spcPct val="150000"/>
+              </a:lnSpc>
+            </a:pPr>
+            <a:r>
+              <a:rPr lang="en-US" altLang="ko-KR" sz="2800" dirty="0">
+                <a:solidFill>
+                  <a:schemeClr val="tx1"/>
+                </a:solidFill>
+                <a:latin typeface="한컴 말랑말랑 Bold" panose="020F0803000000000000" pitchFamily="50" charset="-127"/>
+                <a:ea typeface="한컴 말랑말랑 Bold" panose="020F0803000000000000" pitchFamily="50" charset="-127"/>
+                <a:cs typeface="KoPubWorld돋움체 Bold" panose="00000800000000000000" pitchFamily="2" charset="-127"/>
+              </a:rPr>
+              <a:t>1. </a:t>
+            </a:r>
+            <a:r>
+              <a:rPr lang="ko-KR" altLang="en-US" sz="2800" dirty="0">
+                <a:solidFill>
+                  <a:schemeClr val="tx1"/>
+                </a:solidFill>
+                <a:latin typeface="한컴 말랑말랑 Bold" panose="020F0803000000000000" pitchFamily="50" charset="-127"/>
+                <a:ea typeface="한컴 말랑말랑 Bold" panose="020F0803000000000000" pitchFamily="50" charset="-127"/>
+                <a:cs typeface="KoPubWorld돋움체 Bold" panose="00000800000000000000" pitchFamily="2" charset="-127"/>
+              </a:rPr>
+              <a:t>대표 술 좌표 생성 알고리즘</a:t>
+            </a:r>
+            <a:endParaRPr lang="en-US" altLang="ko-KR" sz="2800" dirty="0">
+              <a:solidFill>
+                <a:schemeClr val="tx1"/>
+              </a:solidFill>
+              <a:latin typeface="한컴 말랑말랑 Bold" panose="020F0803000000000000" pitchFamily="50" charset="-127"/>
+              <a:ea typeface="한컴 말랑말랑 Bold" panose="020F0803000000000000" pitchFamily="50" charset="-127"/>
+              <a:cs typeface="KoPubWorld돋움체 Bold" panose="00000800000000000000" pitchFamily="2" charset="-127"/>
+            </a:endParaRPr>
+          </a:p>
+          <a:p>
+            <a:pPr lvl="0">
+              <a:lnSpc>
+                <a:spcPct val="150000"/>
+              </a:lnSpc>
+            </a:pPr>
+            <a:r>
+              <a:rPr lang="ko-KR" altLang="en-US" sz="1800" dirty="0">
+                <a:solidFill>
+                  <a:schemeClr val="tx1"/>
+                </a:solidFill>
+                <a:latin typeface="한컴 말랑말랑 Bold" panose="020F0803000000000000" pitchFamily="50" charset="-127"/>
+                <a:ea typeface="한컴 말랑말랑 Bold" panose="020F0803000000000000" pitchFamily="50" charset="-127"/>
+                <a:cs typeface="KoPubWorld돋움체 Medium" panose="00000600000000000000" pitchFamily="2" charset="-127"/>
+              </a:rPr>
+              <a:t>      사용자가 </a:t>
+            </a:r>
+            <a:r>
+              <a:rPr lang="ko-KR" altLang="en-US" sz="1800" dirty="0">
+                <a:solidFill>
+                  <a:srgbClr val="C00000"/>
+                </a:solidFill>
+                <a:latin typeface="한컴 말랑말랑 Bold" panose="020F0803000000000000" pitchFamily="50" charset="-127"/>
+                <a:ea typeface="한컴 말랑말랑 Bold" panose="020F0803000000000000" pitchFamily="50" charset="-127"/>
+                <a:cs typeface="KoPubWorld돋움체 Medium" panose="00000600000000000000" pitchFamily="2" charset="-127"/>
+              </a:rPr>
+              <a:t>평소 선호하는 주류 상품</a:t>
+            </a:r>
+            <a:r>
+              <a:rPr lang="ko-KR" altLang="en-US" sz="1800" dirty="0">
+                <a:solidFill>
+                  <a:schemeClr val="tx1"/>
+                </a:solidFill>
+                <a:latin typeface="한컴 말랑말랑 Bold" panose="020F0803000000000000" pitchFamily="50" charset="-127"/>
+                <a:ea typeface="한컴 말랑말랑 Bold" panose="020F0803000000000000" pitchFamily="50" charset="-127"/>
+                <a:cs typeface="KoPubWorld돋움체 Medium" panose="00000600000000000000" pitchFamily="2" charset="-127"/>
+              </a:rPr>
+              <a:t>들의 속성을 파악하여</a:t>
+            </a:r>
+            <a:endParaRPr lang="en-US" altLang="ko-KR" sz="1800" dirty="0">
+              <a:solidFill>
+                <a:schemeClr val="tx1"/>
+              </a:solidFill>
+              <a:latin typeface="한컴 말랑말랑 Bold" panose="020F0803000000000000" pitchFamily="50" charset="-127"/>
+              <a:ea typeface="한컴 말랑말랑 Bold" panose="020F0803000000000000" pitchFamily="50" charset="-127"/>
+              <a:cs typeface="KoPubWorld돋움체 Medium" panose="00000600000000000000" pitchFamily="2" charset="-127"/>
+            </a:endParaRPr>
+          </a:p>
+          <a:p>
+            <a:pPr lvl="0">
+              <a:lnSpc>
+                <a:spcPct val="150000"/>
+              </a:lnSpc>
+            </a:pPr>
+            <a:r>
+              <a:rPr lang="ko-KR" altLang="en-US" sz="1800" dirty="0">
+                <a:solidFill>
+                  <a:schemeClr val="tx1"/>
+                </a:solidFill>
+                <a:latin typeface="한컴 말랑말랑 Bold" panose="020F0803000000000000" pitchFamily="50" charset="-127"/>
+                <a:ea typeface="한컴 말랑말랑 Bold" panose="020F0803000000000000" pitchFamily="50" charset="-127"/>
+                <a:cs typeface="KoPubWorld돋움체 Medium" panose="00000600000000000000" pitchFamily="2" charset="-127"/>
+              </a:rPr>
+              <a:t>      사용자의 취향을 </a:t>
+            </a:r>
+            <a:r>
+              <a:rPr lang="ko-KR" altLang="en-US" sz="1800" dirty="0">
+                <a:solidFill>
+                  <a:srgbClr val="C00000"/>
+                </a:solidFill>
+                <a:latin typeface="한컴 말랑말랑 Bold" panose="020F0803000000000000" pitchFamily="50" charset="-127"/>
+                <a:ea typeface="한컴 말랑말랑 Bold" panose="020F0803000000000000" pitchFamily="50" charset="-127"/>
+                <a:cs typeface="KoPubWorld돋움체 Medium" panose="00000600000000000000" pitchFamily="2" charset="-127"/>
+              </a:rPr>
+              <a:t>대표</a:t>
+            </a:r>
+            <a:r>
+              <a:rPr lang="ko-KR" altLang="en-US" sz="1800" dirty="0">
+                <a:solidFill>
+                  <a:schemeClr val="tx1"/>
+                </a:solidFill>
+                <a:latin typeface="한컴 말랑말랑 Bold" panose="020F0803000000000000" pitchFamily="50" charset="-127"/>
+                <a:ea typeface="한컴 말랑말랑 Bold" panose="020F0803000000000000" pitchFamily="50" charset="-127"/>
+                <a:cs typeface="KoPubWorld돋움체 Medium" panose="00000600000000000000" pitchFamily="2" charset="-127"/>
+              </a:rPr>
+              <a:t>할 수 있는 가상의 상품을 생성</a:t>
+            </a:r>
+          </a:p>
+        </p:txBody>
+      </p:sp>
+      <p:sp>
+        <p:nvSpPr>
+          <p:cNvPr id="7" name="모서리가 둥근 직사각형 6">
+            <a:extLst>
+              <a:ext uri="{FF2B5EF4-FFF2-40B4-BE49-F238E27FC236}">
+                <a16:creationId xmlns:a16="http://schemas.microsoft.com/office/drawing/2014/main" id="{E1789717-8C3B-9071-BAAB-121748C38B71}"/>
+              </a:ext>
+            </a:extLst>
+          </p:cNvPr>
+          <p:cNvSpPr/>
+          <p:nvPr/>
+        </p:nvSpPr>
+        <p:spPr>
+          <a:xfrm>
+            <a:off x="6966785" y="1564687"/>
+            <a:ext cx="4788716" cy="4613763"/>
+          </a:xfrm>
+          <a:prstGeom prst="roundRect">
+            <a:avLst>
+              <a:gd name="adj" fmla="val 6207"/>
+            </a:avLst>
+          </a:prstGeom>
+          <a:solidFill>
+            <a:srgbClr val="FDF7F4"/>
+          </a:solidFill>
+          <a:ln>
+            <a:noFill/>
+          </a:ln>
+          <a:effectLst>
+            <a:outerShdw blurRad="50800" dist="38100" dir="2700000" algn="tl" rotWithShape="0">
+              <a:prstClr val="black">
+                <a:alpha val="40000"/>
+              </a:prstClr>
+            </a:outerShdw>
+          </a:effectLst>
+        </p:spPr>
+        <p:style>
+          <a:lnRef idx="2">
+            <a:schemeClr val="dk1"/>
+          </a:lnRef>
+          <a:fillRef idx="1">
+            <a:schemeClr val="lt1"/>
+          </a:fillRef>
+          <a:effectRef idx="0">
+            <a:schemeClr val="dk1"/>
+          </a:effectRef>
+          <a:fontRef idx="minor">
+            <a:schemeClr val="dk1"/>
+          </a:fontRef>
+        </p:style>
+        <p:txBody>
+          <a:bodyPr rtlCol="0" anchor="ctr"/>
+          <a:lstStyle/>
+          <a:p>
+            <a:pPr algn="ctr"/>
+            <a:endParaRPr lang="ko-KR" altLang="en-US" dirty="0">
+              <a:latin typeface="한컴 말랑말랑 Bold" panose="020F0803000000000000" pitchFamily="50" charset="-127"/>
+              <a:ea typeface="한컴 말랑말랑 Bold" panose="020F0803000000000000" pitchFamily="50" charset="-127"/>
+              <a:cs typeface="KoPubWorld돋움체 Medium" panose="00000600000000000000" pitchFamily="2" charset="-127"/>
+            </a:endParaRPr>
+          </a:p>
+        </p:txBody>
+      </p:sp>
+      <p:graphicFrame>
+        <p:nvGraphicFramePr>
+          <p:cNvPr id="8" name="표 7">
+            <a:extLst>
+              <a:ext uri="{FF2B5EF4-FFF2-40B4-BE49-F238E27FC236}">
+                <a16:creationId xmlns:a16="http://schemas.microsoft.com/office/drawing/2014/main" id="{58D576E3-5B91-E047-78E3-C7435AD44C39}"/>
+              </a:ext>
+            </a:extLst>
+          </p:cNvPr>
+          <p:cNvGraphicFramePr>
+            <a:graphicFrameLocks noGrp="1"/>
+          </p:cNvGraphicFramePr>
+          <p:nvPr>
+            <p:extLst>
+              <p:ext uri="{D42A27DB-BD31-4B8C-83A1-F6EECF244321}">
+                <p14:modId xmlns:p14="http://schemas.microsoft.com/office/powerpoint/2010/main" val="1015710029"/>
+              </p:ext>
+            </p:extLst>
+          </p:nvPr>
+        </p:nvGraphicFramePr>
+        <p:xfrm>
+          <a:off x="224118" y="3280196"/>
+          <a:ext cx="6358600" cy="962780"/>
+        </p:xfrm>
+        <a:graphic>
+          <a:graphicData uri="http://schemas.openxmlformats.org/drawingml/2006/table">
+            <a:tbl>
+              <a:tblPr firstRow="1">
+                <a:tableStyleId>{073A0DAA-6AF3-43AB-8588-CEC1D06C72B9}</a:tableStyleId>
+              </a:tblPr>
+              <a:tblGrid>
+                <a:gridCol w="1217604">
+                  <a:extLst>
+                    <a:ext uri="{9D8B030D-6E8A-4147-A177-3AD203B41FA5}">
+                      <a16:colId xmlns:a16="http://schemas.microsoft.com/office/drawing/2014/main" val="617831778"/>
+                    </a:ext>
+                  </a:extLst>
+                </a:gridCol>
+                <a:gridCol w="2762725">
+                  <a:extLst>
+                    <a:ext uri="{9D8B030D-6E8A-4147-A177-3AD203B41FA5}">
+                      <a16:colId xmlns:a16="http://schemas.microsoft.com/office/drawing/2014/main" val="3792572611"/>
+                    </a:ext>
+                  </a:extLst>
+                </a:gridCol>
+                <a:gridCol w="2378271">
+                  <a:extLst>
+                    <a:ext uri="{9D8B030D-6E8A-4147-A177-3AD203B41FA5}">
+                      <a16:colId xmlns:a16="http://schemas.microsoft.com/office/drawing/2014/main" val="1023310202"/>
+                    </a:ext>
+                  </a:extLst>
+                </a:gridCol>
+              </a:tblGrid>
+              <a:tr h="481390">
+                <a:tc>
+                  <a:txBody>
+                    <a:bodyPr/>
+                    <a:lstStyle/>
+                    <a:p>
+                      <a:pPr algn="ctr" latinLnBrk="1"/>
+                      <a:r>
+                        <a:rPr lang="ko-KR" altLang="en-US" sz="1800" dirty="0">
+                          <a:latin typeface="한컴 말랑말랑 Bold" panose="020F0803000000000000" pitchFamily="50" charset="-127"/>
+                          <a:ea typeface="한컴 말랑말랑 Bold" panose="020F0803000000000000" pitchFamily="50" charset="-127"/>
+                          <a:cs typeface="KoPubWorld돋움체 Medium" panose="00000600000000000000" pitchFamily="2" charset="-127"/>
+                        </a:rPr>
+                        <a:t>선호</a:t>
+                      </a:r>
+                      <a:r>
+                        <a:rPr lang="en-US" altLang="ko-KR" sz="1800" baseline="0" dirty="0">
+                          <a:latin typeface="한컴 말랑말랑 Bold" panose="020F0803000000000000" pitchFamily="50" charset="-127"/>
+                          <a:ea typeface="한컴 말랑말랑 Bold" panose="020F0803000000000000" pitchFamily="50" charset="-127"/>
+                          <a:cs typeface="KoPubWorld돋움체 Medium" panose="00000600000000000000" pitchFamily="2" charset="-127"/>
+                        </a:rPr>
+                        <a:t> </a:t>
+                      </a:r>
+                      <a:r>
+                        <a:rPr lang="ko-KR" altLang="en-US" sz="1800" baseline="0" dirty="0">
+                          <a:latin typeface="한컴 말랑말랑 Bold" panose="020F0803000000000000" pitchFamily="50" charset="-127"/>
+                          <a:ea typeface="한컴 말랑말랑 Bold" panose="020F0803000000000000" pitchFamily="50" charset="-127"/>
+                          <a:cs typeface="KoPubWorld돋움체 Medium" panose="00000600000000000000" pitchFamily="2" charset="-127"/>
+                        </a:rPr>
+                        <a:t>주종</a:t>
+                      </a:r>
+                      <a:endParaRPr lang="ko-KR" altLang="en-US" sz="1800" dirty="0">
+                        <a:latin typeface="한컴 말랑말랑 Bold" panose="020F0803000000000000" pitchFamily="50" charset="-127"/>
+                        <a:ea typeface="한컴 말랑말랑 Bold" panose="020F0803000000000000" pitchFamily="50" charset="-127"/>
+                        <a:cs typeface="KoPubWorld돋움체 Medium" panose="00000600000000000000" pitchFamily="2" charset="-127"/>
+                      </a:endParaRPr>
+                    </a:p>
+                  </a:txBody>
+                  <a:tcPr anchor="ctr">
+                    <a:lnL w="12700" cap="flat" cmpd="sng" algn="ctr">
+                      <a:solidFill>
+                        <a:schemeClr val="tx1"/>
+                      </a:solidFill>
+                      <a:prstDash val="solid"/>
+                      <a:round/>
+                      <a:headEnd type="none" w="med" len="med"/>
+                      <a:tailEnd type="none" w="med" len="med"/>
+                    </a:lnL>
+                    <a:lnR w="12700" cap="flat" cmpd="sng" algn="ctr">
+                      <a:solidFill>
+                        <a:schemeClr val="tx1"/>
+                      </a:solidFill>
+                      <a:prstDash val="solid"/>
+                      <a:round/>
+                      <a:headEnd type="none" w="med" len="med"/>
+                      <a:tailEnd type="none" w="med" len="med"/>
+                    </a:lnR>
+                    <a:lnT w="12700" cap="flat" cmpd="sng" algn="ctr">
+                      <a:solidFill>
+                        <a:schemeClr val="tx1"/>
+                      </a:solidFill>
+                      <a:prstDash val="solid"/>
+                      <a:round/>
+                      <a:headEnd type="none" w="med" len="med"/>
+                      <a:tailEnd type="none" w="med" len="med"/>
+                    </a:lnT>
+                    <a:lnB w="12700" cap="flat" cmpd="sng" algn="ctr">
+                      <a:solidFill>
+                        <a:schemeClr val="tx1"/>
+                      </a:solidFill>
+                      <a:prstDash val="solid"/>
+                      <a:round/>
+                      <a:headEnd type="none" w="med" len="med"/>
+                      <a:tailEnd type="none" w="med" len="med"/>
+                    </a:lnB>
+                    <a:solidFill>
+                      <a:srgbClr val="56453B"/>
+                    </a:solidFill>
+                  </a:tcPr>
+                </a:tc>
+                <a:tc>
+                  <a:txBody>
+                    <a:bodyPr/>
+                    <a:lstStyle/>
+                    <a:p>
+                      <a:pPr algn="ctr" latinLnBrk="1"/>
+                      <a:r>
+                        <a:rPr lang="ko-KR" altLang="en-US" sz="1800" dirty="0">
+                          <a:latin typeface="한컴 말랑말랑 Bold" panose="020F0803000000000000" pitchFamily="50" charset="-127"/>
+                          <a:ea typeface="한컴 말랑말랑 Bold" panose="020F0803000000000000" pitchFamily="50" charset="-127"/>
+                          <a:cs typeface="KoPubWorld돋움체 Medium" panose="00000600000000000000" pitchFamily="2" charset="-127"/>
+                        </a:rPr>
+                        <a:t>선호 상품명</a:t>
+                      </a:r>
+                    </a:p>
+                  </a:txBody>
+                  <a:tcPr anchor="ctr">
+                    <a:lnL w="12700" cap="flat" cmpd="sng" algn="ctr">
+                      <a:solidFill>
+                        <a:schemeClr val="tx1"/>
+                      </a:solidFill>
+                      <a:prstDash val="solid"/>
+                      <a:round/>
+                      <a:headEnd type="none" w="med" len="med"/>
+                      <a:tailEnd type="none" w="med" len="med"/>
+                    </a:lnL>
+                    <a:lnR w="12700" cap="flat" cmpd="sng" algn="ctr">
+                      <a:solidFill>
+                        <a:schemeClr val="tx1"/>
+                      </a:solidFill>
+                      <a:prstDash val="solid"/>
+                      <a:round/>
+                      <a:headEnd type="none" w="med" len="med"/>
+                      <a:tailEnd type="none" w="med" len="med"/>
+                    </a:lnR>
+                    <a:lnT w="12700" cap="flat" cmpd="sng" algn="ctr">
+                      <a:solidFill>
+                        <a:schemeClr val="tx1"/>
+                      </a:solidFill>
+                      <a:prstDash val="solid"/>
+                      <a:round/>
+                      <a:headEnd type="none" w="med" len="med"/>
+                      <a:tailEnd type="none" w="med" len="med"/>
+                    </a:lnT>
+                    <a:lnB w="12700" cap="flat" cmpd="sng" algn="ctr">
+                      <a:solidFill>
+                        <a:schemeClr val="tx1"/>
+                      </a:solidFill>
+                      <a:prstDash val="solid"/>
+                      <a:round/>
+                      <a:headEnd type="none" w="med" len="med"/>
+                      <a:tailEnd type="none" w="med" len="med"/>
+                    </a:lnB>
+                    <a:solidFill>
+                      <a:srgbClr val="56453B"/>
+                    </a:solidFill>
+                  </a:tcPr>
+                </a:tc>
+                <a:tc>
+                  <a:txBody>
+                    <a:bodyPr/>
+                    <a:lstStyle/>
+                    <a:p>
+                      <a:pPr algn="ctr" latinLnBrk="1"/>
+                      <a:r>
+                        <a:rPr lang="ko-KR" altLang="en-US" sz="1800" dirty="0">
+                          <a:latin typeface="한컴 말랑말랑 Bold" panose="020F0803000000000000" pitchFamily="50" charset="-127"/>
+                          <a:ea typeface="한컴 말랑말랑 Bold" panose="020F0803000000000000" pitchFamily="50" charset="-127"/>
+                          <a:cs typeface="KoPubWorld돋움체 Medium" panose="00000600000000000000" pitchFamily="2" charset="-127"/>
+                        </a:rPr>
+                        <a:t>대표 술 좌표</a:t>
+                      </a:r>
+                    </a:p>
+                  </a:txBody>
+                  <a:tcPr anchor="ctr">
+                    <a:lnL w="12700" cap="flat" cmpd="sng" algn="ctr">
+                      <a:solidFill>
+                        <a:schemeClr val="tx1"/>
+                      </a:solidFill>
+                      <a:prstDash val="solid"/>
+                      <a:round/>
+                      <a:headEnd type="none" w="med" len="med"/>
+                      <a:tailEnd type="none" w="med" len="med"/>
+                    </a:lnL>
+                    <a:lnR w="12700" cap="flat" cmpd="sng" algn="ctr">
+                      <a:solidFill>
+                        <a:schemeClr val="tx1"/>
+                      </a:solidFill>
+                      <a:prstDash val="solid"/>
+                      <a:round/>
+                      <a:headEnd type="none" w="med" len="med"/>
+                      <a:tailEnd type="none" w="med" len="med"/>
+                    </a:lnR>
+                    <a:lnT w="12700" cap="flat" cmpd="sng" algn="ctr">
+                      <a:solidFill>
+                        <a:schemeClr val="tx1"/>
+                      </a:solidFill>
+                      <a:prstDash val="solid"/>
+                      <a:round/>
+                      <a:headEnd type="none" w="med" len="med"/>
+                      <a:tailEnd type="none" w="med" len="med"/>
+                    </a:lnT>
+                    <a:lnB w="12700" cap="flat" cmpd="sng" algn="ctr">
+                      <a:solidFill>
+                        <a:schemeClr val="tx1"/>
+                      </a:solidFill>
+                      <a:prstDash val="solid"/>
+                      <a:round/>
+                      <a:headEnd type="none" w="med" len="med"/>
+                      <a:tailEnd type="none" w="med" len="med"/>
+                    </a:lnB>
+                    <a:solidFill>
+                      <a:srgbClr val="56453B"/>
+                    </a:solidFill>
+                  </a:tcPr>
+                </a:tc>
+                <a:extLst>
+                  <a:ext uri="{0D108BD9-81ED-4DB2-BD59-A6C34878D82A}">
+                    <a16:rowId xmlns:a16="http://schemas.microsoft.com/office/drawing/2014/main" val="2357815623"/>
+                  </a:ext>
+                </a:extLst>
+              </a:tr>
+              <a:tr h="481390">
+                <a:tc>
+                  <a:txBody>
+                    <a:bodyPr/>
+                    <a:lstStyle/>
+                    <a:p>
+                      <a:pPr marL="0" marR="0" indent="0" algn="ctr" defTabSz="914400" rtl="0" eaLnBrk="1" fontAlgn="auto" latinLnBrk="1" hangingPunct="1">
+                        <a:lnSpc>
+                          <a:spcPct val="100000"/>
+                        </a:lnSpc>
+                        <a:spcBef>
+                          <a:spcPts val="0"/>
+                        </a:spcBef>
+                        <a:spcAft>
+                          <a:spcPts val="0"/>
+                        </a:spcAft>
+                        <a:buClr>
+                          <a:srgbClr val="000000"/>
+                        </a:buClr>
+                        <a:buSzTx/>
+                        <a:buFont typeface="Arial"/>
+                        <a:buNone/>
+                        <a:tabLst/>
+                        <a:defRPr/>
+                      </a:pPr>
+                      <a:r>
+                        <a:rPr lang="ko-KR" altLang="en-US" sz="1800" b="0" dirty="0">
+                          <a:solidFill>
+                            <a:srgbClr val="1B0900"/>
+                          </a:solidFill>
+                          <a:latin typeface="한컴 말랑말랑 Bold" panose="020F0803000000000000" pitchFamily="50" charset="-127"/>
+                          <a:ea typeface="한컴 말랑말랑 Bold" panose="020F0803000000000000" pitchFamily="50" charset="-127"/>
+                          <a:cs typeface="KoPubWorld돋움체 Medium" panose="00000600000000000000" pitchFamily="2" charset="-127"/>
+                        </a:rPr>
+                        <a:t>맥주</a:t>
+                      </a:r>
+                    </a:p>
+                  </a:txBody>
+                  <a:tcPr anchor="ctr">
+                    <a:lnL w="12700" cap="flat" cmpd="sng" algn="ctr">
+                      <a:solidFill>
+                        <a:schemeClr val="tx1"/>
+                      </a:solidFill>
+                      <a:prstDash val="solid"/>
+                      <a:round/>
+                      <a:headEnd type="none" w="med" len="med"/>
+                      <a:tailEnd type="none" w="med" len="med"/>
+                    </a:lnL>
+                    <a:lnR w="12700" cap="flat" cmpd="sng" algn="ctr">
+                      <a:solidFill>
+                        <a:schemeClr val="tx1"/>
+                      </a:solidFill>
+                      <a:prstDash val="solid"/>
+                      <a:round/>
+                      <a:headEnd type="none" w="med" len="med"/>
+                      <a:tailEnd type="none" w="med" len="med"/>
+                    </a:lnR>
+                    <a:lnT w="12700" cap="flat" cmpd="sng" algn="ctr">
+                      <a:solidFill>
+                        <a:schemeClr val="tx1"/>
+                      </a:solidFill>
+                      <a:prstDash val="solid"/>
+                      <a:round/>
+                      <a:headEnd type="none" w="med" len="med"/>
+                      <a:tailEnd type="none" w="med" len="med"/>
+                    </a:lnT>
+                    <a:lnB w="12700" cap="flat" cmpd="sng" algn="ctr">
+                      <a:solidFill>
+                        <a:schemeClr val="tx1"/>
+                      </a:solidFill>
+                      <a:prstDash val="solid"/>
+                      <a:round/>
+                      <a:headEnd type="none" w="med" len="med"/>
+                      <a:tailEnd type="none" w="med" len="med"/>
+                    </a:lnB>
+                    <a:lnTlToBr w="12700" cmpd="sng">
+                      <a:noFill/>
+                      <a:prstDash val="solid"/>
+                    </a:lnTlToBr>
+                    <a:lnBlToTr w="12700" cmpd="sng">
+                      <a:noFill/>
+                      <a:prstDash val="solid"/>
+                    </a:lnBlToTr>
+                    <a:solidFill>
+                      <a:schemeClr val="bg1"/>
+                    </a:solidFill>
+                  </a:tcPr>
+                </a:tc>
+                <a:tc>
+                  <a:txBody>
+                    <a:bodyPr/>
+                    <a:lstStyle/>
+                    <a:p>
+                      <a:pPr algn="ctr" latinLnBrk="1"/>
+                      <a:r>
+                        <a:rPr lang="ko-KR" altLang="en-US" sz="1800" b="0" dirty="0" err="1">
+                          <a:solidFill>
+                            <a:srgbClr val="1B0900"/>
+                          </a:solidFill>
+                          <a:latin typeface="한컴 말랑말랑 Bold" panose="020F0803000000000000" pitchFamily="50" charset="-127"/>
+                          <a:ea typeface="한컴 말랑말랑 Bold" panose="020F0803000000000000" pitchFamily="50" charset="-127"/>
+                          <a:cs typeface="KoPubWorld돋움체 Medium" panose="00000600000000000000" pitchFamily="2" charset="-127"/>
+                        </a:rPr>
+                        <a:t>과일맥주</a:t>
+                      </a:r>
+                      <a:r>
+                        <a:rPr lang="en-US" altLang="ko-KR" sz="1800" b="0" dirty="0">
+                          <a:solidFill>
+                            <a:srgbClr val="1B0900"/>
+                          </a:solidFill>
+                          <a:latin typeface="한컴 말랑말랑 Bold" panose="020F0803000000000000" pitchFamily="50" charset="-127"/>
+                          <a:ea typeface="한컴 말랑말랑 Bold" panose="020F0803000000000000" pitchFamily="50" charset="-127"/>
+                          <a:cs typeface="KoPubWorld돋움체 Medium" panose="00000600000000000000" pitchFamily="2" charset="-127"/>
+                        </a:rPr>
+                        <a:t>, </a:t>
+                      </a:r>
+                      <a:r>
+                        <a:rPr lang="ko-KR" altLang="en-US" sz="1800" b="0" dirty="0" err="1">
+                          <a:solidFill>
+                            <a:srgbClr val="1B0900"/>
+                          </a:solidFill>
+                          <a:latin typeface="한컴 말랑말랑 Bold" panose="020F0803000000000000" pitchFamily="50" charset="-127"/>
+                          <a:ea typeface="한컴 말랑말랑 Bold" panose="020F0803000000000000" pitchFamily="50" charset="-127"/>
+                          <a:cs typeface="KoPubWorld돋움체 Medium" panose="00000600000000000000" pitchFamily="2" charset="-127"/>
+                        </a:rPr>
+                        <a:t>밀맥주</a:t>
+                      </a:r>
+                      <a:r>
+                        <a:rPr lang="en-US" altLang="ko-KR" sz="1800" b="0" dirty="0">
+                          <a:solidFill>
+                            <a:srgbClr val="1B0900"/>
+                          </a:solidFill>
+                          <a:latin typeface="한컴 말랑말랑 Bold" panose="020F0803000000000000" pitchFamily="50" charset="-127"/>
+                          <a:ea typeface="한컴 말랑말랑 Bold" panose="020F0803000000000000" pitchFamily="50" charset="-127"/>
+                          <a:cs typeface="KoPubWorld돋움체 Medium" panose="00000600000000000000" pitchFamily="2" charset="-127"/>
+                        </a:rPr>
+                        <a:t>, </a:t>
+                      </a:r>
+                      <a:r>
+                        <a:rPr lang="ko-KR" altLang="en-US" sz="1800" b="0" dirty="0">
+                          <a:solidFill>
+                            <a:srgbClr val="1B0900"/>
+                          </a:solidFill>
+                          <a:latin typeface="한컴 말랑말랑 Bold" panose="020F0803000000000000" pitchFamily="50" charset="-127"/>
+                          <a:ea typeface="한컴 말랑말랑 Bold" panose="020F0803000000000000" pitchFamily="50" charset="-127"/>
+                          <a:cs typeface="KoPubWorld돋움체 Medium" panose="00000600000000000000" pitchFamily="2" charset="-127"/>
+                        </a:rPr>
+                        <a:t>흑맥주</a:t>
+                      </a:r>
+                    </a:p>
+                  </a:txBody>
+                  <a:tcPr anchor="ctr">
+                    <a:lnL w="12700" cap="flat" cmpd="sng" algn="ctr">
+                      <a:solidFill>
+                        <a:schemeClr val="tx1"/>
+                      </a:solidFill>
+                      <a:prstDash val="solid"/>
+                      <a:round/>
+                      <a:headEnd type="none" w="med" len="med"/>
+                      <a:tailEnd type="none" w="med" len="med"/>
+                    </a:lnL>
+                    <a:lnR w="12700" cap="flat" cmpd="sng" algn="ctr">
+                      <a:solidFill>
+                        <a:schemeClr val="tx1"/>
+                      </a:solidFill>
+                      <a:prstDash val="solid"/>
+                      <a:round/>
+                      <a:headEnd type="none" w="med" len="med"/>
+                      <a:tailEnd type="none" w="med" len="med"/>
+                    </a:lnR>
+                    <a:lnT w="12700" cap="flat" cmpd="sng" algn="ctr">
+                      <a:solidFill>
+                        <a:schemeClr val="tx1"/>
+                      </a:solidFill>
+                      <a:prstDash val="solid"/>
+                      <a:round/>
+                      <a:headEnd type="none" w="med" len="med"/>
+                      <a:tailEnd type="none" w="med" len="med"/>
+                    </a:lnT>
+                    <a:lnB w="12700" cap="flat" cmpd="sng" algn="ctr">
+                      <a:solidFill>
+                        <a:schemeClr val="tx1"/>
+                      </a:solidFill>
+                      <a:prstDash val="solid"/>
+                      <a:round/>
+                      <a:headEnd type="none" w="med" len="med"/>
+                      <a:tailEnd type="none" w="med" len="med"/>
+                    </a:lnB>
+                    <a:lnTlToBr w="12700" cmpd="sng">
+                      <a:noFill/>
+                      <a:prstDash val="solid"/>
+                    </a:lnTlToBr>
+                    <a:lnBlToTr w="12700" cmpd="sng">
+                      <a:noFill/>
+                      <a:prstDash val="solid"/>
+                    </a:lnBlToTr>
+                    <a:solidFill>
+                      <a:schemeClr val="bg1"/>
+                    </a:solidFill>
+                  </a:tcPr>
+                </a:tc>
+                <a:tc>
+                  <a:txBody>
+                    <a:bodyPr/>
+                    <a:lstStyle/>
+                    <a:p>
+                      <a:pPr marL="0" marR="0" indent="0" algn="ctr" defTabSz="914400" rtl="0" eaLnBrk="1" fontAlgn="auto" latinLnBrk="1" hangingPunct="1">
+                        <a:lnSpc>
+                          <a:spcPct val="100000"/>
+                        </a:lnSpc>
+                        <a:spcBef>
+                          <a:spcPts val="0"/>
+                        </a:spcBef>
+                        <a:spcAft>
+                          <a:spcPts val="0"/>
+                        </a:spcAft>
+                        <a:buClr>
+                          <a:srgbClr val="000000"/>
+                        </a:buClr>
+                        <a:buSzTx/>
+                        <a:buFont typeface="Arial"/>
+                        <a:buNone/>
+                        <a:tabLst/>
+                        <a:defRPr/>
+                      </a:pPr>
+                      <a:r>
+                        <a:rPr lang="en-US" altLang="ko-KR" sz="1800" b="1" dirty="0">
+                          <a:solidFill>
+                            <a:srgbClr val="B81919"/>
+                          </a:solidFill>
+                          <a:latin typeface="한컴 말랑말랑 Bold" panose="020F0803000000000000" pitchFamily="50" charset="-127"/>
+                          <a:ea typeface="한컴 말랑말랑 Bold" panose="020F0803000000000000" pitchFamily="50" charset="-127"/>
+                          <a:cs typeface="KoPubWorld돋움체 Medium" panose="00000600000000000000" pitchFamily="2" charset="-127"/>
+                        </a:rPr>
+                        <a:t>[3.3, 2.3, 3.3, 3, 1.3]</a:t>
+                      </a:r>
+                      <a:endParaRPr lang="ko-KR" altLang="en-US" sz="1800" b="1" dirty="0">
+                        <a:solidFill>
+                          <a:srgbClr val="B81919"/>
+                        </a:solidFill>
+                        <a:latin typeface="한컴 말랑말랑 Bold" panose="020F0803000000000000" pitchFamily="50" charset="-127"/>
+                        <a:ea typeface="한컴 말랑말랑 Bold" panose="020F0803000000000000" pitchFamily="50" charset="-127"/>
+                        <a:cs typeface="KoPubWorld돋움체 Medium" panose="00000600000000000000" pitchFamily="2" charset="-127"/>
+                      </a:endParaRPr>
+                    </a:p>
+                  </a:txBody>
+                  <a:tcPr anchor="ctr">
+                    <a:lnL w="12700" cap="flat" cmpd="sng" algn="ctr">
+                      <a:solidFill>
+                        <a:schemeClr val="tx1"/>
+                      </a:solidFill>
+                      <a:prstDash val="solid"/>
+                      <a:round/>
+                      <a:headEnd type="none" w="med" len="med"/>
+                      <a:tailEnd type="none" w="med" len="med"/>
+                    </a:lnL>
+                    <a:lnR w="12700" cap="flat" cmpd="sng" algn="ctr">
+                      <a:solidFill>
+                        <a:schemeClr val="tx1"/>
+                      </a:solidFill>
+                      <a:prstDash val="solid"/>
+                      <a:round/>
+                      <a:headEnd type="none" w="med" len="med"/>
+                      <a:tailEnd type="none" w="med" len="med"/>
+                    </a:lnR>
+                    <a:lnT w="12700" cap="flat" cmpd="sng" algn="ctr">
+                      <a:solidFill>
+                        <a:schemeClr val="tx1"/>
+                      </a:solidFill>
+                      <a:prstDash val="solid"/>
+                      <a:round/>
+                      <a:headEnd type="none" w="med" len="med"/>
+                      <a:tailEnd type="none" w="med" len="med"/>
+                    </a:lnT>
+                    <a:lnB w="12700" cap="flat" cmpd="sng" algn="ctr">
+                      <a:solidFill>
+                        <a:schemeClr val="tx1"/>
+                      </a:solidFill>
+                      <a:prstDash val="solid"/>
+                      <a:round/>
+                      <a:headEnd type="none" w="med" len="med"/>
+                      <a:tailEnd type="none" w="med" len="med"/>
+                    </a:lnB>
+                    <a:lnTlToBr w="12700" cmpd="sng">
+                      <a:noFill/>
+                      <a:prstDash val="solid"/>
+                    </a:lnTlToBr>
+                    <a:lnBlToTr w="12700" cmpd="sng">
+                      <a:noFill/>
+                      <a:prstDash val="solid"/>
+                    </a:lnBlToTr>
+                    <a:solidFill>
+                      <a:schemeClr val="bg1"/>
+                    </a:solidFill>
+                  </a:tcPr>
+                </a:tc>
+                <a:extLst>
+                  <a:ext uri="{0D108BD9-81ED-4DB2-BD59-A6C34878D82A}">
+                    <a16:rowId xmlns:a16="http://schemas.microsoft.com/office/drawing/2014/main" val="890343420"/>
+                  </a:ext>
+                </a:extLst>
+              </a:tr>
+            </a:tbl>
+          </a:graphicData>
+        </a:graphic>
+      </p:graphicFrame>
+      <p:sp>
+        <p:nvSpPr>
+          <p:cNvPr id="9" name="직사각형 8">
+            <a:extLst>
+              <a:ext uri="{FF2B5EF4-FFF2-40B4-BE49-F238E27FC236}">
+                <a16:creationId xmlns:a16="http://schemas.microsoft.com/office/drawing/2014/main" id="{EA8362EF-0358-369D-CFFC-24610D53A736}"/>
+              </a:ext>
+            </a:extLst>
+          </p:cNvPr>
+          <p:cNvSpPr/>
+          <p:nvPr/>
+        </p:nvSpPr>
+        <p:spPr>
+          <a:xfrm>
+            <a:off x="224118" y="4989023"/>
+            <a:ext cx="6358600" cy="1281746"/>
+          </a:xfrm>
+          <a:prstGeom prst="rect">
+            <a:avLst/>
+          </a:prstGeom>
+          <a:solidFill>
+            <a:srgbClr val="FDF7F4"/>
+          </a:solidFill>
+          <a:ln>
+            <a:noFill/>
+          </a:ln>
+          <a:effectLst>
+            <a:outerShdw blurRad="50800" dist="38100" dir="2700000" algn="tl" rotWithShape="0">
+              <a:prstClr val="black">
+                <a:alpha val="40000"/>
+              </a:prstClr>
+            </a:outerShdw>
+          </a:effectLst>
+        </p:spPr>
+        <p:style>
+          <a:lnRef idx="2">
+            <a:schemeClr val="accent1">
+              <a:shade val="50000"/>
+            </a:schemeClr>
+          </a:lnRef>
+          <a:fillRef idx="1">
+            <a:schemeClr val="accent1"/>
+          </a:fillRef>
+          <a:effectRef idx="0">
+            <a:schemeClr val="accent1"/>
+          </a:effectRef>
+          <a:fontRef idx="minor">
+            <a:schemeClr val="lt1"/>
+          </a:fontRef>
+        </p:style>
+        <p:txBody>
+          <a:bodyPr rtlCol="0" anchor="ctr"/>
+          <a:lstStyle/>
+          <a:p>
             <a:pPr algn="ctr"/>
             <a:r>
-              <a:rPr lang="ko-KR" altLang="en-US" sz="2000" b="1" u="sng" dirty="0">
+              <a:rPr lang="ko-KR" altLang="en-US" sz="2400" dirty="0">
+                <a:solidFill>
+                  <a:srgbClr val="1B0900"/>
+                </a:solidFill>
                 <a:latin typeface="한컴 말랑말랑 Bold" panose="020F0803000000000000" pitchFamily="50" charset="-127"/>
                 <a:ea typeface="한컴 말랑말랑 Bold" panose="020F0803000000000000" pitchFamily="50" charset="-127"/>
+                <a:cs typeface="KoPubWorld돋움체 Bold" panose="00000800000000000000" pitchFamily="2" charset="-127"/>
               </a:rPr>
-              <a:t>사용자의 설문 내용이 담겨 있는 데이터</a:t>
+              <a:t>각 속성의 </a:t>
             </a:r>
-            <a:endParaRPr lang="en-US" altLang="ko-KR" sz="2000" b="1" u="sng" dirty="0">
+            <a:r>
+              <a:rPr lang="ko-KR" altLang="en-US" sz="2400" dirty="0">
+                <a:solidFill>
+                  <a:srgbClr val="C00000"/>
+                </a:solidFill>
+                <a:latin typeface="한컴 말랑말랑 Bold" panose="020F0803000000000000" pitchFamily="50" charset="-127"/>
+                <a:ea typeface="한컴 말랑말랑 Bold" panose="020F0803000000000000" pitchFamily="50" charset="-127"/>
+                <a:cs typeface="KoPubWorld돋움체 Bold" panose="00000800000000000000" pitchFamily="2" charset="-127"/>
+              </a:rPr>
+              <a:t>평균값</a:t>
+            </a:r>
+            <a:r>
+              <a:rPr lang="ko-KR" altLang="en-US" sz="2400" dirty="0">
+                <a:solidFill>
+                  <a:srgbClr val="1B0900"/>
+                </a:solidFill>
+                <a:latin typeface="한컴 말랑말랑 Bold" panose="020F0803000000000000" pitchFamily="50" charset="-127"/>
+                <a:ea typeface="한컴 말랑말랑 Bold" panose="020F0803000000000000" pitchFamily="50" charset="-127"/>
+                <a:cs typeface="KoPubWorld돋움체 Bold" panose="00000800000000000000" pitchFamily="2" charset="-127"/>
+              </a:rPr>
+              <a:t>을 계산하여 </a:t>
+            </a:r>
+            <a:r>
+              <a:rPr lang="ko-KR" altLang="en-US" sz="2400" dirty="0" err="1">
+                <a:solidFill>
+                  <a:srgbClr val="1B0900"/>
+                </a:solidFill>
+                <a:latin typeface="한컴 말랑말랑 Bold" panose="020F0803000000000000" pitchFamily="50" charset="-127"/>
+                <a:ea typeface="한컴 말랑말랑 Bold" panose="020F0803000000000000" pitchFamily="50" charset="-127"/>
+                <a:cs typeface="KoPubWorld돋움체 Bold" panose="00000800000000000000" pitchFamily="2" charset="-127"/>
+              </a:rPr>
+              <a:t>대표값을</a:t>
+            </a:r>
+            <a:r>
+              <a:rPr lang="ko-KR" altLang="en-US" sz="2400" dirty="0">
+                <a:solidFill>
+                  <a:srgbClr val="1B0900"/>
+                </a:solidFill>
+                <a:latin typeface="한컴 말랑말랑 Bold" panose="020F0803000000000000" pitchFamily="50" charset="-127"/>
+                <a:ea typeface="한컴 말랑말랑 Bold" panose="020F0803000000000000" pitchFamily="50" charset="-127"/>
+                <a:cs typeface="KoPubWorld돋움체 Bold" panose="00000800000000000000" pitchFamily="2" charset="-127"/>
+              </a:rPr>
+              <a:t> 설정</a:t>
+            </a:r>
+          </a:p>
+        </p:txBody>
+      </p:sp>
+      <p:sp>
+        <p:nvSpPr>
+          <p:cNvPr id="10" name="Google Shape;98;p1">
+            <a:extLst>
+              <a:ext uri="{FF2B5EF4-FFF2-40B4-BE49-F238E27FC236}">
+                <a16:creationId xmlns:a16="http://schemas.microsoft.com/office/drawing/2014/main" id="{C8D4068B-A243-A3C9-0930-F72F4C5C656B}"/>
+              </a:ext>
+            </a:extLst>
+          </p:cNvPr>
+          <p:cNvSpPr txBox="1"/>
+          <p:nvPr/>
+        </p:nvSpPr>
+        <p:spPr>
+          <a:xfrm>
+            <a:off x="224118" y="4487163"/>
+            <a:ext cx="1065850" cy="507791"/>
+          </a:xfrm>
+          <a:prstGeom prst="rect">
+            <a:avLst/>
+          </a:prstGeom>
+          <a:noFill/>
+          <a:ln>
+            <a:noFill/>
+          </a:ln>
+        </p:spPr>
+        <p:txBody>
+          <a:bodyPr spcFirstLastPara="1" wrap="square" lIns="91425" tIns="45700" rIns="91425" bIns="45700" anchor="t" anchorCtr="0">
+            <a:spAutoFit/>
+          </a:bodyPr>
+          <a:lstStyle/>
+          <a:p>
+            <a:pPr lvl="0">
+              <a:lnSpc>
+                <a:spcPct val="150000"/>
+              </a:lnSpc>
+            </a:pPr>
+            <a:r>
+              <a:rPr lang="ko-KR" altLang="en-US" sz="1800" b="1" dirty="0">
+                <a:solidFill>
+                  <a:schemeClr val="tx1"/>
+                </a:solidFill>
+                <a:latin typeface="한컴 말랑말랑 Bold" panose="020F0803000000000000" pitchFamily="50" charset="-127"/>
+                <a:ea typeface="한컴 말랑말랑 Bold" panose="020F0803000000000000" pitchFamily="50" charset="-127"/>
+                <a:cs typeface="KoPubWorld돋움체 Medium" panose="00000600000000000000" pitchFamily="2" charset="-127"/>
+              </a:rPr>
+              <a:t>적용 </a:t>
+            </a:r>
+            <a:r>
+              <a:rPr lang="ko-KR" altLang="en-US" sz="1800" b="1" dirty="0" err="1">
+                <a:solidFill>
+                  <a:schemeClr val="tx1"/>
+                </a:solidFill>
+                <a:latin typeface="한컴 말랑말랑 Bold" panose="020F0803000000000000" pitchFamily="50" charset="-127"/>
+                <a:ea typeface="한컴 말랑말랑 Bold" panose="020F0803000000000000" pitchFamily="50" charset="-127"/>
+                <a:cs typeface="KoPubWorld돋움체 Medium" panose="00000600000000000000" pitchFamily="2" charset="-127"/>
+              </a:rPr>
+              <a:t>로직</a:t>
+            </a:r>
+            <a:endParaRPr lang="ko-KR" altLang="en-US" sz="1800" b="1" dirty="0">
+              <a:solidFill>
+                <a:schemeClr val="tx1"/>
+              </a:solidFill>
               <a:latin typeface="한컴 말랑말랑 Bold" panose="020F0803000000000000" pitchFamily="50" charset="-127"/>
               <a:ea typeface="한컴 말랑말랑 Bold" panose="020F0803000000000000" pitchFamily="50" charset="-127"/>
+              <a:cs typeface="KoPubWorld돋움체 Medium" panose="00000600000000000000" pitchFamily="2" charset="-127"/>
             </a:endParaRPr>
+          </a:p>
+        </p:txBody>
+      </p:sp>
+      <p:sp>
+        <p:nvSpPr>
+          <p:cNvPr id="12" name="Google Shape;98;p1">
+            <a:extLst>
+              <a:ext uri="{FF2B5EF4-FFF2-40B4-BE49-F238E27FC236}">
+                <a16:creationId xmlns:a16="http://schemas.microsoft.com/office/drawing/2014/main" id="{325E4636-1A08-24C9-5E91-A94C8C03A8E3}"/>
+              </a:ext>
+            </a:extLst>
+          </p:cNvPr>
+          <p:cNvSpPr txBox="1"/>
+          <p:nvPr/>
+        </p:nvSpPr>
+        <p:spPr>
+          <a:xfrm>
+            <a:off x="224118" y="2800094"/>
+            <a:ext cx="1470211" cy="507791"/>
+          </a:xfrm>
+          <a:prstGeom prst="rect">
+            <a:avLst/>
+          </a:prstGeom>
+          <a:noFill/>
+          <a:ln>
+            <a:noFill/>
+          </a:ln>
+        </p:spPr>
+        <p:txBody>
+          <a:bodyPr spcFirstLastPara="1" wrap="square" lIns="91425" tIns="45700" rIns="91425" bIns="45700" anchor="t" anchorCtr="0">
+            <a:spAutoFit/>
+          </a:bodyPr>
+          <a:lstStyle/>
+          <a:p>
+            <a:pPr lvl="0">
+              <a:lnSpc>
+                <a:spcPct val="150000"/>
+              </a:lnSpc>
+            </a:pPr>
+            <a:r>
+              <a:rPr lang="ko-KR" altLang="en-US" sz="1800" b="1" dirty="0">
+                <a:solidFill>
+                  <a:schemeClr val="tx1"/>
+                </a:solidFill>
+                <a:latin typeface="한컴 말랑말랑 Bold" panose="020F0803000000000000" pitchFamily="50" charset="-127"/>
+                <a:ea typeface="한컴 말랑말랑 Bold" panose="020F0803000000000000" pitchFamily="50" charset="-127"/>
+                <a:cs typeface="KoPubWorld돋움체 Medium" panose="00000600000000000000" pitchFamily="2" charset="-127"/>
+              </a:rPr>
+              <a:t>사용자의 입력</a:t>
+            </a:r>
+          </a:p>
+        </p:txBody>
+      </p:sp>
+      <p:sp>
+        <p:nvSpPr>
+          <p:cNvPr id="17" name="모서리가 둥근 직사각형 17">
+            <a:extLst>
+              <a:ext uri="{FF2B5EF4-FFF2-40B4-BE49-F238E27FC236}">
+                <a16:creationId xmlns:a16="http://schemas.microsoft.com/office/drawing/2014/main" id="{48147A3F-9D91-2B6C-094E-CF9FB697337C}"/>
+              </a:ext>
+            </a:extLst>
+          </p:cNvPr>
+          <p:cNvSpPr/>
+          <p:nvPr/>
+        </p:nvSpPr>
+        <p:spPr>
+          <a:xfrm>
+            <a:off x="6966785" y="1299273"/>
+            <a:ext cx="2649989" cy="481579"/>
+          </a:xfrm>
+          <a:prstGeom prst="roundRect">
+            <a:avLst>
+              <a:gd name="adj" fmla="val 0"/>
+            </a:avLst>
+          </a:prstGeom>
+          <a:solidFill>
+            <a:srgbClr val="56453B"/>
+          </a:solidFill>
+          <a:ln>
+            <a:noFill/>
+          </a:ln>
+          <a:effectLst>
+            <a:outerShdw blurRad="50800" dist="38100" dir="2700000" algn="tl" rotWithShape="0">
+              <a:prstClr val="black">
+                <a:alpha val="40000"/>
+              </a:prstClr>
+            </a:outerShdw>
+          </a:effectLst>
+        </p:spPr>
+        <p:style>
+          <a:lnRef idx="2">
+            <a:schemeClr val="accent1">
+              <a:shade val="50000"/>
+            </a:schemeClr>
+          </a:lnRef>
+          <a:fillRef idx="1">
+            <a:schemeClr val="accent1"/>
+          </a:fillRef>
+          <a:effectRef idx="0">
+            <a:schemeClr val="accent1"/>
+          </a:effectRef>
+          <a:fontRef idx="minor">
+            <a:schemeClr val="lt1"/>
+          </a:fontRef>
+        </p:style>
+        <p:txBody>
+          <a:bodyPr rtlCol="0" anchor="ctr"/>
+          <a:lstStyle/>
+          <a:p>
+            <a:pPr lvl="0" algn="ctr">
+              <a:lnSpc>
+                <a:spcPct val="150000"/>
+              </a:lnSpc>
+            </a:pPr>
+            <a:r>
+              <a:rPr lang="ko-KR" altLang="en-US" sz="2000" dirty="0">
+                <a:solidFill>
+                  <a:schemeClr val="bg1"/>
+                </a:solidFill>
+                <a:latin typeface="한컴 말랑말랑 Bold" panose="020F0803000000000000" pitchFamily="50" charset="-127"/>
+                <a:ea typeface="한컴 말랑말랑 Bold" panose="020F0803000000000000" pitchFamily="50" charset="-127"/>
+                <a:cs typeface="KoPubWorld돋움체 Bold" panose="00000800000000000000" pitchFamily="2" charset="-127"/>
+              </a:rPr>
+              <a:t>알고리즘 실행 결과</a:t>
+            </a:r>
           </a:p>
         </p:txBody>
       </p:sp>
       <p:grpSp>
         <p:nvGrpSpPr>
-          <p:cNvPr id="15" name="그룹 14">
+          <p:cNvPr id="18" name="그룹 17">
             <a:extLst>
               <a:ext uri="{FF2B5EF4-FFF2-40B4-BE49-F238E27FC236}">
-                <a16:creationId xmlns:a16="http://schemas.microsoft.com/office/drawing/2014/main" id="{6125EE2D-23DF-17AC-2095-2947A26A8D35}"/>
+                <a16:creationId xmlns:a16="http://schemas.microsoft.com/office/drawing/2014/main" id="{9B2F51CA-5193-818E-4969-55DF8A631984}"/>
               </a:ext>
             </a:extLst>
           </p:cNvPr>
@@ -4209,2434 +8157,964 @@
         </p:nvGrpSpPr>
         <p:grpSpPr>
           <a:xfrm>
-            <a:off x="273713" y="2148562"/>
-            <a:ext cx="2311400" cy="3265726"/>
-            <a:chOff x="471115" y="1744990"/>
-            <a:chExt cx="2311400" cy="3265726"/>
+            <a:off x="7473014" y="2076551"/>
+            <a:ext cx="3600000" cy="3600000"/>
+            <a:chOff x="7429499" y="2032494"/>
+            <a:chExt cx="3600000" cy="3600000"/>
           </a:xfrm>
         </p:grpSpPr>
-        <p:grpSp>
-          <p:nvGrpSpPr>
-            <p:cNvPr id="3" name="그룹 2">
+        <p:cxnSp>
+          <p:nvCxnSpPr>
+            <p:cNvPr id="19" name="직선 화살표 연결선 18">
               <a:extLst>
                 <a:ext uri="{FF2B5EF4-FFF2-40B4-BE49-F238E27FC236}">
-                  <a16:creationId xmlns:a16="http://schemas.microsoft.com/office/drawing/2014/main" id="{34C40CF1-B62D-4FE1-4B28-4D19964D73B9}"/>
+                  <a16:creationId xmlns:a16="http://schemas.microsoft.com/office/drawing/2014/main" id="{A71A99D2-FA6A-1149-0550-E6BC2A11596E}"/>
                 </a:ext>
               </a:extLst>
             </p:cNvPr>
-            <p:cNvGrpSpPr/>
+            <p:cNvCxnSpPr/>
             <p:nvPr/>
-          </p:nvGrpSpPr>
-          <p:grpSpPr>
-            <a:xfrm>
-              <a:off x="699716" y="1744990"/>
-              <a:ext cx="1676400" cy="2453620"/>
-              <a:chOff x="7086600" y="2463800"/>
-              <a:chExt cx="1676400" cy="2453620"/>
+          </p:nvCxnSpPr>
+          <p:spPr>
+            <a:xfrm flipV="1">
+              <a:off x="7631824" y="2032494"/>
+              <a:ext cx="0" cy="3600000"/>
             </a:xfrm>
-          </p:grpSpPr>
-          <p:pic>
-            <p:nvPicPr>
-              <p:cNvPr id="5" name="Picture 2" descr="Folder ">
-                <a:extLst>
-                  <a:ext uri="{FF2B5EF4-FFF2-40B4-BE49-F238E27FC236}">
-                    <a16:creationId xmlns:a16="http://schemas.microsoft.com/office/drawing/2014/main" id="{ED8B494A-26F5-4BDB-7ECB-79721FF01971}"/>
-                  </a:ext>
-                </a:extLst>
-              </p:cNvPr>
-              <p:cNvPicPr>
-                <a:picLocks noChangeAspect="1" noChangeArrowheads="1"/>
-              </p:cNvPicPr>
-              <p:nvPr/>
-            </p:nvPicPr>
-            <p:blipFill>
-              <a:blip r:embed="rId2">
-                <a:extLst>
-                  <a:ext uri="{28A0092B-C50C-407E-A947-70E740481C1C}">
-                    <a14:useLocalDpi xmlns:a14="http://schemas.microsoft.com/office/drawing/2010/main" val="0"/>
-                  </a:ext>
-                </a:extLst>
-              </a:blip>
-              <a:srcRect/>
-              <a:stretch>
-                <a:fillRect/>
-              </a:stretch>
-            </p:blipFill>
-            <p:spPr bwMode="auto">
-              <a:xfrm>
-                <a:off x="7086600" y="2463800"/>
-                <a:ext cx="1676400" cy="1676400"/>
-              </a:xfrm>
-              <a:prstGeom prst="rect">
-                <a:avLst/>
-              </a:prstGeom>
-              <a:noFill/>
-              <a:extLst>
-                <a:ext uri="{909E8E84-426E-40DD-AFC4-6F175D3DCCD1}">
-                  <a14:hiddenFill xmlns:a14="http://schemas.microsoft.com/office/drawing/2010/main">
-                    <a:solidFill>
-                      <a:srgbClr val="FFFFFF"/>
-                    </a:solidFill>
-                  </a14:hiddenFill>
-                </a:ext>
-              </a:extLst>
-            </p:spPr>
-          </p:pic>
-          <p:sp>
-            <p:nvSpPr>
-              <p:cNvPr id="13" name="TextBox 12">
-                <a:extLst>
-                  <a:ext uri="{FF2B5EF4-FFF2-40B4-BE49-F238E27FC236}">
-                    <a16:creationId xmlns:a16="http://schemas.microsoft.com/office/drawing/2014/main" id="{134997BA-E8B8-9DE7-69D4-728F457D8EFA}"/>
-                  </a:ext>
-                </a:extLst>
-              </p:cNvPr>
-              <p:cNvSpPr txBox="1"/>
-              <p:nvPr/>
-            </p:nvSpPr>
-            <p:spPr>
-              <a:xfrm>
-                <a:off x="7086600" y="4394200"/>
-                <a:ext cx="1676400" cy="523220"/>
-              </a:xfrm>
-              <a:prstGeom prst="rect">
-                <a:avLst/>
-              </a:prstGeom>
-              <a:noFill/>
-            </p:spPr>
-            <p:txBody>
-              <a:bodyPr wrap="square" rtlCol="0">
-                <a:spAutoFit/>
-              </a:bodyPr>
-              <a:lstStyle/>
-              <a:p>
-                <a:pPr algn="ctr"/>
-                <a:r>
-                  <a:rPr lang="en-US" altLang="ko-KR" sz="2800" b="1" dirty="0">
-                    <a:latin typeface="한컴 말랑말랑 Bold" panose="020F0803000000000000" pitchFamily="50" charset="-127"/>
-                    <a:ea typeface="한컴 말랑말랑 Bold" panose="020F0803000000000000" pitchFamily="50" charset="-127"/>
-                  </a:rPr>
-                  <a:t>USER</a:t>
-                </a:r>
-                <a:endParaRPr lang="ko-KR" altLang="en-US" sz="2800" b="1" dirty="0">
-                  <a:latin typeface="한컴 말랑말랑 Bold" panose="020F0803000000000000" pitchFamily="50" charset="-127"/>
-                  <a:ea typeface="한컴 말랑말랑 Bold" panose="020F0803000000000000" pitchFamily="50" charset="-127"/>
-                </a:endParaRPr>
-              </a:p>
-            </p:txBody>
-          </p:sp>
-        </p:grpSp>
-        <p:sp>
-          <p:nvSpPr>
-            <p:cNvPr id="14" name="TextBox 13">
+            <a:prstGeom prst="straightConnector1">
+              <a:avLst/>
+            </a:prstGeom>
+            <a:ln w="38100">
+              <a:solidFill>
+                <a:srgbClr val="1B0900"/>
+              </a:solidFill>
+              <a:tailEnd type="triangle"/>
+            </a:ln>
+          </p:spPr>
+          <p:style>
+            <a:lnRef idx="1">
+              <a:schemeClr val="accent1"/>
+            </a:lnRef>
+            <a:fillRef idx="0">
+              <a:schemeClr val="accent1"/>
+            </a:fillRef>
+            <a:effectRef idx="0">
+              <a:schemeClr val="accent1"/>
+            </a:effectRef>
+            <a:fontRef idx="minor">
+              <a:schemeClr val="tx1"/>
+            </a:fontRef>
+          </p:style>
+        </p:cxnSp>
+        <p:cxnSp>
+          <p:nvCxnSpPr>
+            <p:cNvPr id="20" name="직선 화살표 연결선 19">
               <a:extLst>
                 <a:ext uri="{FF2B5EF4-FFF2-40B4-BE49-F238E27FC236}">
-                  <a16:creationId xmlns:a16="http://schemas.microsoft.com/office/drawing/2014/main" id="{84ED099E-32EF-C907-C99B-749E424CD75D}"/>
+                  <a16:creationId xmlns:a16="http://schemas.microsoft.com/office/drawing/2014/main" id="{7CE8790E-D734-80EF-5F38-009AA704BAE7}"/>
                 </a:ext>
               </a:extLst>
             </p:cNvPr>
-            <p:cNvSpPr txBox="1"/>
+            <p:cNvCxnSpPr/>
             <p:nvPr/>
-          </p:nvSpPr>
+          </p:nvCxnSpPr>
           <p:spPr>
             <a:xfrm>
-              <a:off x="471115" y="4610606"/>
-              <a:ext cx="2311400" cy="400110"/>
+              <a:off x="7429499" y="5412648"/>
+              <a:ext cx="3600000" cy="0"/>
             </a:xfrm>
-            <a:prstGeom prst="rect">
+            <a:prstGeom prst="straightConnector1">
               <a:avLst/>
             </a:prstGeom>
-            <a:noFill/>
+            <a:ln w="38100">
+              <a:solidFill>
+                <a:srgbClr val="1B0900"/>
+              </a:solidFill>
+              <a:tailEnd type="triangle"/>
+            </a:ln>
           </p:spPr>
-          <p:txBody>
-            <a:bodyPr wrap="square">
-              <a:spAutoFit/>
-            </a:bodyPr>
-            <a:lstStyle/>
-            <a:p>
-              <a:r>
-                <a:rPr lang="ko-KR" altLang="en-US" sz="2000" b="1" dirty="0"/>
-                <a:t>사용자의 설문 </a:t>
-              </a:r>
-              <a:r>
-                <a:rPr lang="en-US" altLang="ko-KR" sz="2000" b="1" dirty="0"/>
-                <a:t>DB</a:t>
-              </a:r>
-            </a:p>
-          </p:txBody>
-        </p:sp>
+          <p:style>
+            <a:lnRef idx="1">
+              <a:schemeClr val="accent1"/>
+            </a:lnRef>
+            <a:fillRef idx="0">
+              <a:schemeClr val="accent1"/>
+            </a:fillRef>
+            <a:effectRef idx="0">
+              <a:schemeClr val="accent1"/>
+            </a:effectRef>
+            <a:fontRef idx="minor">
+              <a:schemeClr val="tx1"/>
+            </a:fontRef>
+          </p:style>
+        </p:cxnSp>
       </p:grpSp>
-      <p:graphicFrame>
-        <p:nvGraphicFramePr>
-          <p:cNvPr id="16" name="표 15">
+      <p:sp>
+        <p:nvSpPr>
+          <p:cNvPr id="21" name="Google Shape;98;p1">
             <a:extLst>
               <a:ext uri="{FF2B5EF4-FFF2-40B4-BE49-F238E27FC236}">
-                <a16:creationId xmlns:a16="http://schemas.microsoft.com/office/drawing/2014/main" id="{1EEE3725-422B-CE7A-4536-8BB6672FF4CF}"/>
+                <a16:creationId xmlns:a16="http://schemas.microsoft.com/office/drawing/2014/main" id="{408157AA-55BB-0B64-80CC-2A6D23A668B1}"/>
               </a:ext>
             </a:extLst>
           </p:cNvPr>
-          <p:cNvGraphicFramePr>
-            <a:graphicFrameLocks noGrp="1"/>
-          </p:cNvGraphicFramePr>
+          <p:cNvSpPr txBox="1"/>
           <p:nvPr/>
-        </p:nvGraphicFramePr>
-        <p:xfrm>
-          <a:off x="3600449" y="1592111"/>
-          <a:ext cx="7153275" cy="4217425"/>
-        </p:xfrm>
-        <a:graphic>
-          <a:graphicData uri="http://schemas.openxmlformats.org/drawingml/2006/table">
-            <a:tbl>
-              <a:tblPr>
-                <a:tableStyleId>{5C22544A-7EE6-4342-B048-85BDC9FD1C3A}</a:tableStyleId>
-              </a:tblPr>
-              <a:tblGrid>
-                <a:gridCol w="1881460">
-                  <a:extLst>
-                    <a:ext uri="{9D8B030D-6E8A-4147-A177-3AD203B41FA5}">
-                      <a16:colId xmlns:a16="http://schemas.microsoft.com/office/drawing/2014/main" val="2721046963"/>
-                    </a:ext>
-                  </a:extLst>
-                </a:gridCol>
-                <a:gridCol w="5271815">
-                  <a:extLst>
-                    <a:ext uri="{9D8B030D-6E8A-4147-A177-3AD203B41FA5}">
-                      <a16:colId xmlns:a16="http://schemas.microsoft.com/office/drawing/2014/main" val="2080378308"/>
-                    </a:ext>
-                  </a:extLst>
-                </a:gridCol>
-              </a:tblGrid>
-              <a:tr h="503338">
-                <a:tc>
-                  <a:txBody>
-                    <a:bodyPr/>
-                    <a:lstStyle/>
-                    <a:p>
-                      <a:pPr algn="ctr" fontAlgn="ctr"/>
-                      <a:r>
-                        <a:rPr lang="ko-KR" altLang="en-US" sz="2000" b="1" u="none" strike="noStrike" dirty="0">
-                          <a:effectLst/>
-                          <a:latin typeface="한컴 말랑말랑 Bold" panose="020F0803000000000000" pitchFamily="50" charset="-127"/>
-                          <a:ea typeface="한컴 말랑말랑 Bold" panose="020F0803000000000000" pitchFamily="50" charset="-127"/>
-                        </a:rPr>
-                        <a:t>컬럼</a:t>
-                      </a:r>
-                      <a:endParaRPr lang="ko-KR" altLang="en-US" sz="2000" b="1" i="0" u="none" strike="noStrike" dirty="0">
-                        <a:solidFill>
-                          <a:srgbClr val="000000"/>
-                        </a:solidFill>
-                        <a:effectLst/>
-                        <a:latin typeface="한컴 말랑말랑 Bold" panose="020F0803000000000000" pitchFamily="50" charset="-127"/>
-                        <a:ea typeface="한컴 말랑말랑 Bold" panose="020F0803000000000000" pitchFamily="50" charset="-127"/>
-                      </a:endParaRPr>
-                    </a:p>
-                  </a:txBody>
-                  <a:tcPr marL="9525" marR="9525" marT="9525" marB="0" anchor="ctr">
-                    <a:lnL w="12700" cap="flat" cmpd="sng" algn="ctr">
-                      <a:solidFill>
-                        <a:schemeClr val="tx1"/>
-                      </a:solidFill>
-                      <a:prstDash val="solid"/>
-                      <a:round/>
-                      <a:headEnd type="none" w="med" len="med"/>
-                      <a:tailEnd type="none" w="med" len="med"/>
-                    </a:lnL>
-                    <a:lnR w="12700" cap="flat" cmpd="sng" algn="ctr">
-                      <a:solidFill>
-                        <a:schemeClr val="tx1"/>
-                      </a:solidFill>
-                      <a:prstDash val="solid"/>
-                      <a:round/>
-                      <a:headEnd type="none" w="med" len="med"/>
-                      <a:tailEnd type="none" w="med" len="med"/>
-                    </a:lnR>
-                    <a:lnT w="12700" cap="flat" cmpd="sng" algn="ctr">
-                      <a:solidFill>
-                        <a:schemeClr val="tx1"/>
-                      </a:solidFill>
-                      <a:prstDash val="solid"/>
-                      <a:round/>
-                      <a:headEnd type="none" w="med" len="med"/>
-                      <a:tailEnd type="none" w="med" len="med"/>
-                    </a:lnT>
-                    <a:lnB w="12700" cap="flat" cmpd="sng" algn="ctr">
-                      <a:solidFill>
-                        <a:schemeClr val="tx1"/>
-                      </a:solidFill>
-                      <a:prstDash val="solid"/>
-                      <a:round/>
-                      <a:headEnd type="none" w="med" len="med"/>
-                      <a:tailEnd type="none" w="med" len="med"/>
-                    </a:lnB>
-                    <a:lnTlToBr w="12700" cmpd="sng">
-                      <a:noFill/>
-                      <a:prstDash val="solid"/>
-                    </a:lnTlToBr>
-                    <a:lnBlToTr w="12700" cmpd="sng">
-                      <a:noFill/>
-                      <a:prstDash val="solid"/>
-                    </a:lnBlToTr>
-                    <a:solidFill>
-                      <a:schemeClr val="bg2">
-                        <a:lumMod val="75000"/>
-                      </a:schemeClr>
-                    </a:solidFill>
-                  </a:tcPr>
-                </a:tc>
-                <a:tc>
-                  <a:txBody>
-                    <a:bodyPr/>
-                    <a:lstStyle/>
-                    <a:p>
-                      <a:pPr algn="ctr" fontAlgn="ctr"/>
-                      <a:r>
-                        <a:rPr lang="ko-KR" altLang="en-US" sz="2000" b="1" u="none" strike="noStrike" dirty="0">
-                          <a:effectLst/>
-                          <a:latin typeface="한컴 말랑말랑 Bold" panose="020F0803000000000000" pitchFamily="50" charset="-127"/>
-                          <a:ea typeface="한컴 말랑말랑 Bold" panose="020F0803000000000000" pitchFamily="50" charset="-127"/>
-                        </a:rPr>
-                        <a:t>컬럼 설명</a:t>
-                      </a:r>
-                      <a:endParaRPr lang="ko-KR" altLang="en-US" sz="2000" b="1" i="0" u="none" strike="noStrike" dirty="0">
-                        <a:solidFill>
-                          <a:srgbClr val="000000"/>
-                        </a:solidFill>
-                        <a:effectLst/>
-                        <a:latin typeface="한컴 말랑말랑 Bold" panose="020F0803000000000000" pitchFamily="50" charset="-127"/>
-                        <a:ea typeface="한컴 말랑말랑 Bold" panose="020F0803000000000000" pitchFamily="50" charset="-127"/>
-                      </a:endParaRPr>
-                    </a:p>
-                  </a:txBody>
-                  <a:tcPr marL="9525" marR="9525" marT="9525" marB="0" anchor="ctr">
-                    <a:lnL w="12700" cap="flat" cmpd="sng" algn="ctr">
-                      <a:solidFill>
-                        <a:schemeClr val="tx1"/>
-                      </a:solidFill>
-                      <a:prstDash val="solid"/>
-                      <a:round/>
-                      <a:headEnd type="none" w="med" len="med"/>
-                      <a:tailEnd type="none" w="med" len="med"/>
-                    </a:lnL>
-                    <a:lnR w="12700" cap="flat" cmpd="sng" algn="ctr">
-                      <a:solidFill>
-                        <a:schemeClr val="tx1"/>
-                      </a:solidFill>
-                      <a:prstDash val="solid"/>
-                      <a:round/>
-                      <a:headEnd type="none" w="med" len="med"/>
-                      <a:tailEnd type="none" w="med" len="med"/>
-                    </a:lnR>
-                    <a:lnT w="12700" cap="flat" cmpd="sng" algn="ctr">
-                      <a:solidFill>
-                        <a:schemeClr val="tx1"/>
-                      </a:solidFill>
-                      <a:prstDash val="solid"/>
-                      <a:round/>
-                      <a:headEnd type="none" w="med" len="med"/>
-                      <a:tailEnd type="none" w="med" len="med"/>
-                    </a:lnT>
-                    <a:lnB w="12700" cap="flat" cmpd="sng" algn="ctr">
-                      <a:solidFill>
-                        <a:schemeClr val="tx1"/>
-                      </a:solidFill>
-                      <a:prstDash val="solid"/>
-                      <a:round/>
-                      <a:headEnd type="none" w="med" len="med"/>
-                      <a:tailEnd type="none" w="med" len="med"/>
-                    </a:lnB>
-                    <a:lnTlToBr w="12700" cmpd="sng">
-                      <a:noFill/>
-                      <a:prstDash val="solid"/>
-                    </a:lnTlToBr>
-                    <a:lnBlToTr w="12700" cmpd="sng">
-                      <a:noFill/>
-                      <a:prstDash val="solid"/>
-                    </a:lnBlToTr>
-                    <a:solidFill>
-                      <a:schemeClr val="bg2">
-                        <a:lumMod val="75000"/>
-                      </a:schemeClr>
-                    </a:solidFill>
-                  </a:tcPr>
-                </a:tc>
-                <a:extLst>
-                  <a:ext uri="{0D108BD9-81ED-4DB2-BD59-A6C34878D82A}">
-                    <a16:rowId xmlns:a16="http://schemas.microsoft.com/office/drawing/2014/main" val="3690081210"/>
-                  </a:ext>
-                </a:extLst>
-              </a:tr>
-              <a:tr h="285699">
-                <a:tc>
-                  <a:txBody>
-                    <a:bodyPr/>
-                    <a:lstStyle/>
-                    <a:p>
-                      <a:pPr algn="ctr" fontAlgn="ctr"/>
-                      <a:r>
-                        <a:rPr lang="en-US" sz="1400" b="1" u="none" strike="noStrike" dirty="0" err="1">
-                          <a:effectLst/>
-                          <a:latin typeface="한컴 말랑말랑 Bold" panose="020F0803000000000000" pitchFamily="50" charset="-127"/>
-                          <a:ea typeface="한컴 말랑말랑 Bold" panose="020F0803000000000000" pitchFamily="50" charset="-127"/>
-                        </a:rPr>
-                        <a:t>unique_id</a:t>
-                      </a:r>
-                      <a:endParaRPr lang="en-US" sz="1400" b="1" i="0" u="none" strike="noStrike" dirty="0">
-                        <a:solidFill>
-                          <a:srgbClr val="000000"/>
-                        </a:solidFill>
-                        <a:effectLst/>
-                        <a:latin typeface="한컴 말랑말랑 Bold" panose="020F0803000000000000" pitchFamily="50" charset="-127"/>
-                        <a:ea typeface="한컴 말랑말랑 Bold" panose="020F0803000000000000" pitchFamily="50" charset="-127"/>
-                      </a:endParaRPr>
-                    </a:p>
-                  </a:txBody>
-                  <a:tcPr marL="9525" marR="9525" marT="9525" marB="0" anchor="ctr">
-                    <a:lnL w="12700" cap="flat" cmpd="sng" algn="ctr">
-                      <a:solidFill>
-                        <a:schemeClr val="tx1"/>
-                      </a:solidFill>
-                      <a:prstDash val="solid"/>
-                      <a:round/>
-                      <a:headEnd type="none" w="med" len="med"/>
-                      <a:tailEnd type="none" w="med" len="med"/>
-                    </a:lnL>
-                    <a:lnR w="12700" cap="flat" cmpd="sng" algn="ctr">
-                      <a:solidFill>
-                        <a:schemeClr val="tx1"/>
-                      </a:solidFill>
-                      <a:prstDash val="solid"/>
-                      <a:round/>
-                      <a:headEnd type="none" w="med" len="med"/>
-                      <a:tailEnd type="none" w="med" len="med"/>
-                    </a:lnR>
-                    <a:lnT w="12700" cap="flat" cmpd="sng" algn="ctr">
-                      <a:solidFill>
-                        <a:schemeClr val="tx1"/>
-                      </a:solidFill>
-                      <a:prstDash val="solid"/>
-                      <a:round/>
-                      <a:headEnd type="none" w="med" len="med"/>
-                      <a:tailEnd type="none" w="med" len="med"/>
-                    </a:lnT>
-                    <a:lnB w="12700" cap="flat" cmpd="sng" algn="ctr">
-                      <a:solidFill>
-                        <a:schemeClr val="tx1"/>
-                      </a:solidFill>
-                      <a:prstDash val="solid"/>
-                      <a:round/>
-                      <a:headEnd type="none" w="med" len="med"/>
-                      <a:tailEnd type="none" w="med" len="med"/>
-                    </a:lnB>
-                    <a:lnTlToBr w="12700" cmpd="sng">
-                      <a:noFill/>
-                      <a:prstDash val="solid"/>
-                    </a:lnTlToBr>
-                    <a:lnBlToTr w="12700" cmpd="sng">
-                      <a:noFill/>
-                      <a:prstDash val="solid"/>
-                    </a:lnBlToTr>
-                    <a:solidFill>
-                      <a:schemeClr val="accent6">
-                        <a:lumMod val="40000"/>
-                        <a:lumOff val="60000"/>
-                      </a:schemeClr>
-                    </a:solidFill>
-                  </a:tcPr>
-                </a:tc>
-                <a:tc>
-                  <a:txBody>
-                    <a:bodyPr/>
-                    <a:lstStyle/>
-                    <a:p>
-                      <a:pPr algn="ctr" fontAlgn="ctr"/>
-                      <a:r>
-                        <a:rPr lang="ko-KR" altLang="en-US" sz="1100" u="none" strike="noStrike" dirty="0">
-                          <a:effectLst/>
-                        </a:rPr>
-                        <a:t>고유 </a:t>
-                      </a:r>
-                      <a:r>
-                        <a:rPr lang="en-US" sz="1100" u="none" strike="noStrike" dirty="0">
-                          <a:effectLst/>
-                        </a:rPr>
-                        <a:t>id</a:t>
-                      </a:r>
-                      <a:endParaRPr lang="en-US" sz="1100" b="0" i="0" u="none" strike="noStrike" dirty="0">
-                        <a:solidFill>
-                          <a:srgbClr val="000000"/>
-                        </a:solidFill>
-                        <a:effectLst/>
-                        <a:latin typeface="한컴 말랑말랑 Bold" panose="020F0803000000000000" pitchFamily="50" charset="-127"/>
-                        <a:ea typeface="한컴 말랑말랑 Bold" panose="020F0803000000000000" pitchFamily="50" charset="-127"/>
-                      </a:endParaRPr>
-                    </a:p>
-                  </a:txBody>
-                  <a:tcPr marL="9525" marR="9525" marT="9525" marB="0" anchor="ctr">
-                    <a:lnL w="12700" cap="flat" cmpd="sng" algn="ctr">
-                      <a:solidFill>
-                        <a:schemeClr val="tx1"/>
-                      </a:solidFill>
-                      <a:prstDash val="solid"/>
-                      <a:round/>
-                      <a:headEnd type="none" w="med" len="med"/>
-                      <a:tailEnd type="none" w="med" len="med"/>
-                    </a:lnL>
-                    <a:lnR w="12700" cap="flat" cmpd="sng" algn="ctr">
-                      <a:solidFill>
-                        <a:schemeClr val="tx1"/>
-                      </a:solidFill>
-                      <a:prstDash val="solid"/>
-                      <a:round/>
-                      <a:headEnd type="none" w="med" len="med"/>
-                      <a:tailEnd type="none" w="med" len="med"/>
-                    </a:lnR>
-                    <a:lnT w="12700" cap="flat" cmpd="sng" algn="ctr">
-                      <a:solidFill>
-                        <a:schemeClr val="tx1"/>
-                      </a:solidFill>
-                      <a:prstDash val="solid"/>
-                      <a:round/>
-                      <a:headEnd type="none" w="med" len="med"/>
-                      <a:tailEnd type="none" w="med" len="med"/>
-                    </a:lnT>
-                    <a:lnB w="12700" cap="flat" cmpd="sng" algn="ctr">
-                      <a:solidFill>
-                        <a:schemeClr val="tx1"/>
-                      </a:solidFill>
-                      <a:prstDash val="solid"/>
-                      <a:round/>
-                      <a:headEnd type="none" w="med" len="med"/>
-                      <a:tailEnd type="none" w="med" len="med"/>
-                    </a:lnB>
-                    <a:lnTlToBr w="12700" cmpd="sng">
-                      <a:noFill/>
-                      <a:prstDash val="solid"/>
-                    </a:lnTlToBr>
-                    <a:lnBlToTr w="12700" cmpd="sng">
-                      <a:noFill/>
-                      <a:prstDash val="solid"/>
-                    </a:lnBlToTr>
-                    <a:solidFill>
-                      <a:schemeClr val="bg1"/>
-                    </a:solidFill>
-                  </a:tcPr>
-                </a:tc>
-                <a:extLst>
-                  <a:ext uri="{0D108BD9-81ED-4DB2-BD59-A6C34878D82A}">
-                    <a16:rowId xmlns:a16="http://schemas.microsoft.com/office/drawing/2014/main" val="3646913160"/>
-                  </a:ext>
-                </a:extLst>
-              </a:tr>
-              <a:tr h="285699">
-                <a:tc>
-                  <a:txBody>
-                    <a:bodyPr/>
-                    <a:lstStyle/>
-                    <a:p>
-                      <a:pPr algn="ctr" fontAlgn="ctr"/>
-                      <a:r>
-                        <a:rPr lang="en-US" sz="1400" b="1" u="none" strike="noStrike" dirty="0" err="1">
-                          <a:effectLst/>
-                          <a:latin typeface="한컴 말랑말랑 Bold" panose="020F0803000000000000" pitchFamily="50" charset="-127"/>
-                          <a:ea typeface="한컴 말랑말랑 Bold" panose="020F0803000000000000" pitchFamily="50" charset="-127"/>
-                        </a:rPr>
-                        <a:t>date_joined</a:t>
-                      </a:r>
-                      <a:endParaRPr lang="en-US" sz="1400" b="1" i="0" u="none" strike="noStrike" dirty="0">
-                        <a:solidFill>
-                          <a:srgbClr val="000000"/>
-                        </a:solidFill>
-                        <a:effectLst/>
-                        <a:latin typeface="한컴 말랑말랑 Bold" panose="020F0803000000000000" pitchFamily="50" charset="-127"/>
-                        <a:ea typeface="한컴 말랑말랑 Bold" panose="020F0803000000000000" pitchFamily="50" charset="-127"/>
-                      </a:endParaRPr>
-                    </a:p>
-                  </a:txBody>
-                  <a:tcPr marL="9525" marR="9525" marT="9525" marB="0" anchor="ctr">
-                    <a:lnL w="12700" cap="flat" cmpd="sng" algn="ctr">
-                      <a:solidFill>
-                        <a:schemeClr val="tx1"/>
-                      </a:solidFill>
-                      <a:prstDash val="solid"/>
-                      <a:round/>
-                      <a:headEnd type="none" w="med" len="med"/>
-                      <a:tailEnd type="none" w="med" len="med"/>
-                    </a:lnL>
-                    <a:lnR w="12700" cap="flat" cmpd="sng" algn="ctr">
-                      <a:solidFill>
-                        <a:schemeClr val="tx1"/>
-                      </a:solidFill>
-                      <a:prstDash val="solid"/>
-                      <a:round/>
-                      <a:headEnd type="none" w="med" len="med"/>
-                      <a:tailEnd type="none" w="med" len="med"/>
-                    </a:lnR>
-                    <a:lnT w="12700" cap="flat" cmpd="sng" algn="ctr">
-                      <a:solidFill>
-                        <a:schemeClr val="tx1"/>
-                      </a:solidFill>
-                      <a:prstDash val="solid"/>
-                      <a:round/>
-                      <a:headEnd type="none" w="med" len="med"/>
-                      <a:tailEnd type="none" w="med" len="med"/>
-                    </a:lnT>
-                    <a:lnB w="12700" cap="flat" cmpd="sng" algn="ctr">
-                      <a:solidFill>
-                        <a:schemeClr val="tx1"/>
-                      </a:solidFill>
-                      <a:prstDash val="solid"/>
-                      <a:round/>
-                      <a:headEnd type="none" w="med" len="med"/>
-                      <a:tailEnd type="none" w="med" len="med"/>
-                    </a:lnB>
-                    <a:lnTlToBr w="12700" cmpd="sng">
-                      <a:noFill/>
-                      <a:prstDash val="solid"/>
-                    </a:lnTlToBr>
-                    <a:lnBlToTr w="12700" cmpd="sng">
-                      <a:noFill/>
-                      <a:prstDash val="solid"/>
-                    </a:lnBlToTr>
-                    <a:solidFill>
-                      <a:schemeClr val="accent6">
-                        <a:lumMod val="40000"/>
-                        <a:lumOff val="60000"/>
-                      </a:schemeClr>
-                    </a:solidFill>
-                  </a:tcPr>
-                </a:tc>
-                <a:tc>
-                  <a:txBody>
-                    <a:bodyPr/>
-                    <a:lstStyle/>
-                    <a:p>
-                      <a:pPr algn="ctr" fontAlgn="ctr"/>
-                      <a:r>
-                        <a:rPr lang="ko-KR" altLang="en-US" sz="1100" u="none" strike="noStrike">
-                          <a:effectLst/>
-                        </a:rPr>
-                        <a:t>설문 참여 일자</a:t>
-                      </a:r>
-                      <a:endParaRPr lang="ko-KR" altLang="en-US" sz="1100" b="0" i="0" u="none" strike="noStrike">
-                        <a:solidFill>
-                          <a:srgbClr val="000000"/>
-                        </a:solidFill>
-                        <a:effectLst/>
-                        <a:latin typeface="한컴 말랑말랑 Bold" panose="020F0803000000000000" pitchFamily="50" charset="-127"/>
-                        <a:ea typeface="한컴 말랑말랑 Bold" panose="020F0803000000000000" pitchFamily="50" charset="-127"/>
-                      </a:endParaRPr>
-                    </a:p>
-                  </a:txBody>
-                  <a:tcPr marL="9525" marR="9525" marT="9525" marB="0" anchor="ctr">
-                    <a:lnL w="12700" cap="flat" cmpd="sng" algn="ctr">
-                      <a:solidFill>
-                        <a:schemeClr val="tx1"/>
-                      </a:solidFill>
-                      <a:prstDash val="solid"/>
-                      <a:round/>
-                      <a:headEnd type="none" w="med" len="med"/>
-                      <a:tailEnd type="none" w="med" len="med"/>
-                    </a:lnL>
-                    <a:lnR w="12700" cap="flat" cmpd="sng" algn="ctr">
-                      <a:solidFill>
-                        <a:schemeClr val="tx1"/>
-                      </a:solidFill>
-                      <a:prstDash val="solid"/>
-                      <a:round/>
-                      <a:headEnd type="none" w="med" len="med"/>
-                      <a:tailEnd type="none" w="med" len="med"/>
-                    </a:lnR>
-                    <a:lnT w="12700" cap="flat" cmpd="sng" algn="ctr">
-                      <a:solidFill>
-                        <a:schemeClr val="tx1"/>
-                      </a:solidFill>
-                      <a:prstDash val="solid"/>
-                      <a:round/>
-                      <a:headEnd type="none" w="med" len="med"/>
-                      <a:tailEnd type="none" w="med" len="med"/>
-                    </a:lnT>
-                    <a:lnB w="12700" cap="flat" cmpd="sng" algn="ctr">
-                      <a:solidFill>
-                        <a:schemeClr val="tx1"/>
-                      </a:solidFill>
-                      <a:prstDash val="solid"/>
-                      <a:round/>
-                      <a:headEnd type="none" w="med" len="med"/>
-                      <a:tailEnd type="none" w="med" len="med"/>
-                    </a:lnB>
-                    <a:lnTlToBr w="12700" cmpd="sng">
-                      <a:noFill/>
-                      <a:prstDash val="solid"/>
-                    </a:lnTlToBr>
-                    <a:lnBlToTr w="12700" cmpd="sng">
-                      <a:noFill/>
-                      <a:prstDash val="solid"/>
-                    </a:lnBlToTr>
-                    <a:solidFill>
-                      <a:schemeClr val="bg1"/>
-                    </a:solidFill>
-                  </a:tcPr>
-                </a:tc>
-                <a:extLst>
-                  <a:ext uri="{0D108BD9-81ED-4DB2-BD59-A6C34878D82A}">
-                    <a16:rowId xmlns:a16="http://schemas.microsoft.com/office/drawing/2014/main" val="850051323"/>
-                  </a:ext>
-                </a:extLst>
-              </a:tr>
-              <a:tr h="285699">
-                <a:tc>
-                  <a:txBody>
-                    <a:bodyPr/>
-                    <a:lstStyle/>
-                    <a:p>
-                      <a:pPr algn="ctr" fontAlgn="ctr"/>
-                      <a:r>
-                        <a:rPr lang="en-US" sz="1400" b="1" u="none" strike="noStrike">
-                          <a:effectLst/>
-                          <a:latin typeface="한컴 말랑말랑 Bold" panose="020F0803000000000000" pitchFamily="50" charset="-127"/>
-                          <a:ea typeface="한컴 말랑말랑 Bold" panose="020F0803000000000000" pitchFamily="50" charset="-127"/>
-                        </a:rPr>
-                        <a:t>age</a:t>
-                      </a:r>
-                      <a:endParaRPr lang="en-US" sz="1400" b="1" i="0" u="none" strike="noStrike">
-                        <a:solidFill>
-                          <a:srgbClr val="000000"/>
-                        </a:solidFill>
-                        <a:effectLst/>
-                        <a:latin typeface="한컴 말랑말랑 Bold" panose="020F0803000000000000" pitchFamily="50" charset="-127"/>
-                        <a:ea typeface="한컴 말랑말랑 Bold" panose="020F0803000000000000" pitchFamily="50" charset="-127"/>
-                      </a:endParaRPr>
-                    </a:p>
-                  </a:txBody>
-                  <a:tcPr marL="9525" marR="9525" marT="9525" marB="0" anchor="ctr">
-                    <a:lnL w="12700" cap="flat" cmpd="sng" algn="ctr">
-                      <a:solidFill>
-                        <a:schemeClr val="tx1"/>
-                      </a:solidFill>
-                      <a:prstDash val="solid"/>
-                      <a:round/>
-                      <a:headEnd type="none" w="med" len="med"/>
-                      <a:tailEnd type="none" w="med" len="med"/>
-                    </a:lnL>
-                    <a:lnR w="12700" cap="flat" cmpd="sng" algn="ctr">
-                      <a:solidFill>
-                        <a:schemeClr val="tx1"/>
-                      </a:solidFill>
-                      <a:prstDash val="solid"/>
-                      <a:round/>
-                      <a:headEnd type="none" w="med" len="med"/>
-                      <a:tailEnd type="none" w="med" len="med"/>
-                    </a:lnR>
-                    <a:lnT w="12700" cap="flat" cmpd="sng" algn="ctr">
-                      <a:solidFill>
-                        <a:schemeClr val="tx1"/>
-                      </a:solidFill>
-                      <a:prstDash val="solid"/>
-                      <a:round/>
-                      <a:headEnd type="none" w="med" len="med"/>
-                      <a:tailEnd type="none" w="med" len="med"/>
-                    </a:lnT>
-                    <a:lnB w="12700" cap="flat" cmpd="sng" algn="ctr">
-                      <a:solidFill>
-                        <a:schemeClr val="tx1"/>
-                      </a:solidFill>
-                      <a:prstDash val="solid"/>
-                      <a:round/>
-                      <a:headEnd type="none" w="med" len="med"/>
-                      <a:tailEnd type="none" w="med" len="med"/>
-                    </a:lnB>
-                    <a:lnTlToBr w="12700" cmpd="sng">
-                      <a:noFill/>
-                      <a:prstDash val="solid"/>
-                    </a:lnTlToBr>
-                    <a:lnBlToTr w="12700" cmpd="sng">
-                      <a:noFill/>
-                      <a:prstDash val="solid"/>
-                    </a:lnBlToTr>
-                    <a:solidFill>
-                      <a:schemeClr val="accent6">
-                        <a:lumMod val="40000"/>
-                        <a:lumOff val="60000"/>
-                      </a:schemeClr>
-                    </a:solidFill>
-                  </a:tcPr>
-                </a:tc>
-                <a:tc>
-                  <a:txBody>
-                    <a:bodyPr/>
-                    <a:lstStyle/>
-                    <a:p>
-                      <a:pPr algn="ctr" fontAlgn="ctr"/>
-                      <a:r>
-                        <a:rPr lang="ko-KR" altLang="en-US" sz="1100" u="none" strike="noStrike" dirty="0">
-                          <a:effectLst/>
-                        </a:rPr>
-                        <a:t>나이</a:t>
-                      </a:r>
-                      <a:endParaRPr lang="ko-KR" altLang="en-US" sz="1100" b="0" i="0" u="none" strike="noStrike" dirty="0">
-                        <a:solidFill>
-                          <a:srgbClr val="000000"/>
-                        </a:solidFill>
-                        <a:effectLst/>
-                        <a:latin typeface="한컴 말랑말랑 Bold" panose="020F0803000000000000" pitchFamily="50" charset="-127"/>
-                        <a:ea typeface="한컴 말랑말랑 Bold" panose="020F0803000000000000" pitchFamily="50" charset="-127"/>
-                      </a:endParaRPr>
-                    </a:p>
-                  </a:txBody>
-                  <a:tcPr marL="9525" marR="9525" marT="9525" marB="0" anchor="ctr">
-                    <a:lnL w="12700" cap="flat" cmpd="sng" algn="ctr">
-                      <a:solidFill>
-                        <a:schemeClr val="tx1"/>
-                      </a:solidFill>
-                      <a:prstDash val="solid"/>
-                      <a:round/>
-                      <a:headEnd type="none" w="med" len="med"/>
-                      <a:tailEnd type="none" w="med" len="med"/>
-                    </a:lnL>
-                    <a:lnR w="12700" cap="flat" cmpd="sng" algn="ctr">
-                      <a:solidFill>
-                        <a:schemeClr val="tx1"/>
-                      </a:solidFill>
-                      <a:prstDash val="solid"/>
-                      <a:round/>
-                      <a:headEnd type="none" w="med" len="med"/>
-                      <a:tailEnd type="none" w="med" len="med"/>
-                    </a:lnR>
-                    <a:lnT w="12700" cap="flat" cmpd="sng" algn="ctr">
-                      <a:solidFill>
-                        <a:schemeClr val="tx1"/>
-                      </a:solidFill>
-                      <a:prstDash val="solid"/>
-                      <a:round/>
-                      <a:headEnd type="none" w="med" len="med"/>
-                      <a:tailEnd type="none" w="med" len="med"/>
-                    </a:lnT>
-                    <a:lnB w="12700" cap="flat" cmpd="sng" algn="ctr">
-                      <a:solidFill>
-                        <a:schemeClr val="tx1"/>
-                      </a:solidFill>
-                      <a:prstDash val="solid"/>
-                      <a:round/>
-                      <a:headEnd type="none" w="med" len="med"/>
-                      <a:tailEnd type="none" w="med" len="med"/>
-                    </a:lnB>
-                    <a:lnTlToBr w="12700" cmpd="sng">
-                      <a:noFill/>
-                      <a:prstDash val="solid"/>
-                    </a:lnTlToBr>
-                    <a:lnBlToTr w="12700" cmpd="sng">
-                      <a:noFill/>
-                      <a:prstDash val="solid"/>
-                    </a:lnBlToTr>
-                    <a:solidFill>
-                      <a:schemeClr val="bg1"/>
-                    </a:solidFill>
-                  </a:tcPr>
-                </a:tc>
-                <a:extLst>
-                  <a:ext uri="{0D108BD9-81ED-4DB2-BD59-A6C34878D82A}">
-                    <a16:rowId xmlns:a16="http://schemas.microsoft.com/office/drawing/2014/main" val="3089895708"/>
-                  </a:ext>
-                </a:extLst>
-              </a:tr>
-              <a:tr h="285699">
-                <a:tc>
-                  <a:txBody>
-                    <a:bodyPr/>
-                    <a:lstStyle/>
-                    <a:p>
-                      <a:pPr algn="ctr" fontAlgn="ctr"/>
-                      <a:r>
-                        <a:rPr lang="en-US" sz="1400" b="1" u="none" strike="noStrike" dirty="0">
-                          <a:effectLst/>
-                          <a:latin typeface="한컴 말랑말랑 Bold" panose="020F0803000000000000" pitchFamily="50" charset="-127"/>
-                          <a:ea typeface="한컴 말랑말랑 Bold" panose="020F0803000000000000" pitchFamily="50" charset="-127"/>
-                        </a:rPr>
-                        <a:t>sex</a:t>
-                      </a:r>
-                      <a:endParaRPr lang="en-US" sz="1400" b="1" i="0" u="none" strike="noStrike" dirty="0">
-                        <a:solidFill>
-                          <a:srgbClr val="000000"/>
-                        </a:solidFill>
-                        <a:effectLst/>
-                        <a:latin typeface="한컴 말랑말랑 Bold" panose="020F0803000000000000" pitchFamily="50" charset="-127"/>
-                        <a:ea typeface="한컴 말랑말랑 Bold" panose="020F0803000000000000" pitchFamily="50" charset="-127"/>
-                      </a:endParaRPr>
-                    </a:p>
-                  </a:txBody>
-                  <a:tcPr marL="9525" marR="9525" marT="9525" marB="0" anchor="ctr">
-                    <a:lnL w="12700" cap="flat" cmpd="sng" algn="ctr">
-                      <a:solidFill>
-                        <a:schemeClr val="tx1"/>
-                      </a:solidFill>
-                      <a:prstDash val="solid"/>
-                      <a:round/>
-                      <a:headEnd type="none" w="med" len="med"/>
-                      <a:tailEnd type="none" w="med" len="med"/>
-                    </a:lnL>
-                    <a:lnR w="12700" cap="flat" cmpd="sng" algn="ctr">
-                      <a:solidFill>
-                        <a:schemeClr val="tx1"/>
-                      </a:solidFill>
-                      <a:prstDash val="solid"/>
-                      <a:round/>
-                      <a:headEnd type="none" w="med" len="med"/>
-                      <a:tailEnd type="none" w="med" len="med"/>
-                    </a:lnR>
-                    <a:lnT w="12700" cap="flat" cmpd="sng" algn="ctr">
-                      <a:solidFill>
-                        <a:schemeClr val="tx1"/>
-                      </a:solidFill>
-                      <a:prstDash val="solid"/>
-                      <a:round/>
-                      <a:headEnd type="none" w="med" len="med"/>
-                      <a:tailEnd type="none" w="med" len="med"/>
-                    </a:lnT>
-                    <a:lnB w="12700" cap="flat" cmpd="sng" algn="ctr">
-                      <a:solidFill>
-                        <a:schemeClr val="tx1"/>
-                      </a:solidFill>
-                      <a:prstDash val="solid"/>
-                      <a:round/>
-                      <a:headEnd type="none" w="med" len="med"/>
-                      <a:tailEnd type="none" w="med" len="med"/>
-                    </a:lnB>
-                    <a:lnTlToBr w="12700" cmpd="sng">
-                      <a:noFill/>
-                      <a:prstDash val="solid"/>
-                    </a:lnTlToBr>
-                    <a:lnBlToTr w="12700" cmpd="sng">
-                      <a:noFill/>
-                      <a:prstDash val="solid"/>
-                    </a:lnBlToTr>
-                    <a:solidFill>
-                      <a:schemeClr val="accent6">
-                        <a:lumMod val="40000"/>
-                        <a:lumOff val="60000"/>
-                      </a:schemeClr>
-                    </a:solidFill>
-                  </a:tcPr>
-                </a:tc>
-                <a:tc>
-                  <a:txBody>
-                    <a:bodyPr/>
-                    <a:lstStyle/>
-                    <a:p>
-                      <a:pPr algn="ctr" fontAlgn="ctr"/>
-                      <a:r>
-                        <a:rPr lang="ko-KR" altLang="en-US" sz="1100" u="none" strike="noStrike" dirty="0">
-                          <a:effectLst/>
-                        </a:rPr>
-                        <a:t>성별</a:t>
-                      </a:r>
-                      <a:endParaRPr lang="ko-KR" altLang="en-US" sz="1100" b="0" i="0" u="none" strike="noStrike" dirty="0">
-                        <a:solidFill>
-                          <a:srgbClr val="000000"/>
-                        </a:solidFill>
-                        <a:effectLst/>
-                        <a:latin typeface="한컴 말랑말랑 Bold" panose="020F0803000000000000" pitchFamily="50" charset="-127"/>
-                        <a:ea typeface="한컴 말랑말랑 Bold" panose="020F0803000000000000" pitchFamily="50" charset="-127"/>
-                      </a:endParaRPr>
-                    </a:p>
-                  </a:txBody>
-                  <a:tcPr marL="9525" marR="9525" marT="9525" marB="0" anchor="ctr">
-                    <a:lnL w="12700" cap="flat" cmpd="sng" algn="ctr">
-                      <a:solidFill>
-                        <a:schemeClr val="tx1"/>
-                      </a:solidFill>
-                      <a:prstDash val="solid"/>
-                      <a:round/>
-                      <a:headEnd type="none" w="med" len="med"/>
-                      <a:tailEnd type="none" w="med" len="med"/>
-                    </a:lnL>
-                    <a:lnR w="12700" cap="flat" cmpd="sng" algn="ctr">
-                      <a:solidFill>
-                        <a:schemeClr val="tx1"/>
-                      </a:solidFill>
-                      <a:prstDash val="solid"/>
-                      <a:round/>
-                      <a:headEnd type="none" w="med" len="med"/>
-                      <a:tailEnd type="none" w="med" len="med"/>
-                    </a:lnR>
-                    <a:lnT w="12700" cap="flat" cmpd="sng" algn="ctr">
-                      <a:solidFill>
-                        <a:schemeClr val="tx1"/>
-                      </a:solidFill>
-                      <a:prstDash val="solid"/>
-                      <a:round/>
-                      <a:headEnd type="none" w="med" len="med"/>
-                      <a:tailEnd type="none" w="med" len="med"/>
-                    </a:lnT>
-                    <a:lnB w="12700" cap="flat" cmpd="sng" algn="ctr">
-                      <a:solidFill>
-                        <a:schemeClr val="tx1"/>
-                      </a:solidFill>
-                      <a:prstDash val="solid"/>
-                      <a:round/>
-                      <a:headEnd type="none" w="med" len="med"/>
-                      <a:tailEnd type="none" w="med" len="med"/>
-                    </a:lnB>
-                    <a:lnTlToBr w="12700" cmpd="sng">
-                      <a:noFill/>
-                      <a:prstDash val="solid"/>
-                    </a:lnTlToBr>
-                    <a:lnBlToTr w="12700" cmpd="sng">
-                      <a:noFill/>
-                      <a:prstDash val="solid"/>
-                    </a:lnBlToTr>
-                    <a:solidFill>
-                      <a:schemeClr val="bg1"/>
-                    </a:solidFill>
-                  </a:tcPr>
-                </a:tc>
-                <a:extLst>
-                  <a:ext uri="{0D108BD9-81ED-4DB2-BD59-A6C34878D82A}">
-                    <a16:rowId xmlns:a16="http://schemas.microsoft.com/office/drawing/2014/main" val="3492673734"/>
-                  </a:ext>
-                </a:extLst>
-              </a:tr>
-              <a:tr h="285699">
-                <a:tc>
-                  <a:txBody>
-                    <a:bodyPr/>
-                    <a:lstStyle/>
-                    <a:p>
-                      <a:pPr algn="ctr" fontAlgn="ctr"/>
-                      <a:r>
-                        <a:rPr lang="en-US" sz="1400" b="1" u="none" strike="noStrike">
-                          <a:effectLst/>
-                          <a:latin typeface="한컴 말랑말랑 Bold" panose="020F0803000000000000" pitchFamily="50" charset="-127"/>
-                          <a:ea typeface="한컴 말랑말랑 Bold" panose="020F0803000000000000" pitchFamily="50" charset="-127"/>
-                        </a:rPr>
-                        <a:t>alc_type</a:t>
-                      </a:r>
-                      <a:endParaRPr lang="en-US" sz="1400" b="1" i="0" u="none" strike="noStrike">
-                        <a:solidFill>
-                          <a:srgbClr val="000000"/>
-                        </a:solidFill>
-                        <a:effectLst/>
-                        <a:latin typeface="한컴 말랑말랑 Bold" panose="020F0803000000000000" pitchFamily="50" charset="-127"/>
-                        <a:ea typeface="한컴 말랑말랑 Bold" panose="020F0803000000000000" pitchFamily="50" charset="-127"/>
-                      </a:endParaRPr>
-                    </a:p>
-                  </a:txBody>
-                  <a:tcPr marL="9525" marR="9525" marT="9525" marB="0" anchor="ctr">
-                    <a:lnL w="12700" cap="flat" cmpd="sng" algn="ctr">
-                      <a:solidFill>
-                        <a:schemeClr val="tx1"/>
-                      </a:solidFill>
-                      <a:prstDash val="solid"/>
-                      <a:round/>
-                      <a:headEnd type="none" w="med" len="med"/>
-                      <a:tailEnd type="none" w="med" len="med"/>
-                    </a:lnL>
-                    <a:lnR w="12700" cap="flat" cmpd="sng" algn="ctr">
-                      <a:solidFill>
-                        <a:schemeClr val="tx1"/>
-                      </a:solidFill>
-                      <a:prstDash val="solid"/>
-                      <a:round/>
-                      <a:headEnd type="none" w="med" len="med"/>
-                      <a:tailEnd type="none" w="med" len="med"/>
-                    </a:lnR>
-                    <a:lnT w="12700" cap="flat" cmpd="sng" algn="ctr">
-                      <a:solidFill>
-                        <a:schemeClr val="tx1"/>
-                      </a:solidFill>
-                      <a:prstDash val="solid"/>
-                      <a:round/>
-                      <a:headEnd type="none" w="med" len="med"/>
-                      <a:tailEnd type="none" w="med" len="med"/>
-                    </a:lnT>
-                    <a:lnB w="12700" cap="flat" cmpd="sng" algn="ctr">
-                      <a:solidFill>
-                        <a:schemeClr val="tx1"/>
-                      </a:solidFill>
-                      <a:prstDash val="solid"/>
-                      <a:round/>
-                      <a:headEnd type="none" w="med" len="med"/>
-                      <a:tailEnd type="none" w="med" len="med"/>
-                    </a:lnB>
-                    <a:lnTlToBr w="12700" cmpd="sng">
-                      <a:noFill/>
-                      <a:prstDash val="solid"/>
-                    </a:lnTlToBr>
-                    <a:lnBlToTr w="12700" cmpd="sng">
-                      <a:noFill/>
-                      <a:prstDash val="solid"/>
-                    </a:lnBlToTr>
-                    <a:solidFill>
-                      <a:schemeClr val="accent6">
-                        <a:lumMod val="40000"/>
-                        <a:lumOff val="60000"/>
-                      </a:schemeClr>
-                    </a:solidFill>
-                  </a:tcPr>
-                </a:tc>
-                <a:tc>
-                  <a:txBody>
-                    <a:bodyPr/>
-                    <a:lstStyle/>
-                    <a:p>
-                      <a:pPr algn="ctr" fontAlgn="ctr"/>
-                      <a:r>
-                        <a:rPr lang="ko-KR" altLang="en-US" sz="1100" u="none" strike="noStrike" dirty="0">
-                          <a:effectLst/>
-                        </a:rPr>
-                        <a:t>선호하는 주종</a:t>
-                      </a:r>
-                      <a:endParaRPr lang="ko-KR" altLang="en-US" sz="1100" b="0" i="0" u="none" strike="noStrike" dirty="0">
-                        <a:solidFill>
-                          <a:srgbClr val="000000"/>
-                        </a:solidFill>
-                        <a:effectLst/>
-                        <a:latin typeface="한컴 말랑말랑 Bold" panose="020F0803000000000000" pitchFamily="50" charset="-127"/>
-                        <a:ea typeface="한컴 말랑말랑 Bold" panose="020F0803000000000000" pitchFamily="50" charset="-127"/>
-                      </a:endParaRPr>
-                    </a:p>
-                  </a:txBody>
-                  <a:tcPr marL="9525" marR="9525" marT="9525" marB="0" anchor="ctr">
-                    <a:lnL w="12700" cap="flat" cmpd="sng" algn="ctr">
-                      <a:solidFill>
-                        <a:schemeClr val="tx1"/>
-                      </a:solidFill>
-                      <a:prstDash val="solid"/>
-                      <a:round/>
-                      <a:headEnd type="none" w="med" len="med"/>
-                      <a:tailEnd type="none" w="med" len="med"/>
-                    </a:lnL>
-                    <a:lnR w="12700" cap="flat" cmpd="sng" algn="ctr">
-                      <a:solidFill>
-                        <a:schemeClr val="tx1"/>
-                      </a:solidFill>
-                      <a:prstDash val="solid"/>
-                      <a:round/>
-                      <a:headEnd type="none" w="med" len="med"/>
-                      <a:tailEnd type="none" w="med" len="med"/>
-                    </a:lnR>
-                    <a:lnT w="12700" cap="flat" cmpd="sng" algn="ctr">
-                      <a:solidFill>
-                        <a:schemeClr val="tx1"/>
-                      </a:solidFill>
-                      <a:prstDash val="solid"/>
-                      <a:round/>
-                      <a:headEnd type="none" w="med" len="med"/>
-                      <a:tailEnd type="none" w="med" len="med"/>
-                    </a:lnT>
-                    <a:lnB w="12700" cap="flat" cmpd="sng" algn="ctr">
-                      <a:solidFill>
-                        <a:schemeClr val="tx1"/>
-                      </a:solidFill>
-                      <a:prstDash val="solid"/>
-                      <a:round/>
-                      <a:headEnd type="none" w="med" len="med"/>
-                      <a:tailEnd type="none" w="med" len="med"/>
-                    </a:lnB>
-                    <a:lnTlToBr w="12700" cmpd="sng">
-                      <a:noFill/>
-                      <a:prstDash val="solid"/>
-                    </a:lnTlToBr>
-                    <a:lnBlToTr w="12700" cmpd="sng">
-                      <a:noFill/>
-                      <a:prstDash val="solid"/>
-                    </a:lnBlToTr>
-                    <a:solidFill>
-                      <a:schemeClr val="bg1"/>
-                    </a:solidFill>
-                  </a:tcPr>
-                </a:tc>
-                <a:extLst>
-                  <a:ext uri="{0D108BD9-81ED-4DB2-BD59-A6C34878D82A}">
-                    <a16:rowId xmlns:a16="http://schemas.microsoft.com/office/drawing/2014/main" val="3075601319"/>
-                  </a:ext>
-                </a:extLst>
-              </a:tr>
-              <a:tr h="285699">
-                <a:tc>
-                  <a:txBody>
-                    <a:bodyPr/>
-                    <a:lstStyle/>
-                    <a:p>
-                      <a:pPr algn="ctr" fontAlgn="ctr"/>
-                      <a:r>
-                        <a:rPr lang="en-US" sz="1400" b="1" u="none" strike="noStrike" dirty="0" err="1">
-                          <a:effectLst/>
-                          <a:latin typeface="한컴 말랑말랑 Bold" panose="020F0803000000000000" pitchFamily="50" charset="-127"/>
-                          <a:ea typeface="한컴 말랑말랑 Bold" panose="020F0803000000000000" pitchFamily="50" charset="-127"/>
-                        </a:rPr>
-                        <a:t>golm</a:t>
-                      </a:r>
-                      <a:endParaRPr lang="en-US" sz="1400" b="1" i="0" u="none" strike="noStrike" dirty="0">
-                        <a:solidFill>
-                          <a:srgbClr val="000000"/>
-                        </a:solidFill>
-                        <a:effectLst/>
-                        <a:latin typeface="한컴 말랑말랑 Bold" panose="020F0803000000000000" pitchFamily="50" charset="-127"/>
-                        <a:ea typeface="한컴 말랑말랑 Bold" panose="020F0803000000000000" pitchFamily="50" charset="-127"/>
-                      </a:endParaRPr>
-                    </a:p>
-                  </a:txBody>
-                  <a:tcPr marL="9525" marR="9525" marT="9525" marB="0" anchor="ctr">
-                    <a:lnL w="12700" cap="flat" cmpd="sng" algn="ctr">
-                      <a:solidFill>
-                        <a:schemeClr val="tx1"/>
-                      </a:solidFill>
-                      <a:prstDash val="solid"/>
-                      <a:round/>
-                      <a:headEnd type="none" w="med" len="med"/>
-                      <a:tailEnd type="none" w="med" len="med"/>
-                    </a:lnL>
-                    <a:lnR w="12700" cap="flat" cmpd="sng" algn="ctr">
-                      <a:solidFill>
-                        <a:schemeClr val="tx1"/>
-                      </a:solidFill>
-                      <a:prstDash val="solid"/>
-                      <a:round/>
-                      <a:headEnd type="none" w="med" len="med"/>
-                      <a:tailEnd type="none" w="med" len="med"/>
-                    </a:lnR>
-                    <a:lnT w="12700" cap="flat" cmpd="sng" algn="ctr">
-                      <a:solidFill>
-                        <a:schemeClr val="tx1"/>
-                      </a:solidFill>
-                      <a:prstDash val="solid"/>
-                      <a:round/>
-                      <a:headEnd type="none" w="med" len="med"/>
-                      <a:tailEnd type="none" w="med" len="med"/>
-                    </a:lnT>
-                    <a:lnB w="12700" cap="flat" cmpd="sng" algn="ctr">
-                      <a:solidFill>
-                        <a:schemeClr val="tx1"/>
-                      </a:solidFill>
-                      <a:prstDash val="solid"/>
-                      <a:round/>
-                      <a:headEnd type="none" w="med" len="med"/>
-                      <a:tailEnd type="none" w="med" len="med"/>
-                    </a:lnB>
-                    <a:lnTlToBr w="12700" cmpd="sng">
-                      <a:noFill/>
-                      <a:prstDash val="solid"/>
-                    </a:lnTlToBr>
-                    <a:lnBlToTr w="12700" cmpd="sng">
-                      <a:noFill/>
-                      <a:prstDash val="solid"/>
-                    </a:lnBlToTr>
-                    <a:solidFill>
-                      <a:schemeClr val="accent6">
-                        <a:lumMod val="40000"/>
-                        <a:lumOff val="60000"/>
-                      </a:schemeClr>
-                    </a:solidFill>
-                  </a:tcPr>
-                </a:tc>
-                <a:tc>
-                  <a:txBody>
-                    <a:bodyPr/>
-                    <a:lstStyle/>
-                    <a:p>
-                      <a:pPr algn="ctr" fontAlgn="ctr"/>
-                      <a:r>
-                        <a:rPr lang="ko-KR" altLang="en-US" sz="1100" u="none" strike="noStrike" dirty="0">
-                          <a:effectLst/>
-                        </a:rPr>
-                        <a:t>평소 즐겨 마시는 술</a:t>
-                      </a:r>
-                      <a:endParaRPr lang="ko-KR" altLang="en-US" sz="1100" b="0" i="0" u="none" strike="noStrike" dirty="0">
-                        <a:solidFill>
-                          <a:srgbClr val="000000"/>
-                        </a:solidFill>
-                        <a:effectLst/>
-                        <a:latin typeface="한컴 말랑말랑 Bold" panose="020F0803000000000000" pitchFamily="50" charset="-127"/>
-                        <a:ea typeface="한컴 말랑말랑 Bold" panose="020F0803000000000000" pitchFamily="50" charset="-127"/>
-                      </a:endParaRPr>
-                    </a:p>
-                  </a:txBody>
-                  <a:tcPr marL="9525" marR="9525" marT="9525" marB="0" anchor="ctr">
-                    <a:lnL w="12700" cap="flat" cmpd="sng" algn="ctr">
-                      <a:solidFill>
-                        <a:schemeClr val="tx1"/>
-                      </a:solidFill>
-                      <a:prstDash val="solid"/>
-                      <a:round/>
-                      <a:headEnd type="none" w="med" len="med"/>
-                      <a:tailEnd type="none" w="med" len="med"/>
-                    </a:lnL>
-                    <a:lnR w="12700" cap="flat" cmpd="sng" algn="ctr">
-                      <a:solidFill>
-                        <a:schemeClr val="tx1"/>
-                      </a:solidFill>
-                      <a:prstDash val="solid"/>
-                      <a:round/>
-                      <a:headEnd type="none" w="med" len="med"/>
-                      <a:tailEnd type="none" w="med" len="med"/>
-                    </a:lnR>
-                    <a:lnT w="12700" cap="flat" cmpd="sng" algn="ctr">
-                      <a:solidFill>
-                        <a:schemeClr val="tx1"/>
-                      </a:solidFill>
-                      <a:prstDash val="solid"/>
-                      <a:round/>
-                      <a:headEnd type="none" w="med" len="med"/>
-                      <a:tailEnd type="none" w="med" len="med"/>
-                    </a:lnT>
-                    <a:lnB w="12700" cap="flat" cmpd="sng" algn="ctr">
-                      <a:solidFill>
-                        <a:schemeClr val="tx1"/>
-                      </a:solidFill>
-                      <a:prstDash val="solid"/>
-                      <a:round/>
-                      <a:headEnd type="none" w="med" len="med"/>
-                      <a:tailEnd type="none" w="med" len="med"/>
-                    </a:lnB>
-                    <a:lnTlToBr w="12700" cmpd="sng">
-                      <a:noFill/>
-                      <a:prstDash val="solid"/>
-                    </a:lnTlToBr>
-                    <a:lnBlToTr w="12700" cmpd="sng">
-                      <a:noFill/>
-                      <a:prstDash val="solid"/>
-                    </a:lnBlToTr>
-                    <a:solidFill>
-                      <a:schemeClr val="bg1"/>
-                    </a:solidFill>
-                  </a:tcPr>
-                </a:tc>
-                <a:extLst>
-                  <a:ext uri="{0D108BD9-81ED-4DB2-BD59-A6C34878D82A}">
-                    <a16:rowId xmlns:a16="http://schemas.microsoft.com/office/drawing/2014/main" val="2248384967"/>
-                  </a:ext>
-                </a:extLst>
-              </a:tr>
-              <a:tr h="285699">
-                <a:tc>
-                  <a:txBody>
-                    <a:bodyPr/>
-                    <a:lstStyle/>
-                    <a:p>
-                      <a:pPr algn="ctr" fontAlgn="ctr"/>
-                      <a:r>
-                        <a:rPr lang="en-US" sz="1400" b="1" u="none" strike="noStrike" dirty="0">
-                          <a:effectLst/>
-                          <a:latin typeface="한컴 말랑말랑 Bold" panose="020F0803000000000000" pitchFamily="50" charset="-127"/>
-                          <a:ea typeface="한컴 말랑말랑 Bold" panose="020F0803000000000000" pitchFamily="50" charset="-127"/>
-                        </a:rPr>
-                        <a:t>factor</a:t>
-                      </a:r>
-                      <a:endParaRPr lang="en-US" sz="1400" b="1" i="0" u="none" strike="noStrike" dirty="0">
-                        <a:solidFill>
-                          <a:srgbClr val="000000"/>
-                        </a:solidFill>
-                        <a:effectLst/>
-                        <a:latin typeface="한컴 말랑말랑 Bold" panose="020F0803000000000000" pitchFamily="50" charset="-127"/>
-                        <a:ea typeface="한컴 말랑말랑 Bold" panose="020F0803000000000000" pitchFamily="50" charset="-127"/>
-                      </a:endParaRPr>
-                    </a:p>
-                  </a:txBody>
-                  <a:tcPr marL="9525" marR="9525" marT="9525" marB="0" anchor="ctr">
-                    <a:lnL w="12700" cap="flat" cmpd="sng" algn="ctr">
-                      <a:solidFill>
-                        <a:schemeClr val="tx1"/>
-                      </a:solidFill>
-                      <a:prstDash val="solid"/>
-                      <a:round/>
-                      <a:headEnd type="none" w="med" len="med"/>
-                      <a:tailEnd type="none" w="med" len="med"/>
-                    </a:lnL>
-                    <a:lnR w="12700" cap="flat" cmpd="sng" algn="ctr">
-                      <a:solidFill>
-                        <a:schemeClr val="tx1"/>
-                      </a:solidFill>
-                      <a:prstDash val="solid"/>
-                      <a:round/>
-                      <a:headEnd type="none" w="med" len="med"/>
-                      <a:tailEnd type="none" w="med" len="med"/>
-                    </a:lnR>
-                    <a:lnT w="12700" cap="flat" cmpd="sng" algn="ctr">
-                      <a:solidFill>
-                        <a:schemeClr val="tx1"/>
-                      </a:solidFill>
-                      <a:prstDash val="solid"/>
-                      <a:round/>
-                      <a:headEnd type="none" w="med" len="med"/>
-                      <a:tailEnd type="none" w="med" len="med"/>
-                    </a:lnT>
-                    <a:lnB w="12700" cap="flat" cmpd="sng" algn="ctr">
-                      <a:solidFill>
-                        <a:schemeClr val="tx1"/>
-                      </a:solidFill>
-                      <a:prstDash val="solid"/>
-                      <a:round/>
-                      <a:headEnd type="none" w="med" len="med"/>
-                      <a:tailEnd type="none" w="med" len="med"/>
-                    </a:lnB>
-                    <a:lnTlToBr w="12700" cmpd="sng">
-                      <a:noFill/>
-                      <a:prstDash val="solid"/>
-                    </a:lnTlToBr>
-                    <a:lnBlToTr w="12700" cmpd="sng">
-                      <a:noFill/>
-                      <a:prstDash val="solid"/>
-                    </a:lnBlToTr>
-                    <a:solidFill>
-                      <a:schemeClr val="accent6">
-                        <a:lumMod val="40000"/>
-                        <a:lumOff val="60000"/>
-                      </a:schemeClr>
-                    </a:solidFill>
-                  </a:tcPr>
-                </a:tc>
-                <a:tc>
-                  <a:txBody>
-                    <a:bodyPr/>
-                    <a:lstStyle/>
-                    <a:p>
-                      <a:pPr algn="ctr" fontAlgn="ctr"/>
-                      <a:r>
-                        <a:rPr lang="ko-KR" altLang="en-US" sz="1100" u="none" strike="noStrike" dirty="0">
-                          <a:effectLst/>
-                        </a:rPr>
-                        <a:t>술에 있어서 선호하는 요소</a:t>
-                      </a:r>
-                      <a:endParaRPr lang="ko-KR" altLang="en-US" sz="1100" b="0" i="0" u="none" strike="noStrike" dirty="0">
-                        <a:solidFill>
-                          <a:srgbClr val="000000"/>
-                        </a:solidFill>
-                        <a:effectLst/>
-                        <a:latin typeface="한컴 말랑말랑 Bold" panose="020F0803000000000000" pitchFamily="50" charset="-127"/>
-                        <a:ea typeface="한컴 말랑말랑 Bold" panose="020F0803000000000000" pitchFamily="50" charset="-127"/>
-                      </a:endParaRPr>
-                    </a:p>
-                  </a:txBody>
-                  <a:tcPr marL="9525" marR="9525" marT="9525" marB="0" anchor="ctr">
-                    <a:lnL w="12700" cap="flat" cmpd="sng" algn="ctr">
-                      <a:solidFill>
-                        <a:schemeClr val="tx1"/>
-                      </a:solidFill>
-                      <a:prstDash val="solid"/>
-                      <a:round/>
-                      <a:headEnd type="none" w="med" len="med"/>
-                      <a:tailEnd type="none" w="med" len="med"/>
-                    </a:lnL>
-                    <a:lnR w="12700" cap="flat" cmpd="sng" algn="ctr">
-                      <a:solidFill>
-                        <a:schemeClr val="tx1"/>
-                      </a:solidFill>
-                      <a:prstDash val="solid"/>
-                      <a:round/>
-                      <a:headEnd type="none" w="med" len="med"/>
-                      <a:tailEnd type="none" w="med" len="med"/>
-                    </a:lnR>
-                    <a:lnT w="12700" cap="flat" cmpd="sng" algn="ctr">
-                      <a:solidFill>
-                        <a:schemeClr val="tx1"/>
-                      </a:solidFill>
-                      <a:prstDash val="solid"/>
-                      <a:round/>
-                      <a:headEnd type="none" w="med" len="med"/>
-                      <a:tailEnd type="none" w="med" len="med"/>
-                    </a:lnT>
-                    <a:lnB w="12700" cap="flat" cmpd="sng" algn="ctr">
-                      <a:solidFill>
-                        <a:schemeClr val="tx1"/>
-                      </a:solidFill>
-                      <a:prstDash val="solid"/>
-                      <a:round/>
-                      <a:headEnd type="none" w="med" len="med"/>
-                      <a:tailEnd type="none" w="med" len="med"/>
-                    </a:lnB>
-                    <a:lnTlToBr w="12700" cmpd="sng">
-                      <a:noFill/>
-                      <a:prstDash val="solid"/>
-                    </a:lnTlToBr>
-                    <a:lnBlToTr w="12700" cmpd="sng">
-                      <a:noFill/>
-                      <a:prstDash val="solid"/>
-                    </a:lnBlToTr>
-                    <a:solidFill>
-                      <a:schemeClr val="bg1"/>
-                    </a:solidFill>
-                  </a:tcPr>
-                </a:tc>
-                <a:extLst>
-                  <a:ext uri="{0D108BD9-81ED-4DB2-BD59-A6C34878D82A}">
-                    <a16:rowId xmlns:a16="http://schemas.microsoft.com/office/drawing/2014/main" val="2547427807"/>
-                  </a:ext>
-                </a:extLst>
-              </a:tr>
-              <a:tr h="285699">
-                <a:tc>
-                  <a:txBody>
-                    <a:bodyPr/>
-                    <a:lstStyle/>
-                    <a:p>
-                      <a:pPr algn="ctr" fontAlgn="ctr"/>
-                      <a:r>
-                        <a:rPr lang="en-US" sz="1400" b="1" u="none" strike="noStrike" dirty="0">
-                          <a:effectLst/>
-                          <a:latin typeface="한컴 말랑말랑 Bold" panose="020F0803000000000000" pitchFamily="50" charset="-127"/>
-                          <a:ea typeface="한컴 말랑말랑 Bold" panose="020F0803000000000000" pitchFamily="50" charset="-127"/>
-                        </a:rPr>
-                        <a:t>scent</a:t>
-                      </a:r>
-                      <a:endParaRPr lang="en-US" sz="1400" b="1" i="0" u="none" strike="noStrike" dirty="0">
-                        <a:solidFill>
-                          <a:srgbClr val="000000"/>
-                        </a:solidFill>
-                        <a:effectLst/>
-                        <a:latin typeface="한컴 말랑말랑 Bold" panose="020F0803000000000000" pitchFamily="50" charset="-127"/>
-                        <a:ea typeface="한컴 말랑말랑 Bold" panose="020F0803000000000000" pitchFamily="50" charset="-127"/>
-                      </a:endParaRPr>
-                    </a:p>
-                  </a:txBody>
-                  <a:tcPr marL="9525" marR="9525" marT="9525" marB="0" anchor="ctr">
-                    <a:lnL w="12700" cap="flat" cmpd="sng" algn="ctr">
-                      <a:solidFill>
-                        <a:schemeClr val="tx1"/>
-                      </a:solidFill>
-                      <a:prstDash val="solid"/>
-                      <a:round/>
-                      <a:headEnd type="none" w="med" len="med"/>
-                      <a:tailEnd type="none" w="med" len="med"/>
-                    </a:lnL>
-                    <a:lnR w="12700" cap="flat" cmpd="sng" algn="ctr">
-                      <a:solidFill>
-                        <a:schemeClr val="tx1"/>
-                      </a:solidFill>
-                      <a:prstDash val="solid"/>
-                      <a:round/>
-                      <a:headEnd type="none" w="med" len="med"/>
-                      <a:tailEnd type="none" w="med" len="med"/>
-                    </a:lnR>
-                    <a:lnT w="12700" cap="flat" cmpd="sng" algn="ctr">
-                      <a:solidFill>
-                        <a:schemeClr val="tx1"/>
-                      </a:solidFill>
-                      <a:prstDash val="solid"/>
-                      <a:round/>
-                      <a:headEnd type="none" w="med" len="med"/>
-                      <a:tailEnd type="none" w="med" len="med"/>
-                    </a:lnT>
-                    <a:lnB w="12700" cap="flat" cmpd="sng" algn="ctr">
-                      <a:solidFill>
-                        <a:schemeClr val="tx1"/>
-                      </a:solidFill>
-                      <a:prstDash val="solid"/>
-                      <a:round/>
-                      <a:headEnd type="none" w="med" len="med"/>
-                      <a:tailEnd type="none" w="med" len="med"/>
-                    </a:lnB>
-                    <a:lnTlToBr w="12700" cmpd="sng">
-                      <a:noFill/>
-                      <a:prstDash val="solid"/>
-                    </a:lnTlToBr>
-                    <a:lnBlToTr w="12700" cmpd="sng">
-                      <a:noFill/>
-                      <a:prstDash val="solid"/>
-                    </a:lnBlToTr>
-                    <a:solidFill>
-                      <a:schemeClr val="accent6">
-                        <a:lumMod val="40000"/>
-                        <a:lumOff val="60000"/>
-                      </a:schemeClr>
-                    </a:solidFill>
-                  </a:tcPr>
-                </a:tc>
-                <a:tc>
-                  <a:txBody>
-                    <a:bodyPr/>
-                    <a:lstStyle/>
-                    <a:p>
-                      <a:pPr algn="ctr" fontAlgn="ctr"/>
-                      <a:r>
-                        <a:rPr lang="ko-KR" altLang="en-US" sz="1100" u="none" strike="noStrike" dirty="0">
-                          <a:effectLst/>
-                        </a:rPr>
-                        <a:t>선호하는 향</a:t>
-                      </a:r>
-                      <a:endParaRPr lang="ko-KR" altLang="en-US" sz="1100" b="0" i="0" u="none" strike="noStrike" dirty="0">
-                        <a:solidFill>
-                          <a:srgbClr val="000000"/>
-                        </a:solidFill>
-                        <a:effectLst/>
-                        <a:latin typeface="한컴 말랑말랑 Bold" panose="020F0803000000000000" pitchFamily="50" charset="-127"/>
-                        <a:ea typeface="한컴 말랑말랑 Bold" panose="020F0803000000000000" pitchFamily="50" charset="-127"/>
-                      </a:endParaRPr>
-                    </a:p>
-                  </a:txBody>
-                  <a:tcPr marL="9525" marR="9525" marT="9525" marB="0" anchor="ctr">
-                    <a:lnL w="12700" cap="flat" cmpd="sng" algn="ctr">
-                      <a:solidFill>
-                        <a:schemeClr val="tx1"/>
-                      </a:solidFill>
-                      <a:prstDash val="solid"/>
-                      <a:round/>
-                      <a:headEnd type="none" w="med" len="med"/>
-                      <a:tailEnd type="none" w="med" len="med"/>
-                    </a:lnL>
-                    <a:lnR w="12700" cap="flat" cmpd="sng" algn="ctr">
-                      <a:solidFill>
-                        <a:schemeClr val="tx1"/>
-                      </a:solidFill>
-                      <a:prstDash val="solid"/>
-                      <a:round/>
-                      <a:headEnd type="none" w="med" len="med"/>
-                      <a:tailEnd type="none" w="med" len="med"/>
-                    </a:lnR>
-                    <a:lnT w="12700" cap="flat" cmpd="sng" algn="ctr">
-                      <a:solidFill>
-                        <a:schemeClr val="tx1"/>
-                      </a:solidFill>
-                      <a:prstDash val="solid"/>
-                      <a:round/>
-                      <a:headEnd type="none" w="med" len="med"/>
-                      <a:tailEnd type="none" w="med" len="med"/>
-                    </a:lnT>
-                    <a:lnB w="12700" cap="flat" cmpd="sng" algn="ctr">
-                      <a:solidFill>
-                        <a:schemeClr val="tx1"/>
-                      </a:solidFill>
-                      <a:prstDash val="solid"/>
-                      <a:round/>
-                      <a:headEnd type="none" w="med" len="med"/>
-                      <a:tailEnd type="none" w="med" len="med"/>
-                    </a:lnB>
-                    <a:lnTlToBr w="12700" cmpd="sng">
-                      <a:noFill/>
-                      <a:prstDash val="solid"/>
-                    </a:lnTlToBr>
-                    <a:lnBlToTr w="12700" cmpd="sng">
-                      <a:noFill/>
-                      <a:prstDash val="solid"/>
-                    </a:lnBlToTr>
-                    <a:solidFill>
-                      <a:schemeClr val="bg1"/>
-                    </a:solidFill>
-                  </a:tcPr>
-                </a:tc>
-                <a:extLst>
-                  <a:ext uri="{0D108BD9-81ED-4DB2-BD59-A6C34878D82A}">
-                    <a16:rowId xmlns:a16="http://schemas.microsoft.com/office/drawing/2014/main" val="2215717187"/>
-                  </a:ext>
-                </a:extLst>
-              </a:tr>
-              <a:tr h="285699">
-                <a:tc>
-                  <a:txBody>
-                    <a:bodyPr/>
-                    <a:lstStyle/>
-                    <a:p>
-                      <a:pPr algn="ctr" fontAlgn="ctr"/>
-                      <a:r>
-                        <a:rPr lang="en-US" sz="1400" b="1" u="none" strike="noStrike" dirty="0" err="1">
-                          <a:effectLst/>
-                          <a:latin typeface="한컴 말랑말랑 Bold" panose="020F0803000000000000" pitchFamily="50" charset="-127"/>
-                          <a:ea typeface="한컴 말랑말랑 Bold" panose="020F0803000000000000" pitchFamily="50" charset="-127"/>
-                        </a:rPr>
-                        <a:t>alc_range_bool</a:t>
-                      </a:r>
-                      <a:endParaRPr lang="en-US" sz="1400" b="1" i="0" u="none" strike="noStrike" dirty="0">
-                        <a:solidFill>
-                          <a:srgbClr val="000000"/>
-                        </a:solidFill>
-                        <a:effectLst/>
-                        <a:latin typeface="한컴 말랑말랑 Bold" panose="020F0803000000000000" pitchFamily="50" charset="-127"/>
-                        <a:ea typeface="한컴 말랑말랑 Bold" panose="020F0803000000000000" pitchFamily="50" charset="-127"/>
-                      </a:endParaRPr>
-                    </a:p>
-                  </a:txBody>
-                  <a:tcPr marL="9525" marR="9525" marT="9525" marB="0" anchor="ctr">
-                    <a:lnL w="12700" cap="flat" cmpd="sng" algn="ctr">
-                      <a:solidFill>
-                        <a:schemeClr val="tx1"/>
-                      </a:solidFill>
-                      <a:prstDash val="solid"/>
-                      <a:round/>
-                      <a:headEnd type="none" w="med" len="med"/>
-                      <a:tailEnd type="none" w="med" len="med"/>
-                    </a:lnL>
-                    <a:lnR w="12700" cap="flat" cmpd="sng" algn="ctr">
-                      <a:solidFill>
-                        <a:schemeClr val="tx1"/>
-                      </a:solidFill>
-                      <a:prstDash val="solid"/>
-                      <a:round/>
-                      <a:headEnd type="none" w="med" len="med"/>
-                      <a:tailEnd type="none" w="med" len="med"/>
-                    </a:lnR>
-                    <a:lnT w="12700" cap="flat" cmpd="sng" algn="ctr">
-                      <a:solidFill>
-                        <a:schemeClr val="tx1"/>
-                      </a:solidFill>
-                      <a:prstDash val="solid"/>
-                      <a:round/>
-                      <a:headEnd type="none" w="med" len="med"/>
-                      <a:tailEnd type="none" w="med" len="med"/>
-                    </a:lnT>
-                    <a:lnB w="12700" cap="flat" cmpd="sng" algn="ctr">
-                      <a:solidFill>
-                        <a:schemeClr val="tx1"/>
-                      </a:solidFill>
-                      <a:prstDash val="solid"/>
-                      <a:round/>
-                      <a:headEnd type="none" w="med" len="med"/>
-                      <a:tailEnd type="none" w="med" len="med"/>
-                    </a:lnB>
-                    <a:lnTlToBr w="12700" cmpd="sng">
-                      <a:noFill/>
-                      <a:prstDash val="solid"/>
-                    </a:lnTlToBr>
-                    <a:lnBlToTr w="12700" cmpd="sng">
-                      <a:noFill/>
-                      <a:prstDash val="solid"/>
-                    </a:lnBlToTr>
-                    <a:solidFill>
-                      <a:schemeClr val="accent6">
-                        <a:lumMod val="40000"/>
-                        <a:lumOff val="60000"/>
-                      </a:schemeClr>
-                    </a:solidFill>
-                  </a:tcPr>
-                </a:tc>
-                <a:tc>
-                  <a:txBody>
-                    <a:bodyPr/>
-                    <a:lstStyle/>
-                    <a:p>
-                      <a:pPr algn="ctr" fontAlgn="ctr"/>
-                      <a:r>
-                        <a:rPr lang="ko-KR" altLang="en-US" sz="1100" u="none" strike="noStrike" dirty="0">
-                          <a:effectLst/>
-                        </a:rPr>
-                        <a:t>선호하는 도수</a:t>
-                      </a:r>
-                      <a:endParaRPr lang="ko-KR" altLang="en-US" sz="1100" b="0" i="0" u="none" strike="noStrike" dirty="0">
-                        <a:solidFill>
-                          <a:srgbClr val="000000"/>
-                        </a:solidFill>
-                        <a:effectLst/>
-                        <a:latin typeface="한컴 말랑말랑 Bold" panose="020F0803000000000000" pitchFamily="50" charset="-127"/>
-                        <a:ea typeface="한컴 말랑말랑 Bold" panose="020F0803000000000000" pitchFamily="50" charset="-127"/>
-                      </a:endParaRPr>
-                    </a:p>
-                  </a:txBody>
-                  <a:tcPr marL="9525" marR="9525" marT="9525" marB="0" anchor="ctr">
-                    <a:lnL w="12700" cap="flat" cmpd="sng" algn="ctr">
-                      <a:solidFill>
-                        <a:schemeClr val="tx1"/>
-                      </a:solidFill>
-                      <a:prstDash val="solid"/>
-                      <a:round/>
-                      <a:headEnd type="none" w="med" len="med"/>
-                      <a:tailEnd type="none" w="med" len="med"/>
-                    </a:lnL>
-                    <a:lnR w="12700" cap="flat" cmpd="sng" algn="ctr">
-                      <a:solidFill>
-                        <a:schemeClr val="tx1"/>
-                      </a:solidFill>
-                      <a:prstDash val="solid"/>
-                      <a:round/>
-                      <a:headEnd type="none" w="med" len="med"/>
-                      <a:tailEnd type="none" w="med" len="med"/>
-                    </a:lnR>
-                    <a:lnT w="12700" cap="flat" cmpd="sng" algn="ctr">
-                      <a:solidFill>
-                        <a:schemeClr val="tx1"/>
-                      </a:solidFill>
-                      <a:prstDash val="solid"/>
-                      <a:round/>
-                      <a:headEnd type="none" w="med" len="med"/>
-                      <a:tailEnd type="none" w="med" len="med"/>
-                    </a:lnT>
-                    <a:lnB w="12700" cap="flat" cmpd="sng" algn="ctr">
-                      <a:solidFill>
-                        <a:schemeClr val="tx1"/>
-                      </a:solidFill>
-                      <a:prstDash val="solid"/>
-                      <a:round/>
-                      <a:headEnd type="none" w="med" len="med"/>
-                      <a:tailEnd type="none" w="med" len="med"/>
-                    </a:lnB>
-                    <a:lnTlToBr w="12700" cmpd="sng">
-                      <a:noFill/>
-                      <a:prstDash val="solid"/>
-                    </a:lnTlToBr>
-                    <a:lnBlToTr w="12700" cmpd="sng">
-                      <a:noFill/>
-                      <a:prstDash val="solid"/>
-                    </a:lnBlToTr>
-                    <a:solidFill>
-                      <a:schemeClr val="bg1"/>
-                    </a:solidFill>
-                  </a:tcPr>
-                </a:tc>
-                <a:extLst>
-                  <a:ext uri="{0D108BD9-81ED-4DB2-BD59-A6C34878D82A}">
-                    <a16:rowId xmlns:a16="http://schemas.microsoft.com/office/drawing/2014/main" val="3704951864"/>
-                  </a:ext>
-                </a:extLst>
-              </a:tr>
-              <a:tr h="285699">
-                <a:tc>
-                  <a:txBody>
-                    <a:bodyPr/>
-                    <a:lstStyle/>
-                    <a:p>
-                      <a:pPr algn="ctr" fontAlgn="ctr"/>
-                      <a:r>
-                        <a:rPr lang="en-US" sz="1400" b="1" u="none" strike="noStrike" dirty="0" err="1">
-                          <a:effectLst/>
-                          <a:latin typeface="한컴 말랑말랑 Bold" panose="020F0803000000000000" pitchFamily="50" charset="-127"/>
-                          <a:ea typeface="한컴 말랑말랑 Bold" panose="020F0803000000000000" pitchFamily="50" charset="-127"/>
-                        </a:rPr>
-                        <a:t>CE_good_bool</a:t>
-                      </a:r>
-                      <a:endParaRPr lang="en-US" sz="1400" b="1" i="0" u="none" strike="noStrike" dirty="0">
-                        <a:solidFill>
-                          <a:srgbClr val="000000"/>
-                        </a:solidFill>
-                        <a:effectLst/>
-                        <a:latin typeface="한컴 말랑말랑 Bold" panose="020F0803000000000000" pitchFamily="50" charset="-127"/>
-                        <a:ea typeface="한컴 말랑말랑 Bold" panose="020F0803000000000000" pitchFamily="50" charset="-127"/>
-                      </a:endParaRPr>
-                    </a:p>
-                  </a:txBody>
-                  <a:tcPr marL="9525" marR="9525" marT="9525" marB="0" anchor="ctr">
-                    <a:lnL w="12700" cap="flat" cmpd="sng" algn="ctr">
-                      <a:solidFill>
-                        <a:schemeClr val="tx1"/>
-                      </a:solidFill>
-                      <a:prstDash val="solid"/>
-                      <a:round/>
-                      <a:headEnd type="none" w="med" len="med"/>
-                      <a:tailEnd type="none" w="med" len="med"/>
-                    </a:lnL>
-                    <a:lnR w="12700" cap="flat" cmpd="sng" algn="ctr">
-                      <a:solidFill>
-                        <a:schemeClr val="tx1"/>
-                      </a:solidFill>
-                      <a:prstDash val="solid"/>
-                      <a:round/>
-                      <a:headEnd type="none" w="med" len="med"/>
-                      <a:tailEnd type="none" w="med" len="med"/>
-                    </a:lnR>
-                    <a:lnT w="12700" cap="flat" cmpd="sng" algn="ctr">
-                      <a:solidFill>
-                        <a:schemeClr val="tx1"/>
-                      </a:solidFill>
-                      <a:prstDash val="solid"/>
-                      <a:round/>
-                      <a:headEnd type="none" w="med" len="med"/>
-                      <a:tailEnd type="none" w="med" len="med"/>
-                    </a:lnT>
-                    <a:lnB w="12700" cap="flat" cmpd="sng" algn="ctr">
-                      <a:solidFill>
-                        <a:schemeClr val="tx1"/>
-                      </a:solidFill>
-                      <a:prstDash val="solid"/>
-                      <a:round/>
-                      <a:headEnd type="none" w="med" len="med"/>
-                      <a:tailEnd type="none" w="med" len="med"/>
-                    </a:lnB>
-                    <a:lnTlToBr w="12700" cmpd="sng">
-                      <a:noFill/>
-                      <a:prstDash val="solid"/>
-                    </a:lnTlToBr>
-                    <a:lnBlToTr w="12700" cmpd="sng">
-                      <a:noFill/>
-                      <a:prstDash val="solid"/>
-                    </a:lnBlToTr>
-                    <a:solidFill>
-                      <a:schemeClr val="accent6">
-                        <a:lumMod val="40000"/>
-                        <a:lumOff val="60000"/>
-                      </a:schemeClr>
-                    </a:solidFill>
-                  </a:tcPr>
-                </a:tc>
-                <a:tc>
-                  <a:txBody>
-                    <a:bodyPr/>
-                    <a:lstStyle/>
-                    <a:p>
-                      <a:pPr algn="ctr" fontAlgn="ctr"/>
-                      <a:r>
-                        <a:rPr lang="ko-KR" altLang="en-US" sz="1100" u="none" strike="noStrike" dirty="0">
-                          <a:effectLst/>
-                        </a:rPr>
-                        <a:t>선호하는 가성비 </a:t>
-                      </a:r>
-                      <a:r>
-                        <a:rPr lang="en-US" altLang="ko-KR" sz="1100" u="none" strike="noStrike" dirty="0">
-                          <a:effectLst/>
-                        </a:rPr>
-                        <a:t>(</a:t>
-                      </a:r>
-                      <a:r>
-                        <a:rPr lang="ko-KR" altLang="en-US" sz="1100" u="none" strike="noStrike" dirty="0">
-                          <a:effectLst/>
-                        </a:rPr>
-                        <a:t>맥주 기준</a:t>
-                      </a:r>
-                      <a:r>
-                        <a:rPr lang="en-US" altLang="ko-KR" sz="1100" u="none" strike="noStrike" dirty="0">
-                          <a:effectLst/>
-                        </a:rPr>
-                        <a:t>)</a:t>
-                      </a:r>
-                      <a:endParaRPr lang="en-US" altLang="ko-KR" sz="1100" b="0" i="0" u="none" strike="noStrike" dirty="0">
-                        <a:solidFill>
-                          <a:srgbClr val="000000"/>
-                        </a:solidFill>
-                        <a:effectLst/>
-                        <a:latin typeface="한컴 말랑말랑 Bold" panose="020F0803000000000000" pitchFamily="50" charset="-127"/>
-                        <a:ea typeface="한컴 말랑말랑 Bold" panose="020F0803000000000000" pitchFamily="50" charset="-127"/>
-                      </a:endParaRPr>
-                    </a:p>
-                  </a:txBody>
-                  <a:tcPr marL="9525" marR="9525" marT="9525" marB="0" anchor="ctr">
-                    <a:lnL w="12700" cap="flat" cmpd="sng" algn="ctr">
-                      <a:solidFill>
-                        <a:schemeClr val="tx1"/>
-                      </a:solidFill>
-                      <a:prstDash val="solid"/>
-                      <a:round/>
-                      <a:headEnd type="none" w="med" len="med"/>
-                      <a:tailEnd type="none" w="med" len="med"/>
-                    </a:lnL>
-                    <a:lnR w="12700" cap="flat" cmpd="sng" algn="ctr">
-                      <a:solidFill>
-                        <a:schemeClr val="tx1"/>
-                      </a:solidFill>
-                      <a:prstDash val="solid"/>
-                      <a:round/>
-                      <a:headEnd type="none" w="med" len="med"/>
-                      <a:tailEnd type="none" w="med" len="med"/>
-                    </a:lnR>
-                    <a:lnT w="12700" cap="flat" cmpd="sng" algn="ctr">
-                      <a:solidFill>
-                        <a:schemeClr val="tx1"/>
-                      </a:solidFill>
-                      <a:prstDash val="solid"/>
-                      <a:round/>
-                      <a:headEnd type="none" w="med" len="med"/>
-                      <a:tailEnd type="none" w="med" len="med"/>
-                    </a:lnT>
-                    <a:lnB w="12700" cap="flat" cmpd="sng" algn="ctr">
-                      <a:solidFill>
-                        <a:schemeClr val="tx1"/>
-                      </a:solidFill>
-                      <a:prstDash val="solid"/>
-                      <a:round/>
-                      <a:headEnd type="none" w="med" len="med"/>
-                      <a:tailEnd type="none" w="med" len="med"/>
-                    </a:lnB>
-                    <a:lnTlToBr w="12700" cmpd="sng">
-                      <a:noFill/>
-                      <a:prstDash val="solid"/>
-                    </a:lnTlToBr>
-                    <a:lnBlToTr w="12700" cmpd="sng">
-                      <a:noFill/>
-                      <a:prstDash val="solid"/>
-                    </a:lnBlToTr>
-                    <a:solidFill>
-                      <a:schemeClr val="bg1"/>
-                    </a:solidFill>
-                  </a:tcPr>
-                </a:tc>
-                <a:extLst>
-                  <a:ext uri="{0D108BD9-81ED-4DB2-BD59-A6C34878D82A}">
-                    <a16:rowId xmlns:a16="http://schemas.microsoft.com/office/drawing/2014/main" val="3647763849"/>
-                  </a:ext>
-                </a:extLst>
-              </a:tr>
-              <a:tr h="285699">
-                <a:tc>
-                  <a:txBody>
-                    <a:bodyPr/>
-                    <a:lstStyle/>
-                    <a:p>
-                      <a:pPr algn="ctr" fontAlgn="ctr"/>
-                      <a:r>
-                        <a:rPr lang="en-US" sz="1400" b="1" u="none" strike="noStrike" dirty="0" err="1">
-                          <a:effectLst/>
-                          <a:latin typeface="한컴 말랑말랑 Bold" panose="020F0803000000000000" pitchFamily="50" charset="-127"/>
-                          <a:ea typeface="한컴 말랑말랑 Bold" panose="020F0803000000000000" pitchFamily="50" charset="-127"/>
-                        </a:rPr>
-                        <a:t>golajum</a:t>
-                      </a:r>
-                      <a:endParaRPr lang="en-US" sz="1400" b="1" i="0" u="none" strike="noStrike" dirty="0">
-                        <a:solidFill>
-                          <a:srgbClr val="000000"/>
-                        </a:solidFill>
-                        <a:effectLst/>
-                        <a:latin typeface="한컴 말랑말랑 Bold" panose="020F0803000000000000" pitchFamily="50" charset="-127"/>
-                        <a:ea typeface="한컴 말랑말랑 Bold" panose="020F0803000000000000" pitchFamily="50" charset="-127"/>
-                      </a:endParaRPr>
-                    </a:p>
-                  </a:txBody>
-                  <a:tcPr marL="9525" marR="9525" marT="9525" marB="0" anchor="ctr">
-                    <a:lnL w="12700" cap="flat" cmpd="sng" algn="ctr">
-                      <a:solidFill>
-                        <a:schemeClr val="tx1"/>
-                      </a:solidFill>
-                      <a:prstDash val="solid"/>
-                      <a:round/>
-                      <a:headEnd type="none" w="med" len="med"/>
-                      <a:tailEnd type="none" w="med" len="med"/>
-                    </a:lnL>
-                    <a:lnR w="12700" cap="flat" cmpd="sng" algn="ctr">
-                      <a:solidFill>
-                        <a:schemeClr val="tx1"/>
-                      </a:solidFill>
-                      <a:prstDash val="solid"/>
-                      <a:round/>
-                      <a:headEnd type="none" w="med" len="med"/>
-                      <a:tailEnd type="none" w="med" len="med"/>
-                    </a:lnR>
-                    <a:lnT w="12700" cap="flat" cmpd="sng" algn="ctr">
-                      <a:solidFill>
-                        <a:schemeClr val="tx1"/>
-                      </a:solidFill>
-                      <a:prstDash val="solid"/>
-                      <a:round/>
-                      <a:headEnd type="none" w="med" len="med"/>
-                      <a:tailEnd type="none" w="med" len="med"/>
-                    </a:lnT>
-                    <a:lnB w="12700" cap="flat" cmpd="sng" algn="ctr">
-                      <a:solidFill>
-                        <a:schemeClr val="tx1"/>
-                      </a:solidFill>
-                      <a:prstDash val="solid"/>
-                      <a:round/>
-                      <a:headEnd type="none" w="med" len="med"/>
-                      <a:tailEnd type="none" w="med" len="med"/>
-                    </a:lnB>
-                    <a:lnTlToBr w="12700" cmpd="sng">
-                      <a:noFill/>
-                      <a:prstDash val="solid"/>
-                    </a:lnTlToBr>
-                    <a:lnBlToTr w="12700" cmpd="sng">
-                      <a:noFill/>
-                      <a:prstDash val="solid"/>
-                    </a:lnBlToTr>
-                    <a:solidFill>
-                      <a:schemeClr val="accent6">
-                        <a:lumMod val="40000"/>
-                        <a:lumOff val="60000"/>
-                      </a:schemeClr>
-                    </a:solidFill>
-                  </a:tcPr>
-                </a:tc>
-                <a:tc>
-                  <a:txBody>
-                    <a:bodyPr/>
-                    <a:lstStyle/>
-                    <a:p>
-                      <a:pPr algn="ctr" fontAlgn="ctr"/>
-                      <a:r>
-                        <a:rPr lang="ko-KR" altLang="en-US" sz="1100" u="none" strike="noStrike" dirty="0">
-                          <a:effectLst/>
-                        </a:rPr>
-                        <a:t>최종 추천 술</a:t>
-                      </a:r>
-                      <a:endParaRPr lang="ko-KR" altLang="en-US" sz="1100" b="0" i="0" u="none" strike="noStrike" dirty="0">
-                        <a:solidFill>
-                          <a:srgbClr val="000000"/>
-                        </a:solidFill>
-                        <a:effectLst/>
-                        <a:latin typeface="한컴 말랑말랑 Bold" panose="020F0803000000000000" pitchFamily="50" charset="-127"/>
-                        <a:ea typeface="한컴 말랑말랑 Bold" panose="020F0803000000000000" pitchFamily="50" charset="-127"/>
-                      </a:endParaRPr>
-                    </a:p>
-                  </a:txBody>
-                  <a:tcPr marL="9525" marR="9525" marT="9525" marB="0" anchor="ctr">
-                    <a:lnL w="12700" cap="flat" cmpd="sng" algn="ctr">
-                      <a:solidFill>
-                        <a:schemeClr val="tx1"/>
-                      </a:solidFill>
-                      <a:prstDash val="solid"/>
-                      <a:round/>
-                      <a:headEnd type="none" w="med" len="med"/>
-                      <a:tailEnd type="none" w="med" len="med"/>
-                    </a:lnL>
-                    <a:lnR w="12700" cap="flat" cmpd="sng" algn="ctr">
-                      <a:solidFill>
-                        <a:schemeClr val="tx1"/>
-                      </a:solidFill>
-                      <a:prstDash val="solid"/>
-                      <a:round/>
-                      <a:headEnd type="none" w="med" len="med"/>
-                      <a:tailEnd type="none" w="med" len="med"/>
-                    </a:lnR>
-                    <a:lnT w="12700" cap="flat" cmpd="sng" algn="ctr">
-                      <a:solidFill>
-                        <a:schemeClr val="tx1"/>
-                      </a:solidFill>
-                      <a:prstDash val="solid"/>
-                      <a:round/>
-                      <a:headEnd type="none" w="med" len="med"/>
-                      <a:tailEnd type="none" w="med" len="med"/>
-                    </a:lnT>
-                    <a:lnB w="12700" cap="flat" cmpd="sng" algn="ctr">
-                      <a:solidFill>
-                        <a:schemeClr val="tx1"/>
-                      </a:solidFill>
-                      <a:prstDash val="solid"/>
-                      <a:round/>
-                      <a:headEnd type="none" w="med" len="med"/>
-                      <a:tailEnd type="none" w="med" len="med"/>
-                    </a:lnB>
-                    <a:lnTlToBr w="12700" cmpd="sng">
-                      <a:noFill/>
-                      <a:prstDash val="solid"/>
-                    </a:lnTlToBr>
-                    <a:lnBlToTr w="12700" cmpd="sng">
-                      <a:noFill/>
-                      <a:prstDash val="solid"/>
-                    </a:lnBlToTr>
-                    <a:solidFill>
-                      <a:schemeClr val="bg1"/>
-                    </a:solidFill>
-                  </a:tcPr>
-                </a:tc>
-                <a:extLst>
-                  <a:ext uri="{0D108BD9-81ED-4DB2-BD59-A6C34878D82A}">
-                    <a16:rowId xmlns:a16="http://schemas.microsoft.com/office/drawing/2014/main" val="3884577967"/>
-                  </a:ext>
-                </a:extLst>
-              </a:tr>
-              <a:tr h="285699">
-                <a:tc>
-                  <a:txBody>
-                    <a:bodyPr/>
-                    <a:lstStyle/>
-                    <a:p>
-                      <a:pPr algn="ctr" fontAlgn="ctr"/>
-                      <a:r>
-                        <a:rPr lang="en-US" sz="1400" b="1" u="none" strike="noStrike" dirty="0" err="1">
-                          <a:effectLst/>
-                          <a:latin typeface="한컴 말랑말랑 Bold" panose="020F0803000000000000" pitchFamily="50" charset="-127"/>
-                          <a:ea typeface="한컴 말랑말랑 Bold" panose="020F0803000000000000" pitchFamily="50" charset="-127"/>
-                        </a:rPr>
-                        <a:t>login_id</a:t>
-                      </a:r>
-                      <a:endParaRPr lang="en-US" sz="1400" b="1" i="0" u="none" strike="noStrike" dirty="0">
-                        <a:solidFill>
-                          <a:srgbClr val="000000"/>
-                        </a:solidFill>
-                        <a:effectLst/>
-                        <a:latin typeface="한컴 말랑말랑 Bold" panose="020F0803000000000000" pitchFamily="50" charset="-127"/>
-                        <a:ea typeface="한컴 말랑말랑 Bold" panose="020F0803000000000000" pitchFamily="50" charset="-127"/>
-                      </a:endParaRPr>
-                    </a:p>
-                  </a:txBody>
-                  <a:tcPr marL="9525" marR="9525" marT="9525" marB="0" anchor="ctr">
-                    <a:lnL w="12700" cap="flat" cmpd="sng" algn="ctr">
-                      <a:solidFill>
-                        <a:schemeClr val="tx1"/>
-                      </a:solidFill>
-                      <a:prstDash val="solid"/>
-                      <a:round/>
-                      <a:headEnd type="none" w="med" len="med"/>
-                      <a:tailEnd type="none" w="med" len="med"/>
-                    </a:lnL>
-                    <a:lnR w="12700" cap="flat" cmpd="sng" algn="ctr">
-                      <a:solidFill>
-                        <a:schemeClr val="tx1"/>
-                      </a:solidFill>
-                      <a:prstDash val="solid"/>
-                      <a:round/>
-                      <a:headEnd type="none" w="med" len="med"/>
-                      <a:tailEnd type="none" w="med" len="med"/>
-                    </a:lnR>
-                    <a:lnT w="12700" cap="flat" cmpd="sng" algn="ctr">
-                      <a:solidFill>
-                        <a:schemeClr val="tx1"/>
-                      </a:solidFill>
-                      <a:prstDash val="solid"/>
-                      <a:round/>
-                      <a:headEnd type="none" w="med" len="med"/>
-                      <a:tailEnd type="none" w="med" len="med"/>
-                    </a:lnT>
-                    <a:lnB w="12700" cap="flat" cmpd="sng" algn="ctr">
-                      <a:solidFill>
-                        <a:schemeClr val="tx1"/>
-                      </a:solidFill>
-                      <a:prstDash val="solid"/>
-                      <a:round/>
-                      <a:headEnd type="none" w="med" len="med"/>
-                      <a:tailEnd type="none" w="med" len="med"/>
-                    </a:lnB>
-                    <a:lnTlToBr w="12700" cmpd="sng">
-                      <a:noFill/>
-                      <a:prstDash val="solid"/>
-                    </a:lnTlToBr>
-                    <a:lnBlToTr w="12700" cmpd="sng">
-                      <a:noFill/>
-                      <a:prstDash val="solid"/>
-                    </a:lnBlToTr>
-                    <a:solidFill>
-                      <a:schemeClr val="accent6">
-                        <a:lumMod val="40000"/>
-                        <a:lumOff val="60000"/>
-                      </a:schemeClr>
-                    </a:solidFill>
-                  </a:tcPr>
-                </a:tc>
-                <a:tc>
-                  <a:txBody>
-                    <a:bodyPr/>
-                    <a:lstStyle/>
-                    <a:p>
-                      <a:pPr algn="ctr" fontAlgn="ctr"/>
-                      <a:r>
-                        <a:rPr lang="ko-KR" altLang="en-US" sz="1100" u="none" strike="noStrike" dirty="0">
-                          <a:effectLst/>
-                        </a:rPr>
-                        <a:t>로그인 </a:t>
-                      </a:r>
-                      <a:r>
-                        <a:rPr lang="en-US" sz="1100" u="none" strike="noStrike" dirty="0">
-                          <a:effectLst/>
-                        </a:rPr>
-                        <a:t>id</a:t>
-                      </a:r>
-                      <a:endParaRPr lang="en-US" sz="1100" b="0" i="0" u="none" strike="noStrike" dirty="0">
-                        <a:solidFill>
-                          <a:srgbClr val="000000"/>
-                        </a:solidFill>
-                        <a:effectLst/>
-                        <a:latin typeface="한컴 말랑말랑 Bold" panose="020F0803000000000000" pitchFamily="50" charset="-127"/>
-                        <a:ea typeface="한컴 말랑말랑 Bold" panose="020F0803000000000000" pitchFamily="50" charset="-127"/>
-                      </a:endParaRPr>
-                    </a:p>
-                  </a:txBody>
-                  <a:tcPr marL="9525" marR="9525" marT="9525" marB="0" anchor="ctr">
-                    <a:lnL w="12700" cap="flat" cmpd="sng" algn="ctr">
-                      <a:solidFill>
-                        <a:schemeClr val="tx1"/>
-                      </a:solidFill>
-                      <a:prstDash val="solid"/>
-                      <a:round/>
-                      <a:headEnd type="none" w="med" len="med"/>
-                      <a:tailEnd type="none" w="med" len="med"/>
-                    </a:lnL>
-                    <a:lnR w="12700" cap="flat" cmpd="sng" algn="ctr">
-                      <a:solidFill>
-                        <a:schemeClr val="tx1"/>
-                      </a:solidFill>
-                      <a:prstDash val="solid"/>
-                      <a:round/>
-                      <a:headEnd type="none" w="med" len="med"/>
-                      <a:tailEnd type="none" w="med" len="med"/>
-                    </a:lnR>
-                    <a:lnT w="12700" cap="flat" cmpd="sng" algn="ctr">
-                      <a:solidFill>
-                        <a:schemeClr val="tx1"/>
-                      </a:solidFill>
-                      <a:prstDash val="solid"/>
-                      <a:round/>
-                      <a:headEnd type="none" w="med" len="med"/>
-                      <a:tailEnd type="none" w="med" len="med"/>
-                    </a:lnT>
-                    <a:lnB w="12700" cap="flat" cmpd="sng" algn="ctr">
-                      <a:solidFill>
-                        <a:schemeClr val="tx1"/>
-                      </a:solidFill>
-                      <a:prstDash val="solid"/>
-                      <a:round/>
-                      <a:headEnd type="none" w="med" len="med"/>
-                      <a:tailEnd type="none" w="med" len="med"/>
-                    </a:lnB>
-                    <a:lnTlToBr w="12700" cmpd="sng">
-                      <a:noFill/>
-                      <a:prstDash val="solid"/>
-                    </a:lnTlToBr>
-                    <a:lnBlToTr w="12700" cmpd="sng">
-                      <a:noFill/>
-                      <a:prstDash val="solid"/>
-                    </a:lnBlToTr>
-                    <a:solidFill>
-                      <a:schemeClr val="bg1"/>
-                    </a:solidFill>
-                  </a:tcPr>
-                </a:tc>
-                <a:extLst>
-                  <a:ext uri="{0D108BD9-81ED-4DB2-BD59-A6C34878D82A}">
-                    <a16:rowId xmlns:a16="http://schemas.microsoft.com/office/drawing/2014/main" val="3083437820"/>
-                  </a:ext>
-                </a:extLst>
-              </a:tr>
-              <a:tr h="285699">
-                <a:tc>
-                  <a:txBody>
-                    <a:bodyPr/>
-                    <a:lstStyle/>
-                    <a:p>
-                      <a:pPr algn="ctr" fontAlgn="ctr"/>
-                      <a:r>
-                        <a:rPr lang="en-US" sz="1400" b="1" u="none" strike="noStrike" dirty="0" err="1">
-                          <a:effectLst/>
-                          <a:latin typeface="한컴 말랑말랑 Bold" panose="020F0803000000000000" pitchFamily="50" charset="-127"/>
-                          <a:ea typeface="한컴 말랑말랑 Bold" panose="020F0803000000000000" pitchFamily="50" charset="-127"/>
-                        </a:rPr>
-                        <a:t>login_pw</a:t>
-                      </a:r>
-                      <a:endParaRPr lang="en-US" sz="1400" b="1" i="0" u="none" strike="noStrike" dirty="0">
-                        <a:solidFill>
-                          <a:srgbClr val="000000"/>
-                        </a:solidFill>
-                        <a:effectLst/>
-                        <a:latin typeface="한컴 말랑말랑 Bold" panose="020F0803000000000000" pitchFamily="50" charset="-127"/>
-                        <a:ea typeface="한컴 말랑말랑 Bold" panose="020F0803000000000000" pitchFamily="50" charset="-127"/>
-                      </a:endParaRPr>
-                    </a:p>
-                  </a:txBody>
-                  <a:tcPr marL="9525" marR="9525" marT="9525" marB="0" anchor="ctr">
-                    <a:lnL w="12700" cap="flat" cmpd="sng" algn="ctr">
-                      <a:solidFill>
-                        <a:schemeClr val="tx1"/>
-                      </a:solidFill>
-                      <a:prstDash val="solid"/>
-                      <a:round/>
-                      <a:headEnd type="none" w="med" len="med"/>
-                      <a:tailEnd type="none" w="med" len="med"/>
-                    </a:lnL>
-                    <a:lnR w="12700" cap="flat" cmpd="sng" algn="ctr">
-                      <a:solidFill>
-                        <a:schemeClr val="tx1"/>
-                      </a:solidFill>
-                      <a:prstDash val="solid"/>
-                      <a:round/>
-                      <a:headEnd type="none" w="med" len="med"/>
-                      <a:tailEnd type="none" w="med" len="med"/>
-                    </a:lnR>
-                    <a:lnT w="12700" cap="flat" cmpd="sng" algn="ctr">
-                      <a:solidFill>
-                        <a:schemeClr val="tx1"/>
-                      </a:solidFill>
-                      <a:prstDash val="solid"/>
-                      <a:round/>
-                      <a:headEnd type="none" w="med" len="med"/>
-                      <a:tailEnd type="none" w="med" len="med"/>
-                    </a:lnT>
-                    <a:lnB w="12700" cap="flat" cmpd="sng" algn="ctr">
-                      <a:solidFill>
-                        <a:schemeClr val="tx1"/>
-                      </a:solidFill>
-                      <a:prstDash val="solid"/>
-                      <a:round/>
-                      <a:headEnd type="none" w="med" len="med"/>
-                      <a:tailEnd type="none" w="med" len="med"/>
-                    </a:lnB>
-                    <a:lnTlToBr w="12700" cmpd="sng">
-                      <a:noFill/>
-                      <a:prstDash val="solid"/>
-                    </a:lnTlToBr>
-                    <a:lnBlToTr w="12700" cmpd="sng">
-                      <a:noFill/>
-                      <a:prstDash val="solid"/>
-                    </a:lnBlToTr>
-                    <a:solidFill>
-                      <a:schemeClr val="accent6">
-                        <a:lumMod val="40000"/>
-                        <a:lumOff val="60000"/>
-                      </a:schemeClr>
-                    </a:solidFill>
-                  </a:tcPr>
-                </a:tc>
-                <a:tc>
-                  <a:txBody>
-                    <a:bodyPr/>
-                    <a:lstStyle/>
-                    <a:p>
-                      <a:pPr algn="ctr" fontAlgn="ctr"/>
-                      <a:r>
-                        <a:rPr lang="ko-KR" altLang="en-US" sz="1100" u="none" strike="noStrike" dirty="0">
-                          <a:effectLst/>
-                        </a:rPr>
-                        <a:t>로그인 </a:t>
-                      </a:r>
-                      <a:r>
-                        <a:rPr lang="en-US" sz="1100" u="none" strike="noStrike" dirty="0">
-                          <a:effectLst/>
-                        </a:rPr>
-                        <a:t>pw</a:t>
-                      </a:r>
-                      <a:endParaRPr lang="en-US" sz="1100" b="0" i="0" u="none" strike="noStrike" dirty="0">
-                        <a:solidFill>
-                          <a:srgbClr val="000000"/>
-                        </a:solidFill>
-                        <a:effectLst/>
-                        <a:latin typeface="한컴 말랑말랑 Bold" panose="020F0803000000000000" pitchFamily="50" charset="-127"/>
-                        <a:ea typeface="한컴 말랑말랑 Bold" panose="020F0803000000000000" pitchFamily="50" charset="-127"/>
-                      </a:endParaRPr>
-                    </a:p>
-                  </a:txBody>
-                  <a:tcPr marL="9525" marR="9525" marT="9525" marB="0" anchor="ctr">
-                    <a:lnL w="12700" cap="flat" cmpd="sng" algn="ctr">
-                      <a:solidFill>
-                        <a:schemeClr val="tx1"/>
-                      </a:solidFill>
-                      <a:prstDash val="solid"/>
-                      <a:round/>
-                      <a:headEnd type="none" w="med" len="med"/>
-                      <a:tailEnd type="none" w="med" len="med"/>
-                    </a:lnL>
-                    <a:lnR w="12700" cap="flat" cmpd="sng" algn="ctr">
-                      <a:solidFill>
-                        <a:schemeClr val="tx1"/>
-                      </a:solidFill>
-                      <a:prstDash val="solid"/>
-                      <a:round/>
-                      <a:headEnd type="none" w="med" len="med"/>
-                      <a:tailEnd type="none" w="med" len="med"/>
-                    </a:lnR>
-                    <a:lnT w="12700" cap="flat" cmpd="sng" algn="ctr">
-                      <a:solidFill>
-                        <a:schemeClr val="tx1"/>
-                      </a:solidFill>
-                      <a:prstDash val="solid"/>
-                      <a:round/>
-                      <a:headEnd type="none" w="med" len="med"/>
-                      <a:tailEnd type="none" w="med" len="med"/>
-                    </a:lnT>
-                    <a:lnB w="12700" cap="flat" cmpd="sng" algn="ctr">
-                      <a:solidFill>
-                        <a:schemeClr val="tx1"/>
-                      </a:solidFill>
-                      <a:prstDash val="solid"/>
-                      <a:round/>
-                      <a:headEnd type="none" w="med" len="med"/>
-                      <a:tailEnd type="none" w="med" len="med"/>
-                    </a:lnB>
-                    <a:lnTlToBr w="12700" cmpd="sng">
-                      <a:noFill/>
-                      <a:prstDash val="solid"/>
-                    </a:lnTlToBr>
-                    <a:lnBlToTr w="12700" cmpd="sng">
-                      <a:noFill/>
-                      <a:prstDash val="solid"/>
-                    </a:lnBlToTr>
-                    <a:solidFill>
-                      <a:schemeClr val="bg1"/>
-                    </a:solidFill>
-                  </a:tcPr>
-                </a:tc>
-                <a:extLst>
-                  <a:ext uri="{0D108BD9-81ED-4DB2-BD59-A6C34878D82A}">
-                    <a16:rowId xmlns:a16="http://schemas.microsoft.com/office/drawing/2014/main" val="1806808804"/>
-                  </a:ext>
-                </a:extLst>
-              </a:tr>
-            </a:tbl>
-          </a:graphicData>
-        </a:graphic>
-      </p:graphicFrame>
+        </p:nvSpPr>
+        <p:spPr>
+          <a:xfrm>
+            <a:off x="7120074" y="5676551"/>
+            <a:ext cx="4585609" cy="461624"/>
+          </a:xfrm>
+          <a:prstGeom prst="rect">
+            <a:avLst/>
+          </a:prstGeom>
+          <a:noFill/>
+          <a:ln>
+            <a:noFill/>
+          </a:ln>
+        </p:spPr>
+        <p:txBody>
+          <a:bodyPr spcFirstLastPara="1" wrap="square" lIns="91425" tIns="45700" rIns="91425" bIns="45700" anchor="t" anchorCtr="0">
+            <a:spAutoFit/>
+          </a:bodyPr>
+          <a:lstStyle/>
+          <a:p>
+            <a:pPr lvl="0" algn="ctr">
+              <a:lnSpc>
+                <a:spcPct val="150000"/>
+              </a:lnSpc>
+            </a:pPr>
+            <a:r>
+              <a:rPr lang="en-US" altLang="ko-KR" sz="1600" b="1" dirty="0">
+                <a:solidFill>
+                  <a:srgbClr val="C00000"/>
+                </a:solidFill>
+                <a:latin typeface="한컴 말랑말랑 Bold" panose="020F0803000000000000" pitchFamily="50" charset="-127"/>
+                <a:ea typeface="한컴 말랑말랑 Bold" panose="020F0803000000000000" pitchFamily="50" charset="-127"/>
+                <a:cs typeface="KoPubWorld돋움체 Medium" panose="00000600000000000000" pitchFamily="2" charset="-127"/>
+              </a:rPr>
+              <a:t>5</a:t>
+            </a:r>
+            <a:r>
+              <a:rPr lang="ko-KR" altLang="en-US" sz="1600" b="1" dirty="0">
+                <a:solidFill>
+                  <a:srgbClr val="C00000"/>
+                </a:solidFill>
+                <a:latin typeface="한컴 말랑말랑 Bold" panose="020F0803000000000000" pitchFamily="50" charset="-127"/>
+                <a:ea typeface="한컴 말랑말랑 Bold" panose="020F0803000000000000" pitchFamily="50" charset="-127"/>
+                <a:cs typeface="KoPubWorld돋움체 Medium" panose="00000600000000000000" pitchFamily="2" charset="-127"/>
+              </a:rPr>
+              <a:t>차원 공간</a:t>
+            </a:r>
+            <a:r>
+              <a:rPr lang="ko-KR" altLang="en-US" sz="1600" b="1" dirty="0">
+                <a:latin typeface="한컴 말랑말랑 Bold" panose="020F0803000000000000" pitchFamily="50" charset="-127"/>
+                <a:ea typeface="한컴 말랑말랑 Bold" panose="020F0803000000000000" pitchFamily="50" charset="-127"/>
+                <a:cs typeface="KoPubWorld돋움체 Medium" panose="00000600000000000000" pitchFamily="2" charset="-127"/>
+              </a:rPr>
+              <a:t>의 </a:t>
+            </a:r>
+            <a:r>
+              <a:rPr lang="ko-KR" altLang="en-US" sz="1600" b="1" dirty="0">
+                <a:solidFill>
+                  <a:schemeClr val="tx1"/>
+                </a:solidFill>
+                <a:latin typeface="한컴 말랑말랑 Bold" panose="020F0803000000000000" pitchFamily="50" charset="-127"/>
+                <a:ea typeface="한컴 말랑말랑 Bold" panose="020F0803000000000000" pitchFamily="50" charset="-127"/>
+                <a:cs typeface="KoPubWorld돋움체 Medium" panose="00000600000000000000" pitchFamily="2" charset="-127"/>
+              </a:rPr>
+              <a:t>좌표이나 편의상 </a:t>
+            </a:r>
+            <a:r>
+              <a:rPr lang="en-US" altLang="ko-KR" sz="1600" b="1" dirty="0">
+                <a:solidFill>
+                  <a:srgbClr val="C00000"/>
+                </a:solidFill>
+                <a:latin typeface="한컴 말랑말랑 Bold" panose="020F0803000000000000" pitchFamily="50" charset="-127"/>
+                <a:ea typeface="한컴 말랑말랑 Bold" panose="020F0803000000000000" pitchFamily="50" charset="-127"/>
+                <a:cs typeface="KoPubWorld돋움체 Medium" panose="00000600000000000000" pitchFamily="2" charset="-127"/>
+              </a:rPr>
+              <a:t>2</a:t>
+            </a:r>
+            <a:r>
+              <a:rPr lang="ko-KR" altLang="en-US" sz="1600" b="1" dirty="0">
+                <a:solidFill>
+                  <a:srgbClr val="C00000"/>
+                </a:solidFill>
+                <a:latin typeface="한컴 말랑말랑 Bold" panose="020F0803000000000000" pitchFamily="50" charset="-127"/>
+                <a:ea typeface="한컴 말랑말랑 Bold" panose="020F0803000000000000" pitchFamily="50" charset="-127"/>
+                <a:cs typeface="KoPubWorld돋움체 Medium" panose="00000600000000000000" pitchFamily="2" charset="-127"/>
+              </a:rPr>
+              <a:t>차원</a:t>
+            </a:r>
+            <a:r>
+              <a:rPr lang="ko-KR" altLang="en-US" sz="1600" b="1" dirty="0">
+                <a:solidFill>
+                  <a:schemeClr val="tx1"/>
+                </a:solidFill>
+                <a:latin typeface="한컴 말랑말랑 Bold" panose="020F0803000000000000" pitchFamily="50" charset="-127"/>
+                <a:ea typeface="한컴 말랑말랑 Bold" panose="020F0803000000000000" pitchFamily="50" charset="-127"/>
+                <a:cs typeface="KoPubWorld돋움체 Medium" panose="00000600000000000000" pitchFamily="2" charset="-127"/>
+              </a:rPr>
+              <a:t>으로 표현</a:t>
+            </a:r>
+          </a:p>
+        </p:txBody>
+      </p:sp>
+      <p:sp>
+        <p:nvSpPr>
+          <p:cNvPr id="22" name="타원 21">
+            <a:extLst>
+              <a:ext uri="{FF2B5EF4-FFF2-40B4-BE49-F238E27FC236}">
+                <a16:creationId xmlns:a16="http://schemas.microsoft.com/office/drawing/2014/main" id="{6208BB35-EABD-59A9-8D36-C6F48348C68E}"/>
+              </a:ext>
+            </a:extLst>
+          </p:cNvPr>
+          <p:cNvSpPr/>
+          <p:nvPr/>
+        </p:nvSpPr>
+        <p:spPr>
+          <a:xfrm>
+            <a:off x="9137663" y="2390604"/>
+            <a:ext cx="144000" cy="144000"/>
+          </a:xfrm>
+          <a:prstGeom prst="ellipse">
+            <a:avLst/>
+          </a:prstGeom>
+          <a:solidFill>
+            <a:srgbClr val="1B0900"/>
+          </a:solidFill>
+          <a:ln>
+            <a:noFill/>
+          </a:ln>
+        </p:spPr>
+        <p:style>
+          <a:lnRef idx="2">
+            <a:schemeClr val="accent1">
+              <a:shade val="50000"/>
+            </a:schemeClr>
+          </a:lnRef>
+          <a:fillRef idx="1">
+            <a:schemeClr val="accent1"/>
+          </a:fillRef>
+          <a:effectRef idx="0">
+            <a:schemeClr val="accent1"/>
+          </a:effectRef>
+          <a:fontRef idx="minor">
+            <a:schemeClr val="lt1"/>
+          </a:fontRef>
+        </p:style>
+        <p:txBody>
+          <a:bodyPr rtlCol="0" anchor="ctr"/>
+          <a:lstStyle/>
+          <a:p>
+            <a:pPr algn="ctr"/>
+            <a:endParaRPr lang="ko-KR" altLang="en-US"/>
+          </a:p>
+        </p:txBody>
+      </p:sp>
+      <p:sp>
+        <p:nvSpPr>
+          <p:cNvPr id="23" name="타원 22">
+            <a:extLst>
+              <a:ext uri="{FF2B5EF4-FFF2-40B4-BE49-F238E27FC236}">
+                <a16:creationId xmlns:a16="http://schemas.microsoft.com/office/drawing/2014/main" id="{67983F75-20BC-C0BD-DC39-A77CFAEB9E1A}"/>
+              </a:ext>
+            </a:extLst>
+          </p:cNvPr>
+          <p:cNvSpPr/>
+          <p:nvPr/>
+        </p:nvSpPr>
+        <p:spPr>
+          <a:xfrm>
+            <a:off x="8411336" y="4712040"/>
+            <a:ext cx="144000" cy="144000"/>
+          </a:xfrm>
+          <a:prstGeom prst="ellipse">
+            <a:avLst/>
+          </a:prstGeom>
+          <a:solidFill>
+            <a:srgbClr val="1B0900"/>
+          </a:solidFill>
+          <a:ln>
+            <a:noFill/>
+          </a:ln>
+        </p:spPr>
+        <p:style>
+          <a:lnRef idx="2">
+            <a:schemeClr val="accent1">
+              <a:shade val="50000"/>
+            </a:schemeClr>
+          </a:lnRef>
+          <a:fillRef idx="1">
+            <a:schemeClr val="accent1"/>
+          </a:fillRef>
+          <a:effectRef idx="0">
+            <a:schemeClr val="accent1"/>
+          </a:effectRef>
+          <a:fontRef idx="minor">
+            <a:schemeClr val="lt1"/>
+          </a:fontRef>
+        </p:style>
+        <p:txBody>
+          <a:bodyPr rtlCol="0" anchor="ctr"/>
+          <a:lstStyle/>
+          <a:p>
+            <a:pPr algn="ctr"/>
+            <a:endParaRPr lang="ko-KR" altLang="en-US"/>
+          </a:p>
+        </p:txBody>
+      </p:sp>
+      <p:sp>
+        <p:nvSpPr>
+          <p:cNvPr id="24" name="타원 23">
+            <a:extLst>
+              <a:ext uri="{FF2B5EF4-FFF2-40B4-BE49-F238E27FC236}">
+                <a16:creationId xmlns:a16="http://schemas.microsoft.com/office/drawing/2014/main" id="{43F909A8-D06F-8CBE-DD7F-65ADC50C68BF}"/>
+              </a:ext>
+            </a:extLst>
+          </p:cNvPr>
+          <p:cNvSpPr/>
+          <p:nvPr/>
+        </p:nvSpPr>
+        <p:spPr>
+          <a:xfrm>
+            <a:off x="10735747" y="4423466"/>
+            <a:ext cx="144000" cy="144000"/>
+          </a:xfrm>
+          <a:prstGeom prst="ellipse">
+            <a:avLst/>
+          </a:prstGeom>
+          <a:solidFill>
+            <a:srgbClr val="1B0900"/>
+          </a:solidFill>
+          <a:ln>
+            <a:noFill/>
+          </a:ln>
+        </p:spPr>
+        <p:style>
+          <a:lnRef idx="2">
+            <a:schemeClr val="accent1">
+              <a:shade val="50000"/>
+            </a:schemeClr>
+          </a:lnRef>
+          <a:fillRef idx="1">
+            <a:schemeClr val="accent1"/>
+          </a:fillRef>
+          <a:effectRef idx="0">
+            <a:schemeClr val="accent1"/>
+          </a:effectRef>
+          <a:fontRef idx="minor">
+            <a:schemeClr val="lt1"/>
+          </a:fontRef>
+        </p:style>
+        <p:txBody>
+          <a:bodyPr rtlCol="0" anchor="ctr"/>
+          <a:lstStyle/>
+          <a:p>
+            <a:pPr algn="ctr"/>
+            <a:endParaRPr lang="ko-KR" altLang="en-US"/>
+          </a:p>
+        </p:txBody>
+      </p:sp>
+      <p:sp>
+        <p:nvSpPr>
+          <p:cNvPr id="25" name="타원 24">
+            <a:extLst>
+              <a:ext uri="{FF2B5EF4-FFF2-40B4-BE49-F238E27FC236}">
+                <a16:creationId xmlns:a16="http://schemas.microsoft.com/office/drawing/2014/main" id="{B4DF41FE-FB13-AD82-C6CF-9656795D35BA}"/>
+              </a:ext>
+            </a:extLst>
+          </p:cNvPr>
+          <p:cNvSpPr/>
+          <p:nvPr/>
+        </p:nvSpPr>
+        <p:spPr>
+          <a:xfrm>
+            <a:off x="9409683" y="3577126"/>
+            <a:ext cx="180000" cy="180000"/>
+          </a:xfrm>
+          <a:prstGeom prst="ellipse">
+            <a:avLst/>
+          </a:prstGeom>
+          <a:solidFill>
+            <a:srgbClr val="C00000"/>
+          </a:solidFill>
+          <a:ln>
+            <a:noFill/>
+          </a:ln>
+        </p:spPr>
+        <p:style>
+          <a:lnRef idx="2">
+            <a:schemeClr val="accent1">
+              <a:shade val="50000"/>
+            </a:schemeClr>
+          </a:lnRef>
+          <a:fillRef idx="1">
+            <a:schemeClr val="accent1"/>
+          </a:fillRef>
+          <a:effectRef idx="0">
+            <a:schemeClr val="accent1"/>
+          </a:effectRef>
+          <a:fontRef idx="minor">
+            <a:schemeClr val="lt1"/>
+          </a:fontRef>
+        </p:style>
+        <p:txBody>
+          <a:bodyPr rtlCol="0" anchor="ctr"/>
+          <a:lstStyle/>
+          <a:p>
+            <a:pPr algn="ctr"/>
+            <a:endParaRPr lang="ko-KR" altLang="en-US"/>
+          </a:p>
+        </p:txBody>
+      </p:sp>
+      <p:sp>
+        <p:nvSpPr>
+          <p:cNvPr id="26" name="TextBox 25">
+            <a:extLst>
+              <a:ext uri="{FF2B5EF4-FFF2-40B4-BE49-F238E27FC236}">
+                <a16:creationId xmlns:a16="http://schemas.microsoft.com/office/drawing/2014/main" id="{9017604B-0042-D17C-140A-681E80C14111}"/>
+              </a:ext>
+            </a:extLst>
+          </p:cNvPr>
+          <p:cNvSpPr txBox="1"/>
+          <p:nvPr/>
+        </p:nvSpPr>
+        <p:spPr>
+          <a:xfrm>
+            <a:off x="8482067" y="1999403"/>
+            <a:ext cx="1433570" cy="369332"/>
+          </a:xfrm>
+          <a:prstGeom prst="rect">
+            <a:avLst/>
+          </a:prstGeom>
+          <a:noFill/>
+        </p:spPr>
+        <p:txBody>
+          <a:bodyPr wrap="square" rtlCol="0">
+            <a:spAutoFit/>
+          </a:bodyPr>
+          <a:lstStyle/>
+          <a:p>
+            <a:pPr algn="ctr"/>
+            <a:r>
+              <a:rPr lang="ko-KR" altLang="en-US" sz="1800" b="0" dirty="0">
+                <a:solidFill>
+                  <a:srgbClr val="1B0900"/>
+                </a:solidFill>
+                <a:latin typeface="한컴 말랑말랑 Bold" panose="020F0803000000000000" pitchFamily="50" charset="-127"/>
+                <a:ea typeface="한컴 말랑말랑 Bold" panose="020F0803000000000000" pitchFamily="50" charset="-127"/>
+                <a:cs typeface="KoPubWorld돋움체 Medium" panose="00000600000000000000" pitchFamily="2" charset="-127"/>
+              </a:rPr>
+              <a:t>과일맥주 </a:t>
+            </a:r>
+            <a:r>
+              <a:rPr lang="ko-KR" altLang="en-US" dirty="0">
+                <a:solidFill>
+                  <a:srgbClr val="1B0900"/>
+                </a:solidFill>
+                <a:latin typeface="한컴 말랑말랑 Bold" panose="020F0803000000000000" pitchFamily="50" charset="-127"/>
+                <a:ea typeface="한컴 말랑말랑 Bold" panose="020F0803000000000000" pitchFamily="50" charset="-127"/>
+                <a:cs typeface="KoPubWorld돋움체 Medium" panose="00000600000000000000" pitchFamily="2" charset="-127"/>
+              </a:rPr>
+              <a:t>좌표</a:t>
+            </a:r>
+            <a:endParaRPr lang="ko-KR" altLang="en-US" dirty="0"/>
+          </a:p>
+        </p:txBody>
+      </p:sp>
+      <p:sp>
+        <p:nvSpPr>
+          <p:cNvPr id="27" name="TextBox 26">
+            <a:extLst>
+              <a:ext uri="{FF2B5EF4-FFF2-40B4-BE49-F238E27FC236}">
+                <a16:creationId xmlns:a16="http://schemas.microsoft.com/office/drawing/2014/main" id="{E3B497A9-04E7-3848-BB43-4A968EF1D124}"/>
+              </a:ext>
+            </a:extLst>
+          </p:cNvPr>
+          <p:cNvSpPr txBox="1"/>
+          <p:nvPr/>
+        </p:nvSpPr>
+        <p:spPr>
+          <a:xfrm>
+            <a:off x="7762973" y="4923981"/>
+            <a:ext cx="1433570" cy="369332"/>
+          </a:xfrm>
+          <a:prstGeom prst="rect">
+            <a:avLst/>
+          </a:prstGeom>
+          <a:noFill/>
+        </p:spPr>
+        <p:txBody>
+          <a:bodyPr wrap="square" rtlCol="0">
+            <a:spAutoFit/>
+          </a:bodyPr>
+          <a:lstStyle/>
+          <a:p>
+            <a:pPr algn="ctr"/>
+            <a:r>
+              <a:rPr lang="ko-KR" altLang="en-US" sz="1800" b="0" dirty="0" err="1">
+                <a:solidFill>
+                  <a:srgbClr val="1B0900"/>
+                </a:solidFill>
+                <a:latin typeface="한컴 말랑말랑 Bold" panose="020F0803000000000000" pitchFamily="50" charset="-127"/>
+                <a:ea typeface="한컴 말랑말랑 Bold" panose="020F0803000000000000" pitchFamily="50" charset="-127"/>
+                <a:cs typeface="KoPubWorld돋움체 Medium" panose="00000600000000000000" pitchFamily="2" charset="-127"/>
+              </a:rPr>
+              <a:t>밀맥주</a:t>
+            </a:r>
+            <a:r>
+              <a:rPr lang="ko-KR" altLang="en-US" sz="1800" b="0" dirty="0">
+                <a:solidFill>
+                  <a:srgbClr val="1B0900"/>
+                </a:solidFill>
+                <a:latin typeface="한컴 말랑말랑 Bold" panose="020F0803000000000000" pitchFamily="50" charset="-127"/>
+                <a:ea typeface="한컴 말랑말랑 Bold" panose="020F0803000000000000" pitchFamily="50" charset="-127"/>
+                <a:cs typeface="KoPubWorld돋움체 Medium" panose="00000600000000000000" pitchFamily="2" charset="-127"/>
+              </a:rPr>
+              <a:t> 좌표</a:t>
+            </a:r>
+            <a:endParaRPr lang="ko-KR" altLang="en-US" dirty="0"/>
+          </a:p>
+        </p:txBody>
+      </p:sp>
+      <p:sp>
+        <p:nvSpPr>
+          <p:cNvPr id="28" name="TextBox 27">
+            <a:extLst>
+              <a:ext uri="{FF2B5EF4-FFF2-40B4-BE49-F238E27FC236}">
+                <a16:creationId xmlns:a16="http://schemas.microsoft.com/office/drawing/2014/main" id="{93C9279E-1F9B-4949-BA55-6768F605B64E}"/>
+              </a:ext>
+            </a:extLst>
+          </p:cNvPr>
+          <p:cNvSpPr txBox="1"/>
+          <p:nvPr/>
+        </p:nvSpPr>
+        <p:spPr>
+          <a:xfrm>
+            <a:off x="10090962" y="4622317"/>
+            <a:ext cx="1433570" cy="369332"/>
+          </a:xfrm>
+          <a:prstGeom prst="rect">
+            <a:avLst/>
+          </a:prstGeom>
+          <a:noFill/>
+        </p:spPr>
+        <p:txBody>
+          <a:bodyPr wrap="square" rtlCol="0">
+            <a:spAutoFit/>
+          </a:bodyPr>
+          <a:lstStyle/>
+          <a:p>
+            <a:pPr algn="ctr"/>
+            <a:r>
+              <a:rPr lang="ko-KR" altLang="en-US" dirty="0">
+                <a:solidFill>
+                  <a:srgbClr val="1B0900"/>
+                </a:solidFill>
+                <a:latin typeface="한컴 말랑말랑 Bold" panose="020F0803000000000000" pitchFamily="50" charset="-127"/>
+                <a:ea typeface="한컴 말랑말랑 Bold" panose="020F0803000000000000" pitchFamily="50" charset="-127"/>
+                <a:cs typeface="KoPubWorld돋움체 Medium" panose="00000600000000000000" pitchFamily="2" charset="-127"/>
+              </a:rPr>
+              <a:t>흑</a:t>
+            </a:r>
+            <a:r>
+              <a:rPr lang="ko-KR" altLang="en-US" sz="1800" b="0" dirty="0">
+                <a:solidFill>
+                  <a:srgbClr val="1B0900"/>
+                </a:solidFill>
+                <a:latin typeface="한컴 말랑말랑 Bold" panose="020F0803000000000000" pitchFamily="50" charset="-127"/>
+                <a:ea typeface="한컴 말랑말랑 Bold" panose="020F0803000000000000" pitchFamily="50" charset="-127"/>
+                <a:cs typeface="KoPubWorld돋움체 Medium" panose="00000600000000000000" pitchFamily="2" charset="-127"/>
+              </a:rPr>
+              <a:t>맥주 좌표</a:t>
+            </a:r>
+            <a:endParaRPr lang="ko-KR" altLang="en-US" dirty="0"/>
+          </a:p>
+        </p:txBody>
+      </p:sp>
+      <p:sp>
+        <p:nvSpPr>
+          <p:cNvPr id="29" name="TextBox 28">
+            <a:extLst>
+              <a:ext uri="{FF2B5EF4-FFF2-40B4-BE49-F238E27FC236}">
+                <a16:creationId xmlns:a16="http://schemas.microsoft.com/office/drawing/2014/main" id="{B693672E-43B1-FD9F-97E1-C84C745179AB}"/>
+              </a:ext>
+            </a:extLst>
+          </p:cNvPr>
+          <p:cNvSpPr txBox="1"/>
+          <p:nvPr/>
+        </p:nvSpPr>
+        <p:spPr>
+          <a:xfrm>
+            <a:off x="8782898" y="3833103"/>
+            <a:ext cx="1433570" cy="369332"/>
+          </a:xfrm>
+          <a:prstGeom prst="rect">
+            <a:avLst/>
+          </a:prstGeom>
+          <a:noFill/>
+        </p:spPr>
+        <p:txBody>
+          <a:bodyPr wrap="square" rtlCol="0">
+            <a:spAutoFit/>
+          </a:bodyPr>
+          <a:lstStyle/>
+          <a:p>
+            <a:pPr algn="ctr"/>
+            <a:r>
+              <a:rPr lang="ko-KR" altLang="en-US" sz="1800" b="0" dirty="0">
+                <a:solidFill>
+                  <a:srgbClr val="C00000"/>
+                </a:solidFill>
+                <a:latin typeface="한컴 말랑말랑 Bold" panose="020F0803000000000000" pitchFamily="50" charset="-127"/>
+                <a:ea typeface="한컴 말랑말랑 Bold" panose="020F0803000000000000" pitchFamily="50" charset="-127"/>
+                <a:cs typeface="KoPubWorld돋움체 Medium" panose="00000600000000000000" pitchFamily="2" charset="-127"/>
+              </a:rPr>
+              <a:t>대표 술 좌표</a:t>
+            </a:r>
+            <a:endParaRPr lang="ko-KR" altLang="en-US" dirty="0">
+              <a:solidFill>
+                <a:srgbClr val="C00000"/>
+              </a:solidFill>
+            </a:endParaRPr>
+          </a:p>
+        </p:txBody>
+      </p:sp>
     </p:spTree>
     <p:extLst>
       <p:ext uri="{BB962C8B-B14F-4D97-AF65-F5344CB8AC3E}">
         <p14:creationId xmlns:p14="http://schemas.microsoft.com/office/powerpoint/2010/main" val="2479694782"/>
+      </p:ext>
+    </p:extLst>
+  </p:cSld>
+  <p:clrMapOvr>
+    <a:masterClrMapping/>
+  </p:clrMapOvr>
+  <p:timing>
+    <p:tnLst>
+      <p:par>
+        <p:cTn id="1" dur="indefinite" restart="never" nodeType="tmRoot">
+          <p:childTnLst>
+            <p:seq concurrent="1" nextAc="seek">
+              <p:cTn id="2" dur="indefinite" nodeType="mainSeq">
+                <p:childTnLst>
+                  <p:par>
+                    <p:cTn id="3" fill="hold">
+                      <p:stCondLst>
+                        <p:cond delay="indefinite"/>
+                        <p:cond evt="onBegin" delay="0">
+                          <p:tn val="2"/>
+                        </p:cond>
+                      </p:stCondLst>
+                      <p:childTnLst>
+                        <p:par>
+                          <p:cTn id="4" fill="hold">
+                            <p:stCondLst>
+                              <p:cond delay="0"/>
+                            </p:stCondLst>
+                            <p:childTnLst>
+                              <p:par>
+                                <p:cTn id="5" presetID="10" presetClass="entr" presetSubtype="0" fill="hold" grpId="0" nodeType="withEffect">
+                                  <p:stCondLst>
+                                    <p:cond delay="0"/>
+                                  </p:stCondLst>
+                                  <p:childTnLst>
+                                    <p:set>
+                                      <p:cBhvr>
+                                        <p:cTn id="6" dur="1" fill="hold">
+                                          <p:stCondLst>
+                                            <p:cond delay="0"/>
+                                          </p:stCondLst>
+                                        </p:cTn>
+                                        <p:tgtEl>
+                                          <p:spTgt spid="22"/>
+                                        </p:tgtEl>
+                                        <p:attrNameLst>
+                                          <p:attrName>style.visibility</p:attrName>
+                                        </p:attrNameLst>
+                                      </p:cBhvr>
+                                      <p:to>
+                                        <p:strVal val="visible"/>
+                                      </p:to>
+                                    </p:set>
+                                    <p:animEffect transition="in" filter="fade">
+                                      <p:cBhvr>
+                                        <p:cTn id="7" dur="1500"/>
+                                        <p:tgtEl>
+                                          <p:spTgt spid="22"/>
+                                        </p:tgtEl>
+                                      </p:cBhvr>
+                                    </p:animEffect>
+                                  </p:childTnLst>
+                                </p:cTn>
+                              </p:par>
+                              <p:par>
+                                <p:cTn id="8" presetID="10" presetClass="entr" presetSubtype="0" fill="hold" grpId="0" nodeType="withEffect">
+                                  <p:stCondLst>
+                                    <p:cond delay="0"/>
+                                  </p:stCondLst>
+                                  <p:childTnLst>
+                                    <p:set>
+                                      <p:cBhvr>
+                                        <p:cTn id="9" dur="1" fill="hold">
+                                          <p:stCondLst>
+                                            <p:cond delay="0"/>
+                                          </p:stCondLst>
+                                        </p:cTn>
+                                        <p:tgtEl>
+                                          <p:spTgt spid="23"/>
+                                        </p:tgtEl>
+                                        <p:attrNameLst>
+                                          <p:attrName>style.visibility</p:attrName>
+                                        </p:attrNameLst>
+                                      </p:cBhvr>
+                                      <p:to>
+                                        <p:strVal val="visible"/>
+                                      </p:to>
+                                    </p:set>
+                                    <p:animEffect transition="in" filter="fade">
+                                      <p:cBhvr>
+                                        <p:cTn id="10" dur="1500"/>
+                                        <p:tgtEl>
+                                          <p:spTgt spid="23"/>
+                                        </p:tgtEl>
+                                      </p:cBhvr>
+                                    </p:animEffect>
+                                  </p:childTnLst>
+                                </p:cTn>
+                              </p:par>
+                              <p:par>
+                                <p:cTn id="11" presetID="10" presetClass="entr" presetSubtype="0" fill="hold" grpId="0" nodeType="withEffect">
+                                  <p:stCondLst>
+                                    <p:cond delay="0"/>
+                                  </p:stCondLst>
+                                  <p:childTnLst>
+                                    <p:set>
+                                      <p:cBhvr>
+                                        <p:cTn id="12" dur="1" fill="hold">
+                                          <p:stCondLst>
+                                            <p:cond delay="0"/>
+                                          </p:stCondLst>
+                                        </p:cTn>
+                                        <p:tgtEl>
+                                          <p:spTgt spid="24"/>
+                                        </p:tgtEl>
+                                        <p:attrNameLst>
+                                          <p:attrName>style.visibility</p:attrName>
+                                        </p:attrNameLst>
+                                      </p:cBhvr>
+                                      <p:to>
+                                        <p:strVal val="visible"/>
+                                      </p:to>
+                                    </p:set>
+                                    <p:animEffect transition="in" filter="fade">
+                                      <p:cBhvr>
+                                        <p:cTn id="13" dur="1500"/>
+                                        <p:tgtEl>
+                                          <p:spTgt spid="24"/>
+                                        </p:tgtEl>
+                                      </p:cBhvr>
+                                    </p:animEffect>
+                                  </p:childTnLst>
+                                </p:cTn>
+                              </p:par>
+                            </p:childTnLst>
+                          </p:cTn>
+                        </p:par>
+                        <p:par>
+                          <p:cTn id="14" fill="hold">
+                            <p:stCondLst>
+                              <p:cond delay="1500"/>
+                            </p:stCondLst>
+                            <p:childTnLst>
+                              <p:par>
+                                <p:cTn id="15" presetID="10" presetClass="entr" presetSubtype="0" fill="hold" grpId="0" nodeType="afterEffect">
+                                  <p:stCondLst>
+                                    <p:cond delay="0"/>
+                                  </p:stCondLst>
+                                  <p:childTnLst>
+                                    <p:set>
+                                      <p:cBhvr>
+                                        <p:cTn id="16" dur="1" fill="hold">
+                                          <p:stCondLst>
+                                            <p:cond delay="0"/>
+                                          </p:stCondLst>
+                                        </p:cTn>
+                                        <p:tgtEl>
+                                          <p:spTgt spid="25"/>
+                                        </p:tgtEl>
+                                        <p:attrNameLst>
+                                          <p:attrName>style.visibility</p:attrName>
+                                        </p:attrNameLst>
+                                      </p:cBhvr>
+                                      <p:to>
+                                        <p:strVal val="visible"/>
+                                      </p:to>
+                                    </p:set>
+                                    <p:animEffect transition="in" filter="fade">
+                                      <p:cBhvr>
+                                        <p:cTn id="17" dur="1500"/>
+                                        <p:tgtEl>
+                                          <p:spTgt spid="25"/>
+                                        </p:tgtEl>
+                                      </p:cBhvr>
+                                    </p:animEffect>
+                                  </p:childTnLst>
+                                </p:cTn>
+                              </p:par>
+                            </p:childTnLst>
+                          </p:cTn>
+                        </p:par>
+                      </p:childTnLst>
+                    </p:cTn>
+                  </p:par>
+                </p:childTnLst>
+              </p:cTn>
+              <p:prevCondLst>
+                <p:cond evt="onPrev" delay="0">
+                  <p:tgtEl>
+                    <p:sldTgt/>
+                  </p:tgtEl>
+                </p:cond>
+              </p:prevCondLst>
+              <p:nextCondLst>
+                <p:cond evt="onNext" delay="0">
+                  <p:tgtEl>
+                    <p:sldTgt/>
+                  </p:tgtEl>
+                </p:cond>
+              </p:nextCondLst>
+            </p:seq>
+          </p:childTnLst>
+        </p:cTn>
+      </p:par>
+    </p:tnLst>
+    <p:bldLst>
+      <p:bldP spid="22" grpId="0" animBg="1"/>
+      <p:bldP spid="23" grpId="0" animBg="1"/>
+      <p:bldP spid="24" grpId="0" animBg="1"/>
+      <p:bldP spid="25" grpId="0" animBg="1"/>
+    </p:bldLst>
+  </p:timing>
+</p:sld>
+</file>
+
+<file path=ppt/slides/slide13.xml><?xml version="1.0" encoding="utf-8"?>
+<p:sld xmlns:a="http://schemas.openxmlformats.org/drawingml/2006/main" xmlns:r="http://schemas.openxmlformats.org/officeDocument/2006/relationships" xmlns:p="http://schemas.openxmlformats.org/presentationml/2006/main">
+  <p:cSld>
+    <p:spTree>
+      <p:nvGrpSpPr>
+        <p:cNvPr id="1" name=""/>
+        <p:cNvGrpSpPr/>
+        <p:nvPr/>
+      </p:nvGrpSpPr>
+      <p:grpSpPr>
+        <a:xfrm>
+          <a:off x="0" y="0"/>
+          <a:ext cx="0" cy="0"/>
+          <a:chOff x="0" y="0"/>
+          <a:chExt cx="0" cy="0"/>
+        </a:xfrm>
+      </p:grpSpPr>
+      <p:sp>
+        <p:nvSpPr>
+          <p:cNvPr id="8" name="TextBox 7">
+            <a:extLst>
+              <a:ext uri="{FF2B5EF4-FFF2-40B4-BE49-F238E27FC236}">
+                <a16:creationId xmlns:a16="http://schemas.microsoft.com/office/drawing/2014/main" id="{370A3E94-958E-98FF-E8AD-B334A5F9260C}"/>
+              </a:ext>
+            </a:extLst>
+          </p:cNvPr>
+          <p:cNvSpPr txBox="1"/>
+          <p:nvPr/>
+        </p:nvSpPr>
+        <p:spPr>
+          <a:xfrm>
+            <a:off x="0" y="933687"/>
+            <a:ext cx="12192000" cy="1015663"/>
+          </a:xfrm>
+          <a:prstGeom prst="rect">
+            <a:avLst/>
+          </a:prstGeom>
+          <a:noFill/>
+        </p:spPr>
+        <p:txBody>
+          <a:bodyPr wrap="square" rtlCol="0">
+            <a:spAutoFit/>
+          </a:bodyPr>
+          <a:lstStyle/>
+          <a:p>
+            <a:pPr algn="ctr"/>
+            <a:r>
+              <a:rPr lang="en-US" altLang="ko-KR" sz="6000" b="1" dirty="0">
+                <a:latin typeface="한컴 말랑말랑 Bold" panose="020F0803000000000000" pitchFamily="50" charset="-127"/>
+                <a:ea typeface="한컴 말랑말랑 Bold" panose="020F0803000000000000" pitchFamily="50" charset="-127"/>
+              </a:rPr>
+              <a:t>Step 3, </a:t>
+            </a:r>
+            <a:r>
+              <a:rPr lang="ko-KR" altLang="en-US" sz="6000" b="1" dirty="0">
+                <a:latin typeface="한컴 말랑말랑 Bold" panose="020F0803000000000000" pitchFamily="50" charset="-127"/>
+                <a:ea typeface="한컴 말랑말랑 Bold" panose="020F0803000000000000" pitchFamily="50" charset="-127"/>
+              </a:rPr>
+              <a:t>가성비 필터링 알고리즘</a:t>
+            </a:r>
+          </a:p>
+        </p:txBody>
+      </p:sp>
+      <p:pic>
+        <p:nvPicPr>
+          <p:cNvPr id="2050" name="Picture 2" descr="전통주 대신 수입맥주…청년들이 전통주 외면하는 이유는?">
+            <a:extLst>
+              <a:ext uri="{FF2B5EF4-FFF2-40B4-BE49-F238E27FC236}">
+                <a16:creationId xmlns:a16="http://schemas.microsoft.com/office/drawing/2014/main" id="{EA37BBEA-2E92-1D44-B935-7111B662F2A5}"/>
+              </a:ext>
+            </a:extLst>
+          </p:cNvPr>
+          <p:cNvPicPr>
+            <a:picLocks noChangeAspect="1" noChangeArrowheads="1"/>
+          </p:cNvPicPr>
+          <p:nvPr/>
+        </p:nvPicPr>
+        <p:blipFill>
+          <a:blip r:embed="rId2">
+            <a:extLst>
+              <a:ext uri="{28A0092B-C50C-407E-A947-70E740481C1C}">
+                <a14:useLocalDpi xmlns:a14="http://schemas.microsoft.com/office/drawing/2010/main" val="0"/>
+              </a:ext>
+            </a:extLst>
+          </a:blip>
+          <a:srcRect/>
+          <a:stretch>
+            <a:fillRect/>
+          </a:stretch>
+        </p:blipFill>
+        <p:spPr bwMode="auto">
+          <a:xfrm>
+            <a:off x="0" y="2194560"/>
+            <a:ext cx="12192000" cy="4663440"/>
+          </a:xfrm>
+          <a:prstGeom prst="rect">
+            <a:avLst/>
+          </a:prstGeom>
+          <a:noFill/>
+          <a:extLst>
+            <a:ext uri="{909E8E84-426E-40DD-AFC4-6F175D3DCCD1}">
+              <a14:hiddenFill xmlns:a14="http://schemas.microsoft.com/office/drawing/2010/main">
+                <a:solidFill>
+                  <a:srgbClr val="FFFFFF"/>
+                </a:solidFill>
+              </a14:hiddenFill>
+            </a:ext>
+          </a:extLst>
+        </p:spPr>
+      </p:pic>
+    </p:spTree>
+    <p:extLst>
+      <p:ext uri="{BB962C8B-B14F-4D97-AF65-F5344CB8AC3E}">
+        <p14:creationId xmlns:p14="http://schemas.microsoft.com/office/powerpoint/2010/main" val="3736812681"/>
       </p:ext>
     </p:extLst>
   </p:cSld>
@@ -9564,6 +12042,27 @@
           <a:p>
             <a:pPr lvl="0" algn="ctr"/>
             <a:r>
+              <a:rPr lang="en-US" altLang="ko-KR" sz="4800" b="1" dirty="0">
+                <a:solidFill>
+                  <a:schemeClr val="tx1">
+                    <a:lumMod val="95000"/>
+                    <a:lumOff val="5000"/>
+                  </a:schemeClr>
+                </a:solidFill>
+                <a:effectLst>
+                  <a:outerShdw blurRad="38100" dist="38100" dir="2700000" algn="tl">
+                    <a:srgbClr val="000000">
+                      <a:alpha val="43137"/>
+                    </a:srgbClr>
+                  </a:outerShdw>
+                </a:effectLst>
+                <a:latin typeface="한컴 말랑말랑 Bold" panose="020F0803000000000000" pitchFamily="50" charset="-127"/>
+                <a:ea typeface="한컴 말랑말랑 Bold" panose="020F0803000000000000" pitchFamily="50" charset="-127"/>
+                <a:cs typeface="KoPubWorld돋움체 Bold" panose="00000800000000000000" pitchFamily="2" charset="-127"/>
+              </a:rPr>
+              <a:t>Input </a:t>
+            </a:r>
+            <a:r>
               <a:rPr lang="ko-KR" altLang="en-US" sz="4800" b="1" dirty="0">
                 <a:solidFill>
                   <a:schemeClr val="tx1">
@@ -12244,6 +14743,27 @@
           <a:lstStyle/>
           <a:p>
             <a:pPr lvl="0" algn="ctr"/>
+            <a:r>
+              <a:rPr lang="en-US" altLang="ko-KR" sz="4800" b="1" dirty="0">
+                <a:solidFill>
+                  <a:schemeClr val="tx1">
+                    <a:lumMod val="95000"/>
+                    <a:lumOff val="5000"/>
+                  </a:schemeClr>
+                </a:solidFill>
+                <a:effectLst>
+                  <a:outerShdw blurRad="38100" dist="38100" dir="2700000" algn="tl">
+                    <a:srgbClr val="000000">
+                      <a:alpha val="43137"/>
+                    </a:srgbClr>
+                  </a:outerShdw>
+                </a:effectLst>
+                <a:latin typeface="한컴 말랑말랑 Bold" panose="020F0803000000000000" pitchFamily="50" charset="-127"/>
+                <a:ea typeface="한컴 말랑말랑 Bold" panose="020F0803000000000000" pitchFamily="50" charset="-127"/>
+                <a:cs typeface="KoPubWorld돋움체 Bold" panose="00000800000000000000" pitchFamily="2" charset="-127"/>
+              </a:rPr>
+              <a:t>Output </a:t>
+            </a:r>
             <a:r>
               <a:rPr lang="ko-KR" altLang="en-US" sz="4800" b="1" dirty="0">
                 <a:solidFill>
@@ -17062,6 +19582,27 @@
           <a:lstStyle/>
           <a:p>
             <a:pPr lvl="0" algn="ctr"/>
+            <a:r>
+              <a:rPr lang="en-US" altLang="ko-KR" sz="4800" b="1" dirty="0">
+                <a:solidFill>
+                  <a:schemeClr val="tx1">
+                    <a:lumMod val="95000"/>
+                    <a:lumOff val="5000"/>
+                  </a:schemeClr>
+                </a:solidFill>
+                <a:effectLst>
+                  <a:outerShdw blurRad="38100" dist="38100" dir="2700000" algn="tl">
+                    <a:srgbClr val="000000">
+                      <a:alpha val="43137"/>
+                    </a:srgbClr>
+                  </a:outerShdw>
+                </a:effectLst>
+                <a:latin typeface="한컴 말랑말랑 Bold" panose="020F0803000000000000" pitchFamily="50" charset="-127"/>
+                <a:ea typeface="한컴 말랑말랑 Bold" panose="020F0803000000000000" pitchFamily="50" charset="-127"/>
+                <a:cs typeface="KoPubWorld돋움체 Bold" panose="00000800000000000000" pitchFamily="2" charset="-127"/>
+              </a:rPr>
+              <a:t>User </a:t>
+            </a:r>
             <a:r>
               <a:rPr lang="ko-KR" altLang="en-US" sz="4800" b="1" dirty="0">
                 <a:solidFill>

--- a/TLRAlgorithm.pptx
+++ b/TLRAlgorithm.pptx
@@ -5,7 +5,7 @@
     <p:sldMasterId id="2147483648" r:id="rId1"/>
   </p:sldMasterIdLst>
   <p:notesMasterIdLst>
-    <p:notesMasterId r:id="rId15"/>
+    <p:notesMasterId r:id="rId20"/>
   </p:notesMasterIdLst>
   <p:sldIdLst>
     <p:sldId id="256" r:id="rId2"/>
@@ -18,9 +18,14 @@
     <p:sldId id="262" r:id="rId9"/>
     <p:sldId id="265" r:id="rId10"/>
     <p:sldId id="264" r:id="rId11"/>
-    <p:sldId id="267" r:id="rId12"/>
-    <p:sldId id="266" r:id="rId13"/>
-    <p:sldId id="268" r:id="rId14"/>
+    <p:sldId id="271" r:id="rId12"/>
+    <p:sldId id="267" r:id="rId13"/>
+    <p:sldId id="266" r:id="rId14"/>
+    <p:sldId id="268" r:id="rId15"/>
+    <p:sldId id="272" r:id="rId16"/>
+    <p:sldId id="270" r:id="rId17"/>
+    <p:sldId id="472" r:id="rId18"/>
+    <p:sldId id="473" r:id="rId19"/>
   </p:sldIdLst>
   <p:sldSz cx="12192000" cy="6858000"/>
   <p:notesSz cx="6858000" cy="9144000"/>
@@ -474,6 +479,67 @@
     </a:lvl9pPr>
   </p:notesStyle>
 </p:notesMaster>
+</file>
+
+<file path=ppt/notesSlides/notesSlide1.xml><?xml version="1.0" encoding="utf-8"?>
+<p:notes xmlns:a="http://schemas.openxmlformats.org/drawingml/2006/main" xmlns:r="http://schemas.openxmlformats.org/officeDocument/2006/relationships" xmlns:p="http://schemas.openxmlformats.org/presentationml/2006/main">
+  <p:cSld>
+    <p:spTree>
+      <p:nvGrpSpPr>
+        <p:cNvPr id="1" name=""/>
+        <p:cNvGrpSpPr/>
+        <p:nvPr/>
+      </p:nvGrpSpPr>
+      <p:grpSpPr>
+        <a:xfrm>
+          <a:off x="0" y="0"/>
+          <a:ext cx="0" cy="0"/>
+          <a:chOff x="0" y="0"/>
+          <a:chExt cx="0" cy="0"/>
+        </a:xfrm>
+      </p:grpSpPr>
+      <p:sp>
+        <p:nvSpPr>
+          <p:cNvPr id="2" name="슬라이드 이미지 개체 틀 1"/>
+          <p:cNvSpPr>
+            <a:spLocks noGrp="1" noRot="1" noChangeAspect="1"/>
+          </p:cNvSpPr>
+          <p:nvPr>
+            <p:ph type="sldImg"/>
+          </p:nvPr>
+        </p:nvSpPr>
+        <p:spPr/>
+      </p:sp>
+      <p:sp>
+        <p:nvSpPr>
+          <p:cNvPr id="3" name="슬라이드 노트 개체 틀 2"/>
+          <p:cNvSpPr>
+            <a:spLocks noGrp="1"/>
+          </p:cNvSpPr>
+          <p:nvPr>
+            <p:ph type="body" idx="1"/>
+          </p:nvPr>
+        </p:nvSpPr>
+        <p:spPr/>
+        <p:txBody>
+          <a:bodyPr/>
+          <a:lstStyle/>
+          <a:p>
+            <a:endParaRPr lang="ko-KR" altLang="en-US" dirty="0"/>
+          </a:p>
+        </p:txBody>
+      </p:sp>
+    </p:spTree>
+    <p:extLst>
+      <p:ext uri="{BB962C8B-B14F-4D97-AF65-F5344CB8AC3E}">
+        <p14:creationId xmlns:p14="http://schemas.microsoft.com/office/powerpoint/2010/main" val="2320306528"/>
+      </p:ext>
+    </p:extLst>
+  </p:cSld>
+  <p:clrMapOvr>
+    <a:masterClrMapping/>
+  </p:clrMapOvr>
+</p:notes>
 </file>
 
 <file path=ppt/slideLayouts/slideLayout1.xml><?xml version="1.0" encoding="utf-8"?>
@@ -4048,6 +4114,439 @@
       </p:grpSpPr>
       <p:sp>
         <p:nvSpPr>
+          <p:cNvPr id="11" name="직사각형 10">
+            <a:extLst>
+              <a:ext uri="{FF2B5EF4-FFF2-40B4-BE49-F238E27FC236}">
+                <a16:creationId xmlns:a16="http://schemas.microsoft.com/office/drawing/2014/main" id="{71B79937-BF21-DF01-8EA4-3EB7328BE6B9}"/>
+              </a:ext>
+            </a:extLst>
+          </p:cNvPr>
+          <p:cNvSpPr/>
+          <p:nvPr/>
+        </p:nvSpPr>
+        <p:spPr>
+          <a:xfrm>
+            <a:off x="0" y="0"/>
+            <a:ext cx="12192000" cy="965200"/>
+          </a:xfrm>
+          <a:prstGeom prst="rect">
+            <a:avLst/>
+          </a:prstGeom>
+          <a:solidFill>
+            <a:srgbClr val="BDAA9F"/>
+          </a:solidFill>
+          <a:ln>
+            <a:noFill/>
+          </a:ln>
+        </p:spPr>
+        <p:style>
+          <a:lnRef idx="2">
+            <a:schemeClr val="accent1">
+              <a:shade val="50000"/>
+            </a:schemeClr>
+          </a:lnRef>
+          <a:fillRef idx="1">
+            <a:schemeClr val="accent1"/>
+          </a:fillRef>
+          <a:effectRef idx="0">
+            <a:schemeClr val="accent1"/>
+          </a:effectRef>
+          <a:fontRef idx="minor">
+            <a:schemeClr val="lt1"/>
+          </a:fontRef>
+        </p:style>
+        <p:txBody>
+          <a:bodyPr rtlCol="0" anchor="ctr"/>
+          <a:lstStyle/>
+          <a:p>
+            <a:pPr algn="ctr"/>
+            <a:endParaRPr lang="ko-KR" altLang="en-US">
+              <a:latin typeface="한컴 말랑말랑 Bold" panose="020F0803000000000000" pitchFamily="50" charset="-127"/>
+              <a:ea typeface="한컴 말랑말랑 Bold" panose="020F0803000000000000" pitchFamily="50" charset="-127"/>
+            </a:endParaRPr>
+          </a:p>
+        </p:txBody>
+      </p:sp>
+      <p:sp>
+        <p:nvSpPr>
+          <p:cNvPr id="14" name="TextBox 13">
+            <a:extLst>
+              <a:ext uri="{FF2B5EF4-FFF2-40B4-BE49-F238E27FC236}">
+                <a16:creationId xmlns:a16="http://schemas.microsoft.com/office/drawing/2014/main" id="{453D1162-D58A-E7DC-0A63-A3BC49954DC0}"/>
+              </a:ext>
+            </a:extLst>
+          </p:cNvPr>
+          <p:cNvSpPr txBox="1"/>
+          <p:nvPr/>
+        </p:nvSpPr>
+        <p:spPr>
+          <a:xfrm>
+            <a:off x="0" y="39757"/>
+            <a:ext cx="12192000" cy="830997"/>
+          </a:xfrm>
+          <a:prstGeom prst="rect">
+            <a:avLst/>
+          </a:prstGeom>
+          <a:noFill/>
+        </p:spPr>
+        <p:txBody>
+          <a:bodyPr wrap="square">
+            <a:spAutoFit/>
+          </a:bodyPr>
+          <a:lstStyle/>
+          <a:p>
+            <a:pPr lvl="0" algn="ctr"/>
+            <a:r>
+              <a:rPr lang="ko-KR" altLang="en-US" sz="4800" b="1" dirty="0">
+                <a:latin typeface="한컴 말랑말랑 Bold" panose="020F0803000000000000" pitchFamily="50" charset="-127"/>
+                <a:ea typeface="한컴 말랑말랑 Bold" panose="020F0803000000000000" pitchFamily="50" charset="-127"/>
+              </a:rPr>
+              <a:t>대표 술 좌표 생성 알고리즘 설명</a:t>
+            </a:r>
+            <a:endParaRPr lang="ko-KR" altLang="en-US" sz="4800" b="1" dirty="0">
+              <a:solidFill>
+                <a:schemeClr val="tx1">
+                  <a:lumMod val="95000"/>
+                  <a:lumOff val="5000"/>
+                </a:schemeClr>
+              </a:solidFill>
+              <a:effectLst>
+                <a:outerShdw blurRad="38100" dist="38100" dir="2700000" algn="tl">
+                  <a:srgbClr val="000000">
+                    <a:alpha val="43137"/>
+                  </a:srgbClr>
+                </a:outerShdw>
+              </a:effectLst>
+              <a:latin typeface="한컴 말랑말랑 Bold" panose="020F0803000000000000" pitchFamily="50" charset="-127"/>
+              <a:ea typeface="한컴 말랑말랑 Bold" panose="020F0803000000000000" pitchFamily="50" charset="-127"/>
+              <a:cs typeface="KoPubWorld돋움체 Bold" panose="00000800000000000000" pitchFamily="2" charset="-127"/>
+            </a:endParaRPr>
+          </a:p>
+        </p:txBody>
+      </p:sp>
+      <p:pic>
+        <p:nvPicPr>
+          <p:cNvPr id="12" name="그림 11">
+            <a:extLst>
+              <a:ext uri="{FF2B5EF4-FFF2-40B4-BE49-F238E27FC236}">
+                <a16:creationId xmlns:a16="http://schemas.microsoft.com/office/drawing/2014/main" id="{138EAE0F-253D-9FEE-0D53-BDE93D4D4100}"/>
+              </a:ext>
+            </a:extLst>
+          </p:cNvPr>
+          <p:cNvPicPr>
+            <a:picLocks noChangeAspect="1"/>
+          </p:cNvPicPr>
+          <p:nvPr/>
+        </p:nvPicPr>
+        <p:blipFill rotWithShape="1">
+          <a:blip r:embed="rId2"/>
+          <a:srcRect l="1155" t="1336" r="33525" b="1649"/>
+          <a:stretch/>
+        </p:blipFill>
+        <p:spPr>
+          <a:xfrm>
+            <a:off x="0" y="965200"/>
+            <a:ext cx="6338047" cy="5892799"/>
+          </a:xfrm>
+          <a:prstGeom prst="rect">
+            <a:avLst/>
+          </a:prstGeom>
+        </p:spPr>
+      </p:pic>
+      <p:sp>
+        <p:nvSpPr>
+          <p:cNvPr id="15" name="TextBox 14">
+            <a:extLst>
+              <a:ext uri="{FF2B5EF4-FFF2-40B4-BE49-F238E27FC236}">
+                <a16:creationId xmlns:a16="http://schemas.microsoft.com/office/drawing/2014/main" id="{A37A5A88-21B1-FECD-4F54-7E989A26DDD2}"/>
+              </a:ext>
+            </a:extLst>
+          </p:cNvPr>
+          <p:cNvSpPr txBox="1"/>
+          <p:nvPr/>
+        </p:nvSpPr>
+        <p:spPr>
+          <a:xfrm>
+            <a:off x="6338046" y="2102240"/>
+            <a:ext cx="5853952" cy="461665"/>
+          </a:xfrm>
+          <a:prstGeom prst="rect">
+            <a:avLst/>
+          </a:prstGeom>
+          <a:noFill/>
+        </p:spPr>
+        <p:txBody>
+          <a:bodyPr wrap="square" rtlCol="0">
+            <a:spAutoFit/>
+          </a:bodyPr>
+          <a:lstStyle/>
+          <a:p>
+            <a:pPr algn="ctr"/>
+            <a:r>
+              <a:rPr lang="ko-KR" altLang="en-US" sz="2400" b="1" dirty="0">
+                <a:latin typeface="한컴 말랑말랑 Bold" panose="020F0803000000000000" pitchFamily="50" charset="-127"/>
+                <a:ea typeface="한컴 말랑말랑 Bold" panose="020F0803000000000000" pitchFamily="50" charset="-127"/>
+              </a:rPr>
+              <a:t>대표 술 좌표 생성 알고리즘 </a:t>
+            </a:r>
+          </a:p>
+        </p:txBody>
+      </p:sp>
+      <p:sp>
+        <p:nvSpPr>
+          <p:cNvPr id="17" name="TextBox 16">
+            <a:extLst>
+              <a:ext uri="{FF2B5EF4-FFF2-40B4-BE49-F238E27FC236}">
+                <a16:creationId xmlns:a16="http://schemas.microsoft.com/office/drawing/2014/main" id="{BE0DCC48-DB16-5162-C20D-FEF1E19F140D}"/>
+              </a:ext>
+            </a:extLst>
+          </p:cNvPr>
+          <p:cNvSpPr txBox="1"/>
+          <p:nvPr/>
+        </p:nvSpPr>
+        <p:spPr>
+          <a:xfrm>
+            <a:off x="6732494" y="2950876"/>
+            <a:ext cx="5136777" cy="1323439"/>
+          </a:xfrm>
+          <a:prstGeom prst="rect">
+            <a:avLst/>
+          </a:prstGeom>
+          <a:noFill/>
+        </p:spPr>
+        <p:txBody>
+          <a:bodyPr wrap="square" rtlCol="0">
+            <a:spAutoFit/>
+          </a:bodyPr>
+          <a:lstStyle/>
+          <a:p>
+            <a:pPr marL="285750" indent="-285750">
+              <a:buFontTx/>
+              <a:buChar char="-"/>
+            </a:pPr>
+            <a:r>
+              <a:rPr lang="ko-KR" altLang="en-US" sz="1600" dirty="0">
+                <a:latin typeface="한컴 말랑말랑 Bold" panose="020F0803000000000000" pitchFamily="50" charset="-127"/>
+                <a:ea typeface="한컴 말랑말랑 Bold" panose="020F0803000000000000" pitchFamily="50" charset="-127"/>
+              </a:rPr>
+              <a:t>사용자가 </a:t>
+            </a:r>
+            <a:r>
+              <a:rPr lang="ko-KR" altLang="en-US" sz="1600" dirty="0">
+                <a:solidFill>
+                  <a:srgbClr val="00B0F0"/>
+                </a:solidFill>
+                <a:latin typeface="한컴 말랑말랑 Bold" panose="020F0803000000000000" pitchFamily="50" charset="-127"/>
+                <a:ea typeface="한컴 말랑말랑 Bold" panose="020F0803000000000000" pitchFamily="50" charset="-127"/>
+              </a:rPr>
+              <a:t>선호하는 술을 선택</a:t>
+            </a:r>
+            <a:r>
+              <a:rPr lang="ko-KR" altLang="en-US" sz="1600" dirty="0">
+                <a:latin typeface="한컴 말랑말랑 Bold" panose="020F0803000000000000" pitchFamily="50" charset="-127"/>
+                <a:ea typeface="한컴 말랑말랑 Bold" panose="020F0803000000000000" pitchFamily="50" charset="-127"/>
+              </a:rPr>
+              <a:t>하는 단계에 적용</a:t>
+            </a:r>
+            <a:endParaRPr lang="en-US" altLang="ko-KR" sz="1600" dirty="0">
+              <a:latin typeface="한컴 말랑말랑 Bold" panose="020F0803000000000000" pitchFamily="50" charset="-127"/>
+              <a:ea typeface="한컴 말랑말랑 Bold" panose="020F0803000000000000" pitchFamily="50" charset="-127"/>
+            </a:endParaRPr>
+          </a:p>
+          <a:p>
+            <a:pPr marL="285750" indent="-285750">
+              <a:buFontTx/>
+              <a:buChar char="-"/>
+            </a:pPr>
+            <a:endParaRPr lang="en-US" altLang="ko-KR" sz="1600" dirty="0">
+              <a:latin typeface="한컴 말랑말랑 Bold" panose="020F0803000000000000" pitchFamily="50" charset="-127"/>
+              <a:ea typeface="한컴 말랑말랑 Bold" panose="020F0803000000000000" pitchFamily="50" charset="-127"/>
+            </a:endParaRPr>
+          </a:p>
+          <a:p>
+            <a:pPr marL="285750" indent="-285750">
+              <a:buFontTx/>
+              <a:buChar char="-"/>
+            </a:pPr>
+            <a:r>
+              <a:rPr lang="ko-KR" altLang="en-US" sz="1600" dirty="0">
+                <a:latin typeface="한컴 말랑말랑 Bold" panose="020F0803000000000000" pitchFamily="50" charset="-127"/>
+                <a:ea typeface="한컴 말랑말랑 Bold" panose="020F0803000000000000" pitchFamily="50" charset="-127"/>
+              </a:rPr>
+              <a:t>선호하는 술 선택 시 해당 술들을 </a:t>
+            </a:r>
+            <a:r>
+              <a:rPr lang="ko-KR" altLang="en-US" sz="1600" dirty="0">
+                <a:solidFill>
+                  <a:srgbClr val="00B0F0"/>
+                </a:solidFill>
+                <a:latin typeface="한컴 말랑말랑 Bold" panose="020F0803000000000000" pitchFamily="50" charset="-127"/>
+                <a:ea typeface="한컴 말랑말랑 Bold" panose="020F0803000000000000" pitchFamily="50" charset="-127"/>
+              </a:rPr>
+              <a:t>대표하는 값을 생성</a:t>
+            </a:r>
+            <a:endParaRPr lang="en-US" altLang="ko-KR" sz="1600" dirty="0">
+              <a:solidFill>
+                <a:srgbClr val="00B0F0"/>
+              </a:solidFill>
+              <a:latin typeface="한컴 말랑말랑 Bold" panose="020F0803000000000000" pitchFamily="50" charset="-127"/>
+              <a:ea typeface="한컴 말랑말랑 Bold" panose="020F0803000000000000" pitchFamily="50" charset="-127"/>
+            </a:endParaRPr>
+          </a:p>
+          <a:p>
+            <a:pPr marL="285750" indent="-285750">
+              <a:buFontTx/>
+              <a:buChar char="-"/>
+            </a:pPr>
+            <a:endParaRPr lang="en-US" altLang="ko-KR" sz="1600" dirty="0">
+              <a:latin typeface="한컴 말랑말랑 Bold" panose="020F0803000000000000" pitchFamily="50" charset="-127"/>
+              <a:ea typeface="한컴 말랑말랑 Bold" panose="020F0803000000000000" pitchFamily="50" charset="-127"/>
+            </a:endParaRPr>
+          </a:p>
+          <a:p>
+            <a:pPr marL="285750" indent="-285750">
+              <a:buFontTx/>
+              <a:buChar char="-"/>
+            </a:pPr>
+            <a:r>
+              <a:rPr lang="ko-KR" altLang="en-US" sz="1600" dirty="0">
+                <a:latin typeface="한컴 말랑말랑 Bold" panose="020F0803000000000000" pitchFamily="50" charset="-127"/>
+                <a:ea typeface="한컴 말랑말랑 Bold" panose="020F0803000000000000" pitchFamily="50" charset="-127"/>
+              </a:rPr>
+              <a:t>해당 값을 기준으로 이후의 알고리즘을 적용</a:t>
+            </a:r>
+            <a:endParaRPr lang="en-US" altLang="ko-KR" sz="1600" dirty="0">
+              <a:latin typeface="한컴 말랑말랑 Bold" panose="020F0803000000000000" pitchFamily="50" charset="-127"/>
+              <a:ea typeface="한컴 말랑말랑 Bold" panose="020F0803000000000000" pitchFamily="50" charset="-127"/>
+            </a:endParaRPr>
+          </a:p>
+        </p:txBody>
+      </p:sp>
+      <p:sp>
+        <p:nvSpPr>
+          <p:cNvPr id="2" name="직사각형 1">
+            <a:extLst>
+              <a:ext uri="{FF2B5EF4-FFF2-40B4-BE49-F238E27FC236}">
+                <a16:creationId xmlns:a16="http://schemas.microsoft.com/office/drawing/2014/main" id="{F7E2BAC1-AC7B-11DA-1643-9790DDC4AA9B}"/>
+              </a:ext>
+            </a:extLst>
+          </p:cNvPr>
+          <p:cNvSpPr/>
+          <p:nvPr/>
+        </p:nvSpPr>
+        <p:spPr>
+          <a:xfrm>
+            <a:off x="26893" y="3263153"/>
+            <a:ext cx="6275291" cy="546847"/>
+          </a:xfrm>
+          <a:prstGeom prst="rect">
+            <a:avLst/>
+          </a:prstGeom>
+          <a:noFill/>
+          <a:ln w="57150">
+            <a:solidFill>
+              <a:srgbClr val="FF0000"/>
+            </a:solidFill>
+          </a:ln>
+        </p:spPr>
+        <p:style>
+          <a:lnRef idx="2">
+            <a:schemeClr val="accent1">
+              <a:shade val="15000"/>
+            </a:schemeClr>
+          </a:lnRef>
+          <a:fillRef idx="1">
+            <a:schemeClr val="accent1"/>
+          </a:fillRef>
+          <a:effectRef idx="0">
+            <a:schemeClr val="accent1"/>
+          </a:effectRef>
+          <a:fontRef idx="minor">
+            <a:schemeClr val="lt1"/>
+          </a:fontRef>
+        </p:style>
+        <p:txBody>
+          <a:bodyPr rtlCol="0" anchor="ctr"/>
+          <a:lstStyle/>
+          <a:p>
+            <a:pPr algn="ctr"/>
+            <a:endParaRPr lang="ko-KR" altLang="en-US"/>
+          </a:p>
+        </p:txBody>
+      </p:sp>
+      <p:sp>
+        <p:nvSpPr>
+          <p:cNvPr id="3" name="TextBox 2">
+            <a:extLst>
+              <a:ext uri="{FF2B5EF4-FFF2-40B4-BE49-F238E27FC236}">
+                <a16:creationId xmlns:a16="http://schemas.microsoft.com/office/drawing/2014/main" id="{E013EA86-65ED-916E-C145-111F9EAFFEF7}"/>
+              </a:ext>
+            </a:extLst>
+          </p:cNvPr>
+          <p:cNvSpPr txBox="1"/>
+          <p:nvPr/>
+        </p:nvSpPr>
+        <p:spPr>
+          <a:xfrm>
+            <a:off x="5325033" y="2893821"/>
+            <a:ext cx="1013013" cy="369332"/>
+          </a:xfrm>
+          <a:prstGeom prst="rect">
+            <a:avLst/>
+          </a:prstGeom>
+          <a:noFill/>
+        </p:spPr>
+        <p:txBody>
+          <a:bodyPr wrap="square" rtlCol="0">
+            <a:spAutoFit/>
+          </a:bodyPr>
+          <a:lstStyle/>
+          <a:p>
+            <a:r>
+              <a:rPr lang="ko-KR" altLang="en-US" dirty="0">
+                <a:solidFill>
+                  <a:srgbClr val="C00000"/>
+                </a:solidFill>
+                <a:latin typeface="한컴 말랑말랑 Bold" panose="020F0803000000000000" pitchFamily="50" charset="-127"/>
+                <a:ea typeface="한컴 말랑말랑 Bold" panose="020F0803000000000000" pitchFamily="50" charset="-127"/>
+              </a:rPr>
+              <a:t>적용단계</a:t>
+            </a:r>
+          </a:p>
+        </p:txBody>
+      </p:sp>
+    </p:spTree>
+    <p:extLst>
+      <p:ext uri="{BB962C8B-B14F-4D97-AF65-F5344CB8AC3E}">
+        <p14:creationId xmlns:p14="http://schemas.microsoft.com/office/powerpoint/2010/main" val="830498442"/>
+      </p:ext>
+    </p:extLst>
+  </p:cSld>
+  <p:clrMapOvr>
+    <a:masterClrMapping/>
+  </p:clrMapOvr>
+</p:sld>
+</file>
+
+<file path=ppt/slides/slide12.xml><?xml version="1.0" encoding="utf-8"?>
+<p:sld xmlns:a="http://schemas.openxmlformats.org/drawingml/2006/main" xmlns:r="http://schemas.openxmlformats.org/officeDocument/2006/relationships" xmlns:p="http://schemas.openxmlformats.org/presentationml/2006/main">
+  <p:cSld>
+    <p:spTree>
+      <p:nvGrpSpPr>
+        <p:cNvPr id="1" name=""/>
+        <p:cNvGrpSpPr/>
+        <p:nvPr/>
+      </p:nvGrpSpPr>
+      <p:grpSpPr>
+        <a:xfrm>
+          <a:off x="0" y="0"/>
+          <a:ext cx="0" cy="0"/>
+          <a:chOff x="0" y="0"/>
+          <a:chExt cx="0" cy="0"/>
+        </a:xfrm>
+      </p:grpSpPr>
+      <p:sp>
+        <p:nvSpPr>
           <p:cNvPr id="5" name="직사각형 4">
             <a:extLst>
               <a:ext uri="{FF2B5EF4-FFF2-40B4-BE49-F238E27FC236}">
@@ -6580,7 +7079,7 @@
             <a:r>
               <a:rPr lang="en-US" altLang="ko-KR" sz="1400" b="1" dirty="0">
                 <a:solidFill>
-                  <a:srgbClr val="FF0000"/>
+                  <a:srgbClr val="C00000"/>
                 </a:solidFill>
                 <a:latin typeface="한컴 말랑말랑 Bold" panose="020F0803000000000000" pitchFamily="50" charset="-127"/>
                 <a:ea typeface="한컴 말랑말랑 Bold" panose="020F0803000000000000" pitchFamily="50" charset="-127"/>
@@ -6930,7 +7429,7 @@
 </p:sld>
 </file>
 
-<file path=ppt/slides/slide12.xml><?xml version="1.0" encoding="utf-8"?>
+<file path=ppt/slides/slide13.xml><?xml version="1.0" encoding="utf-8"?>
 <p:sld xmlns:a="http://schemas.openxmlformats.org/drawingml/2006/main" xmlns:r="http://schemas.openxmlformats.org/officeDocument/2006/relationships" xmlns:p="http://schemas.openxmlformats.org/presentationml/2006/main">
   <p:cSld>
     <p:spTree>
@@ -7945,125 +8444,6 @@
                 <a:cs typeface="KoPubWorld돋움체 Bold" panose="00000800000000000000" pitchFamily="2" charset="-127"/>
               </a:rPr>
               <a:t> 설정</a:t>
-            </a:r>
-          </a:p>
-        </p:txBody>
-      </p:sp>
-      <p:sp>
-        <p:nvSpPr>
-          <p:cNvPr id="10" name="Google Shape;98;p1">
-            <a:extLst>
-              <a:ext uri="{FF2B5EF4-FFF2-40B4-BE49-F238E27FC236}">
-                <a16:creationId xmlns:a16="http://schemas.microsoft.com/office/drawing/2014/main" id="{C8D4068B-A243-A3C9-0930-F72F4C5C656B}"/>
-              </a:ext>
-            </a:extLst>
-          </p:cNvPr>
-          <p:cNvSpPr txBox="1"/>
-          <p:nvPr/>
-        </p:nvSpPr>
-        <p:spPr>
-          <a:xfrm>
-            <a:off x="224118" y="4487163"/>
-            <a:ext cx="1065850" cy="507791"/>
-          </a:xfrm>
-          <a:prstGeom prst="rect">
-            <a:avLst/>
-          </a:prstGeom>
-          <a:noFill/>
-          <a:ln>
-            <a:noFill/>
-          </a:ln>
-        </p:spPr>
-        <p:txBody>
-          <a:bodyPr spcFirstLastPara="1" wrap="square" lIns="91425" tIns="45700" rIns="91425" bIns="45700" anchor="t" anchorCtr="0">
-            <a:spAutoFit/>
-          </a:bodyPr>
-          <a:lstStyle/>
-          <a:p>
-            <a:pPr lvl="0">
-              <a:lnSpc>
-                <a:spcPct val="150000"/>
-              </a:lnSpc>
-            </a:pPr>
-            <a:r>
-              <a:rPr lang="ko-KR" altLang="en-US" sz="1800" b="1" dirty="0">
-                <a:solidFill>
-                  <a:schemeClr val="tx1"/>
-                </a:solidFill>
-                <a:latin typeface="한컴 말랑말랑 Bold" panose="020F0803000000000000" pitchFamily="50" charset="-127"/>
-                <a:ea typeface="한컴 말랑말랑 Bold" panose="020F0803000000000000" pitchFamily="50" charset="-127"/>
-                <a:cs typeface="KoPubWorld돋움체 Medium" panose="00000600000000000000" pitchFamily="2" charset="-127"/>
-              </a:rPr>
-              <a:t>적용 </a:t>
-            </a:r>
-            <a:r>
-              <a:rPr lang="ko-KR" altLang="en-US" sz="1800" b="1" dirty="0" err="1">
-                <a:solidFill>
-                  <a:schemeClr val="tx1"/>
-                </a:solidFill>
-                <a:latin typeface="한컴 말랑말랑 Bold" panose="020F0803000000000000" pitchFamily="50" charset="-127"/>
-                <a:ea typeface="한컴 말랑말랑 Bold" panose="020F0803000000000000" pitchFamily="50" charset="-127"/>
-                <a:cs typeface="KoPubWorld돋움체 Medium" panose="00000600000000000000" pitchFamily="2" charset="-127"/>
-              </a:rPr>
-              <a:t>로직</a:t>
-            </a:r>
-            <a:endParaRPr lang="ko-KR" altLang="en-US" sz="1800" b="1" dirty="0">
-              <a:solidFill>
-                <a:schemeClr val="tx1"/>
-              </a:solidFill>
-              <a:latin typeface="한컴 말랑말랑 Bold" panose="020F0803000000000000" pitchFamily="50" charset="-127"/>
-              <a:ea typeface="한컴 말랑말랑 Bold" panose="020F0803000000000000" pitchFamily="50" charset="-127"/>
-              <a:cs typeface="KoPubWorld돋움체 Medium" panose="00000600000000000000" pitchFamily="2" charset="-127"/>
-            </a:endParaRPr>
-          </a:p>
-        </p:txBody>
-      </p:sp>
-      <p:sp>
-        <p:nvSpPr>
-          <p:cNvPr id="12" name="Google Shape;98;p1">
-            <a:extLst>
-              <a:ext uri="{FF2B5EF4-FFF2-40B4-BE49-F238E27FC236}">
-                <a16:creationId xmlns:a16="http://schemas.microsoft.com/office/drawing/2014/main" id="{325E4636-1A08-24C9-5E91-A94C8C03A8E3}"/>
-              </a:ext>
-            </a:extLst>
-          </p:cNvPr>
-          <p:cNvSpPr txBox="1"/>
-          <p:nvPr/>
-        </p:nvSpPr>
-        <p:spPr>
-          <a:xfrm>
-            <a:off x="224118" y="2800094"/>
-            <a:ext cx="1470211" cy="507791"/>
-          </a:xfrm>
-          <a:prstGeom prst="rect">
-            <a:avLst/>
-          </a:prstGeom>
-          <a:noFill/>
-          <a:ln>
-            <a:noFill/>
-          </a:ln>
-        </p:spPr>
-        <p:txBody>
-          <a:bodyPr spcFirstLastPara="1" wrap="square" lIns="91425" tIns="45700" rIns="91425" bIns="45700" anchor="t" anchorCtr="0">
-            <a:spAutoFit/>
-          </a:bodyPr>
-          <a:lstStyle/>
-          <a:p>
-            <a:pPr lvl="0">
-              <a:lnSpc>
-                <a:spcPct val="150000"/>
-              </a:lnSpc>
-            </a:pPr>
-            <a:r>
-              <a:rPr lang="ko-KR" altLang="en-US" sz="1800" b="1" dirty="0">
-                <a:solidFill>
-                  <a:schemeClr val="tx1"/>
-                </a:solidFill>
-                <a:latin typeface="한컴 말랑말랑 Bold" panose="020F0803000000000000" pitchFamily="50" charset="-127"/>
-                <a:ea typeface="한컴 말랑말랑 Bold" panose="020F0803000000000000" pitchFamily="50" charset="-127"/>
-                <a:cs typeface="KoPubWorld돋움체 Medium" panose="00000600000000000000" pitchFamily="2" charset="-127"/>
-              </a:rPr>
-              <a:t>사용자의 입력</a:t>
             </a:r>
           </a:p>
         </p:txBody>
@@ -8782,6 +9162,167 @@
           </a:p>
         </p:txBody>
       </p:sp>
+      <p:sp>
+        <p:nvSpPr>
+          <p:cNvPr id="3" name="모서리가 둥근 직사각형 17">
+            <a:extLst>
+              <a:ext uri="{FF2B5EF4-FFF2-40B4-BE49-F238E27FC236}">
+                <a16:creationId xmlns:a16="http://schemas.microsoft.com/office/drawing/2014/main" id="{18B35346-ABC7-C36D-39E6-6BF826CBBCC0}"/>
+              </a:ext>
+            </a:extLst>
+          </p:cNvPr>
+          <p:cNvSpPr/>
+          <p:nvPr/>
+        </p:nvSpPr>
+        <p:spPr>
+          <a:xfrm>
+            <a:off x="215153" y="2793468"/>
+            <a:ext cx="2649989" cy="481579"/>
+          </a:xfrm>
+          <a:prstGeom prst="roundRect">
+            <a:avLst>
+              <a:gd name="adj" fmla="val 0"/>
+            </a:avLst>
+          </a:prstGeom>
+          <a:solidFill>
+            <a:srgbClr val="56453B"/>
+          </a:solidFill>
+          <a:ln>
+            <a:noFill/>
+          </a:ln>
+          <a:effectLst>
+            <a:outerShdw blurRad="50800" dist="38100" dir="2700000" algn="tl" rotWithShape="0">
+              <a:prstClr val="black">
+                <a:alpha val="40000"/>
+              </a:prstClr>
+            </a:outerShdw>
+          </a:effectLst>
+        </p:spPr>
+        <p:style>
+          <a:lnRef idx="2">
+            <a:schemeClr val="accent1">
+              <a:shade val="50000"/>
+            </a:schemeClr>
+          </a:lnRef>
+          <a:fillRef idx="1">
+            <a:schemeClr val="accent1"/>
+          </a:fillRef>
+          <a:effectRef idx="0">
+            <a:schemeClr val="accent1"/>
+          </a:effectRef>
+          <a:fontRef idx="minor">
+            <a:schemeClr val="lt1"/>
+          </a:fontRef>
+        </p:style>
+        <p:txBody>
+          <a:bodyPr rtlCol="0" anchor="ctr"/>
+          <a:lstStyle/>
+          <a:p>
+            <a:pPr lvl="0" algn="ctr">
+              <a:lnSpc>
+                <a:spcPct val="150000"/>
+              </a:lnSpc>
+            </a:pPr>
+            <a:r>
+              <a:rPr lang="en-US" altLang="ko-KR" sz="2000" dirty="0">
+                <a:solidFill>
+                  <a:schemeClr val="bg1"/>
+                </a:solidFill>
+                <a:latin typeface="한컴 말랑말랑 Bold" panose="020F0803000000000000" pitchFamily="50" charset="-127"/>
+                <a:ea typeface="한컴 말랑말랑 Bold" panose="020F0803000000000000" pitchFamily="50" charset="-127"/>
+                <a:cs typeface="KoPubWorld돋움체 Bold" panose="00000800000000000000" pitchFamily="2" charset="-127"/>
+              </a:rPr>
+              <a:t>EX) </a:t>
+            </a:r>
+            <a:r>
+              <a:rPr lang="ko-KR" altLang="en-US" sz="2000" dirty="0">
+                <a:solidFill>
+                  <a:schemeClr val="bg1"/>
+                </a:solidFill>
+                <a:latin typeface="한컴 말랑말랑 Bold" panose="020F0803000000000000" pitchFamily="50" charset="-127"/>
+                <a:ea typeface="한컴 말랑말랑 Bold" panose="020F0803000000000000" pitchFamily="50" charset="-127"/>
+                <a:cs typeface="KoPubWorld돋움체 Bold" panose="00000800000000000000" pitchFamily="2" charset="-127"/>
+              </a:rPr>
+              <a:t>사용자의 입력</a:t>
+            </a:r>
+          </a:p>
+        </p:txBody>
+      </p:sp>
+      <p:sp>
+        <p:nvSpPr>
+          <p:cNvPr id="5" name="모서리가 둥근 직사각형 17">
+            <a:extLst>
+              <a:ext uri="{FF2B5EF4-FFF2-40B4-BE49-F238E27FC236}">
+                <a16:creationId xmlns:a16="http://schemas.microsoft.com/office/drawing/2014/main" id="{9BDC4C58-7852-20CC-80D6-34CFE7226E13}"/>
+              </a:ext>
+            </a:extLst>
+          </p:cNvPr>
+          <p:cNvSpPr/>
+          <p:nvPr/>
+        </p:nvSpPr>
+        <p:spPr>
+          <a:xfrm>
+            <a:off x="236635" y="4507444"/>
+            <a:ext cx="2649989" cy="481579"/>
+          </a:xfrm>
+          <a:prstGeom prst="roundRect">
+            <a:avLst>
+              <a:gd name="adj" fmla="val 0"/>
+            </a:avLst>
+          </a:prstGeom>
+          <a:solidFill>
+            <a:srgbClr val="56453B"/>
+          </a:solidFill>
+          <a:ln>
+            <a:noFill/>
+          </a:ln>
+          <a:effectLst>
+            <a:outerShdw blurRad="50800" dist="38100" dir="2700000" algn="tl" rotWithShape="0">
+              <a:prstClr val="black">
+                <a:alpha val="40000"/>
+              </a:prstClr>
+            </a:outerShdw>
+          </a:effectLst>
+        </p:spPr>
+        <p:style>
+          <a:lnRef idx="2">
+            <a:schemeClr val="accent1">
+              <a:shade val="50000"/>
+            </a:schemeClr>
+          </a:lnRef>
+          <a:fillRef idx="1">
+            <a:schemeClr val="accent1"/>
+          </a:fillRef>
+          <a:effectRef idx="0">
+            <a:schemeClr val="accent1"/>
+          </a:effectRef>
+          <a:fontRef idx="minor">
+            <a:schemeClr val="lt1"/>
+          </a:fontRef>
+        </p:style>
+        <p:txBody>
+          <a:bodyPr rtlCol="0" anchor="ctr"/>
+          <a:lstStyle/>
+          <a:p>
+            <a:pPr lvl="0" algn="ctr">
+              <a:lnSpc>
+                <a:spcPct val="150000"/>
+              </a:lnSpc>
+            </a:pPr>
+            <a:r>
+              <a:rPr lang="ko-KR" altLang="en-US" sz="2000" dirty="0">
+                <a:solidFill>
+                  <a:schemeClr val="bg1"/>
+                </a:solidFill>
+                <a:latin typeface="한컴 말랑말랑 Bold" panose="020F0803000000000000" pitchFamily="50" charset="-127"/>
+                <a:ea typeface="한컴 말랑말랑 Bold" panose="020F0803000000000000" pitchFamily="50" charset="-127"/>
+                <a:cs typeface="KoPubWorld돋움체 Bold" panose="00000800000000000000" pitchFamily="2" charset="-127"/>
+              </a:rPr>
+              <a:t>적용 로직</a:t>
+            </a:r>
+          </a:p>
+        </p:txBody>
+      </p:sp>
     </p:spTree>
     <p:extLst>
       <p:ext uri="{BB962C8B-B14F-4D97-AF65-F5344CB8AC3E}">
@@ -9001,7 +9542,7 @@
 </p:sld>
 </file>
 
-<file path=ppt/slides/slide13.xml><?xml version="1.0" encoding="utf-8"?>
+<file path=ppt/slides/slide14.xml><?xml version="1.0" encoding="utf-8"?>
 <p:sld xmlns:a="http://schemas.openxmlformats.org/drawingml/2006/main" xmlns:r="http://schemas.openxmlformats.org/officeDocument/2006/relationships" xmlns:p="http://schemas.openxmlformats.org/presentationml/2006/main">
   <p:cSld>
     <p:spTree>
@@ -9115,6 +9656,5229 @@
     <p:extLst>
       <p:ext uri="{BB962C8B-B14F-4D97-AF65-F5344CB8AC3E}">
         <p14:creationId xmlns:p14="http://schemas.microsoft.com/office/powerpoint/2010/main" val="3736812681"/>
+      </p:ext>
+    </p:extLst>
+  </p:cSld>
+  <p:clrMapOvr>
+    <a:masterClrMapping/>
+  </p:clrMapOvr>
+</p:sld>
+</file>
+
+<file path=ppt/slides/slide15.xml><?xml version="1.0" encoding="utf-8"?>
+<p:sld xmlns:a="http://schemas.openxmlformats.org/drawingml/2006/main" xmlns:r="http://schemas.openxmlformats.org/officeDocument/2006/relationships" xmlns:p="http://schemas.openxmlformats.org/presentationml/2006/main">
+  <p:cSld>
+    <p:spTree>
+      <p:nvGrpSpPr>
+        <p:cNvPr id="1" name=""/>
+        <p:cNvGrpSpPr/>
+        <p:nvPr/>
+      </p:nvGrpSpPr>
+      <p:grpSpPr>
+        <a:xfrm>
+          <a:off x="0" y="0"/>
+          <a:ext cx="0" cy="0"/>
+          <a:chOff x="0" y="0"/>
+          <a:chExt cx="0" cy="0"/>
+        </a:xfrm>
+      </p:grpSpPr>
+      <p:sp>
+        <p:nvSpPr>
+          <p:cNvPr id="11" name="직사각형 10">
+            <a:extLst>
+              <a:ext uri="{FF2B5EF4-FFF2-40B4-BE49-F238E27FC236}">
+                <a16:creationId xmlns:a16="http://schemas.microsoft.com/office/drawing/2014/main" id="{71B79937-BF21-DF01-8EA4-3EB7328BE6B9}"/>
+              </a:ext>
+            </a:extLst>
+          </p:cNvPr>
+          <p:cNvSpPr/>
+          <p:nvPr/>
+        </p:nvSpPr>
+        <p:spPr>
+          <a:xfrm>
+            <a:off x="0" y="0"/>
+            <a:ext cx="12192000" cy="965200"/>
+          </a:xfrm>
+          <a:prstGeom prst="rect">
+            <a:avLst/>
+          </a:prstGeom>
+          <a:solidFill>
+            <a:srgbClr val="BDAA9F"/>
+          </a:solidFill>
+          <a:ln>
+            <a:noFill/>
+          </a:ln>
+        </p:spPr>
+        <p:style>
+          <a:lnRef idx="2">
+            <a:schemeClr val="accent1">
+              <a:shade val="50000"/>
+            </a:schemeClr>
+          </a:lnRef>
+          <a:fillRef idx="1">
+            <a:schemeClr val="accent1"/>
+          </a:fillRef>
+          <a:effectRef idx="0">
+            <a:schemeClr val="accent1"/>
+          </a:effectRef>
+          <a:fontRef idx="minor">
+            <a:schemeClr val="lt1"/>
+          </a:fontRef>
+        </p:style>
+        <p:txBody>
+          <a:bodyPr rtlCol="0" anchor="ctr"/>
+          <a:lstStyle/>
+          <a:p>
+            <a:pPr algn="ctr"/>
+            <a:endParaRPr lang="ko-KR" altLang="en-US">
+              <a:latin typeface="한컴 말랑말랑 Bold" panose="020F0803000000000000" pitchFamily="50" charset="-127"/>
+              <a:ea typeface="한컴 말랑말랑 Bold" panose="020F0803000000000000" pitchFamily="50" charset="-127"/>
+            </a:endParaRPr>
+          </a:p>
+        </p:txBody>
+      </p:sp>
+      <p:sp>
+        <p:nvSpPr>
+          <p:cNvPr id="14" name="TextBox 13">
+            <a:extLst>
+              <a:ext uri="{FF2B5EF4-FFF2-40B4-BE49-F238E27FC236}">
+                <a16:creationId xmlns:a16="http://schemas.microsoft.com/office/drawing/2014/main" id="{453D1162-D58A-E7DC-0A63-A3BC49954DC0}"/>
+              </a:ext>
+            </a:extLst>
+          </p:cNvPr>
+          <p:cNvSpPr txBox="1"/>
+          <p:nvPr/>
+        </p:nvSpPr>
+        <p:spPr>
+          <a:xfrm>
+            <a:off x="0" y="39757"/>
+            <a:ext cx="12192000" cy="830997"/>
+          </a:xfrm>
+          <a:prstGeom prst="rect">
+            <a:avLst/>
+          </a:prstGeom>
+          <a:noFill/>
+        </p:spPr>
+        <p:txBody>
+          <a:bodyPr wrap="square">
+            <a:spAutoFit/>
+          </a:bodyPr>
+          <a:lstStyle/>
+          <a:p>
+            <a:pPr lvl="0" algn="ctr"/>
+            <a:r>
+              <a:rPr lang="ko-KR" altLang="en-US" sz="4800" b="1" dirty="0">
+                <a:latin typeface="한컴 말랑말랑 Bold" panose="020F0803000000000000" pitchFamily="50" charset="-127"/>
+                <a:ea typeface="한컴 말랑말랑 Bold" panose="020F0803000000000000" pitchFamily="50" charset="-127"/>
+              </a:rPr>
+              <a:t>가성비 필터링 알고리즘 적용단계</a:t>
+            </a:r>
+            <a:endParaRPr lang="ko-KR" altLang="en-US" sz="4800" b="1" dirty="0">
+              <a:solidFill>
+                <a:schemeClr val="tx1">
+                  <a:lumMod val="95000"/>
+                  <a:lumOff val="5000"/>
+                </a:schemeClr>
+              </a:solidFill>
+              <a:effectLst>
+                <a:outerShdw blurRad="38100" dist="38100" dir="2700000" algn="tl">
+                  <a:srgbClr val="000000">
+                    <a:alpha val="43137"/>
+                  </a:srgbClr>
+                </a:outerShdw>
+              </a:effectLst>
+              <a:latin typeface="한컴 말랑말랑 Bold" panose="020F0803000000000000" pitchFamily="50" charset="-127"/>
+              <a:ea typeface="한컴 말랑말랑 Bold" panose="020F0803000000000000" pitchFamily="50" charset="-127"/>
+              <a:cs typeface="KoPubWorld돋움체 Bold" panose="00000800000000000000" pitchFamily="2" charset="-127"/>
+            </a:endParaRPr>
+          </a:p>
+        </p:txBody>
+      </p:sp>
+      <p:pic>
+        <p:nvPicPr>
+          <p:cNvPr id="12" name="그림 11">
+            <a:extLst>
+              <a:ext uri="{FF2B5EF4-FFF2-40B4-BE49-F238E27FC236}">
+                <a16:creationId xmlns:a16="http://schemas.microsoft.com/office/drawing/2014/main" id="{138EAE0F-253D-9FEE-0D53-BDE93D4D4100}"/>
+              </a:ext>
+            </a:extLst>
+          </p:cNvPr>
+          <p:cNvPicPr>
+            <a:picLocks noChangeAspect="1"/>
+          </p:cNvPicPr>
+          <p:nvPr/>
+        </p:nvPicPr>
+        <p:blipFill rotWithShape="1">
+          <a:blip r:embed="rId2"/>
+          <a:srcRect l="1155" t="1336" r="33525" b="1649"/>
+          <a:stretch/>
+        </p:blipFill>
+        <p:spPr>
+          <a:xfrm>
+            <a:off x="0" y="965200"/>
+            <a:ext cx="6338047" cy="5892799"/>
+          </a:xfrm>
+          <a:prstGeom prst="rect">
+            <a:avLst/>
+          </a:prstGeom>
+        </p:spPr>
+      </p:pic>
+      <p:sp>
+        <p:nvSpPr>
+          <p:cNvPr id="15" name="TextBox 14">
+            <a:extLst>
+              <a:ext uri="{FF2B5EF4-FFF2-40B4-BE49-F238E27FC236}">
+                <a16:creationId xmlns:a16="http://schemas.microsoft.com/office/drawing/2014/main" id="{A37A5A88-21B1-FECD-4F54-7E989A26DDD2}"/>
+              </a:ext>
+            </a:extLst>
+          </p:cNvPr>
+          <p:cNvSpPr txBox="1"/>
+          <p:nvPr/>
+        </p:nvSpPr>
+        <p:spPr>
+          <a:xfrm>
+            <a:off x="6338044" y="1683887"/>
+            <a:ext cx="5853952" cy="461665"/>
+          </a:xfrm>
+          <a:prstGeom prst="rect">
+            <a:avLst/>
+          </a:prstGeom>
+          <a:noFill/>
+        </p:spPr>
+        <p:txBody>
+          <a:bodyPr wrap="square" rtlCol="0">
+            <a:spAutoFit/>
+          </a:bodyPr>
+          <a:lstStyle/>
+          <a:p>
+            <a:pPr algn="ctr"/>
+            <a:r>
+              <a:rPr lang="ko-KR" altLang="en-US" sz="2400" b="1" dirty="0">
+                <a:latin typeface="한컴 말랑말랑 Bold" panose="020F0803000000000000" pitchFamily="50" charset="-127"/>
+                <a:ea typeface="한컴 말랑말랑 Bold" panose="020F0803000000000000" pitchFamily="50" charset="-127"/>
+              </a:rPr>
+              <a:t>가성비 필터링 알고리즘 </a:t>
+            </a:r>
+          </a:p>
+        </p:txBody>
+      </p:sp>
+      <p:sp>
+        <p:nvSpPr>
+          <p:cNvPr id="17" name="TextBox 16">
+            <a:extLst>
+              <a:ext uri="{FF2B5EF4-FFF2-40B4-BE49-F238E27FC236}">
+                <a16:creationId xmlns:a16="http://schemas.microsoft.com/office/drawing/2014/main" id="{BE0DCC48-DB16-5162-C20D-FEF1E19F140D}"/>
+              </a:ext>
+            </a:extLst>
+          </p:cNvPr>
+          <p:cNvSpPr txBox="1"/>
+          <p:nvPr/>
+        </p:nvSpPr>
+        <p:spPr>
+          <a:xfrm>
+            <a:off x="6454589" y="4274279"/>
+            <a:ext cx="5737408" cy="1815882"/>
+          </a:xfrm>
+          <a:prstGeom prst="rect">
+            <a:avLst/>
+          </a:prstGeom>
+          <a:noFill/>
+        </p:spPr>
+        <p:txBody>
+          <a:bodyPr wrap="square" rtlCol="0">
+            <a:spAutoFit/>
+          </a:bodyPr>
+          <a:lstStyle/>
+          <a:p>
+            <a:pPr algn="ctr"/>
+            <a:r>
+              <a:rPr lang="ko-KR" altLang="en-US" sz="1600" dirty="0">
+                <a:latin typeface="한컴 말랑말랑 Bold" panose="020F0803000000000000" pitchFamily="50" charset="-127"/>
+                <a:ea typeface="한컴 말랑말랑 Bold" panose="020F0803000000000000" pitchFamily="50" charset="-127"/>
+              </a:rPr>
+              <a:t>각 집단에 대해 다음과 같은 추천 방식을 적용</a:t>
+            </a:r>
+            <a:endParaRPr lang="en-US" altLang="ko-KR" sz="1600" dirty="0">
+              <a:latin typeface="한컴 말랑말랑 Bold" panose="020F0803000000000000" pitchFamily="50" charset="-127"/>
+              <a:ea typeface="한컴 말랑말랑 Bold" panose="020F0803000000000000" pitchFamily="50" charset="-127"/>
+            </a:endParaRPr>
+          </a:p>
+          <a:p>
+            <a:pPr marL="285750" indent="-285750">
+              <a:buFontTx/>
+              <a:buChar char="-"/>
+            </a:pPr>
+            <a:endParaRPr lang="en-US" altLang="ko-KR" sz="1600" dirty="0">
+              <a:latin typeface="한컴 말랑말랑 Bold" panose="020F0803000000000000" pitchFamily="50" charset="-127"/>
+              <a:ea typeface="한컴 말랑말랑 Bold" panose="020F0803000000000000" pitchFamily="50" charset="-127"/>
+            </a:endParaRPr>
+          </a:p>
+          <a:p>
+            <a:r>
+              <a:rPr lang="en-US" altLang="ko-KR" sz="1600" dirty="0">
+                <a:latin typeface="한컴 말랑말랑 Bold" panose="020F0803000000000000" pitchFamily="50" charset="-127"/>
+                <a:ea typeface="한컴 말랑말랑 Bold" panose="020F0803000000000000" pitchFamily="50" charset="-127"/>
+              </a:rPr>
+              <a:t>	(1) </a:t>
+            </a:r>
+            <a:r>
+              <a:rPr lang="ko-KR" altLang="en-US" sz="1600" dirty="0">
+                <a:latin typeface="한컴 말랑말랑 Bold" panose="020F0803000000000000" pitchFamily="50" charset="-127"/>
+                <a:ea typeface="한컴 말랑말랑 Bold" panose="020F0803000000000000" pitchFamily="50" charset="-127"/>
+              </a:rPr>
+              <a:t>가성비가 중요하지 않은 집단</a:t>
+            </a:r>
+            <a:endParaRPr lang="en-US" altLang="ko-KR" sz="1600" dirty="0">
+              <a:latin typeface="한컴 말랑말랑 Bold" panose="020F0803000000000000" pitchFamily="50" charset="-127"/>
+              <a:ea typeface="한컴 말랑말랑 Bold" panose="020F0803000000000000" pitchFamily="50" charset="-127"/>
+            </a:endParaRPr>
+          </a:p>
+          <a:p>
+            <a:r>
+              <a:rPr lang="en-US" altLang="ko-KR" sz="1600" dirty="0">
+                <a:latin typeface="한컴 말랑말랑 Bold" panose="020F0803000000000000" pitchFamily="50" charset="-127"/>
+                <a:ea typeface="한컴 말랑말랑 Bold" panose="020F0803000000000000" pitchFamily="50" charset="-127"/>
+              </a:rPr>
+              <a:t>     	-&gt; </a:t>
+            </a:r>
+            <a:r>
+              <a:rPr lang="ko-KR" altLang="en-US" sz="1600" dirty="0">
+                <a:latin typeface="한컴 말랑말랑 Bold" panose="020F0803000000000000" pitchFamily="50" charset="-127"/>
+                <a:ea typeface="한컴 말랑말랑 Bold" panose="020F0803000000000000" pitchFamily="50" charset="-127"/>
+              </a:rPr>
+              <a:t>가성비에 상관 없이 </a:t>
+            </a:r>
+            <a:r>
+              <a:rPr lang="ko-KR" altLang="en-US" sz="1600" dirty="0">
+                <a:solidFill>
+                  <a:srgbClr val="00B0F0"/>
+                </a:solidFill>
+                <a:latin typeface="한컴 말랑말랑 Bold" panose="020F0803000000000000" pitchFamily="50" charset="-127"/>
+                <a:ea typeface="한컴 말랑말랑 Bold" panose="020F0803000000000000" pitchFamily="50" charset="-127"/>
+              </a:rPr>
+              <a:t>모든 술을 추천</a:t>
+            </a:r>
+            <a:endParaRPr lang="en-US" altLang="ko-KR" sz="1600" dirty="0">
+              <a:solidFill>
+                <a:srgbClr val="00B0F0"/>
+              </a:solidFill>
+              <a:latin typeface="한컴 말랑말랑 Bold" panose="020F0803000000000000" pitchFamily="50" charset="-127"/>
+              <a:ea typeface="한컴 말랑말랑 Bold" panose="020F0803000000000000" pitchFamily="50" charset="-127"/>
+            </a:endParaRPr>
+          </a:p>
+          <a:p>
+            <a:endParaRPr lang="en-US" altLang="ko-KR" sz="1600" dirty="0">
+              <a:latin typeface="한컴 말랑말랑 Bold" panose="020F0803000000000000" pitchFamily="50" charset="-127"/>
+              <a:ea typeface="한컴 말랑말랑 Bold" panose="020F0803000000000000" pitchFamily="50" charset="-127"/>
+            </a:endParaRPr>
+          </a:p>
+          <a:p>
+            <a:r>
+              <a:rPr lang="en-US" altLang="ko-KR" sz="1600" dirty="0">
+                <a:latin typeface="한컴 말랑말랑 Bold" panose="020F0803000000000000" pitchFamily="50" charset="-127"/>
+                <a:ea typeface="한컴 말랑말랑 Bold" panose="020F0803000000000000" pitchFamily="50" charset="-127"/>
+              </a:rPr>
+              <a:t>	(2) </a:t>
+            </a:r>
+            <a:r>
+              <a:rPr lang="ko-KR" altLang="en-US" sz="1600" dirty="0">
+                <a:latin typeface="한컴 말랑말랑 Bold" panose="020F0803000000000000" pitchFamily="50" charset="-127"/>
+                <a:ea typeface="한컴 말랑말랑 Bold" panose="020F0803000000000000" pitchFamily="50" charset="-127"/>
+              </a:rPr>
+              <a:t>가성비를 중요하게 생각하는 집단</a:t>
+            </a:r>
+            <a:endParaRPr lang="en-US" altLang="ko-KR" sz="1600" dirty="0">
+              <a:latin typeface="한컴 말랑말랑 Bold" panose="020F0803000000000000" pitchFamily="50" charset="-127"/>
+              <a:ea typeface="한컴 말랑말랑 Bold" panose="020F0803000000000000" pitchFamily="50" charset="-127"/>
+            </a:endParaRPr>
+          </a:p>
+          <a:p>
+            <a:r>
+              <a:rPr lang="en-US" altLang="ko-KR" sz="1600" dirty="0">
+                <a:latin typeface="한컴 말랑말랑 Bold" panose="020F0803000000000000" pitchFamily="50" charset="-127"/>
+                <a:ea typeface="한컴 말랑말랑 Bold" panose="020F0803000000000000" pitchFamily="50" charset="-127"/>
+              </a:rPr>
+              <a:t>    	 -&gt; </a:t>
+            </a:r>
+            <a:r>
+              <a:rPr lang="ko-KR" altLang="en-US" sz="1600" dirty="0">
+                <a:latin typeface="한컴 말랑말랑 Bold" panose="020F0803000000000000" pitchFamily="50" charset="-127"/>
+                <a:ea typeface="한컴 말랑말랑 Bold" panose="020F0803000000000000" pitchFamily="50" charset="-127"/>
+              </a:rPr>
+              <a:t>일정 수준의 가성비를 제시하고 </a:t>
+            </a:r>
+            <a:r>
+              <a:rPr lang="ko-KR" altLang="en-US" sz="1600" dirty="0">
+                <a:solidFill>
+                  <a:srgbClr val="00B0F0"/>
+                </a:solidFill>
+                <a:latin typeface="한컴 말랑말랑 Bold" panose="020F0803000000000000" pitchFamily="50" charset="-127"/>
+                <a:ea typeface="한컴 말랑말랑 Bold" panose="020F0803000000000000" pitchFamily="50" charset="-127"/>
+              </a:rPr>
+              <a:t>그 이상의 술 추천</a:t>
+            </a:r>
+            <a:endParaRPr lang="en-US" altLang="ko-KR" sz="1600" dirty="0">
+              <a:solidFill>
+                <a:srgbClr val="00B0F0"/>
+              </a:solidFill>
+              <a:latin typeface="한컴 말랑말랑 Bold" panose="020F0803000000000000" pitchFamily="50" charset="-127"/>
+              <a:ea typeface="한컴 말랑말랑 Bold" panose="020F0803000000000000" pitchFamily="50" charset="-127"/>
+            </a:endParaRPr>
+          </a:p>
+        </p:txBody>
+      </p:sp>
+      <p:sp>
+        <p:nvSpPr>
+          <p:cNvPr id="2" name="직사각형 1">
+            <a:extLst>
+              <a:ext uri="{FF2B5EF4-FFF2-40B4-BE49-F238E27FC236}">
+                <a16:creationId xmlns:a16="http://schemas.microsoft.com/office/drawing/2014/main" id="{F7E2BAC1-AC7B-11DA-1643-9790DDC4AA9B}"/>
+              </a:ext>
+            </a:extLst>
+          </p:cNvPr>
+          <p:cNvSpPr/>
+          <p:nvPr/>
+        </p:nvSpPr>
+        <p:spPr>
+          <a:xfrm>
+            <a:off x="26893" y="5674663"/>
+            <a:ext cx="6275291" cy="546847"/>
+          </a:xfrm>
+          <a:prstGeom prst="rect">
+            <a:avLst/>
+          </a:prstGeom>
+          <a:noFill/>
+          <a:ln w="57150">
+            <a:solidFill>
+              <a:srgbClr val="FF0000"/>
+            </a:solidFill>
+          </a:ln>
+        </p:spPr>
+        <p:style>
+          <a:lnRef idx="2">
+            <a:schemeClr val="accent1">
+              <a:shade val="15000"/>
+            </a:schemeClr>
+          </a:lnRef>
+          <a:fillRef idx="1">
+            <a:schemeClr val="accent1"/>
+          </a:fillRef>
+          <a:effectRef idx="0">
+            <a:schemeClr val="accent1"/>
+          </a:effectRef>
+          <a:fontRef idx="minor">
+            <a:schemeClr val="lt1"/>
+          </a:fontRef>
+        </p:style>
+        <p:txBody>
+          <a:bodyPr rtlCol="0" anchor="ctr"/>
+          <a:lstStyle/>
+          <a:p>
+            <a:pPr algn="ctr"/>
+            <a:endParaRPr lang="ko-KR" altLang="en-US">
+              <a:latin typeface="한컴 말랑말랑 Bold" panose="020F0803000000000000" pitchFamily="50" charset="-127"/>
+              <a:ea typeface="한컴 말랑말랑 Bold" panose="020F0803000000000000" pitchFamily="50" charset="-127"/>
+            </a:endParaRPr>
+          </a:p>
+        </p:txBody>
+      </p:sp>
+      <p:sp>
+        <p:nvSpPr>
+          <p:cNvPr id="3" name="TextBox 2">
+            <a:extLst>
+              <a:ext uri="{FF2B5EF4-FFF2-40B4-BE49-F238E27FC236}">
+                <a16:creationId xmlns:a16="http://schemas.microsoft.com/office/drawing/2014/main" id="{E013EA86-65ED-916E-C145-111F9EAFFEF7}"/>
+              </a:ext>
+            </a:extLst>
+          </p:cNvPr>
+          <p:cNvSpPr txBox="1"/>
+          <p:nvPr/>
+        </p:nvSpPr>
+        <p:spPr>
+          <a:xfrm>
+            <a:off x="5351927" y="5305331"/>
+            <a:ext cx="1013013" cy="369332"/>
+          </a:xfrm>
+          <a:prstGeom prst="rect">
+            <a:avLst/>
+          </a:prstGeom>
+          <a:noFill/>
+        </p:spPr>
+        <p:txBody>
+          <a:bodyPr wrap="square" rtlCol="0">
+            <a:spAutoFit/>
+          </a:bodyPr>
+          <a:lstStyle/>
+          <a:p>
+            <a:r>
+              <a:rPr lang="ko-KR" altLang="en-US" dirty="0">
+                <a:solidFill>
+                  <a:srgbClr val="C00000"/>
+                </a:solidFill>
+                <a:latin typeface="한컴 말랑말랑 Bold" panose="020F0803000000000000" pitchFamily="50" charset="-127"/>
+                <a:ea typeface="한컴 말랑말랑 Bold" panose="020F0803000000000000" pitchFamily="50" charset="-127"/>
+              </a:rPr>
+              <a:t>적용단계</a:t>
+            </a:r>
+          </a:p>
+        </p:txBody>
+      </p:sp>
+      <p:sp>
+        <p:nvSpPr>
+          <p:cNvPr id="22" name="사각형: 둥근 모서리 21">
+            <a:extLst>
+              <a:ext uri="{FF2B5EF4-FFF2-40B4-BE49-F238E27FC236}">
+                <a16:creationId xmlns:a16="http://schemas.microsoft.com/office/drawing/2014/main" id="{86BF5E67-C8F6-101E-446E-D925120F37DF}"/>
+              </a:ext>
+            </a:extLst>
+          </p:cNvPr>
+          <p:cNvSpPr/>
+          <p:nvPr/>
+        </p:nvSpPr>
+        <p:spPr>
+          <a:xfrm>
+            <a:off x="6831106" y="2214282"/>
+            <a:ext cx="4724400" cy="1801906"/>
+          </a:xfrm>
+          <a:prstGeom prst="roundRect">
+            <a:avLst/>
+          </a:prstGeom>
+          <a:noFill/>
+          <a:ln w="57150">
+            <a:solidFill>
+              <a:schemeClr val="tx1"/>
+            </a:solidFill>
+          </a:ln>
+        </p:spPr>
+        <p:style>
+          <a:lnRef idx="2">
+            <a:schemeClr val="accent1">
+              <a:shade val="15000"/>
+            </a:schemeClr>
+          </a:lnRef>
+          <a:fillRef idx="1">
+            <a:schemeClr val="accent1"/>
+          </a:fillRef>
+          <a:effectRef idx="0">
+            <a:schemeClr val="accent1"/>
+          </a:effectRef>
+          <a:fontRef idx="minor">
+            <a:schemeClr val="lt1"/>
+          </a:fontRef>
+        </p:style>
+        <p:txBody>
+          <a:bodyPr rtlCol="0" anchor="ctr"/>
+          <a:lstStyle/>
+          <a:p>
+            <a:pPr algn="ctr"/>
+            <a:endParaRPr lang="ko-KR" altLang="en-US">
+              <a:latin typeface="한컴 말랑말랑 Bold" panose="020F0803000000000000" pitchFamily="50" charset="-127"/>
+              <a:ea typeface="한컴 말랑말랑 Bold" panose="020F0803000000000000" pitchFamily="50" charset="-127"/>
+            </a:endParaRPr>
+          </a:p>
+        </p:txBody>
+      </p:sp>
+      <p:grpSp>
+        <p:nvGrpSpPr>
+          <p:cNvPr id="26" name="그룹 25">
+            <a:extLst>
+              <a:ext uri="{FF2B5EF4-FFF2-40B4-BE49-F238E27FC236}">
+                <a16:creationId xmlns:a16="http://schemas.microsoft.com/office/drawing/2014/main" id="{CEBC12BE-E643-42C5-5514-90A00AFD9F50}"/>
+              </a:ext>
+            </a:extLst>
+          </p:cNvPr>
+          <p:cNvGrpSpPr/>
+          <p:nvPr/>
+        </p:nvGrpSpPr>
+        <p:grpSpPr>
+          <a:xfrm>
+            <a:off x="7126941" y="2399553"/>
+            <a:ext cx="1371600" cy="1556859"/>
+            <a:chOff x="7126941" y="2399553"/>
+            <a:chExt cx="1371600" cy="1556859"/>
+          </a:xfrm>
+        </p:grpSpPr>
+        <p:pic>
+          <p:nvPicPr>
+            <p:cNvPr id="2050" name="Picture 2" descr="Group ">
+              <a:extLst>
+                <a:ext uri="{FF2B5EF4-FFF2-40B4-BE49-F238E27FC236}">
+                  <a16:creationId xmlns:a16="http://schemas.microsoft.com/office/drawing/2014/main" id="{FF5A2F6C-2ACC-0BB2-353E-CA3238773253}"/>
+                </a:ext>
+              </a:extLst>
+            </p:cNvPr>
+            <p:cNvPicPr>
+              <a:picLocks noChangeAspect="1" noChangeArrowheads="1"/>
+            </p:cNvPicPr>
+            <p:nvPr/>
+          </p:nvPicPr>
+          <p:blipFill>
+            <a:blip r:embed="rId3">
+              <a:extLst>
+                <a:ext uri="{28A0092B-C50C-407E-A947-70E740481C1C}">
+                  <a14:useLocalDpi xmlns:a14="http://schemas.microsoft.com/office/drawing/2010/main" val="0"/>
+                </a:ext>
+              </a:extLst>
+            </a:blip>
+            <a:srcRect/>
+            <a:stretch>
+              <a:fillRect/>
+            </a:stretch>
+          </p:blipFill>
+          <p:spPr bwMode="auto">
+            <a:xfrm>
+              <a:off x="7194177" y="2399553"/>
+              <a:ext cx="1219200" cy="1219200"/>
+            </a:xfrm>
+            <a:prstGeom prst="rect">
+              <a:avLst/>
+            </a:prstGeom>
+            <a:noFill/>
+            <a:extLst>
+              <a:ext uri="{909E8E84-426E-40DD-AFC4-6F175D3DCCD1}">
+                <a14:hiddenFill xmlns:a14="http://schemas.microsoft.com/office/drawing/2010/main">
+                  <a:solidFill>
+                    <a:srgbClr val="FFFFFF"/>
+                  </a:solidFill>
+                </a14:hiddenFill>
+              </a:ext>
+            </a:extLst>
+          </p:spPr>
+        </p:pic>
+        <p:sp>
+          <p:nvSpPr>
+            <p:cNvPr id="23" name="TextBox 22">
+              <a:extLst>
+                <a:ext uri="{FF2B5EF4-FFF2-40B4-BE49-F238E27FC236}">
+                  <a16:creationId xmlns:a16="http://schemas.microsoft.com/office/drawing/2014/main" id="{496FA183-D77C-B4F1-CCD9-6481D8A0961E}"/>
+                </a:ext>
+              </a:extLst>
+            </p:cNvPr>
+            <p:cNvSpPr txBox="1"/>
+            <p:nvPr/>
+          </p:nvSpPr>
+          <p:spPr>
+            <a:xfrm>
+              <a:off x="7126941" y="3648635"/>
+              <a:ext cx="1371600" cy="307777"/>
+            </a:xfrm>
+            <a:prstGeom prst="rect">
+              <a:avLst/>
+            </a:prstGeom>
+            <a:noFill/>
+          </p:spPr>
+          <p:txBody>
+            <a:bodyPr wrap="square" rtlCol="0">
+              <a:spAutoFit/>
+            </a:bodyPr>
+            <a:lstStyle/>
+            <a:p>
+              <a:pPr algn="ctr"/>
+              <a:r>
+                <a:rPr lang="ko-KR" altLang="en-US" sz="1400" b="1" dirty="0">
+                  <a:latin typeface="한컴 말랑말랑 Bold" panose="020F0803000000000000" pitchFamily="50" charset="-127"/>
+                  <a:ea typeface="한컴 말랑말랑 Bold" panose="020F0803000000000000" pitchFamily="50" charset="-127"/>
+                </a:rPr>
+                <a:t>가성비 중요집단</a:t>
+              </a:r>
+            </a:p>
+          </p:txBody>
+        </p:sp>
+      </p:grpSp>
+      <p:grpSp>
+        <p:nvGrpSpPr>
+          <p:cNvPr id="25" name="그룹 24">
+            <a:extLst>
+              <a:ext uri="{FF2B5EF4-FFF2-40B4-BE49-F238E27FC236}">
+                <a16:creationId xmlns:a16="http://schemas.microsoft.com/office/drawing/2014/main" id="{F51786BE-184B-2690-FE9D-D308C1E847B3}"/>
+              </a:ext>
+            </a:extLst>
+          </p:cNvPr>
+          <p:cNvGrpSpPr/>
+          <p:nvPr/>
+        </p:nvGrpSpPr>
+        <p:grpSpPr>
+          <a:xfrm>
+            <a:off x="9619128" y="2487705"/>
+            <a:ext cx="1541929" cy="1450777"/>
+            <a:chOff x="9619128" y="2505635"/>
+            <a:chExt cx="1541929" cy="1450777"/>
+          </a:xfrm>
+        </p:grpSpPr>
+        <p:pic>
+          <p:nvPicPr>
+            <p:cNvPr id="2052" name="Picture 4" descr="Team">
+              <a:extLst>
+                <a:ext uri="{FF2B5EF4-FFF2-40B4-BE49-F238E27FC236}">
+                  <a16:creationId xmlns:a16="http://schemas.microsoft.com/office/drawing/2014/main" id="{C0D461E1-1EEC-6EC9-2B7C-06E131BC1090}"/>
+                </a:ext>
+              </a:extLst>
+            </p:cNvPr>
+            <p:cNvPicPr>
+              <a:picLocks noChangeAspect="1" noChangeArrowheads="1"/>
+            </p:cNvPicPr>
+            <p:nvPr/>
+          </p:nvPicPr>
+          <p:blipFill>
+            <a:blip r:embed="rId4">
+              <a:extLst>
+                <a:ext uri="{28A0092B-C50C-407E-A947-70E740481C1C}">
+                  <a14:useLocalDpi xmlns:a14="http://schemas.microsoft.com/office/drawing/2010/main" val="0"/>
+                </a:ext>
+              </a:extLst>
+            </a:blip>
+            <a:srcRect/>
+            <a:stretch>
+              <a:fillRect/>
+            </a:stretch>
+          </p:blipFill>
+          <p:spPr bwMode="auto">
+            <a:xfrm>
+              <a:off x="9789459" y="2505635"/>
+              <a:ext cx="1219200" cy="1219200"/>
+            </a:xfrm>
+            <a:prstGeom prst="rect">
+              <a:avLst/>
+            </a:prstGeom>
+            <a:noFill/>
+            <a:extLst>
+              <a:ext uri="{909E8E84-426E-40DD-AFC4-6F175D3DCCD1}">
+                <a14:hiddenFill xmlns:a14="http://schemas.microsoft.com/office/drawing/2010/main">
+                  <a:solidFill>
+                    <a:srgbClr val="FFFFFF"/>
+                  </a:solidFill>
+                </a14:hiddenFill>
+              </a:ext>
+            </a:extLst>
+          </p:spPr>
+        </p:pic>
+        <p:sp>
+          <p:nvSpPr>
+            <p:cNvPr id="24" name="TextBox 23">
+              <a:extLst>
+                <a:ext uri="{FF2B5EF4-FFF2-40B4-BE49-F238E27FC236}">
+                  <a16:creationId xmlns:a16="http://schemas.microsoft.com/office/drawing/2014/main" id="{81EC4615-9BC7-0E8C-2B03-4D665E6FB6D5}"/>
+                </a:ext>
+              </a:extLst>
+            </p:cNvPr>
+            <p:cNvSpPr txBox="1"/>
+            <p:nvPr/>
+          </p:nvSpPr>
+          <p:spPr>
+            <a:xfrm>
+              <a:off x="9619128" y="3648635"/>
+              <a:ext cx="1541929" cy="307777"/>
+            </a:xfrm>
+            <a:prstGeom prst="rect">
+              <a:avLst/>
+            </a:prstGeom>
+            <a:noFill/>
+          </p:spPr>
+          <p:txBody>
+            <a:bodyPr wrap="square" rtlCol="0">
+              <a:spAutoFit/>
+            </a:bodyPr>
+            <a:lstStyle/>
+            <a:p>
+              <a:pPr algn="ctr"/>
+              <a:r>
+                <a:rPr lang="ko-KR" altLang="en-US" sz="1400" b="1" dirty="0">
+                  <a:latin typeface="한컴 말랑말랑 Bold" panose="020F0803000000000000" pitchFamily="50" charset="-127"/>
+                  <a:ea typeface="한컴 말랑말랑 Bold" panose="020F0803000000000000" pitchFamily="50" charset="-127"/>
+                </a:rPr>
+                <a:t>가성비 중요</a:t>
+              </a:r>
+              <a:r>
+                <a:rPr lang="en-US" altLang="ko-KR" sz="1400" b="1" dirty="0">
+                  <a:latin typeface="한컴 말랑말랑 Bold" panose="020F0803000000000000" pitchFamily="50" charset="-127"/>
+                  <a:ea typeface="한컴 말랑말랑 Bold" panose="020F0803000000000000" pitchFamily="50" charset="-127"/>
+                </a:rPr>
+                <a:t>X </a:t>
+              </a:r>
+              <a:r>
+                <a:rPr lang="ko-KR" altLang="en-US" sz="1400" b="1" dirty="0">
+                  <a:latin typeface="한컴 말랑말랑 Bold" panose="020F0803000000000000" pitchFamily="50" charset="-127"/>
+                  <a:ea typeface="한컴 말랑말랑 Bold" panose="020F0803000000000000" pitchFamily="50" charset="-127"/>
+                </a:rPr>
+                <a:t>집단</a:t>
+              </a:r>
+            </a:p>
+          </p:txBody>
+        </p:sp>
+      </p:grpSp>
+    </p:spTree>
+    <p:extLst>
+      <p:ext uri="{BB962C8B-B14F-4D97-AF65-F5344CB8AC3E}">
+        <p14:creationId xmlns:p14="http://schemas.microsoft.com/office/powerpoint/2010/main" val="4053730016"/>
+      </p:ext>
+    </p:extLst>
+  </p:cSld>
+  <p:clrMapOvr>
+    <a:masterClrMapping/>
+  </p:clrMapOvr>
+</p:sld>
+</file>
+
+<file path=ppt/slides/slide16.xml><?xml version="1.0" encoding="utf-8"?>
+<p:sld xmlns:a="http://schemas.openxmlformats.org/drawingml/2006/main" xmlns:r="http://schemas.openxmlformats.org/officeDocument/2006/relationships" xmlns:p="http://schemas.openxmlformats.org/presentationml/2006/main">
+  <p:cSld>
+    <p:spTree>
+      <p:nvGrpSpPr>
+        <p:cNvPr id="1" name=""/>
+        <p:cNvGrpSpPr/>
+        <p:nvPr/>
+      </p:nvGrpSpPr>
+      <p:grpSpPr>
+        <a:xfrm>
+          <a:off x="0" y="0"/>
+          <a:ext cx="0" cy="0"/>
+          <a:chOff x="0" y="0"/>
+          <a:chExt cx="0" cy="0"/>
+        </a:xfrm>
+      </p:grpSpPr>
+      <p:sp>
+        <p:nvSpPr>
+          <p:cNvPr id="11" name="직사각형 10">
+            <a:extLst>
+              <a:ext uri="{FF2B5EF4-FFF2-40B4-BE49-F238E27FC236}">
+                <a16:creationId xmlns:a16="http://schemas.microsoft.com/office/drawing/2014/main" id="{71B79937-BF21-DF01-8EA4-3EB7328BE6B9}"/>
+              </a:ext>
+            </a:extLst>
+          </p:cNvPr>
+          <p:cNvSpPr/>
+          <p:nvPr/>
+        </p:nvSpPr>
+        <p:spPr>
+          <a:xfrm>
+            <a:off x="0" y="0"/>
+            <a:ext cx="12192000" cy="965200"/>
+          </a:xfrm>
+          <a:prstGeom prst="rect">
+            <a:avLst/>
+          </a:prstGeom>
+          <a:solidFill>
+            <a:srgbClr val="BDAA9F"/>
+          </a:solidFill>
+          <a:ln>
+            <a:noFill/>
+          </a:ln>
+        </p:spPr>
+        <p:style>
+          <a:lnRef idx="2">
+            <a:schemeClr val="accent1">
+              <a:shade val="50000"/>
+            </a:schemeClr>
+          </a:lnRef>
+          <a:fillRef idx="1">
+            <a:schemeClr val="accent1"/>
+          </a:fillRef>
+          <a:effectRef idx="0">
+            <a:schemeClr val="accent1"/>
+          </a:effectRef>
+          <a:fontRef idx="minor">
+            <a:schemeClr val="lt1"/>
+          </a:fontRef>
+        </p:style>
+        <p:txBody>
+          <a:bodyPr rtlCol="0" anchor="ctr"/>
+          <a:lstStyle/>
+          <a:p>
+            <a:pPr algn="ctr"/>
+            <a:endParaRPr lang="ko-KR" altLang="en-US">
+              <a:latin typeface="한컴 말랑말랑 Bold" panose="020F0803000000000000" pitchFamily="50" charset="-127"/>
+              <a:ea typeface="한컴 말랑말랑 Bold" panose="020F0803000000000000" pitchFamily="50" charset="-127"/>
+            </a:endParaRPr>
+          </a:p>
+        </p:txBody>
+      </p:sp>
+      <p:sp>
+        <p:nvSpPr>
+          <p:cNvPr id="2" name="TextBox 1">
+            <a:extLst>
+              <a:ext uri="{FF2B5EF4-FFF2-40B4-BE49-F238E27FC236}">
+                <a16:creationId xmlns:a16="http://schemas.microsoft.com/office/drawing/2014/main" id="{34B48FC4-8988-1088-D7B4-4AA2A44E1A68}"/>
+              </a:ext>
+            </a:extLst>
+          </p:cNvPr>
+          <p:cNvSpPr txBox="1"/>
+          <p:nvPr/>
+        </p:nvSpPr>
+        <p:spPr>
+          <a:xfrm>
+            <a:off x="0" y="39757"/>
+            <a:ext cx="12192000" cy="830997"/>
+          </a:xfrm>
+          <a:prstGeom prst="rect">
+            <a:avLst/>
+          </a:prstGeom>
+          <a:noFill/>
+        </p:spPr>
+        <p:txBody>
+          <a:bodyPr wrap="square">
+            <a:spAutoFit/>
+          </a:bodyPr>
+          <a:lstStyle/>
+          <a:p>
+            <a:pPr lvl="0" algn="ctr"/>
+            <a:r>
+              <a:rPr lang="ko-KR" altLang="en-US" sz="4800" b="1" dirty="0">
+                <a:solidFill>
+                  <a:schemeClr val="tx1">
+                    <a:lumMod val="95000"/>
+                    <a:lumOff val="5000"/>
+                  </a:schemeClr>
+                </a:solidFill>
+                <a:effectLst>
+                  <a:outerShdw blurRad="38100" dist="38100" dir="2700000" algn="tl">
+                    <a:srgbClr val="000000">
+                      <a:alpha val="43137"/>
+                    </a:srgbClr>
+                  </a:outerShdw>
+                </a:effectLst>
+                <a:latin typeface="한컴 말랑말랑 Bold" panose="020F0803000000000000" pitchFamily="50" charset="-127"/>
+                <a:ea typeface="한컴 말랑말랑 Bold" panose="020F0803000000000000" pitchFamily="50" charset="-127"/>
+                <a:cs typeface="KoPubWorld돋움체 Bold" panose="00000800000000000000" pitchFamily="2" charset="-127"/>
+              </a:rPr>
+              <a:t>가성비 기준 선정</a:t>
+            </a:r>
+          </a:p>
+        </p:txBody>
+      </p:sp>
+      <p:grpSp>
+        <p:nvGrpSpPr>
+          <p:cNvPr id="1033" name="그룹 1032">
+            <a:extLst>
+              <a:ext uri="{FF2B5EF4-FFF2-40B4-BE49-F238E27FC236}">
+                <a16:creationId xmlns:a16="http://schemas.microsoft.com/office/drawing/2014/main" id="{E82B8BD6-BA20-8797-7D7E-CEBE733E38B1}"/>
+              </a:ext>
+            </a:extLst>
+          </p:cNvPr>
+          <p:cNvGrpSpPr/>
+          <p:nvPr/>
+        </p:nvGrpSpPr>
+        <p:grpSpPr>
+          <a:xfrm>
+            <a:off x="461896" y="2487411"/>
+            <a:ext cx="2514723" cy="2170047"/>
+            <a:chOff x="470861" y="2586126"/>
+            <a:chExt cx="2514723" cy="2170047"/>
+          </a:xfrm>
+        </p:grpSpPr>
+        <p:grpSp>
+          <p:nvGrpSpPr>
+            <p:cNvPr id="1025" name="그룹 1024">
+              <a:extLst>
+                <a:ext uri="{FF2B5EF4-FFF2-40B4-BE49-F238E27FC236}">
+                  <a16:creationId xmlns:a16="http://schemas.microsoft.com/office/drawing/2014/main" id="{759B1633-FE10-675A-6A4E-F92D5D4C422B}"/>
+                </a:ext>
+              </a:extLst>
+            </p:cNvPr>
+            <p:cNvGrpSpPr/>
+            <p:nvPr/>
+          </p:nvGrpSpPr>
+          <p:grpSpPr>
+            <a:xfrm>
+              <a:off x="470861" y="2586126"/>
+              <a:ext cx="2514723" cy="2170047"/>
+              <a:chOff x="3586819" y="1340018"/>
+              <a:chExt cx="2514723" cy="2170047"/>
+            </a:xfrm>
+          </p:grpSpPr>
+          <p:sp>
+            <p:nvSpPr>
+              <p:cNvPr id="1027" name="직사각형 1026">
+                <a:extLst>
+                  <a:ext uri="{FF2B5EF4-FFF2-40B4-BE49-F238E27FC236}">
+                    <a16:creationId xmlns:a16="http://schemas.microsoft.com/office/drawing/2014/main" id="{583A6D85-89C3-0320-9227-65C60437DAA5}"/>
+                  </a:ext>
+                </a:extLst>
+              </p:cNvPr>
+              <p:cNvSpPr/>
+              <p:nvPr/>
+            </p:nvSpPr>
+            <p:spPr>
+              <a:xfrm>
+                <a:off x="3682539" y="1665740"/>
+                <a:ext cx="2419003" cy="1844324"/>
+              </a:xfrm>
+              <a:prstGeom prst="rect">
+                <a:avLst/>
+              </a:prstGeom>
+            </p:spPr>
+            <p:style>
+              <a:lnRef idx="2">
+                <a:schemeClr val="dk1"/>
+              </a:lnRef>
+              <a:fillRef idx="1">
+                <a:schemeClr val="lt1"/>
+              </a:fillRef>
+              <a:effectRef idx="0">
+                <a:schemeClr val="dk1"/>
+              </a:effectRef>
+              <a:fontRef idx="minor">
+                <a:schemeClr val="dk1"/>
+              </a:fontRef>
+            </p:style>
+            <p:txBody>
+              <a:bodyPr rtlCol="0" anchor="ctr"/>
+              <a:lstStyle>
+                <a:defPPr>
+                  <a:defRPr lang="ko-KR"/>
+                </a:defPPr>
+                <a:lvl1pPr marL="0" algn="l" defTabSz="914400" rtl="0" eaLnBrk="1" latinLnBrk="1" hangingPunct="1">
+                  <a:defRPr sz="1800" kern="1200">
+                    <a:solidFill>
+                      <a:schemeClr val="dk1"/>
+                    </a:solidFill>
+                    <a:latin typeface="+mn-lt"/>
+                    <a:ea typeface="+mn-ea"/>
+                    <a:cs typeface="+mn-cs"/>
+                  </a:defRPr>
+                </a:lvl1pPr>
+                <a:lvl2pPr marL="457200" algn="l" defTabSz="914400" rtl="0" eaLnBrk="1" latinLnBrk="1" hangingPunct="1">
+                  <a:defRPr sz="1800" kern="1200">
+                    <a:solidFill>
+                      <a:schemeClr val="dk1"/>
+                    </a:solidFill>
+                    <a:latin typeface="+mn-lt"/>
+                    <a:ea typeface="+mn-ea"/>
+                    <a:cs typeface="+mn-cs"/>
+                  </a:defRPr>
+                </a:lvl2pPr>
+                <a:lvl3pPr marL="914400" algn="l" defTabSz="914400" rtl="0" eaLnBrk="1" latinLnBrk="1" hangingPunct="1">
+                  <a:defRPr sz="1800" kern="1200">
+                    <a:solidFill>
+                      <a:schemeClr val="dk1"/>
+                    </a:solidFill>
+                    <a:latin typeface="+mn-lt"/>
+                    <a:ea typeface="+mn-ea"/>
+                    <a:cs typeface="+mn-cs"/>
+                  </a:defRPr>
+                </a:lvl3pPr>
+                <a:lvl4pPr marL="1371600" algn="l" defTabSz="914400" rtl="0" eaLnBrk="1" latinLnBrk="1" hangingPunct="1">
+                  <a:defRPr sz="1800" kern="1200">
+                    <a:solidFill>
+                      <a:schemeClr val="dk1"/>
+                    </a:solidFill>
+                    <a:latin typeface="+mn-lt"/>
+                    <a:ea typeface="+mn-ea"/>
+                    <a:cs typeface="+mn-cs"/>
+                  </a:defRPr>
+                </a:lvl4pPr>
+                <a:lvl5pPr marL="1828800" algn="l" defTabSz="914400" rtl="0" eaLnBrk="1" latinLnBrk="1" hangingPunct="1">
+                  <a:defRPr sz="1800" kern="1200">
+                    <a:solidFill>
+                      <a:schemeClr val="dk1"/>
+                    </a:solidFill>
+                    <a:latin typeface="+mn-lt"/>
+                    <a:ea typeface="+mn-ea"/>
+                    <a:cs typeface="+mn-cs"/>
+                  </a:defRPr>
+                </a:lvl5pPr>
+                <a:lvl6pPr marL="2286000" algn="l" defTabSz="914400" rtl="0" eaLnBrk="1" latinLnBrk="1" hangingPunct="1">
+                  <a:defRPr sz="1800" kern="1200">
+                    <a:solidFill>
+                      <a:schemeClr val="dk1"/>
+                    </a:solidFill>
+                    <a:latin typeface="+mn-lt"/>
+                    <a:ea typeface="+mn-ea"/>
+                    <a:cs typeface="+mn-cs"/>
+                  </a:defRPr>
+                </a:lvl6pPr>
+                <a:lvl7pPr marL="2743200" algn="l" defTabSz="914400" rtl="0" eaLnBrk="1" latinLnBrk="1" hangingPunct="1">
+                  <a:defRPr sz="1800" kern="1200">
+                    <a:solidFill>
+                      <a:schemeClr val="dk1"/>
+                    </a:solidFill>
+                    <a:latin typeface="+mn-lt"/>
+                    <a:ea typeface="+mn-ea"/>
+                    <a:cs typeface="+mn-cs"/>
+                  </a:defRPr>
+                </a:lvl7pPr>
+                <a:lvl8pPr marL="3200400" algn="l" defTabSz="914400" rtl="0" eaLnBrk="1" latinLnBrk="1" hangingPunct="1">
+                  <a:defRPr sz="1800" kern="1200">
+                    <a:solidFill>
+                      <a:schemeClr val="dk1"/>
+                    </a:solidFill>
+                    <a:latin typeface="+mn-lt"/>
+                    <a:ea typeface="+mn-ea"/>
+                    <a:cs typeface="+mn-cs"/>
+                  </a:defRPr>
+                </a:lvl8pPr>
+                <a:lvl9pPr marL="3657600" algn="l" defTabSz="914400" rtl="0" eaLnBrk="1" latinLnBrk="1" hangingPunct="1">
+                  <a:defRPr sz="1800" kern="1200">
+                    <a:solidFill>
+                      <a:schemeClr val="dk1"/>
+                    </a:solidFill>
+                    <a:latin typeface="+mn-lt"/>
+                    <a:ea typeface="+mn-ea"/>
+                    <a:cs typeface="+mn-cs"/>
+                  </a:defRPr>
+                </a:lvl9pPr>
+              </a:lstStyle>
+              <a:p>
+                <a:pPr algn="ctr"/>
+                <a:endParaRPr lang="ko-KR" altLang="en-US" dirty="0">
+                  <a:latin typeface="한컴 말랑말랑 Bold" panose="020F0803000000000000" pitchFamily="50" charset="-127"/>
+                  <a:ea typeface="한컴 말랑말랑 Bold" panose="020F0803000000000000" pitchFamily="50" charset="-127"/>
+                </a:endParaRPr>
+              </a:p>
+            </p:txBody>
+          </p:sp>
+          <p:sp>
+            <p:nvSpPr>
+              <p:cNvPr id="1029" name="TextBox 15">
+                <a:extLst>
+                  <a:ext uri="{FF2B5EF4-FFF2-40B4-BE49-F238E27FC236}">
+                    <a16:creationId xmlns:a16="http://schemas.microsoft.com/office/drawing/2014/main" id="{BC7977F2-B86E-A3C7-C5F3-23DCB02D5666}"/>
+                  </a:ext>
+                </a:extLst>
+              </p:cNvPr>
+              <p:cNvSpPr txBox="1"/>
+              <p:nvPr/>
+            </p:nvSpPr>
+            <p:spPr>
+              <a:xfrm>
+                <a:off x="3611758" y="3171511"/>
+                <a:ext cx="2489784" cy="338554"/>
+              </a:xfrm>
+              <a:prstGeom prst="rect">
+                <a:avLst/>
+              </a:prstGeom>
+              <a:noFill/>
+            </p:spPr>
+            <p:txBody>
+              <a:bodyPr wrap="square" rtlCol="0">
+                <a:spAutoFit/>
+              </a:bodyPr>
+              <a:lstStyle>
+                <a:defPPr>
+                  <a:defRPr lang="ko-KR"/>
+                </a:defPPr>
+                <a:lvl1pPr marL="0" algn="l" defTabSz="914400" rtl="0" eaLnBrk="1" latinLnBrk="1" hangingPunct="1">
+                  <a:defRPr sz="1800" kern="1200">
+                    <a:solidFill>
+                      <a:schemeClr val="tx1"/>
+                    </a:solidFill>
+                    <a:latin typeface="+mn-lt"/>
+                    <a:ea typeface="+mn-ea"/>
+                    <a:cs typeface="+mn-cs"/>
+                  </a:defRPr>
+                </a:lvl1pPr>
+                <a:lvl2pPr marL="457200" algn="l" defTabSz="914400" rtl="0" eaLnBrk="1" latinLnBrk="1" hangingPunct="1">
+                  <a:defRPr sz="1800" kern="1200">
+                    <a:solidFill>
+                      <a:schemeClr val="tx1"/>
+                    </a:solidFill>
+                    <a:latin typeface="+mn-lt"/>
+                    <a:ea typeface="+mn-ea"/>
+                    <a:cs typeface="+mn-cs"/>
+                  </a:defRPr>
+                </a:lvl2pPr>
+                <a:lvl3pPr marL="914400" algn="l" defTabSz="914400" rtl="0" eaLnBrk="1" latinLnBrk="1" hangingPunct="1">
+                  <a:defRPr sz="1800" kern="1200">
+                    <a:solidFill>
+                      <a:schemeClr val="tx1"/>
+                    </a:solidFill>
+                    <a:latin typeface="+mn-lt"/>
+                    <a:ea typeface="+mn-ea"/>
+                    <a:cs typeface="+mn-cs"/>
+                  </a:defRPr>
+                </a:lvl3pPr>
+                <a:lvl4pPr marL="1371600" algn="l" defTabSz="914400" rtl="0" eaLnBrk="1" latinLnBrk="1" hangingPunct="1">
+                  <a:defRPr sz="1800" kern="1200">
+                    <a:solidFill>
+                      <a:schemeClr val="tx1"/>
+                    </a:solidFill>
+                    <a:latin typeface="+mn-lt"/>
+                    <a:ea typeface="+mn-ea"/>
+                    <a:cs typeface="+mn-cs"/>
+                  </a:defRPr>
+                </a:lvl4pPr>
+                <a:lvl5pPr marL="1828800" algn="l" defTabSz="914400" rtl="0" eaLnBrk="1" latinLnBrk="1" hangingPunct="1">
+                  <a:defRPr sz="1800" kern="1200">
+                    <a:solidFill>
+                      <a:schemeClr val="tx1"/>
+                    </a:solidFill>
+                    <a:latin typeface="+mn-lt"/>
+                    <a:ea typeface="+mn-ea"/>
+                    <a:cs typeface="+mn-cs"/>
+                  </a:defRPr>
+                </a:lvl5pPr>
+                <a:lvl6pPr marL="2286000" algn="l" defTabSz="914400" rtl="0" eaLnBrk="1" latinLnBrk="1" hangingPunct="1">
+                  <a:defRPr sz="1800" kern="1200">
+                    <a:solidFill>
+                      <a:schemeClr val="tx1"/>
+                    </a:solidFill>
+                    <a:latin typeface="+mn-lt"/>
+                    <a:ea typeface="+mn-ea"/>
+                    <a:cs typeface="+mn-cs"/>
+                  </a:defRPr>
+                </a:lvl6pPr>
+                <a:lvl7pPr marL="2743200" algn="l" defTabSz="914400" rtl="0" eaLnBrk="1" latinLnBrk="1" hangingPunct="1">
+                  <a:defRPr sz="1800" kern="1200">
+                    <a:solidFill>
+                      <a:schemeClr val="tx1"/>
+                    </a:solidFill>
+                    <a:latin typeface="+mn-lt"/>
+                    <a:ea typeface="+mn-ea"/>
+                    <a:cs typeface="+mn-cs"/>
+                  </a:defRPr>
+                </a:lvl7pPr>
+                <a:lvl8pPr marL="3200400" algn="l" defTabSz="914400" rtl="0" eaLnBrk="1" latinLnBrk="1" hangingPunct="1">
+                  <a:defRPr sz="1800" kern="1200">
+                    <a:solidFill>
+                      <a:schemeClr val="tx1"/>
+                    </a:solidFill>
+                    <a:latin typeface="+mn-lt"/>
+                    <a:ea typeface="+mn-ea"/>
+                    <a:cs typeface="+mn-cs"/>
+                  </a:defRPr>
+                </a:lvl8pPr>
+                <a:lvl9pPr marL="3657600" algn="l" defTabSz="914400" rtl="0" eaLnBrk="1" latinLnBrk="1" hangingPunct="1">
+                  <a:defRPr sz="1800" kern="1200">
+                    <a:solidFill>
+                      <a:schemeClr val="tx1"/>
+                    </a:solidFill>
+                    <a:latin typeface="+mn-lt"/>
+                    <a:ea typeface="+mn-ea"/>
+                    <a:cs typeface="+mn-cs"/>
+                  </a:defRPr>
+                </a:lvl9pPr>
+              </a:lstStyle>
+              <a:p>
+                <a:pPr algn="ctr"/>
+                <a:r>
+                  <a:rPr lang="ko-KR" altLang="en-US" sz="1600" b="1" dirty="0">
+                    <a:effectLst>
+                      <a:outerShdw blurRad="38100" dist="38100" dir="2700000" algn="tl">
+                        <a:srgbClr val="000000">
+                          <a:alpha val="43137"/>
+                        </a:srgbClr>
+                      </a:outerShdw>
+                    </a:effectLst>
+                    <a:latin typeface="한컴 말랑말랑 Bold" panose="020F0803000000000000" pitchFamily="50" charset="-127"/>
+                    <a:ea typeface="한컴 말랑말랑 Bold" panose="020F0803000000000000" pitchFamily="50" charset="-127"/>
+                  </a:rPr>
+                  <a:t>어떤 술이 가성비의 기준</a:t>
+                </a:r>
+                <a:r>
+                  <a:rPr lang="en-US" altLang="ko-KR" sz="1600" b="1" dirty="0">
+                    <a:effectLst>
+                      <a:outerShdw blurRad="38100" dist="38100" dir="2700000" algn="tl">
+                        <a:srgbClr val="000000">
+                          <a:alpha val="43137"/>
+                        </a:srgbClr>
+                      </a:outerShdw>
+                    </a:effectLst>
+                    <a:latin typeface="한컴 말랑말랑 Bold" panose="020F0803000000000000" pitchFamily="50" charset="-127"/>
+                    <a:ea typeface="한컴 말랑말랑 Bold" panose="020F0803000000000000" pitchFamily="50" charset="-127"/>
+                  </a:rPr>
+                  <a:t>?</a:t>
+                </a:r>
+                <a:endParaRPr lang="ko-KR" altLang="en-US" sz="1600" b="1" dirty="0">
+                  <a:effectLst>
+                    <a:outerShdw blurRad="38100" dist="38100" dir="2700000" algn="tl">
+                      <a:srgbClr val="000000">
+                        <a:alpha val="43137"/>
+                      </a:srgbClr>
+                    </a:outerShdw>
+                  </a:effectLst>
+                  <a:latin typeface="한컴 말랑말랑 Bold" panose="020F0803000000000000" pitchFamily="50" charset="-127"/>
+                  <a:ea typeface="한컴 말랑말랑 Bold" panose="020F0803000000000000" pitchFamily="50" charset="-127"/>
+                </a:endParaRPr>
+              </a:p>
+            </p:txBody>
+          </p:sp>
+          <p:sp>
+            <p:nvSpPr>
+              <p:cNvPr id="1031" name="TextBox 21">
+                <a:extLst>
+                  <a:ext uri="{FF2B5EF4-FFF2-40B4-BE49-F238E27FC236}">
+                    <a16:creationId xmlns:a16="http://schemas.microsoft.com/office/drawing/2014/main" id="{97B14453-CAE7-086D-DB11-46767A8C6674}"/>
+                  </a:ext>
+                </a:extLst>
+              </p:cNvPr>
+              <p:cNvSpPr txBox="1"/>
+              <p:nvPr/>
+            </p:nvSpPr>
+            <p:spPr>
+              <a:xfrm>
+                <a:off x="3586819" y="1340018"/>
+                <a:ext cx="1159749" cy="369332"/>
+              </a:xfrm>
+              <a:prstGeom prst="rect">
+                <a:avLst/>
+              </a:prstGeom>
+              <a:noFill/>
+            </p:spPr>
+            <p:txBody>
+              <a:bodyPr wrap="square" rtlCol="0">
+                <a:spAutoFit/>
+              </a:bodyPr>
+              <a:lstStyle>
+                <a:defPPr>
+                  <a:defRPr lang="ko-KR"/>
+                </a:defPPr>
+                <a:lvl1pPr marL="0" algn="l" defTabSz="914400" rtl="0" eaLnBrk="1" latinLnBrk="1" hangingPunct="1">
+                  <a:defRPr sz="1800" kern="1200">
+                    <a:solidFill>
+                      <a:schemeClr val="tx1"/>
+                    </a:solidFill>
+                    <a:latin typeface="+mn-lt"/>
+                    <a:ea typeface="+mn-ea"/>
+                    <a:cs typeface="+mn-cs"/>
+                  </a:defRPr>
+                </a:lvl1pPr>
+                <a:lvl2pPr marL="457200" algn="l" defTabSz="914400" rtl="0" eaLnBrk="1" latinLnBrk="1" hangingPunct="1">
+                  <a:defRPr sz="1800" kern="1200">
+                    <a:solidFill>
+                      <a:schemeClr val="tx1"/>
+                    </a:solidFill>
+                    <a:latin typeface="+mn-lt"/>
+                    <a:ea typeface="+mn-ea"/>
+                    <a:cs typeface="+mn-cs"/>
+                  </a:defRPr>
+                </a:lvl2pPr>
+                <a:lvl3pPr marL="914400" algn="l" defTabSz="914400" rtl="0" eaLnBrk="1" latinLnBrk="1" hangingPunct="1">
+                  <a:defRPr sz="1800" kern="1200">
+                    <a:solidFill>
+                      <a:schemeClr val="tx1"/>
+                    </a:solidFill>
+                    <a:latin typeface="+mn-lt"/>
+                    <a:ea typeface="+mn-ea"/>
+                    <a:cs typeface="+mn-cs"/>
+                  </a:defRPr>
+                </a:lvl3pPr>
+                <a:lvl4pPr marL="1371600" algn="l" defTabSz="914400" rtl="0" eaLnBrk="1" latinLnBrk="1" hangingPunct="1">
+                  <a:defRPr sz="1800" kern="1200">
+                    <a:solidFill>
+                      <a:schemeClr val="tx1"/>
+                    </a:solidFill>
+                    <a:latin typeface="+mn-lt"/>
+                    <a:ea typeface="+mn-ea"/>
+                    <a:cs typeface="+mn-cs"/>
+                  </a:defRPr>
+                </a:lvl4pPr>
+                <a:lvl5pPr marL="1828800" algn="l" defTabSz="914400" rtl="0" eaLnBrk="1" latinLnBrk="1" hangingPunct="1">
+                  <a:defRPr sz="1800" kern="1200">
+                    <a:solidFill>
+                      <a:schemeClr val="tx1"/>
+                    </a:solidFill>
+                    <a:latin typeface="+mn-lt"/>
+                    <a:ea typeface="+mn-ea"/>
+                    <a:cs typeface="+mn-cs"/>
+                  </a:defRPr>
+                </a:lvl5pPr>
+                <a:lvl6pPr marL="2286000" algn="l" defTabSz="914400" rtl="0" eaLnBrk="1" latinLnBrk="1" hangingPunct="1">
+                  <a:defRPr sz="1800" kern="1200">
+                    <a:solidFill>
+                      <a:schemeClr val="tx1"/>
+                    </a:solidFill>
+                    <a:latin typeface="+mn-lt"/>
+                    <a:ea typeface="+mn-ea"/>
+                    <a:cs typeface="+mn-cs"/>
+                  </a:defRPr>
+                </a:lvl6pPr>
+                <a:lvl7pPr marL="2743200" algn="l" defTabSz="914400" rtl="0" eaLnBrk="1" latinLnBrk="1" hangingPunct="1">
+                  <a:defRPr sz="1800" kern="1200">
+                    <a:solidFill>
+                      <a:schemeClr val="tx1"/>
+                    </a:solidFill>
+                    <a:latin typeface="+mn-lt"/>
+                    <a:ea typeface="+mn-ea"/>
+                    <a:cs typeface="+mn-cs"/>
+                  </a:defRPr>
+                </a:lvl7pPr>
+                <a:lvl8pPr marL="3200400" algn="l" defTabSz="914400" rtl="0" eaLnBrk="1" latinLnBrk="1" hangingPunct="1">
+                  <a:defRPr sz="1800" kern="1200">
+                    <a:solidFill>
+                      <a:schemeClr val="tx1"/>
+                    </a:solidFill>
+                    <a:latin typeface="+mn-lt"/>
+                    <a:ea typeface="+mn-ea"/>
+                    <a:cs typeface="+mn-cs"/>
+                  </a:defRPr>
+                </a:lvl8pPr>
+                <a:lvl9pPr marL="3657600" algn="l" defTabSz="914400" rtl="0" eaLnBrk="1" latinLnBrk="1" hangingPunct="1">
+                  <a:defRPr sz="1800" kern="1200">
+                    <a:solidFill>
+                      <a:schemeClr val="tx1"/>
+                    </a:solidFill>
+                    <a:latin typeface="+mn-lt"/>
+                    <a:ea typeface="+mn-ea"/>
+                    <a:cs typeface="+mn-cs"/>
+                  </a:defRPr>
+                </a:lvl9pPr>
+              </a:lstStyle>
+              <a:p>
+                <a:r>
+                  <a:rPr lang="en-US" altLang="ko-KR" b="1" dirty="0">
+                    <a:solidFill>
+                      <a:srgbClr val="C00000"/>
+                    </a:solidFill>
+                    <a:effectLst>
+                      <a:outerShdw blurRad="38100" dist="38100" dir="2700000" algn="tl">
+                        <a:srgbClr val="000000">
+                          <a:alpha val="43137"/>
+                        </a:srgbClr>
+                      </a:outerShdw>
+                    </a:effectLst>
+                    <a:latin typeface="한컴 말랑말랑 Bold" panose="020F0803000000000000" pitchFamily="50" charset="-127"/>
+                    <a:ea typeface="한컴 말랑말랑 Bold" panose="020F0803000000000000" pitchFamily="50" charset="-127"/>
+                  </a:rPr>
+                  <a:t>Problem</a:t>
+                </a:r>
+                <a:endParaRPr lang="ko-KR" altLang="en-US" dirty="0">
+                  <a:solidFill>
+                    <a:srgbClr val="C00000"/>
+                  </a:solidFill>
+                  <a:effectLst>
+                    <a:outerShdw blurRad="38100" dist="38100" dir="2700000" algn="tl">
+                      <a:srgbClr val="000000">
+                        <a:alpha val="43137"/>
+                      </a:srgbClr>
+                    </a:outerShdw>
+                  </a:effectLst>
+                  <a:latin typeface="한컴 말랑말랑 Bold" panose="020F0803000000000000" pitchFamily="50" charset="-127"/>
+                  <a:ea typeface="한컴 말랑말랑 Bold" panose="020F0803000000000000" pitchFamily="50" charset="-127"/>
+                </a:endParaRPr>
+              </a:p>
+            </p:txBody>
+          </p:sp>
+        </p:grpSp>
+        <p:pic>
+          <p:nvPicPr>
+            <p:cNvPr id="1032" name="Picture 2" descr="Beer ">
+              <a:extLst>
+                <a:ext uri="{FF2B5EF4-FFF2-40B4-BE49-F238E27FC236}">
+                  <a16:creationId xmlns:a16="http://schemas.microsoft.com/office/drawing/2014/main" id="{D65DC950-8863-6A1D-AA8D-55C4C78BD193}"/>
+                </a:ext>
+              </a:extLst>
+            </p:cNvPr>
+            <p:cNvPicPr>
+              <a:picLocks noChangeAspect="1" noChangeArrowheads="1"/>
+            </p:cNvPicPr>
+            <p:nvPr/>
+          </p:nvPicPr>
+          <p:blipFill>
+            <a:blip r:embed="rId2">
+              <a:extLst>
+                <a:ext uri="{28A0092B-C50C-407E-A947-70E740481C1C}">
+                  <a14:useLocalDpi xmlns:a14="http://schemas.microsoft.com/office/drawing/2010/main" val="0"/>
+                </a:ext>
+              </a:extLst>
+            </a:blip>
+            <a:srcRect/>
+            <a:stretch>
+              <a:fillRect/>
+            </a:stretch>
+          </p:blipFill>
+          <p:spPr bwMode="auto">
+            <a:xfrm>
+              <a:off x="1024075" y="2955458"/>
+              <a:ext cx="1433234" cy="1433234"/>
+            </a:xfrm>
+            <a:prstGeom prst="rect">
+              <a:avLst/>
+            </a:prstGeom>
+            <a:noFill/>
+            <a:extLst>
+              <a:ext uri="{909E8E84-426E-40DD-AFC4-6F175D3DCCD1}">
+                <a14:hiddenFill xmlns:a14="http://schemas.microsoft.com/office/drawing/2010/main">
+                  <a:solidFill>
+                    <a:srgbClr val="FFFFFF"/>
+                  </a:solidFill>
+                </a14:hiddenFill>
+              </a:ext>
+            </a:extLst>
+          </p:spPr>
+        </p:pic>
+      </p:grpSp>
+      <p:grpSp>
+        <p:nvGrpSpPr>
+          <p:cNvPr id="1034" name="그룹 1033">
+            <a:extLst>
+              <a:ext uri="{FF2B5EF4-FFF2-40B4-BE49-F238E27FC236}">
+                <a16:creationId xmlns:a16="http://schemas.microsoft.com/office/drawing/2014/main" id="{C9CCE7C5-1DCC-0552-D7E8-7518D7D0F1BA}"/>
+              </a:ext>
+            </a:extLst>
+          </p:cNvPr>
+          <p:cNvGrpSpPr/>
+          <p:nvPr/>
+        </p:nvGrpSpPr>
+        <p:grpSpPr>
+          <a:xfrm>
+            <a:off x="4561549" y="1211607"/>
+            <a:ext cx="2072507" cy="4776818"/>
+            <a:chOff x="7097951" y="1367113"/>
+            <a:chExt cx="2072507" cy="4871411"/>
+          </a:xfrm>
+        </p:grpSpPr>
+        <p:sp>
+          <p:nvSpPr>
+            <p:cNvPr id="1035" name="직사각형 1034">
+              <a:extLst>
+                <a:ext uri="{FF2B5EF4-FFF2-40B4-BE49-F238E27FC236}">
+                  <a16:creationId xmlns:a16="http://schemas.microsoft.com/office/drawing/2014/main" id="{1A8B5F4D-2BEC-AD1F-ABF7-A220ABBE5C96}"/>
+                </a:ext>
+              </a:extLst>
+            </p:cNvPr>
+            <p:cNvSpPr/>
+            <p:nvPr/>
+          </p:nvSpPr>
+          <p:spPr>
+            <a:xfrm>
+              <a:off x="7097951" y="1724009"/>
+              <a:ext cx="2072507" cy="4514515"/>
+            </a:xfrm>
+            <a:prstGeom prst="rect">
+              <a:avLst/>
+            </a:prstGeom>
+          </p:spPr>
+          <p:style>
+            <a:lnRef idx="2">
+              <a:schemeClr val="dk1"/>
+            </a:lnRef>
+            <a:fillRef idx="1">
+              <a:schemeClr val="lt1"/>
+            </a:fillRef>
+            <a:effectRef idx="0">
+              <a:schemeClr val="dk1"/>
+            </a:effectRef>
+            <a:fontRef idx="minor">
+              <a:schemeClr val="dk1"/>
+            </a:fontRef>
+          </p:style>
+          <p:txBody>
+            <a:bodyPr rtlCol="0" anchor="ctr"/>
+            <a:lstStyle>
+              <a:defPPr>
+                <a:defRPr lang="ko-KR"/>
+              </a:defPPr>
+              <a:lvl1pPr marL="0" algn="l" defTabSz="914400" rtl="0" eaLnBrk="1" latinLnBrk="1" hangingPunct="1">
+                <a:defRPr sz="1800" kern="1200">
+                  <a:solidFill>
+                    <a:schemeClr val="dk1"/>
+                  </a:solidFill>
+                  <a:latin typeface="+mn-lt"/>
+                  <a:ea typeface="+mn-ea"/>
+                  <a:cs typeface="+mn-cs"/>
+                </a:defRPr>
+              </a:lvl1pPr>
+              <a:lvl2pPr marL="457200" algn="l" defTabSz="914400" rtl="0" eaLnBrk="1" latinLnBrk="1" hangingPunct="1">
+                <a:defRPr sz="1800" kern="1200">
+                  <a:solidFill>
+                    <a:schemeClr val="dk1"/>
+                  </a:solidFill>
+                  <a:latin typeface="+mn-lt"/>
+                  <a:ea typeface="+mn-ea"/>
+                  <a:cs typeface="+mn-cs"/>
+                </a:defRPr>
+              </a:lvl2pPr>
+              <a:lvl3pPr marL="914400" algn="l" defTabSz="914400" rtl="0" eaLnBrk="1" latinLnBrk="1" hangingPunct="1">
+                <a:defRPr sz="1800" kern="1200">
+                  <a:solidFill>
+                    <a:schemeClr val="dk1"/>
+                  </a:solidFill>
+                  <a:latin typeface="+mn-lt"/>
+                  <a:ea typeface="+mn-ea"/>
+                  <a:cs typeface="+mn-cs"/>
+                </a:defRPr>
+              </a:lvl3pPr>
+              <a:lvl4pPr marL="1371600" algn="l" defTabSz="914400" rtl="0" eaLnBrk="1" latinLnBrk="1" hangingPunct="1">
+                <a:defRPr sz="1800" kern="1200">
+                  <a:solidFill>
+                    <a:schemeClr val="dk1"/>
+                  </a:solidFill>
+                  <a:latin typeface="+mn-lt"/>
+                  <a:ea typeface="+mn-ea"/>
+                  <a:cs typeface="+mn-cs"/>
+                </a:defRPr>
+              </a:lvl4pPr>
+              <a:lvl5pPr marL="1828800" algn="l" defTabSz="914400" rtl="0" eaLnBrk="1" latinLnBrk="1" hangingPunct="1">
+                <a:defRPr sz="1800" kern="1200">
+                  <a:solidFill>
+                    <a:schemeClr val="dk1"/>
+                  </a:solidFill>
+                  <a:latin typeface="+mn-lt"/>
+                  <a:ea typeface="+mn-ea"/>
+                  <a:cs typeface="+mn-cs"/>
+                </a:defRPr>
+              </a:lvl5pPr>
+              <a:lvl6pPr marL="2286000" algn="l" defTabSz="914400" rtl="0" eaLnBrk="1" latinLnBrk="1" hangingPunct="1">
+                <a:defRPr sz="1800" kern="1200">
+                  <a:solidFill>
+                    <a:schemeClr val="dk1"/>
+                  </a:solidFill>
+                  <a:latin typeface="+mn-lt"/>
+                  <a:ea typeface="+mn-ea"/>
+                  <a:cs typeface="+mn-cs"/>
+                </a:defRPr>
+              </a:lvl6pPr>
+              <a:lvl7pPr marL="2743200" algn="l" defTabSz="914400" rtl="0" eaLnBrk="1" latinLnBrk="1" hangingPunct="1">
+                <a:defRPr sz="1800" kern="1200">
+                  <a:solidFill>
+                    <a:schemeClr val="dk1"/>
+                  </a:solidFill>
+                  <a:latin typeface="+mn-lt"/>
+                  <a:ea typeface="+mn-ea"/>
+                  <a:cs typeface="+mn-cs"/>
+                </a:defRPr>
+              </a:lvl7pPr>
+              <a:lvl8pPr marL="3200400" algn="l" defTabSz="914400" rtl="0" eaLnBrk="1" latinLnBrk="1" hangingPunct="1">
+                <a:defRPr sz="1800" kern="1200">
+                  <a:solidFill>
+                    <a:schemeClr val="dk1"/>
+                  </a:solidFill>
+                  <a:latin typeface="+mn-lt"/>
+                  <a:ea typeface="+mn-ea"/>
+                  <a:cs typeface="+mn-cs"/>
+                </a:defRPr>
+              </a:lvl8pPr>
+              <a:lvl9pPr marL="3657600" algn="l" defTabSz="914400" rtl="0" eaLnBrk="1" latinLnBrk="1" hangingPunct="1">
+                <a:defRPr sz="1800" kern="1200">
+                  <a:solidFill>
+                    <a:schemeClr val="dk1"/>
+                  </a:solidFill>
+                  <a:latin typeface="+mn-lt"/>
+                  <a:ea typeface="+mn-ea"/>
+                  <a:cs typeface="+mn-cs"/>
+                </a:defRPr>
+              </a:lvl9pPr>
+            </a:lstStyle>
+            <a:p>
+              <a:pPr algn="ctr"/>
+              <a:endParaRPr lang="ko-KR" altLang="en-US" dirty="0">
+                <a:latin typeface="한컴 말랑말랑 Bold" panose="020F0803000000000000" pitchFamily="50" charset="-127"/>
+                <a:ea typeface="한컴 말랑말랑 Bold" panose="020F0803000000000000" pitchFamily="50" charset="-127"/>
+              </a:endParaRPr>
+            </a:p>
+          </p:txBody>
+        </p:sp>
+        <p:sp>
+          <p:nvSpPr>
+            <p:cNvPr id="1042" name="TextBox 33">
+              <a:extLst>
+                <a:ext uri="{FF2B5EF4-FFF2-40B4-BE49-F238E27FC236}">
+                  <a16:creationId xmlns:a16="http://schemas.microsoft.com/office/drawing/2014/main" id="{DC1EC4F6-28E5-8BBF-DB81-E90383B8600C}"/>
+                </a:ext>
+              </a:extLst>
+            </p:cNvPr>
+            <p:cNvSpPr txBox="1"/>
+            <p:nvPr/>
+          </p:nvSpPr>
+          <p:spPr>
+            <a:xfrm>
+              <a:off x="7266868" y="3316184"/>
+              <a:ext cx="1719111" cy="307777"/>
+            </a:xfrm>
+            <a:prstGeom prst="rect">
+              <a:avLst/>
+            </a:prstGeom>
+            <a:noFill/>
+          </p:spPr>
+          <p:txBody>
+            <a:bodyPr wrap="square" rtlCol="0">
+              <a:spAutoFit/>
+            </a:bodyPr>
+            <a:lstStyle>
+              <a:defPPr>
+                <a:defRPr lang="ko-KR"/>
+              </a:defPPr>
+              <a:lvl1pPr marL="0" algn="l" defTabSz="914400" rtl="0" eaLnBrk="1" latinLnBrk="1" hangingPunct="1">
+                <a:defRPr sz="1800" kern="1200">
+                  <a:solidFill>
+                    <a:schemeClr val="tx1"/>
+                  </a:solidFill>
+                  <a:latin typeface="+mn-lt"/>
+                  <a:ea typeface="+mn-ea"/>
+                  <a:cs typeface="+mn-cs"/>
+                </a:defRPr>
+              </a:lvl1pPr>
+              <a:lvl2pPr marL="457200" algn="l" defTabSz="914400" rtl="0" eaLnBrk="1" latinLnBrk="1" hangingPunct="1">
+                <a:defRPr sz="1800" kern="1200">
+                  <a:solidFill>
+                    <a:schemeClr val="tx1"/>
+                  </a:solidFill>
+                  <a:latin typeface="+mn-lt"/>
+                  <a:ea typeface="+mn-ea"/>
+                  <a:cs typeface="+mn-cs"/>
+                </a:defRPr>
+              </a:lvl2pPr>
+              <a:lvl3pPr marL="914400" algn="l" defTabSz="914400" rtl="0" eaLnBrk="1" latinLnBrk="1" hangingPunct="1">
+                <a:defRPr sz="1800" kern="1200">
+                  <a:solidFill>
+                    <a:schemeClr val="tx1"/>
+                  </a:solidFill>
+                  <a:latin typeface="+mn-lt"/>
+                  <a:ea typeface="+mn-ea"/>
+                  <a:cs typeface="+mn-cs"/>
+                </a:defRPr>
+              </a:lvl3pPr>
+              <a:lvl4pPr marL="1371600" algn="l" defTabSz="914400" rtl="0" eaLnBrk="1" latinLnBrk="1" hangingPunct="1">
+                <a:defRPr sz="1800" kern="1200">
+                  <a:solidFill>
+                    <a:schemeClr val="tx1"/>
+                  </a:solidFill>
+                  <a:latin typeface="+mn-lt"/>
+                  <a:ea typeface="+mn-ea"/>
+                  <a:cs typeface="+mn-cs"/>
+                </a:defRPr>
+              </a:lvl4pPr>
+              <a:lvl5pPr marL="1828800" algn="l" defTabSz="914400" rtl="0" eaLnBrk="1" latinLnBrk="1" hangingPunct="1">
+                <a:defRPr sz="1800" kern="1200">
+                  <a:solidFill>
+                    <a:schemeClr val="tx1"/>
+                  </a:solidFill>
+                  <a:latin typeface="+mn-lt"/>
+                  <a:ea typeface="+mn-ea"/>
+                  <a:cs typeface="+mn-cs"/>
+                </a:defRPr>
+              </a:lvl5pPr>
+              <a:lvl6pPr marL="2286000" algn="l" defTabSz="914400" rtl="0" eaLnBrk="1" latinLnBrk="1" hangingPunct="1">
+                <a:defRPr sz="1800" kern="1200">
+                  <a:solidFill>
+                    <a:schemeClr val="tx1"/>
+                  </a:solidFill>
+                  <a:latin typeface="+mn-lt"/>
+                  <a:ea typeface="+mn-ea"/>
+                  <a:cs typeface="+mn-cs"/>
+                </a:defRPr>
+              </a:lvl6pPr>
+              <a:lvl7pPr marL="2743200" algn="l" defTabSz="914400" rtl="0" eaLnBrk="1" latinLnBrk="1" hangingPunct="1">
+                <a:defRPr sz="1800" kern="1200">
+                  <a:solidFill>
+                    <a:schemeClr val="tx1"/>
+                  </a:solidFill>
+                  <a:latin typeface="+mn-lt"/>
+                  <a:ea typeface="+mn-ea"/>
+                  <a:cs typeface="+mn-cs"/>
+                </a:defRPr>
+              </a:lvl7pPr>
+              <a:lvl8pPr marL="3200400" algn="l" defTabSz="914400" rtl="0" eaLnBrk="1" latinLnBrk="1" hangingPunct="1">
+                <a:defRPr sz="1800" kern="1200">
+                  <a:solidFill>
+                    <a:schemeClr val="tx1"/>
+                  </a:solidFill>
+                  <a:latin typeface="+mn-lt"/>
+                  <a:ea typeface="+mn-ea"/>
+                  <a:cs typeface="+mn-cs"/>
+                </a:defRPr>
+              </a:lvl8pPr>
+              <a:lvl9pPr marL="3657600" algn="l" defTabSz="914400" rtl="0" eaLnBrk="1" latinLnBrk="1" hangingPunct="1">
+                <a:defRPr sz="1800" kern="1200">
+                  <a:solidFill>
+                    <a:schemeClr val="tx1"/>
+                  </a:solidFill>
+                  <a:latin typeface="+mn-lt"/>
+                  <a:ea typeface="+mn-ea"/>
+                  <a:cs typeface="+mn-cs"/>
+                </a:defRPr>
+              </a:lvl9pPr>
+            </a:lstStyle>
+            <a:p>
+              <a:pPr algn="ctr"/>
+              <a:r>
+                <a:rPr lang="en-US" altLang="ko-KR" sz="1400" b="1" dirty="0">
+                  <a:effectLst>
+                    <a:outerShdw blurRad="38100" dist="38100" dir="2700000" algn="tl">
+                      <a:srgbClr val="000000">
+                        <a:alpha val="43137"/>
+                      </a:srgbClr>
+                    </a:outerShdw>
+                  </a:effectLst>
+                  <a:latin typeface="한컴 말랑말랑 Bold" panose="020F0803000000000000" pitchFamily="50" charset="-127"/>
+                  <a:ea typeface="한컴 말랑말랑 Bold" panose="020F0803000000000000" pitchFamily="50" charset="-127"/>
+                </a:rPr>
+                <a:t>1. </a:t>
+              </a:r>
+              <a:r>
+                <a:rPr lang="ko-KR" altLang="en-US" sz="1400" b="1" dirty="0">
+                  <a:effectLst>
+                    <a:outerShdw blurRad="38100" dist="38100" dir="2700000" algn="tl">
+                      <a:srgbClr val="000000">
+                        <a:alpha val="43137"/>
+                      </a:srgbClr>
+                    </a:outerShdw>
+                  </a:effectLst>
+                  <a:latin typeface="한컴 말랑말랑 Bold" panose="020F0803000000000000" pitchFamily="50" charset="-127"/>
+                  <a:ea typeface="한컴 말랑말랑 Bold" panose="020F0803000000000000" pitchFamily="50" charset="-127"/>
+                </a:rPr>
+                <a:t>대중적인 술</a:t>
+              </a:r>
+            </a:p>
+          </p:txBody>
+        </p:sp>
+        <p:sp>
+          <p:nvSpPr>
+            <p:cNvPr id="1040" name="TextBox 34">
+              <a:extLst>
+                <a:ext uri="{FF2B5EF4-FFF2-40B4-BE49-F238E27FC236}">
+                  <a16:creationId xmlns:a16="http://schemas.microsoft.com/office/drawing/2014/main" id="{F2CF4DAD-3B1E-BEE0-4335-B9D7FA3C8A5D}"/>
+                </a:ext>
+              </a:extLst>
+            </p:cNvPr>
+            <p:cNvSpPr txBox="1"/>
+            <p:nvPr/>
+          </p:nvSpPr>
+          <p:spPr>
+            <a:xfrm>
+              <a:off x="7115406" y="5775240"/>
+              <a:ext cx="1940464" cy="307777"/>
+            </a:xfrm>
+            <a:prstGeom prst="rect">
+              <a:avLst/>
+            </a:prstGeom>
+            <a:noFill/>
+          </p:spPr>
+          <p:txBody>
+            <a:bodyPr wrap="square" rtlCol="0">
+              <a:spAutoFit/>
+            </a:bodyPr>
+            <a:lstStyle>
+              <a:defPPr>
+                <a:defRPr lang="ko-KR"/>
+              </a:defPPr>
+              <a:lvl1pPr marL="0" algn="l" defTabSz="914400" rtl="0" eaLnBrk="1" latinLnBrk="1" hangingPunct="1">
+                <a:defRPr sz="1800" kern="1200">
+                  <a:solidFill>
+                    <a:schemeClr val="tx1"/>
+                  </a:solidFill>
+                  <a:latin typeface="+mn-lt"/>
+                  <a:ea typeface="+mn-ea"/>
+                  <a:cs typeface="+mn-cs"/>
+                </a:defRPr>
+              </a:lvl1pPr>
+              <a:lvl2pPr marL="457200" algn="l" defTabSz="914400" rtl="0" eaLnBrk="1" latinLnBrk="1" hangingPunct="1">
+                <a:defRPr sz="1800" kern="1200">
+                  <a:solidFill>
+                    <a:schemeClr val="tx1"/>
+                  </a:solidFill>
+                  <a:latin typeface="+mn-lt"/>
+                  <a:ea typeface="+mn-ea"/>
+                  <a:cs typeface="+mn-cs"/>
+                </a:defRPr>
+              </a:lvl2pPr>
+              <a:lvl3pPr marL="914400" algn="l" defTabSz="914400" rtl="0" eaLnBrk="1" latinLnBrk="1" hangingPunct="1">
+                <a:defRPr sz="1800" kern="1200">
+                  <a:solidFill>
+                    <a:schemeClr val="tx1"/>
+                  </a:solidFill>
+                  <a:latin typeface="+mn-lt"/>
+                  <a:ea typeface="+mn-ea"/>
+                  <a:cs typeface="+mn-cs"/>
+                </a:defRPr>
+              </a:lvl3pPr>
+              <a:lvl4pPr marL="1371600" algn="l" defTabSz="914400" rtl="0" eaLnBrk="1" latinLnBrk="1" hangingPunct="1">
+                <a:defRPr sz="1800" kern="1200">
+                  <a:solidFill>
+                    <a:schemeClr val="tx1"/>
+                  </a:solidFill>
+                  <a:latin typeface="+mn-lt"/>
+                  <a:ea typeface="+mn-ea"/>
+                  <a:cs typeface="+mn-cs"/>
+                </a:defRPr>
+              </a:lvl4pPr>
+              <a:lvl5pPr marL="1828800" algn="l" defTabSz="914400" rtl="0" eaLnBrk="1" latinLnBrk="1" hangingPunct="1">
+                <a:defRPr sz="1800" kern="1200">
+                  <a:solidFill>
+                    <a:schemeClr val="tx1"/>
+                  </a:solidFill>
+                  <a:latin typeface="+mn-lt"/>
+                  <a:ea typeface="+mn-ea"/>
+                  <a:cs typeface="+mn-cs"/>
+                </a:defRPr>
+              </a:lvl5pPr>
+              <a:lvl6pPr marL="2286000" algn="l" defTabSz="914400" rtl="0" eaLnBrk="1" latinLnBrk="1" hangingPunct="1">
+                <a:defRPr sz="1800" kern="1200">
+                  <a:solidFill>
+                    <a:schemeClr val="tx1"/>
+                  </a:solidFill>
+                  <a:latin typeface="+mn-lt"/>
+                  <a:ea typeface="+mn-ea"/>
+                  <a:cs typeface="+mn-cs"/>
+                </a:defRPr>
+              </a:lvl6pPr>
+              <a:lvl7pPr marL="2743200" algn="l" defTabSz="914400" rtl="0" eaLnBrk="1" latinLnBrk="1" hangingPunct="1">
+                <a:defRPr sz="1800" kern="1200">
+                  <a:solidFill>
+                    <a:schemeClr val="tx1"/>
+                  </a:solidFill>
+                  <a:latin typeface="+mn-lt"/>
+                  <a:ea typeface="+mn-ea"/>
+                  <a:cs typeface="+mn-cs"/>
+                </a:defRPr>
+              </a:lvl7pPr>
+              <a:lvl8pPr marL="3200400" algn="l" defTabSz="914400" rtl="0" eaLnBrk="1" latinLnBrk="1" hangingPunct="1">
+                <a:defRPr sz="1800" kern="1200">
+                  <a:solidFill>
+                    <a:schemeClr val="tx1"/>
+                  </a:solidFill>
+                  <a:latin typeface="+mn-lt"/>
+                  <a:ea typeface="+mn-ea"/>
+                  <a:cs typeface="+mn-cs"/>
+                </a:defRPr>
+              </a:lvl8pPr>
+              <a:lvl9pPr marL="3657600" algn="l" defTabSz="914400" rtl="0" eaLnBrk="1" latinLnBrk="1" hangingPunct="1">
+                <a:defRPr sz="1800" kern="1200">
+                  <a:solidFill>
+                    <a:schemeClr val="tx1"/>
+                  </a:solidFill>
+                  <a:latin typeface="+mn-lt"/>
+                  <a:ea typeface="+mn-ea"/>
+                  <a:cs typeface="+mn-cs"/>
+                </a:defRPr>
+              </a:lvl9pPr>
+            </a:lstStyle>
+            <a:p>
+              <a:pPr algn="ctr"/>
+              <a:r>
+                <a:rPr lang="en-US" altLang="ko-KR" sz="1400" b="1">
+                  <a:effectLst>
+                    <a:outerShdw blurRad="38100" dist="38100" dir="2700000" algn="tl">
+                      <a:srgbClr val="000000">
+                        <a:alpha val="43137"/>
+                      </a:srgbClr>
+                    </a:outerShdw>
+                  </a:effectLst>
+                  <a:latin typeface="한컴 말랑말랑 Bold" panose="020F0803000000000000" pitchFamily="50" charset="-127"/>
+                  <a:ea typeface="한컴 말랑말랑 Bold" panose="020F0803000000000000" pitchFamily="50" charset="-127"/>
+                </a:rPr>
+                <a:t>2. </a:t>
+              </a:r>
+              <a:r>
+                <a:rPr lang="ko-KR" altLang="en-US" sz="1400" b="1" dirty="0">
+                  <a:effectLst>
+                    <a:outerShdw blurRad="38100" dist="38100" dir="2700000" algn="tl">
+                      <a:srgbClr val="000000">
+                        <a:alpha val="43137"/>
+                      </a:srgbClr>
+                    </a:outerShdw>
+                  </a:effectLst>
+                  <a:latin typeface="한컴 말랑말랑 Bold" panose="020F0803000000000000" pitchFamily="50" charset="-127"/>
+                  <a:ea typeface="한컴 말랑말랑 Bold" panose="020F0803000000000000" pitchFamily="50" charset="-127"/>
+                </a:rPr>
+                <a:t>적절한 필터링 비율</a:t>
+              </a:r>
+            </a:p>
+          </p:txBody>
+        </p:sp>
+        <p:sp>
+          <p:nvSpPr>
+            <p:cNvPr id="1038" name="TextBox 36">
+              <a:extLst>
+                <a:ext uri="{FF2B5EF4-FFF2-40B4-BE49-F238E27FC236}">
+                  <a16:creationId xmlns:a16="http://schemas.microsoft.com/office/drawing/2014/main" id="{3A40822A-4A20-C5D5-138F-D7A40B22AAC4}"/>
+                </a:ext>
+              </a:extLst>
+            </p:cNvPr>
+            <p:cNvSpPr txBox="1"/>
+            <p:nvPr/>
+          </p:nvSpPr>
+          <p:spPr>
+            <a:xfrm>
+              <a:off x="7106441" y="1367113"/>
+              <a:ext cx="1159749" cy="369332"/>
+            </a:xfrm>
+            <a:prstGeom prst="rect">
+              <a:avLst/>
+            </a:prstGeom>
+            <a:noFill/>
+          </p:spPr>
+          <p:txBody>
+            <a:bodyPr wrap="square" rtlCol="0">
+              <a:spAutoFit/>
+            </a:bodyPr>
+            <a:lstStyle>
+              <a:defPPr>
+                <a:defRPr lang="ko-KR"/>
+              </a:defPPr>
+              <a:lvl1pPr marL="0" algn="l" defTabSz="914400" rtl="0" eaLnBrk="1" latinLnBrk="1" hangingPunct="1">
+                <a:defRPr sz="1800" kern="1200">
+                  <a:solidFill>
+                    <a:schemeClr val="tx1"/>
+                  </a:solidFill>
+                  <a:latin typeface="+mn-lt"/>
+                  <a:ea typeface="+mn-ea"/>
+                  <a:cs typeface="+mn-cs"/>
+                </a:defRPr>
+              </a:lvl1pPr>
+              <a:lvl2pPr marL="457200" algn="l" defTabSz="914400" rtl="0" eaLnBrk="1" latinLnBrk="1" hangingPunct="1">
+                <a:defRPr sz="1800" kern="1200">
+                  <a:solidFill>
+                    <a:schemeClr val="tx1"/>
+                  </a:solidFill>
+                  <a:latin typeface="+mn-lt"/>
+                  <a:ea typeface="+mn-ea"/>
+                  <a:cs typeface="+mn-cs"/>
+                </a:defRPr>
+              </a:lvl2pPr>
+              <a:lvl3pPr marL="914400" algn="l" defTabSz="914400" rtl="0" eaLnBrk="1" latinLnBrk="1" hangingPunct="1">
+                <a:defRPr sz="1800" kern="1200">
+                  <a:solidFill>
+                    <a:schemeClr val="tx1"/>
+                  </a:solidFill>
+                  <a:latin typeface="+mn-lt"/>
+                  <a:ea typeface="+mn-ea"/>
+                  <a:cs typeface="+mn-cs"/>
+                </a:defRPr>
+              </a:lvl3pPr>
+              <a:lvl4pPr marL="1371600" algn="l" defTabSz="914400" rtl="0" eaLnBrk="1" latinLnBrk="1" hangingPunct="1">
+                <a:defRPr sz="1800" kern="1200">
+                  <a:solidFill>
+                    <a:schemeClr val="tx1"/>
+                  </a:solidFill>
+                  <a:latin typeface="+mn-lt"/>
+                  <a:ea typeface="+mn-ea"/>
+                  <a:cs typeface="+mn-cs"/>
+                </a:defRPr>
+              </a:lvl4pPr>
+              <a:lvl5pPr marL="1828800" algn="l" defTabSz="914400" rtl="0" eaLnBrk="1" latinLnBrk="1" hangingPunct="1">
+                <a:defRPr sz="1800" kern="1200">
+                  <a:solidFill>
+                    <a:schemeClr val="tx1"/>
+                  </a:solidFill>
+                  <a:latin typeface="+mn-lt"/>
+                  <a:ea typeface="+mn-ea"/>
+                  <a:cs typeface="+mn-cs"/>
+                </a:defRPr>
+              </a:lvl5pPr>
+              <a:lvl6pPr marL="2286000" algn="l" defTabSz="914400" rtl="0" eaLnBrk="1" latinLnBrk="1" hangingPunct="1">
+                <a:defRPr sz="1800" kern="1200">
+                  <a:solidFill>
+                    <a:schemeClr val="tx1"/>
+                  </a:solidFill>
+                  <a:latin typeface="+mn-lt"/>
+                  <a:ea typeface="+mn-ea"/>
+                  <a:cs typeface="+mn-cs"/>
+                </a:defRPr>
+              </a:lvl6pPr>
+              <a:lvl7pPr marL="2743200" algn="l" defTabSz="914400" rtl="0" eaLnBrk="1" latinLnBrk="1" hangingPunct="1">
+                <a:defRPr sz="1800" kern="1200">
+                  <a:solidFill>
+                    <a:schemeClr val="tx1"/>
+                  </a:solidFill>
+                  <a:latin typeface="+mn-lt"/>
+                  <a:ea typeface="+mn-ea"/>
+                  <a:cs typeface="+mn-cs"/>
+                </a:defRPr>
+              </a:lvl7pPr>
+              <a:lvl8pPr marL="3200400" algn="l" defTabSz="914400" rtl="0" eaLnBrk="1" latinLnBrk="1" hangingPunct="1">
+                <a:defRPr sz="1800" kern="1200">
+                  <a:solidFill>
+                    <a:schemeClr val="tx1"/>
+                  </a:solidFill>
+                  <a:latin typeface="+mn-lt"/>
+                  <a:ea typeface="+mn-ea"/>
+                  <a:cs typeface="+mn-cs"/>
+                </a:defRPr>
+              </a:lvl8pPr>
+              <a:lvl9pPr marL="3657600" algn="l" defTabSz="914400" rtl="0" eaLnBrk="1" latinLnBrk="1" hangingPunct="1">
+                <a:defRPr sz="1800" kern="1200">
+                  <a:solidFill>
+                    <a:schemeClr val="tx1"/>
+                  </a:solidFill>
+                  <a:latin typeface="+mn-lt"/>
+                  <a:ea typeface="+mn-ea"/>
+                  <a:cs typeface="+mn-cs"/>
+                </a:defRPr>
+              </a:lvl9pPr>
+            </a:lstStyle>
+            <a:p>
+              <a:r>
+                <a:rPr lang="en-US" altLang="ko-KR" b="1" dirty="0">
+                  <a:solidFill>
+                    <a:srgbClr val="C00000"/>
+                  </a:solidFill>
+                  <a:effectLst>
+                    <a:outerShdw blurRad="38100" dist="38100" dir="2700000" algn="tl">
+                      <a:srgbClr val="000000">
+                        <a:alpha val="43137"/>
+                      </a:srgbClr>
+                    </a:outerShdw>
+                  </a:effectLst>
+                  <a:latin typeface="한컴 말랑말랑 Bold" panose="020F0803000000000000" pitchFamily="50" charset="-127"/>
+                  <a:ea typeface="한컴 말랑말랑 Bold" panose="020F0803000000000000" pitchFamily="50" charset="-127"/>
+                </a:rPr>
+                <a:t>Solution</a:t>
+              </a:r>
+              <a:endParaRPr lang="ko-KR" altLang="en-US" b="1" dirty="0">
+                <a:solidFill>
+                  <a:srgbClr val="C00000"/>
+                </a:solidFill>
+                <a:effectLst>
+                  <a:outerShdw blurRad="38100" dist="38100" dir="2700000" algn="tl">
+                    <a:srgbClr val="000000">
+                      <a:alpha val="43137"/>
+                    </a:srgbClr>
+                  </a:outerShdw>
+                </a:effectLst>
+                <a:latin typeface="한컴 말랑말랑 Bold" panose="020F0803000000000000" pitchFamily="50" charset="-127"/>
+                <a:ea typeface="한컴 말랑말랑 Bold" panose="020F0803000000000000" pitchFamily="50" charset="-127"/>
+              </a:endParaRPr>
+            </a:p>
+          </p:txBody>
+        </p:sp>
+      </p:grpSp>
+      <p:sp>
+        <p:nvSpPr>
+          <p:cNvPr id="1043" name="오른쪽 화살표 20">
+            <a:extLst>
+              <a:ext uri="{FF2B5EF4-FFF2-40B4-BE49-F238E27FC236}">
+                <a16:creationId xmlns:a16="http://schemas.microsoft.com/office/drawing/2014/main" id="{0095F187-A990-BDEE-C594-99381B4BCD01}"/>
+              </a:ext>
+            </a:extLst>
+          </p:cNvPr>
+          <p:cNvSpPr/>
+          <p:nvPr/>
+        </p:nvSpPr>
+        <p:spPr>
+          <a:xfrm>
+            <a:off x="3399879" y="3613394"/>
+            <a:ext cx="657725" cy="243801"/>
+          </a:xfrm>
+          <a:prstGeom prst="rightArrow">
+            <a:avLst/>
+          </a:prstGeom>
+          <a:solidFill>
+            <a:schemeClr val="tx1"/>
+          </a:solidFill>
+          <a:ln>
+            <a:solidFill>
+              <a:schemeClr val="tx1"/>
+            </a:solidFill>
+          </a:ln>
+        </p:spPr>
+        <p:style>
+          <a:lnRef idx="2">
+            <a:schemeClr val="accent1">
+              <a:shade val="50000"/>
+            </a:schemeClr>
+          </a:lnRef>
+          <a:fillRef idx="1">
+            <a:schemeClr val="accent1"/>
+          </a:fillRef>
+          <a:effectRef idx="0">
+            <a:schemeClr val="accent1"/>
+          </a:effectRef>
+          <a:fontRef idx="minor">
+            <a:schemeClr val="lt1"/>
+          </a:fontRef>
+        </p:style>
+        <p:txBody>
+          <a:bodyPr rtlCol="0" anchor="ctr"/>
+          <a:lstStyle>
+            <a:defPPr>
+              <a:defRPr lang="ko-KR"/>
+            </a:defPPr>
+            <a:lvl1pPr marL="0" algn="l" defTabSz="914400" rtl="0" eaLnBrk="1" latinLnBrk="1" hangingPunct="1">
+              <a:defRPr sz="1800" kern="1200">
+                <a:solidFill>
+                  <a:schemeClr val="lt1"/>
+                </a:solidFill>
+                <a:latin typeface="+mn-lt"/>
+                <a:ea typeface="+mn-ea"/>
+                <a:cs typeface="+mn-cs"/>
+              </a:defRPr>
+            </a:lvl1pPr>
+            <a:lvl2pPr marL="457200" algn="l" defTabSz="914400" rtl="0" eaLnBrk="1" latinLnBrk="1" hangingPunct="1">
+              <a:defRPr sz="1800" kern="1200">
+                <a:solidFill>
+                  <a:schemeClr val="lt1"/>
+                </a:solidFill>
+                <a:latin typeface="+mn-lt"/>
+                <a:ea typeface="+mn-ea"/>
+                <a:cs typeface="+mn-cs"/>
+              </a:defRPr>
+            </a:lvl2pPr>
+            <a:lvl3pPr marL="914400" algn="l" defTabSz="914400" rtl="0" eaLnBrk="1" latinLnBrk="1" hangingPunct="1">
+              <a:defRPr sz="1800" kern="1200">
+                <a:solidFill>
+                  <a:schemeClr val="lt1"/>
+                </a:solidFill>
+                <a:latin typeface="+mn-lt"/>
+                <a:ea typeface="+mn-ea"/>
+                <a:cs typeface="+mn-cs"/>
+              </a:defRPr>
+            </a:lvl3pPr>
+            <a:lvl4pPr marL="1371600" algn="l" defTabSz="914400" rtl="0" eaLnBrk="1" latinLnBrk="1" hangingPunct="1">
+              <a:defRPr sz="1800" kern="1200">
+                <a:solidFill>
+                  <a:schemeClr val="lt1"/>
+                </a:solidFill>
+                <a:latin typeface="+mn-lt"/>
+                <a:ea typeface="+mn-ea"/>
+                <a:cs typeface="+mn-cs"/>
+              </a:defRPr>
+            </a:lvl4pPr>
+            <a:lvl5pPr marL="1828800" algn="l" defTabSz="914400" rtl="0" eaLnBrk="1" latinLnBrk="1" hangingPunct="1">
+              <a:defRPr sz="1800" kern="1200">
+                <a:solidFill>
+                  <a:schemeClr val="lt1"/>
+                </a:solidFill>
+                <a:latin typeface="+mn-lt"/>
+                <a:ea typeface="+mn-ea"/>
+                <a:cs typeface="+mn-cs"/>
+              </a:defRPr>
+            </a:lvl5pPr>
+            <a:lvl6pPr marL="2286000" algn="l" defTabSz="914400" rtl="0" eaLnBrk="1" latinLnBrk="1" hangingPunct="1">
+              <a:defRPr sz="1800" kern="1200">
+                <a:solidFill>
+                  <a:schemeClr val="lt1"/>
+                </a:solidFill>
+                <a:latin typeface="+mn-lt"/>
+                <a:ea typeface="+mn-ea"/>
+                <a:cs typeface="+mn-cs"/>
+              </a:defRPr>
+            </a:lvl6pPr>
+            <a:lvl7pPr marL="2743200" algn="l" defTabSz="914400" rtl="0" eaLnBrk="1" latinLnBrk="1" hangingPunct="1">
+              <a:defRPr sz="1800" kern="1200">
+                <a:solidFill>
+                  <a:schemeClr val="lt1"/>
+                </a:solidFill>
+                <a:latin typeface="+mn-lt"/>
+                <a:ea typeface="+mn-ea"/>
+                <a:cs typeface="+mn-cs"/>
+              </a:defRPr>
+            </a:lvl7pPr>
+            <a:lvl8pPr marL="3200400" algn="l" defTabSz="914400" rtl="0" eaLnBrk="1" latinLnBrk="1" hangingPunct="1">
+              <a:defRPr sz="1800" kern="1200">
+                <a:solidFill>
+                  <a:schemeClr val="lt1"/>
+                </a:solidFill>
+                <a:latin typeface="+mn-lt"/>
+                <a:ea typeface="+mn-ea"/>
+                <a:cs typeface="+mn-cs"/>
+              </a:defRPr>
+            </a:lvl8pPr>
+            <a:lvl9pPr marL="3657600" algn="l" defTabSz="914400" rtl="0" eaLnBrk="1" latinLnBrk="1" hangingPunct="1">
+              <a:defRPr sz="1800" kern="1200">
+                <a:solidFill>
+                  <a:schemeClr val="lt1"/>
+                </a:solidFill>
+                <a:latin typeface="+mn-lt"/>
+                <a:ea typeface="+mn-ea"/>
+                <a:cs typeface="+mn-cs"/>
+              </a:defRPr>
+            </a:lvl9pPr>
+          </a:lstStyle>
+          <a:p>
+            <a:pPr algn="ctr"/>
+            <a:endParaRPr lang="ko-KR" altLang="en-US" sz="1400">
+              <a:latin typeface="한컴 말랑말랑 Bold" panose="020F0803000000000000" pitchFamily="50" charset="-127"/>
+              <a:ea typeface="한컴 말랑말랑 Bold" panose="020F0803000000000000" pitchFamily="50" charset="-127"/>
+            </a:endParaRPr>
+          </a:p>
+        </p:txBody>
+      </p:sp>
+      <p:pic>
+        <p:nvPicPr>
+          <p:cNvPr id="1044" name="Picture 6" descr="Beer can ">
+            <a:extLst>
+              <a:ext uri="{FF2B5EF4-FFF2-40B4-BE49-F238E27FC236}">
+                <a16:creationId xmlns:a16="http://schemas.microsoft.com/office/drawing/2014/main" id="{CB04F7B0-1C26-CD53-DFF3-A64621519E77}"/>
+              </a:ext>
+            </a:extLst>
+          </p:cNvPr>
+          <p:cNvPicPr>
+            <a:picLocks noChangeAspect="1" noChangeArrowheads="1"/>
+          </p:cNvPicPr>
+          <p:nvPr/>
+        </p:nvPicPr>
+        <p:blipFill>
+          <a:blip r:embed="rId3">
+            <a:extLst>
+              <a:ext uri="{28A0092B-C50C-407E-A947-70E740481C1C}">
+                <a14:useLocalDpi xmlns:a14="http://schemas.microsoft.com/office/drawing/2010/main" val="0"/>
+              </a:ext>
+            </a:extLst>
+          </a:blip>
+          <a:srcRect/>
+          <a:stretch>
+            <a:fillRect/>
+          </a:stretch>
+        </p:blipFill>
+        <p:spPr bwMode="auto">
+          <a:xfrm>
+            <a:off x="4923644" y="1784244"/>
+            <a:ext cx="1339152" cy="1339152"/>
+          </a:xfrm>
+          <a:prstGeom prst="rect">
+            <a:avLst/>
+          </a:prstGeom>
+          <a:noFill/>
+          <a:extLst>
+            <a:ext uri="{909E8E84-426E-40DD-AFC4-6F175D3DCCD1}">
+              <a14:hiddenFill xmlns:a14="http://schemas.microsoft.com/office/drawing/2010/main">
+                <a:solidFill>
+                  <a:srgbClr val="FFFFFF"/>
+                </a:solidFill>
+              </a14:hiddenFill>
+            </a:ext>
+          </a:extLst>
+        </p:spPr>
+      </p:pic>
+      <p:pic>
+        <p:nvPicPr>
+          <p:cNvPr id="1045" name="Picture 8" descr="Selective ">
+            <a:extLst>
+              <a:ext uri="{FF2B5EF4-FFF2-40B4-BE49-F238E27FC236}">
+                <a16:creationId xmlns:a16="http://schemas.microsoft.com/office/drawing/2014/main" id="{A12C2702-820B-73DB-4D40-9C9CF3981BD3}"/>
+              </a:ext>
+            </a:extLst>
+          </p:cNvPr>
+          <p:cNvPicPr>
+            <a:picLocks noChangeAspect="1" noChangeArrowheads="1"/>
+          </p:cNvPicPr>
+          <p:nvPr/>
+        </p:nvPicPr>
+        <p:blipFill>
+          <a:blip r:embed="rId4">
+            <a:extLst>
+              <a:ext uri="{28A0092B-C50C-407E-A947-70E740481C1C}">
+                <a14:useLocalDpi xmlns:a14="http://schemas.microsoft.com/office/drawing/2010/main" val="0"/>
+              </a:ext>
+            </a:extLst>
+          </a:blip>
+          <a:srcRect/>
+          <a:stretch>
+            <a:fillRect/>
+          </a:stretch>
+        </p:blipFill>
+        <p:spPr bwMode="auto">
+          <a:xfrm>
+            <a:off x="4980421" y="4245026"/>
+            <a:ext cx="1219200" cy="1219200"/>
+          </a:xfrm>
+          <a:prstGeom prst="rect">
+            <a:avLst/>
+          </a:prstGeom>
+          <a:noFill/>
+          <a:extLst>
+            <a:ext uri="{909E8E84-426E-40DD-AFC4-6F175D3DCCD1}">
+              <a14:hiddenFill xmlns:a14="http://schemas.microsoft.com/office/drawing/2010/main">
+                <a:solidFill>
+                  <a:srgbClr val="FFFFFF"/>
+                </a:solidFill>
+              </a14:hiddenFill>
+            </a:ext>
+          </a:extLst>
+        </p:spPr>
+      </p:pic>
+      <p:sp>
+        <p:nvSpPr>
+          <p:cNvPr id="1047" name="TextBox 1046">
+            <a:extLst>
+              <a:ext uri="{FF2B5EF4-FFF2-40B4-BE49-F238E27FC236}">
+                <a16:creationId xmlns:a16="http://schemas.microsoft.com/office/drawing/2014/main" id="{2CADD334-43B2-6391-65BF-4447474E01C5}"/>
+              </a:ext>
+            </a:extLst>
+          </p:cNvPr>
+          <p:cNvSpPr txBox="1"/>
+          <p:nvPr/>
+        </p:nvSpPr>
+        <p:spPr>
+          <a:xfrm>
+            <a:off x="7138000" y="2025746"/>
+            <a:ext cx="4283035" cy="923330"/>
+          </a:xfrm>
+          <a:prstGeom prst="rect">
+            <a:avLst/>
+          </a:prstGeom>
+          <a:noFill/>
+        </p:spPr>
+        <p:txBody>
+          <a:bodyPr wrap="square">
+            <a:spAutoFit/>
+          </a:bodyPr>
+          <a:lstStyle/>
+          <a:p>
+            <a:pPr algn="ctr"/>
+            <a:r>
+              <a:rPr lang="ko-KR" altLang="en-US" b="1" dirty="0">
+                <a:effectLst>
+                  <a:outerShdw blurRad="38100" dist="38100" dir="2700000" algn="tl">
+                    <a:srgbClr val="000000">
+                      <a:alpha val="43137"/>
+                    </a:srgbClr>
+                  </a:outerShdw>
+                </a:effectLst>
+                <a:latin typeface="한컴 말랑말랑 Bold" panose="020F0803000000000000" pitchFamily="50" charset="-127"/>
+                <a:ea typeface="한컴 말랑말랑 Bold" panose="020F0803000000000000" pitchFamily="50" charset="-127"/>
+              </a:rPr>
+              <a:t>사람들이 </a:t>
+            </a:r>
+            <a:r>
+              <a:rPr lang="ko-KR" altLang="en-US" b="1" dirty="0">
+                <a:solidFill>
+                  <a:srgbClr val="0070C0"/>
+                </a:solidFill>
+                <a:effectLst>
+                  <a:outerShdw blurRad="38100" dist="38100" dir="2700000" algn="tl">
+                    <a:srgbClr val="000000">
+                      <a:alpha val="43137"/>
+                    </a:srgbClr>
+                  </a:outerShdw>
+                </a:effectLst>
+                <a:latin typeface="한컴 말랑말랑 Bold" panose="020F0803000000000000" pitchFamily="50" charset="-127"/>
+                <a:ea typeface="한컴 말랑말랑 Bold" panose="020F0803000000000000" pitchFamily="50" charset="-127"/>
+              </a:rPr>
+              <a:t>가성비의 기준을 이해</a:t>
+            </a:r>
+            <a:r>
+              <a:rPr lang="ko-KR" altLang="en-US" b="1" dirty="0">
+                <a:effectLst>
+                  <a:outerShdw blurRad="38100" dist="38100" dir="2700000" algn="tl">
+                    <a:srgbClr val="000000">
+                      <a:alpha val="43137"/>
+                    </a:srgbClr>
+                  </a:outerShdw>
+                </a:effectLst>
+                <a:latin typeface="한컴 말랑말랑 Bold" panose="020F0803000000000000" pitchFamily="50" charset="-127"/>
+                <a:ea typeface="한컴 말랑말랑 Bold" panose="020F0803000000000000" pitchFamily="50" charset="-127"/>
+              </a:rPr>
+              <a:t>하고 해당 질문에 답변하기 위해 가성비의 기준이 되는 술은 모두가 알고 있는 </a:t>
+            </a:r>
+            <a:r>
+              <a:rPr lang="ko-KR" altLang="en-US" b="1" dirty="0">
+                <a:solidFill>
+                  <a:srgbClr val="0070C0"/>
+                </a:solidFill>
+                <a:effectLst>
+                  <a:outerShdw blurRad="38100" dist="38100" dir="2700000" algn="tl">
+                    <a:srgbClr val="000000">
+                      <a:alpha val="43137"/>
+                    </a:srgbClr>
+                  </a:outerShdw>
+                </a:effectLst>
+                <a:latin typeface="한컴 말랑말랑 Bold" panose="020F0803000000000000" pitchFamily="50" charset="-127"/>
+                <a:ea typeface="한컴 말랑말랑 Bold" panose="020F0803000000000000" pitchFamily="50" charset="-127"/>
+              </a:rPr>
+              <a:t>대중적인 술</a:t>
+            </a:r>
+            <a:r>
+              <a:rPr lang="ko-KR" altLang="en-US" b="1" dirty="0">
+                <a:effectLst>
+                  <a:outerShdw blurRad="38100" dist="38100" dir="2700000" algn="tl">
+                    <a:srgbClr val="000000">
+                      <a:alpha val="43137"/>
+                    </a:srgbClr>
+                  </a:outerShdw>
+                </a:effectLst>
+                <a:latin typeface="한컴 말랑말랑 Bold" panose="020F0803000000000000" pitchFamily="50" charset="-127"/>
+                <a:ea typeface="한컴 말랑말랑 Bold" panose="020F0803000000000000" pitchFamily="50" charset="-127"/>
+              </a:rPr>
+              <a:t>이어야 한다</a:t>
+            </a:r>
+            <a:r>
+              <a:rPr lang="en-US" altLang="ko-KR" b="1" dirty="0">
+                <a:effectLst>
+                  <a:outerShdw blurRad="38100" dist="38100" dir="2700000" algn="tl">
+                    <a:srgbClr val="000000">
+                      <a:alpha val="43137"/>
+                    </a:srgbClr>
+                  </a:outerShdw>
+                </a:effectLst>
+                <a:latin typeface="한컴 말랑말랑 Bold" panose="020F0803000000000000" pitchFamily="50" charset="-127"/>
+                <a:ea typeface="한컴 말랑말랑 Bold" panose="020F0803000000000000" pitchFamily="50" charset="-127"/>
+              </a:rPr>
+              <a:t>.</a:t>
+            </a:r>
+            <a:endParaRPr lang="ko-KR" altLang="en-US" sz="1800" b="1" dirty="0">
+              <a:effectLst>
+                <a:outerShdw blurRad="38100" dist="38100" dir="2700000" algn="tl">
+                  <a:srgbClr val="000000">
+                    <a:alpha val="43137"/>
+                  </a:srgbClr>
+                </a:outerShdw>
+              </a:effectLst>
+              <a:latin typeface="한컴 말랑말랑 Bold" panose="020F0803000000000000" pitchFamily="50" charset="-127"/>
+              <a:ea typeface="한컴 말랑말랑 Bold" panose="020F0803000000000000" pitchFamily="50" charset="-127"/>
+            </a:endParaRPr>
+          </a:p>
+        </p:txBody>
+      </p:sp>
+      <p:sp>
+        <p:nvSpPr>
+          <p:cNvPr id="1048" name="TextBox 1047">
+            <a:extLst>
+              <a:ext uri="{FF2B5EF4-FFF2-40B4-BE49-F238E27FC236}">
+                <a16:creationId xmlns:a16="http://schemas.microsoft.com/office/drawing/2014/main" id="{D2E3DACB-3F05-851C-BCFF-516FC9D900BD}"/>
+              </a:ext>
+            </a:extLst>
+          </p:cNvPr>
+          <p:cNvSpPr txBox="1"/>
+          <p:nvPr/>
+        </p:nvSpPr>
+        <p:spPr>
+          <a:xfrm>
+            <a:off x="7137999" y="4540896"/>
+            <a:ext cx="4283035" cy="923330"/>
+          </a:xfrm>
+          <a:prstGeom prst="rect">
+            <a:avLst/>
+          </a:prstGeom>
+          <a:noFill/>
+        </p:spPr>
+        <p:txBody>
+          <a:bodyPr wrap="square">
+            <a:spAutoFit/>
+          </a:bodyPr>
+          <a:lstStyle/>
+          <a:p>
+            <a:pPr algn="ctr"/>
+            <a:r>
+              <a:rPr lang="ko-KR" altLang="en-US" sz="1800" b="1" dirty="0">
+                <a:effectLst>
+                  <a:outerShdw blurRad="38100" dist="38100" dir="2700000" algn="tl">
+                    <a:srgbClr val="000000">
+                      <a:alpha val="43137"/>
+                    </a:srgbClr>
+                  </a:outerShdw>
+                </a:effectLst>
+                <a:latin typeface="한컴 말랑말랑 Bold" panose="020F0803000000000000" pitchFamily="50" charset="-127"/>
+                <a:ea typeface="한컴 말랑말랑 Bold" panose="020F0803000000000000" pitchFamily="50" charset="-127"/>
+              </a:rPr>
+              <a:t>선택된 술을 기준으로 우리</a:t>
+            </a:r>
+            <a:r>
+              <a:rPr lang="ko-KR" altLang="en-US" b="1" dirty="0">
+                <a:effectLst>
+                  <a:outerShdw blurRad="38100" dist="38100" dir="2700000" algn="tl">
+                    <a:srgbClr val="000000">
+                      <a:alpha val="43137"/>
+                    </a:srgbClr>
+                  </a:outerShdw>
+                </a:effectLst>
+                <a:latin typeface="한컴 말랑말랑 Bold" panose="020F0803000000000000" pitchFamily="50" charset="-127"/>
+                <a:ea typeface="한컴 말랑말랑 Bold" panose="020F0803000000000000" pitchFamily="50" charset="-127"/>
+              </a:rPr>
+              <a:t>의 </a:t>
+            </a:r>
+            <a:r>
+              <a:rPr lang="en-US" altLang="ko-KR" b="1" dirty="0">
+                <a:solidFill>
+                  <a:srgbClr val="0070C0"/>
+                </a:solidFill>
+                <a:effectLst>
+                  <a:outerShdw blurRad="38100" dist="38100" dir="2700000" algn="tl">
+                    <a:srgbClr val="000000">
+                      <a:alpha val="43137"/>
+                    </a:srgbClr>
+                  </a:outerShdw>
+                </a:effectLst>
+                <a:latin typeface="한컴 말랑말랑 Bold" panose="020F0803000000000000" pitchFamily="50" charset="-127"/>
+                <a:ea typeface="한컴 말랑말랑 Bold" panose="020F0803000000000000" pitchFamily="50" charset="-127"/>
+              </a:rPr>
+              <a:t>Output </a:t>
+            </a:r>
+            <a:r>
+              <a:rPr lang="ko-KR" altLang="en-US" b="1" dirty="0">
+                <a:solidFill>
+                  <a:srgbClr val="0070C0"/>
+                </a:solidFill>
+                <a:effectLst>
+                  <a:outerShdw blurRad="38100" dist="38100" dir="2700000" algn="tl">
+                    <a:srgbClr val="000000">
+                      <a:alpha val="43137"/>
+                    </a:srgbClr>
+                  </a:outerShdw>
+                </a:effectLst>
+                <a:latin typeface="한컴 말랑말랑 Bold" panose="020F0803000000000000" pitchFamily="50" charset="-127"/>
+                <a:ea typeface="한컴 말랑말랑 Bold" panose="020F0803000000000000" pitchFamily="50" charset="-127"/>
+              </a:rPr>
+              <a:t>데이터에서 필터링</a:t>
+            </a:r>
+            <a:r>
+              <a:rPr lang="ko-KR" altLang="en-US" b="1" dirty="0">
+                <a:effectLst>
+                  <a:outerShdw blurRad="38100" dist="38100" dir="2700000" algn="tl">
+                    <a:srgbClr val="000000">
+                      <a:alpha val="43137"/>
+                    </a:srgbClr>
+                  </a:outerShdw>
+                </a:effectLst>
+                <a:latin typeface="한컴 말랑말랑 Bold" panose="020F0803000000000000" pitchFamily="50" charset="-127"/>
+                <a:ea typeface="한컴 말랑말랑 Bold" panose="020F0803000000000000" pitchFamily="50" charset="-127"/>
+              </a:rPr>
+              <a:t>을 해야 하기에 </a:t>
+            </a:r>
+            <a:r>
+              <a:rPr lang="ko-KR" altLang="en-US" b="1" dirty="0">
+                <a:solidFill>
+                  <a:srgbClr val="0070C0"/>
+                </a:solidFill>
+                <a:effectLst>
+                  <a:outerShdw blurRad="38100" dist="38100" dir="2700000" algn="tl">
+                    <a:srgbClr val="000000">
+                      <a:alpha val="43137"/>
+                    </a:srgbClr>
+                  </a:outerShdw>
+                </a:effectLst>
+                <a:latin typeface="한컴 말랑말랑 Bold" panose="020F0803000000000000" pitchFamily="50" charset="-127"/>
+                <a:ea typeface="한컴 말랑말랑 Bold" panose="020F0803000000000000" pitchFamily="50" charset="-127"/>
+              </a:rPr>
+              <a:t>필터링의 정도가 </a:t>
+            </a:r>
+            <a:r>
+              <a:rPr lang="en-US" altLang="ko-KR" b="1" dirty="0">
+                <a:solidFill>
+                  <a:srgbClr val="0070C0"/>
+                </a:solidFill>
+                <a:effectLst>
+                  <a:outerShdw blurRad="38100" dist="38100" dir="2700000" algn="tl">
+                    <a:srgbClr val="000000">
+                      <a:alpha val="43137"/>
+                    </a:srgbClr>
+                  </a:outerShdw>
+                </a:effectLst>
+                <a:latin typeface="한컴 말랑말랑 Bold" panose="020F0803000000000000" pitchFamily="50" charset="-127"/>
+                <a:ea typeface="한컴 말랑말랑 Bold" panose="020F0803000000000000" pitchFamily="50" charset="-127"/>
+              </a:rPr>
+              <a:t>30% ~ 70%</a:t>
+            </a:r>
+            <a:r>
+              <a:rPr lang="en-US" altLang="ko-KR" b="1" dirty="0">
+                <a:effectLst>
+                  <a:outerShdw blurRad="38100" dist="38100" dir="2700000" algn="tl">
+                    <a:srgbClr val="000000">
+                      <a:alpha val="43137"/>
+                    </a:srgbClr>
+                  </a:outerShdw>
+                </a:effectLst>
+                <a:latin typeface="한컴 말랑말랑 Bold" panose="020F0803000000000000" pitchFamily="50" charset="-127"/>
+                <a:ea typeface="한컴 말랑말랑 Bold" panose="020F0803000000000000" pitchFamily="50" charset="-127"/>
+              </a:rPr>
+              <a:t> </a:t>
+            </a:r>
+            <a:r>
+              <a:rPr lang="ko-KR" altLang="en-US" b="1" dirty="0">
+                <a:effectLst>
+                  <a:outerShdw blurRad="38100" dist="38100" dir="2700000" algn="tl">
+                    <a:srgbClr val="000000">
+                      <a:alpha val="43137"/>
+                    </a:srgbClr>
+                  </a:outerShdw>
+                </a:effectLst>
+                <a:latin typeface="한컴 말랑말랑 Bold" panose="020F0803000000000000" pitchFamily="50" charset="-127"/>
+                <a:ea typeface="한컴 말랑말랑 Bold" panose="020F0803000000000000" pitchFamily="50" charset="-127"/>
+              </a:rPr>
+              <a:t>정도 되어야 함</a:t>
+            </a:r>
+            <a:endParaRPr lang="ko-KR" altLang="en-US" sz="1800" b="1" dirty="0">
+              <a:effectLst>
+                <a:outerShdw blurRad="38100" dist="38100" dir="2700000" algn="tl">
+                  <a:srgbClr val="000000">
+                    <a:alpha val="43137"/>
+                  </a:srgbClr>
+                </a:outerShdw>
+              </a:effectLst>
+              <a:latin typeface="한컴 말랑말랑 Bold" panose="020F0803000000000000" pitchFamily="50" charset="-127"/>
+              <a:ea typeface="한컴 말랑말랑 Bold" panose="020F0803000000000000" pitchFamily="50" charset="-127"/>
+            </a:endParaRPr>
+          </a:p>
+        </p:txBody>
+      </p:sp>
+      <p:sp>
+        <p:nvSpPr>
+          <p:cNvPr id="3" name="TextBox 15">
+            <a:extLst>
+              <a:ext uri="{FF2B5EF4-FFF2-40B4-BE49-F238E27FC236}">
+                <a16:creationId xmlns:a16="http://schemas.microsoft.com/office/drawing/2014/main" id="{95BA7324-5765-DB50-9DAD-9AFE64B742CF}"/>
+              </a:ext>
+            </a:extLst>
+          </p:cNvPr>
+          <p:cNvSpPr txBox="1"/>
+          <p:nvPr/>
+        </p:nvSpPr>
+        <p:spPr>
+          <a:xfrm>
+            <a:off x="0" y="6186218"/>
+            <a:ext cx="12192000" cy="461665"/>
+          </a:xfrm>
+          <a:prstGeom prst="rect">
+            <a:avLst/>
+          </a:prstGeom>
+          <a:noFill/>
+        </p:spPr>
+        <p:txBody>
+          <a:bodyPr wrap="square" rtlCol="0">
+            <a:spAutoFit/>
+          </a:bodyPr>
+          <a:lstStyle>
+            <a:defPPr>
+              <a:defRPr lang="ko-KR"/>
+            </a:defPPr>
+            <a:lvl1pPr marL="0" algn="l" defTabSz="914400" rtl="0" eaLnBrk="1" latinLnBrk="1" hangingPunct="1">
+              <a:defRPr sz="1800" kern="1200">
+                <a:solidFill>
+                  <a:schemeClr val="tx1"/>
+                </a:solidFill>
+                <a:latin typeface="+mn-lt"/>
+                <a:ea typeface="+mn-ea"/>
+                <a:cs typeface="+mn-cs"/>
+              </a:defRPr>
+            </a:lvl1pPr>
+            <a:lvl2pPr marL="457200" algn="l" defTabSz="914400" rtl="0" eaLnBrk="1" latinLnBrk="1" hangingPunct="1">
+              <a:defRPr sz="1800" kern="1200">
+                <a:solidFill>
+                  <a:schemeClr val="tx1"/>
+                </a:solidFill>
+                <a:latin typeface="+mn-lt"/>
+                <a:ea typeface="+mn-ea"/>
+                <a:cs typeface="+mn-cs"/>
+              </a:defRPr>
+            </a:lvl2pPr>
+            <a:lvl3pPr marL="914400" algn="l" defTabSz="914400" rtl="0" eaLnBrk="1" latinLnBrk="1" hangingPunct="1">
+              <a:defRPr sz="1800" kern="1200">
+                <a:solidFill>
+                  <a:schemeClr val="tx1"/>
+                </a:solidFill>
+                <a:latin typeface="+mn-lt"/>
+                <a:ea typeface="+mn-ea"/>
+                <a:cs typeface="+mn-cs"/>
+              </a:defRPr>
+            </a:lvl3pPr>
+            <a:lvl4pPr marL="1371600" algn="l" defTabSz="914400" rtl="0" eaLnBrk="1" latinLnBrk="1" hangingPunct="1">
+              <a:defRPr sz="1800" kern="1200">
+                <a:solidFill>
+                  <a:schemeClr val="tx1"/>
+                </a:solidFill>
+                <a:latin typeface="+mn-lt"/>
+                <a:ea typeface="+mn-ea"/>
+                <a:cs typeface="+mn-cs"/>
+              </a:defRPr>
+            </a:lvl4pPr>
+            <a:lvl5pPr marL="1828800" algn="l" defTabSz="914400" rtl="0" eaLnBrk="1" latinLnBrk="1" hangingPunct="1">
+              <a:defRPr sz="1800" kern="1200">
+                <a:solidFill>
+                  <a:schemeClr val="tx1"/>
+                </a:solidFill>
+                <a:latin typeface="+mn-lt"/>
+                <a:ea typeface="+mn-ea"/>
+                <a:cs typeface="+mn-cs"/>
+              </a:defRPr>
+            </a:lvl5pPr>
+            <a:lvl6pPr marL="2286000" algn="l" defTabSz="914400" rtl="0" eaLnBrk="1" latinLnBrk="1" hangingPunct="1">
+              <a:defRPr sz="1800" kern="1200">
+                <a:solidFill>
+                  <a:schemeClr val="tx1"/>
+                </a:solidFill>
+                <a:latin typeface="+mn-lt"/>
+                <a:ea typeface="+mn-ea"/>
+                <a:cs typeface="+mn-cs"/>
+              </a:defRPr>
+            </a:lvl6pPr>
+            <a:lvl7pPr marL="2743200" algn="l" defTabSz="914400" rtl="0" eaLnBrk="1" latinLnBrk="1" hangingPunct="1">
+              <a:defRPr sz="1800" kern="1200">
+                <a:solidFill>
+                  <a:schemeClr val="tx1"/>
+                </a:solidFill>
+                <a:latin typeface="+mn-lt"/>
+                <a:ea typeface="+mn-ea"/>
+                <a:cs typeface="+mn-cs"/>
+              </a:defRPr>
+            </a:lvl7pPr>
+            <a:lvl8pPr marL="3200400" algn="l" defTabSz="914400" rtl="0" eaLnBrk="1" latinLnBrk="1" hangingPunct="1">
+              <a:defRPr sz="1800" kern="1200">
+                <a:solidFill>
+                  <a:schemeClr val="tx1"/>
+                </a:solidFill>
+                <a:latin typeface="+mn-lt"/>
+                <a:ea typeface="+mn-ea"/>
+                <a:cs typeface="+mn-cs"/>
+              </a:defRPr>
+            </a:lvl8pPr>
+            <a:lvl9pPr marL="3657600" algn="l" defTabSz="914400" rtl="0" eaLnBrk="1" latinLnBrk="1" hangingPunct="1">
+              <a:defRPr sz="1800" kern="1200">
+                <a:solidFill>
+                  <a:schemeClr val="tx1"/>
+                </a:solidFill>
+                <a:latin typeface="+mn-lt"/>
+                <a:ea typeface="+mn-ea"/>
+                <a:cs typeface="+mn-cs"/>
+              </a:defRPr>
+            </a:lvl9pPr>
+          </a:lstStyle>
+          <a:p>
+            <a:pPr algn="ctr"/>
+            <a:r>
+              <a:rPr lang="ko-KR" altLang="en-US" sz="2400" b="1" dirty="0">
+                <a:effectLst>
+                  <a:outerShdw blurRad="38100" dist="38100" dir="2700000" algn="tl">
+                    <a:srgbClr val="000000">
+                      <a:alpha val="43137"/>
+                    </a:srgbClr>
+                  </a:outerShdw>
+                </a:effectLst>
+                <a:latin typeface="한컴 말랑말랑 Bold" panose="020F0803000000000000" pitchFamily="50" charset="-127"/>
+                <a:ea typeface="한컴 말랑말랑 Bold" panose="020F0803000000000000" pitchFamily="50" charset="-127"/>
+              </a:rPr>
+              <a:t>해당 조건을 바탕으로 </a:t>
+            </a:r>
+            <a:r>
+              <a:rPr lang="ko-KR" altLang="en-US" sz="2400" b="1" dirty="0">
+                <a:solidFill>
+                  <a:srgbClr val="C00000"/>
+                </a:solidFill>
+                <a:effectLst>
+                  <a:outerShdw blurRad="38100" dist="38100" dir="2700000" algn="tl">
+                    <a:srgbClr val="000000">
+                      <a:alpha val="43137"/>
+                    </a:srgbClr>
+                  </a:outerShdw>
+                </a:effectLst>
+                <a:latin typeface="한컴 말랑말랑 Bold" panose="020F0803000000000000" pitchFamily="50" charset="-127"/>
+                <a:ea typeface="한컴 말랑말랑 Bold" panose="020F0803000000000000" pitchFamily="50" charset="-127"/>
+              </a:rPr>
+              <a:t>편의점 캔맥주</a:t>
+            </a:r>
+            <a:r>
+              <a:rPr lang="ko-KR" altLang="en-US" sz="2400" b="1" dirty="0">
+                <a:effectLst>
+                  <a:outerShdw blurRad="38100" dist="38100" dir="2700000" algn="tl">
+                    <a:srgbClr val="000000">
+                      <a:alpha val="43137"/>
+                    </a:srgbClr>
+                  </a:outerShdw>
+                </a:effectLst>
+                <a:latin typeface="한컴 말랑말랑 Bold" panose="020F0803000000000000" pitchFamily="50" charset="-127"/>
+                <a:ea typeface="한컴 말랑말랑 Bold" panose="020F0803000000000000" pitchFamily="50" charset="-127"/>
+              </a:rPr>
+              <a:t>를 가성비의 기준으로 선정</a:t>
+            </a:r>
+          </a:p>
+        </p:txBody>
+      </p:sp>
+    </p:spTree>
+    <p:extLst>
+      <p:ext uri="{BB962C8B-B14F-4D97-AF65-F5344CB8AC3E}">
+        <p14:creationId xmlns:p14="http://schemas.microsoft.com/office/powerpoint/2010/main" val="1125377807"/>
+      </p:ext>
+    </p:extLst>
+  </p:cSld>
+  <p:clrMapOvr>
+    <a:masterClrMapping/>
+  </p:clrMapOvr>
+</p:sld>
+</file>
+
+<file path=ppt/slides/slide17.xml><?xml version="1.0" encoding="utf-8"?>
+<p:sld xmlns:a="http://schemas.openxmlformats.org/drawingml/2006/main" xmlns:r="http://schemas.openxmlformats.org/officeDocument/2006/relationships" xmlns:p="http://schemas.openxmlformats.org/presentationml/2006/main">
+  <p:cSld>
+    <p:spTree>
+      <p:nvGrpSpPr>
+        <p:cNvPr id="1" name=""/>
+        <p:cNvGrpSpPr/>
+        <p:nvPr/>
+      </p:nvGrpSpPr>
+      <p:grpSpPr>
+        <a:xfrm>
+          <a:off x="0" y="0"/>
+          <a:ext cx="0" cy="0"/>
+          <a:chOff x="0" y="0"/>
+          <a:chExt cx="0" cy="0"/>
+        </a:xfrm>
+      </p:grpSpPr>
+      <p:sp>
+        <p:nvSpPr>
+          <p:cNvPr id="7" name="모서리가 둥근 직사각형 6"/>
+          <p:cNvSpPr/>
+          <p:nvPr/>
+        </p:nvSpPr>
+        <p:spPr>
+          <a:xfrm>
+            <a:off x="6916967" y="1569670"/>
+            <a:ext cx="4788716" cy="5082142"/>
+          </a:xfrm>
+          <a:prstGeom prst="roundRect">
+            <a:avLst>
+              <a:gd name="adj" fmla="val 6207"/>
+            </a:avLst>
+          </a:prstGeom>
+          <a:solidFill>
+            <a:srgbClr val="FDF7F4"/>
+          </a:solidFill>
+          <a:ln>
+            <a:noFill/>
+          </a:ln>
+          <a:effectLst>
+            <a:outerShdw blurRad="50800" dist="38100" dir="2700000" algn="tl" rotWithShape="0">
+              <a:prstClr val="black">
+                <a:alpha val="40000"/>
+              </a:prstClr>
+            </a:outerShdw>
+          </a:effectLst>
+        </p:spPr>
+        <p:style>
+          <a:lnRef idx="2">
+            <a:schemeClr val="dk1"/>
+          </a:lnRef>
+          <a:fillRef idx="1">
+            <a:schemeClr val="lt1"/>
+          </a:fillRef>
+          <a:effectRef idx="0">
+            <a:schemeClr val="dk1"/>
+          </a:effectRef>
+          <a:fontRef idx="minor">
+            <a:schemeClr val="dk1"/>
+          </a:fontRef>
+        </p:style>
+        <p:txBody>
+          <a:bodyPr rtlCol="0" anchor="ctr"/>
+          <a:lstStyle/>
+          <a:p>
+            <a:pPr algn="ctr"/>
+            <a:endParaRPr lang="ko-KR" altLang="en-US">
+              <a:latin typeface="한컴 말랑말랑 Bold" panose="020F0803000000000000" pitchFamily="50" charset="-127"/>
+              <a:ea typeface="한컴 말랑말랑 Bold" panose="020F0803000000000000" pitchFamily="50" charset="-127"/>
+              <a:cs typeface="KoPubWorld돋움체 Medium" panose="00000600000000000000" pitchFamily="2" charset="-127"/>
+            </a:endParaRPr>
+          </a:p>
+        </p:txBody>
+      </p:sp>
+      <p:grpSp>
+        <p:nvGrpSpPr>
+          <p:cNvPr id="13" name="그룹 12"/>
+          <p:cNvGrpSpPr/>
+          <p:nvPr/>
+        </p:nvGrpSpPr>
+        <p:grpSpPr>
+          <a:xfrm>
+            <a:off x="7473014" y="2076551"/>
+            <a:ext cx="3600000" cy="3600000"/>
+            <a:chOff x="7429499" y="2032494"/>
+            <a:chExt cx="3600000" cy="3600000"/>
+          </a:xfrm>
+        </p:grpSpPr>
+        <p:cxnSp>
+          <p:nvCxnSpPr>
+            <p:cNvPr id="11" name="직선 화살표 연결선 10"/>
+            <p:cNvCxnSpPr/>
+            <p:nvPr/>
+          </p:nvCxnSpPr>
+          <p:spPr>
+            <a:xfrm flipV="1">
+              <a:off x="7631824" y="2032494"/>
+              <a:ext cx="0" cy="3600000"/>
+            </a:xfrm>
+            <a:prstGeom prst="straightConnector1">
+              <a:avLst/>
+            </a:prstGeom>
+            <a:ln w="38100">
+              <a:solidFill>
+                <a:srgbClr val="1B0900"/>
+              </a:solidFill>
+              <a:tailEnd type="triangle"/>
+            </a:ln>
+          </p:spPr>
+          <p:style>
+            <a:lnRef idx="1">
+              <a:schemeClr val="accent1"/>
+            </a:lnRef>
+            <a:fillRef idx="0">
+              <a:schemeClr val="accent1"/>
+            </a:fillRef>
+            <a:effectRef idx="0">
+              <a:schemeClr val="accent1"/>
+            </a:effectRef>
+            <a:fontRef idx="minor">
+              <a:schemeClr val="tx1"/>
+            </a:fontRef>
+          </p:style>
+        </p:cxnSp>
+        <p:cxnSp>
+          <p:nvCxnSpPr>
+            <p:cNvPr id="12" name="직선 화살표 연결선 11"/>
+            <p:cNvCxnSpPr/>
+            <p:nvPr/>
+          </p:nvCxnSpPr>
+          <p:spPr>
+            <a:xfrm>
+              <a:off x="7429499" y="5412648"/>
+              <a:ext cx="3600000" cy="0"/>
+            </a:xfrm>
+            <a:prstGeom prst="straightConnector1">
+              <a:avLst/>
+            </a:prstGeom>
+            <a:ln w="38100">
+              <a:solidFill>
+                <a:srgbClr val="1B0900"/>
+              </a:solidFill>
+              <a:tailEnd type="triangle"/>
+            </a:ln>
+          </p:spPr>
+          <p:style>
+            <a:lnRef idx="1">
+              <a:schemeClr val="accent1"/>
+            </a:lnRef>
+            <a:fillRef idx="0">
+              <a:schemeClr val="accent1"/>
+            </a:fillRef>
+            <a:effectRef idx="0">
+              <a:schemeClr val="accent1"/>
+            </a:effectRef>
+            <a:fontRef idx="minor">
+              <a:schemeClr val="tx1"/>
+            </a:fontRef>
+          </p:style>
+        </p:cxnSp>
+      </p:grpSp>
+      <p:sp>
+        <p:nvSpPr>
+          <p:cNvPr id="24" name="타원 23"/>
+          <p:cNvSpPr/>
+          <p:nvPr/>
+        </p:nvSpPr>
+        <p:spPr>
+          <a:xfrm>
+            <a:off x="8154285" y="3927725"/>
+            <a:ext cx="144000" cy="144000"/>
+          </a:xfrm>
+          <a:prstGeom prst="ellipse">
+            <a:avLst/>
+          </a:prstGeom>
+          <a:solidFill>
+            <a:srgbClr val="1B0900"/>
+          </a:solidFill>
+          <a:ln>
+            <a:noFill/>
+          </a:ln>
+        </p:spPr>
+        <p:style>
+          <a:lnRef idx="2">
+            <a:schemeClr val="accent1">
+              <a:shade val="50000"/>
+            </a:schemeClr>
+          </a:lnRef>
+          <a:fillRef idx="1">
+            <a:schemeClr val="accent1"/>
+          </a:fillRef>
+          <a:effectRef idx="0">
+            <a:schemeClr val="accent1"/>
+          </a:effectRef>
+          <a:fontRef idx="minor">
+            <a:schemeClr val="lt1"/>
+          </a:fontRef>
+        </p:style>
+        <p:txBody>
+          <a:bodyPr rtlCol="0" anchor="ctr"/>
+          <a:lstStyle/>
+          <a:p>
+            <a:pPr algn="ctr"/>
+            <a:endParaRPr lang="ko-KR" altLang="en-US">
+              <a:latin typeface="한컴 말랑말랑 Bold" panose="020F0803000000000000" pitchFamily="50" charset="-127"/>
+              <a:ea typeface="한컴 말랑말랑 Bold" panose="020F0803000000000000" pitchFamily="50" charset="-127"/>
+            </a:endParaRPr>
+          </a:p>
+        </p:txBody>
+      </p:sp>
+      <p:sp>
+        <p:nvSpPr>
+          <p:cNvPr id="26" name="타원 25"/>
+          <p:cNvSpPr/>
+          <p:nvPr/>
+        </p:nvSpPr>
+        <p:spPr>
+          <a:xfrm>
+            <a:off x="10173357" y="4657966"/>
+            <a:ext cx="144000" cy="144000"/>
+          </a:xfrm>
+          <a:prstGeom prst="ellipse">
+            <a:avLst/>
+          </a:prstGeom>
+          <a:solidFill>
+            <a:srgbClr val="1B0900"/>
+          </a:solidFill>
+          <a:ln>
+            <a:noFill/>
+          </a:ln>
+        </p:spPr>
+        <p:style>
+          <a:lnRef idx="2">
+            <a:schemeClr val="accent1">
+              <a:shade val="50000"/>
+            </a:schemeClr>
+          </a:lnRef>
+          <a:fillRef idx="1">
+            <a:schemeClr val="accent1"/>
+          </a:fillRef>
+          <a:effectRef idx="0">
+            <a:schemeClr val="accent1"/>
+          </a:effectRef>
+          <a:fontRef idx="minor">
+            <a:schemeClr val="lt1"/>
+          </a:fontRef>
+        </p:style>
+        <p:txBody>
+          <a:bodyPr rtlCol="0" anchor="ctr"/>
+          <a:lstStyle/>
+          <a:p>
+            <a:pPr algn="ctr"/>
+            <a:endParaRPr lang="ko-KR" altLang="en-US">
+              <a:latin typeface="한컴 말랑말랑 Bold" panose="020F0803000000000000" pitchFamily="50" charset="-127"/>
+              <a:ea typeface="한컴 말랑말랑 Bold" panose="020F0803000000000000" pitchFamily="50" charset="-127"/>
+            </a:endParaRPr>
+          </a:p>
+        </p:txBody>
+      </p:sp>
+      <p:sp>
+        <p:nvSpPr>
+          <p:cNvPr id="27" name="타원 26"/>
+          <p:cNvSpPr/>
+          <p:nvPr/>
+        </p:nvSpPr>
+        <p:spPr>
+          <a:xfrm>
+            <a:off x="8588970" y="2603358"/>
+            <a:ext cx="144000" cy="144000"/>
+          </a:xfrm>
+          <a:prstGeom prst="ellipse">
+            <a:avLst/>
+          </a:prstGeom>
+          <a:solidFill>
+            <a:srgbClr val="1B0900"/>
+          </a:solidFill>
+          <a:ln>
+            <a:noFill/>
+          </a:ln>
+        </p:spPr>
+        <p:style>
+          <a:lnRef idx="2">
+            <a:schemeClr val="accent1">
+              <a:shade val="50000"/>
+            </a:schemeClr>
+          </a:lnRef>
+          <a:fillRef idx="1">
+            <a:schemeClr val="accent1"/>
+          </a:fillRef>
+          <a:effectRef idx="0">
+            <a:schemeClr val="accent1"/>
+          </a:effectRef>
+          <a:fontRef idx="minor">
+            <a:schemeClr val="lt1"/>
+          </a:fontRef>
+        </p:style>
+        <p:txBody>
+          <a:bodyPr rtlCol="0" anchor="ctr"/>
+          <a:lstStyle/>
+          <a:p>
+            <a:pPr algn="ctr"/>
+            <a:endParaRPr lang="ko-KR" altLang="en-US">
+              <a:latin typeface="한컴 말랑말랑 Bold" panose="020F0803000000000000" pitchFamily="50" charset="-127"/>
+              <a:ea typeface="한컴 말랑말랑 Bold" panose="020F0803000000000000" pitchFamily="50" charset="-127"/>
+            </a:endParaRPr>
+          </a:p>
+        </p:txBody>
+      </p:sp>
+      <p:sp>
+        <p:nvSpPr>
+          <p:cNvPr id="28" name="타원 27"/>
+          <p:cNvSpPr/>
+          <p:nvPr/>
+        </p:nvSpPr>
+        <p:spPr>
+          <a:xfrm>
+            <a:off x="10508503" y="3428804"/>
+            <a:ext cx="144000" cy="144000"/>
+          </a:xfrm>
+          <a:prstGeom prst="ellipse">
+            <a:avLst/>
+          </a:prstGeom>
+          <a:solidFill>
+            <a:srgbClr val="1B0900"/>
+          </a:solidFill>
+          <a:ln>
+            <a:noFill/>
+          </a:ln>
+        </p:spPr>
+        <p:style>
+          <a:lnRef idx="2">
+            <a:schemeClr val="accent1">
+              <a:shade val="50000"/>
+            </a:schemeClr>
+          </a:lnRef>
+          <a:fillRef idx="1">
+            <a:schemeClr val="accent1"/>
+          </a:fillRef>
+          <a:effectRef idx="0">
+            <a:schemeClr val="accent1"/>
+          </a:effectRef>
+          <a:fontRef idx="minor">
+            <a:schemeClr val="lt1"/>
+          </a:fontRef>
+        </p:style>
+        <p:txBody>
+          <a:bodyPr rtlCol="0" anchor="ctr"/>
+          <a:lstStyle/>
+          <a:p>
+            <a:pPr algn="ctr"/>
+            <a:endParaRPr lang="ko-KR" altLang="en-US">
+              <a:latin typeface="한컴 말랑말랑 Bold" panose="020F0803000000000000" pitchFamily="50" charset="-127"/>
+              <a:ea typeface="한컴 말랑말랑 Bold" panose="020F0803000000000000" pitchFamily="50" charset="-127"/>
+            </a:endParaRPr>
+          </a:p>
+        </p:txBody>
+      </p:sp>
+      <p:graphicFrame>
+        <p:nvGraphicFramePr>
+          <p:cNvPr id="29" name="표 28"/>
+          <p:cNvGraphicFramePr>
+            <a:graphicFrameLocks noGrp="1"/>
+          </p:cNvGraphicFramePr>
+          <p:nvPr/>
+        </p:nvGraphicFramePr>
+        <p:xfrm>
+          <a:off x="626908" y="3150980"/>
+          <a:ext cx="2475889" cy="962780"/>
+        </p:xfrm>
+        <a:graphic>
+          <a:graphicData uri="http://schemas.openxmlformats.org/drawingml/2006/table">
+            <a:tbl>
+              <a:tblPr firstRow="1">
+                <a:tableStyleId>{073A0DAA-6AF3-43AB-8588-CEC1D06C72B9}</a:tableStyleId>
+              </a:tblPr>
+              <a:tblGrid>
+                <a:gridCol w="2475889">
+                  <a:extLst>
+                    <a:ext uri="{9D8B030D-6E8A-4147-A177-3AD203B41FA5}">
+                      <a16:colId xmlns:a16="http://schemas.microsoft.com/office/drawing/2014/main" val="3792572611"/>
+                    </a:ext>
+                  </a:extLst>
+                </a:gridCol>
+              </a:tblGrid>
+              <a:tr h="481390">
+                <a:tc>
+                  <a:txBody>
+                    <a:bodyPr/>
+                    <a:lstStyle/>
+                    <a:p>
+                      <a:pPr algn="ctr" latinLnBrk="1"/>
+                      <a:r>
+                        <a:rPr lang="ko-KR" altLang="en-US" sz="1800" dirty="0">
+                          <a:latin typeface="KoPubWorld돋움체 Medium" panose="00000600000000000000" pitchFamily="2" charset="-127"/>
+                          <a:ea typeface="KoPubWorld돋움체 Medium" panose="00000600000000000000" pitchFamily="2" charset="-127"/>
+                          <a:cs typeface="KoPubWorld돋움체 Medium" panose="00000600000000000000" pitchFamily="2" charset="-127"/>
+                        </a:rPr>
+                        <a:t>선호 </a:t>
+                      </a:r>
+                      <a:r>
+                        <a:rPr lang="ko-KR" altLang="en-US" sz="1800" dirty="0" err="1">
+                          <a:latin typeface="KoPubWorld돋움체 Medium" panose="00000600000000000000" pitchFamily="2" charset="-127"/>
+                          <a:ea typeface="KoPubWorld돋움체 Medium" panose="00000600000000000000" pitchFamily="2" charset="-127"/>
+                          <a:cs typeface="KoPubWorld돋움체 Medium" panose="00000600000000000000" pitchFamily="2" charset="-127"/>
+                        </a:rPr>
+                        <a:t>가성비</a:t>
+                      </a:r>
+                      <a:endParaRPr lang="ko-KR" altLang="en-US" sz="1800" dirty="0">
+                        <a:latin typeface="KoPubWorld돋움체 Medium" panose="00000600000000000000" pitchFamily="2" charset="-127"/>
+                        <a:ea typeface="KoPubWorld돋움체 Medium" panose="00000600000000000000" pitchFamily="2" charset="-127"/>
+                        <a:cs typeface="KoPubWorld돋움체 Medium" panose="00000600000000000000" pitchFamily="2" charset="-127"/>
+                      </a:endParaRPr>
+                    </a:p>
+                  </a:txBody>
+                  <a:tcPr anchor="ctr">
+                    <a:lnL w="12700" cap="flat" cmpd="sng" algn="ctr">
+                      <a:solidFill>
+                        <a:schemeClr val="tx1"/>
+                      </a:solidFill>
+                      <a:prstDash val="solid"/>
+                      <a:round/>
+                      <a:headEnd type="none" w="med" len="med"/>
+                      <a:tailEnd type="none" w="med" len="med"/>
+                    </a:lnL>
+                    <a:lnR w="12700" cap="flat" cmpd="sng" algn="ctr">
+                      <a:solidFill>
+                        <a:schemeClr val="tx1"/>
+                      </a:solidFill>
+                      <a:prstDash val="solid"/>
+                      <a:round/>
+                      <a:headEnd type="none" w="med" len="med"/>
+                      <a:tailEnd type="none" w="med" len="med"/>
+                    </a:lnR>
+                    <a:lnT w="12700" cap="flat" cmpd="sng" algn="ctr">
+                      <a:solidFill>
+                        <a:schemeClr val="tx1"/>
+                      </a:solidFill>
+                      <a:prstDash val="solid"/>
+                      <a:round/>
+                      <a:headEnd type="none" w="med" len="med"/>
+                      <a:tailEnd type="none" w="med" len="med"/>
+                    </a:lnT>
+                    <a:lnB w="12700" cap="flat" cmpd="sng" algn="ctr">
+                      <a:solidFill>
+                        <a:schemeClr val="tx1"/>
+                      </a:solidFill>
+                      <a:prstDash val="solid"/>
+                      <a:round/>
+                      <a:headEnd type="none" w="med" len="med"/>
+                      <a:tailEnd type="none" w="med" len="med"/>
+                    </a:lnB>
+                    <a:solidFill>
+                      <a:srgbClr val="56453B"/>
+                    </a:solidFill>
+                  </a:tcPr>
+                </a:tc>
+                <a:extLst>
+                  <a:ext uri="{0D108BD9-81ED-4DB2-BD59-A6C34878D82A}">
+                    <a16:rowId xmlns:a16="http://schemas.microsoft.com/office/drawing/2014/main" val="2357815623"/>
+                  </a:ext>
+                </a:extLst>
+              </a:tr>
+              <a:tr h="481390">
+                <a:tc>
+                  <a:txBody>
+                    <a:bodyPr/>
+                    <a:lstStyle/>
+                    <a:p>
+                      <a:pPr algn="ctr" latinLnBrk="1"/>
+                      <a:r>
+                        <a:rPr lang="ko-KR" altLang="en-US" sz="1800" b="0" dirty="0" err="1">
+                          <a:solidFill>
+                            <a:srgbClr val="1B0900"/>
+                          </a:solidFill>
+                          <a:latin typeface="KoPubWorld돋움체 Medium" panose="00000600000000000000" pitchFamily="2" charset="-127"/>
+                          <a:ea typeface="KoPubWorld돋움체 Medium" panose="00000600000000000000" pitchFamily="2" charset="-127"/>
+                          <a:cs typeface="KoPubWorld돋움체 Medium" panose="00000600000000000000" pitchFamily="2" charset="-127"/>
+                        </a:rPr>
+                        <a:t>가성비</a:t>
+                      </a:r>
+                      <a:r>
+                        <a:rPr lang="ko-KR" altLang="en-US" sz="1800" b="0" dirty="0">
+                          <a:solidFill>
+                            <a:srgbClr val="1B0900"/>
+                          </a:solidFill>
+                          <a:latin typeface="KoPubWorld돋움체 Medium" panose="00000600000000000000" pitchFamily="2" charset="-127"/>
+                          <a:ea typeface="KoPubWorld돋움체 Medium" panose="00000600000000000000" pitchFamily="2" charset="-127"/>
+                          <a:cs typeface="KoPubWorld돋움체 Medium" panose="00000600000000000000" pitchFamily="2" charset="-127"/>
+                        </a:rPr>
+                        <a:t> 중요 </a:t>
+                      </a:r>
+                      <a:r>
+                        <a:rPr lang="en-US" altLang="ko-KR" sz="1800" b="0" dirty="0">
+                          <a:solidFill>
+                            <a:srgbClr val="1B0900"/>
+                          </a:solidFill>
+                          <a:latin typeface="KoPubWorld돋움체 Medium" panose="00000600000000000000" pitchFamily="2" charset="-127"/>
+                          <a:ea typeface="KoPubWorld돋움체 Medium" panose="00000600000000000000" pitchFamily="2" charset="-127"/>
+                          <a:cs typeface="KoPubWorld돋움체 Medium" panose="00000600000000000000" pitchFamily="2" charset="-127"/>
+                        </a:rPr>
+                        <a:t>O</a:t>
+                      </a:r>
+                      <a:endParaRPr lang="ko-KR" altLang="en-US" sz="1800" b="0" dirty="0">
+                        <a:solidFill>
+                          <a:srgbClr val="1B0900"/>
+                        </a:solidFill>
+                        <a:latin typeface="KoPubWorld돋움체 Medium" panose="00000600000000000000" pitchFamily="2" charset="-127"/>
+                        <a:ea typeface="KoPubWorld돋움체 Medium" panose="00000600000000000000" pitchFamily="2" charset="-127"/>
+                        <a:cs typeface="KoPubWorld돋움체 Medium" panose="00000600000000000000" pitchFamily="2" charset="-127"/>
+                      </a:endParaRPr>
+                    </a:p>
+                  </a:txBody>
+                  <a:tcPr anchor="ctr">
+                    <a:lnL w="12700" cap="flat" cmpd="sng" algn="ctr">
+                      <a:solidFill>
+                        <a:schemeClr val="tx1"/>
+                      </a:solidFill>
+                      <a:prstDash val="solid"/>
+                      <a:round/>
+                      <a:headEnd type="none" w="med" len="med"/>
+                      <a:tailEnd type="none" w="med" len="med"/>
+                    </a:lnL>
+                    <a:lnR w="12700" cap="flat" cmpd="sng" algn="ctr">
+                      <a:solidFill>
+                        <a:schemeClr val="tx1"/>
+                      </a:solidFill>
+                      <a:prstDash val="solid"/>
+                      <a:round/>
+                      <a:headEnd type="none" w="med" len="med"/>
+                      <a:tailEnd type="none" w="med" len="med"/>
+                    </a:lnR>
+                    <a:lnT w="12700" cap="flat" cmpd="sng" algn="ctr">
+                      <a:solidFill>
+                        <a:schemeClr val="tx1"/>
+                      </a:solidFill>
+                      <a:prstDash val="solid"/>
+                      <a:round/>
+                      <a:headEnd type="none" w="med" len="med"/>
+                      <a:tailEnd type="none" w="med" len="med"/>
+                    </a:lnT>
+                    <a:lnB w="12700" cap="flat" cmpd="sng" algn="ctr">
+                      <a:solidFill>
+                        <a:schemeClr val="tx1"/>
+                      </a:solidFill>
+                      <a:prstDash val="solid"/>
+                      <a:round/>
+                      <a:headEnd type="none" w="med" len="med"/>
+                      <a:tailEnd type="none" w="med" len="med"/>
+                    </a:lnB>
+                    <a:solidFill>
+                      <a:schemeClr val="bg1"/>
+                    </a:solidFill>
+                  </a:tcPr>
+                </a:tc>
+                <a:extLst>
+                  <a:ext uri="{0D108BD9-81ED-4DB2-BD59-A6C34878D82A}">
+                    <a16:rowId xmlns:a16="http://schemas.microsoft.com/office/drawing/2014/main" val="890343420"/>
+                  </a:ext>
+                </a:extLst>
+              </a:tr>
+            </a:tbl>
+          </a:graphicData>
+        </a:graphic>
+      </p:graphicFrame>
+      <p:sp>
+        <p:nvSpPr>
+          <p:cNvPr id="33" name="타원 32"/>
+          <p:cNvSpPr/>
+          <p:nvPr/>
+        </p:nvSpPr>
+        <p:spPr>
+          <a:xfrm>
+            <a:off x="8547478" y="3235750"/>
+            <a:ext cx="144000" cy="144000"/>
+          </a:xfrm>
+          <a:prstGeom prst="ellipse">
+            <a:avLst/>
+          </a:prstGeom>
+          <a:solidFill>
+            <a:srgbClr val="1B0900"/>
+          </a:solidFill>
+          <a:ln>
+            <a:noFill/>
+          </a:ln>
+        </p:spPr>
+        <p:style>
+          <a:lnRef idx="2">
+            <a:schemeClr val="accent1">
+              <a:shade val="50000"/>
+            </a:schemeClr>
+          </a:lnRef>
+          <a:fillRef idx="1">
+            <a:schemeClr val="accent1"/>
+          </a:fillRef>
+          <a:effectRef idx="0">
+            <a:schemeClr val="accent1"/>
+          </a:effectRef>
+          <a:fontRef idx="minor">
+            <a:schemeClr val="lt1"/>
+          </a:fontRef>
+        </p:style>
+        <p:txBody>
+          <a:bodyPr rtlCol="0" anchor="ctr"/>
+          <a:lstStyle/>
+          <a:p>
+            <a:pPr algn="ctr"/>
+            <a:endParaRPr lang="ko-KR" altLang="en-US">
+              <a:latin typeface="한컴 말랑말랑 Bold" panose="020F0803000000000000" pitchFamily="50" charset="-127"/>
+              <a:ea typeface="한컴 말랑말랑 Bold" panose="020F0803000000000000" pitchFamily="50" charset="-127"/>
+            </a:endParaRPr>
+          </a:p>
+        </p:txBody>
+      </p:sp>
+      <p:sp>
+        <p:nvSpPr>
+          <p:cNvPr id="34" name="타원 33"/>
+          <p:cNvSpPr/>
+          <p:nvPr/>
+        </p:nvSpPr>
+        <p:spPr>
+          <a:xfrm>
+            <a:off x="8868201" y="4600791"/>
+            <a:ext cx="144000" cy="144000"/>
+          </a:xfrm>
+          <a:prstGeom prst="ellipse">
+            <a:avLst/>
+          </a:prstGeom>
+          <a:solidFill>
+            <a:srgbClr val="1B0900"/>
+          </a:solidFill>
+          <a:ln>
+            <a:noFill/>
+          </a:ln>
+        </p:spPr>
+        <p:style>
+          <a:lnRef idx="2">
+            <a:schemeClr val="accent1">
+              <a:shade val="50000"/>
+            </a:schemeClr>
+          </a:lnRef>
+          <a:fillRef idx="1">
+            <a:schemeClr val="accent1"/>
+          </a:fillRef>
+          <a:effectRef idx="0">
+            <a:schemeClr val="accent1"/>
+          </a:effectRef>
+          <a:fontRef idx="minor">
+            <a:schemeClr val="lt1"/>
+          </a:fontRef>
+        </p:style>
+        <p:txBody>
+          <a:bodyPr rtlCol="0" anchor="ctr"/>
+          <a:lstStyle/>
+          <a:p>
+            <a:pPr algn="ctr"/>
+            <a:endParaRPr lang="ko-KR" altLang="en-US">
+              <a:latin typeface="한컴 말랑말랑 Bold" panose="020F0803000000000000" pitchFamily="50" charset="-127"/>
+              <a:ea typeface="한컴 말랑말랑 Bold" panose="020F0803000000000000" pitchFamily="50" charset="-127"/>
+            </a:endParaRPr>
+          </a:p>
+        </p:txBody>
+      </p:sp>
+      <p:sp>
+        <p:nvSpPr>
+          <p:cNvPr id="35" name="타원 34"/>
+          <p:cNvSpPr/>
+          <p:nvPr/>
+        </p:nvSpPr>
+        <p:spPr>
+          <a:xfrm>
+            <a:off x="9574600" y="2963755"/>
+            <a:ext cx="144000" cy="144000"/>
+          </a:xfrm>
+          <a:prstGeom prst="ellipse">
+            <a:avLst/>
+          </a:prstGeom>
+          <a:solidFill>
+            <a:srgbClr val="1B0900"/>
+          </a:solidFill>
+          <a:ln>
+            <a:noFill/>
+          </a:ln>
+        </p:spPr>
+        <p:style>
+          <a:lnRef idx="2">
+            <a:schemeClr val="accent1">
+              <a:shade val="50000"/>
+            </a:schemeClr>
+          </a:lnRef>
+          <a:fillRef idx="1">
+            <a:schemeClr val="accent1"/>
+          </a:fillRef>
+          <a:effectRef idx="0">
+            <a:schemeClr val="accent1"/>
+          </a:effectRef>
+          <a:fontRef idx="minor">
+            <a:schemeClr val="lt1"/>
+          </a:fontRef>
+        </p:style>
+        <p:txBody>
+          <a:bodyPr rtlCol="0" anchor="ctr"/>
+          <a:lstStyle/>
+          <a:p>
+            <a:pPr algn="ctr"/>
+            <a:endParaRPr lang="ko-KR" altLang="en-US">
+              <a:latin typeface="한컴 말랑말랑 Bold" panose="020F0803000000000000" pitchFamily="50" charset="-127"/>
+              <a:ea typeface="한컴 말랑말랑 Bold" panose="020F0803000000000000" pitchFamily="50" charset="-127"/>
+            </a:endParaRPr>
+          </a:p>
+        </p:txBody>
+      </p:sp>
+      <p:sp>
+        <p:nvSpPr>
+          <p:cNvPr id="22" name="직사각형 21"/>
+          <p:cNvSpPr/>
+          <p:nvPr/>
+        </p:nvSpPr>
+        <p:spPr>
+          <a:xfrm>
+            <a:off x="0" y="0"/>
+            <a:ext cx="12192000" cy="1009278"/>
+          </a:xfrm>
+          <a:prstGeom prst="rect">
+            <a:avLst/>
+          </a:prstGeom>
+          <a:solidFill>
+            <a:srgbClr val="BDAA9F"/>
+          </a:solidFill>
+          <a:ln>
+            <a:noFill/>
+          </a:ln>
+        </p:spPr>
+        <p:style>
+          <a:lnRef idx="2">
+            <a:schemeClr val="accent1">
+              <a:shade val="50000"/>
+            </a:schemeClr>
+          </a:lnRef>
+          <a:fillRef idx="1">
+            <a:schemeClr val="accent1"/>
+          </a:fillRef>
+          <a:effectRef idx="0">
+            <a:schemeClr val="accent1"/>
+          </a:effectRef>
+          <a:fontRef idx="minor">
+            <a:schemeClr val="lt1"/>
+          </a:fontRef>
+        </p:style>
+        <p:txBody>
+          <a:bodyPr rtlCol="0" anchor="ctr"/>
+          <a:lstStyle/>
+          <a:p>
+            <a:pPr algn="ctr"/>
+            <a:endParaRPr lang="ko-KR" altLang="en-US">
+              <a:latin typeface="한컴 말랑말랑 Bold" panose="020F0803000000000000" pitchFamily="50" charset="-127"/>
+              <a:ea typeface="한컴 말랑말랑 Bold" panose="020F0803000000000000" pitchFamily="50" charset="-127"/>
+            </a:endParaRPr>
+          </a:p>
+        </p:txBody>
+      </p:sp>
+      <p:sp>
+        <p:nvSpPr>
+          <p:cNvPr id="37" name="직사각형 36"/>
+          <p:cNvSpPr/>
+          <p:nvPr/>
+        </p:nvSpPr>
+        <p:spPr>
+          <a:xfrm>
+            <a:off x="626908" y="4806249"/>
+            <a:ext cx="6059111" cy="1281746"/>
+          </a:xfrm>
+          <a:prstGeom prst="rect">
+            <a:avLst/>
+          </a:prstGeom>
+          <a:solidFill>
+            <a:srgbClr val="FDF7F4"/>
+          </a:solidFill>
+          <a:ln>
+            <a:noFill/>
+          </a:ln>
+          <a:effectLst>
+            <a:outerShdw blurRad="50800" dist="38100" dir="2700000" algn="tl" rotWithShape="0">
+              <a:prstClr val="black">
+                <a:alpha val="40000"/>
+              </a:prstClr>
+            </a:outerShdw>
+          </a:effectLst>
+        </p:spPr>
+        <p:style>
+          <a:lnRef idx="2">
+            <a:schemeClr val="accent1">
+              <a:shade val="50000"/>
+            </a:schemeClr>
+          </a:lnRef>
+          <a:fillRef idx="1">
+            <a:schemeClr val="accent1"/>
+          </a:fillRef>
+          <a:effectRef idx="0">
+            <a:schemeClr val="accent1"/>
+          </a:effectRef>
+          <a:fontRef idx="minor">
+            <a:schemeClr val="lt1"/>
+          </a:fontRef>
+        </p:style>
+        <p:txBody>
+          <a:bodyPr rtlCol="0" anchor="ctr"/>
+          <a:lstStyle/>
+          <a:p>
+            <a:pPr algn="ctr"/>
+            <a:endParaRPr lang="ko-KR" altLang="en-US" sz="1800" dirty="0">
+              <a:solidFill>
+                <a:srgbClr val="1B0900"/>
+              </a:solidFill>
+              <a:latin typeface="한컴 말랑말랑 Bold" panose="020F0803000000000000" pitchFamily="50" charset="-127"/>
+              <a:ea typeface="한컴 말랑말랑 Bold" panose="020F0803000000000000" pitchFamily="50" charset="-127"/>
+              <a:cs typeface="KoPubWorld돋움체 Bold" panose="00000800000000000000" pitchFamily="2" charset="-127"/>
+            </a:endParaRPr>
+          </a:p>
+        </p:txBody>
+      </p:sp>
+      <p:sp>
+        <p:nvSpPr>
+          <p:cNvPr id="38" name="Google Shape;98;p1"/>
+          <p:cNvSpPr txBox="1"/>
+          <p:nvPr/>
+        </p:nvSpPr>
+        <p:spPr>
+          <a:xfrm>
+            <a:off x="629331" y="4939311"/>
+            <a:ext cx="6130585" cy="1015622"/>
+          </a:xfrm>
+          <a:prstGeom prst="rect">
+            <a:avLst/>
+          </a:prstGeom>
+          <a:noFill/>
+          <a:ln>
+            <a:noFill/>
+          </a:ln>
+        </p:spPr>
+        <p:txBody>
+          <a:bodyPr spcFirstLastPara="1" wrap="square" lIns="91425" tIns="45700" rIns="91425" bIns="45700" anchor="t" anchorCtr="0">
+            <a:spAutoFit/>
+          </a:bodyPr>
+          <a:lstStyle/>
+          <a:p>
+            <a:pPr algn="ctr">
+              <a:lnSpc>
+                <a:spcPct val="150000"/>
+              </a:lnSpc>
+            </a:pPr>
+            <a:r>
+              <a:rPr lang="ko-KR" altLang="en-US" sz="2000" dirty="0" err="1">
+                <a:solidFill>
+                  <a:srgbClr val="1B0900"/>
+                </a:solidFill>
+                <a:latin typeface="한컴 말랑말랑 Bold" panose="020F0803000000000000" pitchFamily="50" charset="-127"/>
+                <a:ea typeface="한컴 말랑말랑 Bold" panose="020F0803000000000000" pitchFamily="50" charset="-127"/>
+                <a:cs typeface="KoPubWorld돋움체 Bold" panose="00000800000000000000" pitchFamily="2" charset="-127"/>
+              </a:rPr>
+              <a:t>가성비의</a:t>
+            </a:r>
+            <a:r>
+              <a:rPr lang="ko-KR" altLang="en-US" sz="2000" dirty="0">
+                <a:solidFill>
+                  <a:srgbClr val="1B0900"/>
+                </a:solidFill>
+                <a:latin typeface="한컴 말랑말랑 Bold" panose="020F0803000000000000" pitchFamily="50" charset="-127"/>
+                <a:ea typeface="한컴 말랑말랑 Bold" panose="020F0803000000000000" pitchFamily="50" charset="-127"/>
+                <a:cs typeface="KoPubWorld돋움체 Bold" panose="00000800000000000000" pitchFamily="2" charset="-127"/>
+              </a:rPr>
+              <a:t> 좋고 나쁨의 기준은 </a:t>
+            </a:r>
+            <a:r>
+              <a:rPr lang="ko-KR" altLang="en-US" sz="2000" dirty="0">
+                <a:solidFill>
+                  <a:srgbClr val="C00000"/>
+                </a:solidFill>
+                <a:latin typeface="한컴 말랑말랑 Bold" panose="020F0803000000000000" pitchFamily="50" charset="-127"/>
+                <a:ea typeface="한컴 말랑말랑 Bold" panose="020F0803000000000000" pitchFamily="50" charset="-127"/>
+                <a:cs typeface="KoPubWorld돋움체 Bold" panose="00000800000000000000" pitchFamily="2" charset="-127"/>
+              </a:rPr>
+              <a:t>편의점 맥주</a:t>
+            </a:r>
+            <a:r>
+              <a:rPr lang="ko-KR" altLang="en-US" sz="2000" dirty="0">
+                <a:solidFill>
+                  <a:srgbClr val="1B0900"/>
+                </a:solidFill>
+                <a:latin typeface="한컴 말랑말랑 Bold" panose="020F0803000000000000" pitchFamily="50" charset="-127"/>
+                <a:ea typeface="한컴 말랑말랑 Bold" panose="020F0803000000000000" pitchFamily="50" charset="-127"/>
+                <a:cs typeface="KoPubWorld돋움체 Bold" panose="00000800000000000000" pitchFamily="2" charset="-127"/>
+              </a:rPr>
+              <a:t>로 설정하여 질문</a:t>
+            </a:r>
+            <a:endParaRPr lang="en-US" altLang="ko-KR" sz="2000" dirty="0">
+              <a:solidFill>
+                <a:srgbClr val="1B0900"/>
+              </a:solidFill>
+              <a:latin typeface="한컴 말랑말랑 Bold" panose="020F0803000000000000" pitchFamily="50" charset="-127"/>
+              <a:ea typeface="한컴 말랑말랑 Bold" panose="020F0803000000000000" pitchFamily="50" charset="-127"/>
+              <a:cs typeface="KoPubWorld돋움체 Bold" panose="00000800000000000000" pitchFamily="2" charset="-127"/>
+            </a:endParaRPr>
+          </a:p>
+          <a:p>
+            <a:pPr algn="ctr">
+              <a:lnSpc>
+                <a:spcPct val="150000"/>
+              </a:lnSpc>
+            </a:pPr>
+            <a:r>
+              <a:rPr lang="en-US" altLang="ko-KR" sz="2000" dirty="0">
+                <a:solidFill>
+                  <a:srgbClr val="1B0900"/>
+                </a:solidFill>
+                <a:latin typeface="한컴 말랑말랑 Bold" panose="020F0803000000000000" pitchFamily="50" charset="-127"/>
+                <a:ea typeface="한컴 말랑말랑 Bold" panose="020F0803000000000000" pitchFamily="50" charset="-127"/>
+                <a:cs typeface="KoPubWorld돋움체 Bold" panose="00000800000000000000" pitchFamily="2" charset="-127"/>
+              </a:rPr>
+              <a:t>CASS 500ml, 2,500</a:t>
+            </a:r>
+            <a:r>
+              <a:rPr lang="ko-KR" altLang="en-US" sz="2000" dirty="0">
+                <a:solidFill>
+                  <a:srgbClr val="1B0900"/>
+                </a:solidFill>
+                <a:latin typeface="한컴 말랑말랑 Bold" panose="020F0803000000000000" pitchFamily="50" charset="-127"/>
+                <a:ea typeface="한컴 말랑말랑 Bold" panose="020F0803000000000000" pitchFamily="50" charset="-127"/>
+                <a:cs typeface="KoPubWorld돋움체 Bold" panose="00000800000000000000" pitchFamily="2" charset="-127"/>
+              </a:rPr>
+              <a:t>원</a:t>
+            </a:r>
+            <a:r>
+              <a:rPr lang="en-US" altLang="ko-KR" sz="2000" dirty="0">
+                <a:solidFill>
+                  <a:srgbClr val="1B0900"/>
+                </a:solidFill>
+                <a:latin typeface="한컴 말랑말랑 Bold" panose="020F0803000000000000" pitchFamily="50" charset="-127"/>
+                <a:ea typeface="한컴 말랑말랑 Bold" panose="020F0803000000000000" pitchFamily="50" charset="-127"/>
+                <a:cs typeface="KoPubWorld돋움체 Bold" panose="00000800000000000000" pitchFamily="2" charset="-127"/>
+              </a:rPr>
+              <a:t>, </a:t>
+            </a:r>
+            <a:r>
+              <a:rPr lang="en-US" altLang="ko-KR" sz="2000" dirty="0" err="1">
+                <a:solidFill>
+                  <a:srgbClr val="1B0900"/>
+                </a:solidFill>
+                <a:latin typeface="한컴 말랑말랑 Bold" panose="020F0803000000000000" pitchFamily="50" charset="-127"/>
+                <a:ea typeface="한컴 말랑말랑 Bold" panose="020F0803000000000000" pitchFamily="50" charset="-127"/>
+                <a:cs typeface="KoPubWorld돋움체 Bold" panose="00000800000000000000" pitchFamily="2" charset="-127"/>
+              </a:rPr>
+              <a:t>alc</a:t>
+            </a:r>
+            <a:r>
+              <a:rPr lang="en-US" altLang="ko-KR" sz="2000" dirty="0">
+                <a:solidFill>
+                  <a:srgbClr val="1B0900"/>
+                </a:solidFill>
+                <a:latin typeface="한컴 말랑말랑 Bold" panose="020F0803000000000000" pitchFamily="50" charset="-127"/>
+                <a:ea typeface="한컴 말랑말랑 Bold" panose="020F0803000000000000" pitchFamily="50" charset="-127"/>
+                <a:cs typeface="KoPubWorld돋움체 Bold" panose="00000800000000000000" pitchFamily="2" charset="-127"/>
+              </a:rPr>
+              <a:t> 4.5%</a:t>
+            </a:r>
+            <a:endParaRPr lang="ko-KR" altLang="en-US" sz="2000" dirty="0">
+              <a:solidFill>
+                <a:srgbClr val="1B0900"/>
+              </a:solidFill>
+              <a:latin typeface="한컴 말랑말랑 Bold" panose="020F0803000000000000" pitchFamily="50" charset="-127"/>
+              <a:ea typeface="한컴 말랑말랑 Bold" panose="020F0803000000000000" pitchFamily="50" charset="-127"/>
+              <a:cs typeface="KoPubWorld돋움체 Bold" panose="00000800000000000000" pitchFamily="2" charset="-127"/>
+            </a:endParaRPr>
+          </a:p>
+        </p:txBody>
+      </p:sp>
+      <p:sp>
+        <p:nvSpPr>
+          <p:cNvPr id="40" name="모서리가 둥근 직사각형 39"/>
+          <p:cNvSpPr/>
+          <p:nvPr/>
+        </p:nvSpPr>
+        <p:spPr>
+          <a:xfrm>
+            <a:off x="6916967" y="1340698"/>
+            <a:ext cx="2649989" cy="481579"/>
+          </a:xfrm>
+          <a:prstGeom prst="roundRect">
+            <a:avLst>
+              <a:gd name="adj" fmla="val 0"/>
+            </a:avLst>
+          </a:prstGeom>
+          <a:solidFill>
+            <a:srgbClr val="56453B"/>
+          </a:solidFill>
+          <a:ln>
+            <a:noFill/>
+          </a:ln>
+          <a:effectLst>
+            <a:outerShdw blurRad="50800" dist="38100" dir="2700000" algn="tl" rotWithShape="0">
+              <a:prstClr val="black">
+                <a:alpha val="40000"/>
+              </a:prstClr>
+            </a:outerShdw>
+          </a:effectLst>
+        </p:spPr>
+        <p:style>
+          <a:lnRef idx="2">
+            <a:schemeClr val="accent1">
+              <a:shade val="50000"/>
+            </a:schemeClr>
+          </a:lnRef>
+          <a:fillRef idx="1">
+            <a:schemeClr val="accent1"/>
+          </a:fillRef>
+          <a:effectRef idx="0">
+            <a:schemeClr val="accent1"/>
+          </a:effectRef>
+          <a:fontRef idx="minor">
+            <a:schemeClr val="lt1"/>
+          </a:fontRef>
+        </p:style>
+        <p:txBody>
+          <a:bodyPr rtlCol="0" anchor="ctr"/>
+          <a:lstStyle/>
+          <a:p>
+            <a:pPr lvl="0" algn="ctr">
+              <a:lnSpc>
+                <a:spcPct val="150000"/>
+              </a:lnSpc>
+            </a:pPr>
+            <a:r>
+              <a:rPr lang="ko-KR" altLang="en-US" sz="2000" dirty="0">
+                <a:solidFill>
+                  <a:schemeClr val="bg1"/>
+                </a:solidFill>
+                <a:latin typeface="한컴 말랑말랑 Bold" panose="020F0803000000000000" pitchFamily="50" charset="-127"/>
+                <a:ea typeface="한컴 말랑말랑 Bold" panose="020F0803000000000000" pitchFamily="50" charset="-127"/>
+                <a:cs typeface="KoPubWorld돋움체 Bold" panose="00000800000000000000" pitchFamily="2" charset="-127"/>
+              </a:rPr>
+              <a:t>알고리즘 실행 결과</a:t>
+            </a:r>
+          </a:p>
+        </p:txBody>
+      </p:sp>
+      <p:sp>
+        <p:nvSpPr>
+          <p:cNvPr id="41" name="Google Shape;98;p1"/>
+          <p:cNvSpPr txBox="1"/>
+          <p:nvPr/>
+        </p:nvSpPr>
+        <p:spPr>
+          <a:xfrm>
+            <a:off x="332104" y="1082649"/>
+            <a:ext cx="6185499" cy="1154122"/>
+          </a:xfrm>
+          <a:prstGeom prst="rect">
+            <a:avLst/>
+          </a:prstGeom>
+          <a:noFill/>
+          <a:ln>
+            <a:noFill/>
+          </a:ln>
+        </p:spPr>
+        <p:txBody>
+          <a:bodyPr spcFirstLastPara="1" wrap="square" lIns="91425" tIns="45700" rIns="91425" bIns="45700" anchor="t" anchorCtr="0">
+            <a:spAutoFit/>
+          </a:bodyPr>
+          <a:lstStyle/>
+          <a:p>
+            <a:pPr lvl="0">
+              <a:lnSpc>
+                <a:spcPct val="150000"/>
+              </a:lnSpc>
+            </a:pPr>
+            <a:r>
+              <a:rPr lang="en-US" altLang="ko-KR" sz="2800" dirty="0">
+                <a:solidFill>
+                  <a:schemeClr val="tx1"/>
+                </a:solidFill>
+                <a:latin typeface="한컴 말랑말랑 Bold" panose="020F0803000000000000" pitchFamily="50" charset="-127"/>
+                <a:ea typeface="한컴 말랑말랑 Bold" panose="020F0803000000000000" pitchFamily="50" charset="-127"/>
+                <a:cs typeface="KoPubWorld돋움체 Bold" panose="00000800000000000000" pitchFamily="2" charset="-127"/>
+              </a:rPr>
+              <a:t>2. </a:t>
+            </a:r>
+            <a:r>
+              <a:rPr lang="ko-KR" altLang="en-US" sz="2800" dirty="0">
+                <a:solidFill>
+                  <a:schemeClr val="tx1"/>
+                </a:solidFill>
+                <a:latin typeface="한컴 말랑말랑 Bold" panose="020F0803000000000000" pitchFamily="50" charset="-127"/>
+                <a:ea typeface="한컴 말랑말랑 Bold" panose="020F0803000000000000" pitchFamily="50" charset="-127"/>
+                <a:cs typeface="KoPubWorld돋움체 Bold" panose="00000800000000000000" pitchFamily="2" charset="-127"/>
+              </a:rPr>
+              <a:t>가성비 필터링 알고리즘</a:t>
+            </a:r>
+            <a:endParaRPr lang="en-US" altLang="ko-KR" sz="2800" dirty="0">
+              <a:solidFill>
+                <a:schemeClr val="tx1"/>
+              </a:solidFill>
+              <a:latin typeface="한컴 말랑말랑 Bold" panose="020F0803000000000000" pitchFamily="50" charset="-127"/>
+              <a:ea typeface="한컴 말랑말랑 Bold" panose="020F0803000000000000" pitchFamily="50" charset="-127"/>
+              <a:cs typeface="KoPubWorld돋움체 Bold" panose="00000800000000000000" pitchFamily="2" charset="-127"/>
+            </a:endParaRPr>
+          </a:p>
+          <a:p>
+            <a:pPr>
+              <a:lnSpc>
+                <a:spcPct val="150000"/>
+              </a:lnSpc>
+            </a:pPr>
+            <a:r>
+              <a:rPr lang="ko-KR" altLang="en-US" sz="1800" dirty="0">
+                <a:solidFill>
+                  <a:schemeClr val="tx1"/>
+                </a:solidFill>
+                <a:latin typeface="한컴 말랑말랑 Bold" panose="020F0803000000000000" pitchFamily="50" charset="-127"/>
+                <a:ea typeface="한컴 말랑말랑 Bold" panose="020F0803000000000000" pitchFamily="50" charset="-127"/>
+                <a:cs typeface="KoPubWorld돋움체 Medium" panose="00000600000000000000" pitchFamily="2" charset="-127"/>
+              </a:rPr>
+              <a:t>      사용자가 </a:t>
+            </a:r>
+            <a:r>
+              <a:rPr lang="ko-KR" altLang="en-US" sz="1800" dirty="0">
+                <a:solidFill>
+                  <a:srgbClr val="C00000"/>
+                </a:solidFill>
+                <a:latin typeface="한컴 말랑말랑 Bold" panose="020F0803000000000000" pitchFamily="50" charset="-127"/>
+                <a:ea typeface="한컴 말랑말랑 Bold" panose="020F0803000000000000" pitchFamily="50" charset="-127"/>
+                <a:cs typeface="KoPubWorld돋움체 Medium" panose="00000600000000000000" pitchFamily="2" charset="-127"/>
+              </a:rPr>
+              <a:t>선호하는 가성비</a:t>
+            </a:r>
+            <a:r>
+              <a:rPr lang="ko-KR" altLang="en-US" sz="1800" dirty="0">
+                <a:solidFill>
+                  <a:schemeClr val="tx1"/>
+                </a:solidFill>
+                <a:latin typeface="한컴 말랑말랑 Bold" panose="020F0803000000000000" pitchFamily="50" charset="-127"/>
+                <a:ea typeface="한컴 말랑말랑 Bold" panose="020F0803000000000000" pitchFamily="50" charset="-127"/>
+                <a:cs typeface="KoPubWorld돋움체 Medium" panose="00000600000000000000" pitchFamily="2" charset="-127"/>
+              </a:rPr>
+              <a:t>에 따라 추천 대상 </a:t>
+            </a:r>
+            <a:r>
+              <a:rPr lang="ko-KR" altLang="en-US" sz="1800" dirty="0">
+                <a:solidFill>
+                  <a:srgbClr val="C00000"/>
+                </a:solidFill>
+                <a:latin typeface="한컴 말랑말랑 Bold" panose="020F0803000000000000" pitchFamily="50" charset="-127"/>
+                <a:ea typeface="한컴 말랑말랑 Bold" panose="020F0803000000000000" pitchFamily="50" charset="-127"/>
+                <a:cs typeface="KoPubWorld돋움체 Medium" panose="00000600000000000000" pitchFamily="2" charset="-127"/>
+              </a:rPr>
+              <a:t>전통주를 필터링</a:t>
+            </a:r>
+          </a:p>
+        </p:txBody>
+      </p:sp>
+      <p:sp>
+        <p:nvSpPr>
+          <p:cNvPr id="2" name="TextBox 1">
+            <a:extLst>
+              <a:ext uri="{FF2B5EF4-FFF2-40B4-BE49-F238E27FC236}">
+                <a16:creationId xmlns:a16="http://schemas.microsoft.com/office/drawing/2014/main" id="{E411244A-5275-5EA0-E640-54586AAFD5CE}"/>
+              </a:ext>
+            </a:extLst>
+          </p:cNvPr>
+          <p:cNvSpPr txBox="1"/>
+          <p:nvPr/>
+        </p:nvSpPr>
+        <p:spPr>
+          <a:xfrm>
+            <a:off x="0" y="39757"/>
+            <a:ext cx="12192000" cy="830997"/>
+          </a:xfrm>
+          <a:prstGeom prst="rect">
+            <a:avLst/>
+          </a:prstGeom>
+          <a:noFill/>
+        </p:spPr>
+        <p:txBody>
+          <a:bodyPr wrap="square">
+            <a:spAutoFit/>
+          </a:bodyPr>
+          <a:lstStyle/>
+          <a:p>
+            <a:pPr lvl="0" algn="ctr"/>
+            <a:r>
+              <a:rPr lang="ko-KR" altLang="en-US" sz="4800" b="1" dirty="0">
+                <a:solidFill>
+                  <a:schemeClr val="tx1">
+                    <a:lumMod val="95000"/>
+                    <a:lumOff val="5000"/>
+                  </a:schemeClr>
+                </a:solidFill>
+                <a:effectLst>
+                  <a:outerShdw blurRad="38100" dist="38100" dir="2700000" algn="tl">
+                    <a:srgbClr val="000000">
+                      <a:alpha val="43137"/>
+                    </a:srgbClr>
+                  </a:outerShdw>
+                </a:effectLst>
+                <a:latin typeface="한컴 말랑말랑 Bold" panose="020F0803000000000000" pitchFamily="50" charset="-127"/>
+                <a:ea typeface="한컴 말랑말랑 Bold" panose="020F0803000000000000" pitchFamily="50" charset="-127"/>
+                <a:cs typeface="KoPubWorld돋움체 Bold" panose="00000800000000000000" pitchFamily="2" charset="-127"/>
+              </a:rPr>
+              <a:t>가성비 필터링 알고리즘</a:t>
+            </a:r>
+          </a:p>
+        </p:txBody>
+      </p:sp>
+      <p:sp>
+        <p:nvSpPr>
+          <p:cNvPr id="3" name="타원 2">
+            <a:extLst>
+              <a:ext uri="{FF2B5EF4-FFF2-40B4-BE49-F238E27FC236}">
+                <a16:creationId xmlns:a16="http://schemas.microsoft.com/office/drawing/2014/main" id="{09C9743C-B5E6-678B-6D9A-D70B513F9DD4}"/>
+              </a:ext>
+            </a:extLst>
+          </p:cNvPr>
+          <p:cNvSpPr/>
+          <p:nvPr/>
+        </p:nvSpPr>
+        <p:spPr>
+          <a:xfrm>
+            <a:off x="9409683" y="3577126"/>
+            <a:ext cx="180000" cy="180000"/>
+          </a:xfrm>
+          <a:prstGeom prst="ellipse">
+            <a:avLst/>
+          </a:prstGeom>
+          <a:solidFill>
+            <a:srgbClr val="C00000"/>
+          </a:solidFill>
+          <a:ln>
+            <a:noFill/>
+          </a:ln>
+        </p:spPr>
+        <p:style>
+          <a:lnRef idx="2">
+            <a:schemeClr val="accent1">
+              <a:shade val="50000"/>
+            </a:schemeClr>
+          </a:lnRef>
+          <a:fillRef idx="1">
+            <a:schemeClr val="accent1"/>
+          </a:fillRef>
+          <a:effectRef idx="0">
+            <a:schemeClr val="accent1"/>
+          </a:effectRef>
+          <a:fontRef idx="minor">
+            <a:schemeClr val="lt1"/>
+          </a:fontRef>
+        </p:style>
+        <p:txBody>
+          <a:bodyPr rtlCol="0" anchor="ctr"/>
+          <a:lstStyle/>
+          <a:p>
+            <a:pPr algn="ctr"/>
+            <a:endParaRPr lang="ko-KR" altLang="en-US"/>
+          </a:p>
+        </p:txBody>
+      </p:sp>
+      <p:sp>
+        <p:nvSpPr>
+          <p:cNvPr id="4" name="TextBox 3">
+            <a:extLst>
+              <a:ext uri="{FF2B5EF4-FFF2-40B4-BE49-F238E27FC236}">
+                <a16:creationId xmlns:a16="http://schemas.microsoft.com/office/drawing/2014/main" id="{46CC5957-B593-1A48-7FC0-E0BCCE1D52A2}"/>
+              </a:ext>
+            </a:extLst>
+          </p:cNvPr>
+          <p:cNvSpPr txBox="1"/>
+          <p:nvPr/>
+        </p:nvSpPr>
+        <p:spPr>
+          <a:xfrm>
+            <a:off x="8883787" y="3805091"/>
+            <a:ext cx="1433570" cy="369332"/>
+          </a:xfrm>
+          <a:prstGeom prst="rect">
+            <a:avLst/>
+          </a:prstGeom>
+          <a:noFill/>
+        </p:spPr>
+        <p:txBody>
+          <a:bodyPr wrap="square" rtlCol="0">
+            <a:spAutoFit/>
+          </a:bodyPr>
+          <a:lstStyle/>
+          <a:p>
+            <a:pPr algn="ctr"/>
+            <a:r>
+              <a:rPr lang="ko-KR" altLang="en-US" sz="1800" b="0" dirty="0">
+                <a:solidFill>
+                  <a:srgbClr val="C00000"/>
+                </a:solidFill>
+                <a:latin typeface="한컴 말랑말랑 Bold" panose="020F0803000000000000" pitchFamily="50" charset="-127"/>
+                <a:ea typeface="한컴 말랑말랑 Bold" panose="020F0803000000000000" pitchFamily="50" charset="-127"/>
+                <a:cs typeface="KoPubWorld돋움체 Medium" panose="00000600000000000000" pitchFamily="2" charset="-127"/>
+              </a:rPr>
+              <a:t>대표 술 좌표</a:t>
+            </a:r>
+            <a:endParaRPr lang="ko-KR" altLang="en-US" dirty="0">
+              <a:solidFill>
+                <a:srgbClr val="C00000"/>
+              </a:solidFill>
+            </a:endParaRPr>
+          </a:p>
+        </p:txBody>
+      </p:sp>
+      <p:sp>
+        <p:nvSpPr>
+          <p:cNvPr id="5" name="모서리가 둥근 직사각형 17">
+            <a:extLst>
+              <a:ext uri="{FF2B5EF4-FFF2-40B4-BE49-F238E27FC236}">
+                <a16:creationId xmlns:a16="http://schemas.microsoft.com/office/drawing/2014/main" id="{8E1B20CE-B7AA-F041-91EF-07487001D7D5}"/>
+              </a:ext>
+            </a:extLst>
+          </p:cNvPr>
+          <p:cNvSpPr/>
+          <p:nvPr/>
+        </p:nvSpPr>
+        <p:spPr>
+          <a:xfrm>
+            <a:off x="617488" y="2660436"/>
+            <a:ext cx="2485310" cy="481579"/>
+          </a:xfrm>
+          <a:prstGeom prst="roundRect">
+            <a:avLst>
+              <a:gd name="adj" fmla="val 0"/>
+            </a:avLst>
+          </a:prstGeom>
+          <a:solidFill>
+            <a:srgbClr val="56453B"/>
+          </a:solidFill>
+          <a:ln>
+            <a:noFill/>
+          </a:ln>
+          <a:effectLst>
+            <a:outerShdw blurRad="50800" dist="38100" dir="2700000" algn="tl" rotWithShape="0">
+              <a:prstClr val="black">
+                <a:alpha val="40000"/>
+              </a:prstClr>
+            </a:outerShdw>
+          </a:effectLst>
+        </p:spPr>
+        <p:style>
+          <a:lnRef idx="2">
+            <a:schemeClr val="accent1">
+              <a:shade val="50000"/>
+            </a:schemeClr>
+          </a:lnRef>
+          <a:fillRef idx="1">
+            <a:schemeClr val="accent1"/>
+          </a:fillRef>
+          <a:effectRef idx="0">
+            <a:schemeClr val="accent1"/>
+          </a:effectRef>
+          <a:fontRef idx="minor">
+            <a:schemeClr val="lt1"/>
+          </a:fontRef>
+        </p:style>
+        <p:txBody>
+          <a:bodyPr rtlCol="0" anchor="ctr"/>
+          <a:lstStyle/>
+          <a:p>
+            <a:pPr lvl="0" algn="ctr">
+              <a:lnSpc>
+                <a:spcPct val="150000"/>
+              </a:lnSpc>
+            </a:pPr>
+            <a:r>
+              <a:rPr lang="en-US" altLang="ko-KR" sz="2000" dirty="0">
+                <a:solidFill>
+                  <a:schemeClr val="bg1"/>
+                </a:solidFill>
+                <a:latin typeface="한컴 말랑말랑 Bold" panose="020F0803000000000000" pitchFamily="50" charset="-127"/>
+                <a:ea typeface="한컴 말랑말랑 Bold" panose="020F0803000000000000" pitchFamily="50" charset="-127"/>
+                <a:cs typeface="KoPubWorld돋움체 Bold" panose="00000800000000000000" pitchFamily="2" charset="-127"/>
+              </a:rPr>
+              <a:t>EX) </a:t>
+            </a:r>
+            <a:r>
+              <a:rPr lang="ko-KR" altLang="en-US" sz="2000" dirty="0">
+                <a:solidFill>
+                  <a:schemeClr val="bg1"/>
+                </a:solidFill>
+                <a:latin typeface="한컴 말랑말랑 Bold" panose="020F0803000000000000" pitchFamily="50" charset="-127"/>
+                <a:ea typeface="한컴 말랑말랑 Bold" panose="020F0803000000000000" pitchFamily="50" charset="-127"/>
+                <a:cs typeface="KoPubWorld돋움체 Bold" panose="00000800000000000000" pitchFamily="2" charset="-127"/>
+              </a:rPr>
+              <a:t>사용자의 입력</a:t>
+            </a:r>
+          </a:p>
+        </p:txBody>
+      </p:sp>
+      <p:sp>
+        <p:nvSpPr>
+          <p:cNvPr id="8" name="모서리가 둥근 직사각형 17">
+            <a:extLst>
+              <a:ext uri="{FF2B5EF4-FFF2-40B4-BE49-F238E27FC236}">
+                <a16:creationId xmlns:a16="http://schemas.microsoft.com/office/drawing/2014/main" id="{992D3A6E-8A53-FF95-DE50-997E40CE455B}"/>
+              </a:ext>
+            </a:extLst>
+          </p:cNvPr>
+          <p:cNvSpPr/>
+          <p:nvPr/>
+        </p:nvSpPr>
+        <p:spPr>
+          <a:xfrm>
+            <a:off x="626908" y="4319481"/>
+            <a:ext cx="2649989" cy="481579"/>
+          </a:xfrm>
+          <a:prstGeom prst="roundRect">
+            <a:avLst>
+              <a:gd name="adj" fmla="val 0"/>
+            </a:avLst>
+          </a:prstGeom>
+          <a:solidFill>
+            <a:srgbClr val="56453B"/>
+          </a:solidFill>
+          <a:ln>
+            <a:noFill/>
+          </a:ln>
+          <a:effectLst>
+            <a:outerShdw blurRad="50800" dist="38100" dir="2700000" algn="tl" rotWithShape="0">
+              <a:prstClr val="black">
+                <a:alpha val="40000"/>
+              </a:prstClr>
+            </a:outerShdw>
+          </a:effectLst>
+        </p:spPr>
+        <p:style>
+          <a:lnRef idx="2">
+            <a:schemeClr val="accent1">
+              <a:shade val="50000"/>
+            </a:schemeClr>
+          </a:lnRef>
+          <a:fillRef idx="1">
+            <a:schemeClr val="accent1"/>
+          </a:fillRef>
+          <a:effectRef idx="0">
+            <a:schemeClr val="accent1"/>
+          </a:effectRef>
+          <a:fontRef idx="minor">
+            <a:schemeClr val="lt1"/>
+          </a:fontRef>
+        </p:style>
+        <p:txBody>
+          <a:bodyPr rtlCol="0" anchor="ctr"/>
+          <a:lstStyle/>
+          <a:p>
+            <a:pPr lvl="0" algn="ctr">
+              <a:lnSpc>
+                <a:spcPct val="150000"/>
+              </a:lnSpc>
+            </a:pPr>
+            <a:r>
+              <a:rPr lang="ko-KR" altLang="en-US" sz="2000" dirty="0">
+                <a:solidFill>
+                  <a:schemeClr val="bg1"/>
+                </a:solidFill>
+                <a:latin typeface="한컴 말랑말랑 Bold" panose="020F0803000000000000" pitchFamily="50" charset="-127"/>
+                <a:ea typeface="한컴 말랑말랑 Bold" panose="020F0803000000000000" pitchFamily="50" charset="-127"/>
+                <a:cs typeface="KoPubWorld돋움체 Bold" panose="00000800000000000000" pitchFamily="2" charset="-127"/>
+              </a:rPr>
+              <a:t>적용 로직</a:t>
+            </a:r>
+          </a:p>
+        </p:txBody>
+      </p:sp>
+      <p:grpSp>
+        <p:nvGrpSpPr>
+          <p:cNvPr id="31" name="그룹 30">
+            <a:extLst>
+              <a:ext uri="{FF2B5EF4-FFF2-40B4-BE49-F238E27FC236}">
+                <a16:creationId xmlns:a16="http://schemas.microsoft.com/office/drawing/2014/main" id="{9C9529DB-7DE4-D1F0-1CB9-40CE18DE0316}"/>
+              </a:ext>
+            </a:extLst>
+          </p:cNvPr>
+          <p:cNvGrpSpPr/>
+          <p:nvPr/>
+        </p:nvGrpSpPr>
+        <p:grpSpPr>
+          <a:xfrm rot="233455">
+            <a:off x="8110989" y="3876184"/>
+            <a:ext cx="262137" cy="256322"/>
+            <a:chOff x="8070861" y="3500804"/>
+            <a:chExt cx="262137" cy="256322"/>
+          </a:xfrm>
+        </p:grpSpPr>
+        <p:cxnSp>
+          <p:nvCxnSpPr>
+            <p:cNvPr id="16" name="직선 연결선 15">
+              <a:extLst>
+                <a:ext uri="{FF2B5EF4-FFF2-40B4-BE49-F238E27FC236}">
+                  <a16:creationId xmlns:a16="http://schemas.microsoft.com/office/drawing/2014/main" id="{AE30DD40-8EBF-B83F-5CC5-3A202F78A675}"/>
+                </a:ext>
+              </a:extLst>
+            </p:cNvPr>
+            <p:cNvCxnSpPr>
+              <a:cxnSpLocks/>
+            </p:cNvCxnSpPr>
+            <p:nvPr/>
+          </p:nvCxnSpPr>
+          <p:spPr>
+            <a:xfrm flipH="1">
+              <a:off x="8074704" y="3500804"/>
+              <a:ext cx="223581" cy="256322"/>
+            </a:xfrm>
+            <a:prstGeom prst="line">
+              <a:avLst/>
+            </a:prstGeom>
+            <a:ln w="38100">
+              <a:solidFill>
+                <a:srgbClr val="C00000"/>
+              </a:solidFill>
+            </a:ln>
+          </p:spPr>
+          <p:style>
+            <a:lnRef idx="1">
+              <a:schemeClr val="accent1"/>
+            </a:lnRef>
+            <a:fillRef idx="0">
+              <a:schemeClr val="accent1"/>
+            </a:fillRef>
+            <a:effectRef idx="0">
+              <a:schemeClr val="accent1"/>
+            </a:effectRef>
+            <a:fontRef idx="minor">
+              <a:schemeClr val="tx1"/>
+            </a:fontRef>
+          </p:style>
+        </p:cxnSp>
+        <p:cxnSp>
+          <p:nvCxnSpPr>
+            <p:cNvPr id="18" name="직선 연결선 17">
+              <a:extLst>
+                <a:ext uri="{FF2B5EF4-FFF2-40B4-BE49-F238E27FC236}">
+                  <a16:creationId xmlns:a16="http://schemas.microsoft.com/office/drawing/2014/main" id="{96F45C33-8718-F106-44D2-62A327A45AC9}"/>
+                </a:ext>
+              </a:extLst>
+            </p:cNvPr>
+            <p:cNvCxnSpPr>
+              <a:cxnSpLocks/>
+            </p:cNvCxnSpPr>
+            <p:nvPr/>
+          </p:nvCxnSpPr>
+          <p:spPr>
+            <a:xfrm>
+              <a:off x="8070861" y="3521856"/>
+              <a:ext cx="262137" cy="224448"/>
+            </a:xfrm>
+            <a:prstGeom prst="line">
+              <a:avLst/>
+            </a:prstGeom>
+            <a:ln w="38100">
+              <a:solidFill>
+                <a:srgbClr val="C00000"/>
+              </a:solidFill>
+            </a:ln>
+          </p:spPr>
+          <p:style>
+            <a:lnRef idx="1">
+              <a:schemeClr val="accent1"/>
+            </a:lnRef>
+            <a:fillRef idx="0">
+              <a:schemeClr val="accent1"/>
+            </a:fillRef>
+            <a:effectRef idx="0">
+              <a:schemeClr val="accent1"/>
+            </a:effectRef>
+            <a:fontRef idx="minor">
+              <a:schemeClr val="tx1"/>
+            </a:fontRef>
+          </p:style>
+        </p:cxnSp>
+      </p:grpSp>
+      <p:grpSp>
+        <p:nvGrpSpPr>
+          <p:cNvPr id="32" name="그룹 31">
+            <a:extLst>
+              <a:ext uri="{FF2B5EF4-FFF2-40B4-BE49-F238E27FC236}">
+                <a16:creationId xmlns:a16="http://schemas.microsoft.com/office/drawing/2014/main" id="{F276CF8D-DF07-08AB-F674-37BAF000678E}"/>
+              </a:ext>
+            </a:extLst>
+          </p:cNvPr>
+          <p:cNvGrpSpPr/>
+          <p:nvPr/>
+        </p:nvGrpSpPr>
+        <p:grpSpPr>
+          <a:xfrm rot="233455">
+            <a:off x="8821390" y="4547084"/>
+            <a:ext cx="262137" cy="256322"/>
+            <a:chOff x="8070861" y="3500804"/>
+            <a:chExt cx="262137" cy="256322"/>
+          </a:xfrm>
+        </p:grpSpPr>
+        <p:cxnSp>
+          <p:nvCxnSpPr>
+            <p:cNvPr id="36" name="직선 연결선 35">
+              <a:extLst>
+                <a:ext uri="{FF2B5EF4-FFF2-40B4-BE49-F238E27FC236}">
+                  <a16:creationId xmlns:a16="http://schemas.microsoft.com/office/drawing/2014/main" id="{436E2F3D-D6BF-81A3-7673-193E6D3EE6F5}"/>
+                </a:ext>
+              </a:extLst>
+            </p:cNvPr>
+            <p:cNvCxnSpPr>
+              <a:cxnSpLocks/>
+            </p:cNvCxnSpPr>
+            <p:nvPr/>
+          </p:nvCxnSpPr>
+          <p:spPr>
+            <a:xfrm flipH="1">
+              <a:off x="8074704" y="3500804"/>
+              <a:ext cx="223581" cy="256322"/>
+            </a:xfrm>
+            <a:prstGeom prst="line">
+              <a:avLst/>
+            </a:prstGeom>
+            <a:ln w="38100">
+              <a:solidFill>
+                <a:srgbClr val="C00000"/>
+              </a:solidFill>
+            </a:ln>
+          </p:spPr>
+          <p:style>
+            <a:lnRef idx="1">
+              <a:schemeClr val="accent1"/>
+            </a:lnRef>
+            <a:fillRef idx="0">
+              <a:schemeClr val="accent1"/>
+            </a:fillRef>
+            <a:effectRef idx="0">
+              <a:schemeClr val="accent1"/>
+            </a:effectRef>
+            <a:fontRef idx="minor">
+              <a:schemeClr val="tx1"/>
+            </a:fontRef>
+          </p:style>
+        </p:cxnSp>
+        <p:cxnSp>
+          <p:nvCxnSpPr>
+            <p:cNvPr id="39" name="직선 연결선 38">
+              <a:extLst>
+                <a:ext uri="{FF2B5EF4-FFF2-40B4-BE49-F238E27FC236}">
+                  <a16:creationId xmlns:a16="http://schemas.microsoft.com/office/drawing/2014/main" id="{7076F87E-FCB3-39A4-4666-7ABADD80C5C3}"/>
+                </a:ext>
+              </a:extLst>
+            </p:cNvPr>
+            <p:cNvCxnSpPr>
+              <a:cxnSpLocks/>
+            </p:cNvCxnSpPr>
+            <p:nvPr/>
+          </p:nvCxnSpPr>
+          <p:spPr>
+            <a:xfrm>
+              <a:off x="8070861" y="3521856"/>
+              <a:ext cx="262137" cy="224448"/>
+            </a:xfrm>
+            <a:prstGeom prst="line">
+              <a:avLst/>
+            </a:prstGeom>
+            <a:ln w="38100">
+              <a:solidFill>
+                <a:srgbClr val="C00000"/>
+              </a:solidFill>
+            </a:ln>
+          </p:spPr>
+          <p:style>
+            <a:lnRef idx="1">
+              <a:schemeClr val="accent1"/>
+            </a:lnRef>
+            <a:fillRef idx="0">
+              <a:schemeClr val="accent1"/>
+            </a:fillRef>
+            <a:effectRef idx="0">
+              <a:schemeClr val="accent1"/>
+            </a:effectRef>
+            <a:fontRef idx="minor">
+              <a:schemeClr val="tx1"/>
+            </a:fontRef>
+          </p:style>
+        </p:cxnSp>
+      </p:grpSp>
+      <p:grpSp>
+        <p:nvGrpSpPr>
+          <p:cNvPr id="42" name="그룹 41">
+            <a:extLst>
+              <a:ext uri="{FF2B5EF4-FFF2-40B4-BE49-F238E27FC236}">
+                <a16:creationId xmlns:a16="http://schemas.microsoft.com/office/drawing/2014/main" id="{37C9C8CB-A160-839E-66EE-A757683413BA}"/>
+              </a:ext>
+            </a:extLst>
+          </p:cNvPr>
+          <p:cNvGrpSpPr/>
+          <p:nvPr/>
+        </p:nvGrpSpPr>
+        <p:grpSpPr>
+          <a:xfrm rot="233455">
+            <a:off x="10130341" y="4601803"/>
+            <a:ext cx="262137" cy="256322"/>
+            <a:chOff x="8070861" y="3500804"/>
+            <a:chExt cx="262137" cy="256322"/>
+          </a:xfrm>
+        </p:grpSpPr>
+        <p:cxnSp>
+          <p:nvCxnSpPr>
+            <p:cNvPr id="44" name="직선 연결선 43">
+              <a:extLst>
+                <a:ext uri="{FF2B5EF4-FFF2-40B4-BE49-F238E27FC236}">
+                  <a16:creationId xmlns:a16="http://schemas.microsoft.com/office/drawing/2014/main" id="{1C1AF56E-D53F-7A99-E357-59F931732437}"/>
+                </a:ext>
+              </a:extLst>
+            </p:cNvPr>
+            <p:cNvCxnSpPr>
+              <a:cxnSpLocks/>
+            </p:cNvCxnSpPr>
+            <p:nvPr/>
+          </p:nvCxnSpPr>
+          <p:spPr>
+            <a:xfrm flipH="1">
+              <a:off x="8074704" y="3500804"/>
+              <a:ext cx="223581" cy="256322"/>
+            </a:xfrm>
+            <a:prstGeom prst="line">
+              <a:avLst/>
+            </a:prstGeom>
+            <a:ln w="38100">
+              <a:solidFill>
+                <a:srgbClr val="C00000"/>
+              </a:solidFill>
+            </a:ln>
+          </p:spPr>
+          <p:style>
+            <a:lnRef idx="1">
+              <a:schemeClr val="accent1"/>
+            </a:lnRef>
+            <a:fillRef idx="0">
+              <a:schemeClr val="accent1"/>
+            </a:fillRef>
+            <a:effectRef idx="0">
+              <a:schemeClr val="accent1"/>
+            </a:effectRef>
+            <a:fontRef idx="minor">
+              <a:schemeClr val="tx1"/>
+            </a:fontRef>
+          </p:style>
+        </p:cxnSp>
+        <p:cxnSp>
+          <p:nvCxnSpPr>
+            <p:cNvPr id="45" name="직선 연결선 44">
+              <a:extLst>
+                <a:ext uri="{FF2B5EF4-FFF2-40B4-BE49-F238E27FC236}">
+                  <a16:creationId xmlns:a16="http://schemas.microsoft.com/office/drawing/2014/main" id="{67511FB7-0E75-51C8-325B-B65C07A8ABFC}"/>
+                </a:ext>
+              </a:extLst>
+            </p:cNvPr>
+            <p:cNvCxnSpPr>
+              <a:cxnSpLocks/>
+            </p:cNvCxnSpPr>
+            <p:nvPr/>
+          </p:nvCxnSpPr>
+          <p:spPr>
+            <a:xfrm>
+              <a:off x="8070861" y="3521856"/>
+              <a:ext cx="262137" cy="224448"/>
+            </a:xfrm>
+            <a:prstGeom prst="line">
+              <a:avLst/>
+            </a:prstGeom>
+            <a:ln w="38100">
+              <a:solidFill>
+                <a:srgbClr val="C00000"/>
+              </a:solidFill>
+            </a:ln>
+          </p:spPr>
+          <p:style>
+            <a:lnRef idx="1">
+              <a:schemeClr val="accent1"/>
+            </a:lnRef>
+            <a:fillRef idx="0">
+              <a:schemeClr val="accent1"/>
+            </a:fillRef>
+            <a:effectRef idx="0">
+              <a:schemeClr val="accent1"/>
+            </a:effectRef>
+            <a:fontRef idx="minor">
+              <a:schemeClr val="tx1"/>
+            </a:fontRef>
+          </p:style>
+        </p:cxnSp>
+      </p:grpSp>
+      <p:sp>
+        <p:nvSpPr>
+          <p:cNvPr id="46" name="Google Shape;98;p1">
+            <a:extLst>
+              <a:ext uri="{FF2B5EF4-FFF2-40B4-BE49-F238E27FC236}">
+                <a16:creationId xmlns:a16="http://schemas.microsoft.com/office/drawing/2014/main" id="{E7188F75-B544-448B-63B4-FBF0DBF27ADC}"/>
+              </a:ext>
+            </a:extLst>
+          </p:cNvPr>
+          <p:cNvSpPr txBox="1"/>
+          <p:nvPr/>
+        </p:nvSpPr>
+        <p:spPr>
+          <a:xfrm>
+            <a:off x="6990864" y="5676551"/>
+            <a:ext cx="4714819" cy="830956"/>
+          </a:xfrm>
+          <a:prstGeom prst="rect">
+            <a:avLst/>
+          </a:prstGeom>
+          <a:noFill/>
+          <a:ln>
+            <a:noFill/>
+          </a:ln>
+        </p:spPr>
+        <p:txBody>
+          <a:bodyPr spcFirstLastPara="1" wrap="square" lIns="91425" tIns="45700" rIns="91425" bIns="45700" anchor="t" anchorCtr="0">
+            <a:spAutoFit/>
+          </a:bodyPr>
+          <a:lstStyle/>
+          <a:p>
+            <a:pPr lvl="0" algn="ctr">
+              <a:lnSpc>
+                <a:spcPct val="150000"/>
+              </a:lnSpc>
+            </a:pPr>
+            <a:r>
+              <a:rPr lang="ko-KR" altLang="en-US" sz="1600" b="1" dirty="0">
+                <a:solidFill>
+                  <a:srgbClr val="C00000"/>
+                </a:solidFill>
+                <a:latin typeface="한컴 말랑말랑 Bold" panose="020F0803000000000000" pitchFamily="50" charset="-127"/>
+                <a:ea typeface="한컴 말랑말랑 Bold" panose="020F0803000000000000" pitchFamily="50" charset="-127"/>
+                <a:cs typeface="KoPubWorld돋움체 Medium" panose="00000600000000000000" pitchFamily="2" charset="-127"/>
+              </a:rPr>
+              <a:t>편의점 맥주</a:t>
+            </a:r>
+            <a:r>
+              <a:rPr lang="ko-KR" altLang="en-US" sz="1600" b="1" dirty="0">
+                <a:latin typeface="한컴 말랑말랑 Bold" panose="020F0803000000000000" pitchFamily="50" charset="-127"/>
+                <a:ea typeface="한컴 말랑말랑 Bold" panose="020F0803000000000000" pitchFamily="50" charset="-127"/>
+                <a:cs typeface="KoPubWorld돋움체 Medium" panose="00000600000000000000" pitchFamily="2" charset="-127"/>
+              </a:rPr>
+              <a:t>보다 가성비가 </a:t>
+            </a:r>
+            <a:endParaRPr lang="en-US" altLang="ko-KR" sz="1600" b="1" dirty="0">
+              <a:latin typeface="한컴 말랑말랑 Bold" panose="020F0803000000000000" pitchFamily="50" charset="-127"/>
+              <a:ea typeface="한컴 말랑말랑 Bold" panose="020F0803000000000000" pitchFamily="50" charset="-127"/>
+              <a:cs typeface="KoPubWorld돋움체 Medium" panose="00000600000000000000" pitchFamily="2" charset="-127"/>
+            </a:endParaRPr>
+          </a:p>
+          <a:p>
+            <a:pPr lvl="0" algn="ctr">
+              <a:lnSpc>
+                <a:spcPct val="150000"/>
+              </a:lnSpc>
+            </a:pPr>
+            <a:r>
+              <a:rPr lang="ko-KR" altLang="en-US" sz="1600" b="1" dirty="0">
+                <a:latin typeface="한컴 말랑말랑 Bold" panose="020F0803000000000000" pitchFamily="50" charset="-127"/>
+                <a:ea typeface="한컴 말랑말랑 Bold" panose="020F0803000000000000" pitchFamily="50" charset="-127"/>
+                <a:cs typeface="KoPubWorld돋움체 Medium" panose="00000600000000000000" pitchFamily="2" charset="-127"/>
+              </a:rPr>
+              <a:t>떨어지는 제품 최종 추천 </a:t>
+            </a:r>
+            <a:r>
+              <a:rPr lang="ko-KR" altLang="en-US" sz="1600" b="1" dirty="0">
+                <a:solidFill>
+                  <a:srgbClr val="C00000"/>
+                </a:solidFill>
+                <a:latin typeface="한컴 말랑말랑 Bold" panose="020F0803000000000000" pitchFamily="50" charset="-127"/>
+                <a:ea typeface="한컴 말랑말랑 Bold" panose="020F0803000000000000" pitchFamily="50" charset="-127"/>
+                <a:cs typeface="KoPubWorld돋움체 Medium" panose="00000600000000000000" pitchFamily="2" charset="-127"/>
+              </a:rPr>
+              <a:t>리스트에서 삭제</a:t>
+            </a:r>
+          </a:p>
+        </p:txBody>
+      </p:sp>
+      <p:sp>
+        <p:nvSpPr>
+          <p:cNvPr id="47" name="타원 46">
+            <a:extLst>
+              <a:ext uri="{FF2B5EF4-FFF2-40B4-BE49-F238E27FC236}">
+                <a16:creationId xmlns:a16="http://schemas.microsoft.com/office/drawing/2014/main" id="{8FE824A9-8090-CB88-EBEF-9C4354E61668}"/>
+              </a:ext>
+            </a:extLst>
+          </p:cNvPr>
+          <p:cNvSpPr/>
+          <p:nvPr/>
+        </p:nvSpPr>
+        <p:spPr>
+          <a:xfrm>
+            <a:off x="9894320" y="1718996"/>
+            <a:ext cx="144000" cy="144000"/>
+          </a:xfrm>
+          <a:prstGeom prst="ellipse">
+            <a:avLst/>
+          </a:prstGeom>
+          <a:solidFill>
+            <a:srgbClr val="1B0900"/>
+          </a:solidFill>
+          <a:ln>
+            <a:noFill/>
+          </a:ln>
+        </p:spPr>
+        <p:style>
+          <a:lnRef idx="2">
+            <a:schemeClr val="accent1">
+              <a:shade val="50000"/>
+            </a:schemeClr>
+          </a:lnRef>
+          <a:fillRef idx="1">
+            <a:schemeClr val="accent1"/>
+          </a:fillRef>
+          <a:effectRef idx="0">
+            <a:schemeClr val="accent1"/>
+          </a:effectRef>
+          <a:fontRef idx="minor">
+            <a:schemeClr val="lt1"/>
+          </a:fontRef>
+        </p:style>
+        <p:txBody>
+          <a:bodyPr rtlCol="0" anchor="ctr"/>
+          <a:lstStyle/>
+          <a:p>
+            <a:pPr algn="ctr"/>
+            <a:endParaRPr lang="ko-KR" altLang="en-US">
+              <a:latin typeface="한컴 말랑말랑 Bold" panose="020F0803000000000000" pitchFamily="50" charset="-127"/>
+              <a:ea typeface="한컴 말랑말랑 Bold" panose="020F0803000000000000" pitchFamily="50" charset="-127"/>
+            </a:endParaRPr>
+          </a:p>
+        </p:txBody>
+      </p:sp>
+      <p:sp>
+        <p:nvSpPr>
+          <p:cNvPr id="51" name="직사각형 50">
+            <a:extLst>
+              <a:ext uri="{FF2B5EF4-FFF2-40B4-BE49-F238E27FC236}">
+                <a16:creationId xmlns:a16="http://schemas.microsoft.com/office/drawing/2014/main" id="{F6C12B7E-2782-F847-3A23-051764209CFF}"/>
+              </a:ext>
+            </a:extLst>
+          </p:cNvPr>
+          <p:cNvSpPr/>
+          <p:nvPr/>
+        </p:nvSpPr>
+        <p:spPr>
+          <a:xfrm>
+            <a:off x="9797905" y="1595275"/>
+            <a:ext cx="1907778" cy="369332"/>
+          </a:xfrm>
+          <a:prstGeom prst="rect">
+            <a:avLst/>
+          </a:prstGeom>
+          <a:noFill/>
+          <a:ln w="28575"/>
+        </p:spPr>
+        <p:style>
+          <a:lnRef idx="2">
+            <a:schemeClr val="accent1">
+              <a:shade val="15000"/>
+            </a:schemeClr>
+          </a:lnRef>
+          <a:fillRef idx="1">
+            <a:schemeClr val="accent1"/>
+          </a:fillRef>
+          <a:effectRef idx="0">
+            <a:schemeClr val="accent1"/>
+          </a:effectRef>
+          <a:fontRef idx="minor">
+            <a:schemeClr val="lt1"/>
+          </a:fontRef>
+        </p:style>
+        <p:txBody>
+          <a:bodyPr rtlCol="0" anchor="ctr"/>
+          <a:lstStyle/>
+          <a:p>
+            <a:pPr algn="ctr"/>
+            <a:endParaRPr lang="ko-KR" altLang="en-US"/>
+          </a:p>
+        </p:txBody>
+      </p:sp>
+      <p:sp>
+        <p:nvSpPr>
+          <p:cNvPr id="52" name="Google Shape;98;p1">
+            <a:extLst>
+              <a:ext uri="{FF2B5EF4-FFF2-40B4-BE49-F238E27FC236}">
+                <a16:creationId xmlns:a16="http://schemas.microsoft.com/office/drawing/2014/main" id="{088127D2-5E2C-843B-AC46-CCF52344386B}"/>
+              </a:ext>
+            </a:extLst>
+          </p:cNvPr>
+          <p:cNvSpPr txBox="1"/>
+          <p:nvPr/>
+        </p:nvSpPr>
+        <p:spPr>
+          <a:xfrm rot="10800000" flipV="1">
+            <a:off x="10061337" y="1530720"/>
+            <a:ext cx="1656772" cy="461624"/>
+          </a:xfrm>
+          <a:prstGeom prst="rect">
+            <a:avLst/>
+          </a:prstGeom>
+          <a:noFill/>
+          <a:ln>
+            <a:noFill/>
+          </a:ln>
+        </p:spPr>
+        <p:txBody>
+          <a:bodyPr spcFirstLastPara="1" wrap="square" lIns="91425" tIns="45700" rIns="91425" bIns="45700" anchor="t" anchorCtr="0">
+            <a:spAutoFit/>
+          </a:bodyPr>
+          <a:lstStyle/>
+          <a:p>
+            <a:pPr lvl="0">
+              <a:lnSpc>
+                <a:spcPct val="150000"/>
+              </a:lnSpc>
+            </a:pPr>
+            <a:r>
+              <a:rPr lang="en-US" altLang="ko-KR" sz="1600" b="1" dirty="0">
+                <a:latin typeface="한컴 말랑말랑 Bold" panose="020F0803000000000000" pitchFamily="50" charset="-127"/>
+                <a:ea typeface="한컴 말랑말랑 Bold" panose="020F0803000000000000" pitchFamily="50" charset="-127"/>
+                <a:cs typeface="KoPubWorld돋움체 Medium" panose="00000600000000000000" pitchFamily="2" charset="-127"/>
+              </a:rPr>
+              <a:t>Output </a:t>
+            </a:r>
+            <a:r>
+              <a:rPr lang="ko-KR" altLang="en-US" sz="1600" b="1" dirty="0">
+                <a:latin typeface="한컴 말랑말랑 Bold" panose="020F0803000000000000" pitchFamily="50" charset="-127"/>
+                <a:ea typeface="한컴 말랑말랑 Bold" panose="020F0803000000000000" pitchFamily="50" charset="-127"/>
+                <a:cs typeface="KoPubWorld돋움체 Medium" panose="00000600000000000000" pitchFamily="2" charset="-127"/>
+              </a:rPr>
+              <a:t>데이터</a:t>
+            </a:r>
+          </a:p>
+        </p:txBody>
+      </p:sp>
+    </p:spTree>
+    <p:extLst>
+      <p:ext uri="{BB962C8B-B14F-4D97-AF65-F5344CB8AC3E}">
+        <p14:creationId xmlns:p14="http://schemas.microsoft.com/office/powerpoint/2010/main" val="3518153554"/>
+      </p:ext>
+    </p:extLst>
+  </p:cSld>
+  <p:clrMapOvr>
+    <a:masterClrMapping/>
+  </p:clrMapOvr>
+  <p:timing>
+    <p:tnLst>
+      <p:par>
+        <p:cTn id="1" dur="indefinite" restart="never" nodeType="tmRoot">
+          <p:childTnLst>
+            <p:seq concurrent="1" nextAc="seek">
+              <p:cTn id="2" dur="indefinite" nodeType="mainSeq">
+                <p:childTnLst>
+                  <p:par>
+                    <p:cTn id="3" fill="hold">
+                      <p:stCondLst>
+                        <p:cond delay="indefinite"/>
+                      </p:stCondLst>
+                      <p:childTnLst>
+                        <p:par>
+                          <p:cTn id="4" fill="hold">
+                            <p:stCondLst>
+                              <p:cond delay="0"/>
+                            </p:stCondLst>
+                            <p:childTnLst>
+                              <p:par>
+                                <p:cTn id="5" presetID="1" presetClass="emph" presetSubtype="2" fill="hold" nodeType="clickEffect">
+                                  <p:stCondLst>
+                                    <p:cond delay="0"/>
+                                  </p:stCondLst>
+                                  <p:childTnLst>
+                                    <p:animClr clrSpc="rgb" dir="cw">
+                                      <p:cBhvr>
+                                        <p:cTn id="6" dur="1000" fill="hold"/>
+                                        <p:tgtEl>
+                                          <p:spTgt spid="34"/>
+                                        </p:tgtEl>
+                                        <p:attrNameLst>
+                                          <p:attrName>fillcolor</p:attrName>
+                                        </p:attrNameLst>
+                                      </p:cBhvr>
+                                      <p:to>
+                                        <a:srgbClr val="E7E7E7"/>
+                                      </p:to>
+                                    </p:animClr>
+                                    <p:set>
+                                      <p:cBhvr>
+                                        <p:cTn id="7" dur="1000" fill="hold"/>
+                                        <p:tgtEl>
+                                          <p:spTgt spid="34"/>
+                                        </p:tgtEl>
+                                        <p:attrNameLst>
+                                          <p:attrName>fill.type</p:attrName>
+                                        </p:attrNameLst>
+                                      </p:cBhvr>
+                                      <p:to>
+                                        <p:strVal val="solid"/>
+                                      </p:to>
+                                    </p:set>
+                                    <p:set>
+                                      <p:cBhvr>
+                                        <p:cTn id="8" dur="1000" fill="hold"/>
+                                        <p:tgtEl>
+                                          <p:spTgt spid="34"/>
+                                        </p:tgtEl>
+                                        <p:attrNameLst>
+                                          <p:attrName>fill.on</p:attrName>
+                                        </p:attrNameLst>
+                                      </p:cBhvr>
+                                      <p:to>
+                                        <p:strVal val="true"/>
+                                      </p:to>
+                                    </p:set>
+                                  </p:childTnLst>
+                                </p:cTn>
+                              </p:par>
+                              <p:par>
+                                <p:cTn id="9" presetID="1" presetClass="emph" presetSubtype="2" fill="hold" nodeType="withEffect">
+                                  <p:stCondLst>
+                                    <p:cond delay="0"/>
+                                  </p:stCondLst>
+                                  <p:childTnLst>
+                                    <p:animClr clrSpc="rgb" dir="cw">
+                                      <p:cBhvr>
+                                        <p:cTn id="10" dur="1000" fill="hold"/>
+                                        <p:tgtEl>
+                                          <p:spTgt spid="35"/>
+                                        </p:tgtEl>
+                                        <p:attrNameLst>
+                                          <p:attrName>fillcolor</p:attrName>
+                                        </p:attrNameLst>
+                                      </p:cBhvr>
+                                      <p:to>
+                                        <a:srgbClr val="E7E7E7"/>
+                                      </p:to>
+                                    </p:animClr>
+                                    <p:set>
+                                      <p:cBhvr>
+                                        <p:cTn id="11" dur="1000" fill="hold"/>
+                                        <p:tgtEl>
+                                          <p:spTgt spid="35"/>
+                                        </p:tgtEl>
+                                        <p:attrNameLst>
+                                          <p:attrName>fill.type</p:attrName>
+                                        </p:attrNameLst>
+                                      </p:cBhvr>
+                                      <p:to>
+                                        <p:strVal val="solid"/>
+                                      </p:to>
+                                    </p:set>
+                                    <p:set>
+                                      <p:cBhvr>
+                                        <p:cTn id="12" dur="1000" fill="hold"/>
+                                        <p:tgtEl>
+                                          <p:spTgt spid="35"/>
+                                        </p:tgtEl>
+                                        <p:attrNameLst>
+                                          <p:attrName>fill.on</p:attrName>
+                                        </p:attrNameLst>
+                                      </p:cBhvr>
+                                      <p:to>
+                                        <p:strVal val="true"/>
+                                      </p:to>
+                                    </p:set>
+                                  </p:childTnLst>
+                                </p:cTn>
+                              </p:par>
+                            </p:childTnLst>
+                          </p:cTn>
+                        </p:par>
+                        <p:par>
+                          <p:cTn id="13" fill="hold">
+                            <p:stCondLst>
+                              <p:cond delay="1000"/>
+                            </p:stCondLst>
+                            <p:childTnLst>
+                              <p:par>
+                                <p:cTn id="14" presetID="10" presetClass="entr" presetSubtype="0" fill="hold" grpId="0" nodeType="afterEffect">
+                                  <p:stCondLst>
+                                    <p:cond delay="0"/>
+                                  </p:stCondLst>
+                                  <p:childTnLst>
+                                    <p:set>
+                                      <p:cBhvr>
+                                        <p:cTn id="15" dur="1" fill="hold">
+                                          <p:stCondLst>
+                                            <p:cond delay="0"/>
+                                          </p:stCondLst>
+                                        </p:cTn>
+                                        <p:tgtEl>
+                                          <p:spTgt spid="3"/>
+                                        </p:tgtEl>
+                                        <p:attrNameLst>
+                                          <p:attrName>style.visibility</p:attrName>
+                                        </p:attrNameLst>
+                                      </p:cBhvr>
+                                      <p:to>
+                                        <p:strVal val="visible"/>
+                                      </p:to>
+                                    </p:set>
+                                    <p:animEffect transition="in" filter="fade">
+                                      <p:cBhvr>
+                                        <p:cTn id="16" dur="1500"/>
+                                        <p:tgtEl>
+                                          <p:spTgt spid="3"/>
+                                        </p:tgtEl>
+                                      </p:cBhvr>
+                                    </p:animEffect>
+                                  </p:childTnLst>
+                                </p:cTn>
+                              </p:par>
+                              <p:par>
+                                <p:cTn id="17" presetID="1" presetClass="emph" presetSubtype="2" fill="hold" nodeType="withEffect">
+                                  <p:stCondLst>
+                                    <p:cond delay="0"/>
+                                  </p:stCondLst>
+                                  <p:childTnLst>
+                                    <p:animClr clrSpc="rgb" dir="cw">
+                                      <p:cBhvr>
+                                        <p:cTn id="18" dur="1000" fill="hold"/>
+                                        <p:tgtEl>
+                                          <p:spTgt spid="47"/>
+                                        </p:tgtEl>
+                                        <p:attrNameLst>
+                                          <p:attrName>fillcolor</p:attrName>
+                                        </p:attrNameLst>
+                                      </p:cBhvr>
+                                      <p:to>
+                                        <a:srgbClr val="E7E7E7"/>
+                                      </p:to>
+                                    </p:animClr>
+                                    <p:set>
+                                      <p:cBhvr>
+                                        <p:cTn id="19" dur="1000" fill="hold"/>
+                                        <p:tgtEl>
+                                          <p:spTgt spid="47"/>
+                                        </p:tgtEl>
+                                        <p:attrNameLst>
+                                          <p:attrName>fill.type</p:attrName>
+                                        </p:attrNameLst>
+                                      </p:cBhvr>
+                                      <p:to>
+                                        <p:strVal val="solid"/>
+                                      </p:to>
+                                    </p:set>
+                                    <p:set>
+                                      <p:cBhvr>
+                                        <p:cTn id="20" dur="1000" fill="hold"/>
+                                        <p:tgtEl>
+                                          <p:spTgt spid="47"/>
+                                        </p:tgtEl>
+                                        <p:attrNameLst>
+                                          <p:attrName>fill.on</p:attrName>
+                                        </p:attrNameLst>
+                                      </p:cBhvr>
+                                      <p:to>
+                                        <p:strVal val="true"/>
+                                      </p:to>
+                                    </p:set>
+                                  </p:childTnLst>
+                                </p:cTn>
+                              </p:par>
+                            </p:childTnLst>
+                          </p:cTn>
+                        </p:par>
+                      </p:childTnLst>
+                    </p:cTn>
+                  </p:par>
+                </p:childTnLst>
+              </p:cTn>
+              <p:prevCondLst>
+                <p:cond evt="onPrev" delay="0">
+                  <p:tgtEl>
+                    <p:sldTgt/>
+                  </p:tgtEl>
+                </p:cond>
+              </p:prevCondLst>
+              <p:nextCondLst>
+                <p:cond evt="onNext" delay="0">
+                  <p:tgtEl>
+                    <p:sldTgt/>
+                  </p:tgtEl>
+                </p:cond>
+              </p:nextCondLst>
+            </p:seq>
+          </p:childTnLst>
+        </p:cTn>
+      </p:par>
+    </p:tnLst>
+    <p:bldLst>
+      <p:bldP spid="3" grpId="0" animBg="1"/>
+    </p:bldLst>
+  </p:timing>
+</p:sld>
+</file>
+
+<file path=ppt/slides/slide18.xml><?xml version="1.0" encoding="utf-8"?>
+<p:sld xmlns:a="http://schemas.openxmlformats.org/drawingml/2006/main" xmlns:r="http://schemas.openxmlformats.org/officeDocument/2006/relationships" xmlns:p="http://schemas.openxmlformats.org/presentationml/2006/main">
+  <p:cSld>
+    <p:spTree>
+      <p:nvGrpSpPr>
+        <p:cNvPr id="1" name=""/>
+        <p:cNvGrpSpPr/>
+        <p:nvPr/>
+      </p:nvGrpSpPr>
+      <p:grpSpPr>
+        <a:xfrm>
+          <a:off x="0" y="0"/>
+          <a:ext cx="0" cy="0"/>
+          <a:chOff x="0" y="0"/>
+          <a:chExt cx="0" cy="0"/>
+        </a:xfrm>
+      </p:grpSpPr>
+      <p:sp>
+        <p:nvSpPr>
+          <p:cNvPr id="8" name="TextBox 7">
+            <a:extLst>
+              <a:ext uri="{FF2B5EF4-FFF2-40B4-BE49-F238E27FC236}">
+                <a16:creationId xmlns:a16="http://schemas.microsoft.com/office/drawing/2014/main" id="{370A3E94-958E-98FF-E8AD-B334A5F9260C}"/>
+              </a:ext>
+            </a:extLst>
+          </p:cNvPr>
+          <p:cNvSpPr txBox="1"/>
+          <p:nvPr/>
+        </p:nvSpPr>
+        <p:spPr>
+          <a:xfrm>
+            <a:off x="0" y="933687"/>
+            <a:ext cx="12192000" cy="1015663"/>
+          </a:xfrm>
+          <a:prstGeom prst="rect">
+            <a:avLst/>
+          </a:prstGeom>
+          <a:noFill/>
+        </p:spPr>
+        <p:txBody>
+          <a:bodyPr wrap="square" rtlCol="0">
+            <a:spAutoFit/>
+          </a:bodyPr>
+          <a:lstStyle/>
+          <a:p>
+            <a:pPr algn="ctr"/>
+            <a:r>
+              <a:rPr lang="en-US" altLang="ko-KR" sz="6000" b="1">
+                <a:latin typeface="한컴 말랑말랑 Bold" panose="020F0803000000000000" pitchFamily="50" charset="-127"/>
+                <a:ea typeface="한컴 말랑말랑 Bold" panose="020F0803000000000000" pitchFamily="50" charset="-127"/>
+              </a:rPr>
+              <a:t>Step 4, </a:t>
+            </a:r>
+            <a:r>
+              <a:rPr lang="ko-KR" altLang="en-US" sz="6000" b="1" dirty="0">
+                <a:latin typeface="한컴 말랑말랑 Bold" panose="020F0803000000000000" pitchFamily="50" charset="-127"/>
+                <a:ea typeface="한컴 말랑말랑 Bold" panose="020F0803000000000000" pitchFamily="50" charset="-127"/>
+              </a:rPr>
+              <a:t>가성비 필터링 알고리즘</a:t>
+            </a:r>
+          </a:p>
+        </p:txBody>
+      </p:sp>
+      <p:pic>
+        <p:nvPicPr>
+          <p:cNvPr id="2050" name="Picture 2" descr="전통주 대신 수입맥주…청년들이 전통주 외면하는 이유는?">
+            <a:extLst>
+              <a:ext uri="{FF2B5EF4-FFF2-40B4-BE49-F238E27FC236}">
+                <a16:creationId xmlns:a16="http://schemas.microsoft.com/office/drawing/2014/main" id="{EA37BBEA-2E92-1D44-B935-7111B662F2A5}"/>
+              </a:ext>
+            </a:extLst>
+          </p:cNvPr>
+          <p:cNvPicPr>
+            <a:picLocks noChangeAspect="1" noChangeArrowheads="1"/>
+          </p:cNvPicPr>
+          <p:nvPr/>
+        </p:nvPicPr>
+        <p:blipFill>
+          <a:blip r:embed="rId2">
+            <a:extLst>
+              <a:ext uri="{28A0092B-C50C-407E-A947-70E740481C1C}">
+                <a14:useLocalDpi xmlns:a14="http://schemas.microsoft.com/office/drawing/2010/main" val="0"/>
+              </a:ext>
+            </a:extLst>
+          </a:blip>
+          <a:srcRect/>
+          <a:stretch>
+            <a:fillRect/>
+          </a:stretch>
+        </p:blipFill>
+        <p:spPr bwMode="auto">
+          <a:xfrm>
+            <a:off x="0" y="2194560"/>
+            <a:ext cx="12192000" cy="4663440"/>
+          </a:xfrm>
+          <a:prstGeom prst="rect">
+            <a:avLst/>
+          </a:prstGeom>
+          <a:noFill/>
+          <a:extLst>
+            <a:ext uri="{909E8E84-426E-40DD-AFC4-6F175D3DCCD1}">
+              <a14:hiddenFill xmlns:a14="http://schemas.microsoft.com/office/drawing/2010/main">
+                <a:solidFill>
+                  <a:srgbClr val="FFFFFF"/>
+                </a:solidFill>
+              </a14:hiddenFill>
+            </a:ext>
+          </a:extLst>
+        </p:spPr>
+      </p:pic>
+    </p:spTree>
+    <p:extLst>
+      <p:ext uri="{BB962C8B-B14F-4D97-AF65-F5344CB8AC3E}">
+        <p14:creationId xmlns:p14="http://schemas.microsoft.com/office/powerpoint/2010/main" val="1154555918"/>
       </p:ext>
     </p:extLst>
   </p:cSld>
@@ -10566,7 +16330,7 @@
         </p:nvSpPr>
         <p:spPr>
           <a:xfrm>
-            <a:off x="0" y="5309515"/>
+            <a:off x="1" y="5300550"/>
             <a:ext cx="12191999" cy="830997"/>
           </a:xfrm>
           <a:prstGeom prst="rect">
@@ -10623,6 +16387,26 @@
                 <a:ea typeface="한컴 말랑말랑 Bold" panose="020F0803000000000000" pitchFamily="50" charset="-127"/>
               </a:rPr>
               <a:t>해당 설문 내용을 바탕으로 </a:t>
+            </a:r>
+            <a:r>
+              <a:rPr lang="en-US" altLang="ko-KR" sz="2400" b="1" dirty="0">
+                <a:solidFill>
+                  <a:srgbClr val="0070C0"/>
+                </a:solidFill>
+                <a:latin typeface="한컴 말랑말랑 Bold" panose="020F0803000000000000" pitchFamily="50" charset="-127"/>
+                <a:ea typeface="한컴 말랑말랑 Bold" panose="020F0803000000000000" pitchFamily="50" charset="-127"/>
+              </a:rPr>
+              <a:t>4</a:t>
+            </a:r>
+            <a:r>
+              <a:rPr lang="ko-KR" altLang="en-US" sz="2400" b="1" dirty="0">
+                <a:solidFill>
+                  <a:srgbClr val="0070C0"/>
+                </a:solidFill>
+                <a:latin typeface="한컴 말랑말랑 Bold" panose="020F0803000000000000" pitchFamily="50" charset="-127"/>
+                <a:ea typeface="한컴 말랑말랑 Bold" panose="020F0803000000000000" pitchFamily="50" charset="-127"/>
+              </a:rPr>
+              <a:t>가지 </a:t>
             </a:r>
             <a:r>
               <a:rPr lang="ko-KR" altLang="en-US" sz="2400" b="1" dirty="0">

--- a/TLRAlgorithm.pptx
+++ b/TLRAlgorithm.pptx
@@ -5,7 +5,7 @@
     <p:sldMasterId id="2147483648" r:id="rId1"/>
   </p:sldMasterIdLst>
   <p:notesMasterIdLst>
-    <p:notesMasterId r:id="rId20"/>
+    <p:notesMasterId r:id="rId21"/>
   </p:notesMasterIdLst>
   <p:sldIdLst>
     <p:sldId id="256" r:id="rId2"/>
@@ -26,6 +26,7 @@
     <p:sldId id="270" r:id="rId17"/>
     <p:sldId id="472" r:id="rId18"/>
     <p:sldId id="473" r:id="rId19"/>
+    <p:sldId id="474" r:id="rId20"/>
   </p:sldIdLst>
   <p:sldSz cx="12192000" cy="6858000"/>
   <p:notesSz cx="6858000" cy="9144000"/>
@@ -14812,7 +14813,7 @@
           <a:p>
             <a:pPr algn="ctr"/>
             <a:r>
-              <a:rPr lang="en-US" altLang="ko-KR" sz="6000" b="1">
+              <a:rPr lang="en-US" altLang="ko-KR" sz="6000" b="1" dirty="0">
                 <a:latin typeface="한컴 말랑말랑 Bold" panose="020F0803000000000000" pitchFamily="50" charset="-127"/>
                 <a:ea typeface="한컴 말랑말랑 Bold" panose="020F0803000000000000" pitchFamily="50" charset="-127"/>
               </a:rPr>
@@ -14823,7 +14824,7 @@
                 <a:latin typeface="한컴 말랑말랑 Bold" panose="020F0803000000000000" pitchFamily="50" charset="-127"/>
                 <a:ea typeface="한컴 말랑말랑 Bold" panose="020F0803000000000000" pitchFamily="50" charset="-127"/>
               </a:rPr>
-              <a:t>가성비 필터링 알고리즘</a:t>
+              <a:t>도수 설정 알고리즘</a:t>
             </a:r>
           </a:p>
         </p:txBody>
@@ -14879,6 +14880,746 @@
     <p:extLst>
       <p:ext uri="{BB962C8B-B14F-4D97-AF65-F5344CB8AC3E}">
         <p14:creationId xmlns:p14="http://schemas.microsoft.com/office/powerpoint/2010/main" val="1154555918"/>
+      </p:ext>
+    </p:extLst>
+  </p:cSld>
+  <p:clrMapOvr>
+    <a:masterClrMapping/>
+  </p:clrMapOvr>
+</p:sld>
+</file>
+
+<file path=ppt/slides/slide19.xml><?xml version="1.0" encoding="utf-8"?>
+<p:sld xmlns:a="http://schemas.openxmlformats.org/drawingml/2006/main" xmlns:r="http://schemas.openxmlformats.org/officeDocument/2006/relationships" xmlns:p="http://schemas.openxmlformats.org/presentationml/2006/main">
+  <p:cSld>
+    <p:spTree>
+      <p:nvGrpSpPr>
+        <p:cNvPr id="1" name=""/>
+        <p:cNvGrpSpPr/>
+        <p:nvPr/>
+      </p:nvGrpSpPr>
+      <p:grpSpPr>
+        <a:xfrm>
+          <a:off x="0" y="0"/>
+          <a:ext cx="0" cy="0"/>
+          <a:chOff x="0" y="0"/>
+          <a:chExt cx="0" cy="0"/>
+        </a:xfrm>
+      </p:grpSpPr>
+      <p:sp>
+        <p:nvSpPr>
+          <p:cNvPr id="11" name="직사각형 10">
+            <a:extLst>
+              <a:ext uri="{FF2B5EF4-FFF2-40B4-BE49-F238E27FC236}">
+                <a16:creationId xmlns:a16="http://schemas.microsoft.com/office/drawing/2014/main" id="{71B79937-BF21-DF01-8EA4-3EB7328BE6B9}"/>
+              </a:ext>
+            </a:extLst>
+          </p:cNvPr>
+          <p:cNvSpPr/>
+          <p:nvPr/>
+        </p:nvSpPr>
+        <p:spPr>
+          <a:xfrm>
+            <a:off x="0" y="0"/>
+            <a:ext cx="12192000" cy="965200"/>
+          </a:xfrm>
+          <a:prstGeom prst="rect">
+            <a:avLst/>
+          </a:prstGeom>
+          <a:solidFill>
+            <a:srgbClr val="BDAA9F"/>
+          </a:solidFill>
+          <a:ln>
+            <a:noFill/>
+          </a:ln>
+        </p:spPr>
+        <p:style>
+          <a:lnRef idx="2">
+            <a:schemeClr val="accent1">
+              <a:shade val="50000"/>
+            </a:schemeClr>
+          </a:lnRef>
+          <a:fillRef idx="1">
+            <a:schemeClr val="accent1"/>
+          </a:fillRef>
+          <a:effectRef idx="0">
+            <a:schemeClr val="accent1"/>
+          </a:effectRef>
+          <a:fontRef idx="minor">
+            <a:schemeClr val="lt1"/>
+          </a:fontRef>
+        </p:style>
+        <p:txBody>
+          <a:bodyPr rtlCol="0" anchor="ctr"/>
+          <a:lstStyle/>
+          <a:p>
+            <a:pPr algn="ctr"/>
+            <a:endParaRPr lang="ko-KR" altLang="en-US">
+              <a:latin typeface="한컴 말랑말랑 Bold" panose="020F0803000000000000" pitchFamily="50" charset="-127"/>
+              <a:ea typeface="한컴 말랑말랑 Bold" panose="020F0803000000000000" pitchFamily="50" charset="-127"/>
+            </a:endParaRPr>
+          </a:p>
+        </p:txBody>
+      </p:sp>
+      <p:sp>
+        <p:nvSpPr>
+          <p:cNvPr id="14" name="TextBox 13">
+            <a:extLst>
+              <a:ext uri="{FF2B5EF4-FFF2-40B4-BE49-F238E27FC236}">
+                <a16:creationId xmlns:a16="http://schemas.microsoft.com/office/drawing/2014/main" id="{453D1162-D58A-E7DC-0A63-A3BC49954DC0}"/>
+              </a:ext>
+            </a:extLst>
+          </p:cNvPr>
+          <p:cNvSpPr txBox="1"/>
+          <p:nvPr/>
+        </p:nvSpPr>
+        <p:spPr>
+          <a:xfrm>
+            <a:off x="0" y="39757"/>
+            <a:ext cx="12192000" cy="830997"/>
+          </a:xfrm>
+          <a:prstGeom prst="rect">
+            <a:avLst/>
+          </a:prstGeom>
+          <a:noFill/>
+        </p:spPr>
+        <p:txBody>
+          <a:bodyPr wrap="square">
+            <a:spAutoFit/>
+          </a:bodyPr>
+          <a:lstStyle/>
+          <a:p>
+            <a:pPr lvl="0" algn="ctr"/>
+            <a:r>
+              <a:rPr lang="ko-KR" altLang="en-US" sz="4800" b="1" dirty="0">
+                <a:latin typeface="한컴 말랑말랑 Bold" panose="020F0803000000000000" pitchFamily="50" charset="-127"/>
+                <a:ea typeface="한컴 말랑말랑 Bold" panose="020F0803000000000000" pitchFamily="50" charset="-127"/>
+              </a:rPr>
+              <a:t>도수 설정 알고리즘 적용단계</a:t>
+            </a:r>
+            <a:endParaRPr lang="ko-KR" altLang="en-US" sz="4800" b="1" dirty="0">
+              <a:solidFill>
+                <a:schemeClr val="tx1">
+                  <a:lumMod val="95000"/>
+                  <a:lumOff val="5000"/>
+                </a:schemeClr>
+              </a:solidFill>
+              <a:effectLst>
+                <a:outerShdw blurRad="38100" dist="38100" dir="2700000" algn="tl">
+                  <a:srgbClr val="000000">
+                    <a:alpha val="43137"/>
+                  </a:srgbClr>
+                </a:outerShdw>
+              </a:effectLst>
+              <a:latin typeface="한컴 말랑말랑 Bold" panose="020F0803000000000000" pitchFamily="50" charset="-127"/>
+              <a:ea typeface="한컴 말랑말랑 Bold" panose="020F0803000000000000" pitchFamily="50" charset="-127"/>
+              <a:cs typeface="KoPubWorld돋움체 Bold" panose="00000800000000000000" pitchFamily="2" charset="-127"/>
+            </a:endParaRPr>
+          </a:p>
+        </p:txBody>
+      </p:sp>
+      <p:pic>
+        <p:nvPicPr>
+          <p:cNvPr id="12" name="그림 11">
+            <a:extLst>
+              <a:ext uri="{FF2B5EF4-FFF2-40B4-BE49-F238E27FC236}">
+                <a16:creationId xmlns:a16="http://schemas.microsoft.com/office/drawing/2014/main" id="{138EAE0F-253D-9FEE-0D53-BDE93D4D4100}"/>
+              </a:ext>
+            </a:extLst>
+          </p:cNvPr>
+          <p:cNvPicPr>
+            <a:picLocks noChangeAspect="1"/>
+          </p:cNvPicPr>
+          <p:nvPr/>
+        </p:nvPicPr>
+        <p:blipFill rotWithShape="1">
+          <a:blip r:embed="rId2"/>
+          <a:srcRect l="1155" t="1336" r="33525" b="1649"/>
+          <a:stretch/>
+        </p:blipFill>
+        <p:spPr>
+          <a:xfrm>
+            <a:off x="0" y="965200"/>
+            <a:ext cx="6338047" cy="5892799"/>
+          </a:xfrm>
+          <a:prstGeom prst="rect">
+            <a:avLst/>
+          </a:prstGeom>
+        </p:spPr>
+      </p:pic>
+      <p:sp>
+        <p:nvSpPr>
+          <p:cNvPr id="15" name="TextBox 14">
+            <a:extLst>
+              <a:ext uri="{FF2B5EF4-FFF2-40B4-BE49-F238E27FC236}">
+                <a16:creationId xmlns:a16="http://schemas.microsoft.com/office/drawing/2014/main" id="{A37A5A88-21B1-FECD-4F54-7E989A26DDD2}"/>
+              </a:ext>
+            </a:extLst>
+          </p:cNvPr>
+          <p:cNvSpPr txBox="1"/>
+          <p:nvPr/>
+        </p:nvSpPr>
+        <p:spPr>
+          <a:xfrm>
+            <a:off x="6338044" y="1683887"/>
+            <a:ext cx="5853952" cy="461665"/>
+          </a:xfrm>
+          <a:prstGeom prst="rect">
+            <a:avLst/>
+          </a:prstGeom>
+          <a:noFill/>
+        </p:spPr>
+        <p:txBody>
+          <a:bodyPr wrap="square" rtlCol="0">
+            <a:spAutoFit/>
+          </a:bodyPr>
+          <a:lstStyle/>
+          <a:p>
+            <a:pPr algn="ctr"/>
+            <a:r>
+              <a:rPr lang="ko-KR" altLang="en-US" sz="2400" b="1" dirty="0">
+                <a:latin typeface="한컴 말랑말랑 Bold" panose="020F0803000000000000" pitchFamily="50" charset="-127"/>
+                <a:ea typeface="한컴 말랑말랑 Bold" panose="020F0803000000000000" pitchFamily="50" charset="-127"/>
+              </a:rPr>
+              <a:t>가성비 필터링 알고리즘 </a:t>
+            </a:r>
+          </a:p>
+        </p:txBody>
+      </p:sp>
+      <p:sp>
+        <p:nvSpPr>
+          <p:cNvPr id="17" name="TextBox 16">
+            <a:extLst>
+              <a:ext uri="{FF2B5EF4-FFF2-40B4-BE49-F238E27FC236}">
+                <a16:creationId xmlns:a16="http://schemas.microsoft.com/office/drawing/2014/main" id="{BE0DCC48-DB16-5162-C20D-FEF1E19F140D}"/>
+              </a:ext>
+            </a:extLst>
+          </p:cNvPr>
+          <p:cNvSpPr txBox="1"/>
+          <p:nvPr/>
+        </p:nvSpPr>
+        <p:spPr>
+          <a:xfrm>
+            <a:off x="6454589" y="4296069"/>
+            <a:ext cx="5737408" cy="1815882"/>
+          </a:xfrm>
+          <a:prstGeom prst="rect">
+            <a:avLst/>
+          </a:prstGeom>
+          <a:noFill/>
+        </p:spPr>
+        <p:txBody>
+          <a:bodyPr wrap="square" rtlCol="0">
+            <a:spAutoFit/>
+          </a:bodyPr>
+          <a:lstStyle/>
+          <a:p>
+            <a:pPr algn="ctr"/>
+            <a:r>
+              <a:rPr lang="ko-KR" altLang="en-US" sz="1600" dirty="0">
+                <a:latin typeface="한컴 말랑말랑 Bold" panose="020F0803000000000000" pitchFamily="50" charset="-127"/>
+                <a:ea typeface="한컴 말랑말랑 Bold" panose="020F0803000000000000" pitchFamily="50" charset="-127"/>
+              </a:rPr>
+              <a:t>각 집단에 대해 다음과 같은 추천 방식을 적용</a:t>
+            </a:r>
+            <a:endParaRPr lang="en-US" altLang="ko-KR" sz="1600" dirty="0">
+              <a:latin typeface="한컴 말랑말랑 Bold" panose="020F0803000000000000" pitchFamily="50" charset="-127"/>
+              <a:ea typeface="한컴 말랑말랑 Bold" panose="020F0803000000000000" pitchFamily="50" charset="-127"/>
+            </a:endParaRPr>
+          </a:p>
+          <a:p>
+            <a:pPr marL="285750" indent="-285750">
+              <a:buFontTx/>
+              <a:buChar char="-"/>
+            </a:pPr>
+            <a:endParaRPr lang="en-US" altLang="ko-KR" sz="1600" dirty="0">
+              <a:latin typeface="한컴 말랑말랑 Bold" panose="020F0803000000000000" pitchFamily="50" charset="-127"/>
+              <a:ea typeface="한컴 말랑말랑 Bold" panose="020F0803000000000000" pitchFamily="50" charset="-127"/>
+            </a:endParaRPr>
+          </a:p>
+          <a:p>
+            <a:r>
+              <a:rPr lang="en-US" altLang="ko-KR" sz="1600" dirty="0">
+                <a:latin typeface="한컴 말랑말랑 Bold" panose="020F0803000000000000" pitchFamily="50" charset="-127"/>
+                <a:ea typeface="한컴 말랑말랑 Bold" panose="020F0803000000000000" pitchFamily="50" charset="-127"/>
+              </a:rPr>
+              <a:t>	(1) </a:t>
+            </a:r>
+            <a:r>
+              <a:rPr lang="ko-KR" altLang="en-US" sz="1600" dirty="0">
+                <a:latin typeface="한컴 말랑말랑 Bold" panose="020F0803000000000000" pitchFamily="50" charset="-127"/>
+                <a:ea typeface="한컴 말랑말랑 Bold" panose="020F0803000000000000" pitchFamily="50" charset="-127"/>
+              </a:rPr>
+              <a:t>가성비가 중요하지 않은 집단</a:t>
+            </a:r>
+            <a:endParaRPr lang="en-US" altLang="ko-KR" sz="1600" dirty="0">
+              <a:latin typeface="한컴 말랑말랑 Bold" panose="020F0803000000000000" pitchFamily="50" charset="-127"/>
+              <a:ea typeface="한컴 말랑말랑 Bold" panose="020F0803000000000000" pitchFamily="50" charset="-127"/>
+            </a:endParaRPr>
+          </a:p>
+          <a:p>
+            <a:r>
+              <a:rPr lang="en-US" altLang="ko-KR" sz="1600" dirty="0">
+                <a:latin typeface="한컴 말랑말랑 Bold" panose="020F0803000000000000" pitchFamily="50" charset="-127"/>
+                <a:ea typeface="한컴 말랑말랑 Bold" panose="020F0803000000000000" pitchFamily="50" charset="-127"/>
+              </a:rPr>
+              <a:t>     	-&gt; </a:t>
+            </a:r>
+            <a:r>
+              <a:rPr lang="ko-KR" altLang="en-US" sz="1600" dirty="0">
+                <a:latin typeface="한컴 말랑말랑 Bold" panose="020F0803000000000000" pitchFamily="50" charset="-127"/>
+                <a:ea typeface="한컴 말랑말랑 Bold" panose="020F0803000000000000" pitchFamily="50" charset="-127"/>
+              </a:rPr>
+              <a:t>가성비에 상관 없이 </a:t>
+            </a:r>
+            <a:r>
+              <a:rPr lang="ko-KR" altLang="en-US" sz="1600" dirty="0">
+                <a:solidFill>
+                  <a:srgbClr val="00B0F0"/>
+                </a:solidFill>
+                <a:latin typeface="한컴 말랑말랑 Bold" panose="020F0803000000000000" pitchFamily="50" charset="-127"/>
+                <a:ea typeface="한컴 말랑말랑 Bold" panose="020F0803000000000000" pitchFamily="50" charset="-127"/>
+              </a:rPr>
+              <a:t>모든 술을 추천</a:t>
+            </a:r>
+            <a:endParaRPr lang="en-US" altLang="ko-KR" sz="1600" dirty="0">
+              <a:solidFill>
+                <a:srgbClr val="00B0F0"/>
+              </a:solidFill>
+              <a:latin typeface="한컴 말랑말랑 Bold" panose="020F0803000000000000" pitchFamily="50" charset="-127"/>
+              <a:ea typeface="한컴 말랑말랑 Bold" panose="020F0803000000000000" pitchFamily="50" charset="-127"/>
+            </a:endParaRPr>
+          </a:p>
+          <a:p>
+            <a:endParaRPr lang="en-US" altLang="ko-KR" sz="1600" dirty="0">
+              <a:latin typeface="한컴 말랑말랑 Bold" panose="020F0803000000000000" pitchFamily="50" charset="-127"/>
+              <a:ea typeface="한컴 말랑말랑 Bold" panose="020F0803000000000000" pitchFamily="50" charset="-127"/>
+            </a:endParaRPr>
+          </a:p>
+          <a:p>
+            <a:r>
+              <a:rPr lang="en-US" altLang="ko-KR" sz="1600" dirty="0">
+                <a:latin typeface="한컴 말랑말랑 Bold" panose="020F0803000000000000" pitchFamily="50" charset="-127"/>
+                <a:ea typeface="한컴 말랑말랑 Bold" panose="020F0803000000000000" pitchFamily="50" charset="-127"/>
+              </a:rPr>
+              <a:t>	(2) </a:t>
+            </a:r>
+            <a:r>
+              <a:rPr lang="ko-KR" altLang="en-US" sz="1600" dirty="0">
+                <a:latin typeface="한컴 말랑말랑 Bold" panose="020F0803000000000000" pitchFamily="50" charset="-127"/>
+                <a:ea typeface="한컴 말랑말랑 Bold" panose="020F0803000000000000" pitchFamily="50" charset="-127"/>
+              </a:rPr>
+              <a:t>가성비를 중요하게 생각하는 집단</a:t>
+            </a:r>
+            <a:endParaRPr lang="en-US" altLang="ko-KR" sz="1600" dirty="0">
+              <a:latin typeface="한컴 말랑말랑 Bold" panose="020F0803000000000000" pitchFamily="50" charset="-127"/>
+              <a:ea typeface="한컴 말랑말랑 Bold" panose="020F0803000000000000" pitchFamily="50" charset="-127"/>
+            </a:endParaRPr>
+          </a:p>
+          <a:p>
+            <a:r>
+              <a:rPr lang="en-US" altLang="ko-KR" sz="1600" dirty="0">
+                <a:latin typeface="한컴 말랑말랑 Bold" panose="020F0803000000000000" pitchFamily="50" charset="-127"/>
+                <a:ea typeface="한컴 말랑말랑 Bold" panose="020F0803000000000000" pitchFamily="50" charset="-127"/>
+              </a:rPr>
+              <a:t>    	 -&gt; </a:t>
+            </a:r>
+            <a:r>
+              <a:rPr lang="ko-KR" altLang="en-US" sz="1600" dirty="0">
+                <a:latin typeface="한컴 말랑말랑 Bold" panose="020F0803000000000000" pitchFamily="50" charset="-127"/>
+                <a:ea typeface="한컴 말랑말랑 Bold" panose="020F0803000000000000" pitchFamily="50" charset="-127"/>
+              </a:rPr>
+              <a:t>일정 수준의 가성비를 제시하고 </a:t>
+            </a:r>
+            <a:r>
+              <a:rPr lang="ko-KR" altLang="en-US" sz="1600" dirty="0">
+                <a:solidFill>
+                  <a:srgbClr val="00B0F0"/>
+                </a:solidFill>
+                <a:latin typeface="한컴 말랑말랑 Bold" panose="020F0803000000000000" pitchFamily="50" charset="-127"/>
+                <a:ea typeface="한컴 말랑말랑 Bold" panose="020F0803000000000000" pitchFamily="50" charset="-127"/>
+              </a:rPr>
+              <a:t>그 이상의 술 추천</a:t>
+            </a:r>
+            <a:endParaRPr lang="en-US" altLang="ko-KR" sz="1600" dirty="0">
+              <a:solidFill>
+                <a:srgbClr val="00B0F0"/>
+              </a:solidFill>
+              <a:latin typeface="한컴 말랑말랑 Bold" panose="020F0803000000000000" pitchFamily="50" charset="-127"/>
+              <a:ea typeface="한컴 말랑말랑 Bold" panose="020F0803000000000000" pitchFamily="50" charset="-127"/>
+            </a:endParaRPr>
+          </a:p>
+        </p:txBody>
+      </p:sp>
+      <p:sp>
+        <p:nvSpPr>
+          <p:cNvPr id="2" name="직사각형 1">
+            <a:extLst>
+              <a:ext uri="{FF2B5EF4-FFF2-40B4-BE49-F238E27FC236}">
+                <a16:creationId xmlns:a16="http://schemas.microsoft.com/office/drawing/2014/main" id="{F7E2BAC1-AC7B-11DA-1643-9790DDC4AA9B}"/>
+              </a:ext>
+            </a:extLst>
+          </p:cNvPr>
+          <p:cNvSpPr/>
+          <p:nvPr/>
+        </p:nvSpPr>
+        <p:spPr>
+          <a:xfrm>
+            <a:off x="26893" y="5056098"/>
+            <a:ext cx="6275291" cy="546847"/>
+          </a:xfrm>
+          <a:prstGeom prst="rect">
+            <a:avLst/>
+          </a:prstGeom>
+          <a:noFill/>
+          <a:ln w="57150">
+            <a:solidFill>
+              <a:srgbClr val="FF0000"/>
+            </a:solidFill>
+          </a:ln>
+        </p:spPr>
+        <p:style>
+          <a:lnRef idx="2">
+            <a:schemeClr val="accent1">
+              <a:shade val="15000"/>
+            </a:schemeClr>
+          </a:lnRef>
+          <a:fillRef idx="1">
+            <a:schemeClr val="accent1"/>
+          </a:fillRef>
+          <a:effectRef idx="0">
+            <a:schemeClr val="accent1"/>
+          </a:effectRef>
+          <a:fontRef idx="minor">
+            <a:schemeClr val="lt1"/>
+          </a:fontRef>
+        </p:style>
+        <p:txBody>
+          <a:bodyPr rtlCol="0" anchor="ctr"/>
+          <a:lstStyle/>
+          <a:p>
+            <a:pPr algn="ctr"/>
+            <a:endParaRPr lang="ko-KR" altLang="en-US">
+              <a:latin typeface="한컴 말랑말랑 Bold" panose="020F0803000000000000" pitchFamily="50" charset="-127"/>
+              <a:ea typeface="한컴 말랑말랑 Bold" panose="020F0803000000000000" pitchFamily="50" charset="-127"/>
+            </a:endParaRPr>
+          </a:p>
+        </p:txBody>
+      </p:sp>
+      <p:sp>
+        <p:nvSpPr>
+          <p:cNvPr id="3" name="TextBox 2">
+            <a:extLst>
+              <a:ext uri="{FF2B5EF4-FFF2-40B4-BE49-F238E27FC236}">
+                <a16:creationId xmlns:a16="http://schemas.microsoft.com/office/drawing/2014/main" id="{E013EA86-65ED-916E-C145-111F9EAFFEF7}"/>
+              </a:ext>
+            </a:extLst>
+          </p:cNvPr>
+          <p:cNvSpPr txBox="1"/>
+          <p:nvPr/>
+        </p:nvSpPr>
+        <p:spPr>
+          <a:xfrm>
+            <a:off x="5459507" y="4713661"/>
+            <a:ext cx="1013013" cy="369332"/>
+          </a:xfrm>
+          <a:prstGeom prst="rect">
+            <a:avLst/>
+          </a:prstGeom>
+          <a:noFill/>
+        </p:spPr>
+        <p:txBody>
+          <a:bodyPr wrap="square" rtlCol="0">
+            <a:spAutoFit/>
+          </a:bodyPr>
+          <a:lstStyle/>
+          <a:p>
+            <a:r>
+              <a:rPr lang="ko-KR" altLang="en-US" dirty="0">
+                <a:solidFill>
+                  <a:srgbClr val="C00000"/>
+                </a:solidFill>
+                <a:latin typeface="한컴 말랑말랑 Bold" panose="020F0803000000000000" pitchFamily="50" charset="-127"/>
+                <a:ea typeface="한컴 말랑말랑 Bold" panose="020F0803000000000000" pitchFamily="50" charset="-127"/>
+              </a:rPr>
+              <a:t>적용단계</a:t>
+            </a:r>
+          </a:p>
+        </p:txBody>
+      </p:sp>
+      <p:sp>
+        <p:nvSpPr>
+          <p:cNvPr id="22" name="사각형: 둥근 모서리 21">
+            <a:extLst>
+              <a:ext uri="{FF2B5EF4-FFF2-40B4-BE49-F238E27FC236}">
+                <a16:creationId xmlns:a16="http://schemas.microsoft.com/office/drawing/2014/main" id="{86BF5E67-C8F6-101E-446E-D925120F37DF}"/>
+              </a:ext>
+            </a:extLst>
+          </p:cNvPr>
+          <p:cNvSpPr/>
+          <p:nvPr/>
+        </p:nvSpPr>
+        <p:spPr>
+          <a:xfrm>
+            <a:off x="6831106" y="2214282"/>
+            <a:ext cx="4724400" cy="1801906"/>
+          </a:xfrm>
+          <a:prstGeom prst="roundRect">
+            <a:avLst/>
+          </a:prstGeom>
+          <a:noFill/>
+          <a:ln w="57150">
+            <a:solidFill>
+              <a:schemeClr val="tx1"/>
+            </a:solidFill>
+          </a:ln>
+        </p:spPr>
+        <p:style>
+          <a:lnRef idx="2">
+            <a:schemeClr val="accent1">
+              <a:shade val="15000"/>
+            </a:schemeClr>
+          </a:lnRef>
+          <a:fillRef idx="1">
+            <a:schemeClr val="accent1"/>
+          </a:fillRef>
+          <a:effectRef idx="0">
+            <a:schemeClr val="accent1"/>
+          </a:effectRef>
+          <a:fontRef idx="minor">
+            <a:schemeClr val="lt1"/>
+          </a:fontRef>
+        </p:style>
+        <p:txBody>
+          <a:bodyPr rtlCol="0" anchor="ctr"/>
+          <a:lstStyle/>
+          <a:p>
+            <a:pPr algn="ctr"/>
+            <a:endParaRPr lang="ko-KR" altLang="en-US">
+              <a:latin typeface="한컴 말랑말랑 Bold" panose="020F0803000000000000" pitchFamily="50" charset="-127"/>
+              <a:ea typeface="한컴 말랑말랑 Bold" panose="020F0803000000000000" pitchFamily="50" charset="-127"/>
+            </a:endParaRPr>
+          </a:p>
+        </p:txBody>
+      </p:sp>
+      <p:grpSp>
+        <p:nvGrpSpPr>
+          <p:cNvPr id="26" name="그룹 25">
+            <a:extLst>
+              <a:ext uri="{FF2B5EF4-FFF2-40B4-BE49-F238E27FC236}">
+                <a16:creationId xmlns:a16="http://schemas.microsoft.com/office/drawing/2014/main" id="{CEBC12BE-E643-42C5-5514-90A00AFD9F50}"/>
+              </a:ext>
+            </a:extLst>
+          </p:cNvPr>
+          <p:cNvGrpSpPr/>
+          <p:nvPr/>
+        </p:nvGrpSpPr>
+        <p:grpSpPr>
+          <a:xfrm>
+            <a:off x="7005917" y="2355918"/>
+            <a:ext cx="1945340" cy="1624410"/>
+            <a:chOff x="7005917" y="2355918"/>
+            <a:chExt cx="1945340" cy="1624410"/>
+          </a:xfrm>
+        </p:grpSpPr>
+        <p:pic>
+          <p:nvPicPr>
+            <p:cNvPr id="2050" name="Picture 2" descr="Group ">
+              <a:extLst>
+                <a:ext uri="{FF2B5EF4-FFF2-40B4-BE49-F238E27FC236}">
+                  <a16:creationId xmlns:a16="http://schemas.microsoft.com/office/drawing/2014/main" id="{FF5A2F6C-2ACC-0BB2-353E-CA3238773253}"/>
+                </a:ext>
+              </a:extLst>
+            </p:cNvPr>
+            <p:cNvPicPr>
+              <a:picLocks noChangeAspect="1" noChangeArrowheads="1"/>
+            </p:cNvPicPr>
+            <p:nvPr/>
+          </p:nvPicPr>
+          <p:blipFill>
+            <a:blip r:embed="rId3">
+              <a:extLst>
+                <a:ext uri="{28A0092B-C50C-407E-A947-70E740481C1C}">
+                  <a14:useLocalDpi xmlns:a14="http://schemas.microsoft.com/office/drawing/2010/main" val="0"/>
+                </a:ext>
+              </a:extLst>
+            </a:blip>
+            <a:srcRect/>
+            <a:stretch>
+              <a:fillRect/>
+            </a:stretch>
+          </p:blipFill>
+          <p:spPr bwMode="auto">
+            <a:xfrm>
+              <a:off x="7436221" y="2355918"/>
+              <a:ext cx="1219200" cy="1219200"/>
+            </a:xfrm>
+            <a:prstGeom prst="rect">
+              <a:avLst/>
+            </a:prstGeom>
+            <a:noFill/>
+            <a:extLst>
+              <a:ext uri="{909E8E84-426E-40DD-AFC4-6F175D3DCCD1}">
+                <a14:hiddenFill xmlns:a14="http://schemas.microsoft.com/office/drawing/2010/main">
+                  <a:solidFill>
+                    <a:srgbClr val="FFFFFF"/>
+                  </a:solidFill>
+                </a14:hiddenFill>
+              </a:ext>
+            </a:extLst>
+          </p:spPr>
+        </p:pic>
+        <p:sp>
+          <p:nvSpPr>
+            <p:cNvPr id="23" name="TextBox 22">
+              <a:extLst>
+                <a:ext uri="{FF2B5EF4-FFF2-40B4-BE49-F238E27FC236}">
+                  <a16:creationId xmlns:a16="http://schemas.microsoft.com/office/drawing/2014/main" id="{496FA183-D77C-B4F1-CCD9-6481D8A0961E}"/>
+                </a:ext>
+              </a:extLst>
+            </p:cNvPr>
+            <p:cNvSpPr txBox="1"/>
+            <p:nvPr/>
+          </p:nvSpPr>
+          <p:spPr>
+            <a:xfrm>
+              <a:off x="7005917" y="3672551"/>
+              <a:ext cx="1945340" cy="307777"/>
+            </a:xfrm>
+            <a:prstGeom prst="rect">
+              <a:avLst/>
+            </a:prstGeom>
+            <a:noFill/>
+          </p:spPr>
+          <p:txBody>
+            <a:bodyPr wrap="square" rtlCol="0">
+              <a:spAutoFit/>
+            </a:bodyPr>
+            <a:lstStyle/>
+            <a:p>
+              <a:pPr algn="ctr"/>
+              <a:r>
+                <a:rPr lang="ko-KR" altLang="en-US" sz="1400" b="1" dirty="0">
+                  <a:latin typeface="한컴 말랑말랑 Bold" panose="020F0803000000000000" pitchFamily="50" charset="-127"/>
+                  <a:ea typeface="한컴 말랑말랑 Bold" panose="020F0803000000000000" pitchFamily="50" charset="-127"/>
+                </a:rPr>
+                <a:t>평소에 마시던 도수 선호</a:t>
+              </a:r>
+            </a:p>
+          </p:txBody>
+        </p:sp>
+      </p:grpSp>
+      <p:grpSp>
+        <p:nvGrpSpPr>
+          <p:cNvPr id="25" name="그룹 24">
+            <a:extLst>
+              <a:ext uri="{FF2B5EF4-FFF2-40B4-BE49-F238E27FC236}">
+                <a16:creationId xmlns:a16="http://schemas.microsoft.com/office/drawing/2014/main" id="{F51786BE-184B-2690-FE9D-D308C1E847B3}"/>
+              </a:ext>
+            </a:extLst>
+          </p:cNvPr>
+          <p:cNvGrpSpPr/>
+          <p:nvPr/>
+        </p:nvGrpSpPr>
+        <p:grpSpPr>
+          <a:xfrm>
+            <a:off x="9323293" y="2487705"/>
+            <a:ext cx="2034989" cy="1495599"/>
+            <a:chOff x="9323293" y="2505635"/>
+            <a:chExt cx="2034989" cy="1495599"/>
+          </a:xfrm>
+        </p:grpSpPr>
+        <p:pic>
+          <p:nvPicPr>
+            <p:cNvPr id="2052" name="Picture 4" descr="Team">
+              <a:extLst>
+                <a:ext uri="{FF2B5EF4-FFF2-40B4-BE49-F238E27FC236}">
+                  <a16:creationId xmlns:a16="http://schemas.microsoft.com/office/drawing/2014/main" id="{C0D461E1-1EEC-6EC9-2B7C-06E131BC1090}"/>
+                </a:ext>
+              </a:extLst>
+            </p:cNvPr>
+            <p:cNvPicPr>
+              <a:picLocks noChangeAspect="1" noChangeArrowheads="1"/>
+            </p:cNvPicPr>
+            <p:nvPr/>
+          </p:nvPicPr>
+          <p:blipFill>
+            <a:blip r:embed="rId4">
+              <a:extLst>
+                <a:ext uri="{28A0092B-C50C-407E-A947-70E740481C1C}">
+                  <a14:useLocalDpi xmlns:a14="http://schemas.microsoft.com/office/drawing/2010/main" val="0"/>
+                </a:ext>
+              </a:extLst>
+            </a:blip>
+            <a:srcRect/>
+            <a:stretch>
+              <a:fillRect/>
+            </a:stretch>
+          </p:blipFill>
+          <p:spPr bwMode="auto">
+            <a:xfrm>
+              <a:off x="9789459" y="2505635"/>
+              <a:ext cx="1219200" cy="1219200"/>
+            </a:xfrm>
+            <a:prstGeom prst="rect">
+              <a:avLst/>
+            </a:prstGeom>
+            <a:noFill/>
+            <a:extLst>
+              <a:ext uri="{909E8E84-426E-40DD-AFC4-6F175D3DCCD1}">
+                <a14:hiddenFill xmlns:a14="http://schemas.microsoft.com/office/drawing/2010/main">
+                  <a:solidFill>
+                    <a:srgbClr val="FFFFFF"/>
+                  </a:solidFill>
+                </a14:hiddenFill>
+              </a:ext>
+            </a:extLst>
+          </p:spPr>
+        </p:pic>
+        <p:sp>
+          <p:nvSpPr>
+            <p:cNvPr id="24" name="TextBox 23">
+              <a:extLst>
+                <a:ext uri="{FF2B5EF4-FFF2-40B4-BE49-F238E27FC236}">
+                  <a16:creationId xmlns:a16="http://schemas.microsoft.com/office/drawing/2014/main" id="{81EC4615-9BC7-0E8C-2B03-4D665E6FB6D5}"/>
+                </a:ext>
+              </a:extLst>
+            </p:cNvPr>
+            <p:cNvSpPr txBox="1"/>
+            <p:nvPr/>
+          </p:nvSpPr>
+          <p:spPr>
+            <a:xfrm>
+              <a:off x="9323293" y="3693457"/>
+              <a:ext cx="2034989" cy="307777"/>
+            </a:xfrm>
+            <a:prstGeom prst="rect">
+              <a:avLst/>
+            </a:prstGeom>
+            <a:noFill/>
+          </p:spPr>
+          <p:txBody>
+            <a:bodyPr wrap="square" rtlCol="0">
+              <a:spAutoFit/>
+            </a:bodyPr>
+            <a:lstStyle/>
+            <a:p>
+              <a:pPr algn="ctr"/>
+              <a:r>
+                <a:rPr lang="ko-KR" altLang="en-US" sz="1400" b="1" dirty="0">
+                  <a:latin typeface="한컴 말랑말랑 Bold" panose="020F0803000000000000" pitchFamily="50" charset="-127"/>
+                  <a:ea typeface="한컴 말랑말랑 Bold" panose="020F0803000000000000" pitchFamily="50" charset="-127"/>
+                </a:rPr>
+                <a:t>도수에 상관없이 선호</a:t>
+              </a:r>
+            </a:p>
+          </p:txBody>
+        </p:sp>
+      </p:grpSp>
+    </p:spTree>
+    <p:extLst>
+      <p:ext uri="{BB962C8B-B14F-4D97-AF65-F5344CB8AC3E}">
+        <p14:creationId xmlns:p14="http://schemas.microsoft.com/office/powerpoint/2010/main" val="1672274863"/>
       </p:ext>
     </p:extLst>
   </p:cSld>

--- a/TLRAlgorithm.pptx
+++ b/TLRAlgorithm.pptx
@@ -215,7 +215,7 @@
           <a:p>
             <a:fld id="{982EA37D-F867-417D-B73C-20EBEB40F863}" type="datetimeFigureOut">
               <a:rPr lang="ko-KR" altLang="en-US" smtClean="0"/>
-              <a:t>2024-05-13</a:t>
+              <a:t>2024-05-14</a:t>
             </a:fld>
             <a:endParaRPr lang="ko-KR" altLang="en-US"/>
           </a:p>
@@ -690,7 +690,7 @@
           <a:p>
             <a:fld id="{F7A5E2E4-095C-4F35-B739-A710F71FBB5F}" type="datetimeFigureOut">
               <a:rPr lang="ko-KR" altLang="en-US" smtClean="0"/>
-              <a:t>2024-05-13</a:t>
+              <a:t>2024-05-14</a:t>
             </a:fld>
             <a:endParaRPr lang="ko-KR" altLang="en-US"/>
           </a:p>
@@ -888,7 +888,7 @@
           <a:p>
             <a:fld id="{F7A5E2E4-095C-4F35-B739-A710F71FBB5F}" type="datetimeFigureOut">
               <a:rPr lang="ko-KR" altLang="en-US" smtClean="0"/>
-              <a:t>2024-05-13</a:t>
+              <a:t>2024-05-14</a:t>
             </a:fld>
             <a:endParaRPr lang="ko-KR" altLang="en-US"/>
           </a:p>
@@ -1096,7 +1096,7 @@
           <a:p>
             <a:fld id="{F7A5E2E4-095C-4F35-B739-A710F71FBB5F}" type="datetimeFigureOut">
               <a:rPr lang="ko-KR" altLang="en-US" smtClean="0"/>
-              <a:t>2024-05-13</a:t>
+              <a:t>2024-05-14</a:t>
             </a:fld>
             <a:endParaRPr lang="ko-KR" altLang="en-US"/>
           </a:p>
@@ -1294,7 +1294,7 @@
           <a:p>
             <a:fld id="{F7A5E2E4-095C-4F35-B739-A710F71FBB5F}" type="datetimeFigureOut">
               <a:rPr lang="ko-KR" altLang="en-US" smtClean="0"/>
-              <a:t>2024-05-13</a:t>
+              <a:t>2024-05-14</a:t>
             </a:fld>
             <a:endParaRPr lang="ko-KR" altLang="en-US"/>
           </a:p>
@@ -1569,7 +1569,7 @@
           <a:p>
             <a:fld id="{F7A5E2E4-095C-4F35-B739-A710F71FBB5F}" type="datetimeFigureOut">
               <a:rPr lang="ko-KR" altLang="en-US" smtClean="0"/>
-              <a:t>2024-05-13</a:t>
+              <a:t>2024-05-14</a:t>
             </a:fld>
             <a:endParaRPr lang="ko-KR" altLang="en-US"/>
           </a:p>
@@ -1834,7 +1834,7 @@
           <a:p>
             <a:fld id="{F7A5E2E4-095C-4F35-B739-A710F71FBB5F}" type="datetimeFigureOut">
               <a:rPr lang="ko-KR" altLang="en-US" smtClean="0"/>
-              <a:t>2024-05-13</a:t>
+              <a:t>2024-05-14</a:t>
             </a:fld>
             <a:endParaRPr lang="ko-KR" altLang="en-US"/>
           </a:p>
@@ -2246,7 +2246,7 @@
           <a:p>
             <a:fld id="{F7A5E2E4-095C-4F35-B739-A710F71FBB5F}" type="datetimeFigureOut">
               <a:rPr lang="ko-KR" altLang="en-US" smtClean="0"/>
-              <a:t>2024-05-13</a:t>
+              <a:t>2024-05-14</a:t>
             </a:fld>
             <a:endParaRPr lang="ko-KR" altLang="en-US"/>
           </a:p>
@@ -2387,7 +2387,7 @@
           <a:p>
             <a:fld id="{F7A5E2E4-095C-4F35-B739-A710F71FBB5F}" type="datetimeFigureOut">
               <a:rPr lang="ko-KR" altLang="en-US" smtClean="0"/>
-              <a:t>2024-05-13</a:t>
+              <a:t>2024-05-14</a:t>
             </a:fld>
             <a:endParaRPr lang="ko-KR" altLang="en-US"/>
           </a:p>
@@ -2500,7 +2500,7 @@
           <a:p>
             <a:fld id="{F7A5E2E4-095C-4F35-B739-A710F71FBB5F}" type="datetimeFigureOut">
               <a:rPr lang="ko-KR" altLang="en-US" smtClean="0"/>
-              <a:t>2024-05-13</a:t>
+              <a:t>2024-05-14</a:t>
             </a:fld>
             <a:endParaRPr lang="ko-KR" altLang="en-US"/>
           </a:p>
@@ -2811,7 +2811,7 @@
           <a:p>
             <a:fld id="{F7A5E2E4-095C-4F35-B739-A710F71FBB5F}" type="datetimeFigureOut">
               <a:rPr lang="ko-KR" altLang="en-US" smtClean="0"/>
-              <a:t>2024-05-13</a:t>
+              <a:t>2024-05-14</a:t>
             </a:fld>
             <a:endParaRPr lang="ko-KR" altLang="en-US"/>
           </a:p>
@@ -3099,7 +3099,7 @@
           <a:p>
             <a:fld id="{F7A5E2E4-095C-4F35-B739-A710F71FBB5F}" type="datetimeFigureOut">
               <a:rPr lang="ko-KR" altLang="en-US" smtClean="0"/>
-              <a:t>2024-05-13</a:t>
+              <a:t>2024-05-14</a:t>
             </a:fld>
             <a:endParaRPr lang="ko-KR" altLang="en-US"/>
           </a:p>
@@ -3340,7 +3340,7 @@
           <a:p>
             <a:fld id="{F7A5E2E4-095C-4F35-B739-A710F71FBB5F}" type="datetimeFigureOut">
               <a:rPr lang="ko-KR" altLang="en-US" smtClean="0"/>
-              <a:t>2024-05-13</a:t>
+              <a:t>2024-05-14</a:t>
             </a:fld>
             <a:endParaRPr lang="ko-KR" altLang="en-US"/>
           </a:p>
@@ -15150,7 +15150,7 @@
                 <a:latin typeface="한컴 말랑말랑 Bold" panose="020F0803000000000000" pitchFamily="50" charset="-127"/>
                 <a:ea typeface="한컴 말랑말랑 Bold" panose="020F0803000000000000" pitchFamily="50" charset="-127"/>
               </a:rPr>
-              <a:t>가성비가 중요하지 않은 집단</a:t>
+              <a:t>평소에 마시던 도수를 선호하는 집단</a:t>
             </a:r>
             <a:endParaRPr lang="en-US" altLang="ko-KR" sz="1600" dirty="0">
               <a:latin typeface="한컴 말랑말랑 Bold" panose="020F0803000000000000" pitchFamily="50" charset="-127"/>
@@ -15163,32 +15163,8 @@
                 <a:latin typeface="한컴 말랑말랑 Bold" panose="020F0803000000000000" pitchFamily="50" charset="-127"/>
                 <a:ea typeface="한컴 말랑말랑 Bold" panose="020F0803000000000000" pitchFamily="50" charset="-127"/>
               </a:rPr>
-              <a:t>     	-&gt; </a:t>
+              <a:t>     	-&gt;</a:t>
             </a:r>
-            <a:r>
-              <a:rPr lang="ko-KR" altLang="en-US" sz="1600" dirty="0">
-                <a:latin typeface="한컴 말랑말랑 Bold" panose="020F0803000000000000" pitchFamily="50" charset="-127"/>
-                <a:ea typeface="한컴 말랑말랑 Bold" panose="020F0803000000000000" pitchFamily="50" charset="-127"/>
-              </a:rPr>
-              <a:t>가성비에 상관 없이 </a:t>
-            </a:r>
-            <a:r>
-              <a:rPr lang="ko-KR" altLang="en-US" sz="1600" dirty="0">
-                <a:solidFill>
-                  <a:srgbClr val="00B0F0"/>
-                </a:solidFill>
-                <a:latin typeface="한컴 말랑말랑 Bold" panose="020F0803000000000000" pitchFamily="50" charset="-127"/>
-                <a:ea typeface="한컴 말랑말랑 Bold" panose="020F0803000000000000" pitchFamily="50" charset="-127"/>
-              </a:rPr>
-              <a:t>모든 술을 추천</a:t>
-            </a:r>
-            <a:endParaRPr lang="en-US" altLang="ko-KR" sz="1600" dirty="0">
-              <a:solidFill>
-                <a:srgbClr val="00B0F0"/>
-              </a:solidFill>
-              <a:latin typeface="한컴 말랑말랑 Bold" panose="020F0803000000000000" pitchFamily="50" charset="-127"/>
-              <a:ea typeface="한컴 말랑말랑 Bold" panose="020F0803000000000000" pitchFamily="50" charset="-127"/>
-            </a:endParaRPr>
           </a:p>
           <a:p>
             <a:endParaRPr lang="en-US" altLang="ko-KR" sz="1600" dirty="0">
@@ -15209,7 +15185,7 @@
                 <a:latin typeface="한컴 말랑말랑 Bold" panose="020F0803000000000000" pitchFamily="50" charset="-127"/>
                 <a:ea typeface="한컴 말랑말랑 Bold" panose="020F0803000000000000" pitchFamily="50" charset="-127"/>
               </a:rPr>
-              <a:t>가성비를 중요하게 생각하는 집단</a:t>
+              <a:t>도수에 상관없는 집단</a:t>
             </a:r>
             <a:endParaRPr lang="en-US" altLang="ko-KR" sz="1600" dirty="0">
               <a:latin typeface="한컴 말랑말랑 Bold" panose="020F0803000000000000" pitchFamily="50" charset="-127"/>
@@ -15222,24 +15198,7 @@
                 <a:latin typeface="한컴 말랑말랑 Bold" panose="020F0803000000000000" pitchFamily="50" charset="-127"/>
                 <a:ea typeface="한컴 말랑말랑 Bold" panose="020F0803000000000000" pitchFamily="50" charset="-127"/>
               </a:rPr>
-              <a:t>    	 -&gt; </a:t>
-            </a:r>
-            <a:r>
-              <a:rPr lang="ko-KR" altLang="en-US" sz="1600" dirty="0">
-                <a:latin typeface="한컴 말랑말랑 Bold" panose="020F0803000000000000" pitchFamily="50" charset="-127"/>
-                <a:ea typeface="한컴 말랑말랑 Bold" panose="020F0803000000000000" pitchFamily="50" charset="-127"/>
-              </a:rPr>
-              <a:t>일정 수준의 가성비를 제시하고 </a:t>
-            </a:r>
-            <a:r>
-              <a:rPr lang="ko-KR" altLang="en-US" sz="1600" dirty="0">
-                <a:solidFill>
-                  <a:srgbClr val="00B0F0"/>
-                </a:solidFill>
-                <a:latin typeface="한컴 말랑말랑 Bold" panose="020F0803000000000000" pitchFamily="50" charset="-127"/>
-                <a:ea typeface="한컴 말랑말랑 Bold" panose="020F0803000000000000" pitchFamily="50" charset="-127"/>
-              </a:rPr>
-              <a:t>그 이상의 술 추천</a:t>
+              <a:t>    	-&gt;</a:t>
             </a:r>
             <a:endParaRPr lang="en-US" altLang="ko-KR" sz="1600" dirty="0">
               <a:solidFill>

--- a/TLRAlgorithm.pptx
+++ b/TLRAlgorithm.pptx
@@ -5,7 +5,7 @@
     <p:sldMasterId id="2147483648" r:id="rId1"/>
   </p:sldMasterIdLst>
   <p:notesMasterIdLst>
-    <p:notesMasterId r:id="rId21"/>
+    <p:notesMasterId r:id="rId22"/>
   </p:notesMasterIdLst>
   <p:sldIdLst>
     <p:sldId id="256" r:id="rId2"/>
@@ -27,6 +27,7 @@
     <p:sldId id="472" r:id="rId18"/>
     <p:sldId id="473" r:id="rId19"/>
     <p:sldId id="474" r:id="rId20"/>
+    <p:sldId id="475" r:id="rId21"/>
   </p:sldIdLst>
   <p:sldSz cx="12192000" cy="6858000"/>
   <p:notesSz cx="6858000" cy="9144000"/>
@@ -15163,8 +15164,46 @@
                 <a:latin typeface="한컴 말랑말랑 Bold" panose="020F0803000000000000" pitchFamily="50" charset="-127"/>
                 <a:ea typeface="한컴 말랑말랑 Bold" panose="020F0803000000000000" pitchFamily="50" charset="-127"/>
               </a:rPr>
-              <a:t>     	-&gt;</a:t>
+              <a:t>     	-&gt; </a:t>
             </a:r>
+            <a:r>
+              <a:rPr lang="ko-KR" altLang="en-US" sz="1600" dirty="0">
+                <a:latin typeface="한컴 말랑말랑 Bold" panose="020F0803000000000000" pitchFamily="50" charset="-127"/>
+                <a:ea typeface="한컴 말랑말랑 Bold" panose="020F0803000000000000" pitchFamily="50" charset="-127"/>
+              </a:rPr>
+              <a:t>평소 마시던 도수에서 </a:t>
+            </a:r>
+            <a:r>
+              <a:rPr lang="en-US" altLang="ko-KR" sz="1600" dirty="0">
+                <a:solidFill>
+                  <a:srgbClr val="0070C0"/>
+                </a:solidFill>
+                <a:latin typeface="한컴 말랑말랑 Bold" panose="020F0803000000000000" pitchFamily="50" charset="-127"/>
+                <a:ea typeface="한컴 말랑말랑 Bold" panose="020F0803000000000000" pitchFamily="50" charset="-127"/>
+              </a:rPr>
+              <a:t>3</a:t>
+            </a:r>
+            <a:r>
+              <a:rPr lang="ko-KR" altLang="en-US" sz="1600" dirty="0">
+                <a:solidFill>
+                  <a:srgbClr val="0070C0"/>
+                </a:solidFill>
+                <a:latin typeface="한컴 말랑말랑 Bold" panose="020F0803000000000000" pitchFamily="50" charset="-127"/>
+                <a:ea typeface="한컴 말랑말랑 Bold" panose="020F0803000000000000" pitchFamily="50" charset="-127"/>
+              </a:rPr>
+              <a:t>도 이내</a:t>
+            </a:r>
+            <a:r>
+              <a:rPr lang="ko-KR" altLang="en-US" sz="1600" dirty="0">
+                <a:latin typeface="한컴 말랑말랑 Bold" panose="020F0803000000000000" pitchFamily="50" charset="-127"/>
+                <a:ea typeface="한컴 말랑말랑 Bold" panose="020F0803000000000000" pitchFamily="50" charset="-127"/>
+              </a:rPr>
+              <a:t>의 술 추천</a:t>
+            </a:r>
+            <a:endParaRPr lang="en-US" altLang="ko-KR" sz="1600" dirty="0">
+              <a:latin typeface="한컴 말랑말랑 Bold" panose="020F0803000000000000" pitchFamily="50" charset="-127"/>
+              <a:ea typeface="한컴 말랑말랑 Bold" panose="020F0803000000000000" pitchFamily="50" charset="-127"/>
+            </a:endParaRPr>
           </a:p>
           <a:p>
             <a:endParaRPr lang="en-US" altLang="ko-KR" sz="1600" dirty="0">
@@ -15198,7 +15237,24 @@
                 <a:latin typeface="한컴 말랑말랑 Bold" panose="020F0803000000000000" pitchFamily="50" charset="-127"/>
                 <a:ea typeface="한컴 말랑말랑 Bold" panose="020F0803000000000000" pitchFamily="50" charset="-127"/>
               </a:rPr>
-              <a:t>    	-&gt;</a:t>
+              <a:t>    	-&gt; </a:t>
+            </a:r>
+            <a:r>
+              <a:rPr lang="ko-KR" altLang="en-US" sz="1600" dirty="0">
+                <a:solidFill>
+                  <a:srgbClr val="0070C0"/>
+                </a:solidFill>
+                <a:latin typeface="한컴 말랑말랑 Bold" panose="020F0803000000000000" pitchFamily="50" charset="-127"/>
+                <a:ea typeface="한컴 말랑말랑 Bold" panose="020F0803000000000000" pitchFamily="50" charset="-127"/>
+              </a:rPr>
+              <a:t>모든 술</a:t>
+            </a:r>
+            <a:r>
+              <a:rPr lang="ko-KR" altLang="en-US" sz="1600" dirty="0">
+                <a:latin typeface="한컴 말랑말랑 Bold" panose="020F0803000000000000" pitchFamily="50" charset="-127"/>
+                <a:ea typeface="한컴 말랑말랑 Bold" panose="020F0803000000000000" pitchFamily="50" charset="-127"/>
+              </a:rPr>
+              <a:t> 추천</a:t>
             </a:r>
             <a:endParaRPr lang="en-US" altLang="ko-KR" sz="1600" dirty="0">
               <a:solidFill>
@@ -16092,6 +16148,144 @@
     <p:extLst>
       <p:ext uri="{BB962C8B-B14F-4D97-AF65-F5344CB8AC3E}">
         <p14:creationId xmlns:p14="http://schemas.microsoft.com/office/powerpoint/2010/main" val="1588200067"/>
+      </p:ext>
+    </p:extLst>
+  </p:cSld>
+  <p:clrMapOvr>
+    <a:masterClrMapping/>
+  </p:clrMapOvr>
+</p:sld>
+</file>
+
+<file path=ppt/slides/slide20.xml><?xml version="1.0" encoding="utf-8"?>
+<p:sld xmlns:a="http://schemas.openxmlformats.org/drawingml/2006/main" xmlns:r="http://schemas.openxmlformats.org/officeDocument/2006/relationships" xmlns:p="http://schemas.openxmlformats.org/presentationml/2006/main">
+  <p:cSld>
+    <p:spTree>
+      <p:nvGrpSpPr>
+        <p:cNvPr id="1" name=""/>
+        <p:cNvGrpSpPr/>
+        <p:nvPr/>
+      </p:nvGrpSpPr>
+      <p:grpSpPr>
+        <a:xfrm>
+          <a:off x="0" y="0"/>
+          <a:ext cx="0" cy="0"/>
+          <a:chOff x="0" y="0"/>
+          <a:chExt cx="0" cy="0"/>
+        </a:xfrm>
+      </p:grpSpPr>
+      <p:sp>
+        <p:nvSpPr>
+          <p:cNvPr id="11" name="직사각형 10">
+            <a:extLst>
+              <a:ext uri="{FF2B5EF4-FFF2-40B4-BE49-F238E27FC236}">
+                <a16:creationId xmlns:a16="http://schemas.microsoft.com/office/drawing/2014/main" id="{71B79937-BF21-DF01-8EA4-3EB7328BE6B9}"/>
+              </a:ext>
+            </a:extLst>
+          </p:cNvPr>
+          <p:cNvSpPr/>
+          <p:nvPr/>
+        </p:nvSpPr>
+        <p:spPr>
+          <a:xfrm>
+            <a:off x="0" y="0"/>
+            <a:ext cx="12192000" cy="965200"/>
+          </a:xfrm>
+          <a:prstGeom prst="rect">
+            <a:avLst/>
+          </a:prstGeom>
+          <a:solidFill>
+            <a:srgbClr val="BDAA9F"/>
+          </a:solidFill>
+          <a:ln>
+            <a:noFill/>
+          </a:ln>
+        </p:spPr>
+        <p:style>
+          <a:lnRef idx="2">
+            <a:schemeClr val="accent1">
+              <a:shade val="50000"/>
+            </a:schemeClr>
+          </a:lnRef>
+          <a:fillRef idx="1">
+            <a:schemeClr val="accent1"/>
+          </a:fillRef>
+          <a:effectRef idx="0">
+            <a:schemeClr val="accent1"/>
+          </a:effectRef>
+          <a:fontRef idx="minor">
+            <a:schemeClr val="lt1"/>
+          </a:fontRef>
+        </p:style>
+        <p:txBody>
+          <a:bodyPr rtlCol="0" anchor="ctr"/>
+          <a:lstStyle/>
+          <a:p>
+            <a:pPr algn="ctr"/>
+            <a:endParaRPr lang="ko-KR" altLang="en-US">
+              <a:latin typeface="한컴 말랑말랑 Bold" panose="020F0803000000000000" pitchFamily="50" charset="-127"/>
+              <a:ea typeface="한컴 말랑말랑 Bold" panose="020F0803000000000000" pitchFamily="50" charset="-127"/>
+            </a:endParaRPr>
+          </a:p>
+        </p:txBody>
+      </p:sp>
+      <p:sp>
+        <p:nvSpPr>
+          <p:cNvPr id="2" name="TextBox 1">
+            <a:extLst>
+              <a:ext uri="{FF2B5EF4-FFF2-40B4-BE49-F238E27FC236}">
+                <a16:creationId xmlns:a16="http://schemas.microsoft.com/office/drawing/2014/main" id="{34B48FC4-8988-1088-D7B4-4AA2A44E1A68}"/>
+              </a:ext>
+            </a:extLst>
+          </p:cNvPr>
+          <p:cNvSpPr txBox="1"/>
+          <p:nvPr/>
+        </p:nvSpPr>
+        <p:spPr>
+          <a:xfrm>
+            <a:off x="0" y="39757"/>
+            <a:ext cx="12192000" cy="830997"/>
+          </a:xfrm>
+          <a:prstGeom prst="rect">
+            <a:avLst/>
+          </a:prstGeom>
+          <a:noFill/>
+        </p:spPr>
+        <p:txBody>
+          <a:bodyPr wrap="square">
+            <a:spAutoFit/>
+          </a:bodyPr>
+          <a:lstStyle/>
+          <a:p>
+            <a:pPr lvl="0" algn="ctr"/>
+            <a:r>
+              <a:rPr lang="ko-KR" altLang="en-US" sz="4800" b="1" dirty="0">
+                <a:solidFill>
+                  <a:schemeClr val="tx1">
+                    <a:lumMod val="95000"/>
+                    <a:lumOff val="5000"/>
+                  </a:schemeClr>
+                </a:solidFill>
+                <a:effectLst>
+                  <a:outerShdw blurRad="38100" dist="38100" dir="2700000" algn="tl">
+                    <a:srgbClr val="000000">
+                      <a:alpha val="43137"/>
+                    </a:srgbClr>
+                  </a:outerShdw>
+                </a:effectLst>
+                <a:latin typeface="한컴 말랑말랑 Bold" panose="020F0803000000000000" pitchFamily="50" charset="-127"/>
+                <a:ea typeface="한컴 말랑말랑 Bold" panose="020F0803000000000000" pitchFamily="50" charset="-127"/>
+                <a:cs typeface="KoPubWorld돋움체 Bold" panose="00000800000000000000" pitchFamily="2" charset="-127"/>
+              </a:rPr>
+              <a:t>추천 도수 선정 기준</a:t>
+            </a:r>
+          </a:p>
+        </p:txBody>
+      </p:sp>
+    </p:spTree>
+    <p:extLst>
+      <p:ext uri="{BB962C8B-B14F-4D97-AF65-F5344CB8AC3E}">
+        <p14:creationId xmlns:p14="http://schemas.microsoft.com/office/powerpoint/2010/main" val="3039887316"/>
       </p:ext>
     </p:extLst>
   </p:cSld>

--- a/TLRAlgorithm.pptx
+++ b/TLRAlgorithm.pptx
@@ -5,7 +5,7 @@
     <p:sldMasterId id="2147483648" r:id="rId1"/>
   </p:sldMasterIdLst>
   <p:notesMasterIdLst>
-    <p:notesMasterId r:id="rId22"/>
+    <p:notesMasterId r:id="rId26"/>
   </p:notesMasterIdLst>
   <p:sldIdLst>
     <p:sldId id="256" r:id="rId2"/>
@@ -28,6 +28,10 @@
     <p:sldId id="473" r:id="rId19"/>
     <p:sldId id="474" r:id="rId20"/>
     <p:sldId id="475" r:id="rId21"/>
+    <p:sldId id="477" r:id="rId22"/>
+    <p:sldId id="478" r:id="rId23"/>
+    <p:sldId id="479" r:id="rId24"/>
+    <p:sldId id="480" r:id="rId25"/>
   </p:sldIdLst>
   <p:sldSz cx="12192000" cy="6858000"/>
   <p:notesSz cx="6858000" cy="9144000"/>
@@ -216,7 +220,7 @@
           <a:p>
             <a:fld id="{982EA37D-F867-417D-B73C-20EBEB40F863}" type="datetimeFigureOut">
               <a:rPr lang="ko-KR" altLang="en-US" smtClean="0"/>
-              <a:t>2024-05-14</a:t>
+              <a:t>2024-05-15</a:t>
             </a:fld>
             <a:endParaRPr lang="ko-KR" altLang="en-US"/>
           </a:p>
@@ -544,6 +548,67 @@
 </p:notes>
 </file>
 
+<file path=ppt/notesSlides/notesSlide2.xml><?xml version="1.0" encoding="utf-8"?>
+<p:notes xmlns:a="http://schemas.openxmlformats.org/drawingml/2006/main" xmlns:r="http://schemas.openxmlformats.org/officeDocument/2006/relationships" xmlns:p="http://schemas.openxmlformats.org/presentationml/2006/main">
+  <p:cSld>
+    <p:spTree>
+      <p:nvGrpSpPr>
+        <p:cNvPr id="1" name=""/>
+        <p:cNvGrpSpPr/>
+        <p:nvPr/>
+      </p:nvGrpSpPr>
+      <p:grpSpPr>
+        <a:xfrm>
+          <a:off x="0" y="0"/>
+          <a:ext cx="0" cy="0"/>
+          <a:chOff x="0" y="0"/>
+          <a:chExt cx="0" cy="0"/>
+        </a:xfrm>
+      </p:grpSpPr>
+      <p:sp>
+        <p:nvSpPr>
+          <p:cNvPr id="2" name="슬라이드 이미지 개체 틀 1"/>
+          <p:cNvSpPr>
+            <a:spLocks noGrp="1" noRot="1" noChangeAspect="1"/>
+          </p:cNvSpPr>
+          <p:nvPr>
+            <p:ph type="sldImg"/>
+          </p:nvPr>
+        </p:nvSpPr>
+        <p:spPr/>
+      </p:sp>
+      <p:sp>
+        <p:nvSpPr>
+          <p:cNvPr id="3" name="슬라이드 노트 개체 틀 2"/>
+          <p:cNvSpPr>
+            <a:spLocks noGrp="1"/>
+          </p:cNvSpPr>
+          <p:nvPr>
+            <p:ph type="body" idx="1"/>
+          </p:nvPr>
+        </p:nvSpPr>
+        <p:spPr/>
+        <p:txBody>
+          <a:bodyPr/>
+          <a:lstStyle/>
+          <a:p>
+            <a:endParaRPr lang="ko-KR" altLang="en-US" dirty="0"/>
+          </a:p>
+        </p:txBody>
+      </p:sp>
+    </p:spTree>
+    <p:extLst>
+      <p:ext uri="{BB962C8B-B14F-4D97-AF65-F5344CB8AC3E}">
+        <p14:creationId xmlns:p14="http://schemas.microsoft.com/office/powerpoint/2010/main" val="1645819760"/>
+      </p:ext>
+    </p:extLst>
+  </p:cSld>
+  <p:clrMapOvr>
+    <a:masterClrMapping/>
+  </p:clrMapOvr>
+</p:notes>
+</file>
+
 <file path=ppt/slideLayouts/slideLayout1.xml><?xml version="1.0" encoding="utf-8"?>
 <p:sldLayout xmlns:a="http://schemas.openxmlformats.org/drawingml/2006/main" xmlns:r="http://schemas.openxmlformats.org/officeDocument/2006/relationships" xmlns:p="http://schemas.openxmlformats.org/presentationml/2006/main" type="title" preserve="1">
   <p:cSld name="제목 슬라이드">
@@ -691,7 +756,7 @@
           <a:p>
             <a:fld id="{F7A5E2E4-095C-4F35-B739-A710F71FBB5F}" type="datetimeFigureOut">
               <a:rPr lang="ko-KR" altLang="en-US" smtClean="0"/>
-              <a:t>2024-05-14</a:t>
+              <a:t>2024-05-15</a:t>
             </a:fld>
             <a:endParaRPr lang="ko-KR" altLang="en-US"/>
           </a:p>
@@ -889,7 +954,7 @@
           <a:p>
             <a:fld id="{F7A5E2E4-095C-4F35-B739-A710F71FBB5F}" type="datetimeFigureOut">
               <a:rPr lang="ko-KR" altLang="en-US" smtClean="0"/>
-              <a:t>2024-05-14</a:t>
+              <a:t>2024-05-15</a:t>
             </a:fld>
             <a:endParaRPr lang="ko-KR" altLang="en-US"/>
           </a:p>
@@ -1097,7 +1162,7 @@
           <a:p>
             <a:fld id="{F7A5E2E4-095C-4F35-B739-A710F71FBB5F}" type="datetimeFigureOut">
               <a:rPr lang="ko-KR" altLang="en-US" smtClean="0"/>
-              <a:t>2024-05-14</a:t>
+              <a:t>2024-05-15</a:t>
             </a:fld>
             <a:endParaRPr lang="ko-KR" altLang="en-US"/>
           </a:p>
@@ -1295,7 +1360,7 @@
           <a:p>
             <a:fld id="{F7A5E2E4-095C-4F35-B739-A710F71FBB5F}" type="datetimeFigureOut">
               <a:rPr lang="ko-KR" altLang="en-US" smtClean="0"/>
-              <a:t>2024-05-14</a:t>
+              <a:t>2024-05-15</a:t>
             </a:fld>
             <a:endParaRPr lang="ko-KR" altLang="en-US"/>
           </a:p>
@@ -1570,7 +1635,7 @@
           <a:p>
             <a:fld id="{F7A5E2E4-095C-4F35-B739-A710F71FBB5F}" type="datetimeFigureOut">
               <a:rPr lang="ko-KR" altLang="en-US" smtClean="0"/>
-              <a:t>2024-05-14</a:t>
+              <a:t>2024-05-15</a:t>
             </a:fld>
             <a:endParaRPr lang="ko-KR" altLang="en-US"/>
           </a:p>
@@ -1835,7 +1900,7 @@
           <a:p>
             <a:fld id="{F7A5E2E4-095C-4F35-B739-A710F71FBB5F}" type="datetimeFigureOut">
               <a:rPr lang="ko-KR" altLang="en-US" smtClean="0"/>
-              <a:t>2024-05-14</a:t>
+              <a:t>2024-05-15</a:t>
             </a:fld>
             <a:endParaRPr lang="ko-KR" altLang="en-US"/>
           </a:p>
@@ -2247,7 +2312,7 @@
           <a:p>
             <a:fld id="{F7A5E2E4-095C-4F35-B739-A710F71FBB5F}" type="datetimeFigureOut">
               <a:rPr lang="ko-KR" altLang="en-US" smtClean="0"/>
-              <a:t>2024-05-14</a:t>
+              <a:t>2024-05-15</a:t>
             </a:fld>
             <a:endParaRPr lang="ko-KR" altLang="en-US"/>
           </a:p>
@@ -2388,7 +2453,7 @@
           <a:p>
             <a:fld id="{F7A5E2E4-095C-4F35-B739-A710F71FBB5F}" type="datetimeFigureOut">
               <a:rPr lang="ko-KR" altLang="en-US" smtClean="0"/>
-              <a:t>2024-05-14</a:t>
+              <a:t>2024-05-15</a:t>
             </a:fld>
             <a:endParaRPr lang="ko-KR" altLang="en-US"/>
           </a:p>
@@ -2501,7 +2566,7 @@
           <a:p>
             <a:fld id="{F7A5E2E4-095C-4F35-B739-A710F71FBB5F}" type="datetimeFigureOut">
               <a:rPr lang="ko-KR" altLang="en-US" smtClean="0"/>
-              <a:t>2024-05-14</a:t>
+              <a:t>2024-05-15</a:t>
             </a:fld>
             <a:endParaRPr lang="ko-KR" altLang="en-US"/>
           </a:p>
@@ -2812,7 +2877,7 @@
           <a:p>
             <a:fld id="{F7A5E2E4-095C-4F35-B739-A710F71FBB5F}" type="datetimeFigureOut">
               <a:rPr lang="ko-KR" altLang="en-US" smtClean="0"/>
-              <a:t>2024-05-14</a:t>
+              <a:t>2024-05-15</a:t>
             </a:fld>
             <a:endParaRPr lang="ko-KR" altLang="en-US"/>
           </a:p>
@@ -3100,7 +3165,7 @@
           <a:p>
             <a:fld id="{F7A5E2E4-095C-4F35-B739-A710F71FBB5F}" type="datetimeFigureOut">
               <a:rPr lang="ko-KR" altLang="en-US" smtClean="0"/>
-              <a:t>2024-05-14</a:t>
+              <a:t>2024-05-15</a:t>
             </a:fld>
             <a:endParaRPr lang="ko-KR" altLang="en-US"/>
           </a:p>
@@ -3341,7 +3406,7 @@
           <a:p>
             <a:fld id="{F7A5E2E4-095C-4F35-B739-A710F71FBB5F}" type="datetimeFigureOut">
               <a:rPr lang="ko-KR" altLang="en-US" smtClean="0"/>
-              <a:t>2024-05-14</a:t>
+              <a:t>2024-05-15</a:t>
             </a:fld>
             <a:endParaRPr lang="ko-KR" altLang="en-US"/>
           </a:p>
@@ -16222,7 +16287,7 @@
           <a:lstStyle/>
           <a:p>
             <a:pPr algn="ctr"/>
-            <a:endParaRPr lang="ko-KR" altLang="en-US">
+            <a:endParaRPr lang="ko-KR" altLang="en-US" sz="2000">
               <a:latin typeface="한컴 말랑말랑 Bold" panose="020F0803000000000000" pitchFamily="50" charset="-127"/>
               <a:ea typeface="한컴 말랑말랑 Bold" panose="020F0803000000000000" pitchFamily="50" charset="-127"/>
             </a:endParaRPr>
@@ -16235,6 +16300,1892 @@
             <a:extLst>
               <a:ext uri="{FF2B5EF4-FFF2-40B4-BE49-F238E27FC236}">
                 <a16:creationId xmlns:a16="http://schemas.microsoft.com/office/drawing/2014/main" id="{34B48FC4-8988-1088-D7B4-4AA2A44E1A68}"/>
+              </a:ext>
+            </a:extLst>
+          </p:cNvPr>
+          <p:cNvSpPr txBox="1"/>
+          <p:nvPr/>
+        </p:nvSpPr>
+        <p:spPr>
+          <a:xfrm>
+            <a:off x="0" y="39757"/>
+            <a:ext cx="12192000" cy="923330"/>
+          </a:xfrm>
+          <a:prstGeom prst="rect">
+            <a:avLst/>
+          </a:prstGeom>
+          <a:noFill/>
+        </p:spPr>
+        <p:txBody>
+          <a:bodyPr wrap="square">
+            <a:spAutoFit/>
+          </a:bodyPr>
+          <a:lstStyle/>
+          <a:p>
+            <a:pPr lvl="0" algn="ctr"/>
+            <a:r>
+              <a:rPr lang="ko-KR" altLang="en-US" sz="5400" b="1" dirty="0">
+                <a:solidFill>
+                  <a:schemeClr val="tx1">
+                    <a:lumMod val="95000"/>
+                    <a:lumOff val="5000"/>
+                  </a:schemeClr>
+                </a:solidFill>
+                <a:effectLst>
+                  <a:outerShdw blurRad="38100" dist="38100" dir="2700000" algn="tl">
+                    <a:srgbClr val="000000">
+                      <a:alpha val="43137"/>
+                    </a:srgbClr>
+                  </a:outerShdw>
+                </a:effectLst>
+                <a:latin typeface="한컴 말랑말랑 Bold" panose="020F0803000000000000" pitchFamily="50" charset="-127"/>
+                <a:ea typeface="한컴 말랑말랑 Bold" panose="020F0803000000000000" pitchFamily="50" charset="-127"/>
+                <a:cs typeface="KoPubWorld돋움체 Bold" panose="00000800000000000000" pitchFamily="2" charset="-127"/>
+              </a:rPr>
+              <a:t>추천 도수 선정 기준</a:t>
+            </a:r>
+          </a:p>
+        </p:txBody>
+      </p:sp>
+      <p:sp>
+        <p:nvSpPr>
+          <p:cNvPr id="3" name="오른쪽 화살표 33">
+            <a:extLst>
+              <a:ext uri="{FF2B5EF4-FFF2-40B4-BE49-F238E27FC236}">
+                <a16:creationId xmlns:a16="http://schemas.microsoft.com/office/drawing/2014/main" id="{7A282911-B898-31A9-7E20-A533F06C2954}"/>
+              </a:ext>
+            </a:extLst>
+          </p:cNvPr>
+          <p:cNvSpPr/>
+          <p:nvPr/>
+        </p:nvSpPr>
+        <p:spPr>
+          <a:xfrm>
+            <a:off x="4104646" y="3743738"/>
+            <a:ext cx="657725" cy="243801"/>
+          </a:xfrm>
+          <a:prstGeom prst="rightArrow">
+            <a:avLst/>
+          </a:prstGeom>
+          <a:solidFill>
+            <a:schemeClr val="tx1"/>
+          </a:solidFill>
+          <a:ln>
+            <a:solidFill>
+              <a:schemeClr val="tx1"/>
+            </a:solidFill>
+          </a:ln>
+        </p:spPr>
+        <p:style>
+          <a:lnRef idx="2">
+            <a:schemeClr val="accent1">
+              <a:shade val="50000"/>
+            </a:schemeClr>
+          </a:lnRef>
+          <a:fillRef idx="1">
+            <a:schemeClr val="accent1"/>
+          </a:fillRef>
+          <a:effectRef idx="0">
+            <a:schemeClr val="accent1"/>
+          </a:effectRef>
+          <a:fontRef idx="minor">
+            <a:schemeClr val="lt1"/>
+          </a:fontRef>
+        </p:style>
+        <p:txBody>
+          <a:bodyPr rtlCol="0" anchor="ctr"/>
+          <a:lstStyle/>
+          <a:p>
+            <a:pPr algn="ctr"/>
+            <a:endParaRPr lang="ko-KR" altLang="en-US" sz="1600">
+              <a:latin typeface="한컴 말랑말랑 Bold" panose="020F0803000000000000" pitchFamily="50" charset="-127"/>
+              <a:ea typeface="한컴 말랑말랑 Bold" panose="020F0803000000000000" pitchFamily="50" charset="-127"/>
+            </a:endParaRPr>
+          </a:p>
+        </p:txBody>
+      </p:sp>
+      <p:sp>
+        <p:nvSpPr>
+          <p:cNvPr id="17" name="오른쪽 화살표 43">
+            <a:extLst>
+              <a:ext uri="{FF2B5EF4-FFF2-40B4-BE49-F238E27FC236}">
+                <a16:creationId xmlns:a16="http://schemas.microsoft.com/office/drawing/2014/main" id="{3846CCA6-A64E-D04F-A233-C975BBA03DE1}"/>
+              </a:ext>
+            </a:extLst>
+          </p:cNvPr>
+          <p:cNvSpPr/>
+          <p:nvPr/>
+        </p:nvSpPr>
+        <p:spPr>
+          <a:xfrm>
+            <a:off x="7561719" y="3783844"/>
+            <a:ext cx="657725" cy="243801"/>
+          </a:xfrm>
+          <a:prstGeom prst="rightArrow">
+            <a:avLst/>
+          </a:prstGeom>
+          <a:solidFill>
+            <a:schemeClr val="tx1"/>
+          </a:solidFill>
+          <a:ln>
+            <a:solidFill>
+              <a:schemeClr val="tx1"/>
+            </a:solidFill>
+          </a:ln>
+        </p:spPr>
+        <p:style>
+          <a:lnRef idx="2">
+            <a:schemeClr val="accent1">
+              <a:shade val="50000"/>
+            </a:schemeClr>
+          </a:lnRef>
+          <a:fillRef idx="1">
+            <a:schemeClr val="accent1"/>
+          </a:fillRef>
+          <a:effectRef idx="0">
+            <a:schemeClr val="accent1"/>
+          </a:effectRef>
+          <a:fontRef idx="minor">
+            <a:schemeClr val="lt1"/>
+          </a:fontRef>
+        </p:style>
+        <p:txBody>
+          <a:bodyPr rtlCol="0" anchor="ctr"/>
+          <a:lstStyle/>
+          <a:p>
+            <a:pPr algn="ctr"/>
+            <a:endParaRPr lang="ko-KR" altLang="en-US" sz="1600">
+              <a:latin typeface="한컴 말랑말랑 Bold" panose="020F0803000000000000" pitchFamily="50" charset="-127"/>
+              <a:ea typeface="한컴 말랑말랑 Bold" panose="020F0803000000000000" pitchFamily="50" charset="-127"/>
+            </a:endParaRPr>
+          </a:p>
+        </p:txBody>
+      </p:sp>
+      <p:sp>
+        <p:nvSpPr>
+          <p:cNvPr id="18" name="TextBox 17">
+            <a:extLst>
+              <a:ext uri="{FF2B5EF4-FFF2-40B4-BE49-F238E27FC236}">
+                <a16:creationId xmlns:a16="http://schemas.microsoft.com/office/drawing/2014/main" id="{C793028B-9183-0DA9-F3D7-127F7BEB72AA}"/>
+              </a:ext>
+            </a:extLst>
+          </p:cNvPr>
+          <p:cNvSpPr txBox="1"/>
+          <p:nvPr/>
+        </p:nvSpPr>
+        <p:spPr>
+          <a:xfrm>
+            <a:off x="8594140" y="3551801"/>
+            <a:ext cx="1435247" cy="931024"/>
+          </a:xfrm>
+          <a:prstGeom prst="rect">
+            <a:avLst/>
+          </a:prstGeom>
+          <a:noFill/>
+        </p:spPr>
+        <p:txBody>
+          <a:bodyPr wrap="square" rtlCol="0">
+            <a:spAutoFit/>
+          </a:bodyPr>
+          <a:lstStyle/>
+          <a:p>
+            <a:pPr algn="ctr"/>
+            <a:r>
+              <a:rPr lang="en-US" altLang="ko-KR" sz="4400" b="1" dirty="0">
+                <a:effectLst>
+                  <a:outerShdw blurRad="38100" dist="38100" dir="2700000" algn="tl">
+                    <a:srgbClr val="000000">
+                      <a:alpha val="43137"/>
+                    </a:srgbClr>
+                  </a:outerShdw>
+                </a:effectLst>
+                <a:latin typeface="한컴 말랑말랑 Bold" panose="020F0803000000000000" pitchFamily="50" charset="-127"/>
+                <a:ea typeface="한컴 말랑말랑 Bold" panose="020F0803000000000000" pitchFamily="50" charset="-127"/>
+              </a:rPr>
+              <a:t>±3%</a:t>
+            </a:r>
+          </a:p>
+          <a:p>
+            <a:pPr algn="ctr"/>
+            <a:r>
+              <a:rPr lang="en-US" altLang="ko-KR" sz="1100" b="1" dirty="0">
+                <a:solidFill>
+                  <a:srgbClr val="FF0000"/>
+                </a:solidFill>
+                <a:effectLst>
+                  <a:outerShdw blurRad="38100" dist="38100" dir="2700000" algn="tl">
+                    <a:srgbClr val="000000">
+                      <a:alpha val="43137"/>
+                    </a:srgbClr>
+                  </a:outerShdw>
+                </a:effectLst>
+                <a:latin typeface="한컴 말랑말랑 Bold" panose="020F0803000000000000" pitchFamily="50" charset="-127"/>
+                <a:ea typeface="한컴 말랑말랑 Bold" panose="020F0803000000000000" pitchFamily="50" charset="-127"/>
+              </a:rPr>
+              <a:t>(3</a:t>
+            </a:r>
+            <a:r>
+              <a:rPr lang="ko-KR" altLang="en-US" sz="1100" b="1" dirty="0">
+                <a:solidFill>
+                  <a:srgbClr val="FF0000"/>
+                </a:solidFill>
+                <a:effectLst>
+                  <a:outerShdw blurRad="38100" dist="38100" dir="2700000" algn="tl">
+                    <a:srgbClr val="000000">
+                      <a:alpha val="43137"/>
+                    </a:srgbClr>
+                  </a:outerShdw>
+                </a:effectLst>
+                <a:latin typeface="한컴 말랑말랑 Bold" panose="020F0803000000000000" pitchFamily="50" charset="-127"/>
+                <a:ea typeface="한컴 말랑말랑 Bold" panose="020F0803000000000000" pitchFamily="50" charset="-127"/>
+              </a:rPr>
+              <a:t>도 내의 범위 추천</a:t>
+            </a:r>
+            <a:r>
+              <a:rPr lang="en-US" altLang="ko-KR" sz="1100" b="1" dirty="0">
+                <a:solidFill>
+                  <a:srgbClr val="FF0000"/>
+                </a:solidFill>
+                <a:effectLst>
+                  <a:outerShdw blurRad="38100" dist="38100" dir="2700000" algn="tl">
+                    <a:srgbClr val="000000">
+                      <a:alpha val="43137"/>
+                    </a:srgbClr>
+                  </a:outerShdw>
+                </a:effectLst>
+                <a:latin typeface="한컴 말랑말랑 Bold" panose="020F0803000000000000" pitchFamily="50" charset="-127"/>
+                <a:ea typeface="한컴 말랑말랑 Bold" panose="020F0803000000000000" pitchFamily="50" charset="-127"/>
+              </a:rPr>
+              <a:t>)</a:t>
+            </a:r>
+            <a:endParaRPr lang="ko-KR" altLang="en-US" sz="2400" b="1" dirty="0">
+              <a:solidFill>
+                <a:srgbClr val="FF0000"/>
+              </a:solidFill>
+              <a:effectLst>
+                <a:outerShdw blurRad="38100" dist="38100" dir="2700000" algn="tl">
+                  <a:srgbClr val="000000">
+                    <a:alpha val="43137"/>
+                  </a:srgbClr>
+                </a:outerShdw>
+              </a:effectLst>
+              <a:latin typeface="한컴 말랑말랑 Bold" panose="020F0803000000000000" pitchFamily="50" charset="-127"/>
+              <a:ea typeface="한컴 말랑말랑 Bold" panose="020F0803000000000000" pitchFamily="50" charset="-127"/>
+            </a:endParaRPr>
+          </a:p>
+        </p:txBody>
+      </p:sp>
+      <p:grpSp>
+        <p:nvGrpSpPr>
+          <p:cNvPr id="21" name="그룹 20">
+            <a:extLst>
+              <a:ext uri="{FF2B5EF4-FFF2-40B4-BE49-F238E27FC236}">
+                <a16:creationId xmlns:a16="http://schemas.microsoft.com/office/drawing/2014/main" id="{7D25F7D9-30F2-6E23-BAA1-D70745B89465}"/>
+              </a:ext>
+            </a:extLst>
+          </p:cNvPr>
+          <p:cNvGrpSpPr/>
+          <p:nvPr/>
+        </p:nvGrpSpPr>
+        <p:grpSpPr>
+          <a:xfrm>
+            <a:off x="685050" y="2399596"/>
+            <a:ext cx="2796988" cy="2688283"/>
+            <a:chOff x="887506" y="2322329"/>
+            <a:chExt cx="2796988" cy="2688283"/>
+          </a:xfrm>
+        </p:grpSpPr>
+        <p:grpSp>
+          <p:nvGrpSpPr>
+            <p:cNvPr id="5" name="그룹 4">
+              <a:extLst>
+                <a:ext uri="{FF2B5EF4-FFF2-40B4-BE49-F238E27FC236}">
+                  <a16:creationId xmlns:a16="http://schemas.microsoft.com/office/drawing/2014/main" id="{114585DE-25D2-F8C9-24D7-C9E21A7052BE}"/>
+                </a:ext>
+              </a:extLst>
+            </p:cNvPr>
+            <p:cNvGrpSpPr/>
+            <p:nvPr/>
+          </p:nvGrpSpPr>
+          <p:grpSpPr>
+            <a:xfrm>
+              <a:off x="887506" y="2322329"/>
+              <a:ext cx="2796988" cy="2688283"/>
+              <a:chOff x="3296690" y="821782"/>
+              <a:chExt cx="2796988" cy="2688283"/>
+            </a:xfrm>
+          </p:grpSpPr>
+          <p:sp>
+            <p:nvSpPr>
+              <p:cNvPr id="8" name="TextBox 7">
+                <a:extLst>
+                  <a:ext uri="{FF2B5EF4-FFF2-40B4-BE49-F238E27FC236}">
+                    <a16:creationId xmlns:a16="http://schemas.microsoft.com/office/drawing/2014/main" id="{AEAA5FAA-A717-CD59-7A08-18224D949D13}"/>
+                  </a:ext>
+                </a:extLst>
+              </p:cNvPr>
+              <p:cNvSpPr txBox="1"/>
+              <p:nvPr/>
+            </p:nvSpPr>
+            <p:spPr>
+              <a:xfrm>
+                <a:off x="3296690" y="3171511"/>
+                <a:ext cx="2796988" cy="338554"/>
+              </a:xfrm>
+              <a:prstGeom prst="rect">
+                <a:avLst/>
+              </a:prstGeom>
+              <a:noFill/>
+            </p:spPr>
+            <p:txBody>
+              <a:bodyPr wrap="square" rtlCol="0">
+                <a:spAutoFit/>
+              </a:bodyPr>
+              <a:lstStyle/>
+              <a:p>
+                <a:pPr algn="ctr"/>
+                <a:r>
+                  <a:rPr lang="ko-KR" altLang="en-US" sz="1600" b="1" dirty="0">
+                    <a:effectLst>
+                      <a:outerShdw blurRad="38100" dist="38100" dir="2700000" algn="tl">
+                        <a:srgbClr val="000000">
+                          <a:alpha val="43137"/>
+                        </a:srgbClr>
+                      </a:outerShdw>
+                    </a:effectLst>
+                    <a:latin typeface="한컴 말랑말랑 Bold" panose="020F0803000000000000" pitchFamily="50" charset="-127"/>
+                    <a:ea typeface="한컴 말랑말랑 Bold" panose="020F0803000000000000" pitchFamily="50" charset="-127"/>
+                  </a:rPr>
+                  <a:t>몇도까지 평소 마시던 도수 정의</a:t>
+                </a:r>
+              </a:p>
+            </p:txBody>
+          </p:sp>
+          <p:sp>
+            <p:nvSpPr>
+              <p:cNvPr id="9" name="TextBox 8">
+                <a:extLst>
+                  <a:ext uri="{FF2B5EF4-FFF2-40B4-BE49-F238E27FC236}">
+                    <a16:creationId xmlns:a16="http://schemas.microsoft.com/office/drawing/2014/main" id="{934F2112-E4C4-2E85-F475-46EBED45D05D}"/>
+                  </a:ext>
+                </a:extLst>
+              </p:cNvPr>
+              <p:cNvSpPr txBox="1"/>
+              <p:nvPr/>
+            </p:nvSpPr>
+            <p:spPr>
+              <a:xfrm>
+                <a:off x="3611757" y="821782"/>
+                <a:ext cx="1626541" cy="461665"/>
+              </a:xfrm>
+              <a:prstGeom prst="rect">
+                <a:avLst/>
+              </a:prstGeom>
+              <a:noFill/>
+            </p:spPr>
+            <p:txBody>
+              <a:bodyPr wrap="square" rtlCol="0">
+                <a:spAutoFit/>
+              </a:bodyPr>
+              <a:lstStyle/>
+              <a:p>
+                <a:r>
+                  <a:rPr lang="en-US" altLang="ko-KR" sz="2400" b="1" dirty="0">
+                    <a:solidFill>
+                      <a:srgbClr val="FF0000"/>
+                    </a:solidFill>
+                    <a:effectLst>
+                      <a:outerShdw blurRad="38100" dist="38100" dir="2700000" algn="tl">
+                        <a:srgbClr val="000000">
+                          <a:alpha val="43137"/>
+                        </a:srgbClr>
+                      </a:outerShdw>
+                    </a:effectLst>
+                    <a:latin typeface="한컴 말랑말랑 Bold" panose="020F0803000000000000" pitchFamily="50" charset="-127"/>
+                    <a:ea typeface="한컴 말랑말랑 Bold" panose="020F0803000000000000" pitchFamily="50" charset="-127"/>
+                  </a:rPr>
+                  <a:t>Problem</a:t>
+                </a:r>
+                <a:endParaRPr lang="ko-KR" altLang="en-US" sz="2400" dirty="0">
+                  <a:solidFill>
+                    <a:srgbClr val="FF0000"/>
+                  </a:solidFill>
+                  <a:effectLst>
+                    <a:outerShdw blurRad="38100" dist="38100" dir="2700000" algn="tl">
+                      <a:srgbClr val="000000">
+                        <a:alpha val="43137"/>
+                      </a:srgbClr>
+                    </a:outerShdw>
+                  </a:effectLst>
+                  <a:latin typeface="한컴 말랑말랑 Bold" panose="020F0803000000000000" pitchFamily="50" charset="-127"/>
+                  <a:ea typeface="한컴 말랑말랑 Bold" panose="020F0803000000000000" pitchFamily="50" charset="-127"/>
+                </a:endParaRPr>
+              </a:p>
+            </p:txBody>
+          </p:sp>
+        </p:grpSp>
+        <p:pic>
+          <p:nvPicPr>
+            <p:cNvPr id="1026" name="Picture 2" descr="Problem ">
+              <a:extLst>
+                <a:ext uri="{FF2B5EF4-FFF2-40B4-BE49-F238E27FC236}">
+                  <a16:creationId xmlns:a16="http://schemas.microsoft.com/office/drawing/2014/main" id="{7F683B49-34DF-5A22-C244-D5D52E4B490F}"/>
+                </a:ext>
+              </a:extLst>
+            </p:cNvPr>
+            <p:cNvPicPr>
+              <a:picLocks noChangeAspect="1" noChangeArrowheads="1"/>
+            </p:cNvPicPr>
+            <p:nvPr/>
+          </p:nvPicPr>
+          <p:blipFill>
+            <a:blip r:embed="rId2">
+              <a:extLst>
+                <a:ext uri="{28A0092B-C50C-407E-A947-70E740481C1C}">
+                  <a14:useLocalDpi xmlns:a14="http://schemas.microsoft.com/office/drawing/2010/main" val="0"/>
+                </a:ext>
+              </a:extLst>
+            </a:blip>
+            <a:srcRect/>
+            <a:stretch>
+              <a:fillRect/>
+            </a:stretch>
+          </p:blipFill>
+          <p:spPr bwMode="auto">
+            <a:xfrm>
+              <a:off x="1592453" y="2691661"/>
+              <a:ext cx="1824330" cy="1824330"/>
+            </a:xfrm>
+            <a:prstGeom prst="rect">
+              <a:avLst/>
+            </a:prstGeom>
+            <a:noFill/>
+            <a:extLst>
+              <a:ext uri="{909E8E84-426E-40DD-AFC4-6F175D3DCCD1}">
+                <a14:hiddenFill xmlns:a14="http://schemas.microsoft.com/office/drawing/2010/main">
+                  <a:solidFill>
+                    <a:srgbClr val="FFFFFF"/>
+                  </a:solidFill>
+                </a14:hiddenFill>
+              </a:ext>
+            </a:extLst>
+          </p:spPr>
+        </p:pic>
+      </p:grpSp>
+      <p:sp>
+        <p:nvSpPr>
+          <p:cNvPr id="20" name="TextBox 19">
+            <a:extLst>
+              <a:ext uri="{FF2B5EF4-FFF2-40B4-BE49-F238E27FC236}">
+                <a16:creationId xmlns:a16="http://schemas.microsoft.com/office/drawing/2014/main" id="{2E509985-0BEF-1D7D-C777-2952382FB401}"/>
+              </a:ext>
+            </a:extLst>
+          </p:cNvPr>
+          <p:cNvSpPr txBox="1"/>
+          <p:nvPr/>
+        </p:nvSpPr>
+        <p:spPr>
+          <a:xfrm>
+            <a:off x="0" y="5691134"/>
+            <a:ext cx="12192000" cy="646331"/>
+          </a:xfrm>
+          <a:prstGeom prst="rect">
+            <a:avLst/>
+          </a:prstGeom>
+          <a:noFill/>
+        </p:spPr>
+        <p:txBody>
+          <a:bodyPr wrap="square" rtlCol="0">
+            <a:spAutoFit/>
+          </a:bodyPr>
+          <a:lstStyle/>
+          <a:p>
+            <a:pPr algn="ctr"/>
+            <a:r>
+              <a:rPr lang="ko-KR" altLang="en-US" b="1" dirty="0">
+                <a:effectLst>
+                  <a:outerShdw blurRad="38100" dist="38100" dir="2700000" algn="tl">
+                    <a:srgbClr val="000000">
+                      <a:alpha val="43137"/>
+                    </a:srgbClr>
+                  </a:outerShdw>
+                </a:effectLst>
+                <a:latin typeface="한컴 말랑말랑 Bold" panose="020F0803000000000000" pitchFamily="50" charset="-127"/>
+                <a:ea typeface="한컴 말랑말랑 Bold" panose="020F0803000000000000" pitchFamily="50" charset="-127"/>
+              </a:rPr>
+              <a:t>평소 마시던 </a:t>
+            </a:r>
+            <a:r>
+              <a:rPr lang="ko-KR" altLang="en-US" b="1" dirty="0">
+                <a:solidFill>
+                  <a:srgbClr val="0070C0"/>
+                </a:solidFill>
+                <a:effectLst>
+                  <a:outerShdw blurRad="38100" dist="38100" dir="2700000" algn="tl">
+                    <a:srgbClr val="000000">
+                      <a:alpha val="43137"/>
+                    </a:srgbClr>
+                  </a:outerShdw>
+                </a:effectLst>
+                <a:latin typeface="한컴 말랑말랑 Bold" panose="020F0803000000000000" pitchFamily="50" charset="-127"/>
+                <a:ea typeface="한컴 말랑말랑 Bold" panose="020F0803000000000000" pitchFamily="50" charset="-127"/>
+              </a:rPr>
+              <a:t>술의 도수를 몇 도로 설정</a:t>
+            </a:r>
+            <a:r>
+              <a:rPr lang="ko-KR" altLang="en-US" b="1" dirty="0">
+                <a:effectLst>
+                  <a:outerShdw blurRad="38100" dist="38100" dir="2700000" algn="tl">
+                    <a:srgbClr val="000000">
+                      <a:alpha val="43137"/>
+                    </a:srgbClr>
+                  </a:outerShdw>
+                </a:effectLst>
+                <a:latin typeface="한컴 말랑말랑 Bold" panose="020F0803000000000000" pitchFamily="50" charset="-127"/>
+                <a:ea typeface="한컴 말랑말랑 Bold" panose="020F0803000000000000" pitchFamily="50" charset="-127"/>
+              </a:rPr>
+              <a:t>할 것인가에 대한 정의가 필요했고</a:t>
+            </a:r>
+            <a:endParaRPr lang="en-US" altLang="ko-KR" b="1" dirty="0">
+              <a:effectLst>
+                <a:outerShdw blurRad="38100" dist="38100" dir="2700000" algn="tl">
+                  <a:srgbClr val="000000">
+                    <a:alpha val="43137"/>
+                  </a:srgbClr>
+                </a:outerShdw>
+              </a:effectLst>
+              <a:latin typeface="한컴 말랑말랑 Bold" panose="020F0803000000000000" pitchFamily="50" charset="-127"/>
+              <a:ea typeface="한컴 말랑말랑 Bold" panose="020F0803000000000000" pitchFamily="50" charset="-127"/>
+            </a:endParaRPr>
+          </a:p>
+          <a:p>
+            <a:pPr algn="ctr"/>
+            <a:r>
+              <a:rPr lang="ko-KR" altLang="en-US" b="1" dirty="0">
+                <a:effectLst>
+                  <a:outerShdw blurRad="38100" dist="38100" dir="2700000" algn="tl">
+                    <a:srgbClr val="000000">
+                      <a:alpha val="43137"/>
+                    </a:srgbClr>
+                  </a:outerShdw>
+                </a:effectLst>
+                <a:latin typeface="한컴 말랑말랑 Bold" panose="020F0803000000000000" pitchFamily="50" charset="-127"/>
+                <a:ea typeface="한컴 말랑말랑 Bold" panose="020F0803000000000000" pitchFamily="50" charset="-127"/>
+              </a:rPr>
+              <a:t>이를 해결하기 위해 </a:t>
+            </a:r>
+            <a:r>
+              <a:rPr lang="ko-KR" altLang="en-US" b="1" dirty="0">
+                <a:solidFill>
+                  <a:srgbClr val="0070C0"/>
+                </a:solidFill>
+                <a:effectLst>
+                  <a:outerShdw blurRad="38100" dist="38100" dir="2700000" algn="tl">
+                    <a:srgbClr val="000000">
+                      <a:alpha val="43137"/>
+                    </a:srgbClr>
+                  </a:outerShdw>
+                </a:effectLst>
+                <a:latin typeface="한컴 말랑말랑 Bold" panose="020F0803000000000000" pitchFamily="50" charset="-127"/>
+                <a:ea typeface="한컴 말랑말랑 Bold" panose="020F0803000000000000" pitchFamily="50" charset="-127"/>
+              </a:rPr>
+              <a:t>기존에 있던 술 추천 서비스를 참고</a:t>
+            </a:r>
+            <a:r>
+              <a:rPr lang="ko-KR" altLang="en-US" b="1" dirty="0">
+                <a:effectLst>
+                  <a:outerShdw blurRad="38100" dist="38100" dir="2700000" algn="tl">
+                    <a:srgbClr val="000000">
+                      <a:alpha val="43137"/>
+                    </a:srgbClr>
+                  </a:outerShdw>
+                </a:effectLst>
+                <a:latin typeface="한컴 말랑말랑 Bold" panose="020F0803000000000000" pitchFamily="50" charset="-127"/>
+                <a:ea typeface="한컴 말랑말랑 Bold" panose="020F0803000000000000" pitchFamily="50" charset="-127"/>
+              </a:rPr>
+              <a:t>하여 </a:t>
+            </a:r>
+            <a:r>
+              <a:rPr lang="en-US" altLang="ko-KR" sz="1800" b="1" dirty="0">
+                <a:effectLst>
+                  <a:outerShdw blurRad="38100" dist="38100" dir="2700000" algn="tl">
+                    <a:srgbClr val="000000">
+                      <a:alpha val="43137"/>
+                    </a:srgbClr>
+                  </a:outerShdw>
+                </a:effectLst>
+                <a:latin typeface="한컴 말랑말랑 Bold" panose="020F0803000000000000" pitchFamily="50" charset="-127"/>
+                <a:ea typeface="한컴 말랑말랑 Bold" panose="020F0803000000000000" pitchFamily="50" charset="-127"/>
+              </a:rPr>
+              <a:t>±3%</a:t>
+            </a:r>
+            <a:r>
+              <a:rPr lang="ko-KR" altLang="en-US" sz="1800" b="1" dirty="0">
+                <a:effectLst>
+                  <a:outerShdw blurRad="38100" dist="38100" dir="2700000" algn="tl">
+                    <a:srgbClr val="000000">
+                      <a:alpha val="43137"/>
+                    </a:srgbClr>
+                  </a:outerShdw>
+                </a:effectLst>
+                <a:latin typeface="한컴 말랑말랑 Bold" panose="020F0803000000000000" pitchFamily="50" charset="-127"/>
+                <a:ea typeface="한컴 말랑말랑 Bold" panose="020F0803000000000000" pitchFamily="50" charset="-127"/>
+              </a:rPr>
+              <a:t>로 설정하기로 정의</a:t>
+            </a:r>
+            <a:endParaRPr lang="ko-KR" altLang="en-US" b="1" dirty="0">
+              <a:effectLst>
+                <a:outerShdw blurRad="38100" dist="38100" dir="2700000" algn="tl">
+                  <a:srgbClr val="000000">
+                    <a:alpha val="43137"/>
+                  </a:srgbClr>
+                </a:outerShdw>
+              </a:effectLst>
+              <a:latin typeface="한컴 말랑말랑 Bold" panose="020F0803000000000000" pitchFamily="50" charset="-127"/>
+              <a:ea typeface="한컴 말랑말랑 Bold" panose="020F0803000000000000" pitchFamily="50" charset="-127"/>
+            </a:endParaRPr>
+          </a:p>
+        </p:txBody>
+      </p:sp>
+      <p:grpSp>
+        <p:nvGrpSpPr>
+          <p:cNvPr id="22" name="그룹 21">
+            <a:extLst>
+              <a:ext uri="{FF2B5EF4-FFF2-40B4-BE49-F238E27FC236}">
+                <a16:creationId xmlns:a16="http://schemas.microsoft.com/office/drawing/2014/main" id="{07C5A72E-AFB4-881F-B6C2-D24499FE2CA3}"/>
+              </a:ext>
+            </a:extLst>
+          </p:cNvPr>
+          <p:cNvGrpSpPr/>
+          <p:nvPr/>
+        </p:nvGrpSpPr>
+        <p:grpSpPr>
+          <a:xfrm>
+            <a:off x="4884587" y="2252313"/>
+            <a:ext cx="2489784" cy="2857559"/>
+            <a:chOff x="4790465" y="2322329"/>
+            <a:chExt cx="2489784" cy="2857559"/>
+          </a:xfrm>
+        </p:grpSpPr>
+        <p:grpSp>
+          <p:nvGrpSpPr>
+            <p:cNvPr id="12" name="그룹 11">
+              <a:extLst>
+                <a:ext uri="{FF2B5EF4-FFF2-40B4-BE49-F238E27FC236}">
+                  <a16:creationId xmlns:a16="http://schemas.microsoft.com/office/drawing/2014/main" id="{A11BB2EE-288E-3349-221D-732EABFDF42A}"/>
+                </a:ext>
+              </a:extLst>
+            </p:cNvPr>
+            <p:cNvGrpSpPr/>
+            <p:nvPr/>
+          </p:nvGrpSpPr>
+          <p:grpSpPr>
+            <a:xfrm>
+              <a:off x="4790465" y="2322329"/>
+              <a:ext cx="2489784" cy="2857559"/>
+              <a:chOff x="3611758" y="1396535"/>
+              <a:chExt cx="2489784" cy="2013531"/>
+            </a:xfrm>
+          </p:grpSpPr>
+          <p:sp>
+            <p:nvSpPr>
+              <p:cNvPr id="15" name="TextBox 14">
+                <a:extLst>
+                  <a:ext uri="{FF2B5EF4-FFF2-40B4-BE49-F238E27FC236}">
+                    <a16:creationId xmlns:a16="http://schemas.microsoft.com/office/drawing/2014/main" id="{8105D007-A108-9CE8-491F-2628ACB805E6}"/>
+                  </a:ext>
+                </a:extLst>
+              </p:cNvPr>
+              <p:cNvSpPr txBox="1"/>
+              <p:nvPr/>
+            </p:nvSpPr>
+            <p:spPr>
+              <a:xfrm>
+                <a:off x="3611758" y="3171510"/>
+                <a:ext cx="2489784" cy="238556"/>
+              </a:xfrm>
+              <a:prstGeom prst="rect">
+                <a:avLst/>
+              </a:prstGeom>
+              <a:noFill/>
+            </p:spPr>
+            <p:txBody>
+              <a:bodyPr wrap="square" rtlCol="0">
+                <a:spAutoFit/>
+              </a:bodyPr>
+              <a:lstStyle/>
+              <a:p>
+                <a:pPr algn="ctr"/>
+                <a:r>
+                  <a:rPr lang="ko-KR" altLang="en-US" sz="1600" b="1" dirty="0">
+                    <a:effectLst>
+                      <a:outerShdw blurRad="38100" dist="38100" dir="2700000" algn="tl">
+                        <a:srgbClr val="000000">
+                          <a:alpha val="43137"/>
+                        </a:srgbClr>
+                      </a:outerShdw>
+                    </a:effectLst>
+                    <a:latin typeface="한컴 말랑말랑 Bold" panose="020F0803000000000000" pitchFamily="50" charset="-127"/>
+                    <a:ea typeface="한컴 말랑말랑 Bold" panose="020F0803000000000000" pitchFamily="50" charset="-127"/>
+                  </a:rPr>
+                  <a:t>선행 연구자료 참고</a:t>
+                </a:r>
+              </a:p>
+            </p:txBody>
+          </p:sp>
+          <p:sp>
+            <p:nvSpPr>
+              <p:cNvPr id="16" name="TextBox 15">
+                <a:extLst>
+                  <a:ext uri="{FF2B5EF4-FFF2-40B4-BE49-F238E27FC236}">
+                    <a16:creationId xmlns:a16="http://schemas.microsoft.com/office/drawing/2014/main" id="{DFA13B84-FACD-716F-4B55-5256AF91E5DC}"/>
+                  </a:ext>
+                </a:extLst>
+              </p:cNvPr>
+              <p:cNvSpPr txBox="1"/>
+              <p:nvPr/>
+            </p:nvSpPr>
+            <p:spPr>
+              <a:xfrm>
+                <a:off x="3683071" y="1396535"/>
+                <a:ext cx="1386622" cy="325305"/>
+              </a:xfrm>
+              <a:prstGeom prst="rect">
+                <a:avLst/>
+              </a:prstGeom>
+              <a:noFill/>
+            </p:spPr>
+            <p:txBody>
+              <a:bodyPr wrap="square" rtlCol="0">
+                <a:spAutoFit/>
+              </a:bodyPr>
+              <a:lstStyle/>
+              <a:p>
+                <a:r>
+                  <a:rPr lang="en-US" altLang="ko-KR" sz="2400" b="1" dirty="0">
+                    <a:solidFill>
+                      <a:srgbClr val="FF0000"/>
+                    </a:solidFill>
+                    <a:effectLst>
+                      <a:outerShdw blurRad="38100" dist="38100" dir="2700000" algn="tl">
+                        <a:srgbClr val="000000">
+                          <a:alpha val="43137"/>
+                        </a:srgbClr>
+                      </a:outerShdw>
+                    </a:effectLst>
+                    <a:latin typeface="한컴 말랑말랑 Bold" panose="020F0803000000000000" pitchFamily="50" charset="-127"/>
+                    <a:ea typeface="한컴 말랑말랑 Bold" panose="020F0803000000000000" pitchFamily="50" charset="-127"/>
+                  </a:rPr>
+                  <a:t>Solution</a:t>
+                </a:r>
+                <a:endParaRPr lang="ko-KR" altLang="en-US" sz="2400" b="1" dirty="0">
+                  <a:solidFill>
+                    <a:srgbClr val="FF0000"/>
+                  </a:solidFill>
+                  <a:effectLst>
+                    <a:outerShdw blurRad="38100" dist="38100" dir="2700000" algn="tl">
+                      <a:srgbClr val="000000">
+                        <a:alpha val="43137"/>
+                      </a:srgbClr>
+                    </a:outerShdw>
+                  </a:effectLst>
+                  <a:latin typeface="한컴 말랑말랑 Bold" panose="020F0803000000000000" pitchFamily="50" charset="-127"/>
+                  <a:ea typeface="한컴 말랑말랑 Bold" panose="020F0803000000000000" pitchFamily="50" charset="-127"/>
+                </a:endParaRPr>
+              </a:p>
+            </p:txBody>
+          </p:sp>
+        </p:grpSp>
+        <p:pic>
+          <p:nvPicPr>
+            <p:cNvPr id="1028" name="Picture 4" descr="Research ">
+              <a:extLst>
+                <a:ext uri="{FF2B5EF4-FFF2-40B4-BE49-F238E27FC236}">
+                  <a16:creationId xmlns:a16="http://schemas.microsoft.com/office/drawing/2014/main" id="{BF43BB19-7AA6-DA9C-6232-29C09CD7DA98}"/>
+                </a:ext>
+              </a:extLst>
+            </p:cNvPr>
+            <p:cNvPicPr>
+              <a:picLocks noChangeAspect="1" noChangeArrowheads="1"/>
+            </p:cNvPicPr>
+            <p:nvPr/>
+          </p:nvPicPr>
+          <p:blipFill>
+            <a:blip r:embed="rId3">
+              <a:extLst>
+                <a:ext uri="{28A0092B-C50C-407E-A947-70E740481C1C}">
+                  <a14:useLocalDpi xmlns:a14="http://schemas.microsoft.com/office/drawing/2010/main" val="0"/>
+                </a:ext>
+              </a:extLst>
+            </a:blip>
+            <a:srcRect/>
+            <a:stretch>
+              <a:fillRect/>
+            </a:stretch>
+          </p:blipFill>
+          <p:spPr bwMode="auto">
+            <a:xfrm>
+              <a:off x="5028696" y="2722014"/>
+              <a:ext cx="2236694" cy="2236694"/>
+            </a:xfrm>
+            <a:prstGeom prst="rect">
+              <a:avLst/>
+            </a:prstGeom>
+            <a:noFill/>
+            <a:extLst>
+              <a:ext uri="{909E8E84-426E-40DD-AFC4-6F175D3DCCD1}">
+                <a14:hiddenFill xmlns:a14="http://schemas.microsoft.com/office/drawing/2010/main">
+                  <a:solidFill>
+                    <a:srgbClr val="FFFFFF"/>
+                  </a:solidFill>
+                </a14:hiddenFill>
+              </a:ext>
+            </a:extLst>
+          </p:spPr>
+        </p:pic>
+      </p:grpSp>
+    </p:spTree>
+    <p:extLst>
+      <p:ext uri="{BB962C8B-B14F-4D97-AF65-F5344CB8AC3E}">
+        <p14:creationId xmlns:p14="http://schemas.microsoft.com/office/powerpoint/2010/main" val="3039887316"/>
+      </p:ext>
+    </p:extLst>
+  </p:cSld>
+  <p:clrMapOvr>
+    <a:masterClrMapping/>
+  </p:clrMapOvr>
+</p:sld>
+</file>
+
+<file path=ppt/slides/slide21.xml><?xml version="1.0" encoding="utf-8"?>
+<p:sld xmlns:a="http://schemas.openxmlformats.org/drawingml/2006/main" xmlns:r="http://schemas.openxmlformats.org/officeDocument/2006/relationships" xmlns:p="http://schemas.openxmlformats.org/presentationml/2006/main">
+  <p:cSld>
+    <p:spTree>
+      <p:nvGrpSpPr>
+        <p:cNvPr id="1" name=""/>
+        <p:cNvGrpSpPr/>
+        <p:nvPr/>
+      </p:nvGrpSpPr>
+      <p:grpSpPr>
+        <a:xfrm>
+          <a:off x="0" y="0"/>
+          <a:ext cx="0" cy="0"/>
+          <a:chOff x="0" y="0"/>
+          <a:chExt cx="0" cy="0"/>
+        </a:xfrm>
+      </p:grpSpPr>
+      <p:sp>
+        <p:nvSpPr>
+          <p:cNvPr id="7" name="모서리가 둥근 직사각형 6"/>
+          <p:cNvSpPr/>
+          <p:nvPr/>
+        </p:nvSpPr>
+        <p:spPr>
+          <a:xfrm>
+            <a:off x="2243154" y="2950097"/>
+            <a:ext cx="3566516" cy="3155428"/>
+          </a:xfrm>
+          <a:prstGeom prst="roundRect">
+            <a:avLst>
+              <a:gd name="adj" fmla="val 6207"/>
+            </a:avLst>
+          </a:prstGeom>
+          <a:solidFill>
+            <a:srgbClr val="FDF7F4"/>
+          </a:solidFill>
+          <a:ln>
+            <a:noFill/>
+          </a:ln>
+          <a:effectLst>
+            <a:outerShdw blurRad="50800" dist="38100" dir="2700000" algn="tl" rotWithShape="0">
+              <a:prstClr val="black">
+                <a:alpha val="40000"/>
+              </a:prstClr>
+            </a:outerShdw>
+          </a:effectLst>
+        </p:spPr>
+        <p:style>
+          <a:lnRef idx="2">
+            <a:schemeClr val="dk1"/>
+          </a:lnRef>
+          <a:fillRef idx="1">
+            <a:schemeClr val="lt1"/>
+          </a:fillRef>
+          <a:effectRef idx="0">
+            <a:schemeClr val="dk1"/>
+          </a:effectRef>
+          <a:fontRef idx="minor">
+            <a:schemeClr val="dk1"/>
+          </a:fontRef>
+        </p:style>
+        <p:txBody>
+          <a:bodyPr rtlCol="0" anchor="ctr"/>
+          <a:lstStyle/>
+          <a:p>
+            <a:pPr algn="ctr"/>
+            <a:endParaRPr lang="ko-KR" altLang="en-US">
+              <a:latin typeface="한컴 말랑말랑 Bold" panose="020F0803000000000000" pitchFamily="50" charset="-127"/>
+              <a:ea typeface="한컴 말랑말랑 Bold" panose="020F0803000000000000" pitchFamily="50" charset="-127"/>
+              <a:cs typeface="KoPubWorld돋움체 Medium" panose="00000600000000000000" pitchFamily="2" charset="-127"/>
+            </a:endParaRPr>
+          </a:p>
+        </p:txBody>
+      </p:sp>
+      <p:grpSp>
+        <p:nvGrpSpPr>
+          <p:cNvPr id="13" name="그룹 12"/>
+          <p:cNvGrpSpPr/>
+          <p:nvPr/>
+        </p:nvGrpSpPr>
+        <p:grpSpPr>
+          <a:xfrm>
+            <a:off x="2657284" y="3327609"/>
+            <a:ext cx="2681190" cy="2681191"/>
+            <a:chOff x="7429499" y="2032494"/>
+            <a:chExt cx="3600000" cy="3600000"/>
+          </a:xfrm>
+        </p:grpSpPr>
+        <p:cxnSp>
+          <p:nvCxnSpPr>
+            <p:cNvPr id="11" name="직선 화살표 연결선 10"/>
+            <p:cNvCxnSpPr/>
+            <p:nvPr/>
+          </p:nvCxnSpPr>
+          <p:spPr>
+            <a:xfrm flipV="1">
+              <a:off x="7631824" y="2032494"/>
+              <a:ext cx="0" cy="3600000"/>
+            </a:xfrm>
+            <a:prstGeom prst="straightConnector1">
+              <a:avLst/>
+            </a:prstGeom>
+            <a:ln w="38100">
+              <a:solidFill>
+                <a:srgbClr val="1B0900"/>
+              </a:solidFill>
+              <a:tailEnd type="triangle"/>
+            </a:ln>
+          </p:spPr>
+          <p:style>
+            <a:lnRef idx="1">
+              <a:schemeClr val="accent1"/>
+            </a:lnRef>
+            <a:fillRef idx="0">
+              <a:schemeClr val="accent1"/>
+            </a:fillRef>
+            <a:effectRef idx="0">
+              <a:schemeClr val="accent1"/>
+            </a:effectRef>
+            <a:fontRef idx="minor">
+              <a:schemeClr val="tx1"/>
+            </a:fontRef>
+          </p:style>
+        </p:cxnSp>
+        <p:cxnSp>
+          <p:nvCxnSpPr>
+            <p:cNvPr id="12" name="직선 화살표 연결선 11"/>
+            <p:cNvCxnSpPr/>
+            <p:nvPr/>
+          </p:nvCxnSpPr>
+          <p:spPr>
+            <a:xfrm>
+              <a:off x="7429499" y="5412648"/>
+              <a:ext cx="3600000" cy="0"/>
+            </a:xfrm>
+            <a:prstGeom prst="straightConnector1">
+              <a:avLst/>
+            </a:prstGeom>
+            <a:ln w="38100">
+              <a:solidFill>
+                <a:srgbClr val="1B0900"/>
+              </a:solidFill>
+              <a:tailEnd type="triangle"/>
+            </a:ln>
+          </p:spPr>
+          <p:style>
+            <a:lnRef idx="1">
+              <a:schemeClr val="accent1"/>
+            </a:lnRef>
+            <a:fillRef idx="0">
+              <a:schemeClr val="accent1"/>
+            </a:fillRef>
+            <a:effectRef idx="0">
+              <a:schemeClr val="accent1"/>
+            </a:effectRef>
+            <a:fontRef idx="minor">
+              <a:schemeClr val="tx1"/>
+            </a:fontRef>
+          </p:style>
+        </p:cxnSp>
+      </p:grpSp>
+      <p:sp>
+        <p:nvSpPr>
+          <p:cNvPr id="49" name="모서리가 둥근 직사각형 48"/>
+          <p:cNvSpPr/>
+          <p:nvPr/>
+        </p:nvSpPr>
+        <p:spPr>
+          <a:xfrm>
+            <a:off x="8067978" y="2950097"/>
+            <a:ext cx="3566516" cy="3155428"/>
+          </a:xfrm>
+          <a:prstGeom prst="roundRect">
+            <a:avLst>
+              <a:gd name="adj" fmla="val 6207"/>
+            </a:avLst>
+          </a:prstGeom>
+          <a:solidFill>
+            <a:srgbClr val="FDF7F4"/>
+          </a:solidFill>
+          <a:ln>
+            <a:noFill/>
+          </a:ln>
+          <a:effectLst>
+            <a:outerShdw blurRad="50800" dist="38100" dir="2700000" algn="tl" rotWithShape="0">
+              <a:prstClr val="black">
+                <a:alpha val="40000"/>
+              </a:prstClr>
+            </a:outerShdw>
+          </a:effectLst>
+        </p:spPr>
+        <p:style>
+          <a:lnRef idx="2">
+            <a:schemeClr val="dk1"/>
+          </a:lnRef>
+          <a:fillRef idx="1">
+            <a:schemeClr val="lt1"/>
+          </a:fillRef>
+          <a:effectRef idx="0">
+            <a:schemeClr val="dk1"/>
+          </a:effectRef>
+          <a:fontRef idx="minor">
+            <a:schemeClr val="dk1"/>
+          </a:fontRef>
+        </p:style>
+        <p:txBody>
+          <a:bodyPr rtlCol="0" anchor="ctr"/>
+          <a:lstStyle/>
+          <a:p>
+            <a:pPr algn="ctr"/>
+            <a:endParaRPr lang="ko-KR" altLang="en-US">
+              <a:latin typeface="한컴 말랑말랑 Bold" panose="020F0803000000000000" pitchFamily="50" charset="-127"/>
+              <a:ea typeface="한컴 말랑말랑 Bold" panose="020F0803000000000000" pitchFamily="50" charset="-127"/>
+              <a:cs typeface="KoPubWorld돋움체 Medium" panose="00000600000000000000" pitchFamily="2" charset="-127"/>
+            </a:endParaRPr>
+          </a:p>
+        </p:txBody>
+      </p:sp>
+      <p:grpSp>
+        <p:nvGrpSpPr>
+          <p:cNvPr id="50" name="그룹 49"/>
+          <p:cNvGrpSpPr/>
+          <p:nvPr/>
+        </p:nvGrpSpPr>
+        <p:grpSpPr>
+          <a:xfrm>
+            <a:off x="8482108" y="3327609"/>
+            <a:ext cx="2681190" cy="2681191"/>
+            <a:chOff x="7429499" y="2032494"/>
+            <a:chExt cx="3600000" cy="3600000"/>
+          </a:xfrm>
+        </p:grpSpPr>
+        <p:cxnSp>
+          <p:nvCxnSpPr>
+            <p:cNvPr id="59" name="직선 화살표 연결선 58"/>
+            <p:cNvCxnSpPr/>
+            <p:nvPr/>
+          </p:nvCxnSpPr>
+          <p:spPr>
+            <a:xfrm flipV="1">
+              <a:off x="7631824" y="2032494"/>
+              <a:ext cx="0" cy="3600000"/>
+            </a:xfrm>
+            <a:prstGeom prst="straightConnector1">
+              <a:avLst/>
+            </a:prstGeom>
+            <a:ln w="38100">
+              <a:solidFill>
+                <a:srgbClr val="1B0900"/>
+              </a:solidFill>
+              <a:tailEnd type="triangle"/>
+            </a:ln>
+          </p:spPr>
+          <p:style>
+            <a:lnRef idx="1">
+              <a:schemeClr val="accent1"/>
+            </a:lnRef>
+            <a:fillRef idx="0">
+              <a:schemeClr val="accent1"/>
+            </a:fillRef>
+            <a:effectRef idx="0">
+              <a:schemeClr val="accent1"/>
+            </a:effectRef>
+            <a:fontRef idx="minor">
+              <a:schemeClr val="tx1"/>
+            </a:fontRef>
+          </p:style>
+        </p:cxnSp>
+        <p:cxnSp>
+          <p:nvCxnSpPr>
+            <p:cNvPr id="60" name="직선 화살표 연결선 59"/>
+            <p:cNvCxnSpPr/>
+            <p:nvPr/>
+          </p:nvCxnSpPr>
+          <p:spPr>
+            <a:xfrm>
+              <a:off x="7429499" y="5412648"/>
+              <a:ext cx="3600000" cy="0"/>
+            </a:xfrm>
+            <a:prstGeom prst="straightConnector1">
+              <a:avLst/>
+            </a:prstGeom>
+            <a:ln w="38100">
+              <a:solidFill>
+                <a:srgbClr val="1B0900"/>
+              </a:solidFill>
+              <a:tailEnd type="triangle"/>
+            </a:ln>
+          </p:spPr>
+          <p:style>
+            <a:lnRef idx="1">
+              <a:schemeClr val="accent1"/>
+            </a:lnRef>
+            <a:fillRef idx="0">
+              <a:schemeClr val="accent1"/>
+            </a:fillRef>
+            <a:effectRef idx="0">
+              <a:schemeClr val="accent1"/>
+            </a:effectRef>
+            <a:fontRef idx="minor">
+              <a:schemeClr val="tx1"/>
+            </a:fontRef>
+          </p:style>
+        </p:cxnSp>
+      </p:grpSp>
+      <p:sp>
+        <p:nvSpPr>
+          <p:cNvPr id="47" name="모서리가 둥근 직사각형 46"/>
+          <p:cNvSpPr/>
+          <p:nvPr/>
+        </p:nvSpPr>
+        <p:spPr>
+          <a:xfrm>
+            <a:off x="8526242" y="2310142"/>
+            <a:ext cx="2649989" cy="831081"/>
+          </a:xfrm>
+          <a:prstGeom prst="roundRect">
+            <a:avLst>
+              <a:gd name="adj" fmla="val 0"/>
+            </a:avLst>
+          </a:prstGeom>
+          <a:solidFill>
+            <a:srgbClr val="56453B"/>
+          </a:solidFill>
+          <a:ln>
+            <a:noFill/>
+          </a:ln>
+          <a:effectLst>
+            <a:outerShdw blurRad="50800" dist="38100" dir="2700000" algn="tl" rotWithShape="0">
+              <a:prstClr val="black">
+                <a:alpha val="40000"/>
+              </a:prstClr>
+            </a:outerShdw>
+          </a:effectLst>
+        </p:spPr>
+        <p:style>
+          <a:lnRef idx="2">
+            <a:schemeClr val="accent1">
+              <a:shade val="50000"/>
+            </a:schemeClr>
+          </a:lnRef>
+          <a:fillRef idx="1">
+            <a:schemeClr val="accent1"/>
+          </a:fillRef>
+          <a:effectRef idx="0">
+            <a:schemeClr val="accent1"/>
+          </a:effectRef>
+          <a:fontRef idx="minor">
+            <a:schemeClr val="lt1"/>
+          </a:fontRef>
+        </p:style>
+        <p:txBody>
+          <a:bodyPr rtlCol="0" anchor="ctr"/>
+          <a:lstStyle/>
+          <a:p>
+            <a:pPr lvl="0" algn="ctr"/>
+            <a:r>
+              <a:rPr lang="ko-KR" altLang="en-US" sz="2000" dirty="0" err="1">
+                <a:solidFill>
+                  <a:schemeClr val="bg1"/>
+                </a:solidFill>
+                <a:latin typeface="한컴 말랑말랑 Bold" panose="020F0803000000000000" pitchFamily="50" charset="-127"/>
+                <a:ea typeface="한컴 말랑말랑 Bold" panose="020F0803000000000000" pitchFamily="50" charset="-127"/>
+                <a:cs typeface="KoPubWorld돋움체 Bold" panose="00000800000000000000" pitchFamily="2" charset="-127"/>
+              </a:rPr>
+              <a:t>상대도수</a:t>
+            </a:r>
+            <a:r>
+              <a:rPr lang="ko-KR" altLang="en-US" sz="2000" dirty="0">
+                <a:solidFill>
+                  <a:schemeClr val="bg1"/>
+                </a:solidFill>
+                <a:latin typeface="한컴 말랑말랑 Bold" panose="020F0803000000000000" pitchFamily="50" charset="-127"/>
+                <a:ea typeface="한컴 말랑말랑 Bold" panose="020F0803000000000000" pitchFamily="50" charset="-127"/>
+                <a:cs typeface="KoPubWorld돋움체 Bold" panose="00000800000000000000" pitchFamily="2" charset="-127"/>
+              </a:rPr>
+              <a:t> </a:t>
+            </a:r>
+            <a:r>
+              <a:rPr lang="ko-KR" altLang="en-US" sz="2000" dirty="0" err="1">
+                <a:solidFill>
+                  <a:schemeClr val="bg1"/>
+                </a:solidFill>
+                <a:latin typeface="한컴 말랑말랑 Bold" panose="020F0803000000000000" pitchFamily="50" charset="-127"/>
+                <a:ea typeface="한컴 말랑말랑 Bold" panose="020F0803000000000000" pitchFamily="50" charset="-127"/>
+                <a:cs typeface="KoPubWorld돋움체 Bold" panose="00000800000000000000" pitchFamily="2" charset="-127"/>
+              </a:rPr>
+              <a:t>좌표편입</a:t>
+            </a:r>
+            <a:endParaRPr lang="en-US" altLang="ko-KR" sz="2000" dirty="0">
+              <a:solidFill>
+                <a:schemeClr val="bg1"/>
+              </a:solidFill>
+              <a:latin typeface="한컴 말랑말랑 Bold" panose="020F0803000000000000" pitchFamily="50" charset="-127"/>
+              <a:ea typeface="한컴 말랑말랑 Bold" panose="020F0803000000000000" pitchFamily="50" charset="-127"/>
+              <a:cs typeface="KoPubWorld돋움체 Bold" panose="00000800000000000000" pitchFamily="2" charset="-127"/>
+            </a:endParaRPr>
+          </a:p>
+          <a:p>
+            <a:pPr lvl="0" algn="ctr"/>
+            <a:r>
+              <a:rPr lang="ko-KR" altLang="en-US" sz="2000" dirty="0">
+                <a:solidFill>
+                  <a:schemeClr val="bg1"/>
+                </a:solidFill>
+                <a:latin typeface="한컴 말랑말랑 Bold" panose="020F0803000000000000" pitchFamily="50" charset="-127"/>
+                <a:ea typeface="한컴 말랑말랑 Bold" panose="020F0803000000000000" pitchFamily="50" charset="-127"/>
+                <a:cs typeface="KoPubWorld돋움체 Bold" panose="00000800000000000000" pitchFamily="2" charset="-127"/>
+              </a:rPr>
+              <a:t>알고리즘 실행 결과</a:t>
+            </a:r>
+          </a:p>
+        </p:txBody>
+      </p:sp>
+      <p:sp>
+        <p:nvSpPr>
+          <p:cNvPr id="61" name="모서리가 둥근 직사각형 60"/>
+          <p:cNvSpPr/>
+          <p:nvPr/>
+        </p:nvSpPr>
+        <p:spPr>
+          <a:xfrm>
+            <a:off x="2701416" y="2310142"/>
+            <a:ext cx="2649989" cy="831081"/>
+          </a:xfrm>
+          <a:prstGeom prst="roundRect">
+            <a:avLst>
+              <a:gd name="adj" fmla="val 0"/>
+            </a:avLst>
+          </a:prstGeom>
+          <a:solidFill>
+            <a:srgbClr val="56453B"/>
+          </a:solidFill>
+          <a:ln>
+            <a:noFill/>
+          </a:ln>
+          <a:effectLst>
+            <a:outerShdw blurRad="50800" dist="38100" dir="2700000" algn="tl" rotWithShape="0">
+              <a:prstClr val="black">
+                <a:alpha val="40000"/>
+              </a:prstClr>
+            </a:outerShdw>
+          </a:effectLst>
+        </p:spPr>
+        <p:style>
+          <a:lnRef idx="2">
+            <a:schemeClr val="accent1">
+              <a:shade val="50000"/>
+            </a:schemeClr>
+          </a:lnRef>
+          <a:fillRef idx="1">
+            <a:schemeClr val="accent1"/>
+          </a:fillRef>
+          <a:effectRef idx="0">
+            <a:schemeClr val="accent1"/>
+          </a:effectRef>
+          <a:fontRef idx="minor">
+            <a:schemeClr val="lt1"/>
+          </a:fontRef>
+        </p:style>
+        <p:txBody>
+          <a:bodyPr rtlCol="0" anchor="ctr"/>
+          <a:lstStyle/>
+          <a:p>
+            <a:pPr lvl="0" algn="ctr"/>
+            <a:r>
+              <a:rPr lang="ko-KR" altLang="en-US" sz="2000" dirty="0" err="1">
+                <a:solidFill>
+                  <a:schemeClr val="bg1"/>
+                </a:solidFill>
+                <a:latin typeface="한컴 말랑말랑 Bold" panose="020F0803000000000000" pitchFamily="50" charset="-127"/>
+                <a:ea typeface="한컴 말랑말랑 Bold" panose="020F0803000000000000" pitchFamily="50" charset="-127"/>
+                <a:cs typeface="KoPubWorld돋움체 Bold" panose="00000800000000000000" pitchFamily="2" charset="-127"/>
+              </a:rPr>
+              <a:t>절대도수</a:t>
+            </a:r>
+            <a:r>
+              <a:rPr lang="ko-KR" altLang="en-US" sz="2000" dirty="0">
+                <a:solidFill>
+                  <a:schemeClr val="bg1"/>
+                </a:solidFill>
+                <a:latin typeface="한컴 말랑말랑 Bold" panose="020F0803000000000000" pitchFamily="50" charset="-127"/>
+                <a:ea typeface="한컴 말랑말랑 Bold" panose="020F0803000000000000" pitchFamily="50" charset="-127"/>
+                <a:cs typeface="KoPubWorld돋움체 Bold" panose="00000800000000000000" pitchFamily="2" charset="-127"/>
+              </a:rPr>
+              <a:t> </a:t>
+            </a:r>
+            <a:r>
+              <a:rPr lang="ko-KR" altLang="en-US" sz="2000" dirty="0" err="1">
+                <a:solidFill>
+                  <a:schemeClr val="bg1"/>
+                </a:solidFill>
+                <a:latin typeface="한컴 말랑말랑 Bold" panose="020F0803000000000000" pitchFamily="50" charset="-127"/>
+                <a:ea typeface="한컴 말랑말랑 Bold" panose="020F0803000000000000" pitchFamily="50" charset="-127"/>
+                <a:cs typeface="KoPubWorld돋움체 Bold" panose="00000800000000000000" pitchFamily="2" charset="-127"/>
+              </a:rPr>
+              <a:t>필터링</a:t>
+            </a:r>
+            <a:endParaRPr lang="en-US" altLang="ko-KR" sz="2000" dirty="0">
+              <a:solidFill>
+                <a:schemeClr val="bg1"/>
+              </a:solidFill>
+              <a:latin typeface="한컴 말랑말랑 Bold" panose="020F0803000000000000" pitchFamily="50" charset="-127"/>
+              <a:ea typeface="한컴 말랑말랑 Bold" panose="020F0803000000000000" pitchFamily="50" charset="-127"/>
+              <a:cs typeface="KoPubWorld돋움체 Bold" panose="00000800000000000000" pitchFamily="2" charset="-127"/>
+            </a:endParaRPr>
+          </a:p>
+          <a:p>
+            <a:pPr lvl="0" algn="ctr"/>
+            <a:r>
+              <a:rPr lang="ko-KR" altLang="en-US" sz="2000" dirty="0">
+                <a:solidFill>
+                  <a:schemeClr val="bg1"/>
+                </a:solidFill>
+                <a:latin typeface="한컴 말랑말랑 Bold" panose="020F0803000000000000" pitchFamily="50" charset="-127"/>
+                <a:ea typeface="한컴 말랑말랑 Bold" panose="020F0803000000000000" pitchFamily="50" charset="-127"/>
+                <a:cs typeface="KoPubWorld돋움체 Bold" panose="00000800000000000000" pitchFamily="2" charset="-127"/>
+              </a:rPr>
+              <a:t>알고리즘 실행 결과</a:t>
+            </a:r>
+          </a:p>
+        </p:txBody>
+      </p:sp>
+      <p:sp>
+        <p:nvSpPr>
+          <p:cNvPr id="30" name="직사각형 29"/>
+          <p:cNvSpPr/>
+          <p:nvPr/>
+        </p:nvSpPr>
+        <p:spPr>
+          <a:xfrm>
+            <a:off x="0" y="0"/>
+            <a:ext cx="12192000" cy="1009278"/>
+          </a:xfrm>
+          <a:prstGeom prst="rect">
+            <a:avLst/>
+          </a:prstGeom>
+          <a:solidFill>
+            <a:srgbClr val="BDAA9F"/>
+          </a:solidFill>
+          <a:ln>
+            <a:noFill/>
+          </a:ln>
+        </p:spPr>
+        <p:style>
+          <a:lnRef idx="2">
+            <a:schemeClr val="accent1">
+              <a:shade val="50000"/>
+            </a:schemeClr>
+          </a:lnRef>
+          <a:fillRef idx="1">
+            <a:schemeClr val="accent1"/>
+          </a:fillRef>
+          <a:effectRef idx="0">
+            <a:schemeClr val="accent1"/>
+          </a:effectRef>
+          <a:fontRef idx="minor">
+            <a:schemeClr val="lt1"/>
+          </a:fontRef>
+        </p:style>
+        <p:txBody>
+          <a:bodyPr rtlCol="0" anchor="ctr"/>
+          <a:lstStyle/>
+          <a:p>
+            <a:pPr algn="ctr"/>
+            <a:endParaRPr lang="ko-KR" altLang="en-US" dirty="0">
+              <a:latin typeface="한컴 말랑말랑 Bold" panose="020F0803000000000000" pitchFamily="50" charset="-127"/>
+              <a:ea typeface="한컴 말랑말랑 Bold" panose="020F0803000000000000" pitchFamily="50" charset="-127"/>
+            </a:endParaRPr>
+          </a:p>
+        </p:txBody>
+      </p:sp>
+      <p:sp>
+        <p:nvSpPr>
+          <p:cNvPr id="34" name="Google Shape;98;p1"/>
+          <p:cNvSpPr txBox="1"/>
+          <p:nvPr/>
+        </p:nvSpPr>
+        <p:spPr>
+          <a:xfrm>
+            <a:off x="332104" y="1082649"/>
+            <a:ext cx="7977476" cy="1154122"/>
+          </a:xfrm>
+          <a:prstGeom prst="rect">
+            <a:avLst/>
+          </a:prstGeom>
+          <a:noFill/>
+          <a:ln>
+            <a:noFill/>
+          </a:ln>
+        </p:spPr>
+        <p:txBody>
+          <a:bodyPr spcFirstLastPara="1" wrap="square" lIns="91425" tIns="45700" rIns="91425" bIns="45700" anchor="t" anchorCtr="0">
+            <a:spAutoFit/>
+          </a:bodyPr>
+          <a:lstStyle/>
+          <a:p>
+            <a:pPr lvl="0">
+              <a:lnSpc>
+                <a:spcPct val="150000"/>
+              </a:lnSpc>
+            </a:pPr>
+            <a:r>
+              <a:rPr lang="en-US" altLang="ko-KR" sz="2800" dirty="0">
+                <a:solidFill>
+                  <a:schemeClr val="tx1"/>
+                </a:solidFill>
+                <a:latin typeface="한컴 말랑말랑 Bold" panose="020F0803000000000000" pitchFamily="50" charset="-127"/>
+                <a:ea typeface="한컴 말랑말랑 Bold" panose="020F0803000000000000" pitchFamily="50" charset="-127"/>
+                <a:cs typeface="KoPubWorld돋움체 Bold" panose="00000800000000000000" pitchFamily="2" charset="-127"/>
+              </a:rPr>
+              <a:t>3. </a:t>
+            </a:r>
+            <a:r>
+              <a:rPr lang="ko-KR" altLang="en-US" sz="2800" dirty="0">
+                <a:solidFill>
+                  <a:schemeClr val="tx1"/>
+                </a:solidFill>
+                <a:latin typeface="한컴 말랑말랑 Bold" panose="020F0803000000000000" pitchFamily="50" charset="-127"/>
+                <a:ea typeface="한컴 말랑말랑 Bold" panose="020F0803000000000000" pitchFamily="50" charset="-127"/>
+                <a:cs typeface="KoPubWorld돋움체 Bold" panose="00000800000000000000" pitchFamily="2" charset="-127"/>
+              </a:rPr>
+              <a:t>도수 설정 알고리즘</a:t>
+            </a:r>
+            <a:endParaRPr lang="en-US" altLang="ko-KR" sz="2800" dirty="0">
+              <a:solidFill>
+                <a:schemeClr val="tx1"/>
+              </a:solidFill>
+              <a:latin typeface="한컴 말랑말랑 Bold" panose="020F0803000000000000" pitchFamily="50" charset="-127"/>
+              <a:ea typeface="한컴 말랑말랑 Bold" panose="020F0803000000000000" pitchFamily="50" charset="-127"/>
+              <a:cs typeface="KoPubWorld돋움체 Bold" panose="00000800000000000000" pitchFamily="2" charset="-127"/>
+            </a:endParaRPr>
+          </a:p>
+          <a:p>
+            <a:pPr>
+              <a:lnSpc>
+                <a:spcPct val="150000"/>
+              </a:lnSpc>
+            </a:pPr>
+            <a:r>
+              <a:rPr lang="ko-KR" altLang="en-US" sz="1800" dirty="0">
+                <a:solidFill>
+                  <a:schemeClr val="tx1"/>
+                </a:solidFill>
+                <a:latin typeface="한컴 말랑말랑 Bold" panose="020F0803000000000000" pitchFamily="50" charset="-127"/>
+                <a:ea typeface="한컴 말랑말랑 Bold" panose="020F0803000000000000" pitchFamily="50" charset="-127"/>
+                <a:cs typeface="KoPubWorld돋움체 Medium" panose="00000600000000000000" pitchFamily="2" charset="-127"/>
+              </a:rPr>
+              <a:t>사용자가 선호하는 도수에 따라 ‘도수’ 컬럼을 추천 알고리즘에 적용</a:t>
+            </a:r>
+          </a:p>
+        </p:txBody>
+      </p:sp>
+      <p:graphicFrame>
+        <p:nvGraphicFramePr>
+          <p:cNvPr id="33" name="표 32"/>
+          <p:cNvGraphicFramePr>
+            <a:graphicFrameLocks noGrp="1"/>
+          </p:cNvGraphicFramePr>
+          <p:nvPr>
+            <p:extLst>
+              <p:ext uri="{D42A27DB-BD31-4B8C-83A1-F6EECF244321}">
+                <p14:modId xmlns:p14="http://schemas.microsoft.com/office/powerpoint/2010/main" val="1901297436"/>
+              </p:ext>
+            </p:extLst>
+          </p:nvPr>
+        </p:nvGraphicFramePr>
+        <p:xfrm>
+          <a:off x="404128" y="2310142"/>
+          <a:ext cx="1609894" cy="1115687"/>
+        </p:xfrm>
+        <a:graphic>
+          <a:graphicData uri="http://schemas.openxmlformats.org/drawingml/2006/table">
+            <a:tbl>
+              <a:tblPr firstRow="1">
+                <a:tableStyleId>{073A0DAA-6AF3-43AB-8588-CEC1D06C72B9}</a:tableStyleId>
+              </a:tblPr>
+              <a:tblGrid>
+                <a:gridCol w="1609894">
+                  <a:extLst>
+                    <a:ext uri="{9D8B030D-6E8A-4147-A177-3AD203B41FA5}">
+                      <a16:colId xmlns:a16="http://schemas.microsoft.com/office/drawing/2014/main" val="3792572611"/>
+                    </a:ext>
+                  </a:extLst>
+                </a:gridCol>
+              </a:tblGrid>
+              <a:tr h="475607">
+                <a:tc>
+                  <a:txBody>
+                    <a:bodyPr/>
+                    <a:lstStyle/>
+                    <a:p>
+                      <a:pPr algn="ctr" latinLnBrk="1"/>
+                      <a:r>
+                        <a:rPr lang="ko-KR" altLang="en-US" sz="1800" dirty="0">
+                          <a:latin typeface="KoPubWorld돋움체 Medium" panose="00000600000000000000" pitchFamily="2" charset="-127"/>
+                          <a:ea typeface="KoPubWorld돋움체 Medium" panose="00000600000000000000" pitchFamily="2" charset="-127"/>
+                          <a:cs typeface="KoPubWorld돋움체 Medium" panose="00000600000000000000" pitchFamily="2" charset="-127"/>
+                        </a:rPr>
+                        <a:t>선호 도수</a:t>
+                      </a:r>
+                    </a:p>
+                  </a:txBody>
+                  <a:tcPr anchor="ctr">
+                    <a:lnL w="12700" cap="flat" cmpd="sng" algn="ctr">
+                      <a:solidFill>
+                        <a:srgbClr val="1B0900"/>
+                      </a:solidFill>
+                      <a:prstDash val="solid"/>
+                      <a:round/>
+                      <a:headEnd type="none" w="med" len="med"/>
+                      <a:tailEnd type="none" w="med" len="med"/>
+                    </a:lnL>
+                    <a:lnR w="12700" cap="flat" cmpd="sng" algn="ctr">
+                      <a:solidFill>
+                        <a:srgbClr val="1B0900"/>
+                      </a:solidFill>
+                      <a:prstDash val="solid"/>
+                      <a:round/>
+                      <a:headEnd type="none" w="med" len="med"/>
+                      <a:tailEnd type="none" w="med" len="med"/>
+                    </a:lnR>
+                    <a:lnT w="12700" cap="flat" cmpd="sng" algn="ctr">
+                      <a:solidFill>
+                        <a:srgbClr val="1B0900"/>
+                      </a:solidFill>
+                      <a:prstDash val="solid"/>
+                      <a:round/>
+                      <a:headEnd type="none" w="med" len="med"/>
+                      <a:tailEnd type="none" w="med" len="med"/>
+                    </a:lnT>
+                    <a:lnB w="12700" cap="flat" cmpd="sng" algn="ctr">
+                      <a:solidFill>
+                        <a:srgbClr val="1B0900"/>
+                      </a:solidFill>
+                      <a:prstDash val="solid"/>
+                      <a:round/>
+                      <a:headEnd type="none" w="med" len="med"/>
+                      <a:tailEnd type="none" w="med" len="med"/>
+                    </a:lnB>
+                    <a:solidFill>
+                      <a:srgbClr val="56453B"/>
+                    </a:solidFill>
+                  </a:tcPr>
+                </a:tc>
+                <a:extLst>
+                  <a:ext uri="{0D108BD9-81ED-4DB2-BD59-A6C34878D82A}">
+                    <a16:rowId xmlns:a16="http://schemas.microsoft.com/office/drawing/2014/main" val="2357815623"/>
+                  </a:ext>
+                </a:extLst>
+              </a:tr>
+              <a:tr h="475607">
+                <a:tc>
+                  <a:txBody>
+                    <a:bodyPr/>
+                    <a:lstStyle/>
+                    <a:p>
+                      <a:pPr algn="ctr" latinLnBrk="1"/>
+                      <a:r>
+                        <a:rPr lang="ko-KR" altLang="en-US" sz="1800" b="0" dirty="0">
+                          <a:solidFill>
+                            <a:srgbClr val="1B0900"/>
+                          </a:solidFill>
+                          <a:latin typeface="한컴 말랑말랑 Bold" panose="020F0803000000000000" pitchFamily="50" charset="-127"/>
+                          <a:ea typeface="한컴 말랑말랑 Bold" panose="020F0803000000000000" pitchFamily="50" charset="-127"/>
+                          <a:cs typeface="KoPubWorld돋움체 Medium" panose="00000600000000000000" pitchFamily="2" charset="-127"/>
+                        </a:rPr>
+                        <a:t>평소 마시던</a:t>
+                      </a:r>
+                      <a:endParaRPr lang="en-US" altLang="ko-KR" sz="1800" b="0" dirty="0">
+                        <a:solidFill>
+                          <a:srgbClr val="1B0900"/>
+                        </a:solidFill>
+                        <a:latin typeface="한컴 말랑말랑 Bold" panose="020F0803000000000000" pitchFamily="50" charset="-127"/>
+                        <a:ea typeface="한컴 말랑말랑 Bold" panose="020F0803000000000000" pitchFamily="50" charset="-127"/>
+                        <a:cs typeface="KoPubWorld돋움체 Medium" panose="00000600000000000000" pitchFamily="2" charset="-127"/>
+                      </a:endParaRPr>
+                    </a:p>
+                    <a:p>
+                      <a:pPr algn="ctr" latinLnBrk="1"/>
+                      <a:r>
+                        <a:rPr lang="ko-KR" altLang="en-US" sz="1800" b="0" dirty="0">
+                          <a:solidFill>
+                            <a:srgbClr val="1B0900"/>
+                          </a:solidFill>
+                          <a:latin typeface="한컴 말랑말랑 Bold" panose="020F0803000000000000" pitchFamily="50" charset="-127"/>
+                          <a:ea typeface="한컴 말랑말랑 Bold" panose="020F0803000000000000" pitchFamily="50" charset="-127"/>
+                          <a:cs typeface="KoPubWorld돋움체 Medium" panose="00000600000000000000" pitchFamily="2" charset="-127"/>
+                        </a:rPr>
+                        <a:t>도수를 선호</a:t>
+                      </a:r>
+                    </a:p>
+                  </a:txBody>
+                  <a:tcPr anchor="ctr">
+                    <a:lnL w="12700" cap="flat" cmpd="sng" algn="ctr">
+                      <a:solidFill>
+                        <a:srgbClr val="1B0900"/>
+                      </a:solidFill>
+                      <a:prstDash val="solid"/>
+                      <a:round/>
+                      <a:headEnd type="none" w="med" len="med"/>
+                      <a:tailEnd type="none" w="med" len="med"/>
+                    </a:lnL>
+                    <a:lnR w="12700" cap="flat" cmpd="sng" algn="ctr">
+                      <a:solidFill>
+                        <a:srgbClr val="1B0900"/>
+                      </a:solidFill>
+                      <a:prstDash val="solid"/>
+                      <a:round/>
+                      <a:headEnd type="none" w="med" len="med"/>
+                      <a:tailEnd type="none" w="med" len="med"/>
+                    </a:lnR>
+                    <a:lnT w="12700" cap="flat" cmpd="sng" algn="ctr">
+                      <a:solidFill>
+                        <a:srgbClr val="1B0900"/>
+                      </a:solidFill>
+                      <a:prstDash val="solid"/>
+                      <a:round/>
+                      <a:headEnd type="none" w="med" len="med"/>
+                      <a:tailEnd type="none" w="med" len="med"/>
+                    </a:lnT>
+                    <a:lnB w="12700" cap="flat" cmpd="sng" algn="ctr">
+                      <a:solidFill>
+                        <a:srgbClr val="1B0900"/>
+                      </a:solidFill>
+                      <a:prstDash val="solid"/>
+                      <a:round/>
+                      <a:headEnd type="none" w="med" len="med"/>
+                      <a:tailEnd type="none" w="med" len="med"/>
+                    </a:lnB>
+                    <a:solidFill>
+                      <a:schemeClr val="bg1"/>
+                    </a:solidFill>
+                  </a:tcPr>
+                </a:tc>
+                <a:extLst>
+                  <a:ext uri="{0D108BD9-81ED-4DB2-BD59-A6C34878D82A}">
+                    <a16:rowId xmlns:a16="http://schemas.microsoft.com/office/drawing/2014/main" val="890343420"/>
+                  </a:ext>
+                </a:extLst>
+              </a:tr>
+            </a:tbl>
+          </a:graphicData>
+        </a:graphic>
+      </p:graphicFrame>
+      <p:graphicFrame>
+        <p:nvGraphicFramePr>
+          <p:cNvPr id="35" name="표 34"/>
+          <p:cNvGraphicFramePr>
+            <a:graphicFrameLocks noGrp="1"/>
+          </p:cNvGraphicFramePr>
+          <p:nvPr>
+            <p:extLst>
+              <p:ext uri="{D42A27DB-BD31-4B8C-83A1-F6EECF244321}">
+                <p14:modId xmlns:p14="http://schemas.microsoft.com/office/powerpoint/2010/main" val="2153553404"/>
+              </p:ext>
+            </p:extLst>
+          </p:nvPr>
+        </p:nvGraphicFramePr>
+        <p:xfrm>
+          <a:off x="6228951" y="2310141"/>
+          <a:ext cx="1723395" cy="951214"/>
+        </p:xfrm>
+        <a:graphic>
+          <a:graphicData uri="http://schemas.openxmlformats.org/drawingml/2006/table">
+            <a:tbl>
+              <a:tblPr firstRow="1">
+                <a:tableStyleId>{073A0DAA-6AF3-43AB-8588-CEC1D06C72B9}</a:tableStyleId>
+              </a:tblPr>
+              <a:tblGrid>
+                <a:gridCol w="1723395">
+                  <a:extLst>
+                    <a:ext uri="{9D8B030D-6E8A-4147-A177-3AD203B41FA5}">
+                      <a16:colId xmlns:a16="http://schemas.microsoft.com/office/drawing/2014/main" val="3792572611"/>
+                    </a:ext>
+                  </a:extLst>
+                </a:gridCol>
+              </a:tblGrid>
+              <a:tr h="475607">
+                <a:tc>
+                  <a:txBody>
+                    <a:bodyPr/>
+                    <a:lstStyle/>
+                    <a:p>
+                      <a:pPr algn="ctr" latinLnBrk="1"/>
+                      <a:r>
+                        <a:rPr lang="ko-KR" altLang="en-US" sz="1800" dirty="0">
+                          <a:latin typeface="한컴 말랑말랑 Bold" panose="020F0803000000000000" pitchFamily="50" charset="-127"/>
+                          <a:ea typeface="한컴 말랑말랑 Bold" panose="020F0803000000000000" pitchFamily="50" charset="-127"/>
+                          <a:cs typeface="KoPubWorld돋움체 Medium" panose="00000600000000000000" pitchFamily="2" charset="-127"/>
+                        </a:rPr>
+                        <a:t>선호 도수</a:t>
+                      </a:r>
+                    </a:p>
+                  </a:txBody>
+                  <a:tcPr anchor="ctr">
+                    <a:lnL w="12700" cap="flat" cmpd="sng" algn="ctr">
+                      <a:solidFill>
+                        <a:srgbClr val="1B0900"/>
+                      </a:solidFill>
+                      <a:prstDash val="solid"/>
+                      <a:round/>
+                      <a:headEnd type="none" w="med" len="med"/>
+                      <a:tailEnd type="none" w="med" len="med"/>
+                    </a:lnL>
+                    <a:lnR w="12700" cap="flat" cmpd="sng" algn="ctr">
+                      <a:solidFill>
+                        <a:srgbClr val="1B0900"/>
+                      </a:solidFill>
+                      <a:prstDash val="solid"/>
+                      <a:round/>
+                      <a:headEnd type="none" w="med" len="med"/>
+                      <a:tailEnd type="none" w="med" len="med"/>
+                    </a:lnR>
+                    <a:lnT w="12700" cap="flat" cmpd="sng" algn="ctr">
+                      <a:solidFill>
+                        <a:srgbClr val="1B0900"/>
+                      </a:solidFill>
+                      <a:prstDash val="solid"/>
+                      <a:round/>
+                      <a:headEnd type="none" w="med" len="med"/>
+                      <a:tailEnd type="none" w="med" len="med"/>
+                    </a:lnT>
+                    <a:lnB w="12700" cap="flat" cmpd="sng" algn="ctr">
+                      <a:solidFill>
+                        <a:srgbClr val="1B0900"/>
+                      </a:solidFill>
+                      <a:prstDash val="solid"/>
+                      <a:round/>
+                      <a:headEnd type="none" w="med" len="med"/>
+                      <a:tailEnd type="none" w="med" len="med"/>
+                    </a:lnB>
+                    <a:solidFill>
+                      <a:srgbClr val="56453B"/>
+                    </a:solidFill>
+                  </a:tcPr>
+                </a:tc>
+                <a:extLst>
+                  <a:ext uri="{0D108BD9-81ED-4DB2-BD59-A6C34878D82A}">
+                    <a16:rowId xmlns:a16="http://schemas.microsoft.com/office/drawing/2014/main" val="2357815623"/>
+                  </a:ext>
+                </a:extLst>
+              </a:tr>
+              <a:tr h="475607">
+                <a:tc>
+                  <a:txBody>
+                    <a:bodyPr/>
+                    <a:lstStyle/>
+                    <a:p>
+                      <a:pPr algn="ctr" latinLnBrk="1"/>
+                      <a:r>
+                        <a:rPr lang="ko-KR" altLang="en-US" sz="1800" b="0" dirty="0">
+                          <a:solidFill>
+                            <a:srgbClr val="1B0900"/>
+                          </a:solidFill>
+                          <a:latin typeface="한컴 말랑말랑 Bold" panose="020F0803000000000000" pitchFamily="50" charset="-127"/>
+                          <a:ea typeface="한컴 말랑말랑 Bold" panose="020F0803000000000000" pitchFamily="50" charset="-127"/>
+                          <a:cs typeface="KoPubWorld돋움체 Medium" panose="00000600000000000000" pitchFamily="2" charset="-127"/>
+                        </a:rPr>
+                        <a:t>모든 도수 선호</a:t>
+                      </a:r>
+                    </a:p>
+                  </a:txBody>
+                  <a:tcPr anchor="ctr">
+                    <a:lnL w="12700" cap="flat" cmpd="sng" algn="ctr">
+                      <a:solidFill>
+                        <a:srgbClr val="1B0900"/>
+                      </a:solidFill>
+                      <a:prstDash val="solid"/>
+                      <a:round/>
+                      <a:headEnd type="none" w="med" len="med"/>
+                      <a:tailEnd type="none" w="med" len="med"/>
+                    </a:lnL>
+                    <a:lnR w="12700" cap="flat" cmpd="sng" algn="ctr">
+                      <a:solidFill>
+                        <a:srgbClr val="1B0900"/>
+                      </a:solidFill>
+                      <a:prstDash val="solid"/>
+                      <a:round/>
+                      <a:headEnd type="none" w="med" len="med"/>
+                      <a:tailEnd type="none" w="med" len="med"/>
+                    </a:lnR>
+                    <a:lnT w="12700" cap="flat" cmpd="sng" algn="ctr">
+                      <a:solidFill>
+                        <a:srgbClr val="1B0900"/>
+                      </a:solidFill>
+                      <a:prstDash val="solid"/>
+                      <a:round/>
+                      <a:headEnd type="none" w="med" len="med"/>
+                      <a:tailEnd type="none" w="med" len="med"/>
+                    </a:lnT>
+                    <a:lnB w="12700" cap="flat" cmpd="sng" algn="ctr">
+                      <a:solidFill>
+                        <a:srgbClr val="1B0900"/>
+                      </a:solidFill>
+                      <a:prstDash val="solid"/>
+                      <a:round/>
+                      <a:headEnd type="none" w="med" len="med"/>
+                      <a:tailEnd type="none" w="med" len="med"/>
+                    </a:lnB>
+                    <a:lnTlToBr w="12700" cmpd="sng">
+                      <a:noFill/>
+                      <a:prstDash val="solid"/>
+                    </a:lnTlToBr>
+                    <a:lnBlToTr w="12700" cmpd="sng">
+                      <a:noFill/>
+                      <a:prstDash val="solid"/>
+                    </a:lnBlToTr>
+                    <a:solidFill>
+                      <a:schemeClr val="bg1"/>
+                    </a:solidFill>
+                  </a:tcPr>
+                </a:tc>
+                <a:extLst>
+                  <a:ext uri="{0D108BD9-81ED-4DB2-BD59-A6C34878D82A}">
+                    <a16:rowId xmlns:a16="http://schemas.microsoft.com/office/drawing/2014/main" val="890343420"/>
+                  </a:ext>
+                </a:extLst>
+              </a:tr>
+            </a:tbl>
+          </a:graphicData>
+        </a:graphic>
+      </p:graphicFrame>
+      <p:sp>
+        <p:nvSpPr>
+          <p:cNvPr id="2" name="TextBox 1">
+            <a:extLst>
+              <a:ext uri="{FF2B5EF4-FFF2-40B4-BE49-F238E27FC236}">
+                <a16:creationId xmlns:a16="http://schemas.microsoft.com/office/drawing/2014/main" id="{39EBB7E7-1321-D140-D45E-5CCEBD142427}"/>
               </a:ext>
             </a:extLst>
           </p:cNvPr>
@@ -16277,7 +18228,3199 @@
                 <a:ea typeface="한컴 말랑말랑 Bold" panose="020F0803000000000000" pitchFamily="50" charset="-127"/>
                 <a:cs typeface="KoPubWorld돋움체 Bold" panose="00000800000000000000" pitchFamily="2" charset="-127"/>
               </a:rPr>
-              <a:t>추천 도수 선정 기준</a:t>
+              <a:t>도수 설정 알고리즘</a:t>
+            </a:r>
+          </a:p>
+        </p:txBody>
+      </p:sp>
+      <p:sp>
+        <p:nvSpPr>
+          <p:cNvPr id="45" name="타원 44">
+            <a:extLst>
+              <a:ext uri="{FF2B5EF4-FFF2-40B4-BE49-F238E27FC236}">
+                <a16:creationId xmlns:a16="http://schemas.microsoft.com/office/drawing/2014/main" id="{DBA943AE-036A-70EF-7583-D7B1E9BED263}"/>
+              </a:ext>
+            </a:extLst>
+          </p:cNvPr>
+          <p:cNvSpPr/>
+          <p:nvPr/>
+        </p:nvSpPr>
+        <p:spPr>
+          <a:xfrm>
+            <a:off x="3225800" y="3809590"/>
+            <a:ext cx="144000" cy="144000"/>
+          </a:xfrm>
+          <a:prstGeom prst="ellipse">
+            <a:avLst/>
+          </a:prstGeom>
+          <a:solidFill>
+            <a:srgbClr val="1B0900"/>
+          </a:solidFill>
+          <a:ln>
+            <a:noFill/>
+          </a:ln>
+        </p:spPr>
+        <p:style>
+          <a:lnRef idx="2">
+            <a:schemeClr val="accent1">
+              <a:shade val="50000"/>
+            </a:schemeClr>
+          </a:lnRef>
+          <a:fillRef idx="1">
+            <a:schemeClr val="accent1"/>
+          </a:fillRef>
+          <a:effectRef idx="0">
+            <a:schemeClr val="accent1"/>
+          </a:effectRef>
+          <a:fontRef idx="minor">
+            <a:schemeClr val="lt1"/>
+          </a:fontRef>
+        </p:style>
+        <p:txBody>
+          <a:bodyPr rtlCol="0" anchor="ctr"/>
+          <a:lstStyle/>
+          <a:p>
+            <a:pPr algn="ctr"/>
+            <a:endParaRPr lang="ko-KR" altLang="en-US">
+              <a:latin typeface="한컴 말랑말랑 Bold" panose="020F0803000000000000" pitchFamily="50" charset="-127"/>
+              <a:ea typeface="한컴 말랑말랑 Bold" panose="020F0803000000000000" pitchFamily="50" charset="-127"/>
+            </a:endParaRPr>
+          </a:p>
+        </p:txBody>
+      </p:sp>
+      <p:sp>
+        <p:nvSpPr>
+          <p:cNvPr id="46" name="타원 45">
+            <a:extLst>
+              <a:ext uri="{FF2B5EF4-FFF2-40B4-BE49-F238E27FC236}">
+                <a16:creationId xmlns:a16="http://schemas.microsoft.com/office/drawing/2014/main" id="{741C5186-1BE4-D6DA-CCD7-BA24B1D37C93}"/>
+              </a:ext>
+            </a:extLst>
+          </p:cNvPr>
+          <p:cNvSpPr/>
+          <p:nvPr/>
+        </p:nvSpPr>
+        <p:spPr>
+          <a:xfrm>
+            <a:off x="5145333" y="4635036"/>
+            <a:ext cx="144000" cy="144000"/>
+          </a:xfrm>
+          <a:prstGeom prst="ellipse">
+            <a:avLst/>
+          </a:prstGeom>
+          <a:solidFill>
+            <a:srgbClr val="1B0900"/>
+          </a:solidFill>
+          <a:ln>
+            <a:noFill/>
+          </a:ln>
+        </p:spPr>
+        <p:style>
+          <a:lnRef idx="2">
+            <a:schemeClr val="accent1">
+              <a:shade val="50000"/>
+            </a:schemeClr>
+          </a:lnRef>
+          <a:fillRef idx="1">
+            <a:schemeClr val="accent1"/>
+          </a:fillRef>
+          <a:effectRef idx="0">
+            <a:schemeClr val="accent1"/>
+          </a:effectRef>
+          <a:fontRef idx="minor">
+            <a:schemeClr val="lt1"/>
+          </a:fontRef>
+        </p:style>
+        <p:txBody>
+          <a:bodyPr rtlCol="0" anchor="ctr"/>
+          <a:lstStyle/>
+          <a:p>
+            <a:pPr algn="ctr"/>
+            <a:endParaRPr lang="ko-KR" altLang="en-US">
+              <a:latin typeface="한컴 말랑말랑 Bold" panose="020F0803000000000000" pitchFamily="50" charset="-127"/>
+              <a:ea typeface="한컴 말랑말랑 Bold" panose="020F0803000000000000" pitchFamily="50" charset="-127"/>
+            </a:endParaRPr>
+          </a:p>
+        </p:txBody>
+      </p:sp>
+      <p:sp>
+        <p:nvSpPr>
+          <p:cNvPr id="48" name="타원 47">
+            <a:extLst>
+              <a:ext uri="{FF2B5EF4-FFF2-40B4-BE49-F238E27FC236}">
+                <a16:creationId xmlns:a16="http://schemas.microsoft.com/office/drawing/2014/main" id="{F66901B1-2ED6-F0A9-B826-28E37C15FA13}"/>
+              </a:ext>
+            </a:extLst>
+          </p:cNvPr>
+          <p:cNvSpPr/>
+          <p:nvPr/>
+        </p:nvSpPr>
+        <p:spPr>
+          <a:xfrm>
+            <a:off x="3184308" y="4441982"/>
+            <a:ext cx="144000" cy="144000"/>
+          </a:xfrm>
+          <a:prstGeom prst="ellipse">
+            <a:avLst/>
+          </a:prstGeom>
+          <a:solidFill>
+            <a:srgbClr val="1B0900"/>
+          </a:solidFill>
+          <a:ln>
+            <a:noFill/>
+          </a:ln>
+        </p:spPr>
+        <p:style>
+          <a:lnRef idx="2">
+            <a:schemeClr val="accent1">
+              <a:shade val="50000"/>
+            </a:schemeClr>
+          </a:lnRef>
+          <a:fillRef idx="1">
+            <a:schemeClr val="accent1"/>
+          </a:fillRef>
+          <a:effectRef idx="0">
+            <a:schemeClr val="accent1"/>
+          </a:effectRef>
+          <a:fontRef idx="minor">
+            <a:schemeClr val="lt1"/>
+          </a:fontRef>
+        </p:style>
+        <p:txBody>
+          <a:bodyPr rtlCol="0" anchor="ctr"/>
+          <a:lstStyle/>
+          <a:p>
+            <a:pPr algn="ctr"/>
+            <a:endParaRPr lang="ko-KR" altLang="en-US">
+              <a:latin typeface="한컴 말랑말랑 Bold" panose="020F0803000000000000" pitchFamily="50" charset="-127"/>
+              <a:ea typeface="한컴 말랑말랑 Bold" panose="020F0803000000000000" pitchFamily="50" charset="-127"/>
+            </a:endParaRPr>
+          </a:p>
+        </p:txBody>
+      </p:sp>
+      <p:sp>
+        <p:nvSpPr>
+          <p:cNvPr id="52" name="타원 51">
+            <a:extLst>
+              <a:ext uri="{FF2B5EF4-FFF2-40B4-BE49-F238E27FC236}">
+                <a16:creationId xmlns:a16="http://schemas.microsoft.com/office/drawing/2014/main" id="{05F01B3C-B39B-96F9-2CAD-BE44120DEC3E}"/>
+              </a:ext>
+            </a:extLst>
+          </p:cNvPr>
+          <p:cNvSpPr/>
+          <p:nvPr/>
+        </p:nvSpPr>
+        <p:spPr>
+          <a:xfrm>
+            <a:off x="4211430" y="4169987"/>
+            <a:ext cx="144000" cy="144000"/>
+          </a:xfrm>
+          <a:prstGeom prst="ellipse">
+            <a:avLst/>
+          </a:prstGeom>
+          <a:solidFill>
+            <a:srgbClr val="1B0900"/>
+          </a:solidFill>
+          <a:ln>
+            <a:noFill/>
+          </a:ln>
+        </p:spPr>
+        <p:style>
+          <a:lnRef idx="2">
+            <a:schemeClr val="accent1">
+              <a:shade val="50000"/>
+            </a:schemeClr>
+          </a:lnRef>
+          <a:fillRef idx="1">
+            <a:schemeClr val="accent1"/>
+          </a:fillRef>
+          <a:effectRef idx="0">
+            <a:schemeClr val="accent1"/>
+          </a:effectRef>
+          <a:fontRef idx="minor">
+            <a:schemeClr val="lt1"/>
+          </a:fontRef>
+        </p:style>
+        <p:txBody>
+          <a:bodyPr rtlCol="0" anchor="ctr"/>
+          <a:lstStyle/>
+          <a:p>
+            <a:pPr algn="ctr"/>
+            <a:endParaRPr lang="ko-KR" altLang="en-US">
+              <a:latin typeface="한컴 말랑말랑 Bold" panose="020F0803000000000000" pitchFamily="50" charset="-127"/>
+              <a:ea typeface="한컴 말랑말랑 Bold" panose="020F0803000000000000" pitchFamily="50" charset="-127"/>
+            </a:endParaRPr>
+          </a:p>
+        </p:txBody>
+      </p:sp>
+      <p:sp>
+        <p:nvSpPr>
+          <p:cNvPr id="53" name="타원 52">
+            <a:extLst>
+              <a:ext uri="{FF2B5EF4-FFF2-40B4-BE49-F238E27FC236}">
+                <a16:creationId xmlns:a16="http://schemas.microsoft.com/office/drawing/2014/main" id="{378E3054-32C5-0156-A2F2-A22C35165A15}"/>
+              </a:ext>
+            </a:extLst>
+          </p:cNvPr>
+          <p:cNvSpPr/>
+          <p:nvPr/>
+        </p:nvSpPr>
+        <p:spPr>
+          <a:xfrm>
+            <a:off x="4046513" y="4783358"/>
+            <a:ext cx="180000" cy="180000"/>
+          </a:xfrm>
+          <a:prstGeom prst="ellipse">
+            <a:avLst/>
+          </a:prstGeom>
+          <a:solidFill>
+            <a:srgbClr val="C00000"/>
+          </a:solidFill>
+          <a:ln>
+            <a:noFill/>
+          </a:ln>
+        </p:spPr>
+        <p:style>
+          <a:lnRef idx="2">
+            <a:schemeClr val="accent1">
+              <a:shade val="50000"/>
+            </a:schemeClr>
+          </a:lnRef>
+          <a:fillRef idx="1">
+            <a:schemeClr val="accent1"/>
+          </a:fillRef>
+          <a:effectRef idx="0">
+            <a:schemeClr val="accent1"/>
+          </a:effectRef>
+          <a:fontRef idx="minor">
+            <a:schemeClr val="lt1"/>
+          </a:fontRef>
+        </p:style>
+        <p:txBody>
+          <a:bodyPr rtlCol="0" anchor="ctr"/>
+          <a:lstStyle/>
+          <a:p>
+            <a:pPr algn="ctr"/>
+            <a:endParaRPr lang="ko-KR" altLang="en-US">
+              <a:latin typeface="한컴 말랑말랑 Bold" panose="020F0803000000000000" pitchFamily="50" charset="-127"/>
+              <a:ea typeface="한컴 말랑말랑 Bold" panose="020F0803000000000000" pitchFamily="50" charset="-127"/>
+            </a:endParaRPr>
+          </a:p>
+        </p:txBody>
+      </p:sp>
+      <p:sp>
+        <p:nvSpPr>
+          <p:cNvPr id="55" name="TextBox 54">
+            <a:extLst>
+              <a:ext uri="{FF2B5EF4-FFF2-40B4-BE49-F238E27FC236}">
+                <a16:creationId xmlns:a16="http://schemas.microsoft.com/office/drawing/2014/main" id="{9E75890E-387E-546F-CACE-895AE4C3C558}"/>
+              </a:ext>
+            </a:extLst>
+          </p:cNvPr>
+          <p:cNvSpPr txBox="1"/>
+          <p:nvPr/>
+        </p:nvSpPr>
+        <p:spPr>
+          <a:xfrm>
+            <a:off x="3520617" y="5011323"/>
+            <a:ext cx="1433570" cy="369332"/>
+          </a:xfrm>
+          <a:prstGeom prst="rect">
+            <a:avLst/>
+          </a:prstGeom>
+          <a:noFill/>
+        </p:spPr>
+        <p:txBody>
+          <a:bodyPr wrap="square" rtlCol="0">
+            <a:spAutoFit/>
+          </a:bodyPr>
+          <a:lstStyle/>
+          <a:p>
+            <a:pPr algn="ctr"/>
+            <a:r>
+              <a:rPr lang="ko-KR" altLang="en-US" sz="1800" b="0" dirty="0">
+                <a:solidFill>
+                  <a:srgbClr val="C00000"/>
+                </a:solidFill>
+                <a:latin typeface="한컴 말랑말랑 Bold" panose="020F0803000000000000" pitchFamily="50" charset="-127"/>
+                <a:ea typeface="한컴 말랑말랑 Bold" panose="020F0803000000000000" pitchFamily="50" charset="-127"/>
+                <a:cs typeface="KoPubWorld돋움체 Medium" panose="00000600000000000000" pitchFamily="2" charset="-127"/>
+              </a:rPr>
+              <a:t>대표 술 좌표</a:t>
+            </a:r>
+            <a:endParaRPr lang="ko-KR" altLang="en-US" dirty="0">
+              <a:solidFill>
+                <a:srgbClr val="C00000"/>
+              </a:solidFill>
+              <a:latin typeface="한컴 말랑말랑 Bold" panose="020F0803000000000000" pitchFamily="50" charset="-127"/>
+              <a:ea typeface="한컴 말랑말랑 Bold" panose="020F0803000000000000" pitchFamily="50" charset="-127"/>
+            </a:endParaRPr>
+          </a:p>
+        </p:txBody>
+      </p:sp>
+      <p:cxnSp>
+        <p:nvCxnSpPr>
+          <p:cNvPr id="62" name="직선 연결선 61">
+            <a:extLst>
+              <a:ext uri="{FF2B5EF4-FFF2-40B4-BE49-F238E27FC236}">
+                <a16:creationId xmlns:a16="http://schemas.microsoft.com/office/drawing/2014/main" id="{5321BBFC-04AC-9F57-9013-801904DB5BB7}"/>
+              </a:ext>
+            </a:extLst>
+          </p:cNvPr>
+          <p:cNvCxnSpPr>
+            <a:cxnSpLocks/>
+          </p:cNvCxnSpPr>
+          <p:nvPr/>
+        </p:nvCxnSpPr>
+        <p:spPr>
+          <a:xfrm rot="233455" flipH="1">
+            <a:off x="3138439" y="4375444"/>
+            <a:ext cx="223581" cy="256322"/>
+          </a:xfrm>
+          <a:prstGeom prst="line">
+            <a:avLst/>
+          </a:prstGeom>
+          <a:ln w="38100">
+            <a:solidFill>
+              <a:srgbClr val="C00000"/>
+            </a:solidFill>
+          </a:ln>
+        </p:spPr>
+        <p:style>
+          <a:lnRef idx="1">
+            <a:schemeClr val="accent1"/>
+          </a:lnRef>
+          <a:fillRef idx="0">
+            <a:schemeClr val="accent1"/>
+          </a:fillRef>
+          <a:effectRef idx="0">
+            <a:schemeClr val="accent1"/>
+          </a:effectRef>
+          <a:fontRef idx="minor">
+            <a:schemeClr val="tx1"/>
+          </a:fontRef>
+        </p:style>
+      </p:cxnSp>
+      <p:cxnSp>
+        <p:nvCxnSpPr>
+          <p:cNvPr id="63" name="직선 연결선 62">
+            <a:extLst>
+              <a:ext uri="{FF2B5EF4-FFF2-40B4-BE49-F238E27FC236}">
+                <a16:creationId xmlns:a16="http://schemas.microsoft.com/office/drawing/2014/main" id="{781BDB74-83E4-8B40-0322-B3D456805BFB}"/>
+              </a:ext>
+            </a:extLst>
+          </p:cNvPr>
+          <p:cNvCxnSpPr>
+            <a:cxnSpLocks/>
+          </p:cNvCxnSpPr>
+          <p:nvPr/>
+        </p:nvCxnSpPr>
+        <p:spPr>
+          <a:xfrm rot="233455">
+            <a:off x="3134213" y="4397531"/>
+            <a:ext cx="262137" cy="224448"/>
+          </a:xfrm>
+          <a:prstGeom prst="line">
+            <a:avLst/>
+          </a:prstGeom>
+          <a:ln w="38100">
+            <a:solidFill>
+              <a:srgbClr val="C00000"/>
+            </a:solidFill>
+          </a:ln>
+        </p:spPr>
+        <p:style>
+          <a:lnRef idx="1">
+            <a:schemeClr val="accent1"/>
+          </a:lnRef>
+          <a:fillRef idx="0">
+            <a:schemeClr val="accent1"/>
+          </a:fillRef>
+          <a:effectRef idx="0">
+            <a:schemeClr val="accent1"/>
+          </a:effectRef>
+          <a:fontRef idx="minor">
+            <a:schemeClr val="tx1"/>
+          </a:fontRef>
+        </p:style>
+      </p:cxnSp>
+      <p:cxnSp>
+        <p:nvCxnSpPr>
+          <p:cNvPr id="64" name="직선 연결선 63">
+            <a:extLst>
+              <a:ext uri="{FF2B5EF4-FFF2-40B4-BE49-F238E27FC236}">
+                <a16:creationId xmlns:a16="http://schemas.microsoft.com/office/drawing/2014/main" id="{7E815259-32A5-C79E-B51F-C51A0ADB4616}"/>
+              </a:ext>
+            </a:extLst>
+          </p:cNvPr>
+          <p:cNvCxnSpPr>
+            <a:cxnSpLocks/>
+          </p:cNvCxnSpPr>
+          <p:nvPr/>
+        </p:nvCxnSpPr>
+        <p:spPr>
+          <a:xfrm rot="233455" flipH="1">
+            <a:off x="4159338" y="4113373"/>
+            <a:ext cx="223581" cy="256322"/>
+          </a:xfrm>
+          <a:prstGeom prst="line">
+            <a:avLst/>
+          </a:prstGeom>
+          <a:ln w="38100">
+            <a:solidFill>
+              <a:srgbClr val="C00000"/>
+            </a:solidFill>
+          </a:ln>
+        </p:spPr>
+        <p:style>
+          <a:lnRef idx="1">
+            <a:schemeClr val="accent1"/>
+          </a:lnRef>
+          <a:fillRef idx="0">
+            <a:schemeClr val="accent1"/>
+          </a:fillRef>
+          <a:effectRef idx="0">
+            <a:schemeClr val="accent1"/>
+          </a:effectRef>
+          <a:fontRef idx="minor">
+            <a:schemeClr val="tx1"/>
+          </a:fontRef>
+        </p:style>
+      </p:cxnSp>
+      <p:cxnSp>
+        <p:nvCxnSpPr>
+          <p:cNvPr id="65" name="직선 연결선 64">
+            <a:extLst>
+              <a:ext uri="{FF2B5EF4-FFF2-40B4-BE49-F238E27FC236}">
+                <a16:creationId xmlns:a16="http://schemas.microsoft.com/office/drawing/2014/main" id="{9962C693-467D-470E-02D3-7B87F2BDD448}"/>
+              </a:ext>
+            </a:extLst>
+          </p:cNvPr>
+          <p:cNvCxnSpPr>
+            <a:cxnSpLocks/>
+          </p:cNvCxnSpPr>
+          <p:nvPr/>
+        </p:nvCxnSpPr>
+        <p:spPr>
+          <a:xfrm rot="233455">
+            <a:off x="4155112" y="4135460"/>
+            <a:ext cx="262137" cy="224448"/>
+          </a:xfrm>
+          <a:prstGeom prst="line">
+            <a:avLst/>
+          </a:prstGeom>
+          <a:ln w="38100">
+            <a:solidFill>
+              <a:srgbClr val="C00000"/>
+            </a:solidFill>
+          </a:ln>
+        </p:spPr>
+        <p:style>
+          <a:lnRef idx="1">
+            <a:schemeClr val="accent1"/>
+          </a:lnRef>
+          <a:fillRef idx="0">
+            <a:schemeClr val="accent1"/>
+          </a:fillRef>
+          <a:effectRef idx="0">
+            <a:schemeClr val="accent1"/>
+          </a:effectRef>
+          <a:fontRef idx="minor">
+            <a:schemeClr val="tx1"/>
+          </a:fontRef>
+        </p:style>
+      </p:cxnSp>
+      <p:sp>
+        <p:nvSpPr>
+          <p:cNvPr id="66" name="TextBox 65">
+            <a:extLst>
+              <a:ext uri="{FF2B5EF4-FFF2-40B4-BE49-F238E27FC236}">
+                <a16:creationId xmlns:a16="http://schemas.microsoft.com/office/drawing/2014/main" id="{32328545-9FB5-ABFC-7D62-4686DA38F807}"/>
+              </a:ext>
+            </a:extLst>
+          </p:cNvPr>
+          <p:cNvSpPr txBox="1"/>
+          <p:nvPr/>
+        </p:nvSpPr>
+        <p:spPr>
+          <a:xfrm>
+            <a:off x="1878890" y="6288927"/>
+            <a:ext cx="4695245" cy="369332"/>
+          </a:xfrm>
+          <a:prstGeom prst="rect">
+            <a:avLst/>
+          </a:prstGeom>
+          <a:noFill/>
+        </p:spPr>
+        <p:txBody>
+          <a:bodyPr wrap="square" rtlCol="0">
+            <a:spAutoFit/>
+          </a:bodyPr>
+          <a:lstStyle/>
+          <a:p>
+            <a:r>
+              <a:rPr lang="ko-KR" altLang="en-US" sz="1800" b="1" dirty="0">
+                <a:effectLst>
+                  <a:outerShdw blurRad="38100" dist="38100" dir="2700000" algn="tl">
+                    <a:srgbClr val="000000">
+                      <a:alpha val="43137"/>
+                    </a:srgbClr>
+                  </a:outerShdw>
+                </a:effectLst>
+                <a:latin typeface="한컴 말랑말랑 Bold" panose="020F0803000000000000" pitchFamily="50" charset="-127"/>
+                <a:ea typeface="한컴 말랑말랑 Bold" panose="020F0803000000000000" pitchFamily="50" charset="-127"/>
+              </a:rPr>
+              <a:t>선호하는 도수에서 </a:t>
+            </a:r>
+            <a:r>
+              <a:rPr lang="en-US" altLang="ko-KR" sz="1800" b="1" dirty="0">
+                <a:solidFill>
+                  <a:srgbClr val="0070C0"/>
+                </a:solidFill>
+                <a:effectLst>
+                  <a:outerShdw blurRad="38100" dist="38100" dir="2700000" algn="tl">
+                    <a:srgbClr val="000000">
+                      <a:alpha val="43137"/>
+                    </a:srgbClr>
+                  </a:outerShdw>
+                </a:effectLst>
+                <a:latin typeface="한컴 말랑말랑 Bold" panose="020F0803000000000000" pitchFamily="50" charset="-127"/>
+                <a:ea typeface="한컴 말랑말랑 Bold" panose="020F0803000000000000" pitchFamily="50" charset="-127"/>
+              </a:rPr>
+              <a:t>±3% </a:t>
+            </a:r>
+            <a:r>
+              <a:rPr lang="ko-KR" altLang="en-US" sz="1800" b="1" dirty="0">
+                <a:solidFill>
+                  <a:srgbClr val="0070C0"/>
+                </a:solidFill>
+                <a:effectLst>
+                  <a:outerShdw blurRad="38100" dist="38100" dir="2700000" algn="tl">
+                    <a:srgbClr val="000000">
+                      <a:alpha val="43137"/>
+                    </a:srgbClr>
+                  </a:outerShdw>
+                </a:effectLst>
+                <a:latin typeface="한컴 말랑말랑 Bold" panose="020F0803000000000000" pitchFamily="50" charset="-127"/>
+                <a:ea typeface="한컴 말랑말랑 Bold" panose="020F0803000000000000" pitchFamily="50" charset="-127"/>
+              </a:rPr>
+              <a:t>이내의 전통주 필터링</a:t>
+            </a:r>
+            <a:endParaRPr lang="ko-KR" altLang="en-US" dirty="0">
+              <a:solidFill>
+                <a:srgbClr val="0070C0"/>
+              </a:solidFill>
+            </a:endParaRPr>
+          </a:p>
+        </p:txBody>
+      </p:sp>
+      <p:sp>
+        <p:nvSpPr>
+          <p:cNvPr id="67" name="TextBox 66">
+            <a:extLst>
+              <a:ext uri="{FF2B5EF4-FFF2-40B4-BE49-F238E27FC236}">
+                <a16:creationId xmlns:a16="http://schemas.microsoft.com/office/drawing/2014/main" id="{CDC1CA88-4480-7810-235F-FFDC89DEF360}"/>
+              </a:ext>
+            </a:extLst>
+          </p:cNvPr>
+          <p:cNvSpPr txBox="1"/>
+          <p:nvPr/>
+        </p:nvSpPr>
+        <p:spPr>
+          <a:xfrm>
+            <a:off x="7475080" y="6277338"/>
+            <a:ext cx="4695245" cy="369332"/>
+          </a:xfrm>
+          <a:prstGeom prst="rect">
+            <a:avLst/>
+          </a:prstGeom>
+          <a:noFill/>
+        </p:spPr>
+        <p:txBody>
+          <a:bodyPr wrap="square" rtlCol="0">
+            <a:spAutoFit/>
+          </a:bodyPr>
+          <a:lstStyle/>
+          <a:p>
+            <a:pPr algn="ctr"/>
+            <a:r>
+              <a:rPr lang="ko-KR" altLang="en-US" sz="1800" b="1" dirty="0" err="1">
+                <a:solidFill>
+                  <a:srgbClr val="0070C0"/>
+                </a:solidFill>
+                <a:effectLst>
+                  <a:outerShdw blurRad="38100" dist="38100" dir="2700000" algn="tl">
+                    <a:srgbClr val="000000">
+                      <a:alpha val="43137"/>
+                    </a:srgbClr>
+                  </a:outerShdw>
+                </a:effectLst>
+                <a:latin typeface="한컴 말랑말랑 Bold" panose="020F0803000000000000" pitchFamily="50" charset="-127"/>
+                <a:ea typeface="한컴 말랑말랑 Bold" panose="020F0803000000000000" pitchFamily="50" charset="-127"/>
+              </a:rPr>
+              <a:t>상대도수</a:t>
+            </a:r>
+            <a:r>
+              <a:rPr lang="ko-KR" altLang="en-US" sz="1800" b="1" dirty="0">
+                <a:solidFill>
+                  <a:srgbClr val="0070C0"/>
+                </a:solidFill>
+                <a:effectLst>
+                  <a:outerShdw blurRad="38100" dist="38100" dir="2700000" algn="tl">
+                    <a:srgbClr val="000000">
+                      <a:alpha val="43137"/>
+                    </a:srgbClr>
+                  </a:outerShdw>
+                </a:effectLst>
+                <a:latin typeface="한컴 말랑말랑 Bold" panose="020F0803000000000000" pitchFamily="50" charset="-127"/>
+                <a:ea typeface="한컴 말랑말랑 Bold" panose="020F0803000000000000" pitchFamily="50" charset="-127"/>
+              </a:rPr>
+              <a:t> 개념을 추가</a:t>
+            </a:r>
+            <a:r>
+              <a:rPr lang="ko-KR" altLang="en-US" sz="1800" b="1" dirty="0">
+                <a:effectLst>
+                  <a:outerShdw blurRad="38100" dist="38100" dir="2700000" algn="tl">
+                    <a:srgbClr val="000000">
+                      <a:alpha val="43137"/>
+                    </a:srgbClr>
+                  </a:outerShdw>
+                </a:effectLst>
+                <a:latin typeface="한컴 말랑말랑 Bold" panose="020F0803000000000000" pitchFamily="50" charset="-127"/>
+                <a:ea typeface="한컴 말랑말랑 Bold" panose="020F0803000000000000" pitchFamily="50" charset="-127"/>
+              </a:rPr>
+              <a:t>하여 새롭게 좌표 재구성</a:t>
+            </a:r>
+            <a:endParaRPr lang="ko-KR" altLang="en-US" dirty="0">
+              <a:solidFill>
+                <a:srgbClr val="0070C0"/>
+              </a:solidFill>
+            </a:endParaRPr>
+          </a:p>
+        </p:txBody>
+      </p:sp>
+      <p:sp>
+        <p:nvSpPr>
+          <p:cNvPr id="68" name="타원 67">
+            <a:extLst>
+              <a:ext uri="{FF2B5EF4-FFF2-40B4-BE49-F238E27FC236}">
+                <a16:creationId xmlns:a16="http://schemas.microsoft.com/office/drawing/2014/main" id="{CA4CC858-61FC-CE36-7B53-F3C0A509B4D5}"/>
+              </a:ext>
+            </a:extLst>
+          </p:cNvPr>
+          <p:cNvSpPr/>
+          <p:nvPr/>
+        </p:nvSpPr>
+        <p:spPr>
+          <a:xfrm>
+            <a:off x="9772785" y="4554531"/>
+            <a:ext cx="144000" cy="144000"/>
+          </a:xfrm>
+          <a:prstGeom prst="ellipse">
+            <a:avLst/>
+          </a:prstGeom>
+          <a:solidFill>
+            <a:srgbClr val="1B0900"/>
+          </a:solidFill>
+          <a:ln>
+            <a:noFill/>
+          </a:ln>
+        </p:spPr>
+        <p:style>
+          <a:lnRef idx="2">
+            <a:schemeClr val="accent1">
+              <a:shade val="50000"/>
+            </a:schemeClr>
+          </a:lnRef>
+          <a:fillRef idx="1">
+            <a:schemeClr val="accent1"/>
+          </a:fillRef>
+          <a:effectRef idx="0">
+            <a:schemeClr val="accent1"/>
+          </a:effectRef>
+          <a:fontRef idx="minor">
+            <a:schemeClr val="lt1"/>
+          </a:fontRef>
+        </p:style>
+        <p:txBody>
+          <a:bodyPr rtlCol="0" anchor="ctr"/>
+          <a:lstStyle/>
+          <a:p>
+            <a:pPr algn="ctr"/>
+            <a:endParaRPr lang="ko-KR" altLang="en-US">
+              <a:latin typeface="한컴 말랑말랑 Bold" panose="020F0803000000000000" pitchFamily="50" charset="-127"/>
+              <a:ea typeface="한컴 말랑말랑 Bold" panose="020F0803000000000000" pitchFamily="50" charset="-127"/>
+            </a:endParaRPr>
+          </a:p>
+        </p:txBody>
+      </p:sp>
+      <p:sp>
+        <p:nvSpPr>
+          <p:cNvPr id="69" name="타원 68">
+            <a:extLst>
+              <a:ext uri="{FF2B5EF4-FFF2-40B4-BE49-F238E27FC236}">
+                <a16:creationId xmlns:a16="http://schemas.microsoft.com/office/drawing/2014/main" id="{8E553C8D-0182-35F7-B0D4-61E8F02D0205}"/>
+              </a:ext>
+            </a:extLst>
+          </p:cNvPr>
+          <p:cNvSpPr/>
+          <p:nvPr/>
+        </p:nvSpPr>
+        <p:spPr>
+          <a:xfrm>
+            <a:off x="10633748" y="4873358"/>
+            <a:ext cx="144000" cy="144000"/>
+          </a:xfrm>
+          <a:prstGeom prst="ellipse">
+            <a:avLst/>
+          </a:prstGeom>
+          <a:solidFill>
+            <a:srgbClr val="1B0900"/>
+          </a:solidFill>
+          <a:ln>
+            <a:noFill/>
+          </a:ln>
+        </p:spPr>
+        <p:style>
+          <a:lnRef idx="2">
+            <a:schemeClr val="accent1">
+              <a:shade val="50000"/>
+            </a:schemeClr>
+          </a:lnRef>
+          <a:fillRef idx="1">
+            <a:schemeClr val="accent1"/>
+          </a:fillRef>
+          <a:effectRef idx="0">
+            <a:schemeClr val="accent1"/>
+          </a:effectRef>
+          <a:fontRef idx="minor">
+            <a:schemeClr val="lt1"/>
+          </a:fontRef>
+        </p:style>
+        <p:txBody>
+          <a:bodyPr rtlCol="0" anchor="ctr"/>
+          <a:lstStyle/>
+          <a:p>
+            <a:pPr algn="ctr"/>
+            <a:endParaRPr lang="ko-KR" altLang="en-US">
+              <a:latin typeface="한컴 말랑말랑 Bold" panose="020F0803000000000000" pitchFamily="50" charset="-127"/>
+              <a:ea typeface="한컴 말랑말랑 Bold" panose="020F0803000000000000" pitchFamily="50" charset="-127"/>
+            </a:endParaRPr>
+          </a:p>
+        </p:txBody>
+      </p:sp>
+      <p:sp>
+        <p:nvSpPr>
+          <p:cNvPr id="70" name="타원 69">
+            <a:extLst>
+              <a:ext uri="{FF2B5EF4-FFF2-40B4-BE49-F238E27FC236}">
+                <a16:creationId xmlns:a16="http://schemas.microsoft.com/office/drawing/2014/main" id="{D0208213-8BA8-B9A3-169B-D4C8E35C7177}"/>
+              </a:ext>
+            </a:extLst>
+          </p:cNvPr>
+          <p:cNvSpPr/>
+          <p:nvPr/>
+        </p:nvSpPr>
+        <p:spPr>
+          <a:xfrm>
+            <a:off x="8864412" y="4097987"/>
+            <a:ext cx="144000" cy="144000"/>
+          </a:xfrm>
+          <a:prstGeom prst="ellipse">
+            <a:avLst/>
+          </a:prstGeom>
+          <a:solidFill>
+            <a:srgbClr val="1B0900"/>
+          </a:solidFill>
+          <a:ln>
+            <a:noFill/>
+          </a:ln>
+        </p:spPr>
+        <p:style>
+          <a:lnRef idx="2">
+            <a:schemeClr val="accent1">
+              <a:shade val="50000"/>
+            </a:schemeClr>
+          </a:lnRef>
+          <a:fillRef idx="1">
+            <a:schemeClr val="accent1"/>
+          </a:fillRef>
+          <a:effectRef idx="0">
+            <a:schemeClr val="accent1"/>
+          </a:effectRef>
+          <a:fontRef idx="minor">
+            <a:schemeClr val="lt1"/>
+          </a:fontRef>
+        </p:style>
+        <p:txBody>
+          <a:bodyPr rtlCol="0" anchor="ctr"/>
+          <a:lstStyle/>
+          <a:p>
+            <a:pPr algn="ctr"/>
+            <a:endParaRPr lang="ko-KR" altLang="en-US">
+              <a:latin typeface="한컴 말랑말랑 Bold" panose="020F0803000000000000" pitchFamily="50" charset="-127"/>
+              <a:ea typeface="한컴 말랑말랑 Bold" panose="020F0803000000000000" pitchFamily="50" charset="-127"/>
+            </a:endParaRPr>
+          </a:p>
+        </p:txBody>
+      </p:sp>
+      <p:sp>
+        <p:nvSpPr>
+          <p:cNvPr id="71" name="타원 70">
+            <a:extLst>
+              <a:ext uri="{FF2B5EF4-FFF2-40B4-BE49-F238E27FC236}">
+                <a16:creationId xmlns:a16="http://schemas.microsoft.com/office/drawing/2014/main" id="{186E156D-E7B0-7728-406C-E607A2CB63E3}"/>
+              </a:ext>
+            </a:extLst>
+          </p:cNvPr>
+          <p:cNvSpPr/>
+          <p:nvPr/>
+        </p:nvSpPr>
+        <p:spPr>
+          <a:xfrm>
+            <a:off x="9240029" y="5123989"/>
+            <a:ext cx="144000" cy="144000"/>
+          </a:xfrm>
+          <a:prstGeom prst="ellipse">
+            <a:avLst/>
+          </a:prstGeom>
+          <a:solidFill>
+            <a:srgbClr val="1B0900"/>
+          </a:solidFill>
+          <a:ln>
+            <a:noFill/>
+          </a:ln>
+        </p:spPr>
+        <p:style>
+          <a:lnRef idx="2">
+            <a:schemeClr val="accent1">
+              <a:shade val="50000"/>
+            </a:schemeClr>
+          </a:lnRef>
+          <a:fillRef idx="1">
+            <a:schemeClr val="accent1"/>
+          </a:fillRef>
+          <a:effectRef idx="0">
+            <a:schemeClr val="accent1"/>
+          </a:effectRef>
+          <a:fontRef idx="minor">
+            <a:schemeClr val="lt1"/>
+          </a:fontRef>
+        </p:style>
+        <p:txBody>
+          <a:bodyPr rtlCol="0" anchor="ctr"/>
+          <a:lstStyle/>
+          <a:p>
+            <a:pPr algn="ctr"/>
+            <a:endParaRPr lang="ko-KR" altLang="en-US" dirty="0">
+              <a:latin typeface="한컴 말랑말랑 Bold" panose="020F0803000000000000" pitchFamily="50" charset="-127"/>
+              <a:ea typeface="한컴 말랑말랑 Bold" panose="020F0803000000000000" pitchFamily="50" charset="-127"/>
+            </a:endParaRPr>
+          </a:p>
+        </p:txBody>
+      </p:sp>
+      <p:sp>
+        <p:nvSpPr>
+          <p:cNvPr id="72" name="타원 71">
+            <a:extLst>
+              <a:ext uri="{FF2B5EF4-FFF2-40B4-BE49-F238E27FC236}">
+                <a16:creationId xmlns:a16="http://schemas.microsoft.com/office/drawing/2014/main" id="{D9764FE7-A7CA-A274-3B22-C5C714029904}"/>
+              </a:ext>
+            </a:extLst>
+          </p:cNvPr>
+          <p:cNvSpPr/>
+          <p:nvPr/>
+        </p:nvSpPr>
+        <p:spPr>
+          <a:xfrm>
+            <a:off x="9942871" y="3764549"/>
+            <a:ext cx="180000" cy="180000"/>
+          </a:xfrm>
+          <a:prstGeom prst="ellipse">
+            <a:avLst/>
+          </a:prstGeom>
+          <a:solidFill>
+            <a:srgbClr val="C00000"/>
+          </a:solidFill>
+          <a:ln>
+            <a:noFill/>
+          </a:ln>
+        </p:spPr>
+        <p:style>
+          <a:lnRef idx="2">
+            <a:schemeClr val="accent1">
+              <a:shade val="50000"/>
+            </a:schemeClr>
+          </a:lnRef>
+          <a:fillRef idx="1">
+            <a:schemeClr val="accent1"/>
+          </a:fillRef>
+          <a:effectRef idx="0">
+            <a:schemeClr val="accent1"/>
+          </a:effectRef>
+          <a:fontRef idx="minor">
+            <a:schemeClr val="lt1"/>
+          </a:fontRef>
+        </p:style>
+        <p:txBody>
+          <a:bodyPr rtlCol="0" anchor="ctr"/>
+          <a:lstStyle/>
+          <a:p>
+            <a:pPr algn="ctr"/>
+            <a:endParaRPr lang="ko-KR" altLang="en-US">
+              <a:latin typeface="한컴 말랑말랑 Bold" panose="020F0803000000000000" pitchFamily="50" charset="-127"/>
+              <a:ea typeface="한컴 말랑말랑 Bold" panose="020F0803000000000000" pitchFamily="50" charset="-127"/>
+            </a:endParaRPr>
+          </a:p>
+        </p:txBody>
+      </p:sp>
+      <p:sp>
+        <p:nvSpPr>
+          <p:cNvPr id="73" name="TextBox 72">
+            <a:extLst>
+              <a:ext uri="{FF2B5EF4-FFF2-40B4-BE49-F238E27FC236}">
+                <a16:creationId xmlns:a16="http://schemas.microsoft.com/office/drawing/2014/main" id="{9D7DF28E-CC5A-1A8F-153D-261330EAB4B4}"/>
+              </a:ext>
+            </a:extLst>
+          </p:cNvPr>
+          <p:cNvSpPr txBox="1"/>
+          <p:nvPr/>
+        </p:nvSpPr>
+        <p:spPr>
+          <a:xfrm>
+            <a:off x="9384029" y="3985321"/>
+            <a:ext cx="1433570" cy="369332"/>
+          </a:xfrm>
+          <a:prstGeom prst="rect">
+            <a:avLst/>
+          </a:prstGeom>
+          <a:noFill/>
+        </p:spPr>
+        <p:txBody>
+          <a:bodyPr wrap="square" rtlCol="0">
+            <a:spAutoFit/>
+          </a:bodyPr>
+          <a:lstStyle/>
+          <a:p>
+            <a:pPr algn="ctr"/>
+            <a:r>
+              <a:rPr lang="ko-KR" altLang="en-US" sz="1800" b="0" dirty="0">
+                <a:solidFill>
+                  <a:srgbClr val="C00000"/>
+                </a:solidFill>
+                <a:latin typeface="한컴 말랑말랑 Bold" panose="020F0803000000000000" pitchFamily="50" charset="-127"/>
+                <a:ea typeface="한컴 말랑말랑 Bold" panose="020F0803000000000000" pitchFamily="50" charset="-127"/>
+                <a:cs typeface="KoPubWorld돋움체 Medium" panose="00000600000000000000" pitchFamily="2" charset="-127"/>
+              </a:rPr>
+              <a:t>대표 술 좌표</a:t>
+            </a:r>
+            <a:endParaRPr lang="ko-KR" altLang="en-US" dirty="0">
+              <a:solidFill>
+                <a:srgbClr val="C00000"/>
+              </a:solidFill>
+              <a:latin typeface="한컴 말랑말랑 Bold" panose="020F0803000000000000" pitchFamily="50" charset="-127"/>
+              <a:ea typeface="한컴 말랑말랑 Bold" panose="020F0803000000000000" pitchFamily="50" charset="-127"/>
+            </a:endParaRPr>
+          </a:p>
+        </p:txBody>
+      </p:sp>
+    </p:spTree>
+    <p:extLst>
+      <p:ext uri="{BB962C8B-B14F-4D97-AF65-F5344CB8AC3E}">
+        <p14:creationId xmlns:p14="http://schemas.microsoft.com/office/powerpoint/2010/main" val="3152021188"/>
+      </p:ext>
+    </p:extLst>
+  </p:cSld>
+  <p:clrMapOvr>
+    <a:masterClrMapping/>
+  </p:clrMapOvr>
+  <p:timing>
+    <p:tnLst>
+      <p:par>
+        <p:cTn id="1" dur="indefinite" restart="never" nodeType="tmRoot">
+          <p:childTnLst>
+            <p:seq concurrent="1" nextAc="seek">
+              <p:cTn id="2" dur="indefinite" nodeType="mainSeq">
+                <p:childTnLst>
+                  <p:par>
+                    <p:cTn id="3" fill="hold">
+                      <p:stCondLst>
+                        <p:cond delay="indefinite"/>
+                        <p:cond evt="onBegin" delay="0">
+                          <p:tn val="2"/>
+                        </p:cond>
+                      </p:stCondLst>
+                      <p:childTnLst>
+                        <p:par>
+                          <p:cTn id="4" fill="hold">
+                            <p:stCondLst>
+                              <p:cond delay="0"/>
+                            </p:stCondLst>
+                            <p:childTnLst>
+                              <p:par>
+                                <p:cTn id="5" presetID="1" presetClass="emph" presetSubtype="2" fill="hold" nodeType="withEffect">
+                                  <p:stCondLst>
+                                    <p:cond delay="0"/>
+                                  </p:stCondLst>
+                                  <p:childTnLst>
+                                    <p:animClr clrSpc="rgb" dir="cw">
+                                      <p:cBhvr>
+                                        <p:cTn id="6" dur="1000" fill="hold"/>
+                                        <p:tgtEl>
+                                          <p:spTgt spid="52"/>
+                                        </p:tgtEl>
+                                        <p:attrNameLst>
+                                          <p:attrName>fillcolor</p:attrName>
+                                        </p:attrNameLst>
+                                      </p:cBhvr>
+                                      <p:to>
+                                        <a:srgbClr val="E7E7E7"/>
+                                      </p:to>
+                                    </p:animClr>
+                                    <p:set>
+                                      <p:cBhvr>
+                                        <p:cTn id="7" dur="1000" fill="hold"/>
+                                        <p:tgtEl>
+                                          <p:spTgt spid="52"/>
+                                        </p:tgtEl>
+                                        <p:attrNameLst>
+                                          <p:attrName>fill.type</p:attrName>
+                                        </p:attrNameLst>
+                                      </p:cBhvr>
+                                      <p:to>
+                                        <p:strVal val="solid"/>
+                                      </p:to>
+                                    </p:set>
+                                    <p:set>
+                                      <p:cBhvr>
+                                        <p:cTn id="8" dur="1000" fill="hold"/>
+                                        <p:tgtEl>
+                                          <p:spTgt spid="52"/>
+                                        </p:tgtEl>
+                                        <p:attrNameLst>
+                                          <p:attrName>fill.on</p:attrName>
+                                        </p:attrNameLst>
+                                      </p:cBhvr>
+                                      <p:to>
+                                        <p:strVal val="true"/>
+                                      </p:to>
+                                    </p:set>
+                                  </p:childTnLst>
+                                </p:cTn>
+                              </p:par>
+                            </p:childTnLst>
+                          </p:cTn>
+                        </p:par>
+                        <p:par>
+                          <p:cTn id="9" fill="hold">
+                            <p:stCondLst>
+                              <p:cond delay="1000"/>
+                            </p:stCondLst>
+                            <p:childTnLst>
+                              <p:par>
+                                <p:cTn id="10" presetID="10" presetClass="entr" presetSubtype="0" fill="hold" grpId="0" nodeType="afterEffect">
+                                  <p:stCondLst>
+                                    <p:cond delay="0"/>
+                                  </p:stCondLst>
+                                  <p:childTnLst>
+                                    <p:set>
+                                      <p:cBhvr>
+                                        <p:cTn id="11" dur="1" fill="hold">
+                                          <p:stCondLst>
+                                            <p:cond delay="0"/>
+                                          </p:stCondLst>
+                                        </p:cTn>
+                                        <p:tgtEl>
+                                          <p:spTgt spid="53"/>
+                                        </p:tgtEl>
+                                        <p:attrNameLst>
+                                          <p:attrName>style.visibility</p:attrName>
+                                        </p:attrNameLst>
+                                      </p:cBhvr>
+                                      <p:to>
+                                        <p:strVal val="visible"/>
+                                      </p:to>
+                                    </p:set>
+                                    <p:animEffect transition="in" filter="fade">
+                                      <p:cBhvr>
+                                        <p:cTn id="12" dur="1500"/>
+                                        <p:tgtEl>
+                                          <p:spTgt spid="53"/>
+                                        </p:tgtEl>
+                                      </p:cBhvr>
+                                    </p:animEffect>
+                                  </p:childTnLst>
+                                </p:cTn>
+                              </p:par>
+                              <p:par>
+                                <p:cTn id="13" presetID="1" presetClass="emph" presetSubtype="2" fill="hold" nodeType="withEffect">
+                                  <p:stCondLst>
+                                    <p:cond delay="0"/>
+                                  </p:stCondLst>
+                                  <p:childTnLst>
+                                    <p:animClr clrSpc="rgb" dir="cw">
+                                      <p:cBhvr>
+                                        <p:cTn id="14" dur="1000" fill="hold"/>
+                                        <p:tgtEl>
+                                          <p:spTgt spid="71"/>
+                                        </p:tgtEl>
+                                        <p:attrNameLst>
+                                          <p:attrName>fillcolor</p:attrName>
+                                        </p:attrNameLst>
+                                      </p:cBhvr>
+                                      <p:to>
+                                        <a:srgbClr val="E7E7E7"/>
+                                      </p:to>
+                                    </p:animClr>
+                                    <p:set>
+                                      <p:cBhvr>
+                                        <p:cTn id="15" dur="1000" fill="hold"/>
+                                        <p:tgtEl>
+                                          <p:spTgt spid="71"/>
+                                        </p:tgtEl>
+                                        <p:attrNameLst>
+                                          <p:attrName>fill.type</p:attrName>
+                                        </p:attrNameLst>
+                                      </p:cBhvr>
+                                      <p:to>
+                                        <p:strVal val="solid"/>
+                                      </p:to>
+                                    </p:set>
+                                    <p:set>
+                                      <p:cBhvr>
+                                        <p:cTn id="16" dur="1000" fill="hold"/>
+                                        <p:tgtEl>
+                                          <p:spTgt spid="71"/>
+                                        </p:tgtEl>
+                                        <p:attrNameLst>
+                                          <p:attrName>fill.on</p:attrName>
+                                        </p:attrNameLst>
+                                      </p:cBhvr>
+                                      <p:to>
+                                        <p:strVal val="true"/>
+                                      </p:to>
+                                    </p:set>
+                                  </p:childTnLst>
+                                </p:cTn>
+                              </p:par>
+                            </p:childTnLst>
+                          </p:cTn>
+                        </p:par>
+                        <p:par>
+                          <p:cTn id="17" fill="hold">
+                            <p:stCondLst>
+                              <p:cond delay="2500"/>
+                            </p:stCondLst>
+                            <p:childTnLst>
+                              <p:par>
+                                <p:cTn id="18" presetID="10" presetClass="entr" presetSubtype="0" fill="hold" grpId="0" nodeType="afterEffect">
+                                  <p:stCondLst>
+                                    <p:cond delay="0"/>
+                                  </p:stCondLst>
+                                  <p:childTnLst>
+                                    <p:set>
+                                      <p:cBhvr>
+                                        <p:cTn id="19" dur="1" fill="hold">
+                                          <p:stCondLst>
+                                            <p:cond delay="0"/>
+                                          </p:stCondLst>
+                                        </p:cTn>
+                                        <p:tgtEl>
+                                          <p:spTgt spid="72"/>
+                                        </p:tgtEl>
+                                        <p:attrNameLst>
+                                          <p:attrName>style.visibility</p:attrName>
+                                        </p:attrNameLst>
+                                      </p:cBhvr>
+                                      <p:to>
+                                        <p:strVal val="visible"/>
+                                      </p:to>
+                                    </p:set>
+                                    <p:animEffect transition="in" filter="fade">
+                                      <p:cBhvr>
+                                        <p:cTn id="20" dur="1500"/>
+                                        <p:tgtEl>
+                                          <p:spTgt spid="72"/>
+                                        </p:tgtEl>
+                                      </p:cBhvr>
+                                    </p:animEffect>
+                                  </p:childTnLst>
+                                </p:cTn>
+                              </p:par>
+                            </p:childTnLst>
+                          </p:cTn>
+                        </p:par>
+                      </p:childTnLst>
+                    </p:cTn>
+                  </p:par>
+                </p:childTnLst>
+              </p:cTn>
+              <p:prevCondLst>
+                <p:cond evt="onPrev" delay="0">
+                  <p:tgtEl>
+                    <p:sldTgt/>
+                  </p:tgtEl>
+                </p:cond>
+              </p:prevCondLst>
+              <p:nextCondLst>
+                <p:cond evt="onNext" delay="0">
+                  <p:tgtEl>
+                    <p:sldTgt/>
+                  </p:tgtEl>
+                </p:cond>
+              </p:nextCondLst>
+            </p:seq>
+          </p:childTnLst>
+        </p:cTn>
+      </p:par>
+    </p:tnLst>
+    <p:bldLst>
+      <p:bldP spid="53" grpId="0" animBg="1"/>
+      <p:bldP spid="72" grpId="0" animBg="1"/>
+    </p:bldLst>
+  </p:timing>
+</p:sld>
+</file>
+
+<file path=ppt/slides/slide22.xml><?xml version="1.0" encoding="utf-8"?>
+<p:sld xmlns:a="http://schemas.openxmlformats.org/drawingml/2006/main" xmlns:r="http://schemas.openxmlformats.org/officeDocument/2006/relationships" xmlns:p="http://schemas.openxmlformats.org/presentationml/2006/main">
+  <p:cSld>
+    <p:spTree>
+      <p:nvGrpSpPr>
+        <p:cNvPr id="1" name=""/>
+        <p:cNvGrpSpPr/>
+        <p:nvPr/>
+      </p:nvGrpSpPr>
+      <p:grpSpPr>
+        <a:xfrm>
+          <a:off x="0" y="0"/>
+          <a:ext cx="0" cy="0"/>
+          <a:chOff x="0" y="0"/>
+          <a:chExt cx="0" cy="0"/>
+        </a:xfrm>
+      </p:grpSpPr>
+      <p:sp>
+        <p:nvSpPr>
+          <p:cNvPr id="8" name="TextBox 7">
+            <a:extLst>
+              <a:ext uri="{FF2B5EF4-FFF2-40B4-BE49-F238E27FC236}">
+                <a16:creationId xmlns:a16="http://schemas.microsoft.com/office/drawing/2014/main" id="{370A3E94-958E-98FF-E8AD-B334A5F9260C}"/>
+              </a:ext>
+            </a:extLst>
+          </p:cNvPr>
+          <p:cNvSpPr txBox="1"/>
+          <p:nvPr/>
+        </p:nvSpPr>
+        <p:spPr>
+          <a:xfrm>
+            <a:off x="0" y="933687"/>
+            <a:ext cx="12192000" cy="1015663"/>
+          </a:xfrm>
+          <a:prstGeom prst="rect">
+            <a:avLst/>
+          </a:prstGeom>
+          <a:noFill/>
+        </p:spPr>
+        <p:txBody>
+          <a:bodyPr wrap="square" rtlCol="0">
+            <a:spAutoFit/>
+          </a:bodyPr>
+          <a:lstStyle/>
+          <a:p>
+            <a:pPr algn="ctr"/>
+            <a:r>
+              <a:rPr lang="en-US" altLang="ko-KR" sz="6000" b="1" dirty="0">
+                <a:latin typeface="한컴 말랑말랑 Bold" panose="020F0803000000000000" pitchFamily="50" charset="-127"/>
+                <a:ea typeface="한컴 말랑말랑 Bold" panose="020F0803000000000000" pitchFamily="50" charset="-127"/>
+              </a:rPr>
+              <a:t>Step 5, </a:t>
+            </a:r>
+            <a:r>
+              <a:rPr lang="ko-KR" altLang="en-US" sz="6000" b="1" dirty="0">
+                <a:latin typeface="한컴 말랑말랑 Bold" panose="020F0803000000000000" pitchFamily="50" charset="-127"/>
+                <a:ea typeface="한컴 말랑말랑 Bold" panose="020F0803000000000000" pitchFamily="50" charset="-127"/>
+              </a:rPr>
+              <a:t>중요요소 가중치 알고리즘</a:t>
+            </a:r>
+          </a:p>
+        </p:txBody>
+      </p:sp>
+      <p:pic>
+        <p:nvPicPr>
+          <p:cNvPr id="2050" name="Picture 2" descr="전통주 대신 수입맥주…청년들이 전통주 외면하는 이유는?">
+            <a:extLst>
+              <a:ext uri="{FF2B5EF4-FFF2-40B4-BE49-F238E27FC236}">
+                <a16:creationId xmlns:a16="http://schemas.microsoft.com/office/drawing/2014/main" id="{EA37BBEA-2E92-1D44-B935-7111B662F2A5}"/>
+              </a:ext>
+            </a:extLst>
+          </p:cNvPr>
+          <p:cNvPicPr>
+            <a:picLocks noChangeAspect="1" noChangeArrowheads="1"/>
+          </p:cNvPicPr>
+          <p:nvPr/>
+        </p:nvPicPr>
+        <p:blipFill>
+          <a:blip r:embed="rId2">
+            <a:extLst>
+              <a:ext uri="{28A0092B-C50C-407E-A947-70E740481C1C}">
+                <a14:useLocalDpi xmlns:a14="http://schemas.microsoft.com/office/drawing/2010/main" val="0"/>
+              </a:ext>
+            </a:extLst>
+          </a:blip>
+          <a:srcRect/>
+          <a:stretch>
+            <a:fillRect/>
+          </a:stretch>
+        </p:blipFill>
+        <p:spPr bwMode="auto">
+          <a:xfrm>
+            <a:off x="0" y="2194560"/>
+            <a:ext cx="12192000" cy="4663440"/>
+          </a:xfrm>
+          <a:prstGeom prst="rect">
+            <a:avLst/>
+          </a:prstGeom>
+          <a:noFill/>
+          <a:extLst>
+            <a:ext uri="{909E8E84-426E-40DD-AFC4-6F175D3DCCD1}">
+              <a14:hiddenFill xmlns:a14="http://schemas.microsoft.com/office/drawing/2010/main">
+                <a:solidFill>
+                  <a:srgbClr val="FFFFFF"/>
+                </a:solidFill>
+              </a14:hiddenFill>
+            </a:ext>
+          </a:extLst>
+        </p:spPr>
+      </p:pic>
+    </p:spTree>
+    <p:extLst>
+      <p:ext uri="{BB962C8B-B14F-4D97-AF65-F5344CB8AC3E}">
+        <p14:creationId xmlns:p14="http://schemas.microsoft.com/office/powerpoint/2010/main" val="2966125632"/>
+      </p:ext>
+    </p:extLst>
+  </p:cSld>
+  <p:clrMapOvr>
+    <a:masterClrMapping/>
+  </p:clrMapOvr>
+</p:sld>
+</file>
+
+<file path=ppt/slides/slide23.xml><?xml version="1.0" encoding="utf-8"?>
+<p:sld xmlns:a="http://schemas.openxmlformats.org/drawingml/2006/main" xmlns:r="http://schemas.openxmlformats.org/officeDocument/2006/relationships" xmlns:p="http://schemas.openxmlformats.org/presentationml/2006/main">
+  <p:cSld>
+    <p:spTree>
+      <p:nvGrpSpPr>
+        <p:cNvPr id="1" name=""/>
+        <p:cNvGrpSpPr/>
+        <p:nvPr/>
+      </p:nvGrpSpPr>
+      <p:grpSpPr>
+        <a:xfrm>
+          <a:off x="0" y="0"/>
+          <a:ext cx="0" cy="0"/>
+          <a:chOff x="0" y="0"/>
+          <a:chExt cx="0" cy="0"/>
+        </a:xfrm>
+      </p:grpSpPr>
+      <p:sp>
+        <p:nvSpPr>
+          <p:cNvPr id="11" name="직사각형 10">
+            <a:extLst>
+              <a:ext uri="{FF2B5EF4-FFF2-40B4-BE49-F238E27FC236}">
+                <a16:creationId xmlns:a16="http://schemas.microsoft.com/office/drawing/2014/main" id="{71B79937-BF21-DF01-8EA4-3EB7328BE6B9}"/>
+              </a:ext>
+            </a:extLst>
+          </p:cNvPr>
+          <p:cNvSpPr/>
+          <p:nvPr/>
+        </p:nvSpPr>
+        <p:spPr>
+          <a:xfrm>
+            <a:off x="0" y="0"/>
+            <a:ext cx="12192000" cy="965200"/>
+          </a:xfrm>
+          <a:prstGeom prst="rect">
+            <a:avLst/>
+          </a:prstGeom>
+          <a:solidFill>
+            <a:srgbClr val="BDAA9F"/>
+          </a:solidFill>
+          <a:ln>
+            <a:noFill/>
+          </a:ln>
+        </p:spPr>
+        <p:style>
+          <a:lnRef idx="2">
+            <a:schemeClr val="accent1">
+              <a:shade val="50000"/>
+            </a:schemeClr>
+          </a:lnRef>
+          <a:fillRef idx="1">
+            <a:schemeClr val="accent1"/>
+          </a:fillRef>
+          <a:effectRef idx="0">
+            <a:schemeClr val="accent1"/>
+          </a:effectRef>
+          <a:fontRef idx="minor">
+            <a:schemeClr val="lt1"/>
+          </a:fontRef>
+        </p:style>
+        <p:txBody>
+          <a:bodyPr rtlCol="0" anchor="ctr"/>
+          <a:lstStyle/>
+          <a:p>
+            <a:pPr algn="ctr"/>
+            <a:endParaRPr lang="ko-KR" altLang="en-US">
+              <a:latin typeface="한컴 말랑말랑 Bold" panose="020F0803000000000000" pitchFamily="50" charset="-127"/>
+              <a:ea typeface="한컴 말랑말랑 Bold" panose="020F0803000000000000" pitchFamily="50" charset="-127"/>
+            </a:endParaRPr>
+          </a:p>
+        </p:txBody>
+      </p:sp>
+      <p:sp>
+        <p:nvSpPr>
+          <p:cNvPr id="14" name="TextBox 13">
+            <a:extLst>
+              <a:ext uri="{FF2B5EF4-FFF2-40B4-BE49-F238E27FC236}">
+                <a16:creationId xmlns:a16="http://schemas.microsoft.com/office/drawing/2014/main" id="{453D1162-D58A-E7DC-0A63-A3BC49954DC0}"/>
+              </a:ext>
+            </a:extLst>
+          </p:cNvPr>
+          <p:cNvSpPr txBox="1"/>
+          <p:nvPr/>
+        </p:nvSpPr>
+        <p:spPr>
+          <a:xfrm>
+            <a:off x="0" y="39757"/>
+            <a:ext cx="12192000" cy="830997"/>
+          </a:xfrm>
+          <a:prstGeom prst="rect">
+            <a:avLst/>
+          </a:prstGeom>
+          <a:noFill/>
+        </p:spPr>
+        <p:txBody>
+          <a:bodyPr wrap="square">
+            <a:spAutoFit/>
+          </a:bodyPr>
+          <a:lstStyle/>
+          <a:p>
+            <a:pPr lvl="0" algn="ctr"/>
+            <a:r>
+              <a:rPr lang="ko-KR" altLang="en-US" sz="4800" b="1" dirty="0">
+                <a:latin typeface="한컴 말랑말랑 Bold" panose="020F0803000000000000" pitchFamily="50" charset="-127"/>
+                <a:ea typeface="한컴 말랑말랑 Bold" panose="020F0803000000000000" pitchFamily="50" charset="-127"/>
+              </a:rPr>
+              <a:t>도수 설정 알고리즘 적용단계</a:t>
+            </a:r>
+            <a:endParaRPr lang="ko-KR" altLang="en-US" sz="4800" b="1" dirty="0">
+              <a:solidFill>
+                <a:schemeClr val="tx1">
+                  <a:lumMod val="95000"/>
+                  <a:lumOff val="5000"/>
+                </a:schemeClr>
+              </a:solidFill>
+              <a:effectLst>
+                <a:outerShdw blurRad="38100" dist="38100" dir="2700000" algn="tl">
+                  <a:srgbClr val="000000">
+                    <a:alpha val="43137"/>
+                  </a:srgbClr>
+                </a:outerShdw>
+              </a:effectLst>
+              <a:latin typeface="한컴 말랑말랑 Bold" panose="020F0803000000000000" pitchFamily="50" charset="-127"/>
+              <a:ea typeface="한컴 말랑말랑 Bold" panose="020F0803000000000000" pitchFamily="50" charset="-127"/>
+              <a:cs typeface="KoPubWorld돋움체 Bold" panose="00000800000000000000" pitchFamily="2" charset="-127"/>
+            </a:endParaRPr>
+          </a:p>
+        </p:txBody>
+      </p:sp>
+      <p:pic>
+        <p:nvPicPr>
+          <p:cNvPr id="12" name="그림 11">
+            <a:extLst>
+              <a:ext uri="{FF2B5EF4-FFF2-40B4-BE49-F238E27FC236}">
+                <a16:creationId xmlns:a16="http://schemas.microsoft.com/office/drawing/2014/main" id="{138EAE0F-253D-9FEE-0D53-BDE93D4D4100}"/>
+              </a:ext>
+            </a:extLst>
+          </p:cNvPr>
+          <p:cNvPicPr>
+            <a:picLocks noChangeAspect="1"/>
+          </p:cNvPicPr>
+          <p:nvPr/>
+        </p:nvPicPr>
+        <p:blipFill rotWithShape="1">
+          <a:blip r:embed="rId2"/>
+          <a:srcRect l="1155" t="1336" r="33525" b="1649"/>
+          <a:stretch/>
+        </p:blipFill>
+        <p:spPr>
+          <a:xfrm>
+            <a:off x="0" y="965200"/>
+            <a:ext cx="6338047" cy="5892799"/>
+          </a:xfrm>
+          <a:prstGeom prst="rect">
+            <a:avLst/>
+          </a:prstGeom>
+        </p:spPr>
+      </p:pic>
+      <p:sp>
+        <p:nvSpPr>
+          <p:cNvPr id="2" name="직사각형 1">
+            <a:extLst>
+              <a:ext uri="{FF2B5EF4-FFF2-40B4-BE49-F238E27FC236}">
+                <a16:creationId xmlns:a16="http://schemas.microsoft.com/office/drawing/2014/main" id="{F7E2BAC1-AC7B-11DA-1643-9790DDC4AA9B}"/>
+              </a:ext>
+            </a:extLst>
+          </p:cNvPr>
+          <p:cNvSpPr/>
+          <p:nvPr/>
+        </p:nvSpPr>
+        <p:spPr>
+          <a:xfrm>
+            <a:off x="26893" y="4475073"/>
+            <a:ext cx="6275291" cy="546847"/>
+          </a:xfrm>
+          <a:prstGeom prst="rect">
+            <a:avLst/>
+          </a:prstGeom>
+          <a:noFill/>
+          <a:ln w="57150">
+            <a:solidFill>
+              <a:srgbClr val="FF0000"/>
+            </a:solidFill>
+          </a:ln>
+        </p:spPr>
+        <p:style>
+          <a:lnRef idx="2">
+            <a:schemeClr val="accent1">
+              <a:shade val="15000"/>
+            </a:schemeClr>
+          </a:lnRef>
+          <a:fillRef idx="1">
+            <a:schemeClr val="accent1"/>
+          </a:fillRef>
+          <a:effectRef idx="0">
+            <a:schemeClr val="accent1"/>
+          </a:effectRef>
+          <a:fontRef idx="minor">
+            <a:schemeClr val="lt1"/>
+          </a:fontRef>
+        </p:style>
+        <p:txBody>
+          <a:bodyPr rtlCol="0" anchor="ctr"/>
+          <a:lstStyle/>
+          <a:p>
+            <a:pPr algn="ctr"/>
+            <a:endParaRPr lang="ko-KR" altLang="en-US">
+              <a:latin typeface="한컴 말랑말랑 Bold" panose="020F0803000000000000" pitchFamily="50" charset="-127"/>
+              <a:ea typeface="한컴 말랑말랑 Bold" panose="020F0803000000000000" pitchFamily="50" charset="-127"/>
+            </a:endParaRPr>
+          </a:p>
+        </p:txBody>
+      </p:sp>
+      <p:sp>
+        <p:nvSpPr>
+          <p:cNvPr id="3" name="TextBox 2">
+            <a:extLst>
+              <a:ext uri="{FF2B5EF4-FFF2-40B4-BE49-F238E27FC236}">
+                <a16:creationId xmlns:a16="http://schemas.microsoft.com/office/drawing/2014/main" id="{E013EA86-65ED-916E-C145-111F9EAFFEF7}"/>
+              </a:ext>
+            </a:extLst>
+          </p:cNvPr>
+          <p:cNvSpPr txBox="1"/>
+          <p:nvPr/>
+        </p:nvSpPr>
+        <p:spPr>
+          <a:xfrm>
+            <a:off x="5459507" y="4132636"/>
+            <a:ext cx="1013013" cy="369332"/>
+          </a:xfrm>
+          <a:prstGeom prst="rect">
+            <a:avLst/>
+          </a:prstGeom>
+          <a:noFill/>
+        </p:spPr>
+        <p:txBody>
+          <a:bodyPr wrap="square" rtlCol="0">
+            <a:spAutoFit/>
+          </a:bodyPr>
+          <a:lstStyle/>
+          <a:p>
+            <a:r>
+              <a:rPr lang="ko-KR" altLang="en-US" dirty="0">
+                <a:solidFill>
+                  <a:srgbClr val="C00000"/>
+                </a:solidFill>
+                <a:latin typeface="한컴 말랑말랑 Bold" panose="020F0803000000000000" pitchFamily="50" charset="-127"/>
+                <a:ea typeface="한컴 말랑말랑 Bold" panose="020F0803000000000000" pitchFamily="50" charset="-127"/>
+              </a:rPr>
+              <a:t>적용단계</a:t>
+            </a:r>
+          </a:p>
+        </p:txBody>
+      </p:sp>
+      <p:pic>
+        <p:nvPicPr>
+          <p:cNvPr id="4" name="Picture 2" descr="Liquor ">
+            <a:extLst>
+              <a:ext uri="{FF2B5EF4-FFF2-40B4-BE49-F238E27FC236}">
+                <a16:creationId xmlns:a16="http://schemas.microsoft.com/office/drawing/2014/main" id="{750675C7-C62A-FD8F-D585-41FF8C0951EA}"/>
+              </a:ext>
+            </a:extLst>
+          </p:cNvPr>
+          <p:cNvPicPr>
+            <a:picLocks noChangeAspect="1" noChangeArrowheads="1"/>
+          </p:cNvPicPr>
+          <p:nvPr/>
+        </p:nvPicPr>
+        <p:blipFill>
+          <a:blip r:embed="rId3">
+            <a:extLst>
+              <a:ext uri="{28A0092B-C50C-407E-A947-70E740481C1C}">
+                <a14:useLocalDpi xmlns:a14="http://schemas.microsoft.com/office/drawing/2010/main" val="0"/>
+              </a:ext>
+            </a:extLst>
+          </a:blip>
+          <a:srcRect/>
+          <a:stretch>
+            <a:fillRect/>
+          </a:stretch>
+        </p:blipFill>
+        <p:spPr bwMode="auto">
+          <a:xfrm>
+            <a:off x="8440991" y="1290327"/>
+            <a:ext cx="1612202" cy="1612202"/>
+          </a:xfrm>
+          <a:prstGeom prst="rect">
+            <a:avLst/>
+          </a:prstGeom>
+          <a:noFill/>
+          <a:extLst>
+            <a:ext uri="{909E8E84-426E-40DD-AFC4-6F175D3DCCD1}">
+              <a14:hiddenFill xmlns:a14="http://schemas.microsoft.com/office/drawing/2010/main">
+                <a:solidFill>
+                  <a:srgbClr val="FFFFFF"/>
+                </a:solidFill>
+              </a14:hiddenFill>
+            </a:ext>
+          </a:extLst>
+        </p:spPr>
+      </p:pic>
+      <p:sp>
+        <p:nvSpPr>
+          <p:cNvPr id="5" name="TextBox 4">
+            <a:extLst>
+              <a:ext uri="{FF2B5EF4-FFF2-40B4-BE49-F238E27FC236}">
+                <a16:creationId xmlns:a16="http://schemas.microsoft.com/office/drawing/2014/main" id="{C1B38CA6-47DB-17AD-EF88-2C31766E8B53}"/>
+              </a:ext>
+            </a:extLst>
+          </p:cNvPr>
+          <p:cNvSpPr txBox="1"/>
+          <p:nvPr/>
+        </p:nvSpPr>
+        <p:spPr>
+          <a:xfrm>
+            <a:off x="6302184" y="2929866"/>
+            <a:ext cx="5889816" cy="461665"/>
+          </a:xfrm>
+          <a:prstGeom prst="rect">
+            <a:avLst/>
+          </a:prstGeom>
+          <a:noFill/>
+        </p:spPr>
+        <p:txBody>
+          <a:bodyPr wrap="square" rtlCol="0">
+            <a:spAutoFit/>
+          </a:bodyPr>
+          <a:lstStyle/>
+          <a:p>
+            <a:pPr algn="ctr"/>
+            <a:r>
+              <a:rPr lang="ko-KR" altLang="en-US" sz="2400" dirty="0">
+                <a:latin typeface="한컴 말랑말랑 Bold" panose="020F0803000000000000" pitchFamily="50" charset="-127"/>
+                <a:ea typeface="한컴 말랑말랑 Bold" panose="020F0803000000000000" pitchFamily="50" charset="-127"/>
+              </a:rPr>
+              <a:t>중요요소</a:t>
+            </a:r>
+          </a:p>
+        </p:txBody>
+      </p:sp>
+      <p:sp>
+        <p:nvSpPr>
+          <p:cNvPr id="6" name="왼쪽 대괄호 5">
+            <a:extLst>
+              <a:ext uri="{FF2B5EF4-FFF2-40B4-BE49-F238E27FC236}">
+                <a16:creationId xmlns:a16="http://schemas.microsoft.com/office/drawing/2014/main" id="{A56A1889-AA49-3429-386D-A2CC7A8A475D}"/>
+              </a:ext>
+            </a:extLst>
+          </p:cNvPr>
+          <p:cNvSpPr/>
+          <p:nvPr/>
+        </p:nvSpPr>
+        <p:spPr>
+          <a:xfrm rot="5400000">
+            <a:off x="9145355" y="1607709"/>
+            <a:ext cx="203473" cy="4105275"/>
+          </a:xfrm>
+          <a:prstGeom prst="leftBracket">
+            <a:avLst/>
+          </a:prstGeom>
+          <a:ln w="57150">
+            <a:solidFill>
+              <a:schemeClr val="tx1"/>
+            </a:solidFill>
+          </a:ln>
+        </p:spPr>
+        <p:style>
+          <a:lnRef idx="1">
+            <a:schemeClr val="accent1"/>
+          </a:lnRef>
+          <a:fillRef idx="0">
+            <a:schemeClr val="accent1"/>
+          </a:fillRef>
+          <a:effectRef idx="0">
+            <a:schemeClr val="accent1"/>
+          </a:effectRef>
+          <a:fontRef idx="minor">
+            <a:schemeClr val="tx1"/>
+          </a:fontRef>
+        </p:style>
+        <p:txBody>
+          <a:bodyPr rtlCol="0" anchor="ctr"/>
+          <a:lstStyle/>
+          <a:p>
+            <a:pPr algn="ctr"/>
+            <a:endParaRPr lang="ko-KR" altLang="en-US"/>
+          </a:p>
+        </p:txBody>
+      </p:sp>
+      <p:sp>
+        <p:nvSpPr>
+          <p:cNvPr id="7" name="TextBox 6">
+            <a:extLst>
+              <a:ext uri="{FF2B5EF4-FFF2-40B4-BE49-F238E27FC236}">
+                <a16:creationId xmlns:a16="http://schemas.microsoft.com/office/drawing/2014/main" id="{DC8004F9-0EC2-85DC-3AAB-66E3F428DCD4}"/>
+              </a:ext>
+            </a:extLst>
+          </p:cNvPr>
+          <p:cNvSpPr txBox="1"/>
+          <p:nvPr/>
+        </p:nvSpPr>
+        <p:spPr>
+          <a:xfrm>
+            <a:off x="6561041" y="3950447"/>
+            <a:ext cx="1266825" cy="369332"/>
+          </a:xfrm>
+          <a:prstGeom prst="rect">
+            <a:avLst/>
+          </a:prstGeom>
+          <a:noFill/>
+        </p:spPr>
+        <p:txBody>
+          <a:bodyPr wrap="square" rtlCol="0">
+            <a:spAutoFit/>
+          </a:bodyPr>
+          <a:lstStyle/>
+          <a:p>
+            <a:pPr algn="ctr"/>
+            <a:r>
+              <a:rPr lang="ko-KR" altLang="en-US" dirty="0">
+                <a:latin typeface="한컴 말랑말랑 Bold" panose="020F0803000000000000" pitchFamily="50" charset="-127"/>
+                <a:ea typeface="한컴 말랑말랑 Bold" panose="020F0803000000000000" pitchFamily="50" charset="-127"/>
+              </a:rPr>
+              <a:t>향의 종류</a:t>
+            </a:r>
+          </a:p>
+        </p:txBody>
+      </p:sp>
+      <p:sp>
+        <p:nvSpPr>
+          <p:cNvPr id="10" name="TextBox 9">
+            <a:extLst>
+              <a:ext uri="{FF2B5EF4-FFF2-40B4-BE49-F238E27FC236}">
+                <a16:creationId xmlns:a16="http://schemas.microsoft.com/office/drawing/2014/main" id="{E794932A-5E11-BA71-18A8-DD574FC087A4}"/>
+              </a:ext>
+            </a:extLst>
+          </p:cNvPr>
+          <p:cNvSpPr txBox="1"/>
+          <p:nvPr/>
+        </p:nvSpPr>
+        <p:spPr>
+          <a:xfrm>
+            <a:off x="10759885" y="3955505"/>
+            <a:ext cx="1266825" cy="369332"/>
+          </a:xfrm>
+          <a:prstGeom prst="rect">
+            <a:avLst/>
+          </a:prstGeom>
+          <a:noFill/>
+        </p:spPr>
+        <p:txBody>
+          <a:bodyPr wrap="square" rtlCol="0">
+            <a:spAutoFit/>
+          </a:bodyPr>
+          <a:lstStyle/>
+          <a:p>
+            <a:pPr algn="ctr"/>
+            <a:r>
+              <a:rPr lang="ko-KR" altLang="en-US" dirty="0">
+                <a:latin typeface="한컴 말랑말랑 Bold" panose="020F0803000000000000" pitchFamily="50" charset="-127"/>
+                <a:ea typeface="한컴 말랑말랑 Bold" panose="020F0803000000000000" pitchFamily="50" charset="-127"/>
+              </a:rPr>
+              <a:t>바디감</a:t>
+            </a:r>
+          </a:p>
+        </p:txBody>
+      </p:sp>
+      <p:sp>
+        <p:nvSpPr>
+          <p:cNvPr id="13" name="TextBox 12">
+            <a:extLst>
+              <a:ext uri="{FF2B5EF4-FFF2-40B4-BE49-F238E27FC236}">
+                <a16:creationId xmlns:a16="http://schemas.microsoft.com/office/drawing/2014/main" id="{1058BFA4-CCF0-41CF-FE79-B2ADB4000172}"/>
+              </a:ext>
+            </a:extLst>
+          </p:cNvPr>
+          <p:cNvSpPr txBox="1"/>
+          <p:nvPr/>
+        </p:nvSpPr>
+        <p:spPr>
+          <a:xfrm>
+            <a:off x="7637366" y="3950447"/>
+            <a:ext cx="1266825" cy="369332"/>
+          </a:xfrm>
+          <a:prstGeom prst="rect">
+            <a:avLst/>
+          </a:prstGeom>
+          <a:noFill/>
+        </p:spPr>
+        <p:txBody>
+          <a:bodyPr wrap="square" rtlCol="0">
+            <a:spAutoFit/>
+          </a:bodyPr>
+          <a:lstStyle/>
+          <a:p>
+            <a:pPr algn="ctr"/>
+            <a:r>
+              <a:rPr lang="ko-KR" altLang="en-US" dirty="0">
+                <a:latin typeface="한컴 말랑말랑 Bold" panose="020F0803000000000000" pitchFamily="50" charset="-127"/>
+                <a:ea typeface="한컴 말랑말랑 Bold" panose="020F0803000000000000" pitchFamily="50" charset="-127"/>
+              </a:rPr>
+              <a:t>향의 강도</a:t>
+            </a:r>
+          </a:p>
+        </p:txBody>
+      </p:sp>
+      <p:sp>
+        <p:nvSpPr>
+          <p:cNvPr id="16" name="TextBox 15">
+            <a:extLst>
+              <a:ext uri="{FF2B5EF4-FFF2-40B4-BE49-F238E27FC236}">
+                <a16:creationId xmlns:a16="http://schemas.microsoft.com/office/drawing/2014/main" id="{04F778BA-6E3F-4F60-8B44-601F9FC267EF}"/>
+              </a:ext>
+            </a:extLst>
+          </p:cNvPr>
+          <p:cNvSpPr txBox="1"/>
+          <p:nvPr/>
+        </p:nvSpPr>
+        <p:spPr>
+          <a:xfrm>
+            <a:off x="8567734" y="3952976"/>
+            <a:ext cx="1266825" cy="369332"/>
+          </a:xfrm>
+          <a:prstGeom prst="rect">
+            <a:avLst/>
+          </a:prstGeom>
+          <a:noFill/>
+        </p:spPr>
+        <p:txBody>
+          <a:bodyPr wrap="square" rtlCol="0">
+            <a:spAutoFit/>
+          </a:bodyPr>
+          <a:lstStyle/>
+          <a:p>
+            <a:pPr algn="ctr"/>
+            <a:r>
+              <a:rPr lang="ko-KR" altLang="en-US" dirty="0">
+                <a:latin typeface="한컴 말랑말랑 Bold" panose="020F0803000000000000" pitchFamily="50" charset="-127"/>
+                <a:ea typeface="한컴 말랑말랑 Bold" panose="020F0803000000000000" pitchFamily="50" charset="-127"/>
+              </a:rPr>
+              <a:t>단맛</a:t>
+            </a:r>
+          </a:p>
+        </p:txBody>
+      </p:sp>
+      <p:sp>
+        <p:nvSpPr>
+          <p:cNvPr id="18" name="TextBox 17">
+            <a:extLst>
+              <a:ext uri="{FF2B5EF4-FFF2-40B4-BE49-F238E27FC236}">
+                <a16:creationId xmlns:a16="http://schemas.microsoft.com/office/drawing/2014/main" id="{AAFAE2AD-3DAD-1C7F-9145-70977C18B612}"/>
+              </a:ext>
+            </a:extLst>
+          </p:cNvPr>
+          <p:cNvSpPr txBox="1"/>
+          <p:nvPr/>
+        </p:nvSpPr>
+        <p:spPr>
+          <a:xfrm>
+            <a:off x="9247091" y="3955505"/>
+            <a:ext cx="1266825" cy="369332"/>
+          </a:xfrm>
+          <a:prstGeom prst="rect">
+            <a:avLst/>
+          </a:prstGeom>
+          <a:noFill/>
+        </p:spPr>
+        <p:txBody>
+          <a:bodyPr wrap="square" rtlCol="0">
+            <a:spAutoFit/>
+          </a:bodyPr>
+          <a:lstStyle/>
+          <a:p>
+            <a:pPr algn="ctr"/>
+            <a:r>
+              <a:rPr lang="ko-KR" altLang="en-US" dirty="0">
+                <a:latin typeface="한컴 말랑말랑 Bold" panose="020F0803000000000000" pitchFamily="50" charset="-127"/>
+                <a:ea typeface="한컴 말랑말랑 Bold" panose="020F0803000000000000" pitchFamily="50" charset="-127"/>
+              </a:rPr>
+              <a:t>신맛</a:t>
+            </a:r>
+          </a:p>
+        </p:txBody>
+      </p:sp>
+      <p:sp>
+        <p:nvSpPr>
+          <p:cNvPr id="19" name="TextBox 18">
+            <a:extLst>
+              <a:ext uri="{FF2B5EF4-FFF2-40B4-BE49-F238E27FC236}">
+                <a16:creationId xmlns:a16="http://schemas.microsoft.com/office/drawing/2014/main" id="{E4688FDD-A452-2EAC-E859-D9363A689190}"/>
+              </a:ext>
+            </a:extLst>
+          </p:cNvPr>
+          <p:cNvSpPr txBox="1"/>
+          <p:nvPr/>
+        </p:nvSpPr>
+        <p:spPr>
+          <a:xfrm>
+            <a:off x="9980516" y="3955505"/>
+            <a:ext cx="1266825" cy="369332"/>
+          </a:xfrm>
+          <a:prstGeom prst="rect">
+            <a:avLst/>
+          </a:prstGeom>
+          <a:noFill/>
+        </p:spPr>
+        <p:txBody>
+          <a:bodyPr wrap="square" rtlCol="0">
+            <a:spAutoFit/>
+          </a:bodyPr>
+          <a:lstStyle/>
+          <a:p>
+            <a:pPr algn="ctr"/>
+            <a:r>
+              <a:rPr lang="ko-KR" altLang="en-US" dirty="0">
+                <a:latin typeface="한컴 말랑말랑 Bold" panose="020F0803000000000000" pitchFamily="50" charset="-127"/>
+                <a:ea typeface="한컴 말랑말랑 Bold" panose="020F0803000000000000" pitchFamily="50" charset="-127"/>
+              </a:rPr>
+              <a:t>청량감</a:t>
+            </a:r>
+          </a:p>
+        </p:txBody>
+      </p:sp>
+      <p:cxnSp>
+        <p:nvCxnSpPr>
+          <p:cNvPr id="21" name="직선 연결선 20">
+            <a:extLst>
+              <a:ext uri="{FF2B5EF4-FFF2-40B4-BE49-F238E27FC236}">
+                <a16:creationId xmlns:a16="http://schemas.microsoft.com/office/drawing/2014/main" id="{A4AC153F-8330-4C13-A1A6-DD42C8CBB6AC}"/>
+              </a:ext>
+            </a:extLst>
+          </p:cNvPr>
+          <p:cNvCxnSpPr>
+            <a:cxnSpLocks/>
+          </p:cNvCxnSpPr>
+          <p:nvPr/>
+        </p:nvCxnSpPr>
+        <p:spPr>
+          <a:xfrm>
+            <a:off x="8270778" y="3558610"/>
+            <a:ext cx="0" cy="203473"/>
+          </a:xfrm>
+          <a:prstGeom prst="line">
+            <a:avLst/>
+          </a:prstGeom>
+          <a:ln w="57150">
+            <a:solidFill>
+              <a:srgbClr val="262626"/>
+            </a:solidFill>
+          </a:ln>
+        </p:spPr>
+        <p:style>
+          <a:lnRef idx="1">
+            <a:schemeClr val="accent1"/>
+          </a:lnRef>
+          <a:fillRef idx="0">
+            <a:schemeClr val="accent1"/>
+          </a:fillRef>
+          <a:effectRef idx="0">
+            <a:schemeClr val="accent1"/>
+          </a:effectRef>
+          <a:fontRef idx="minor">
+            <a:schemeClr val="tx1"/>
+          </a:fontRef>
+        </p:style>
+      </p:cxnSp>
+      <p:cxnSp>
+        <p:nvCxnSpPr>
+          <p:cNvPr id="30" name="직선 연결선 29">
+            <a:extLst>
+              <a:ext uri="{FF2B5EF4-FFF2-40B4-BE49-F238E27FC236}">
+                <a16:creationId xmlns:a16="http://schemas.microsoft.com/office/drawing/2014/main" id="{3DE25F6D-5A1B-29C6-4AF5-EEF922498BF0}"/>
+              </a:ext>
+            </a:extLst>
+          </p:cNvPr>
+          <p:cNvCxnSpPr>
+            <a:cxnSpLocks/>
+          </p:cNvCxnSpPr>
+          <p:nvPr/>
+        </p:nvCxnSpPr>
+        <p:spPr>
+          <a:xfrm>
+            <a:off x="9201146" y="3558609"/>
+            <a:ext cx="0" cy="203473"/>
+          </a:xfrm>
+          <a:prstGeom prst="line">
+            <a:avLst/>
+          </a:prstGeom>
+          <a:ln w="57150">
+            <a:solidFill>
+              <a:srgbClr val="262626"/>
+            </a:solidFill>
+          </a:ln>
+        </p:spPr>
+        <p:style>
+          <a:lnRef idx="1">
+            <a:schemeClr val="accent1"/>
+          </a:lnRef>
+          <a:fillRef idx="0">
+            <a:schemeClr val="accent1"/>
+          </a:fillRef>
+          <a:effectRef idx="0">
+            <a:schemeClr val="accent1"/>
+          </a:effectRef>
+          <a:fontRef idx="minor">
+            <a:schemeClr val="tx1"/>
+          </a:fontRef>
+        </p:style>
+      </p:cxnSp>
+      <p:cxnSp>
+        <p:nvCxnSpPr>
+          <p:cNvPr id="32" name="직선 연결선 31">
+            <a:extLst>
+              <a:ext uri="{FF2B5EF4-FFF2-40B4-BE49-F238E27FC236}">
+                <a16:creationId xmlns:a16="http://schemas.microsoft.com/office/drawing/2014/main" id="{005802DF-49C5-DFE7-DC9C-28FBB579CBA3}"/>
+              </a:ext>
+            </a:extLst>
+          </p:cNvPr>
+          <p:cNvCxnSpPr>
+            <a:cxnSpLocks/>
+          </p:cNvCxnSpPr>
+          <p:nvPr/>
+        </p:nvCxnSpPr>
+        <p:spPr>
+          <a:xfrm>
+            <a:off x="9834559" y="3558608"/>
+            <a:ext cx="0" cy="203473"/>
+          </a:xfrm>
+          <a:prstGeom prst="line">
+            <a:avLst/>
+          </a:prstGeom>
+          <a:ln w="57150">
+            <a:solidFill>
+              <a:srgbClr val="262626"/>
+            </a:solidFill>
+          </a:ln>
+        </p:spPr>
+        <p:style>
+          <a:lnRef idx="1">
+            <a:schemeClr val="accent1"/>
+          </a:lnRef>
+          <a:fillRef idx="0">
+            <a:schemeClr val="accent1"/>
+          </a:fillRef>
+          <a:effectRef idx="0">
+            <a:schemeClr val="accent1"/>
+          </a:effectRef>
+          <a:fontRef idx="minor">
+            <a:schemeClr val="tx1"/>
+          </a:fontRef>
+        </p:style>
+      </p:cxnSp>
+      <p:cxnSp>
+        <p:nvCxnSpPr>
+          <p:cNvPr id="33" name="직선 연결선 32">
+            <a:extLst>
+              <a:ext uri="{FF2B5EF4-FFF2-40B4-BE49-F238E27FC236}">
+                <a16:creationId xmlns:a16="http://schemas.microsoft.com/office/drawing/2014/main" id="{310400E3-6694-F84C-52E0-B541852AAC2A}"/>
+              </a:ext>
+            </a:extLst>
+          </p:cNvPr>
+          <p:cNvCxnSpPr>
+            <a:cxnSpLocks/>
+          </p:cNvCxnSpPr>
+          <p:nvPr/>
+        </p:nvCxnSpPr>
+        <p:spPr>
+          <a:xfrm>
+            <a:off x="10550332" y="3558608"/>
+            <a:ext cx="0" cy="203473"/>
+          </a:xfrm>
+          <a:prstGeom prst="line">
+            <a:avLst/>
+          </a:prstGeom>
+          <a:ln w="57150">
+            <a:solidFill>
+              <a:srgbClr val="262626"/>
+            </a:solidFill>
+          </a:ln>
+        </p:spPr>
+        <p:style>
+          <a:lnRef idx="1">
+            <a:schemeClr val="accent1"/>
+          </a:lnRef>
+          <a:fillRef idx="0">
+            <a:schemeClr val="accent1"/>
+          </a:fillRef>
+          <a:effectRef idx="0">
+            <a:schemeClr val="accent1"/>
+          </a:effectRef>
+          <a:fontRef idx="minor">
+            <a:schemeClr val="tx1"/>
+          </a:fontRef>
+        </p:style>
+      </p:cxnSp>
+      <p:sp>
+        <p:nvSpPr>
+          <p:cNvPr id="34" name="TextBox 33">
+            <a:extLst>
+              <a:ext uri="{FF2B5EF4-FFF2-40B4-BE49-F238E27FC236}">
+                <a16:creationId xmlns:a16="http://schemas.microsoft.com/office/drawing/2014/main" id="{8B36F305-9ED7-96BD-3B2F-4781B7D4E687}"/>
+              </a:ext>
+            </a:extLst>
+          </p:cNvPr>
+          <p:cNvSpPr txBox="1"/>
+          <p:nvPr/>
+        </p:nvSpPr>
+        <p:spPr>
+          <a:xfrm>
+            <a:off x="6338047" y="5171531"/>
+            <a:ext cx="5853953" cy="646331"/>
+          </a:xfrm>
+          <a:prstGeom prst="rect">
+            <a:avLst/>
+          </a:prstGeom>
+          <a:noFill/>
+        </p:spPr>
+        <p:txBody>
+          <a:bodyPr wrap="square" rtlCol="0">
+            <a:spAutoFit/>
+          </a:bodyPr>
+          <a:lstStyle/>
+          <a:p>
+            <a:pPr algn="ctr"/>
+            <a:r>
+              <a:rPr lang="ko-KR" altLang="en-US" dirty="0">
+                <a:latin typeface="한컴 말랑말랑 Bold" panose="020F0803000000000000" pitchFamily="50" charset="-127"/>
+                <a:ea typeface="한컴 말랑말랑 Bold" panose="020F0803000000000000" pitchFamily="50" charset="-127"/>
+              </a:rPr>
+              <a:t>해당 요소 중 </a:t>
+            </a:r>
+            <a:r>
+              <a:rPr lang="ko-KR" altLang="en-US" dirty="0">
+                <a:solidFill>
+                  <a:srgbClr val="0070C0"/>
+                </a:solidFill>
+                <a:latin typeface="한컴 말랑말랑 Bold" panose="020F0803000000000000" pitchFamily="50" charset="-127"/>
+                <a:ea typeface="한컴 말랑말랑 Bold" panose="020F0803000000000000" pitchFamily="50" charset="-127"/>
+              </a:rPr>
+              <a:t>사용자가 중요하게 생각하는 요소</a:t>
+            </a:r>
+            <a:r>
+              <a:rPr lang="ko-KR" altLang="en-US" dirty="0">
+                <a:latin typeface="한컴 말랑말랑 Bold" panose="020F0803000000000000" pitchFamily="50" charset="-127"/>
+                <a:ea typeface="한컴 말랑말랑 Bold" panose="020F0803000000000000" pitchFamily="50" charset="-127"/>
+              </a:rPr>
+              <a:t>에</a:t>
+            </a:r>
+            <a:endParaRPr lang="en-US" altLang="ko-KR" dirty="0">
+              <a:latin typeface="한컴 말랑말랑 Bold" panose="020F0803000000000000" pitchFamily="50" charset="-127"/>
+              <a:ea typeface="한컴 말랑말랑 Bold" panose="020F0803000000000000" pitchFamily="50" charset="-127"/>
+            </a:endParaRPr>
+          </a:p>
+          <a:p>
+            <a:pPr algn="ctr"/>
+            <a:r>
+              <a:rPr lang="ko-KR" altLang="en-US" dirty="0">
+                <a:solidFill>
+                  <a:srgbClr val="0070C0"/>
+                </a:solidFill>
+                <a:latin typeface="한컴 말랑말랑 Bold" panose="020F0803000000000000" pitchFamily="50" charset="-127"/>
+                <a:ea typeface="한컴 말랑말랑 Bold" panose="020F0803000000000000" pitchFamily="50" charset="-127"/>
+              </a:rPr>
+              <a:t>가중치를 부여</a:t>
+            </a:r>
+            <a:r>
+              <a:rPr lang="ko-KR" altLang="en-US" dirty="0">
+                <a:latin typeface="한컴 말랑말랑 Bold" panose="020F0803000000000000" pitchFamily="50" charset="-127"/>
+                <a:ea typeface="한컴 말랑말랑 Bold" panose="020F0803000000000000" pitchFamily="50" charset="-127"/>
+              </a:rPr>
+              <a:t>하여 더 </a:t>
+            </a:r>
+            <a:r>
+              <a:rPr lang="ko-KR" altLang="en-US" dirty="0">
+                <a:solidFill>
+                  <a:srgbClr val="0070C0"/>
+                </a:solidFill>
+                <a:latin typeface="한컴 말랑말랑 Bold" panose="020F0803000000000000" pitchFamily="50" charset="-127"/>
+                <a:ea typeface="한컴 말랑말랑 Bold" panose="020F0803000000000000" pitchFamily="50" charset="-127"/>
+              </a:rPr>
+              <a:t>잘 추천</a:t>
+            </a:r>
+            <a:r>
+              <a:rPr lang="ko-KR" altLang="en-US" dirty="0">
+                <a:latin typeface="한컴 말랑말랑 Bold" panose="020F0803000000000000" pitchFamily="50" charset="-127"/>
+                <a:ea typeface="한컴 말랑말랑 Bold" panose="020F0803000000000000" pitchFamily="50" charset="-127"/>
+              </a:rPr>
+              <a:t>될 수 있도록 설정 </a:t>
+            </a:r>
+            <a:endParaRPr lang="en-US" altLang="ko-KR" dirty="0">
+              <a:latin typeface="한컴 말랑말랑 Bold" panose="020F0803000000000000" pitchFamily="50" charset="-127"/>
+              <a:ea typeface="한컴 말랑말랑 Bold" panose="020F0803000000000000" pitchFamily="50" charset="-127"/>
+            </a:endParaRPr>
+          </a:p>
+        </p:txBody>
+      </p:sp>
+    </p:spTree>
+    <p:extLst>
+      <p:ext uri="{BB962C8B-B14F-4D97-AF65-F5344CB8AC3E}">
+        <p14:creationId xmlns:p14="http://schemas.microsoft.com/office/powerpoint/2010/main" val="243071241"/>
+      </p:ext>
+    </p:extLst>
+  </p:cSld>
+  <p:clrMapOvr>
+    <a:masterClrMapping/>
+  </p:clrMapOvr>
+</p:sld>
+</file>
+
+<file path=ppt/slides/slide24.xml><?xml version="1.0" encoding="utf-8"?>
+<p:sld xmlns:a="http://schemas.openxmlformats.org/drawingml/2006/main" xmlns:r="http://schemas.openxmlformats.org/officeDocument/2006/relationships" xmlns:p="http://schemas.openxmlformats.org/presentationml/2006/main">
+  <p:cSld>
+    <p:spTree>
+      <p:nvGrpSpPr>
+        <p:cNvPr id="1" name=""/>
+        <p:cNvGrpSpPr/>
+        <p:nvPr/>
+      </p:nvGrpSpPr>
+      <p:grpSpPr>
+        <a:xfrm>
+          <a:off x="0" y="0"/>
+          <a:ext cx="0" cy="0"/>
+          <a:chOff x="0" y="0"/>
+          <a:chExt cx="0" cy="0"/>
+        </a:xfrm>
+      </p:grpSpPr>
+      <p:sp>
+        <p:nvSpPr>
+          <p:cNvPr id="11" name="직사각형 10">
+            <a:extLst>
+              <a:ext uri="{FF2B5EF4-FFF2-40B4-BE49-F238E27FC236}">
+                <a16:creationId xmlns:a16="http://schemas.microsoft.com/office/drawing/2014/main" id="{71B79937-BF21-DF01-8EA4-3EB7328BE6B9}"/>
+              </a:ext>
+            </a:extLst>
+          </p:cNvPr>
+          <p:cNvSpPr/>
+          <p:nvPr/>
+        </p:nvSpPr>
+        <p:spPr>
+          <a:xfrm>
+            <a:off x="0" y="0"/>
+            <a:ext cx="12192000" cy="965200"/>
+          </a:xfrm>
+          <a:prstGeom prst="rect">
+            <a:avLst/>
+          </a:prstGeom>
+          <a:solidFill>
+            <a:srgbClr val="BDAA9F"/>
+          </a:solidFill>
+          <a:ln>
+            <a:noFill/>
+          </a:ln>
+        </p:spPr>
+        <p:style>
+          <a:lnRef idx="2">
+            <a:schemeClr val="accent1">
+              <a:shade val="50000"/>
+            </a:schemeClr>
+          </a:lnRef>
+          <a:fillRef idx="1">
+            <a:schemeClr val="accent1"/>
+          </a:fillRef>
+          <a:effectRef idx="0">
+            <a:schemeClr val="accent1"/>
+          </a:effectRef>
+          <a:fontRef idx="minor">
+            <a:schemeClr val="lt1"/>
+          </a:fontRef>
+        </p:style>
+        <p:txBody>
+          <a:bodyPr rtlCol="0" anchor="ctr"/>
+          <a:lstStyle/>
+          <a:p>
+            <a:pPr algn="ctr"/>
+            <a:endParaRPr lang="ko-KR" altLang="en-US" sz="2000">
+              <a:latin typeface="한컴 말랑말랑 Bold" panose="020F0803000000000000" pitchFamily="50" charset="-127"/>
+              <a:ea typeface="한컴 말랑말랑 Bold" panose="020F0803000000000000" pitchFamily="50" charset="-127"/>
+            </a:endParaRPr>
+          </a:p>
+        </p:txBody>
+      </p:sp>
+      <p:sp>
+        <p:nvSpPr>
+          <p:cNvPr id="2" name="TextBox 1">
+            <a:extLst>
+              <a:ext uri="{FF2B5EF4-FFF2-40B4-BE49-F238E27FC236}">
+                <a16:creationId xmlns:a16="http://schemas.microsoft.com/office/drawing/2014/main" id="{34B48FC4-8988-1088-D7B4-4AA2A44E1A68}"/>
+              </a:ext>
+            </a:extLst>
+          </p:cNvPr>
+          <p:cNvSpPr txBox="1"/>
+          <p:nvPr/>
+        </p:nvSpPr>
+        <p:spPr>
+          <a:xfrm>
+            <a:off x="0" y="39757"/>
+            <a:ext cx="12192000" cy="923330"/>
+          </a:xfrm>
+          <a:prstGeom prst="rect">
+            <a:avLst/>
+          </a:prstGeom>
+          <a:noFill/>
+        </p:spPr>
+        <p:txBody>
+          <a:bodyPr wrap="square">
+            <a:spAutoFit/>
+          </a:bodyPr>
+          <a:lstStyle/>
+          <a:p>
+            <a:pPr lvl="0" algn="ctr"/>
+            <a:r>
+              <a:rPr lang="ko-KR" altLang="en-US" sz="5400" b="1" dirty="0">
+                <a:solidFill>
+                  <a:schemeClr val="tx1">
+                    <a:lumMod val="95000"/>
+                    <a:lumOff val="5000"/>
+                  </a:schemeClr>
+                </a:solidFill>
+                <a:effectLst>
+                  <a:outerShdw blurRad="38100" dist="38100" dir="2700000" algn="tl">
+                    <a:srgbClr val="000000">
+                      <a:alpha val="43137"/>
+                    </a:srgbClr>
+                  </a:outerShdw>
+                </a:effectLst>
+                <a:latin typeface="한컴 말랑말랑 Bold" panose="020F0803000000000000" pitchFamily="50" charset="-127"/>
+                <a:ea typeface="한컴 말랑말랑 Bold" panose="020F0803000000000000" pitchFamily="50" charset="-127"/>
+                <a:cs typeface="KoPubWorld돋움체 Bold" panose="00000800000000000000" pitchFamily="2" charset="-127"/>
+              </a:rPr>
+              <a:t>가중치 적용 공식</a:t>
+            </a:r>
+          </a:p>
+        </p:txBody>
+      </p:sp>
+      <p:sp>
+        <p:nvSpPr>
+          <p:cNvPr id="28" name="TextBox 27">
+            <a:extLst>
+              <a:ext uri="{FF2B5EF4-FFF2-40B4-BE49-F238E27FC236}">
+                <a16:creationId xmlns:a16="http://schemas.microsoft.com/office/drawing/2014/main" id="{AD6BF26F-3739-C3CC-C7D8-2F85D57172EE}"/>
+              </a:ext>
+            </a:extLst>
+          </p:cNvPr>
+          <p:cNvSpPr txBox="1"/>
+          <p:nvPr/>
+        </p:nvSpPr>
+        <p:spPr>
+          <a:xfrm>
+            <a:off x="-889344" y="4005679"/>
+            <a:ext cx="7840756" cy="369332"/>
+          </a:xfrm>
+          <a:prstGeom prst="rect">
+            <a:avLst/>
+          </a:prstGeom>
+          <a:noFill/>
+        </p:spPr>
+        <p:txBody>
+          <a:bodyPr wrap="square">
+            <a:spAutoFit/>
+          </a:bodyPr>
+          <a:lstStyle/>
+          <a:p>
+            <a:pPr algn="ctr"/>
+            <a:r>
+              <a:rPr lang="en-US" altLang="ko-KR" b="1" dirty="0">
+                <a:solidFill>
+                  <a:srgbClr val="000000"/>
+                </a:solidFill>
+                <a:effectLst>
+                  <a:outerShdw blurRad="38100" dist="38100" dir="2700000" algn="tl">
+                    <a:srgbClr val="000000">
+                      <a:alpha val="43137"/>
+                    </a:srgbClr>
+                  </a:outerShdw>
+                </a:effectLst>
+                <a:latin typeface="한컴 말랑말랑 Bold" panose="020F0803000000000000" pitchFamily="50" charset="-127"/>
+                <a:ea typeface="한컴 말랑말랑 Bold" panose="020F0803000000000000" pitchFamily="50" charset="-127"/>
+                <a:cs typeface="Times New Roman" panose="02020603050405020304" pitchFamily="18" charset="0"/>
+              </a:rPr>
+              <a:t>weight</a:t>
+            </a:r>
+            <a:r>
+              <a:rPr lang="ko-KR" altLang="en-US" b="1" dirty="0">
+                <a:solidFill>
+                  <a:srgbClr val="000000"/>
+                </a:solidFill>
+                <a:effectLst>
+                  <a:outerShdw blurRad="38100" dist="38100" dir="2700000" algn="tl">
+                    <a:srgbClr val="000000">
+                      <a:alpha val="43137"/>
+                    </a:srgbClr>
+                  </a:outerShdw>
+                </a:effectLst>
+                <a:latin typeface="한컴 말랑말랑 Bold" panose="020F0803000000000000" pitchFamily="50" charset="-127"/>
+                <a:ea typeface="한컴 말랑말랑 Bold" panose="020F0803000000000000" pitchFamily="50" charset="-127"/>
+                <a:cs typeface="Times New Roman" panose="02020603050405020304" pitchFamily="18" charset="0"/>
+              </a:rPr>
+              <a:t> </a:t>
+            </a:r>
+            <a:r>
+              <a:rPr lang="en-US" altLang="ko-KR" b="1" dirty="0">
+                <a:solidFill>
+                  <a:srgbClr val="000000"/>
+                </a:solidFill>
+                <a:effectLst>
+                  <a:outerShdw blurRad="38100" dist="38100" dir="2700000" algn="tl">
+                    <a:srgbClr val="000000">
+                      <a:alpha val="43137"/>
+                    </a:srgbClr>
+                  </a:outerShdw>
+                </a:effectLst>
+                <a:latin typeface="한컴 말랑말랑 Bold" panose="020F0803000000000000" pitchFamily="50" charset="-127"/>
+                <a:ea typeface="한컴 말랑말랑 Bold" panose="020F0803000000000000" pitchFamily="50" charset="-127"/>
+                <a:cs typeface="Times New Roman" panose="02020603050405020304" pitchFamily="18" charset="0"/>
+              </a:rPr>
+              <a:t>=</a:t>
+            </a:r>
+            <a:r>
+              <a:rPr lang="ko-KR" altLang="en-US" b="1" dirty="0">
+                <a:solidFill>
+                  <a:srgbClr val="000000"/>
+                </a:solidFill>
+                <a:effectLst>
+                  <a:outerShdw blurRad="38100" dist="38100" dir="2700000" algn="tl">
+                    <a:srgbClr val="000000">
+                      <a:alpha val="43137"/>
+                    </a:srgbClr>
+                  </a:outerShdw>
+                </a:effectLst>
+                <a:latin typeface="한컴 말랑말랑 Bold" panose="020F0803000000000000" pitchFamily="50" charset="-127"/>
+                <a:ea typeface="한컴 말랑말랑 Bold" panose="020F0803000000000000" pitchFamily="50" charset="-127"/>
+                <a:cs typeface="Times New Roman" panose="02020603050405020304" pitchFamily="18" charset="0"/>
+              </a:rPr>
+              <a:t> </a:t>
+            </a:r>
+            <a:r>
+              <a:rPr lang="en-US" altLang="ko-KR" b="1" dirty="0">
+                <a:solidFill>
+                  <a:srgbClr val="000000"/>
+                </a:solidFill>
+                <a:effectLst>
+                  <a:outerShdw blurRad="38100" dist="38100" dir="2700000" algn="tl">
+                    <a:srgbClr val="000000">
+                      <a:alpha val="43137"/>
+                    </a:srgbClr>
+                  </a:outerShdw>
+                </a:effectLst>
+                <a:latin typeface="한컴 말랑말랑 Bold" panose="020F0803000000000000" pitchFamily="50" charset="-127"/>
+                <a:ea typeface="한컴 말랑말랑 Bold" panose="020F0803000000000000" pitchFamily="50" charset="-127"/>
+                <a:cs typeface="Times New Roman" panose="02020603050405020304" pitchFamily="18" charset="0"/>
+              </a:rPr>
+              <a:t>max(0.2,1−</a:t>
+            </a:r>
+            <a:r>
+              <a:rPr lang="ko-KR" altLang="ko-KR" b="1" dirty="0">
+                <a:solidFill>
+                  <a:srgbClr val="000000"/>
+                </a:solidFill>
+                <a:effectLst>
+                  <a:outerShdw blurRad="38100" dist="38100" dir="2700000" algn="tl">
+                    <a:srgbClr val="000000">
+                      <a:alpha val="43137"/>
+                    </a:srgbClr>
+                  </a:outerShdw>
+                </a:effectLst>
+                <a:latin typeface="한컴 말랑말랑 Bold" panose="020F0803000000000000" pitchFamily="50" charset="-127"/>
+                <a:ea typeface="한컴 말랑말랑 Bold" panose="020F0803000000000000" pitchFamily="50" charset="-127"/>
+                <a:cs typeface="Times New Roman" panose="02020603050405020304" pitchFamily="18" charset="0"/>
+              </a:rPr>
+              <a:t>공통향의개수</a:t>
+            </a:r>
+            <a:r>
+              <a:rPr lang="en-US" altLang="ko-KR" b="1" dirty="0">
+                <a:solidFill>
+                  <a:srgbClr val="000000"/>
+                </a:solidFill>
+                <a:effectLst>
+                  <a:outerShdw blurRad="38100" dist="38100" dir="2700000" algn="tl">
+                    <a:srgbClr val="000000">
+                      <a:alpha val="43137"/>
+                    </a:srgbClr>
+                  </a:outerShdw>
+                </a:effectLst>
+                <a:latin typeface="한컴 말랑말랑 Bold" panose="020F0803000000000000" pitchFamily="50" charset="-127"/>
+                <a:ea typeface="한컴 말랑말랑 Bold" panose="020F0803000000000000" pitchFamily="50" charset="-127"/>
+                <a:cs typeface="Times New Roman" panose="02020603050405020304" pitchFamily="18" charset="0"/>
+              </a:rPr>
+              <a:t>/</a:t>
+            </a:r>
+            <a:r>
+              <a:rPr lang="ko-KR" altLang="ko-KR" b="1" dirty="0">
+                <a:solidFill>
+                  <a:srgbClr val="000000"/>
+                </a:solidFill>
+                <a:effectLst>
+                  <a:outerShdw blurRad="38100" dist="38100" dir="2700000" algn="tl">
+                    <a:srgbClr val="000000">
+                      <a:alpha val="43137"/>
+                    </a:srgbClr>
+                  </a:outerShdw>
+                </a:effectLst>
+                <a:latin typeface="한컴 말랑말랑 Bold" panose="020F0803000000000000" pitchFamily="50" charset="-127"/>
+                <a:ea typeface="한컴 말랑말랑 Bold" panose="020F0803000000000000" pitchFamily="50" charset="-127"/>
+                <a:cs typeface="Times New Roman" panose="02020603050405020304" pitchFamily="18" charset="0"/>
+              </a:rPr>
+              <a:t>전통주향의개수</a:t>
+            </a:r>
+            <a:r>
+              <a:rPr lang="en-US" altLang="ko-KR" b="1" dirty="0">
+                <a:solidFill>
+                  <a:srgbClr val="000000"/>
+                </a:solidFill>
+                <a:effectLst>
+                  <a:outerShdw blurRad="38100" dist="38100" dir="2700000" algn="tl">
+                    <a:srgbClr val="000000">
+                      <a:alpha val="43137"/>
+                    </a:srgbClr>
+                  </a:outerShdw>
+                </a:effectLst>
+                <a:latin typeface="한컴 말랑말랑 Bold" panose="020F0803000000000000" pitchFamily="50" charset="-127"/>
+                <a:ea typeface="한컴 말랑말랑 Bold" panose="020F0803000000000000" pitchFamily="50" charset="-127"/>
+                <a:cs typeface="Times New Roman" panose="02020603050405020304" pitchFamily="18" charset="0"/>
+              </a:rPr>
+              <a:t>)</a:t>
+            </a:r>
+            <a:endParaRPr lang="ko-KR" altLang="en-US" b="1" dirty="0">
+              <a:effectLst>
+                <a:outerShdw blurRad="38100" dist="38100" dir="2700000" algn="tl">
+                  <a:srgbClr val="000000">
+                    <a:alpha val="43137"/>
+                  </a:srgbClr>
+                </a:outerShdw>
+              </a:effectLst>
+              <a:latin typeface="한컴 말랑말랑 Bold" panose="020F0803000000000000" pitchFamily="50" charset="-127"/>
+              <a:ea typeface="한컴 말랑말랑 Bold" panose="020F0803000000000000" pitchFamily="50" charset="-127"/>
+            </a:endParaRPr>
+          </a:p>
+        </p:txBody>
+      </p:sp>
+      <p:sp>
+        <p:nvSpPr>
+          <p:cNvPr id="30" name="TextBox 29">
+            <a:extLst>
+              <a:ext uri="{FF2B5EF4-FFF2-40B4-BE49-F238E27FC236}">
+                <a16:creationId xmlns:a16="http://schemas.microsoft.com/office/drawing/2014/main" id="{4F9B90D5-D217-344C-5E3B-862744AD264F}"/>
+              </a:ext>
+            </a:extLst>
+          </p:cNvPr>
+          <p:cNvSpPr txBox="1"/>
+          <p:nvPr/>
+        </p:nvSpPr>
+        <p:spPr>
+          <a:xfrm>
+            <a:off x="5835618" y="3967489"/>
+            <a:ext cx="6096000" cy="365678"/>
+          </a:xfrm>
+          <a:prstGeom prst="rect">
+            <a:avLst/>
+          </a:prstGeom>
+          <a:noFill/>
+        </p:spPr>
+        <p:txBody>
+          <a:bodyPr wrap="square">
+            <a:spAutoFit/>
+          </a:bodyPr>
+          <a:lstStyle/>
+          <a:p>
+            <a:pPr algn="ctr">
+              <a:lnSpc>
+                <a:spcPct val="107000"/>
+              </a:lnSpc>
+              <a:spcAft>
+                <a:spcPts val="800"/>
+              </a:spcAft>
+            </a:pPr>
+            <a:r>
+              <a:rPr lang="en-US" altLang="ko-KR" b="1" kern="100" dirty="0">
+                <a:solidFill>
+                  <a:srgbClr val="000000"/>
+                </a:solidFill>
+                <a:effectLst>
+                  <a:outerShdw blurRad="38100" dist="38100" dir="2700000" algn="tl">
+                    <a:srgbClr val="000000">
+                      <a:alpha val="43137"/>
+                    </a:srgbClr>
+                  </a:outerShdw>
+                </a:effectLst>
+                <a:latin typeface="한컴 말랑말랑 Bold" panose="020F0803000000000000" pitchFamily="50" charset="-127"/>
+                <a:ea typeface="한컴 말랑말랑 Bold" panose="020F0803000000000000" pitchFamily="50" charset="-127"/>
+                <a:cs typeface="Times New Roman" panose="02020603050405020304" pitchFamily="18" charset="0"/>
+              </a:rPr>
+              <a:t>weight=(6−</a:t>
+            </a:r>
+            <a:r>
+              <a:rPr lang="ko-KR" altLang="ko-KR" b="1" kern="100" dirty="0">
+                <a:solidFill>
+                  <a:srgbClr val="000000"/>
+                </a:solidFill>
+                <a:effectLst>
+                  <a:outerShdw blurRad="38100" dist="38100" dir="2700000" algn="tl">
+                    <a:srgbClr val="000000">
+                      <a:alpha val="43137"/>
+                    </a:srgbClr>
+                  </a:outerShdw>
+                </a:effectLst>
+                <a:latin typeface="한컴 말랑말랑 Bold" panose="020F0803000000000000" pitchFamily="50" charset="-127"/>
+                <a:ea typeface="한컴 말랑말랑 Bold" panose="020F0803000000000000" pitchFamily="50" charset="-127"/>
+                <a:cs typeface="Times New Roman" panose="02020603050405020304" pitchFamily="18" charset="0"/>
+              </a:rPr>
+              <a:t>중요요소 값</a:t>
+            </a:r>
+            <a:r>
+              <a:rPr lang="en-US" altLang="ko-KR" b="1" kern="100" dirty="0">
+                <a:solidFill>
+                  <a:srgbClr val="000000"/>
+                </a:solidFill>
+                <a:effectLst>
+                  <a:outerShdw blurRad="38100" dist="38100" dir="2700000" algn="tl">
+                    <a:srgbClr val="000000">
+                      <a:alpha val="43137"/>
+                    </a:srgbClr>
+                  </a:outerShdw>
+                </a:effectLst>
+                <a:latin typeface="한컴 말랑말랑 Bold" panose="020F0803000000000000" pitchFamily="50" charset="-127"/>
+                <a:ea typeface="한컴 말랑말랑 Bold" panose="020F0803000000000000" pitchFamily="50" charset="-127"/>
+                <a:cs typeface="Times New Roman" panose="02020603050405020304" pitchFamily="18" charset="0"/>
+              </a:rPr>
+              <a:t>)/5</a:t>
+            </a:r>
+            <a:endParaRPr lang="ko-KR" altLang="ko-KR" b="1" kern="100" dirty="0">
+              <a:effectLst>
+                <a:outerShdw blurRad="38100" dist="38100" dir="2700000" algn="tl">
+                  <a:srgbClr val="000000">
+                    <a:alpha val="43137"/>
+                  </a:srgbClr>
+                </a:outerShdw>
+              </a:effectLst>
+              <a:latin typeface="한컴 말랑말랑 Bold" panose="020F0803000000000000" pitchFamily="50" charset="-127"/>
+              <a:ea typeface="한컴 말랑말랑 Bold" panose="020F0803000000000000" pitchFamily="50" charset="-127"/>
+              <a:cs typeface="Times New Roman" panose="02020603050405020304" pitchFamily="18" charset="0"/>
+            </a:endParaRPr>
+          </a:p>
+        </p:txBody>
+      </p:sp>
+      <p:grpSp>
+        <p:nvGrpSpPr>
+          <p:cNvPr id="34" name="그룹 33">
+            <a:extLst>
+              <a:ext uri="{FF2B5EF4-FFF2-40B4-BE49-F238E27FC236}">
+                <a16:creationId xmlns:a16="http://schemas.microsoft.com/office/drawing/2014/main" id="{27CE8796-A132-94ED-A8ED-00B303A82146}"/>
+              </a:ext>
+            </a:extLst>
+          </p:cNvPr>
+          <p:cNvGrpSpPr/>
+          <p:nvPr/>
+        </p:nvGrpSpPr>
+        <p:grpSpPr>
+          <a:xfrm>
+            <a:off x="1820396" y="2239086"/>
+            <a:ext cx="1945340" cy="1685965"/>
+            <a:chOff x="7005917" y="2355918"/>
+            <a:chExt cx="1945340" cy="1685965"/>
+          </a:xfrm>
+        </p:grpSpPr>
+        <p:pic>
+          <p:nvPicPr>
+            <p:cNvPr id="35" name="Picture 2" descr="Group ">
+              <a:extLst>
+                <a:ext uri="{FF2B5EF4-FFF2-40B4-BE49-F238E27FC236}">
+                  <a16:creationId xmlns:a16="http://schemas.microsoft.com/office/drawing/2014/main" id="{A1F0F738-3538-6CD6-D70B-5DD4BEE782D5}"/>
+                </a:ext>
+              </a:extLst>
+            </p:cNvPr>
+            <p:cNvPicPr>
+              <a:picLocks noChangeAspect="1" noChangeArrowheads="1"/>
+            </p:cNvPicPr>
+            <p:nvPr/>
+          </p:nvPicPr>
+          <p:blipFill>
+            <a:blip r:embed="rId2">
+              <a:extLst>
+                <a:ext uri="{28A0092B-C50C-407E-A947-70E740481C1C}">
+                  <a14:useLocalDpi xmlns:a14="http://schemas.microsoft.com/office/drawing/2010/main" val="0"/>
+                </a:ext>
+              </a:extLst>
+            </a:blip>
+            <a:srcRect/>
+            <a:stretch>
+              <a:fillRect/>
+            </a:stretch>
+          </p:blipFill>
+          <p:spPr bwMode="auto">
+            <a:xfrm>
+              <a:off x="7436221" y="2355918"/>
+              <a:ext cx="1219200" cy="1219200"/>
+            </a:xfrm>
+            <a:prstGeom prst="rect">
+              <a:avLst/>
+            </a:prstGeom>
+            <a:noFill/>
+            <a:extLst>
+              <a:ext uri="{909E8E84-426E-40DD-AFC4-6F175D3DCCD1}">
+                <a14:hiddenFill xmlns:a14="http://schemas.microsoft.com/office/drawing/2010/main">
+                  <a:solidFill>
+                    <a:srgbClr val="FFFFFF"/>
+                  </a:solidFill>
+                </a14:hiddenFill>
+              </a:ext>
+            </a:extLst>
+          </p:spPr>
+        </p:pic>
+        <p:sp>
+          <p:nvSpPr>
+            <p:cNvPr id="36" name="TextBox 35">
+              <a:extLst>
+                <a:ext uri="{FF2B5EF4-FFF2-40B4-BE49-F238E27FC236}">
+                  <a16:creationId xmlns:a16="http://schemas.microsoft.com/office/drawing/2014/main" id="{1457A045-31ED-BCE4-64AD-665745B5E8A4}"/>
+                </a:ext>
+              </a:extLst>
+            </p:cNvPr>
+            <p:cNvSpPr txBox="1"/>
+            <p:nvPr/>
+          </p:nvSpPr>
+          <p:spPr>
+            <a:xfrm>
+              <a:off x="7005917" y="3672551"/>
+              <a:ext cx="1945340" cy="369332"/>
+            </a:xfrm>
+            <a:prstGeom prst="rect">
+              <a:avLst/>
+            </a:prstGeom>
+            <a:noFill/>
+          </p:spPr>
+          <p:txBody>
+            <a:bodyPr wrap="square" rtlCol="0">
+              <a:spAutoFit/>
+            </a:bodyPr>
+            <a:lstStyle/>
+            <a:p>
+              <a:pPr algn="ctr"/>
+              <a:r>
+                <a:rPr lang="ko-KR" altLang="en-US" b="1" dirty="0">
+                  <a:latin typeface="한컴 말랑말랑 Bold" panose="020F0803000000000000" pitchFamily="50" charset="-127"/>
+                  <a:ea typeface="한컴 말랑말랑 Bold" panose="020F0803000000000000" pitchFamily="50" charset="-127"/>
+                </a:rPr>
+                <a:t>향의 종류 선호</a:t>
+              </a:r>
+            </a:p>
+          </p:txBody>
+        </p:sp>
+      </p:grpSp>
+      <p:grpSp>
+        <p:nvGrpSpPr>
+          <p:cNvPr id="41" name="그룹 40">
+            <a:extLst>
+              <a:ext uri="{FF2B5EF4-FFF2-40B4-BE49-F238E27FC236}">
+                <a16:creationId xmlns:a16="http://schemas.microsoft.com/office/drawing/2014/main" id="{356F8FD9-F4AD-C11E-9402-0AB04EFE8E1A}"/>
+              </a:ext>
+            </a:extLst>
+          </p:cNvPr>
+          <p:cNvGrpSpPr/>
+          <p:nvPr/>
+        </p:nvGrpSpPr>
+        <p:grpSpPr>
+          <a:xfrm>
+            <a:off x="7634784" y="2149500"/>
+            <a:ext cx="2497668" cy="1803375"/>
+            <a:chOff x="1122890" y="3699592"/>
+            <a:chExt cx="2497668" cy="1803375"/>
+          </a:xfrm>
+        </p:grpSpPr>
+        <p:sp>
+          <p:nvSpPr>
+            <p:cNvPr id="23" name="TextBox 22">
+              <a:extLst>
+                <a:ext uri="{FF2B5EF4-FFF2-40B4-BE49-F238E27FC236}">
+                  <a16:creationId xmlns:a16="http://schemas.microsoft.com/office/drawing/2014/main" id="{B87AD62B-B050-4C6A-BDBE-C06C7646B038}"/>
+                </a:ext>
+              </a:extLst>
+            </p:cNvPr>
+            <p:cNvSpPr txBox="1"/>
+            <p:nvPr/>
+          </p:nvSpPr>
+          <p:spPr>
+            <a:xfrm>
+              <a:off x="1122890" y="5256746"/>
+              <a:ext cx="2497668" cy="246221"/>
+            </a:xfrm>
+            <a:prstGeom prst="rect">
+              <a:avLst/>
+            </a:prstGeom>
+            <a:noFill/>
+          </p:spPr>
+          <p:txBody>
+            <a:bodyPr wrap="square" rtlCol="0">
+              <a:spAutoFit/>
+            </a:bodyPr>
+            <a:lstStyle/>
+            <a:p>
+              <a:pPr algn="ctr"/>
+              <a:r>
+                <a:rPr lang="ko-KR" altLang="en-US" sz="1000" b="1" dirty="0">
+                  <a:effectLst>
+                    <a:outerShdw blurRad="38100" dist="38100" dir="2700000" algn="tl">
+                      <a:srgbClr val="000000">
+                        <a:alpha val="43137"/>
+                      </a:srgbClr>
+                    </a:outerShdw>
+                  </a:effectLst>
+                  <a:latin typeface="한컴 말랑말랑 Bold" panose="020F0803000000000000" pitchFamily="50" charset="-127"/>
+                  <a:ea typeface="한컴 말랑말랑 Bold" panose="020F0803000000000000" pitchFamily="50" charset="-127"/>
+                </a:rPr>
+                <a:t>향의 강도</a:t>
+              </a:r>
+              <a:r>
+                <a:rPr lang="en-US" altLang="ko-KR" sz="1000" b="1" dirty="0">
+                  <a:effectLst>
+                    <a:outerShdw blurRad="38100" dist="38100" dir="2700000" algn="tl">
+                      <a:srgbClr val="000000">
+                        <a:alpha val="43137"/>
+                      </a:srgbClr>
+                    </a:outerShdw>
+                  </a:effectLst>
+                  <a:latin typeface="한컴 말랑말랑 Bold" panose="020F0803000000000000" pitchFamily="50" charset="-127"/>
+                  <a:ea typeface="한컴 말랑말랑 Bold" panose="020F0803000000000000" pitchFamily="50" charset="-127"/>
+                </a:rPr>
+                <a:t>, </a:t>
+              </a:r>
+              <a:r>
+                <a:rPr lang="ko-KR" altLang="en-US" sz="1000" b="1" dirty="0">
+                  <a:effectLst>
+                    <a:outerShdw blurRad="38100" dist="38100" dir="2700000" algn="tl">
+                      <a:srgbClr val="000000">
+                        <a:alpha val="43137"/>
+                      </a:srgbClr>
+                    </a:outerShdw>
+                  </a:effectLst>
+                  <a:latin typeface="한컴 말랑말랑 Bold" panose="020F0803000000000000" pitchFamily="50" charset="-127"/>
+                  <a:ea typeface="한컴 말랑말랑 Bold" panose="020F0803000000000000" pitchFamily="50" charset="-127"/>
+                </a:rPr>
+                <a:t>단맛</a:t>
+              </a:r>
+              <a:r>
+                <a:rPr lang="en-US" altLang="ko-KR" sz="1000" b="1" dirty="0">
+                  <a:effectLst>
+                    <a:outerShdw blurRad="38100" dist="38100" dir="2700000" algn="tl">
+                      <a:srgbClr val="000000">
+                        <a:alpha val="43137"/>
+                      </a:srgbClr>
+                    </a:outerShdw>
+                  </a:effectLst>
+                  <a:latin typeface="한컴 말랑말랑 Bold" panose="020F0803000000000000" pitchFamily="50" charset="-127"/>
+                  <a:ea typeface="한컴 말랑말랑 Bold" panose="020F0803000000000000" pitchFamily="50" charset="-127"/>
+                </a:rPr>
+                <a:t>,</a:t>
+              </a:r>
+              <a:r>
+                <a:rPr lang="ko-KR" altLang="en-US" sz="1000" b="1" dirty="0">
+                  <a:effectLst>
+                    <a:outerShdw blurRad="38100" dist="38100" dir="2700000" algn="tl">
+                      <a:srgbClr val="000000">
+                        <a:alpha val="43137"/>
+                      </a:srgbClr>
+                    </a:outerShdw>
+                  </a:effectLst>
+                  <a:latin typeface="한컴 말랑말랑 Bold" panose="020F0803000000000000" pitchFamily="50" charset="-127"/>
+                  <a:ea typeface="한컴 말랑말랑 Bold" panose="020F0803000000000000" pitchFamily="50" charset="-127"/>
+                </a:rPr>
+                <a:t>신맛</a:t>
+              </a:r>
+              <a:r>
+                <a:rPr lang="en-US" altLang="ko-KR" sz="1000" b="1" dirty="0">
+                  <a:effectLst>
+                    <a:outerShdw blurRad="38100" dist="38100" dir="2700000" algn="tl">
+                      <a:srgbClr val="000000">
+                        <a:alpha val="43137"/>
+                      </a:srgbClr>
+                    </a:outerShdw>
+                  </a:effectLst>
+                  <a:latin typeface="한컴 말랑말랑 Bold" panose="020F0803000000000000" pitchFamily="50" charset="-127"/>
+                  <a:ea typeface="한컴 말랑말랑 Bold" panose="020F0803000000000000" pitchFamily="50" charset="-127"/>
+                </a:rPr>
+                <a:t>,</a:t>
+              </a:r>
+              <a:r>
+                <a:rPr lang="ko-KR" altLang="en-US" sz="1000" b="1" dirty="0">
+                  <a:effectLst>
+                    <a:outerShdw blurRad="38100" dist="38100" dir="2700000" algn="tl">
+                      <a:srgbClr val="000000">
+                        <a:alpha val="43137"/>
+                      </a:srgbClr>
+                    </a:outerShdw>
+                  </a:effectLst>
+                  <a:latin typeface="한컴 말랑말랑 Bold" panose="020F0803000000000000" pitchFamily="50" charset="-127"/>
+                  <a:ea typeface="한컴 말랑말랑 Bold" panose="020F0803000000000000" pitchFamily="50" charset="-127"/>
+                </a:rPr>
+                <a:t>청량감</a:t>
+              </a:r>
+              <a:r>
+                <a:rPr lang="en-US" altLang="ko-KR" sz="1000" b="1" dirty="0">
+                  <a:effectLst>
+                    <a:outerShdw blurRad="38100" dist="38100" dir="2700000" algn="tl">
+                      <a:srgbClr val="000000">
+                        <a:alpha val="43137"/>
+                      </a:srgbClr>
+                    </a:outerShdw>
+                  </a:effectLst>
+                  <a:latin typeface="한컴 말랑말랑 Bold" panose="020F0803000000000000" pitchFamily="50" charset="-127"/>
+                  <a:ea typeface="한컴 말랑말랑 Bold" panose="020F0803000000000000" pitchFamily="50" charset="-127"/>
+                </a:rPr>
+                <a:t>, </a:t>
+              </a:r>
+              <a:r>
+                <a:rPr lang="ko-KR" altLang="en-US" sz="1000" b="1" dirty="0">
+                  <a:effectLst>
+                    <a:outerShdw blurRad="38100" dist="38100" dir="2700000" algn="tl">
+                      <a:srgbClr val="000000">
+                        <a:alpha val="43137"/>
+                      </a:srgbClr>
+                    </a:outerShdw>
+                  </a:effectLst>
+                  <a:latin typeface="한컴 말랑말랑 Bold" panose="020F0803000000000000" pitchFamily="50" charset="-127"/>
+                  <a:ea typeface="한컴 말랑말랑 Bold" panose="020F0803000000000000" pitchFamily="50" charset="-127"/>
+                </a:rPr>
+                <a:t>바디감</a:t>
+              </a:r>
+            </a:p>
+          </p:txBody>
+        </p:sp>
+        <p:grpSp>
+          <p:nvGrpSpPr>
+            <p:cNvPr id="37" name="그룹 36">
+              <a:extLst>
+                <a:ext uri="{FF2B5EF4-FFF2-40B4-BE49-F238E27FC236}">
+                  <a16:creationId xmlns:a16="http://schemas.microsoft.com/office/drawing/2014/main" id="{80856F06-C75F-B544-CAE3-E426319AEA6F}"/>
+                </a:ext>
+              </a:extLst>
+            </p:cNvPr>
+            <p:cNvGrpSpPr/>
+            <p:nvPr/>
+          </p:nvGrpSpPr>
+          <p:grpSpPr>
+            <a:xfrm>
+              <a:off x="1354230" y="3699592"/>
+              <a:ext cx="2034989" cy="1557154"/>
+              <a:chOff x="9323293" y="2505635"/>
+              <a:chExt cx="2034989" cy="1557154"/>
+            </a:xfrm>
+          </p:grpSpPr>
+          <p:pic>
+            <p:nvPicPr>
+              <p:cNvPr id="38" name="Picture 4" descr="Team">
+                <a:extLst>
+                  <a:ext uri="{FF2B5EF4-FFF2-40B4-BE49-F238E27FC236}">
+                    <a16:creationId xmlns:a16="http://schemas.microsoft.com/office/drawing/2014/main" id="{57B10D0A-172D-1F27-0FD3-F128C78B4C50}"/>
+                  </a:ext>
+                </a:extLst>
+              </p:cNvPr>
+              <p:cNvPicPr>
+                <a:picLocks noChangeAspect="1" noChangeArrowheads="1"/>
+              </p:cNvPicPr>
+              <p:nvPr/>
+            </p:nvPicPr>
+            <p:blipFill>
+              <a:blip r:embed="rId3">
+                <a:extLst>
+                  <a:ext uri="{28A0092B-C50C-407E-A947-70E740481C1C}">
+                    <a14:useLocalDpi xmlns:a14="http://schemas.microsoft.com/office/drawing/2010/main" val="0"/>
+                  </a:ext>
+                </a:extLst>
+              </a:blip>
+              <a:srcRect/>
+              <a:stretch>
+                <a:fillRect/>
+              </a:stretch>
+            </p:blipFill>
+            <p:spPr bwMode="auto">
+              <a:xfrm>
+                <a:off x="9789459" y="2505635"/>
+                <a:ext cx="1219200" cy="1219200"/>
+              </a:xfrm>
+              <a:prstGeom prst="rect">
+                <a:avLst/>
+              </a:prstGeom>
+              <a:noFill/>
+              <a:extLst>
+                <a:ext uri="{909E8E84-426E-40DD-AFC4-6F175D3DCCD1}">
+                  <a14:hiddenFill xmlns:a14="http://schemas.microsoft.com/office/drawing/2010/main">
+                    <a:solidFill>
+                      <a:srgbClr val="FFFFFF"/>
+                    </a:solidFill>
+                  </a14:hiddenFill>
+                </a:ext>
+              </a:extLst>
+            </p:spPr>
+          </p:pic>
+          <p:sp>
+            <p:nvSpPr>
+              <p:cNvPr id="39" name="TextBox 38">
+                <a:extLst>
+                  <a:ext uri="{FF2B5EF4-FFF2-40B4-BE49-F238E27FC236}">
+                    <a16:creationId xmlns:a16="http://schemas.microsoft.com/office/drawing/2014/main" id="{C4795AB1-DDDB-9148-FAC3-86887300469E}"/>
+                  </a:ext>
+                </a:extLst>
+              </p:cNvPr>
+              <p:cNvSpPr txBox="1"/>
+              <p:nvPr/>
+            </p:nvSpPr>
+            <p:spPr>
+              <a:xfrm>
+                <a:off x="9323293" y="3693457"/>
+                <a:ext cx="2034989" cy="369332"/>
+              </a:xfrm>
+              <a:prstGeom prst="rect">
+                <a:avLst/>
+              </a:prstGeom>
+              <a:noFill/>
+            </p:spPr>
+            <p:txBody>
+              <a:bodyPr wrap="square" rtlCol="0">
+                <a:spAutoFit/>
+              </a:bodyPr>
+              <a:lstStyle/>
+              <a:p>
+                <a:pPr algn="ctr"/>
+                <a:r>
+                  <a:rPr lang="ko-KR" altLang="en-US" b="1" dirty="0">
+                    <a:latin typeface="한컴 말랑말랑 Bold" panose="020F0803000000000000" pitchFamily="50" charset="-127"/>
+                    <a:ea typeface="한컴 말랑말랑 Bold" panose="020F0803000000000000" pitchFamily="50" charset="-127"/>
+                  </a:rPr>
+                  <a:t>이외 요소 선호</a:t>
+                </a:r>
+              </a:p>
+            </p:txBody>
+          </p:sp>
+        </p:grpSp>
+      </p:grpSp>
+      <p:sp>
+        <p:nvSpPr>
+          <p:cNvPr id="40" name="TextBox 39">
+            <a:extLst>
+              <a:ext uri="{FF2B5EF4-FFF2-40B4-BE49-F238E27FC236}">
+                <a16:creationId xmlns:a16="http://schemas.microsoft.com/office/drawing/2014/main" id="{4710E2D7-5F4F-77A0-0900-BDCE6503DA97}"/>
+              </a:ext>
+            </a:extLst>
+          </p:cNvPr>
+          <p:cNvSpPr txBox="1"/>
+          <p:nvPr/>
+        </p:nvSpPr>
+        <p:spPr>
+          <a:xfrm>
+            <a:off x="0" y="5461076"/>
+            <a:ext cx="12191999" cy="646331"/>
+          </a:xfrm>
+          <a:prstGeom prst="rect">
+            <a:avLst/>
+          </a:prstGeom>
+          <a:noFill/>
+        </p:spPr>
+        <p:txBody>
+          <a:bodyPr wrap="square" rtlCol="0">
+            <a:spAutoFit/>
+          </a:bodyPr>
+          <a:lstStyle/>
+          <a:p>
+            <a:pPr algn="ctr"/>
+            <a:r>
+              <a:rPr lang="ko-KR" altLang="en-US" dirty="0">
+                <a:latin typeface="한컴 말랑말랑 Bold" panose="020F0803000000000000" pitchFamily="50" charset="-127"/>
+                <a:ea typeface="한컴 말랑말랑 Bold" panose="020F0803000000000000" pitchFamily="50" charset="-127"/>
+              </a:rPr>
+              <a:t>가중치에 대한 명확한 공식이 없어 </a:t>
+            </a:r>
+            <a:r>
+              <a:rPr lang="ko-KR" altLang="en-US" dirty="0">
+                <a:solidFill>
+                  <a:srgbClr val="0070C0"/>
+                </a:solidFill>
+                <a:latin typeface="한컴 말랑말랑 Bold" panose="020F0803000000000000" pitchFamily="50" charset="-127"/>
+                <a:ea typeface="한컴 말랑말랑 Bold" panose="020F0803000000000000" pitchFamily="50" charset="-127"/>
+              </a:rPr>
+              <a:t>초기에는 임의로 설정</a:t>
+            </a:r>
+            <a:endParaRPr lang="en-US" altLang="ko-KR" dirty="0">
+              <a:solidFill>
+                <a:srgbClr val="0070C0"/>
+              </a:solidFill>
+              <a:latin typeface="한컴 말랑말랑 Bold" panose="020F0803000000000000" pitchFamily="50" charset="-127"/>
+              <a:ea typeface="한컴 말랑말랑 Bold" panose="020F0803000000000000" pitchFamily="50" charset="-127"/>
+            </a:endParaRPr>
+          </a:p>
+          <a:p>
+            <a:pPr algn="ctr"/>
+            <a:r>
+              <a:rPr lang="ko-KR" altLang="en-US" dirty="0">
+                <a:latin typeface="한컴 말랑말랑 Bold" panose="020F0803000000000000" pitchFamily="50" charset="-127"/>
+                <a:ea typeface="한컴 말랑말랑 Bold" panose="020F0803000000000000" pitchFamily="50" charset="-127"/>
+              </a:rPr>
+              <a:t>해당 가중치는 서비스 출시 이후 </a:t>
+            </a:r>
+            <a:r>
+              <a:rPr lang="ko-KR" altLang="en-US" dirty="0">
+                <a:solidFill>
+                  <a:srgbClr val="0070C0"/>
+                </a:solidFill>
+                <a:latin typeface="한컴 말랑말랑 Bold" panose="020F0803000000000000" pitchFamily="50" charset="-127"/>
+                <a:ea typeface="한컴 말랑말랑 Bold" panose="020F0803000000000000" pitchFamily="50" charset="-127"/>
+              </a:rPr>
+              <a:t>사용자의 반응에 따라 조정</a:t>
+            </a:r>
+            <a:r>
+              <a:rPr lang="ko-KR" altLang="en-US" dirty="0">
+                <a:latin typeface="한컴 말랑말랑 Bold" panose="020F0803000000000000" pitchFamily="50" charset="-127"/>
+                <a:ea typeface="한컴 말랑말랑 Bold" panose="020F0803000000000000" pitchFamily="50" charset="-127"/>
+              </a:rPr>
+              <a:t>할 예정</a:t>
             </a:r>
           </a:p>
         </p:txBody>
@@ -16285,7 +21428,7 @@
     </p:spTree>
     <p:extLst>
       <p:ext uri="{BB962C8B-B14F-4D97-AF65-F5344CB8AC3E}">
-        <p14:creationId xmlns:p14="http://schemas.microsoft.com/office/powerpoint/2010/main" val="3039887316"/>
+        <p14:creationId xmlns:p14="http://schemas.microsoft.com/office/powerpoint/2010/main" val="1756676728"/>
       </p:ext>
     </p:extLst>
   </p:cSld>
@@ -20452,7 +25595,7 @@
                     <a:p>
                       <a:pPr algn="ctr" fontAlgn="ctr"/>
                       <a:r>
-                        <a:rPr lang="ko-KR" altLang="en-US" sz="1200" u="none" strike="noStrike" dirty="0" err="1">
+                        <a:rPr lang="ko-KR" altLang="en-US" sz="1200" u="none" strike="noStrike" dirty="0">
                           <a:effectLst/>
                           <a:latin typeface="한컴 말랑말랑 Bold" panose="020F0803000000000000" pitchFamily="50" charset="-127"/>
                           <a:ea typeface="한컴 말랑말랑 Bold" panose="020F0803000000000000" pitchFamily="50" charset="-127"/>
@@ -24740,7 +29883,7 @@
                     <a:p>
                       <a:pPr algn="ctr" fontAlgn="ctr"/>
                       <a:r>
-                        <a:rPr lang="ko-KR" altLang="en-US" sz="1200" b="1" u="none" strike="noStrike">
+                        <a:rPr lang="ko-KR" altLang="en-US" sz="1200" b="1" u="none" strike="noStrike" dirty="0">
                           <a:effectLst/>
                           <a:latin typeface="한컴 말랑말랑 Bold" panose="020F0803000000000000" pitchFamily="50" charset="-127"/>
                           <a:ea typeface="한컴 말랑말랑 Bold" panose="020F0803000000000000" pitchFamily="50" charset="-127"/>
